--- a/PPT-2020/ch06 字符编码与字频统计.pptx
+++ b/PPT-2020/ch06 字符编码与字频统计.pptx
@@ -9,8 +9,13 @@
     <p:sldId id="257" r:id="rId3"/>
     <p:sldId id="258" r:id="rId4"/>
     <p:sldId id="259" r:id="rId5"/>
-    <p:sldId id="260" r:id="rId6"/>
-    <p:sldId id="261" r:id="rId7"/>
+    <p:sldId id="263" r:id="rId6"/>
+    <p:sldId id="264" r:id="rId7"/>
+    <p:sldId id="265" r:id="rId8"/>
+    <p:sldId id="262" r:id="rId9"/>
+    <p:sldId id="267" r:id="rId10"/>
+    <p:sldId id="260" r:id="rId11"/>
+    <p:sldId id="261" r:id="rId12"/>
   </p:sldIdLst>
   <p:sldSz cx="12192000" cy="6858000"/>
   <p:notesSz cx="6858000" cy="9144000"/>
@@ -7885,6 +7890,249 @@
 </p:sld>
 </file>
 
+<file path=ppt/slides/slide10.xml><?xml version="1.0" encoding="utf-8"?>
+<p:sld xmlns:a="http://schemas.openxmlformats.org/drawingml/2006/main" xmlns:r="http://schemas.openxmlformats.org/officeDocument/2006/relationships" xmlns:p="http://schemas.openxmlformats.org/presentationml/2006/main">
+  <p:cSld>
+    <p:spTree>
+      <p:nvGrpSpPr>
+        <p:cNvPr id="1" name=""/>
+        <p:cNvGrpSpPr/>
+        <p:nvPr/>
+      </p:nvGrpSpPr>
+      <p:grpSpPr>
+        <a:xfrm>
+          <a:off x="0" y="0"/>
+          <a:ext cx="0" cy="0"/>
+          <a:chOff x="0" y="0"/>
+          <a:chExt cx="0" cy="0"/>
+        </a:xfrm>
+      </p:grpSpPr>
+      <p:sp>
+        <p:nvSpPr>
+          <p:cNvPr id="2" name="标题 1">
+            <a:extLst>
+              <a:ext uri="{FF2B5EF4-FFF2-40B4-BE49-F238E27FC236}">
+                <a16:creationId xmlns:a16="http://schemas.microsoft.com/office/drawing/2014/main" id="{B1AA155A-4A36-4085-BF68-DD9783C31505}"/>
+              </a:ext>
+            </a:extLst>
+          </p:cNvPr>
+          <p:cNvSpPr>
+            <a:spLocks noGrp="1"/>
+          </p:cNvSpPr>
+          <p:nvPr>
+            <p:ph type="title"/>
+          </p:nvPr>
+        </p:nvSpPr>
+        <p:spPr/>
+        <p:txBody>
+          <a:bodyPr/>
+          <a:lstStyle/>
+          <a:p>
+            <a:r>
+              <a:rPr lang="en-US" altLang="zh-CN" dirty="0"/>
+              <a:t>6.3 </a:t>
+            </a:r>
+            <a:r>
+              <a:rPr lang="zh-CN" altLang="en-US" dirty="0"/>
+              <a:t>字符编码知识的作用</a:t>
+            </a:r>
+            <a:endParaRPr lang="zh-CN" altLang="en-US" b="1" dirty="0"/>
+          </a:p>
+        </p:txBody>
+      </p:sp>
+      <p:sp>
+        <p:nvSpPr>
+          <p:cNvPr id="3" name="内容占位符 2">
+            <a:extLst>
+              <a:ext uri="{FF2B5EF4-FFF2-40B4-BE49-F238E27FC236}">
+                <a16:creationId xmlns:a16="http://schemas.microsoft.com/office/drawing/2014/main" id="{81B33DC0-BF5D-412E-AF38-E6D4F60B9A29}"/>
+              </a:ext>
+            </a:extLst>
+          </p:cNvPr>
+          <p:cNvSpPr>
+            <a:spLocks noGrp="1"/>
+          </p:cNvSpPr>
+          <p:nvPr>
+            <p:ph idx="1"/>
+          </p:nvPr>
+        </p:nvSpPr>
+        <p:spPr>
+          <a:xfrm>
+            <a:off x="680321" y="2336873"/>
+            <a:ext cx="9613861" cy="4115808"/>
+          </a:xfrm>
+        </p:spPr>
+        <p:txBody>
+          <a:bodyPr>
+            <a:noAutofit/>
+          </a:bodyPr>
+          <a:lstStyle/>
+          <a:p>
+            <a:pPr marL="0" indent="0">
+              <a:buNone/>
+            </a:pPr>
+            <a:br>
+              <a:rPr lang="zh-CN" altLang="en-US" dirty="0"/>
+            </a:br>
+            <a:endParaRPr lang="zh-CN" altLang="en-US" dirty="0"/>
+          </a:p>
+        </p:txBody>
+      </p:sp>
+    </p:spTree>
+    <p:extLst>
+      <p:ext uri="{BB962C8B-B14F-4D97-AF65-F5344CB8AC3E}">
+        <p14:creationId xmlns:p14="http://schemas.microsoft.com/office/powerpoint/2010/main" val="1289760301"/>
+      </p:ext>
+    </p:extLst>
+  </p:cSld>
+  <p:clrMapOvr>
+    <a:masterClrMapping/>
+  </p:clrMapOvr>
+</p:sld>
+</file>
+
+<file path=ppt/slides/slide11.xml><?xml version="1.0" encoding="utf-8"?>
+<p:sld xmlns:a="http://schemas.openxmlformats.org/drawingml/2006/main" xmlns:r="http://schemas.openxmlformats.org/officeDocument/2006/relationships" xmlns:p="http://schemas.openxmlformats.org/presentationml/2006/main">
+  <p:cSld>
+    <p:spTree>
+      <p:nvGrpSpPr>
+        <p:cNvPr id="1" name=""/>
+        <p:cNvGrpSpPr/>
+        <p:nvPr/>
+      </p:nvGrpSpPr>
+      <p:grpSpPr>
+        <a:xfrm>
+          <a:off x="0" y="0"/>
+          <a:ext cx="0" cy="0"/>
+          <a:chOff x="0" y="0"/>
+          <a:chExt cx="0" cy="0"/>
+        </a:xfrm>
+      </p:grpSpPr>
+      <p:sp>
+        <p:nvSpPr>
+          <p:cNvPr id="2" name="标题 1">
+            <a:extLst>
+              <a:ext uri="{FF2B5EF4-FFF2-40B4-BE49-F238E27FC236}">
+                <a16:creationId xmlns:a16="http://schemas.microsoft.com/office/drawing/2014/main" id="{B1AA155A-4A36-4085-BF68-DD9783C31505}"/>
+              </a:ext>
+            </a:extLst>
+          </p:cNvPr>
+          <p:cNvSpPr>
+            <a:spLocks noGrp="1"/>
+          </p:cNvSpPr>
+          <p:nvPr>
+            <p:ph type="title"/>
+          </p:nvPr>
+        </p:nvSpPr>
+        <p:spPr/>
+        <p:txBody>
+          <a:bodyPr/>
+          <a:lstStyle/>
+          <a:p>
+            <a:r>
+              <a:rPr lang="en-US" altLang="zh-CN" dirty="0"/>
+              <a:t>6.4 </a:t>
+            </a:r>
+            <a:r>
+              <a:rPr lang="zh-CN" altLang="en-US" dirty="0"/>
+              <a:t>字频统计</a:t>
+            </a:r>
+            <a:endParaRPr lang="zh-CN" altLang="en-US" b="1" dirty="0"/>
+          </a:p>
+        </p:txBody>
+      </p:sp>
+      <p:sp>
+        <p:nvSpPr>
+          <p:cNvPr id="3" name="内容占位符 2">
+            <a:extLst>
+              <a:ext uri="{FF2B5EF4-FFF2-40B4-BE49-F238E27FC236}">
+                <a16:creationId xmlns:a16="http://schemas.microsoft.com/office/drawing/2014/main" id="{81B33DC0-BF5D-412E-AF38-E6D4F60B9A29}"/>
+              </a:ext>
+            </a:extLst>
+          </p:cNvPr>
+          <p:cNvSpPr>
+            <a:spLocks noGrp="1"/>
+          </p:cNvSpPr>
+          <p:nvPr>
+            <p:ph idx="1"/>
+          </p:nvPr>
+        </p:nvSpPr>
+        <p:spPr>
+          <a:xfrm>
+            <a:off x="680321" y="2336873"/>
+            <a:ext cx="9613861" cy="4115808"/>
+          </a:xfrm>
+        </p:spPr>
+        <p:txBody>
+          <a:bodyPr>
+            <a:noAutofit/>
+          </a:bodyPr>
+          <a:lstStyle/>
+          <a:p>
+            <a:pPr marL="0" indent="0">
+              <a:buNone/>
+            </a:pPr>
+            <a:br>
+              <a:rPr lang="zh-CN" altLang="en-US"/>
+            </a:br>
+            <a:r>
+              <a:rPr lang="zh-CN" altLang="en-US" dirty="0"/>
+              <a:t>　　</a:t>
+            </a:r>
+            <a:r>
+              <a:rPr lang="en-US" altLang="zh-CN" dirty="0"/>
+              <a:t>6.4.1 </a:t>
+            </a:r>
+            <a:r>
+              <a:rPr lang="zh-CN" altLang="en-US" dirty="0"/>
+              <a:t>字频统计的应用</a:t>
+            </a:r>
+            <a:br>
+              <a:rPr lang="zh-CN" altLang="en-US" dirty="0"/>
+            </a:br>
+            <a:r>
+              <a:rPr lang="zh-CN" altLang="en-US" dirty="0"/>
+              <a:t>　　</a:t>
+            </a:r>
+            <a:r>
+              <a:rPr lang="en-US" altLang="zh-CN" dirty="0"/>
+              <a:t>6.4.2 </a:t>
+            </a:r>
+            <a:r>
+              <a:rPr lang="zh-CN" altLang="en-US" dirty="0"/>
+              <a:t>单字字频统计</a:t>
+            </a:r>
+            <a:br>
+              <a:rPr lang="zh-CN" altLang="en-US" dirty="0"/>
+            </a:br>
+            <a:r>
+              <a:rPr lang="zh-CN" altLang="en-US" dirty="0"/>
+              <a:t>　　</a:t>
+            </a:r>
+            <a:r>
+              <a:rPr lang="en-US" altLang="zh-CN" dirty="0"/>
+              <a:t>6.4.3 </a:t>
+            </a:r>
+            <a:r>
+              <a:rPr lang="zh-CN" altLang="en-US" dirty="0"/>
+              <a:t>双字字频统计</a:t>
+            </a:r>
+          </a:p>
+        </p:txBody>
+      </p:sp>
+    </p:spTree>
+    <p:extLst>
+      <p:ext uri="{BB962C8B-B14F-4D97-AF65-F5344CB8AC3E}">
+        <p14:creationId xmlns:p14="http://schemas.microsoft.com/office/powerpoint/2010/main" val="1335123535"/>
+      </p:ext>
+    </p:extLst>
+  </p:cSld>
+  <p:clrMapOvr>
+    <a:masterClrMapping/>
+  </p:clrMapOvr>
+</p:sld>
+</file>
+
 <file path=ppt/slides/slide2.xml><?xml version="1.0" encoding="utf-8"?>
 <p:sld xmlns:a="http://schemas.openxmlformats.org/drawingml/2006/main" xmlns:r="http://schemas.openxmlformats.org/officeDocument/2006/relationships" xmlns:p="http://schemas.openxmlformats.org/presentationml/2006/main">
   <p:cSld>
@@ -7994,9 +8242,6 @@
               <a:rPr lang="zh-CN" altLang="en-US" dirty="0"/>
               <a:t>中文字符编码</a:t>
             </a:r>
-            <a:br>
-              <a:rPr lang="zh-CN" altLang="en-US" dirty="0"/>
-            </a:br>
             <a:br>
               <a:rPr lang="zh-CN" altLang="en-US" dirty="0"/>
             </a:br>
@@ -8134,164 +8379,49 @@
             </a:pPr>
             <a:r>
               <a:rPr lang="en-US" altLang="zh-CN" dirty="0"/>
-              <a:t>6.1 </a:t>
-            </a:r>
-            <a:r>
-              <a:rPr lang="zh-CN" altLang="en-US" dirty="0"/>
-              <a:t>西文字符编码</a:t>
-            </a:r>
-            <a:br>
-              <a:rPr lang="zh-CN" altLang="en-US" dirty="0"/>
-            </a:br>
+              <a:t>ASCII </a:t>
+            </a:r>
+            <a:r>
+              <a:rPr lang="zh-CN" altLang="en-US" dirty="0"/>
+              <a:t>码（ </a:t>
+            </a:r>
             <a:r>
               <a:rPr lang="en-US" altLang="zh-CN" dirty="0"/>
-              <a:t>6.2 </a:t>
-            </a:r>
-            <a:r>
-              <a:rPr lang="zh-CN" altLang="en-US" dirty="0"/>
-              <a:t>中文字符编码</a:t>
-            </a:r>
-            <a:br>
-              <a:rPr lang="zh-CN" altLang="en-US" dirty="0"/>
-            </a:br>
-            <a:r>
-              <a:rPr lang="zh-CN" altLang="en-US" dirty="0"/>
-              <a:t>　　</a:t>
+              <a:t>American Standard Code for Information </a:t>
+            </a:r>
+            <a:r>
+              <a:rPr lang="zh-CN" altLang="en-US" dirty="0"/>
+              <a:t>），</a:t>
+            </a:r>
+            <a:endParaRPr lang="en-US" altLang="zh-CN" dirty="0"/>
+          </a:p>
+          <a:p>
+            <a:pPr marL="0" indent="0">
+              <a:buNone/>
+            </a:pPr>
+            <a:r>
+              <a:rPr lang="zh-CN" altLang="en-US" dirty="0">
+                <a:hlinkClick r:id="rId2">
+                  <a:extLst>
+                    <a:ext uri="{A12FA001-AC4F-418D-AE19-62706E023703}">
+                      <ahyp:hlinkClr xmlns:ahyp="http://schemas.microsoft.com/office/drawing/2018/hyperlinkcolor" val="tx"/>
+                    </a:ext>
+                  </a:extLst>
+                </a:hlinkClick>
+              </a:rPr>
+              <a:t>国际标准化组织</a:t>
+            </a:r>
+            <a:r>
+              <a:rPr lang="zh-CN" altLang="en-US" dirty="0"/>
+              <a:t>（ </a:t>
             </a:r>
             <a:r>
               <a:rPr lang="en-US" altLang="zh-CN" dirty="0"/>
-              <a:t>6.2.1 </a:t>
-            </a:r>
-            <a:r>
-              <a:rPr lang="zh-CN" altLang="en-US" dirty="0"/>
-              <a:t>国标码</a:t>
-            </a:r>
-            <a:br>
-              <a:rPr lang="zh-CN" altLang="en-US" dirty="0"/>
-            </a:br>
-            <a:r>
-              <a:rPr lang="zh-CN" altLang="en-US" dirty="0"/>
-              <a:t>　　</a:t>
-            </a:r>
-            <a:r>
-              <a:rPr lang="en-US" altLang="zh-CN" dirty="0"/>
-              <a:t>6.2.2 </a:t>
-            </a:r>
-            <a:r>
-              <a:rPr lang="zh-CN" altLang="en-US" dirty="0"/>
-              <a:t>大五码</a:t>
-            </a:r>
-            <a:br>
-              <a:rPr lang="zh-CN" altLang="en-US" dirty="0"/>
-            </a:br>
-            <a:r>
-              <a:rPr lang="zh-CN" altLang="en-US" dirty="0"/>
-              <a:t>　　</a:t>
-            </a:r>
-            <a:r>
-              <a:rPr lang="en-US" altLang="zh-CN" dirty="0"/>
-              <a:t>6.2.3 Unicode</a:t>
-            </a:r>
-            <a:r>
-              <a:rPr lang="zh-CN" altLang="en-US" dirty="0"/>
-              <a:t>与</a:t>
-            </a:r>
-            <a:r>
-              <a:rPr lang="en-US" altLang="zh-CN" dirty="0"/>
-              <a:t>ISO/IEC 10646</a:t>
-            </a:r>
-            <a:br>
-              <a:rPr lang="zh-CN" altLang="en-US" dirty="0"/>
-            </a:br>
-            <a:r>
-              <a:rPr lang="zh-CN" altLang="en-US" dirty="0"/>
-              <a:t>　　</a:t>
-            </a:r>
-            <a:r>
-              <a:rPr lang="en-US" altLang="zh-CN" dirty="0"/>
-              <a:t>6.2.4 </a:t>
-            </a:r>
-            <a:r>
-              <a:rPr lang="zh-CN" altLang="en-US" dirty="0"/>
-              <a:t>国标扩展码</a:t>
-            </a:r>
-            <a:br>
-              <a:rPr lang="zh-CN" altLang="en-US" dirty="0"/>
-            </a:br>
-            <a:r>
-              <a:rPr lang="zh-CN" altLang="en-US" dirty="0"/>
-              <a:t>　　</a:t>
-            </a:r>
-            <a:r>
-              <a:rPr lang="en-US" altLang="zh-CN" dirty="0"/>
-              <a:t>6.2.5 GB 18030</a:t>
-            </a:r>
-            <a:br>
-              <a:rPr lang="zh-CN" altLang="en-US" dirty="0"/>
-            </a:br>
-            <a:r>
-              <a:rPr lang="en-US" altLang="zh-CN" dirty="0"/>
-              <a:t>6.3 </a:t>
-            </a:r>
-            <a:r>
-              <a:rPr lang="zh-CN" altLang="en-US" dirty="0"/>
-              <a:t>字符编码知识的作用</a:t>
-            </a:r>
-            <a:br>
-              <a:rPr lang="zh-CN" altLang="en-US" dirty="0"/>
-            </a:br>
-            <a:r>
-              <a:rPr lang="en-US" altLang="zh-CN" dirty="0"/>
-              <a:t>6.4 </a:t>
-            </a:r>
-            <a:r>
-              <a:rPr lang="zh-CN" altLang="en-US" dirty="0"/>
-              <a:t>字频统计</a:t>
-            </a:r>
-            <a:br>
-              <a:rPr lang="zh-CN" altLang="en-US" dirty="0"/>
-            </a:br>
-            <a:r>
-              <a:rPr lang="zh-CN" altLang="en-US" dirty="0"/>
-              <a:t>　　</a:t>
-            </a:r>
-            <a:r>
-              <a:rPr lang="en-US" altLang="zh-CN" dirty="0"/>
-              <a:t>6.4.1 </a:t>
-            </a:r>
-            <a:r>
-              <a:rPr lang="zh-CN" altLang="en-US" dirty="0"/>
-              <a:t>字频统计的应用</a:t>
-            </a:r>
-            <a:br>
-              <a:rPr lang="zh-CN" altLang="en-US" dirty="0"/>
-            </a:br>
-            <a:r>
-              <a:rPr lang="zh-CN" altLang="en-US" dirty="0"/>
-              <a:t>　　</a:t>
-            </a:r>
-            <a:r>
-              <a:rPr lang="en-US" altLang="zh-CN" dirty="0"/>
-              <a:t>6.4.2 </a:t>
-            </a:r>
-            <a:r>
-              <a:rPr lang="zh-CN" altLang="en-US" dirty="0"/>
-              <a:t>单字字频统计</a:t>
-            </a:r>
-            <a:br>
-              <a:rPr lang="zh-CN" altLang="en-US" dirty="0"/>
-            </a:br>
-            <a:r>
-              <a:rPr lang="zh-CN" altLang="en-US" dirty="0"/>
-              <a:t>　　</a:t>
-            </a:r>
-            <a:r>
-              <a:rPr lang="en-US" altLang="zh-CN" dirty="0"/>
-              <a:t>6.4.3 </a:t>
-            </a:r>
-            <a:r>
-              <a:rPr lang="zh-CN" altLang="en-US" dirty="0"/>
-              <a:t>双字字频统计</a:t>
+              <a:t>International Organization for Standardization, ISO </a:t>
+            </a:r>
+            <a:r>
+              <a:rPr lang="zh-CN" altLang="en-US" dirty="0"/>
+              <a:t>）批准为国际标准。</a:t>
             </a:r>
           </a:p>
         </p:txBody>
@@ -8392,49 +8522,44 @@
             </a:pPr>
             <a:r>
               <a:rPr lang="en-US" altLang="zh-CN" dirty="0"/>
-              <a:t>6.2 </a:t>
-            </a:r>
-            <a:r>
-              <a:rPr lang="zh-CN" altLang="en-US" dirty="0"/>
-              <a:t>中文字符编码</a:t>
-            </a:r>
+              <a:t>6.2.1 </a:t>
+            </a:r>
+            <a:r>
+              <a:rPr lang="zh-CN" altLang="en-US" dirty="0"/>
+              <a:t>国标码  </a:t>
+            </a:r>
+            <a:r>
+              <a:rPr lang="en-US" altLang="zh-CN" dirty="0"/>
+              <a:t>GB 2312-1980</a:t>
+            </a:r>
+          </a:p>
+          <a:p>
+            <a:pPr marL="0" indent="0">
+              <a:buNone/>
+            </a:pPr>
             <a:br>
               <a:rPr lang="zh-CN" altLang="en-US" dirty="0"/>
             </a:br>
-            <a:r>
-              <a:rPr lang="zh-CN" altLang="en-US" dirty="0"/>
-              <a:t>　　</a:t>
-            </a:r>
-            <a:r>
-              <a:rPr lang="en-US" altLang="zh-CN" dirty="0"/>
-              <a:t>6.2.1 </a:t>
-            </a:r>
-            <a:r>
-              <a:rPr lang="zh-CN" altLang="en-US" dirty="0"/>
-              <a:t>国标码</a:t>
-            </a:r>
-            <a:br>
-              <a:rPr lang="zh-CN" altLang="en-US" dirty="0"/>
-            </a:br>
-            <a:r>
-              <a:rPr lang="zh-CN" altLang="en-US" dirty="0"/>
-              <a:t>　　</a:t>
-            </a:r>
             <a:r>
               <a:rPr lang="en-US" altLang="zh-CN" dirty="0"/>
               <a:t>6.2.2 </a:t>
             </a:r>
             <a:r>
               <a:rPr lang="zh-CN" altLang="en-US" dirty="0"/>
-              <a:t>大五码</a:t>
-            </a:r>
+              <a:t>大五码 </a:t>
+            </a:r>
+            <a:r>
+              <a:rPr lang="en-US" altLang="zh-CN" dirty="0"/>
+              <a:t>big5</a:t>
+            </a:r>
+          </a:p>
+          <a:p>
+            <a:pPr marL="0" indent="0">
+              <a:buNone/>
+            </a:pPr>
             <a:br>
               <a:rPr lang="zh-CN" altLang="en-US" dirty="0"/>
             </a:br>
-            <a:r>
-              <a:rPr lang="zh-CN" altLang="en-US" dirty="0"/>
-              <a:t>　　</a:t>
-            </a:r>
             <a:r>
               <a:rPr lang="en-US" altLang="zh-CN" dirty="0"/>
               <a:t>6.2.3 Unicode</a:t>
@@ -8447,28 +8572,34 @@
               <a:rPr lang="en-US" altLang="zh-CN" dirty="0"/>
               <a:t>ISO/IEC 10646</a:t>
             </a:r>
+          </a:p>
+          <a:p>
+            <a:pPr marL="0" indent="0">
+              <a:buNone/>
+            </a:pPr>
             <a:br>
               <a:rPr lang="zh-CN" altLang="en-US" dirty="0"/>
             </a:br>
-            <a:r>
-              <a:rPr lang="zh-CN" altLang="en-US" dirty="0"/>
-              <a:t>　　</a:t>
-            </a:r>
             <a:r>
               <a:rPr lang="en-US" altLang="zh-CN" dirty="0"/>
               <a:t>6.2.4 </a:t>
             </a:r>
             <a:r>
               <a:rPr lang="zh-CN" altLang="en-US" dirty="0"/>
-              <a:t>国标扩展码</a:t>
-            </a:r>
+              <a:t>国标扩展码 </a:t>
+            </a:r>
+            <a:r>
+              <a:rPr lang="en-US" altLang="zh-CN" dirty="0"/>
+              <a:t>GBK</a:t>
+            </a:r>
+          </a:p>
+          <a:p>
+            <a:pPr marL="0" indent="0">
+              <a:buNone/>
+            </a:pPr>
             <a:br>
               <a:rPr lang="zh-CN" altLang="en-US" dirty="0"/>
             </a:br>
-            <a:r>
-              <a:rPr lang="zh-CN" altLang="en-US" dirty="0"/>
-              <a:t>　　</a:t>
-            </a:r>
             <a:r>
               <a:rPr lang="en-US" altLang="zh-CN" dirty="0"/>
               <a:t>6.2.5 GB 18030</a:t>
@@ -8515,7 +8646,7 @@
           <p:cNvPr id="2" name="标题 1">
             <a:extLst>
               <a:ext uri="{FF2B5EF4-FFF2-40B4-BE49-F238E27FC236}">
-                <a16:creationId xmlns:a16="http://schemas.microsoft.com/office/drawing/2014/main" id="{B1AA155A-4A36-4085-BF68-DD9783C31505}"/>
+                <a16:creationId xmlns:a16="http://schemas.microsoft.com/office/drawing/2014/main" id="{BC4577CC-4842-4597-A440-351B33600AE4}"/>
               </a:ext>
             </a:extLst>
           </p:cNvPr>
@@ -8533,13 +8664,12 @@
           <a:p>
             <a:r>
               <a:rPr lang="en-US" altLang="zh-CN" dirty="0"/>
-              <a:t>6.3 </a:t>
-            </a:r>
-            <a:r>
-              <a:rPr lang="zh-CN" altLang="en-US" dirty="0"/>
-              <a:t>字符编码知识的作用</a:t>
-            </a:r>
-            <a:endParaRPr lang="zh-CN" altLang="en-US" b="1" dirty="0"/>
+              <a:t>GB2312</a:t>
+            </a:r>
+            <a:r>
+              <a:rPr lang="zh-CN" altLang="en-US" dirty="0"/>
+              <a:t>码</a:t>
+            </a:r>
           </a:p>
         </p:txBody>
       </p:sp>
@@ -8548,7 +8678,7 @@
           <p:cNvPr id="3" name="内容占位符 2">
             <a:extLst>
               <a:ext uri="{FF2B5EF4-FFF2-40B4-BE49-F238E27FC236}">
-                <a16:creationId xmlns:a16="http://schemas.microsoft.com/office/drawing/2014/main" id="{81B33DC0-BF5D-412E-AF38-E6D4F60B9A29}"/>
+                <a16:creationId xmlns:a16="http://schemas.microsoft.com/office/drawing/2014/main" id="{3F0E5413-5202-434A-A5C9-61ADE8979865}"/>
               </a:ext>
             </a:extLst>
           </p:cNvPr>
@@ -8559,95 +8689,109 @@
             <p:ph idx="1"/>
           </p:nvPr>
         </p:nvSpPr>
-        <p:spPr>
-          <a:xfrm>
-            <a:off x="680321" y="2336873"/>
-            <a:ext cx="9613861" cy="4115808"/>
-          </a:xfrm>
-        </p:spPr>
-        <p:txBody>
-          <a:bodyPr>
-            <a:noAutofit/>
-          </a:bodyPr>
+        <p:spPr/>
+        <p:txBody>
+          <a:bodyPr/>
           <a:lstStyle/>
           <a:p>
-            <a:pPr marL="0" indent="0">
-              <a:buNone/>
-            </a:pPr>
-            <a:br>
-              <a:rPr lang="zh-CN" altLang="en-US" dirty="0"/>
-            </a:br>
             <a:r>
               <a:rPr lang="en-US" altLang="zh-CN" dirty="0"/>
-              <a:t>6.3 </a:t>
-            </a:r>
-            <a:r>
-              <a:rPr lang="zh-CN" altLang="en-US" dirty="0"/>
-              <a:t>字符编码知识的作用</a:t>
-            </a:r>
-            <a:br>
-              <a:rPr lang="zh-CN" altLang="en-US" dirty="0"/>
-            </a:br>
+              <a:t>GB2312</a:t>
+            </a:r>
+            <a:r>
+              <a:rPr lang="zh-CN" altLang="en-US" dirty="0"/>
+              <a:t>码是中华人民共和国国家汉字信息交换用编码</a:t>
+            </a:r>
+            <a:endParaRPr lang="en-US" altLang="zh-CN" dirty="0"/>
+          </a:p>
+          <a:p>
+            <a:r>
+              <a:rPr lang="zh-CN" altLang="en-US" dirty="0"/>
+              <a:t>全称</a:t>
+            </a:r>
             <a:r>
               <a:rPr lang="en-US" altLang="zh-CN" dirty="0"/>
-              <a:t>6.4 </a:t>
-            </a:r>
-            <a:r>
-              <a:rPr lang="zh-CN" altLang="en-US" dirty="0"/>
-              <a:t>字频统计</a:t>
-            </a:r>
-            <a:br>
-              <a:rPr lang="zh-CN" altLang="en-US" dirty="0"/>
-            </a:br>
-            <a:r>
-              <a:rPr lang="zh-CN" altLang="en-US" dirty="0"/>
-              <a:t>　　</a:t>
+              <a:t>《</a:t>
+            </a:r>
+            <a:r>
+              <a:rPr lang="zh-CN" altLang="en-US" dirty="0"/>
+              <a:t>信息交换用汉字编码</a:t>
+            </a:r>
+            <a:r>
+              <a:rPr lang="zh-CN" altLang="en-US" dirty="0">
+                <a:hlinkClick r:id="rId2">
+                  <a:extLst>
+                    <a:ext uri="{A12FA001-AC4F-418D-AE19-62706E023703}">
+                      <ahyp:hlinkClr xmlns:ahyp="http://schemas.microsoft.com/office/drawing/2018/hyperlinkcolor" val="tx"/>
+                    </a:ext>
+                  </a:extLst>
+                </a:hlinkClick>
+              </a:rPr>
+              <a:t>字符集</a:t>
             </a:r>
             <a:r>
               <a:rPr lang="en-US" altLang="zh-CN" dirty="0"/>
-              <a:t>6.4.1 </a:t>
-            </a:r>
-            <a:r>
-              <a:rPr lang="zh-CN" altLang="en-US" dirty="0"/>
-              <a:t>字频统计的应用</a:t>
-            </a:r>
-            <a:br>
-              <a:rPr lang="zh-CN" altLang="en-US" dirty="0"/>
-            </a:br>
-            <a:r>
-              <a:rPr lang="zh-CN" altLang="en-US" dirty="0"/>
-              <a:t>　　</a:t>
+              <a:t>——</a:t>
+            </a:r>
+            <a:r>
+              <a:rPr lang="zh-CN" altLang="en-US" dirty="0"/>
+              <a:t>基本集</a:t>
             </a:r>
             <a:r>
               <a:rPr lang="en-US" altLang="zh-CN" dirty="0"/>
-              <a:t>6.4.2 </a:t>
-            </a:r>
-            <a:r>
-              <a:rPr lang="zh-CN" altLang="en-US" dirty="0"/>
-              <a:t>单字字频统计</a:t>
-            </a:r>
-            <a:br>
-              <a:rPr lang="zh-CN" altLang="en-US" dirty="0"/>
-            </a:br>
-            <a:r>
-              <a:rPr lang="zh-CN" altLang="en-US" dirty="0"/>
-              <a:t>　　</a:t>
-            </a:r>
+              <a:t>》</a:t>
+            </a:r>
+          </a:p>
+          <a:p>
             <a:r>
               <a:rPr lang="en-US" altLang="zh-CN" dirty="0"/>
-              <a:t>6.4.3 </a:t>
-            </a:r>
-            <a:r>
-              <a:rPr lang="zh-CN" altLang="en-US" dirty="0"/>
-              <a:t>双字字频统计</a:t>
-            </a:r>
+              <a:t>1980</a:t>
+            </a:r>
+            <a:r>
+              <a:rPr lang="zh-CN" altLang="en-US" dirty="0"/>
+              <a:t>年由国家标准总局发布。</a:t>
+            </a:r>
+            <a:endParaRPr lang="en-US" altLang="zh-CN" dirty="0"/>
+          </a:p>
+          <a:p>
+            <a:r>
+              <a:rPr lang="zh-CN" altLang="en-US" dirty="0"/>
+              <a:t>基本集共收入汉字</a:t>
+            </a:r>
+            <a:r>
+              <a:rPr lang="en-US" altLang="zh-CN" dirty="0"/>
+              <a:t>6763</a:t>
+            </a:r>
+            <a:r>
+              <a:rPr lang="zh-CN" altLang="en-US" dirty="0"/>
+              <a:t>个和非汉字图形字符</a:t>
+            </a:r>
+            <a:r>
+              <a:rPr lang="en-US" altLang="zh-CN" dirty="0"/>
+              <a:t>682</a:t>
+            </a:r>
+            <a:r>
+              <a:rPr lang="zh-CN" altLang="en-US" dirty="0"/>
+              <a:t>个，通行于中国大陆。</a:t>
+            </a:r>
+            <a:endParaRPr lang="en-US" altLang="zh-CN" dirty="0"/>
+          </a:p>
+          <a:p>
+            <a:r>
+              <a:rPr lang="zh-CN" altLang="en-US" dirty="0"/>
+              <a:t>新加坡等地也使用此编码。</a:t>
+            </a:r>
+            <a:endParaRPr lang="en-US" altLang="zh-CN" dirty="0"/>
+          </a:p>
+          <a:p>
+            <a:endParaRPr lang="zh-CN" altLang="en-US" dirty="0"/>
           </a:p>
         </p:txBody>
       </p:sp>
     </p:spTree>
     <p:extLst>
       <p:ext uri="{BB962C8B-B14F-4D97-AF65-F5344CB8AC3E}">
-        <p14:creationId xmlns:p14="http://schemas.microsoft.com/office/powerpoint/2010/main" val="1289760301"/>
+        <p14:creationId xmlns:p14="http://schemas.microsoft.com/office/powerpoint/2010/main" val="4116813279"/>
       </p:ext>
     </p:extLst>
   </p:cSld>
@@ -8679,7 +8823,7 @@
           <p:cNvPr id="2" name="标题 1">
             <a:extLst>
               <a:ext uri="{FF2B5EF4-FFF2-40B4-BE49-F238E27FC236}">
-                <a16:creationId xmlns:a16="http://schemas.microsoft.com/office/drawing/2014/main" id="{B1AA155A-4A36-4085-BF68-DD9783C31505}"/>
+                <a16:creationId xmlns:a16="http://schemas.microsoft.com/office/drawing/2014/main" id="{80EEB360-75CC-4E4D-819B-AB8D144D4814}"/>
               </a:ext>
             </a:extLst>
           </p:cNvPr>
@@ -8696,14 +8840,14 @@
           <a:lstStyle/>
           <a:p>
             <a:r>
+              <a:rPr lang="zh-CN" altLang="en-US" dirty="0"/>
+              <a:t>大五码 </a:t>
+            </a:r>
+            <a:r>
               <a:rPr lang="en-US" altLang="zh-CN" dirty="0"/>
-              <a:t>6.4 </a:t>
-            </a:r>
-            <a:r>
-              <a:rPr lang="zh-CN" altLang="en-US" dirty="0"/>
-              <a:t>字频统计</a:t>
-            </a:r>
-            <a:endParaRPr lang="zh-CN" altLang="en-US" b="1" dirty="0"/>
+              <a:t>big5</a:t>
+            </a:r>
+            <a:endParaRPr lang="zh-CN" altLang="en-US" dirty="0"/>
           </a:p>
         </p:txBody>
       </p:sp>
@@ -8712,7 +8856,7 @@
           <p:cNvPr id="3" name="内容占位符 2">
             <a:extLst>
               <a:ext uri="{FF2B5EF4-FFF2-40B4-BE49-F238E27FC236}">
-                <a16:creationId xmlns:a16="http://schemas.microsoft.com/office/drawing/2014/main" id="{81B33DC0-BF5D-412E-AF38-E6D4F60B9A29}"/>
+                <a16:creationId xmlns:a16="http://schemas.microsoft.com/office/drawing/2014/main" id="{753BC560-8E17-4094-A514-0838DE6ED42B}"/>
               </a:ext>
             </a:extLst>
           </p:cNvPr>
@@ -8723,76 +8867,155 @@
             <p:ph idx="1"/>
           </p:nvPr>
         </p:nvSpPr>
-        <p:spPr>
-          <a:xfrm>
-            <a:off x="680321" y="2336873"/>
-            <a:ext cx="9613861" cy="4115808"/>
-          </a:xfrm>
-        </p:spPr>
+        <p:spPr/>
         <p:txBody>
           <a:bodyPr>
-            <a:noAutofit/>
+            <a:normAutofit lnSpcReduction="10000"/>
           </a:bodyPr>
           <a:lstStyle/>
           <a:p>
-            <a:pPr marL="0" indent="0">
-              <a:buNone/>
-            </a:pPr>
-            <a:br>
-              <a:rPr lang="zh-CN" altLang="en-US" dirty="0"/>
-            </a:br>
+            <a:r>
+              <a:rPr lang="zh-CN" altLang="en-US" dirty="0"/>
+              <a:t>在台湾、香港与澳门地区，使用的是繁体中文</a:t>
+            </a:r>
+            <a:r>
+              <a:rPr lang="zh-CN" altLang="en-US" dirty="0">
+                <a:hlinkClick r:id="rId2">
+                  <a:extLst>
+                    <a:ext uri="{A12FA001-AC4F-418D-AE19-62706E023703}">
+                      <ahyp:hlinkClr xmlns:ahyp="http://schemas.microsoft.com/office/drawing/2018/hyperlinkcolor" val="tx"/>
+                    </a:ext>
+                  </a:extLst>
+                </a:hlinkClick>
+              </a:rPr>
+              <a:t>字符集</a:t>
+            </a:r>
+            <a:r>
+              <a:rPr lang="zh-CN" altLang="en-US" dirty="0"/>
+              <a:t>。</a:t>
+            </a:r>
+            <a:endParaRPr lang="en-US" altLang="zh-CN" dirty="0"/>
+          </a:p>
+          <a:p>
             <a:r>
               <a:rPr lang="en-US" altLang="zh-CN" dirty="0"/>
-              <a:t>6.4 </a:t>
-            </a:r>
-            <a:r>
-              <a:rPr lang="zh-CN" altLang="en-US" dirty="0"/>
-              <a:t>字频统计</a:t>
-            </a:r>
-            <a:br>
-              <a:rPr lang="zh-CN" altLang="en-US" dirty="0"/>
-            </a:br>
-            <a:r>
-              <a:rPr lang="zh-CN" altLang="en-US" dirty="0"/>
-              <a:t>　　</a:t>
+              <a:t>GB2312</a:t>
+            </a:r>
+            <a:r>
+              <a:rPr lang="zh-CN" altLang="en-US" dirty="0"/>
+              <a:t>面向</a:t>
+            </a:r>
+            <a:r>
+              <a:rPr lang="zh-CN" altLang="en-US" dirty="0">
+                <a:hlinkClick r:id="rId3">
+                  <a:extLst>
+                    <a:ext uri="{A12FA001-AC4F-418D-AE19-62706E023703}">
+                      <ahyp:hlinkClr xmlns:ahyp="http://schemas.microsoft.com/office/drawing/2018/hyperlinkcolor" val="tx"/>
+                    </a:ext>
+                  </a:extLst>
+                </a:hlinkClick>
+              </a:rPr>
+              <a:t>简体中文</a:t>
+            </a:r>
+            <a:r>
+              <a:rPr lang="zh-CN" altLang="en-US" dirty="0">
+                <a:hlinkClick r:id="rId2">
+                  <a:extLst>
+                    <a:ext uri="{A12FA001-AC4F-418D-AE19-62706E023703}">
+                      <ahyp:hlinkClr xmlns:ahyp="http://schemas.microsoft.com/office/drawing/2018/hyperlinkcolor" val="tx"/>
+                    </a:ext>
+                  </a:extLst>
+                </a:hlinkClick>
+              </a:rPr>
+              <a:t>字符集</a:t>
+            </a:r>
+            <a:r>
+              <a:rPr lang="zh-CN" altLang="en-US" dirty="0"/>
+              <a:t>，并不支持繁体汉字。</a:t>
+            </a:r>
+            <a:endParaRPr lang="en-US" altLang="zh-CN" dirty="0"/>
+          </a:p>
+          <a:p>
+            <a:endParaRPr lang="en-US" altLang="zh-CN" dirty="0"/>
+          </a:p>
+          <a:p>
+            <a:r>
+              <a:rPr lang="zh-CN" altLang="en-US" dirty="0"/>
+              <a:t>在这些使用繁体中文</a:t>
+            </a:r>
+            <a:r>
+              <a:rPr lang="zh-CN" altLang="en-US" dirty="0">
+                <a:hlinkClick r:id="rId2">
+                  <a:extLst>
+                    <a:ext uri="{A12FA001-AC4F-418D-AE19-62706E023703}">
+                      <ahyp:hlinkClr xmlns:ahyp="http://schemas.microsoft.com/office/drawing/2018/hyperlinkcolor" val="tx"/>
+                    </a:ext>
+                  </a:extLst>
+                </a:hlinkClick>
+              </a:rPr>
+              <a:t>字符集</a:t>
+            </a:r>
+            <a:r>
+              <a:rPr lang="zh-CN" altLang="en-US" dirty="0"/>
+              <a:t>的地区，一度出现过很多不同厂商提出的字符集编码，这些编码彼此互不兼容，造成了信息交流的困难。</a:t>
+            </a:r>
+            <a:endParaRPr lang="en-US" altLang="zh-CN" dirty="0"/>
+          </a:p>
+          <a:p>
+            <a:endParaRPr lang="en-US" altLang="zh-CN" dirty="0"/>
+          </a:p>
+          <a:p>
+            <a:r>
+              <a:rPr lang="zh-CN" altLang="en-US" dirty="0"/>
+              <a:t>为统一繁体</a:t>
+            </a:r>
+            <a:r>
+              <a:rPr lang="zh-CN" altLang="en-US" dirty="0">
+                <a:hlinkClick r:id="rId2">
+                  <a:extLst>
+                    <a:ext uri="{A12FA001-AC4F-418D-AE19-62706E023703}">
+                      <ahyp:hlinkClr xmlns:ahyp="http://schemas.microsoft.com/office/drawing/2018/hyperlinkcolor" val="tx"/>
+                    </a:ext>
+                  </a:extLst>
+                </a:hlinkClick>
+              </a:rPr>
+              <a:t>字符集</a:t>
+            </a:r>
+            <a:r>
+              <a:rPr lang="zh-CN" altLang="en-US" dirty="0"/>
+              <a:t>编码，</a:t>
             </a:r>
             <a:r>
               <a:rPr lang="en-US" altLang="zh-CN" dirty="0"/>
-              <a:t>6.4.1 </a:t>
-            </a:r>
-            <a:r>
-              <a:rPr lang="zh-CN" altLang="en-US" dirty="0"/>
-              <a:t>字频统计的应用</a:t>
-            </a:r>
-            <a:br>
-              <a:rPr lang="zh-CN" altLang="en-US" dirty="0"/>
-            </a:br>
-            <a:r>
-              <a:rPr lang="zh-CN" altLang="en-US" dirty="0"/>
-              <a:t>　　</a:t>
+              <a:t>1984</a:t>
+            </a:r>
+            <a:r>
+              <a:rPr lang="zh-CN" altLang="en-US" dirty="0"/>
+              <a:t>年，台湾五大厂商宏碁、神通、佳佳、零壹以及大众一同制定了一种繁体中文编码方案，因其来源被称为五大码，英文写作</a:t>
             </a:r>
             <a:r>
               <a:rPr lang="en-US" altLang="zh-CN" dirty="0"/>
-              <a:t>6.4.2 </a:t>
-            </a:r>
-            <a:r>
-              <a:rPr lang="zh-CN" altLang="en-US" dirty="0"/>
-              <a:t>单字字频统计</a:t>
-            </a:r>
-            <a:br>
-              <a:rPr lang="zh-CN" altLang="en-US" dirty="0"/>
-            </a:br>
-            <a:r>
-              <a:rPr lang="zh-CN" altLang="en-US" dirty="0"/>
-              <a:t>　　</a:t>
-            </a:r>
-            <a:r>
-              <a:rPr lang="en-US" altLang="zh-CN" dirty="0"/>
-              <a:t>6.4.3 </a:t>
-            </a:r>
-            <a:r>
-              <a:rPr lang="zh-CN" altLang="en-US" dirty="0"/>
-              <a:t>双字字频统计</a:t>
+              <a:t>Big5</a:t>
+            </a:r>
+            <a:r>
+              <a:rPr lang="zh-CN" altLang="en-US" dirty="0"/>
+              <a:t>，后来按英文翻译回汉字后，普遍被称为</a:t>
+            </a:r>
+            <a:r>
+              <a:rPr lang="zh-CN" altLang="en-US" dirty="0">
+                <a:hlinkClick r:id="rId4">
+                  <a:extLst>
+                    <a:ext uri="{A12FA001-AC4F-418D-AE19-62706E023703}">
+                      <ahyp:hlinkClr xmlns:ahyp="http://schemas.microsoft.com/office/drawing/2018/hyperlinkcolor" val="tx"/>
+                    </a:ext>
+                  </a:extLst>
+                </a:hlinkClick>
+              </a:rPr>
+              <a:t>大五码</a:t>
+            </a:r>
+            <a:r>
+              <a:rPr lang="zh-CN" altLang="en-US" dirty="0"/>
+              <a:t>。</a:t>
             </a:r>
           </a:p>
         </p:txBody>
@@ -8800,7 +9023,815 @@
     </p:spTree>
     <p:extLst>
       <p:ext uri="{BB962C8B-B14F-4D97-AF65-F5344CB8AC3E}">
-        <p14:creationId xmlns:p14="http://schemas.microsoft.com/office/powerpoint/2010/main" val="1335123535"/>
+        <p14:creationId xmlns:p14="http://schemas.microsoft.com/office/powerpoint/2010/main" val="1506851705"/>
+      </p:ext>
+    </p:extLst>
+  </p:cSld>
+  <p:clrMapOvr>
+    <a:masterClrMapping/>
+  </p:clrMapOvr>
+</p:sld>
+</file>
+
+<file path=ppt/slides/slide7.xml><?xml version="1.0" encoding="utf-8"?>
+<p:sld xmlns:a="http://schemas.openxmlformats.org/drawingml/2006/main" xmlns:r="http://schemas.openxmlformats.org/officeDocument/2006/relationships" xmlns:p="http://schemas.openxmlformats.org/presentationml/2006/main">
+  <p:cSld>
+    <p:spTree>
+      <p:nvGrpSpPr>
+        <p:cNvPr id="1" name=""/>
+        <p:cNvGrpSpPr/>
+        <p:nvPr/>
+      </p:nvGrpSpPr>
+      <p:grpSpPr>
+        <a:xfrm>
+          <a:off x="0" y="0"/>
+          <a:ext cx="0" cy="0"/>
+          <a:chOff x="0" y="0"/>
+          <a:chExt cx="0" cy="0"/>
+        </a:xfrm>
+      </p:grpSpPr>
+      <p:sp>
+        <p:nvSpPr>
+          <p:cNvPr id="2" name="标题 1">
+            <a:extLst>
+              <a:ext uri="{FF2B5EF4-FFF2-40B4-BE49-F238E27FC236}">
+                <a16:creationId xmlns:a16="http://schemas.microsoft.com/office/drawing/2014/main" id="{899A323B-4F56-40E9-B100-D5E089653B75}"/>
+              </a:ext>
+            </a:extLst>
+          </p:cNvPr>
+          <p:cNvSpPr>
+            <a:spLocks noGrp="1"/>
+          </p:cNvSpPr>
+          <p:nvPr>
+            <p:ph type="title"/>
+          </p:nvPr>
+        </p:nvSpPr>
+        <p:spPr/>
+        <p:txBody>
+          <a:bodyPr/>
+          <a:lstStyle/>
+          <a:p>
+            <a:r>
+              <a:rPr lang="en-US" altLang="zh-CN" dirty="0"/>
+              <a:t>Unicode</a:t>
+            </a:r>
+            <a:r>
+              <a:rPr lang="zh-CN" altLang="en-US" dirty="0"/>
+              <a:t>与</a:t>
+            </a:r>
+            <a:r>
+              <a:rPr lang="en-US" altLang="zh-CN" dirty="0"/>
+              <a:t>ISO/IEC 10646</a:t>
+            </a:r>
+            <a:endParaRPr lang="zh-CN" altLang="en-US" dirty="0"/>
+          </a:p>
+        </p:txBody>
+      </p:sp>
+      <p:sp>
+        <p:nvSpPr>
+          <p:cNvPr id="3" name="内容占位符 2">
+            <a:extLst>
+              <a:ext uri="{FF2B5EF4-FFF2-40B4-BE49-F238E27FC236}">
+                <a16:creationId xmlns:a16="http://schemas.microsoft.com/office/drawing/2014/main" id="{8DF1A34F-F190-435B-A7C5-B6E359DD2882}"/>
+              </a:ext>
+            </a:extLst>
+          </p:cNvPr>
+          <p:cNvSpPr>
+            <a:spLocks noGrp="1"/>
+          </p:cNvSpPr>
+          <p:nvPr>
+            <p:ph idx="1"/>
+          </p:nvPr>
+        </p:nvSpPr>
+        <p:spPr>
+          <a:xfrm>
+            <a:off x="680321" y="2336872"/>
+            <a:ext cx="10629705" cy="4096353"/>
+          </a:xfrm>
+        </p:spPr>
+        <p:txBody>
+          <a:bodyPr>
+            <a:normAutofit lnSpcReduction="10000"/>
+          </a:bodyPr>
+          <a:lstStyle/>
+          <a:p>
+            <a:r>
+              <a:rPr lang="en-US" altLang="zh-CN" dirty="0"/>
+              <a:t>Unicode</a:t>
+            </a:r>
+            <a:r>
+              <a:rPr lang="zh-CN" altLang="en-US" dirty="0"/>
+              <a:t>是国际组织制定的可以容纳世界上所有文字和符号的字符编码方案。</a:t>
+            </a:r>
+            <a:endParaRPr lang="en-US" altLang="zh-CN" dirty="0"/>
+          </a:p>
+          <a:p>
+            <a:endParaRPr lang="zh-CN" altLang="en-US" dirty="0"/>
+          </a:p>
+          <a:p>
+            <a:r>
+              <a:rPr lang="zh-CN" altLang="en-US" dirty="0">
+                <a:hlinkClick r:id="rId2">
+                  <a:extLst>
+                    <a:ext uri="{A12FA001-AC4F-418D-AE19-62706E023703}">
+                      <ahyp:hlinkClr xmlns:ahyp="http://schemas.microsoft.com/office/drawing/2018/hyperlinkcolor" val="tx"/>
+                    </a:ext>
+                  </a:extLst>
+                </a:hlinkClick>
+              </a:rPr>
+              <a:t>通用字符集</a:t>
+            </a:r>
+            <a:r>
+              <a:rPr lang="zh-CN" altLang="en-US" dirty="0"/>
+              <a:t>（</a:t>
+            </a:r>
+            <a:r>
+              <a:rPr lang="en-US" altLang="zh-CN" dirty="0"/>
+              <a:t>Universal Character Set, UCS</a:t>
+            </a:r>
+            <a:r>
+              <a:rPr lang="zh-CN" altLang="en-US" dirty="0"/>
+              <a:t>）是由</a:t>
+            </a:r>
+            <a:r>
+              <a:rPr lang="en-US" altLang="zh-CN" dirty="0"/>
+              <a:t>ISO</a:t>
+            </a:r>
+            <a:r>
+              <a:rPr lang="zh-CN" altLang="en-US" dirty="0"/>
+              <a:t>制定的</a:t>
+            </a:r>
+            <a:r>
+              <a:rPr lang="en-US" altLang="zh-CN" dirty="0">
+                <a:hlinkClick r:id="rId3">
+                  <a:extLst>
+                    <a:ext uri="{A12FA001-AC4F-418D-AE19-62706E023703}">
+                      <ahyp:hlinkClr xmlns:ahyp="http://schemas.microsoft.com/office/drawing/2018/hyperlinkcolor" val="tx"/>
+                    </a:ext>
+                  </a:extLst>
+                </a:hlinkClick>
+              </a:rPr>
+              <a:t>ISO 10646</a:t>
+            </a:r>
+            <a:r>
+              <a:rPr lang="zh-CN" altLang="en-US" dirty="0"/>
+              <a:t>（或称</a:t>
+            </a:r>
+            <a:r>
+              <a:rPr lang="en-US" altLang="zh-CN" dirty="0"/>
+              <a:t>ISO/IEC 10646</a:t>
+            </a:r>
+            <a:r>
+              <a:rPr lang="zh-CN" altLang="en-US" dirty="0"/>
+              <a:t>）标准所定义的标准字符集。</a:t>
+            </a:r>
+            <a:endParaRPr lang="en-US" altLang="zh-CN" dirty="0"/>
+          </a:p>
+          <a:p>
+            <a:endParaRPr lang="en-US" altLang="zh-CN" dirty="0"/>
+          </a:p>
+          <a:p>
+            <a:r>
+              <a:rPr lang="en-US" altLang="zh-CN" dirty="0"/>
+              <a:t>1991</a:t>
+            </a:r>
+            <a:r>
+              <a:rPr lang="zh-CN" altLang="en-US" dirty="0"/>
+              <a:t>年前后，两个项目开始合并，并为创立一个单一编码表而协同工作</a:t>
+            </a:r>
+            <a:endParaRPr lang="en-US" altLang="zh-CN" dirty="0"/>
+          </a:p>
+          <a:p>
+            <a:r>
+              <a:rPr lang="zh-CN" altLang="en-US" dirty="0"/>
+              <a:t>从</a:t>
+            </a:r>
+            <a:r>
+              <a:rPr lang="en-US" altLang="zh-CN" dirty="0"/>
+              <a:t>Unicode 2.0</a:t>
+            </a:r>
+            <a:r>
+              <a:rPr lang="zh-CN" altLang="en-US" dirty="0"/>
+              <a:t>开始，</a:t>
+            </a:r>
+            <a:r>
+              <a:rPr lang="en-US" altLang="zh-CN" dirty="0"/>
+              <a:t>Unicode</a:t>
+            </a:r>
+            <a:r>
+              <a:rPr lang="zh-CN" altLang="en-US" dirty="0"/>
+              <a:t>采用了与</a:t>
+            </a:r>
+            <a:r>
+              <a:rPr lang="en-US" altLang="zh-CN" dirty="0"/>
+              <a:t>ISO 10646-1</a:t>
+            </a:r>
+            <a:r>
+              <a:rPr lang="zh-CN" altLang="en-US" dirty="0"/>
+              <a:t>相同的</a:t>
+            </a:r>
+            <a:r>
+              <a:rPr lang="zh-CN" altLang="en-US" dirty="0">
+                <a:hlinkClick r:id="rId4">
+                  <a:extLst>
+                    <a:ext uri="{A12FA001-AC4F-418D-AE19-62706E023703}">
+                      <ahyp:hlinkClr xmlns:ahyp="http://schemas.microsoft.com/office/drawing/2018/hyperlinkcolor" val="tx"/>
+                    </a:ext>
+                  </a:extLst>
+                </a:hlinkClick>
+              </a:rPr>
+              <a:t>字库</a:t>
+            </a:r>
+            <a:r>
+              <a:rPr lang="zh-CN" altLang="en-US" dirty="0"/>
+              <a:t>和字码；</a:t>
+            </a:r>
+            <a:endParaRPr lang="en-US" altLang="zh-CN" dirty="0"/>
+          </a:p>
+          <a:p>
+            <a:r>
+              <a:rPr lang="en-US" altLang="zh-CN" dirty="0"/>
+              <a:t>ISO</a:t>
+            </a:r>
+            <a:r>
+              <a:rPr lang="zh-CN" altLang="en-US" dirty="0"/>
+              <a:t>也承诺，</a:t>
+            </a:r>
+            <a:r>
+              <a:rPr lang="en-US" altLang="zh-CN" dirty="0"/>
+              <a:t>ISO 10646</a:t>
+            </a:r>
+            <a:r>
+              <a:rPr lang="zh-CN" altLang="en-US" dirty="0"/>
+              <a:t>将不会替超出</a:t>
+            </a:r>
+            <a:r>
+              <a:rPr lang="en-US" altLang="zh-CN" dirty="0"/>
+              <a:t>U+10FFFF</a:t>
+            </a:r>
+            <a:r>
+              <a:rPr lang="zh-CN" altLang="en-US" dirty="0"/>
+              <a:t>的</a:t>
+            </a:r>
+            <a:r>
+              <a:rPr lang="en-US" altLang="zh-CN" dirty="0"/>
+              <a:t>UCS-4</a:t>
+            </a:r>
+            <a:r>
+              <a:rPr lang="zh-CN" altLang="en-US" dirty="0"/>
+              <a:t>编码赋值，以使得两者保持一致。</a:t>
+            </a:r>
+            <a:endParaRPr lang="en-US" altLang="zh-CN" dirty="0"/>
+          </a:p>
+          <a:p>
+            <a:r>
+              <a:rPr lang="zh-CN" altLang="en-US" dirty="0"/>
+              <a:t>两个项目仍都存在，并独立地公布各自的标准。</a:t>
+            </a:r>
+          </a:p>
+          <a:p>
+            <a:endParaRPr lang="zh-CN" altLang="en-US" dirty="0"/>
+          </a:p>
+        </p:txBody>
+      </p:sp>
+    </p:spTree>
+    <p:extLst>
+      <p:ext uri="{BB962C8B-B14F-4D97-AF65-F5344CB8AC3E}">
+        <p14:creationId xmlns:p14="http://schemas.microsoft.com/office/powerpoint/2010/main" val="548803418"/>
+      </p:ext>
+    </p:extLst>
+  </p:cSld>
+  <p:clrMapOvr>
+    <a:masterClrMapping/>
+  </p:clrMapOvr>
+</p:sld>
+</file>
+
+<file path=ppt/slides/slide8.xml><?xml version="1.0" encoding="utf-8"?>
+<p:sld xmlns:a="http://schemas.openxmlformats.org/drawingml/2006/main" xmlns:r="http://schemas.openxmlformats.org/officeDocument/2006/relationships" xmlns:p="http://schemas.openxmlformats.org/presentationml/2006/main">
+  <p:cSld>
+    <p:spTree>
+      <p:nvGrpSpPr>
+        <p:cNvPr id="1" name=""/>
+        <p:cNvGrpSpPr/>
+        <p:nvPr/>
+      </p:nvGrpSpPr>
+      <p:grpSpPr>
+        <a:xfrm>
+          <a:off x="0" y="0"/>
+          <a:ext cx="0" cy="0"/>
+          <a:chOff x="0" y="0"/>
+          <a:chExt cx="0" cy="0"/>
+        </a:xfrm>
+      </p:grpSpPr>
+      <p:sp>
+        <p:nvSpPr>
+          <p:cNvPr id="2" name="标题 1">
+            <a:extLst>
+              <a:ext uri="{FF2B5EF4-FFF2-40B4-BE49-F238E27FC236}">
+                <a16:creationId xmlns:a16="http://schemas.microsoft.com/office/drawing/2014/main" id="{ADD9D38C-EED0-453C-AC68-664FBF41BFED}"/>
+              </a:ext>
+            </a:extLst>
+          </p:cNvPr>
+          <p:cNvSpPr>
+            <a:spLocks noGrp="1"/>
+          </p:cNvSpPr>
+          <p:nvPr>
+            <p:ph type="title"/>
+          </p:nvPr>
+        </p:nvSpPr>
+        <p:spPr/>
+        <p:txBody>
+          <a:bodyPr/>
+          <a:lstStyle/>
+          <a:p>
+            <a:r>
+              <a:rPr lang="zh-CN" altLang="en-US" dirty="0"/>
+              <a:t>国标扩展码 </a:t>
+            </a:r>
+            <a:r>
+              <a:rPr lang="en-US" altLang="zh-CN" dirty="0"/>
+              <a:t>GBK</a:t>
+            </a:r>
+            <a:endParaRPr lang="zh-CN" altLang="en-US" dirty="0"/>
+          </a:p>
+        </p:txBody>
+      </p:sp>
+      <p:sp>
+        <p:nvSpPr>
+          <p:cNvPr id="3" name="内容占位符 2">
+            <a:extLst>
+              <a:ext uri="{FF2B5EF4-FFF2-40B4-BE49-F238E27FC236}">
+                <a16:creationId xmlns:a16="http://schemas.microsoft.com/office/drawing/2014/main" id="{47046FF1-9EB1-490A-A393-21A01318423F}"/>
+              </a:ext>
+            </a:extLst>
+          </p:cNvPr>
+          <p:cNvSpPr>
+            <a:spLocks noGrp="1"/>
+          </p:cNvSpPr>
+          <p:nvPr>
+            <p:ph idx="1"/>
+          </p:nvPr>
+        </p:nvSpPr>
+        <p:spPr/>
+        <p:txBody>
+          <a:bodyPr>
+            <a:normAutofit/>
+          </a:bodyPr>
+          <a:lstStyle/>
+          <a:p>
+            <a:r>
+              <a:rPr lang="en-US" altLang="zh-CN" dirty="0"/>
+              <a:t>GBK</a:t>
+            </a:r>
+            <a:r>
+              <a:rPr lang="zh-CN" altLang="en-US" dirty="0"/>
+              <a:t>即汉字内码扩展规范，</a:t>
+            </a:r>
+            <a:r>
+              <a:rPr lang="en-US" altLang="zh-CN" dirty="0"/>
+              <a:t>K</a:t>
+            </a:r>
+            <a:r>
+              <a:rPr lang="zh-CN" altLang="en-US" dirty="0"/>
+              <a:t>为扩展的汉语拼音中“扩”字的声母。</a:t>
+            </a:r>
+            <a:endParaRPr lang="en-US" altLang="zh-CN" dirty="0"/>
+          </a:p>
+          <a:p>
+            <a:r>
+              <a:rPr lang="zh-CN" altLang="en-US" dirty="0"/>
+              <a:t>英文全称</a:t>
+            </a:r>
+            <a:r>
+              <a:rPr lang="en-US" altLang="zh-CN" dirty="0"/>
+              <a:t>Chinese Internal Code Specification</a:t>
+            </a:r>
+            <a:r>
+              <a:rPr lang="zh-CN" altLang="en-US" dirty="0"/>
+              <a:t>。</a:t>
+            </a:r>
+            <a:endParaRPr lang="en-US" altLang="zh-CN" dirty="0"/>
+          </a:p>
+          <a:p>
+            <a:r>
+              <a:rPr lang="en-US" altLang="zh-CN" dirty="0"/>
+              <a:t>GBK</a:t>
+            </a:r>
+            <a:r>
+              <a:rPr lang="zh-CN" altLang="en-US" dirty="0"/>
+              <a:t>编码标准兼容</a:t>
+            </a:r>
+            <a:r>
+              <a:rPr lang="en-US" altLang="zh-CN" dirty="0"/>
+              <a:t>GB2312</a:t>
+            </a:r>
+            <a:r>
+              <a:rPr lang="zh-CN" altLang="en-US" dirty="0"/>
+              <a:t>，共收录汉字</a:t>
+            </a:r>
+            <a:r>
+              <a:rPr lang="en-US" altLang="zh-CN" dirty="0"/>
+              <a:t>21003</a:t>
+            </a:r>
+            <a:r>
+              <a:rPr lang="zh-CN" altLang="en-US" dirty="0"/>
+              <a:t>个、符号</a:t>
+            </a:r>
+            <a:r>
+              <a:rPr lang="en-US" altLang="zh-CN" dirty="0"/>
+              <a:t>883</a:t>
+            </a:r>
+            <a:r>
+              <a:rPr lang="zh-CN" altLang="en-US" dirty="0"/>
+              <a:t>个，并提供</a:t>
+            </a:r>
+            <a:r>
+              <a:rPr lang="en-US" altLang="zh-CN" dirty="0"/>
+              <a:t>1894</a:t>
+            </a:r>
+            <a:r>
+              <a:rPr lang="zh-CN" altLang="en-US" dirty="0"/>
+              <a:t>个造字码位，简、繁体字融于一库。</a:t>
+            </a:r>
+            <a:endParaRPr lang="en-US" altLang="zh-CN" dirty="0"/>
+          </a:p>
+          <a:p>
+            <a:r>
+              <a:rPr lang="en-US" altLang="zh-CN" dirty="0"/>
+              <a:t>GBK</a:t>
+            </a:r>
+            <a:r>
+              <a:rPr lang="zh-CN" altLang="en-US" dirty="0"/>
+              <a:t>是对</a:t>
+            </a:r>
+            <a:r>
+              <a:rPr lang="en-US" altLang="zh-CN" dirty="0"/>
+              <a:t>GB2312-80</a:t>
+            </a:r>
+            <a:r>
+              <a:rPr lang="zh-CN" altLang="en-US" dirty="0"/>
+              <a:t>的扩展，也就是</a:t>
+            </a:r>
+            <a:r>
+              <a:rPr lang="en-US" altLang="zh-CN" dirty="0"/>
+              <a:t>CP936</a:t>
+            </a:r>
+            <a:r>
+              <a:rPr lang="zh-CN" altLang="en-US" dirty="0"/>
+              <a:t>字码表 </a:t>
+            </a:r>
+            <a:r>
+              <a:rPr lang="en-US" altLang="zh-CN" dirty="0"/>
+              <a:t>(Code Page 936)</a:t>
+            </a:r>
+            <a:r>
+              <a:rPr lang="zh-CN" altLang="en-US" dirty="0"/>
+              <a:t>的扩展（之前</a:t>
+            </a:r>
+            <a:r>
+              <a:rPr lang="en-US" altLang="zh-CN" dirty="0"/>
+              <a:t>CP936</a:t>
+            </a:r>
+            <a:r>
+              <a:rPr lang="zh-CN" altLang="en-US" dirty="0"/>
+              <a:t>和</a:t>
+            </a:r>
+            <a:r>
+              <a:rPr lang="en-US" altLang="zh-CN" dirty="0"/>
+              <a:t>GB 2312-80</a:t>
+            </a:r>
+            <a:r>
+              <a:rPr lang="zh-CN" altLang="en-US" dirty="0"/>
+              <a:t>一模一样）。</a:t>
+            </a:r>
+            <a:endParaRPr lang="en-US" altLang="zh-CN" dirty="0"/>
+          </a:p>
+          <a:p>
+            <a:r>
+              <a:rPr lang="en-US" altLang="zh-CN" dirty="0"/>
+              <a:t>GB 2312</a:t>
+            </a:r>
+            <a:r>
+              <a:rPr lang="zh-CN" altLang="en-US" dirty="0"/>
+              <a:t>的出现，基本满足了汉字的计算机处理需要，但对于人名、古汉语等方面出现的罕用字，</a:t>
+            </a:r>
+            <a:r>
+              <a:rPr lang="en-US" altLang="zh-CN" dirty="0"/>
+              <a:t>GB 2312</a:t>
+            </a:r>
+            <a:r>
+              <a:rPr lang="zh-CN" altLang="en-US" dirty="0"/>
+              <a:t>不能处理，这导致了后来</a:t>
+            </a:r>
+            <a:r>
+              <a:rPr lang="en-US" altLang="zh-CN" dirty="0"/>
+              <a:t>GBK</a:t>
+            </a:r>
+            <a:r>
+              <a:rPr lang="zh-CN" altLang="en-US" dirty="0"/>
+              <a:t>及</a:t>
+            </a:r>
+            <a:r>
+              <a:rPr lang="en-US" altLang="zh-CN" dirty="0"/>
+              <a:t>GB 18030</a:t>
+            </a:r>
+            <a:r>
+              <a:rPr lang="zh-CN" altLang="en-US" dirty="0"/>
+              <a:t>汉字</a:t>
+            </a:r>
+            <a:r>
+              <a:rPr lang="zh-CN" altLang="en-US" dirty="0">
+                <a:hlinkClick r:id="rId2">
+                  <a:extLst>
+                    <a:ext uri="{A12FA001-AC4F-418D-AE19-62706E023703}">
+                      <ahyp:hlinkClr xmlns:ahyp="http://schemas.microsoft.com/office/drawing/2018/hyperlinkcolor" val="tx"/>
+                    </a:ext>
+                  </a:extLst>
+                </a:hlinkClick>
+              </a:rPr>
+              <a:t>字符集</a:t>
+            </a:r>
+            <a:r>
+              <a:rPr lang="zh-CN" altLang="en-US" dirty="0"/>
+              <a:t>的出现。</a:t>
+            </a:r>
+          </a:p>
+        </p:txBody>
+      </p:sp>
+    </p:spTree>
+    <p:extLst>
+      <p:ext uri="{BB962C8B-B14F-4D97-AF65-F5344CB8AC3E}">
+        <p14:creationId xmlns:p14="http://schemas.microsoft.com/office/powerpoint/2010/main" val="2493747874"/>
+      </p:ext>
+    </p:extLst>
+  </p:cSld>
+  <p:clrMapOvr>
+    <a:masterClrMapping/>
+  </p:clrMapOvr>
+</p:sld>
+</file>
+
+<file path=ppt/slides/slide9.xml><?xml version="1.0" encoding="utf-8"?>
+<p:sld xmlns:a="http://schemas.openxmlformats.org/drawingml/2006/main" xmlns:r="http://schemas.openxmlformats.org/officeDocument/2006/relationships" xmlns:p="http://schemas.openxmlformats.org/presentationml/2006/main">
+  <p:cSld>
+    <p:spTree>
+      <p:nvGrpSpPr>
+        <p:cNvPr id="1" name=""/>
+        <p:cNvGrpSpPr/>
+        <p:nvPr/>
+      </p:nvGrpSpPr>
+      <p:grpSpPr>
+        <a:xfrm>
+          <a:off x="0" y="0"/>
+          <a:ext cx="0" cy="0"/>
+          <a:chOff x="0" y="0"/>
+          <a:chExt cx="0" cy="0"/>
+        </a:xfrm>
+      </p:grpSpPr>
+      <p:sp>
+        <p:nvSpPr>
+          <p:cNvPr id="2" name="标题 1">
+            <a:extLst>
+              <a:ext uri="{FF2B5EF4-FFF2-40B4-BE49-F238E27FC236}">
+                <a16:creationId xmlns:a16="http://schemas.microsoft.com/office/drawing/2014/main" id="{9CA138BD-9DE3-4862-BBC0-0419488DA8F8}"/>
+              </a:ext>
+            </a:extLst>
+          </p:cNvPr>
+          <p:cNvSpPr>
+            <a:spLocks noGrp="1"/>
+          </p:cNvSpPr>
+          <p:nvPr>
+            <p:ph type="title"/>
+          </p:nvPr>
+        </p:nvSpPr>
+        <p:spPr/>
+        <p:txBody>
+          <a:bodyPr/>
+          <a:lstStyle/>
+          <a:p>
+            <a:r>
+              <a:rPr lang="en-US" altLang="zh-CN" dirty="0"/>
+              <a:t>GB 18030</a:t>
+            </a:r>
+            <a:endParaRPr lang="zh-CN" altLang="en-US" dirty="0"/>
+          </a:p>
+        </p:txBody>
+      </p:sp>
+      <p:sp>
+        <p:nvSpPr>
+          <p:cNvPr id="3" name="内容占位符 2">
+            <a:extLst>
+              <a:ext uri="{FF2B5EF4-FFF2-40B4-BE49-F238E27FC236}">
+                <a16:creationId xmlns:a16="http://schemas.microsoft.com/office/drawing/2014/main" id="{ED82A659-EF0E-4B57-9949-90CDE90E9AD4}"/>
+              </a:ext>
+            </a:extLst>
+          </p:cNvPr>
+          <p:cNvSpPr>
+            <a:spLocks noGrp="1"/>
+          </p:cNvSpPr>
+          <p:nvPr>
+            <p:ph idx="1"/>
+          </p:nvPr>
+        </p:nvSpPr>
+        <p:spPr/>
+        <p:txBody>
+          <a:bodyPr/>
+          <a:lstStyle/>
+          <a:p>
+            <a:r>
+              <a:rPr lang="en-US" altLang="zh-CN" b="1" dirty="0"/>
+              <a:t>GB 18030</a:t>
+            </a:r>
+            <a:r>
+              <a:rPr lang="zh-CN" altLang="en-US" dirty="0"/>
+              <a:t>，全称</a:t>
+            </a:r>
+            <a:r>
+              <a:rPr lang="en-US" altLang="zh-CN" dirty="0"/>
+              <a:t>《</a:t>
+            </a:r>
+            <a:r>
+              <a:rPr lang="zh-CN" altLang="en-US" dirty="0"/>
+              <a:t>信息技术 中文编码字符集</a:t>
+            </a:r>
+            <a:r>
+              <a:rPr lang="en-US" altLang="zh-CN" dirty="0"/>
+              <a:t>》</a:t>
+            </a:r>
+          </a:p>
+          <a:p>
+            <a:r>
+              <a:rPr lang="zh-CN" altLang="en-US" dirty="0"/>
+              <a:t>是</a:t>
+            </a:r>
+            <a:r>
+              <a:rPr lang="zh-CN" altLang="en-US" dirty="0">
+                <a:hlinkClick r:id="rId2">
+                  <a:extLst>
+                    <a:ext uri="{A12FA001-AC4F-418D-AE19-62706E023703}">
+                      <ahyp:hlinkClr xmlns:ahyp="http://schemas.microsoft.com/office/drawing/2018/hyperlinkcolor" val="tx"/>
+                    </a:ext>
+                  </a:extLst>
+                </a:hlinkClick>
+              </a:rPr>
+              <a:t>中华人民共和国</a:t>
+            </a:r>
+            <a:r>
+              <a:rPr lang="zh-CN" altLang="en-US" dirty="0">
+                <a:hlinkClick r:id="rId3">
+                  <a:extLst>
+                    <a:ext uri="{A12FA001-AC4F-418D-AE19-62706E023703}">
+                      <ahyp:hlinkClr xmlns:ahyp="http://schemas.microsoft.com/office/drawing/2018/hyperlinkcolor" val="tx"/>
+                    </a:ext>
+                  </a:extLst>
+                </a:hlinkClick>
+              </a:rPr>
+              <a:t>国家标准</a:t>
+            </a:r>
+            <a:r>
+              <a:rPr lang="zh-CN" altLang="en-US" dirty="0"/>
+              <a:t>所规定的变长多字节字符集。</a:t>
+            </a:r>
+            <a:endParaRPr lang="en-US" altLang="zh-CN" dirty="0"/>
+          </a:p>
+          <a:p>
+            <a:r>
+              <a:rPr lang="zh-CN" altLang="en-US" dirty="0"/>
+              <a:t>对</a:t>
+            </a:r>
+            <a:r>
+              <a:rPr lang="en-US" altLang="zh-CN" dirty="0"/>
+              <a:t>GB 2312-1980</a:t>
+            </a:r>
+            <a:r>
+              <a:rPr lang="zh-CN" altLang="en-US" dirty="0"/>
+              <a:t>完全</a:t>
+            </a:r>
+            <a:r>
+              <a:rPr lang="zh-CN" altLang="en-US" dirty="0">
+                <a:hlinkClick r:id="rId4">
+                  <a:extLst>
+                    <a:ext uri="{A12FA001-AC4F-418D-AE19-62706E023703}">
+                      <ahyp:hlinkClr xmlns:ahyp="http://schemas.microsoft.com/office/drawing/2018/hyperlinkcolor" val="tx"/>
+                    </a:ext>
+                  </a:extLst>
+                </a:hlinkClick>
+              </a:rPr>
+              <a:t>向后兼容</a:t>
+            </a:r>
+            <a:endParaRPr lang="en-US" altLang="zh-CN" dirty="0"/>
+          </a:p>
+          <a:p>
+            <a:r>
+              <a:rPr lang="zh-CN" altLang="en-US" dirty="0"/>
+              <a:t>与</a:t>
+            </a:r>
+            <a:r>
+              <a:rPr lang="en-US" altLang="zh-CN" dirty="0">
+                <a:hlinkClick r:id="rId5">
+                  <a:extLst>
+                    <a:ext uri="{A12FA001-AC4F-418D-AE19-62706E023703}">
+                      <ahyp:hlinkClr xmlns:ahyp="http://schemas.microsoft.com/office/drawing/2018/hyperlinkcolor" val="tx"/>
+                    </a:ext>
+                  </a:extLst>
+                </a:hlinkClick>
+              </a:rPr>
+              <a:t>GBK</a:t>
+            </a:r>
+            <a:r>
+              <a:rPr lang="zh-CN" altLang="en-US" dirty="0"/>
+              <a:t>基本</a:t>
+            </a:r>
+            <a:r>
+              <a:rPr lang="zh-CN" altLang="en-US" dirty="0">
+                <a:hlinkClick r:id="rId4">
+                  <a:extLst>
+                    <a:ext uri="{A12FA001-AC4F-418D-AE19-62706E023703}">
+                      <ahyp:hlinkClr xmlns:ahyp="http://schemas.microsoft.com/office/drawing/2018/hyperlinkcolor" val="tx"/>
+                    </a:ext>
+                  </a:extLst>
+                </a:hlinkClick>
+              </a:rPr>
+              <a:t>向后兼容</a:t>
+            </a:r>
+            <a:endParaRPr lang="en-US" altLang="zh-CN" dirty="0"/>
+          </a:p>
+          <a:p>
+            <a:r>
+              <a:rPr lang="zh-CN" altLang="en-US" dirty="0"/>
+              <a:t>支持</a:t>
+            </a:r>
+            <a:r>
+              <a:rPr lang="en-US" altLang="zh-CN" dirty="0">
+                <a:hlinkClick r:id="rId6">
+                  <a:extLst>
+                    <a:ext uri="{A12FA001-AC4F-418D-AE19-62706E023703}">
+                      <ahyp:hlinkClr xmlns:ahyp="http://schemas.microsoft.com/office/drawing/2018/hyperlinkcolor" val="tx"/>
+                    </a:ext>
+                  </a:extLst>
+                </a:hlinkClick>
+              </a:rPr>
+              <a:t>Unicode</a:t>
+            </a:r>
+            <a:r>
+              <a:rPr lang="zh-CN" altLang="en-US" dirty="0"/>
+              <a:t>（</a:t>
+            </a:r>
+            <a:r>
+              <a:rPr lang="en-US" altLang="zh-CN" dirty="0"/>
+              <a:t>GB 13000</a:t>
+            </a:r>
+            <a:r>
+              <a:rPr lang="zh-CN" altLang="en-US" dirty="0"/>
+              <a:t>）的所有码位。</a:t>
+            </a:r>
+            <a:endParaRPr lang="en-US" altLang="zh-CN" dirty="0"/>
+          </a:p>
+          <a:p>
+            <a:r>
+              <a:rPr lang="en-US" altLang="zh-CN" dirty="0"/>
+              <a:t>GB 18030</a:t>
+            </a:r>
+            <a:r>
+              <a:rPr lang="zh-CN" altLang="en-US" dirty="0"/>
+              <a:t>共收录汉字</a:t>
+            </a:r>
+            <a:r>
+              <a:rPr lang="en-US" altLang="zh-CN" dirty="0"/>
+              <a:t>70,244</a:t>
+            </a:r>
+            <a:r>
+              <a:rPr lang="zh-CN" altLang="en-US" dirty="0"/>
+              <a:t>个。</a:t>
+            </a:r>
+            <a:endParaRPr lang="en-US" altLang="zh-CN" dirty="0"/>
+          </a:p>
+          <a:p>
+            <a:r>
+              <a:rPr lang="zh-CN" altLang="en-US" dirty="0"/>
+              <a:t>发布日期</a:t>
+            </a:r>
+            <a:r>
+              <a:rPr lang="en-US" altLang="zh-CN" dirty="0"/>
+              <a:t>2000-3-17</a:t>
+            </a:r>
+            <a:r>
+              <a:rPr lang="zh-CN" altLang="en-US" dirty="0"/>
+              <a:t>；</a:t>
+            </a:r>
+            <a:r>
+              <a:rPr lang="en-US" altLang="zh-CN" dirty="0"/>
+              <a:t>2005-11-8</a:t>
+            </a:r>
+            <a:endParaRPr lang="zh-CN" altLang="en-US" dirty="0"/>
+          </a:p>
+        </p:txBody>
+      </p:sp>
+    </p:spTree>
+    <p:extLst>
+      <p:ext uri="{BB962C8B-B14F-4D97-AF65-F5344CB8AC3E}">
+        <p14:creationId xmlns:p14="http://schemas.microsoft.com/office/powerpoint/2010/main" val="3783740009"/>
       </p:ext>
     </p:extLst>
   </p:cSld>

--- a/PPT-2020/ch06 字符编码与字频统计.pptx
+++ b/PPT-2020/ch06 字符编码与字频统计.pptx
@@ -7,15 +7,19 @@
   <p:sldIdLst>
     <p:sldId id="256" r:id="rId2"/>
     <p:sldId id="257" r:id="rId3"/>
-    <p:sldId id="258" r:id="rId4"/>
-    <p:sldId id="259" r:id="rId5"/>
-    <p:sldId id="263" r:id="rId6"/>
-    <p:sldId id="264" r:id="rId7"/>
-    <p:sldId id="265" r:id="rId8"/>
-    <p:sldId id="262" r:id="rId9"/>
-    <p:sldId id="267" r:id="rId10"/>
-    <p:sldId id="260" r:id="rId11"/>
-    <p:sldId id="261" r:id="rId12"/>
+    <p:sldId id="268" r:id="rId4"/>
+    <p:sldId id="258" r:id="rId5"/>
+    <p:sldId id="259" r:id="rId6"/>
+    <p:sldId id="263" r:id="rId7"/>
+    <p:sldId id="269" r:id="rId8"/>
+    <p:sldId id="270" r:id="rId9"/>
+    <p:sldId id="271" r:id="rId10"/>
+    <p:sldId id="264" r:id="rId11"/>
+    <p:sldId id="265" r:id="rId12"/>
+    <p:sldId id="262" r:id="rId13"/>
+    <p:sldId id="267" r:id="rId14"/>
+    <p:sldId id="260" r:id="rId15"/>
+    <p:sldId id="261" r:id="rId16"/>
   </p:sldIdLst>
   <p:sldSz cx="12192000" cy="6858000"/>
   <p:notesSz cx="6858000" cy="9144000"/>
@@ -396,7 +400,7 @@
           <a:p>
             <a:fld id="{B161E7BD-2304-4CFF-AC2E-DAADCB15FF3C}" type="datetimeFigureOut">
               <a:rPr lang="zh-CN" altLang="en-US" smtClean="0"/>
-              <a:t>2020/6/29</a:t>
+              <a:t>2020/8/19</a:t>
             </a:fld>
             <a:endParaRPr lang="zh-CN" altLang="en-US"/>
           </a:p>
@@ -810,7 +814,7 @@
           <a:p>
             <a:fld id="{B161E7BD-2304-4CFF-AC2E-DAADCB15FF3C}" type="datetimeFigureOut">
               <a:rPr lang="zh-CN" altLang="en-US" smtClean="0"/>
-              <a:t>2020/6/29</a:t>
+              <a:t>2020/8/19</a:t>
             </a:fld>
             <a:endParaRPr lang="zh-CN" altLang="en-US"/>
           </a:p>
@@ -1146,7 +1150,7 @@
           <a:p>
             <a:fld id="{B161E7BD-2304-4CFF-AC2E-DAADCB15FF3C}" type="datetimeFigureOut">
               <a:rPr lang="zh-CN" altLang="en-US" smtClean="0"/>
-              <a:t>2020/6/29</a:t>
+              <a:t>2020/8/19</a:t>
             </a:fld>
             <a:endParaRPr lang="zh-CN" altLang="en-US"/>
           </a:p>
@@ -1551,7 +1555,7 @@
           <a:p>
             <a:fld id="{B161E7BD-2304-4CFF-AC2E-DAADCB15FF3C}" type="datetimeFigureOut">
               <a:rPr lang="zh-CN" altLang="en-US" smtClean="0"/>
-              <a:t>2020/6/29</a:t>
+              <a:t>2020/8/19</a:t>
             </a:fld>
             <a:endParaRPr lang="zh-CN" altLang="en-US"/>
           </a:p>
@@ -2119,7 +2123,7 @@
           <a:p>
             <a:fld id="{B161E7BD-2304-4CFF-AC2E-DAADCB15FF3C}" type="datetimeFigureOut">
               <a:rPr lang="zh-CN" altLang="en-US" smtClean="0"/>
-              <a:t>2020/6/29</a:t>
+              <a:t>2020/8/19</a:t>
             </a:fld>
             <a:endParaRPr lang="zh-CN" altLang="en-US"/>
           </a:p>
@@ -2800,7 +2804,7 @@
           <a:p>
             <a:fld id="{B161E7BD-2304-4CFF-AC2E-DAADCB15FF3C}" type="datetimeFigureOut">
               <a:rPr lang="zh-CN" altLang="en-US" smtClean="0"/>
-              <a:t>2020/6/29</a:t>
+              <a:t>2020/8/19</a:t>
             </a:fld>
             <a:endParaRPr lang="zh-CN" altLang="en-US"/>
           </a:p>
@@ -3713,7 +3717,7 @@
           <a:p>
             <a:fld id="{B161E7BD-2304-4CFF-AC2E-DAADCB15FF3C}" type="datetimeFigureOut">
               <a:rPr lang="zh-CN" altLang="en-US" smtClean="0"/>
-              <a:t>2020/6/29</a:t>
+              <a:t>2020/8/19</a:t>
             </a:fld>
             <a:endParaRPr lang="zh-CN" altLang="en-US"/>
           </a:p>
@@ -4026,7 +4030,7 @@
           <a:p>
             <a:fld id="{B161E7BD-2304-4CFF-AC2E-DAADCB15FF3C}" type="datetimeFigureOut">
               <a:rPr lang="zh-CN" altLang="en-US" smtClean="0"/>
-              <a:t>2020/6/29</a:t>
+              <a:t>2020/8/19</a:t>
             </a:fld>
             <a:endParaRPr lang="zh-CN" altLang="en-US"/>
           </a:p>
@@ -4290,7 +4294,7 @@
           <a:p>
             <a:fld id="{B161E7BD-2304-4CFF-AC2E-DAADCB15FF3C}" type="datetimeFigureOut">
               <a:rPr lang="zh-CN" altLang="en-US" smtClean="0"/>
-              <a:t>2020/6/29</a:t>
+              <a:t>2020/8/19</a:t>
             </a:fld>
             <a:endParaRPr lang="zh-CN" altLang="en-US"/>
           </a:p>
@@ -4613,7 +4617,7 @@
           <a:p>
             <a:fld id="{B161E7BD-2304-4CFF-AC2E-DAADCB15FF3C}" type="datetimeFigureOut">
               <a:rPr lang="zh-CN" altLang="en-US" smtClean="0"/>
-              <a:t>2020/6/29</a:t>
+              <a:t>2020/8/19</a:t>
             </a:fld>
             <a:endParaRPr lang="zh-CN" altLang="en-US"/>
           </a:p>
@@ -5002,7 +5006,7 @@
           <a:p>
             <a:fld id="{B161E7BD-2304-4CFF-AC2E-DAADCB15FF3C}" type="datetimeFigureOut">
               <a:rPr lang="zh-CN" altLang="en-US" smtClean="0"/>
-              <a:t>2020/6/29</a:t>
+              <a:t>2020/8/19</a:t>
             </a:fld>
             <a:endParaRPr lang="zh-CN" altLang="en-US"/>
           </a:p>
@@ -5378,7 +5382,7 @@
           <a:p>
             <a:fld id="{B161E7BD-2304-4CFF-AC2E-DAADCB15FF3C}" type="datetimeFigureOut">
               <a:rPr lang="zh-CN" altLang="en-US" smtClean="0"/>
-              <a:t>2020/6/29</a:t>
+              <a:t>2020/8/19</a:t>
             </a:fld>
             <a:endParaRPr lang="zh-CN" altLang="en-US"/>
           </a:p>
@@ -5884,7 +5888,7 @@
           <a:p>
             <a:fld id="{B161E7BD-2304-4CFF-AC2E-DAADCB15FF3C}" type="datetimeFigureOut">
               <a:rPr lang="zh-CN" altLang="en-US" smtClean="0"/>
-              <a:t>2020/6/29</a:t>
+              <a:t>2020/8/19</a:t>
             </a:fld>
             <a:endParaRPr lang="zh-CN" altLang="en-US"/>
           </a:p>
@@ -6141,7 +6145,7 @@
           <a:p>
             <a:fld id="{B161E7BD-2304-4CFF-AC2E-DAADCB15FF3C}" type="datetimeFigureOut">
               <a:rPr lang="zh-CN" altLang="en-US" smtClean="0"/>
-              <a:t>2020/6/29</a:t>
+              <a:t>2020/8/19</a:t>
             </a:fld>
             <a:endParaRPr lang="zh-CN" altLang="en-US"/>
           </a:p>
@@ -6304,7 +6308,7 @@
           <a:p>
             <a:fld id="{B161E7BD-2304-4CFF-AC2E-DAADCB15FF3C}" type="datetimeFigureOut">
               <a:rPr lang="zh-CN" altLang="en-US" smtClean="0"/>
-              <a:t>2020/6/29</a:t>
+              <a:t>2020/8/19</a:t>
             </a:fld>
             <a:endParaRPr lang="zh-CN" altLang="en-US"/>
           </a:p>
@@ -6694,7 +6698,7 @@
           <a:p>
             <a:fld id="{B161E7BD-2304-4CFF-AC2E-DAADCB15FF3C}" type="datetimeFigureOut">
               <a:rPr lang="zh-CN" altLang="en-US" smtClean="0"/>
-              <a:t>2020/6/29</a:t>
+              <a:t>2020/8/19</a:t>
             </a:fld>
             <a:endParaRPr lang="zh-CN" altLang="en-US"/>
           </a:p>
@@ -7103,7 +7107,7 @@
           <a:p>
             <a:fld id="{B161E7BD-2304-4CFF-AC2E-DAADCB15FF3C}" type="datetimeFigureOut">
               <a:rPr lang="zh-CN" altLang="en-US" smtClean="0"/>
-              <a:t>2020/6/29</a:t>
+              <a:t>2020/8/19</a:t>
             </a:fld>
             <a:endParaRPr lang="zh-CN" altLang="en-US"/>
           </a:p>
@@ -7347,7 +7351,7 @@
           <a:p>
             <a:fld id="{B161E7BD-2304-4CFF-AC2E-DAADCB15FF3C}" type="datetimeFigureOut">
               <a:rPr lang="zh-CN" altLang="en-US" smtClean="0"/>
-              <a:t>2020/6/29</a:t>
+              <a:t>2020/8/19</a:t>
             </a:fld>
             <a:endParaRPr lang="zh-CN" altLang="en-US"/>
           </a:p>
@@ -7912,6 +7916,971 @@
           <p:cNvPr id="2" name="标题 1">
             <a:extLst>
               <a:ext uri="{FF2B5EF4-FFF2-40B4-BE49-F238E27FC236}">
+                <a16:creationId xmlns:a16="http://schemas.microsoft.com/office/drawing/2014/main" id="{80EEB360-75CC-4E4D-819B-AB8D144D4814}"/>
+              </a:ext>
+            </a:extLst>
+          </p:cNvPr>
+          <p:cNvSpPr>
+            <a:spLocks noGrp="1"/>
+          </p:cNvSpPr>
+          <p:nvPr>
+            <p:ph type="title"/>
+          </p:nvPr>
+        </p:nvSpPr>
+        <p:spPr/>
+        <p:txBody>
+          <a:bodyPr/>
+          <a:lstStyle/>
+          <a:p>
+            <a:r>
+              <a:rPr lang="en-US" altLang="zh-CN" dirty="0"/>
+              <a:t>6.2.2 </a:t>
+            </a:r>
+            <a:r>
+              <a:rPr lang="zh-CN" altLang="en-US" dirty="0"/>
+              <a:t>大五码 </a:t>
+            </a:r>
+            <a:r>
+              <a:rPr lang="en-US" altLang="zh-CN" dirty="0"/>
+              <a:t>big5</a:t>
+            </a:r>
+            <a:endParaRPr lang="zh-CN" altLang="en-US" dirty="0"/>
+          </a:p>
+        </p:txBody>
+      </p:sp>
+      <p:sp>
+        <p:nvSpPr>
+          <p:cNvPr id="3" name="内容占位符 2">
+            <a:extLst>
+              <a:ext uri="{FF2B5EF4-FFF2-40B4-BE49-F238E27FC236}">
+                <a16:creationId xmlns:a16="http://schemas.microsoft.com/office/drawing/2014/main" id="{753BC560-8E17-4094-A514-0838DE6ED42B}"/>
+              </a:ext>
+            </a:extLst>
+          </p:cNvPr>
+          <p:cNvSpPr>
+            <a:spLocks noGrp="1"/>
+          </p:cNvSpPr>
+          <p:nvPr>
+            <p:ph idx="1"/>
+          </p:nvPr>
+        </p:nvSpPr>
+        <p:spPr/>
+        <p:txBody>
+          <a:bodyPr>
+            <a:normAutofit/>
+          </a:bodyPr>
+          <a:lstStyle/>
+          <a:p>
+            <a:pPr marL="0" indent="0">
+              <a:buNone/>
+            </a:pPr>
+            <a:r>
+              <a:rPr lang="zh-CN" altLang="en-US" dirty="0"/>
+              <a:t>台湾、香港与澳门地区，使用的繁体中文字符集。</a:t>
+            </a:r>
+            <a:endParaRPr lang="en-US" altLang="zh-CN" dirty="0"/>
+          </a:p>
+          <a:p>
+            <a:endParaRPr lang="en-US" altLang="zh-CN" dirty="0"/>
+          </a:p>
+          <a:p>
+            <a:pPr marL="0" indent="0">
+              <a:buNone/>
+            </a:pPr>
+            <a:r>
+              <a:rPr lang="zh-CN" altLang="en-US" dirty="0"/>
+              <a:t>为统一繁体字符集编码，</a:t>
+            </a:r>
+            <a:r>
+              <a:rPr lang="en-US" altLang="zh-CN" dirty="0"/>
+              <a:t>1984</a:t>
+            </a:r>
+            <a:r>
+              <a:rPr lang="zh-CN" altLang="en-US" dirty="0"/>
+              <a:t>年，台湾五大厂商</a:t>
+            </a:r>
+            <a:r>
+              <a:rPr lang="zh-CN" altLang="en-US" u="sng" dirty="0"/>
+              <a:t>宏碁、神通、佳佳、零壹、大众</a:t>
+            </a:r>
+            <a:r>
+              <a:rPr lang="zh-CN" altLang="en-US" dirty="0"/>
+              <a:t>制定了一种繁体中文编码方案。</a:t>
+            </a:r>
+            <a:endParaRPr lang="en-US" altLang="zh-CN" dirty="0"/>
+          </a:p>
+          <a:p>
+            <a:pPr marL="0" indent="0">
+              <a:buNone/>
+            </a:pPr>
+            <a:endParaRPr lang="en-US" altLang="zh-CN" dirty="0"/>
+          </a:p>
+          <a:p>
+            <a:pPr marL="0" indent="0">
+              <a:buNone/>
+            </a:pPr>
+            <a:r>
+              <a:rPr lang="zh-CN" altLang="en-US" dirty="0"/>
+              <a:t>因其来源被称为五大码，英文写作</a:t>
+            </a:r>
+            <a:r>
+              <a:rPr lang="en-US" altLang="zh-CN" dirty="0"/>
+              <a:t>Big5</a:t>
+            </a:r>
+            <a:r>
+              <a:rPr lang="zh-CN" altLang="en-US" dirty="0"/>
+              <a:t>，普遍被称为大五码。</a:t>
+            </a:r>
+          </a:p>
+        </p:txBody>
+      </p:sp>
+    </p:spTree>
+    <p:extLst>
+      <p:ext uri="{BB962C8B-B14F-4D97-AF65-F5344CB8AC3E}">
+        <p14:creationId xmlns:p14="http://schemas.microsoft.com/office/powerpoint/2010/main" val="1506851705"/>
+      </p:ext>
+    </p:extLst>
+  </p:cSld>
+  <p:clrMapOvr>
+    <a:masterClrMapping/>
+  </p:clrMapOvr>
+</p:sld>
+</file>
+
+<file path=ppt/slides/slide11.xml><?xml version="1.0" encoding="utf-8"?>
+<p:sld xmlns:a="http://schemas.openxmlformats.org/drawingml/2006/main" xmlns:r="http://schemas.openxmlformats.org/officeDocument/2006/relationships" xmlns:p="http://schemas.openxmlformats.org/presentationml/2006/main">
+  <p:cSld>
+    <p:spTree>
+      <p:nvGrpSpPr>
+        <p:cNvPr id="1" name=""/>
+        <p:cNvGrpSpPr/>
+        <p:nvPr/>
+      </p:nvGrpSpPr>
+      <p:grpSpPr>
+        <a:xfrm>
+          <a:off x="0" y="0"/>
+          <a:ext cx="0" cy="0"/>
+          <a:chOff x="0" y="0"/>
+          <a:chExt cx="0" cy="0"/>
+        </a:xfrm>
+      </p:grpSpPr>
+      <p:sp>
+        <p:nvSpPr>
+          <p:cNvPr id="2" name="标题 1">
+            <a:extLst>
+              <a:ext uri="{FF2B5EF4-FFF2-40B4-BE49-F238E27FC236}">
+                <a16:creationId xmlns:a16="http://schemas.microsoft.com/office/drawing/2014/main" id="{899A323B-4F56-40E9-B100-D5E089653B75}"/>
+              </a:ext>
+            </a:extLst>
+          </p:cNvPr>
+          <p:cNvSpPr>
+            <a:spLocks noGrp="1"/>
+          </p:cNvSpPr>
+          <p:nvPr>
+            <p:ph type="title"/>
+          </p:nvPr>
+        </p:nvSpPr>
+        <p:spPr/>
+        <p:txBody>
+          <a:bodyPr/>
+          <a:lstStyle/>
+          <a:p>
+            <a:r>
+              <a:rPr lang="en-US" altLang="zh-CN" dirty="0"/>
+              <a:t>6.2.3 Unicode </a:t>
+            </a:r>
+            <a:r>
+              <a:rPr lang="zh-CN" altLang="en-US" dirty="0"/>
+              <a:t>与 </a:t>
+            </a:r>
+            <a:r>
+              <a:rPr lang="en-US" altLang="zh-CN" dirty="0"/>
+              <a:t>ISO/IEC 10646</a:t>
+            </a:r>
+            <a:endParaRPr lang="zh-CN" altLang="en-US" dirty="0"/>
+          </a:p>
+        </p:txBody>
+      </p:sp>
+      <p:sp>
+        <p:nvSpPr>
+          <p:cNvPr id="3" name="内容占位符 2">
+            <a:extLst>
+              <a:ext uri="{FF2B5EF4-FFF2-40B4-BE49-F238E27FC236}">
+                <a16:creationId xmlns:a16="http://schemas.microsoft.com/office/drawing/2014/main" id="{8DF1A34F-F190-435B-A7C5-B6E359DD2882}"/>
+              </a:ext>
+            </a:extLst>
+          </p:cNvPr>
+          <p:cNvSpPr>
+            <a:spLocks noGrp="1"/>
+          </p:cNvSpPr>
+          <p:nvPr>
+            <p:ph idx="1"/>
+          </p:nvPr>
+        </p:nvSpPr>
+        <p:spPr>
+          <a:xfrm>
+            <a:off x="680321" y="2336872"/>
+            <a:ext cx="10629705" cy="4096353"/>
+          </a:xfrm>
+        </p:spPr>
+        <p:txBody>
+          <a:bodyPr>
+            <a:normAutofit lnSpcReduction="10000"/>
+          </a:bodyPr>
+          <a:lstStyle/>
+          <a:p>
+            <a:r>
+              <a:rPr lang="en-US" altLang="zh-CN" dirty="0"/>
+              <a:t>Unicode</a:t>
+            </a:r>
+            <a:r>
+              <a:rPr lang="zh-CN" altLang="en-US" dirty="0"/>
+              <a:t>是国际组织制定的可以容纳世界上所有文字和符号的字符编码方案。</a:t>
+            </a:r>
+            <a:endParaRPr lang="en-US" altLang="zh-CN" dirty="0"/>
+          </a:p>
+          <a:p>
+            <a:endParaRPr lang="zh-CN" altLang="en-US" dirty="0"/>
+          </a:p>
+          <a:p>
+            <a:r>
+              <a:rPr lang="zh-CN" altLang="en-US" dirty="0">
+                <a:hlinkClick r:id="rId2">
+                  <a:extLst>
+                    <a:ext uri="{A12FA001-AC4F-418D-AE19-62706E023703}">
+                      <ahyp:hlinkClr xmlns:ahyp="http://schemas.microsoft.com/office/drawing/2018/hyperlinkcolor" val="tx"/>
+                    </a:ext>
+                  </a:extLst>
+                </a:hlinkClick>
+              </a:rPr>
+              <a:t>通用字符集</a:t>
+            </a:r>
+            <a:r>
+              <a:rPr lang="zh-CN" altLang="en-US" dirty="0"/>
+              <a:t>（</a:t>
+            </a:r>
+            <a:r>
+              <a:rPr lang="en-US" altLang="zh-CN" dirty="0"/>
+              <a:t>Universal Character Set, UCS</a:t>
+            </a:r>
+            <a:r>
+              <a:rPr lang="zh-CN" altLang="en-US" dirty="0"/>
+              <a:t>）是由</a:t>
+            </a:r>
+            <a:r>
+              <a:rPr lang="en-US" altLang="zh-CN" dirty="0"/>
+              <a:t>ISO</a:t>
+            </a:r>
+            <a:r>
+              <a:rPr lang="zh-CN" altLang="en-US" dirty="0"/>
+              <a:t>制定的</a:t>
+            </a:r>
+            <a:r>
+              <a:rPr lang="en-US" altLang="zh-CN" dirty="0">
+                <a:hlinkClick r:id="rId3">
+                  <a:extLst>
+                    <a:ext uri="{A12FA001-AC4F-418D-AE19-62706E023703}">
+                      <ahyp:hlinkClr xmlns:ahyp="http://schemas.microsoft.com/office/drawing/2018/hyperlinkcolor" val="tx"/>
+                    </a:ext>
+                  </a:extLst>
+                </a:hlinkClick>
+              </a:rPr>
+              <a:t>ISO 10646</a:t>
+            </a:r>
+            <a:r>
+              <a:rPr lang="zh-CN" altLang="en-US" dirty="0"/>
+              <a:t>（或称</a:t>
+            </a:r>
+            <a:r>
+              <a:rPr lang="en-US" altLang="zh-CN" dirty="0"/>
+              <a:t>ISO/IEC 10646</a:t>
+            </a:r>
+            <a:r>
+              <a:rPr lang="zh-CN" altLang="en-US" dirty="0"/>
+              <a:t>）标准所定义的标准字符集。</a:t>
+            </a:r>
+            <a:endParaRPr lang="en-US" altLang="zh-CN" dirty="0"/>
+          </a:p>
+          <a:p>
+            <a:endParaRPr lang="en-US" altLang="zh-CN" dirty="0"/>
+          </a:p>
+          <a:p>
+            <a:r>
+              <a:rPr lang="en-US" altLang="zh-CN" dirty="0"/>
+              <a:t>1991</a:t>
+            </a:r>
+            <a:r>
+              <a:rPr lang="zh-CN" altLang="en-US" dirty="0"/>
+              <a:t>年前后，两个项目开始合并，并为创立一个单一编码表而协同工作</a:t>
+            </a:r>
+            <a:endParaRPr lang="en-US" altLang="zh-CN" dirty="0"/>
+          </a:p>
+          <a:p>
+            <a:r>
+              <a:rPr lang="zh-CN" altLang="en-US" dirty="0"/>
+              <a:t>从</a:t>
+            </a:r>
+            <a:r>
+              <a:rPr lang="en-US" altLang="zh-CN" dirty="0"/>
+              <a:t>Unicode 2.0</a:t>
+            </a:r>
+            <a:r>
+              <a:rPr lang="zh-CN" altLang="en-US" dirty="0"/>
+              <a:t>开始，</a:t>
+            </a:r>
+            <a:r>
+              <a:rPr lang="en-US" altLang="zh-CN" dirty="0"/>
+              <a:t>Unicode</a:t>
+            </a:r>
+            <a:r>
+              <a:rPr lang="zh-CN" altLang="en-US" dirty="0"/>
+              <a:t>采用了与</a:t>
+            </a:r>
+            <a:r>
+              <a:rPr lang="en-US" altLang="zh-CN" dirty="0"/>
+              <a:t>ISO 10646-1</a:t>
+            </a:r>
+            <a:r>
+              <a:rPr lang="zh-CN" altLang="en-US" dirty="0"/>
+              <a:t>相同的</a:t>
+            </a:r>
+            <a:r>
+              <a:rPr lang="zh-CN" altLang="en-US" dirty="0">
+                <a:hlinkClick r:id="rId4">
+                  <a:extLst>
+                    <a:ext uri="{A12FA001-AC4F-418D-AE19-62706E023703}">
+                      <ahyp:hlinkClr xmlns:ahyp="http://schemas.microsoft.com/office/drawing/2018/hyperlinkcolor" val="tx"/>
+                    </a:ext>
+                  </a:extLst>
+                </a:hlinkClick>
+              </a:rPr>
+              <a:t>字库</a:t>
+            </a:r>
+            <a:r>
+              <a:rPr lang="zh-CN" altLang="en-US" dirty="0"/>
+              <a:t>和字码；</a:t>
+            </a:r>
+            <a:endParaRPr lang="en-US" altLang="zh-CN" dirty="0"/>
+          </a:p>
+          <a:p>
+            <a:r>
+              <a:rPr lang="en-US" altLang="zh-CN" dirty="0"/>
+              <a:t>ISO</a:t>
+            </a:r>
+            <a:r>
+              <a:rPr lang="zh-CN" altLang="en-US" dirty="0"/>
+              <a:t>也承诺，</a:t>
+            </a:r>
+            <a:r>
+              <a:rPr lang="en-US" altLang="zh-CN" dirty="0"/>
+              <a:t>ISO 10646</a:t>
+            </a:r>
+            <a:r>
+              <a:rPr lang="zh-CN" altLang="en-US" dirty="0"/>
+              <a:t>将不会替超出</a:t>
+            </a:r>
+            <a:r>
+              <a:rPr lang="en-US" altLang="zh-CN" dirty="0"/>
+              <a:t>U+10FFFF</a:t>
+            </a:r>
+            <a:r>
+              <a:rPr lang="zh-CN" altLang="en-US" dirty="0"/>
+              <a:t>的</a:t>
+            </a:r>
+            <a:r>
+              <a:rPr lang="en-US" altLang="zh-CN" dirty="0"/>
+              <a:t>UCS-4</a:t>
+            </a:r>
+            <a:r>
+              <a:rPr lang="zh-CN" altLang="en-US" dirty="0"/>
+              <a:t>编码赋值，以使得两者保持一致。</a:t>
+            </a:r>
+            <a:endParaRPr lang="en-US" altLang="zh-CN" dirty="0"/>
+          </a:p>
+          <a:p>
+            <a:r>
+              <a:rPr lang="zh-CN" altLang="en-US" dirty="0"/>
+              <a:t>两个项目仍都存在，并独立地公布各自的标准。</a:t>
+            </a:r>
+          </a:p>
+          <a:p>
+            <a:endParaRPr lang="zh-CN" altLang="en-US" dirty="0"/>
+          </a:p>
+        </p:txBody>
+      </p:sp>
+    </p:spTree>
+    <p:extLst>
+      <p:ext uri="{BB962C8B-B14F-4D97-AF65-F5344CB8AC3E}">
+        <p14:creationId xmlns:p14="http://schemas.microsoft.com/office/powerpoint/2010/main" val="548803418"/>
+      </p:ext>
+    </p:extLst>
+  </p:cSld>
+  <p:clrMapOvr>
+    <a:masterClrMapping/>
+  </p:clrMapOvr>
+</p:sld>
+</file>
+
+<file path=ppt/slides/slide12.xml><?xml version="1.0" encoding="utf-8"?>
+<p:sld xmlns:a="http://schemas.openxmlformats.org/drawingml/2006/main" xmlns:r="http://schemas.openxmlformats.org/officeDocument/2006/relationships" xmlns:p="http://schemas.openxmlformats.org/presentationml/2006/main">
+  <p:cSld>
+    <p:spTree>
+      <p:nvGrpSpPr>
+        <p:cNvPr id="1" name=""/>
+        <p:cNvGrpSpPr/>
+        <p:nvPr/>
+      </p:nvGrpSpPr>
+      <p:grpSpPr>
+        <a:xfrm>
+          <a:off x="0" y="0"/>
+          <a:ext cx="0" cy="0"/>
+          <a:chOff x="0" y="0"/>
+          <a:chExt cx="0" cy="0"/>
+        </a:xfrm>
+      </p:grpSpPr>
+      <p:sp>
+        <p:nvSpPr>
+          <p:cNvPr id="2" name="标题 1">
+            <a:extLst>
+              <a:ext uri="{FF2B5EF4-FFF2-40B4-BE49-F238E27FC236}">
+                <a16:creationId xmlns:a16="http://schemas.microsoft.com/office/drawing/2014/main" id="{ADD9D38C-EED0-453C-AC68-664FBF41BFED}"/>
+              </a:ext>
+            </a:extLst>
+          </p:cNvPr>
+          <p:cNvSpPr>
+            <a:spLocks noGrp="1"/>
+          </p:cNvSpPr>
+          <p:nvPr>
+            <p:ph type="title"/>
+          </p:nvPr>
+        </p:nvSpPr>
+        <p:spPr/>
+        <p:txBody>
+          <a:bodyPr/>
+          <a:lstStyle/>
+          <a:p>
+            <a:r>
+              <a:rPr lang="en-US" altLang="zh-CN" dirty="0"/>
+              <a:t>6.2.4 </a:t>
+            </a:r>
+            <a:r>
+              <a:rPr lang="zh-CN" altLang="en-US" dirty="0"/>
+              <a:t>国标扩展码 </a:t>
+            </a:r>
+            <a:r>
+              <a:rPr lang="en-US" altLang="zh-CN" dirty="0"/>
+              <a:t>GBK</a:t>
+            </a:r>
+            <a:endParaRPr lang="zh-CN" altLang="en-US" dirty="0"/>
+          </a:p>
+        </p:txBody>
+      </p:sp>
+      <p:sp>
+        <p:nvSpPr>
+          <p:cNvPr id="3" name="内容占位符 2">
+            <a:extLst>
+              <a:ext uri="{FF2B5EF4-FFF2-40B4-BE49-F238E27FC236}">
+                <a16:creationId xmlns:a16="http://schemas.microsoft.com/office/drawing/2014/main" id="{47046FF1-9EB1-490A-A393-21A01318423F}"/>
+              </a:ext>
+            </a:extLst>
+          </p:cNvPr>
+          <p:cNvSpPr>
+            <a:spLocks noGrp="1"/>
+          </p:cNvSpPr>
+          <p:nvPr>
+            <p:ph idx="1"/>
+          </p:nvPr>
+        </p:nvSpPr>
+        <p:spPr/>
+        <p:txBody>
+          <a:bodyPr>
+            <a:normAutofit/>
+          </a:bodyPr>
+          <a:lstStyle/>
+          <a:p>
+            <a:r>
+              <a:rPr lang="en-US" altLang="zh-CN" dirty="0"/>
+              <a:t>GBK</a:t>
+            </a:r>
+            <a:r>
+              <a:rPr lang="zh-CN" altLang="en-US" dirty="0"/>
+              <a:t>即汉字内码扩展规范，</a:t>
+            </a:r>
+            <a:r>
+              <a:rPr lang="en-US" altLang="zh-CN" dirty="0"/>
+              <a:t>K</a:t>
+            </a:r>
+            <a:r>
+              <a:rPr lang="zh-CN" altLang="en-US" dirty="0"/>
+              <a:t>为扩展的汉语拼音中“扩”字的声母。</a:t>
+            </a:r>
+            <a:endParaRPr lang="en-US" altLang="zh-CN" dirty="0"/>
+          </a:p>
+          <a:p>
+            <a:r>
+              <a:rPr lang="zh-CN" altLang="en-US" dirty="0"/>
+              <a:t>英文全称</a:t>
+            </a:r>
+            <a:r>
+              <a:rPr lang="en-US" altLang="zh-CN" dirty="0"/>
+              <a:t>Chinese Internal Code Specification</a:t>
+            </a:r>
+            <a:r>
+              <a:rPr lang="zh-CN" altLang="en-US" dirty="0"/>
+              <a:t>。</a:t>
+            </a:r>
+            <a:endParaRPr lang="en-US" altLang="zh-CN" dirty="0"/>
+          </a:p>
+          <a:p>
+            <a:r>
+              <a:rPr lang="en-US" altLang="zh-CN" dirty="0"/>
+              <a:t>GBK</a:t>
+            </a:r>
+            <a:r>
+              <a:rPr lang="zh-CN" altLang="en-US" dirty="0"/>
+              <a:t>编码标准兼容</a:t>
+            </a:r>
+            <a:r>
+              <a:rPr lang="en-US" altLang="zh-CN" dirty="0"/>
+              <a:t>GB2312</a:t>
+            </a:r>
+            <a:r>
+              <a:rPr lang="zh-CN" altLang="en-US" dirty="0"/>
+              <a:t>，共收录汉字</a:t>
+            </a:r>
+            <a:r>
+              <a:rPr lang="en-US" altLang="zh-CN" dirty="0"/>
+              <a:t>21003</a:t>
+            </a:r>
+            <a:r>
+              <a:rPr lang="zh-CN" altLang="en-US" dirty="0"/>
+              <a:t>个、符号</a:t>
+            </a:r>
+            <a:r>
+              <a:rPr lang="en-US" altLang="zh-CN" dirty="0"/>
+              <a:t>883</a:t>
+            </a:r>
+            <a:r>
+              <a:rPr lang="zh-CN" altLang="en-US" dirty="0"/>
+              <a:t>个，并提供</a:t>
+            </a:r>
+            <a:r>
+              <a:rPr lang="en-US" altLang="zh-CN" dirty="0"/>
+              <a:t>1894</a:t>
+            </a:r>
+            <a:r>
+              <a:rPr lang="zh-CN" altLang="en-US" dirty="0"/>
+              <a:t>个造字码位，简、繁体字融于一库。</a:t>
+            </a:r>
+            <a:endParaRPr lang="en-US" altLang="zh-CN" dirty="0"/>
+          </a:p>
+          <a:p>
+            <a:r>
+              <a:rPr lang="en-US" altLang="zh-CN" dirty="0"/>
+              <a:t>GBK</a:t>
+            </a:r>
+            <a:r>
+              <a:rPr lang="zh-CN" altLang="en-US" dirty="0"/>
+              <a:t>是对</a:t>
+            </a:r>
+            <a:r>
+              <a:rPr lang="en-US" altLang="zh-CN" dirty="0"/>
+              <a:t>GB2312-80</a:t>
+            </a:r>
+            <a:r>
+              <a:rPr lang="zh-CN" altLang="en-US" dirty="0"/>
+              <a:t>的扩展，也就是</a:t>
+            </a:r>
+            <a:r>
+              <a:rPr lang="en-US" altLang="zh-CN" dirty="0"/>
+              <a:t>CP936</a:t>
+            </a:r>
+            <a:r>
+              <a:rPr lang="zh-CN" altLang="en-US" dirty="0"/>
+              <a:t>字码表 </a:t>
+            </a:r>
+            <a:r>
+              <a:rPr lang="en-US" altLang="zh-CN" dirty="0"/>
+              <a:t>(Code Page 936)</a:t>
+            </a:r>
+            <a:r>
+              <a:rPr lang="zh-CN" altLang="en-US" dirty="0"/>
+              <a:t>的扩展（之前</a:t>
+            </a:r>
+            <a:r>
+              <a:rPr lang="en-US" altLang="zh-CN" dirty="0"/>
+              <a:t>CP936</a:t>
+            </a:r>
+            <a:r>
+              <a:rPr lang="zh-CN" altLang="en-US" dirty="0"/>
+              <a:t>和</a:t>
+            </a:r>
+            <a:r>
+              <a:rPr lang="en-US" altLang="zh-CN" dirty="0"/>
+              <a:t>GB 2312-80</a:t>
+            </a:r>
+            <a:r>
+              <a:rPr lang="zh-CN" altLang="en-US" dirty="0"/>
+              <a:t>一模一样）。</a:t>
+            </a:r>
+            <a:endParaRPr lang="en-US" altLang="zh-CN" dirty="0"/>
+          </a:p>
+          <a:p>
+            <a:r>
+              <a:rPr lang="en-US" altLang="zh-CN" dirty="0"/>
+              <a:t>GB 2312</a:t>
+            </a:r>
+            <a:r>
+              <a:rPr lang="zh-CN" altLang="en-US" dirty="0"/>
+              <a:t>的出现，基本满足了汉字的计算机处理需要，但对于人名、古汉语等方面出现的罕用字，</a:t>
+            </a:r>
+            <a:r>
+              <a:rPr lang="en-US" altLang="zh-CN" dirty="0"/>
+              <a:t>GB 2312</a:t>
+            </a:r>
+            <a:r>
+              <a:rPr lang="zh-CN" altLang="en-US" dirty="0"/>
+              <a:t>不能处理，这导致了后来</a:t>
+            </a:r>
+            <a:r>
+              <a:rPr lang="en-US" altLang="zh-CN" dirty="0"/>
+              <a:t>GBK</a:t>
+            </a:r>
+            <a:r>
+              <a:rPr lang="zh-CN" altLang="en-US" dirty="0"/>
+              <a:t>及</a:t>
+            </a:r>
+            <a:r>
+              <a:rPr lang="en-US" altLang="zh-CN" dirty="0"/>
+              <a:t>GB 18030</a:t>
+            </a:r>
+            <a:r>
+              <a:rPr lang="zh-CN" altLang="en-US" dirty="0"/>
+              <a:t>汉字</a:t>
+            </a:r>
+            <a:r>
+              <a:rPr lang="zh-CN" altLang="en-US" dirty="0">
+                <a:hlinkClick r:id="rId2">
+                  <a:extLst>
+                    <a:ext uri="{A12FA001-AC4F-418D-AE19-62706E023703}">
+                      <ahyp:hlinkClr xmlns:ahyp="http://schemas.microsoft.com/office/drawing/2018/hyperlinkcolor" val="tx"/>
+                    </a:ext>
+                  </a:extLst>
+                </a:hlinkClick>
+              </a:rPr>
+              <a:t>字符集</a:t>
+            </a:r>
+            <a:r>
+              <a:rPr lang="zh-CN" altLang="en-US" dirty="0"/>
+              <a:t>的出现。</a:t>
+            </a:r>
+          </a:p>
+        </p:txBody>
+      </p:sp>
+    </p:spTree>
+    <p:extLst>
+      <p:ext uri="{BB962C8B-B14F-4D97-AF65-F5344CB8AC3E}">
+        <p14:creationId xmlns:p14="http://schemas.microsoft.com/office/powerpoint/2010/main" val="2493747874"/>
+      </p:ext>
+    </p:extLst>
+  </p:cSld>
+  <p:clrMapOvr>
+    <a:masterClrMapping/>
+  </p:clrMapOvr>
+</p:sld>
+</file>
+
+<file path=ppt/slides/slide13.xml><?xml version="1.0" encoding="utf-8"?>
+<p:sld xmlns:a="http://schemas.openxmlformats.org/drawingml/2006/main" xmlns:r="http://schemas.openxmlformats.org/officeDocument/2006/relationships" xmlns:p="http://schemas.openxmlformats.org/presentationml/2006/main">
+  <p:cSld>
+    <p:spTree>
+      <p:nvGrpSpPr>
+        <p:cNvPr id="1" name=""/>
+        <p:cNvGrpSpPr/>
+        <p:nvPr/>
+      </p:nvGrpSpPr>
+      <p:grpSpPr>
+        <a:xfrm>
+          <a:off x="0" y="0"/>
+          <a:ext cx="0" cy="0"/>
+          <a:chOff x="0" y="0"/>
+          <a:chExt cx="0" cy="0"/>
+        </a:xfrm>
+      </p:grpSpPr>
+      <p:sp>
+        <p:nvSpPr>
+          <p:cNvPr id="2" name="标题 1">
+            <a:extLst>
+              <a:ext uri="{FF2B5EF4-FFF2-40B4-BE49-F238E27FC236}">
+                <a16:creationId xmlns:a16="http://schemas.microsoft.com/office/drawing/2014/main" id="{9CA138BD-9DE3-4862-BBC0-0419488DA8F8}"/>
+              </a:ext>
+            </a:extLst>
+          </p:cNvPr>
+          <p:cNvSpPr>
+            <a:spLocks noGrp="1"/>
+          </p:cNvSpPr>
+          <p:nvPr>
+            <p:ph type="title"/>
+          </p:nvPr>
+        </p:nvSpPr>
+        <p:spPr/>
+        <p:txBody>
+          <a:bodyPr/>
+          <a:lstStyle/>
+          <a:p>
+            <a:r>
+              <a:rPr lang="en-US" altLang="zh-CN" dirty="0"/>
+              <a:t>6.2.5 GB 18030</a:t>
+            </a:r>
+            <a:endParaRPr lang="zh-CN" altLang="en-US" dirty="0"/>
+          </a:p>
+        </p:txBody>
+      </p:sp>
+      <p:sp>
+        <p:nvSpPr>
+          <p:cNvPr id="3" name="内容占位符 2">
+            <a:extLst>
+              <a:ext uri="{FF2B5EF4-FFF2-40B4-BE49-F238E27FC236}">
+                <a16:creationId xmlns:a16="http://schemas.microsoft.com/office/drawing/2014/main" id="{ED82A659-EF0E-4B57-9949-90CDE90E9AD4}"/>
+              </a:ext>
+            </a:extLst>
+          </p:cNvPr>
+          <p:cNvSpPr>
+            <a:spLocks noGrp="1"/>
+          </p:cNvSpPr>
+          <p:nvPr>
+            <p:ph idx="1"/>
+          </p:nvPr>
+        </p:nvSpPr>
+        <p:spPr/>
+        <p:txBody>
+          <a:bodyPr/>
+          <a:lstStyle/>
+          <a:p>
+            <a:r>
+              <a:rPr lang="en-US" altLang="zh-CN" b="1" dirty="0"/>
+              <a:t>GB 18030</a:t>
+            </a:r>
+            <a:r>
+              <a:rPr lang="zh-CN" altLang="en-US" dirty="0"/>
+              <a:t>，全称</a:t>
+            </a:r>
+            <a:r>
+              <a:rPr lang="en-US" altLang="zh-CN" dirty="0"/>
+              <a:t>《</a:t>
+            </a:r>
+            <a:r>
+              <a:rPr lang="zh-CN" altLang="en-US" dirty="0"/>
+              <a:t>信息技术 中文编码字符集</a:t>
+            </a:r>
+            <a:r>
+              <a:rPr lang="en-US" altLang="zh-CN" dirty="0"/>
+              <a:t>》</a:t>
+            </a:r>
+          </a:p>
+          <a:p>
+            <a:r>
+              <a:rPr lang="zh-CN" altLang="en-US" dirty="0"/>
+              <a:t>是</a:t>
+            </a:r>
+            <a:r>
+              <a:rPr lang="zh-CN" altLang="en-US" dirty="0">
+                <a:hlinkClick r:id="rId2">
+                  <a:extLst>
+                    <a:ext uri="{A12FA001-AC4F-418D-AE19-62706E023703}">
+                      <ahyp:hlinkClr xmlns:ahyp="http://schemas.microsoft.com/office/drawing/2018/hyperlinkcolor" val="tx"/>
+                    </a:ext>
+                  </a:extLst>
+                </a:hlinkClick>
+              </a:rPr>
+              <a:t>中华人民共和国</a:t>
+            </a:r>
+            <a:r>
+              <a:rPr lang="zh-CN" altLang="en-US" dirty="0">
+                <a:hlinkClick r:id="rId3">
+                  <a:extLst>
+                    <a:ext uri="{A12FA001-AC4F-418D-AE19-62706E023703}">
+                      <ahyp:hlinkClr xmlns:ahyp="http://schemas.microsoft.com/office/drawing/2018/hyperlinkcolor" val="tx"/>
+                    </a:ext>
+                  </a:extLst>
+                </a:hlinkClick>
+              </a:rPr>
+              <a:t>国家标准</a:t>
+            </a:r>
+            <a:r>
+              <a:rPr lang="zh-CN" altLang="en-US" dirty="0"/>
+              <a:t>所规定的变长多字节字符集。</a:t>
+            </a:r>
+            <a:endParaRPr lang="en-US" altLang="zh-CN" dirty="0"/>
+          </a:p>
+          <a:p>
+            <a:r>
+              <a:rPr lang="zh-CN" altLang="en-US" dirty="0"/>
+              <a:t>对</a:t>
+            </a:r>
+            <a:r>
+              <a:rPr lang="en-US" altLang="zh-CN" dirty="0"/>
+              <a:t>GB 2312-1980</a:t>
+            </a:r>
+            <a:r>
+              <a:rPr lang="zh-CN" altLang="en-US" dirty="0"/>
+              <a:t>完全</a:t>
+            </a:r>
+            <a:r>
+              <a:rPr lang="zh-CN" altLang="en-US" dirty="0">
+                <a:hlinkClick r:id="rId4">
+                  <a:extLst>
+                    <a:ext uri="{A12FA001-AC4F-418D-AE19-62706E023703}">
+                      <ahyp:hlinkClr xmlns:ahyp="http://schemas.microsoft.com/office/drawing/2018/hyperlinkcolor" val="tx"/>
+                    </a:ext>
+                  </a:extLst>
+                </a:hlinkClick>
+              </a:rPr>
+              <a:t>向后兼容</a:t>
+            </a:r>
+            <a:endParaRPr lang="en-US" altLang="zh-CN" dirty="0"/>
+          </a:p>
+          <a:p>
+            <a:r>
+              <a:rPr lang="zh-CN" altLang="en-US" dirty="0"/>
+              <a:t>与</a:t>
+            </a:r>
+            <a:r>
+              <a:rPr lang="en-US" altLang="zh-CN" dirty="0">
+                <a:hlinkClick r:id="rId5">
+                  <a:extLst>
+                    <a:ext uri="{A12FA001-AC4F-418D-AE19-62706E023703}">
+                      <ahyp:hlinkClr xmlns:ahyp="http://schemas.microsoft.com/office/drawing/2018/hyperlinkcolor" val="tx"/>
+                    </a:ext>
+                  </a:extLst>
+                </a:hlinkClick>
+              </a:rPr>
+              <a:t>GBK</a:t>
+            </a:r>
+            <a:r>
+              <a:rPr lang="zh-CN" altLang="en-US" dirty="0"/>
+              <a:t>基本</a:t>
+            </a:r>
+            <a:r>
+              <a:rPr lang="zh-CN" altLang="en-US" dirty="0">
+                <a:hlinkClick r:id="rId4">
+                  <a:extLst>
+                    <a:ext uri="{A12FA001-AC4F-418D-AE19-62706E023703}">
+                      <ahyp:hlinkClr xmlns:ahyp="http://schemas.microsoft.com/office/drawing/2018/hyperlinkcolor" val="tx"/>
+                    </a:ext>
+                  </a:extLst>
+                </a:hlinkClick>
+              </a:rPr>
+              <a:t>向后兼容</a:t>
+            </a:r>
+            <a:endParaRPr lang="en-US" altLang="zh-CN" dirty="0"/>
+          </a:p>
+          <a:p>
+            <a:r>
+              <a:rPr lang="zh-CN" altLang="en-US" dirty="0"/>
+              <a:t>支持</a:t>
+            </a:r>
+            <a:r>
+              <a:rPr lang="en-US" altLang="zh-CN" dirty="0">
+                <a:hlinkClick r:id="rId6">
+                  <a:extLst>
+                    <a:ext uri="{A12FA001-AC4F-418D-AE19-62706E023703}">
+                      <ahyp:hlinkClr xmlns:ahyp="http://schemas.microsoft.com/office/drawing/2018/hyperlinkcolor" val="tx"/>
+                    </a:ext>
+                  </a:extLst>
+                </a:hlinkClick>
+              </a:rPr>
+              <a:t>Unicode</a:t>
+            </a:r>
+            <a:r>
+              <a:rPr lang="zh-CN" altLang="en-US" dirty="0"/>
+              <a:t>（</a:t>
+            </a:r>
+            <a:r>
+              <a:rPr lang="en-US" altLang="zh-CN" dirty="0"/>
+              <a:t>GB 13000</a:t>
+            </a:r>
+            <a:r>
+              <a:rPr lang="zh-CN" altLang="en-US" dirty="0"/>
+              <a:t>）的所有码位。</a:t>
+            </a:r>
+            <a:endParaRPr lang="en-US" altLang="zh-CN" dirty="0"/>
+          </a:p>
+          <a:p>
+            <a:r>
+              <a:rPr lang="en-US" altLang="zh-CN" dirty="0"/>
+              <a:t>GB 18030</a:t>
+            </a:r>
+            <a:r>
+              <a:rPr lang="zh-CN" altLang="en-US" dirty="0"/>
+              <a:t>共收录汉字</a:t>
+            </a:r>
+            <a:r>
+              <a:rPr lang="en-US" altLang="zh-CN" dirty="0"/>
+              <a:t>70,244</a:t>
+            </a:r>
+            <a:r>
+              <a:rPr lang="zh-CN" altLang="en-US" dirty="0"/>
+              <a:t>个。</a:t>
+            </a:r>
+            <a:endParaRPr lang="en-US" altLang="zh-CN" dirty="0"/>
+          </a:p>
+          <a:p>
+            <a:r>
+              <a:rPr lang="zh-CN" altLang="en-US" dirty="0"/>
+              <a:t>发布日期</a:t>
+            </a:r>
+            <a:r>
+              <a:rPr lang="en-US" altLang="zh-CN" dirty="0"/>
+              <a:t>2000-3-17</a:t>
+            </a:r>
+            <a:r>
+              <a:rPr lang="zh-CN" altLang="en-US" dirty="0"/>
+              <a:t>；</a:t>
+            </a:r>
+            <a:r>
+              <a:rPr lang="en-US" altLang="zh-CN" dirty="0"/>
+              <a:t>2005-11-8</a:t>
+            </a:r>
+            <a:endParaRPr lang="zh-CN" altLang="en-US" dirty="0"/>
+          </a:p>
+        </p:txBody>
+      </p:sp>
+    </p:spTree>
+    <p:extLst>
+      <p:ext uri="{BB962C8B-B14F-4D97-AF65-F5344CB8AC3E}">
+        <p14:creationId xmlns:p14="http://schemas.microsoft.com/office/powerpoint/2010/main" val="3783740009"/>
+      </p:ext>
+    </p:extLst>
+  </p:cSld>
+  <p:clrMapOvr>
+    <a:masterClrMapping/>
+  </p:clrMapOvr>
+</p:sld>
+</file>
+
+<file path=ppt/slides/slide14.xml><?xml version="1.0" encoding="utf-8"?>
+<p:sld xmlns:a="http://schemas.openxmlformats.org/drawingml/2006/main" xmlns:r="http://schemas.openxmlformats.org/officeDocument/2006/relationships" xmlns:p="http://schemas.openxmlformats.org/presentationml/2006/main">
+  <p:cSld>
+    <p:spTree>
+      <p:nvGrpSpPr>
+        <p:cNvPr id="1" name=""/>
+        <p:cNvGrpSpPr/>
+        <p:nvPr/>
+      </p:nvGrpSpPr>
+      <p:grpSpPr>
+        <a:xfrm>
+          <a:off x="0" y="0"/>
+          <a:ext cx="0" cy="0"/>
+          <a:chOff x="0" y="0"/>
+          <a:chExt cx="0" cy="0"/>
+        </a:xfrm>
+      </p:grpSpPr>
+      <p:sp>
+        <p:nvSpPr>
+          <p:cNvPr id="2" name="标题 1">
+            <a:extLst>
+              <a:ext uri="{FF2B5EF4-FFF2-40B4-BE49-F238E27FC236}">
                 <a16:creationId xmlns:a16="http://schemas.microsoft.com/office/drawing/2014/main" id="{B1AA155A-4A36-4085-BF68-DD9783C31505}"/>
               </a:ext>
             </a:extLst>
@@ -7991,7 +8960,7 @@
 </p:sld>
 </file>
 
-<file path=ppt/slides/slide11.xml><?xml version="1.0" encoding="utf-8"?>
+<file path=ppt/slides/slide15.xml><?xml version="1.0" encoding="utf-8"?>
 <p:sld xmlns:a="http://schemas.openxmlformats.org/drawingml/2006/main" xmlns:r="http://schemas.openxmlformats.org/officeDocument/2006/relationships" xmlns:p="http://schemas.openxmlformats.org/presentationml/2006/main">
   <p:cSld>
     <p:spTree>
@@ -8318,7 +9287,7 @@
           <p:cNvPr id="2" name="标题 1">
             <a:extLst>
               <a:ext uri="{FF2B5EF4-FFF2-40B4-BE49-F238E27FC236}">
-                <a16:creationId xmlns:a16="http://schemas.microsoft.com/office/drawing/2014/main" id="{B1AA155A-4A36-4085-BF68-DD9783C31505}"/>
+                <a16:creationId xmlns:a16="http://schemas.microsoft.com/office/drawing/2014/main" id="{E2CAD008-C662-4BDA-80F6-1DA92A99E4EA}"/>
               </a:ext>
             </a:extLst>
           </p:cNvPr>
@@ -8335,14 +9304,9 @@
           <a:lstStyle/>
           <a:p>
             <a:r>
-              <a:rPr lang="en-US" altLang="zh-CN" dirty="0"/>
-              <a:t>6.1 </a:t>
-            </a:r>
-            <a:r>
-              <a:rPr lang="zh-CN" altLang="en-US" dirty="0"/>
-              <a:t>西文字符编码</a:t>
-            </a:r>
-            <a:endParaRPr lang="zh-CN" altLang="en-US" b="1" dirty="0"/>
+              <a:rPr lang="zh-CN" altLang="en-US" dirty="0"/>
+              <a:t>字符 字符编码</a:t>
+            </a:r>
           </a:p>
         </p:txBody>
       </p:sp>
@@ -8351,7 +9315,7 @@
           <p:cNvPr id="3" name="内容占位符 2">
             <a:extLst>
               <a:ext uri="{FF2B5EF4-FFF2-40B4-BE49-F238E27FC236}">
-                <a16:creationId xmlns:a16="http://schemas.microsoft.com/office/drawing/2014/main" id="{81B33DC0-BF5D-412E-AF38-E6D4F60B9A29}"/>
+                <a16:creationId xmlns:a16="http://schemas.microsoft.com/office/drawing/2014/main" id="{BD943D53-750F-4D50-917E-B3D43A57FD12}"/>
               </a:ext>
             </a:extLst>
           </p:cNvPr>
@@ -8362,15 +9326,10 @@
             <p:ph idx="1"/>
           </p:nvPr>
         </p:nvSpPr>
-        <p:spPr>
-          <a:xfrm>
-            <a:off x="680321" y="2336873"/>
-            <a:ext cx="9613861" cy="4115808"/>
-          </a:xfrm>
-        </p:spPr>
+        <p:spPr/>
         <p:txBody>
           <a:bodyPr>
-            <a:noAutofit/>
+            <a:normAutofit lnSpcReduction="10000"/>
           </a:bodyPr>
           <a:lstStyle/>
           <a:p>
@@ -8378,58 +9337,104 @@
               <a:buNone/>
             </a:pPr>
             <a:r>
+              <a:rPr lang="zh-CN" altLang="en-US" sz="2800" b="1" dirty="0">
+                <a:solidFill>
+                  <a:srgbClr val="FFFF00"/>
+                </a:solidFill>
+                <a:highlight>
+                  <a:srgbClr val="000080"/>
+                </a:highlight>
+              </a:rPr>
+              <a:t>字符</a:t>
+            </a:r>
+            <a:endParaRPr lang="en-US" altLang="zh-CN" sz="2800" b="1" dirty="0">
+              <a:solidFill>
+                <a:srgbClr val="FFFF00"/>
+              </a:solidFill>
+              <a:highlight>
+                <a:srgbClr val="000080"/>
+              </a:highlight>
+            </a:endParaRPr>
+          </a:p>
+          <a:p>
+            <a:r>
+              <a:rPr lang="zh-CN" altLang="en-US" dirty="0"/>
+              <a:t>文字 </a:t>
+            </a:r>
+            <a:r>
               <a:rPr lang="en-US" altLang="zh-CN" dirty="0"/>
-              <a:t>ASCII </a:t>
-            </a:r>
-            <a:r>
-              <a:rPr lang="zh-CN" altLang="en-US" dirty="0"/>
-              <a:t>码（ </a:t>
-            </a:r>
-            <a:r>
-              <a:rPr lang="en-US" altLang="zh-CN" dirty="0"/>
-              <a:t>American Standard Code for Information </a:t>
-            </a:r>
-            <a:r>
-              <a:rPr lang="zh-CN" altLang="en-US" dirty="0"/>
-              <a:t>），</a:t>
+              <a:t>+ </a:t>
+            </a:r>
+            <a:r>
+              <a:rPr lang="zh-CN" altLang="en-US" dirty="0"/>
+              <a:t>符号</a:t>
             </a:r>
             <a:endParaRPr lang="en-US" altLang="zh-CN" dirty="0"/>
           </a:p>
           <a:p>
+            <a:r>
+              <a:rPr lang="zh-CN" altLang="en-US" dirty="0"/>
+              <a:t>包括各国家文字、标点符号、图形符号、数字等</a:t>
+            </a:r>
+            <a:endParaRPr lang="en-US" altLang="zh-CN" dirty="0"/>
+          </a:p>
+          <a:p>
+            <a:r>
+              <a:rPr lang="zh-CN" altLang="en-US" dirty="0"/>
+              <a:t>一切文本处理中最基本单位</a:t>
+            </a:r>
+            <a:endParaRPr lang="en-US" altLang="zh-CN" dirty="0"/>
+          </a:p>
+          <a:p>
+            <a:endParaRPr lang="en-US" altLang="zh-CN" dirty="0"/>
+          </a:p>
+          <a:p>
             <a:pPr marL="0" indent="0">
               <a:buNone/>
             </a:pPr>
             <a:r>
-              <a:rPr lang="zh-CN" altLang="en-US" dirty="0">
-                <a:hlinkClick r:id="rId2">
-                  <a:extLst>
-                    <a:ext uri="{A12FA001-AC4F-418D-AE19-62706E023703}">
-                      <ahyp:hlinkClr xmlns:ahyp="http://schemas.microsoft.com/office/drawing/2018/hyperlinkcolor" val="tx"/>
-                    </a:ext>
-                  </a:extLst>
-                </a:hlinkClick>
+              <a:rPr lang="zh-CN" altLang="en-US" sz="2800" b="1" dirty="0">
+                <a:solidFill>
+                  <a:srgbClr val="FFFF00"/>
+                </a:solidFill>
+                <a:highlight>
+                  <a:srgbClr val="000080"/>
+                </a:highlight>
               </a:rPr>
-              <a:t>国际标准化组织</a:t>
-            </a:r>
-            <a:r>
-              <a:rPr lang="zh-CN" altLang="en-US" dirty="0"/>
-              <a:t>（ </a:t>
-            </a:r>
-            <a:r>
-              <a:rPr lang="en-US" altLang="zh-CN" dirty="0"/>
-              <a:t>International Organization for Standardization, ISO </a:t>
-            </a:r>
-            <a:r>
-              <a:rPr lang="zh-CN" altLang="en-US" dirty="0"/>
-              <a:t>）批准为国际标准。</a:t>
-            </a:r>
+              <a:t>字符编码</a:t>
+            </a:r>
+            <a:endParaRPr lang="en-US" altLang="zh-CN" sz="2800" b="1" dirty="0">
+              <a:solidFill>
+                <a:srgbClr val="FFFF00"/>
+              </a:solidFill>
+              <a:highlight>
+                <a:srgbClr val="000080"/>
+              </a:highlight>
+            </a:endParaRPr>
+          </a:p>
+          <a:p>
+            <a:r>
+              <a:rPr lang="zh-CN" altLang="en-US" dirty="0"/>
+              <a:t>输入编码（外码）：输入字符时需要敲哪些键（输入法）</a:t>
+            </a:r>
+            <a:endParaRPr lang="en-US" altLang="zh-CN" dirty="0"/>
+          </a:p>
+          <a:p>
+            <a:r>
+              <a:rPr lang="zh-CN" altLang="en-US" dirty="0"/>
+              <a:t>机内编码（内码）：计算机上用什么数字来表示和存储某个字符</a:t>
+            </a:r>
+            <a:endParaRPr lang="en-US" altLang="zh-CN" dirty="0"/>
+          </a:p>
+          <a:p>
+            <a:endParaRPr lang="zh-CN" altLang="en-US" dirty="0"/>
           </a:p>
         </p:txBody>
       </p:sp>
     </p:spTree>
     <p:extLst>
       <p:ext uri="{BB962C8B-B14F-4D97-AF65-F5344CB8AC3E}">
-        <p14:creationId xmlns:p14="http://schemas.microsoft.com/office/powerpoint/2010/main" val="1474792992"/>
+        <p14:creationId xmlns:p14="http://schemas.microsoft.com/office/powerpoint/2010/main" val="3016344858"/>
       </p:ext>
     </p:extLst>
   </p:cSld>
@@ -8479,11 +9484,11 @@
           <a:p>
             <a:r>
               <a:rPr lang="en-US" altLang="zh-CN" dirty="0"/>
-              <a:t>6.2 </a:t>
-            </a:r>
-            <a:r>
-              <a:rPr lang="zh-CN" altLang="en-US" dirty="0"/>
-              <a:t>中文字符编码</a:t>
+              <a:t>6.1 </a:t>
+            </a:r>
+            <a:r>
+              <a:rPr lang="zh-CN" altLang="en-US" dirty="0"/>
+              <a:t>西文字符编码</a:t>
             </a:r>
             <a:endParaRPr lang="zh-CN" altLang="en-US" b="1" dirty="0"/>
           </a:p>
@@ -8507,8 +9512,8 @@
         </p:nvSpPr>
         <p:spPr>
           <a:xfrm>
-            <a:off x="680321" y="2336873"/>
-            <a:ext cx="9613861" cy="4115808"/>
+            <a:off x="680321" y="2055779"/>
+            <a:ext cx="9613861" cy="1524000"/>
           </a:xfrm>
         </p:spPr>
         <p:txBody>
@@ -8521,92 +9526,147 @@
               <a:buNone/>
             </a:pPr>
             <a:r>
+              <a:rPr lang="en-US" altLang="zh-CN" b="1" dirty="0">
+                <a:solidFill>
+                  <a:srgbClr val="FFFF00"/>
+                </a:solidFill>
+                <a:highlight>
+                  <a:srgbClr val="000080"/>
+                </a:highlight>
+              </a:rPr>
+              <a:t>ASCII </a:t>
+            </a:r>
+            <a:r>
+              <a:rPr lang="zh-CN" altLang="en-US" b="1" dirty="0">
+                <a:solidFill>
+                  <a:srgbClr val="FFFF00"/>
+                </a:solidFill>
+                <a:highlight>
+                  <a:srgbClr val="000080"/>
+                </a:highlight>
+              </a:rPr>
+              <a:t>码</a:t>
+            </a:r>
+            <a:endParaRPr lang="en-US" altLang="zh-CN" b="1" dirty="0">
+              <a:solidFill>
+                <a:srgbClr val="FFFF00"/>
+              </a:solidFill>
+              <a:highlight>
+                <a:srgbClr val="000080"/>
+              </a:highlight>
+            </a:endParaRPr>
+          </a:p>
+          <a:p>
+            <a:pPr lvl="1"/>
+            <a:r>
+              <a:rPr lang="zh-CN" altLang="en-US" dirty="0"/>
+              <a:t>美国标准信息交换码 </a:t>
+            </a:r>
+            <a:r>
+              <a:rPr lang="en-US" altLang="zh-CN" sz="1400" dirty="0"/>
+              <a:t>American Standard Code for Information Interchange</a:t>
+            </a:r>
+          </a:p>
+          <a:p>
+            <a:pPr lvl="1"/>
+            <a:r>
+              <a:rPr lang="zh-CN" altLang="en-US" dirty="0"/>
+              <a:t>美国国家标准局（</a:t>
+            </a:r>
+            <a:r>
               <a:rPr lang="en-US" altLang="zh-CN" dirty="0"/>
-              <a:t>6.2.1 </a:t>
-            </a:r>
-            <a:r>
-              <a:rPr lang="zh-CN" altLang="en-US" dirty="0"/>
-              <a:t>国标码  </a:t>
+              <a:t>ANSI</a:t>
+            </a:r>
+            <a:r>
+              <a:rPr lang="zh-CN" altLang="en-US" dirty="0"/>
+              <a:t>）制定</a:t>
+            </a:r>
+            <a:endParaRPr lang="en-US" altLang="zh-CN" dirty="0"/>
+          </a:p>
+          <a:p>
+            <a:pPr lvl="1"/>
+            <a:r>
+              <a:rPr lang="zh-CN" altLang="en-US" dirty="0"/>
+              <a:t>国际标准化组织（</a:t>
             </a:r>
             <a:r>
               <a:rPr lang="en-US" altLang="zh-CN" dirty="0"/>
-              <a:t>GB 2312-1980</a:t>
-            </a:r>
-          </a:p>
-          <a:p>
-            <a:pPr marL="0" indent="0">
-              <a:buNone/>
-            </a:pPr>
-            <a:br>
-              <a:rPr lang="zh-CN" altLang="en-US" dirty="0"/>
-            </a:br>
+              <a:t>ISO</a:t>
+            </a:r>
+            <a:r>
+              <a:rPr lang="zh-CN" altLang="en-US" dirty="0"/>
+              <a:t>）定为国际标准：</a:t>
+            </a:r>
             <a:r>
               <a:rPr lang="en-US" altLang="zh-CN" dirty="0"/>
-              <a:t>6.2.2 </a:t>
-            </a:r>
-            <a:r>
-              <a:rPr lang="zh-CN" altLang="en-US" dirty="0"/>
-              <a:t>大五码 </a:t>
-            </a:r>
+              <a:t>ISO/IEC 646</a:t>
+            </a:r>
+            <a:endParaRPr lang="zh-CN" altLang="en-US" dirty="0"/>
+          </a:p>
+        </p:txBody>
+      </p:sp>
+      <p:pic>
+        <p:nvPicPr>
+          <p:cNvPr id="5" name="图片 4">
+            <a:extLst>
+              <a:ext uri="{FF2B5EF4-FFF2-40B4-BE49-F238E27FC236}">
+                <a16:creationId xmlns:a16="http://schemas.microsoft.com/office/drawing/2014/main" id="{FD87B1B0-CFE0-45E6-B5F1-A041D7797A51}"/>
+              </a:ext>
+            </a:extLst>
+          </p:cNvPr>
+          <p:cNvPicPr>
+            <a:picLocks noChangeAspect="1"/>
+          </p:cNvPicPr>
+          <p:nvPr/>
+        </p:nvPicPr>
+        <p:blipFill>
+          <a:blip r:embed="rId2"/>
+          <a:stretch>
+            <a:fillRect/>
+          </a:stretch>
+        </p:blipFill>
+        <p:spPr>
+          <a:xfrm>
+            <a:off x="1238657" y="3598760"/>
+            <a:ext cx="6595352" cy="2506012"/>
+          </a:xfrm>
+          <a:prstGeom prst="rect">
+            <a:avLst/>
+          </a:prstGeom>
+        </p:spPr>
+      </p:pic>
+      <p:sp>
+        <p:nvSpPr>
+          <p:cNvPr id="7" name="文本框 6">
+            <a:extLst>
+              <a:ext uri="{FF2B5EF4-FFF2-40B4-BE49-F238E27FC236}">
+                <a16:creationId xmlns:a16="http://schemas.microsoft.com/office/drawing/2014/main" id="{66EB8782-E659-462B-A000-CDC05A5A0819}"/>
+              </a:ext>
+            </a:extLst>
+          </p:cNvPr>
+          <p:cNvSpPr txBox="1"/>
+          <p:nvPr/>
+        </p:nvSpPr>
+        <p:spPr>
+          <a:xfrm>
+            <a:off x="1238657" y="6216134"/>
+            <a:ext cx="6096000" cy="369332"/>
+          </a:xfrm>
+          <a:prstGeom prst="rect">
+            <a:avLst/>
+          </a:prstGeom>
+          <a:noFill/>
+        </p:spPr>
+        <p:txBody>
+          <a:bodyPr wrap="square">
+            <a:spAutoFit/>
+          </a:bodyPr>
+          <a:lstStyle/>
+          <a:p>
             <a:r>
               <a:rPr lang="en-US" altLang="zh-CN" dirty="0"/>
-              <a:t>big5</a:t>
-            </a:r>
-          </a:p>
-          <a:p>
-            <a:pPr marL="0" indent="0">
-              <a:buNone/>
-            </a:pPr>
-            <a:br>
-              <a:rPr lang="zh-CN" altLang="en-US" dirty="0"/>
-            </a:br>
-            <a:r>
-              <a:rPr lang="en-US" altLang="zh-CN" dirty="0"/>
-              <a:t>6.2.3 Unicode</a:t>
-            </a:r>
-            <a:r>
-              <a:rPr lang="zh-CN" altLang="en-US" dirty="0"/>
-              <a:t>与</a:t>
-            </a:r>
-            <a:r>
-              <a:rPr lang="en-US" altLang="zh-CN" dirty="0"/>
-              <a:t>ISO/IEC 10646</a:t>
-            </a:r>
-          </a:p>
-          <a:p>
-            <a:pPr marL="0" indent="0">
-              <a:buNone/>
-            </a:pPr>
-            <a:br>
-              <a:rPr lang="zh-CN" altLang="en-US" dirty="0"/>
-            </a:br>
-            <a:r>
-              <a:rPr lang="en-US" altLang="zh-CN" dirty="0"/>
-              <a:t>6.2.4 </a:t>
-            </a:r>
-            <a:r>
-              <a:rPr lang="zh-CN" altLang="en-US" dirty="0"/>
-              <a:t>国标扩展码 </a:t>
-            </a:r>
-            <a:r>
-              <a:rPr lang="en-US" altLang="zh-CN" dirty="0"/>
-              <a:t>GBK</a:t>
-            </a:r>
-          </a:p>
-          <a:p>
-            <a:pPr marL="0" indent="0">
-              <a:buNone/>
-            </a:pPr>
-            <a:br>
-              <a:rPr lang="zh-CN" altLang="en-US" dirty="0"/>
-            </a:br>
-            <a:r>
-              <a:rPr lang="en-US" altLang="zh-CN" dirty="0"/>
-              <a:t>6.2.5 GB 18030</a:t>
-            </a:r>
-            <a:br>
-              <a:rPr lang="zh-CN" altLang="en-US" dirty="0"/>
-            </a:br>
+              <a:t>https://www.iso.org/standard/4777.html</a:t>
+            </a:r>
             <a:endParaRPr lang="zh-CN" altLang="en-US" dirty="0"/>
           </a:p>
         </p:txBody>
@@ -8614,7 +9674,7 @@
     </p:spTree>
     <p:extLst>
       <p:ext uri="{BB962C8B-B14F-4D97-AF65-F5344CB8AC3E}">
-        <p14:creationId xmlns:p14="http://schemas.microsoft.com/office/powerpoint/2010/main" val="3692062348"/>
+        <p14:creationId xmlns:p14="http://schemas.microsoft.com/office/powerpoint/2010/main" val="1474792992"/>
       </p:ext>
     </p:extLst>
   </p:cSld>
@@ -8646,7 +9706,7 @@
           <p:cNvPr id="2" name="标题 1">
             <a:extLst>
               <a:ext uri="{FF2B5EF4-FFF2-40B4-BE49-F238E27FC236}">
-                <a16:creationId xmlns:a16="http://schemas.microsoft.com/office/drawing/2014/main" id="{BC4577CC-4842-4597-A440-351B33600AE4}"/>
+                <a16:creationId xmlns:a16="http://schemas.microsoft.com/office/drawing/2014/main" id="{B1AA155A-4A36-4085-BF68-DD9783C31505}"/>
               </a:ext>
             </a:extLst>
           </p:cNvPr>
@@ -8664,12 +9724,13 @@
           <a:p>
             <a:r>
               <a:rPr lang="en-US" altLang="zh-CN" dirty="0"/>
-              <a:t>GB2312</a:t>
-            </a:r>
-            <a:r>
-              <a:rPr lang="zh-CN" altLang="en-US" dirty="0"/>
-              <a:t>码</a:t>
-            </a:r>
+              <a:t>6.2 </a:t>
+            </a:r>
+            <a:r>
+              <a:rPr lang="zh-CN" altLang="en-US" dirty="0"/>
+              <a:t>中文字符编码</a:t>
+            </a:r>
+            <a:endParaRPr lang="zh-CN" altLang="en-US" b="1" dirty="0"/>
           </a:p>
         </p:txBody>
       </p:sp>
@@ -8678,7 +9739,7 @@
           <p:cNvPr id="3" name="内容占位符 2">
             <a:extLst>
               <a:ext uri="{FF2B5EF4-FFF2-40B4-BE49-F238E27FC236}">
-                <a16:creationId xmlns:a16="http://schemas.microsoft.com/office/drawing/2014/main" id="{3F0E5413-5202-434A-A5C9-61ADE8979865}"/>
+                <a16:creationId xmlns:a16="http://schemas.microsoft.com/office/drawing/2014/main" id="{81B33DC0-BF5D-412E-AF38-E6D4F60B9A29}"/>
               </a:ext>
             </a:extLst>
           </p:cNvPr>
@@ -8689,101 +9750,108 @@
             <p:ph idx="1"/>
           </p:nvPr>
         </p:nvSpPr>
-        <p:spPr/>
-        <p:txBody>
-          <a:bodyPr/>
+        <p:spPr>
+          <a:xfrm>
+            <a:off x="680321" y="2336873"/>
+            <a:ext cx="9613861" cy="4115808"/>
+          </a:xfrm>
+        </p:spPr>
+        <p:txBody>
+          <a:bodyPr>
+            <a:noAutofit/>
+          </a:bodyPr>
           <a:lstStyle/>
           <a:p>
+            <a:pPr marL="0" indent="0">
+              <a:buNone/>
+            </a:pPr>
             <a:r>
               <a:rPr lang="en-US" altLang="zh-CN" dirty="0"/>
-              <a:t>GB2312</a:t>
-            </a:r>
-            <a:r>
-              <a:rPr lang="zh-CN" altLang="en-US" dirty="0"/>
-              <a:t>码是中华人民共和国国家汉字信息交换用编码</a:t>
-            </a:r>
-            <a:endParaRPr lang="en-US" altLang="zh-CN" dirty="0"/>
-          </a:p>
-          <a:p>
-            <a:r>
-              <a:rPr lang="zh-CN" altLang="en-US" dirty="0"/>
-              <a:t>全称</a:t>
+              <a:t>6.2.1 </a:t>
+            </a:r>
+            <a:r>
+              <a:rPr lang="zh-CN" altLang="en-US" dirty="0"/>
+              <a:t>国标码  </a:t>
             </a:r>
             <a:r>
               <a:rPr lang="en-US" altLang="zh-CN" dirty="0"/>
-              <a:t>《</a:t>
-            </a:r>
-            <a:r>
-              <a:rPr lang="zh-CN" altLang="en-US" dirty="0"/>
-              <a:t>信息交换用汉字编码</a:t>
-            </a:r>
-            <a:r>
-              <a:rPr lang="zh-CN" altLang="en-US" dirty="0">
-                <a:hlinkClick r:id="rId2">
-                  <a:extLst>
-                    <a:ext uri="{A12FA001-AC4F-418D-AE19-62706E023703}">
-                      <ahyp:hlinkClr xmlns:ahyp="http://schemas.microsoft.com/office/drawing/2018/hyperlinkcolor" val="tx"/>
-                    </a:ext>
-                  </a:extLst>
-                </a:hlinkClick>
-              </a:rPr>
-              <a:t>字符集</a:t>
-            </a:r>
+              <a:t>GB 2312-1980</a:t>
+            </a:r>
+          </a:p>
+          <a:p>
+            <a:pPr marL="0" indent="0">
+              <a:buNone/>
+            </a:pPr>
+            <a:br>
+              <a:rPr lang="zh-CN" altLang="en-US" dirty="0"/>
+            </a:br>
             <a:r>
               <a:rPr lang="en-US" altLang="zh-CN" dirty="0"/>
-              <a:t>——</a:t>
-            </a:r>
-            <a:r>
-              <a:rPr lang="zh-CN" altLang="en-US" dirty="0"/>
-              <a:t>基本集</a:t>
+              <a:t>6.2.2 </a:t>
+            </a:r>
+            <a:r>
+              <a:rPr lang="zh-CN" altLang="en-US" dirty="0"/>
+              <a:t>大五码 </a:t>
             </a:r>
             <a:r>
               <a:rPr lang="en-US" altLang="zh-CN" dirty="0"/>
-              <a:t>》</a:t>
-            </a:r>
-          </a:p>
-          <a:p>
+              <a:t>big5</a:t>
+            </a:r>
+          </a:p>
+          <a:p>
+            <a:pPr marL="0" indent="0">
+              <a:buNone/>
+            </a:pPr>
+            <a:br>
+              <a:rPr lang="zh-CN" altLang="en-US" dirty="0"/>
+            </a:br>
             <a:r>
               <a:rPr lang="en-US" altLang="zh-CN" dirty="0"/>
-              <a:t>1980</a:t>
-            </a:r>
-            <a:r>
-              <a:rPr lang="zh-CN" altLang="en-US" dirty="0"/>
-              <a:t>年由国家标准总局发布。</a:t>
-            </a:r>
-            <a:endParaRPr lang="en-US" altLang="zh-CN" dirty="0"/>
-          </a:p>
-          <a:p>
-            <a:r>
-              <a:rPr lang="zh-CN" altLang="en-US" dirty="0"/>
-              <a:t>基本集共收入汉字</a:t>
+              <a:t>6.2.3 Unicode</a:t>
+            </a:r>
+            <a:r>
+              <a:rPr lang="zh-CN" altLang="en-US" dirty="0"/>
+              <a:t>与</a:t>
             </a:r>
             <a:r>
               <a:rPr lang="en-US" altLang="zh-CN" dirty="0"/>
-              <a:t>6763</a:t>
-            </a:r>
-            <a:r>
-              <a:rPr lang="zh-CN" altLang="en-US" dirty="0"/>
-              <a:t>个和非汉字图形字符</a:t>
-            </a:r>
+              <a:t>ISO/IEC 10646</a:t>
+            </a:r>
+          </a:p>
+          <a:p>
+            <a:pPr marL="0" indent="0">
+              <a:buNone/>
+            </a:pPr>
+            <a:br>
+              <a:rPr lang="zh-CN" altLang="en-US" dirty="0"/>
+            </a:br>
             <a:r>
               <a:rPr lang="en-US" altLang="zh-CN" dirty="0"/>
-              <a:t>682</a:t>
-            </a:r>
-            <a:r>
-              <a:rPr lang="zh-CN" altLang="en-US" dirty="0"/>
-              <a:t>个，通行于中国大陆。</a:t>
-            </a:r>
-            <a:endParaRPr lang="en-US" altLang="zh-CN" dirty="0"/>
-          </a:p>
-          <a:p>
-            <a:r>
-              <a:rPr lang="zh-CN" altLang="en-US" dirty="0"/>
-              <a:t>新加坡等地也使用此编码。</a:t>
-            </a:r>
-            <a:endParaRPr lang="en-US" altLang="zh-CN" dirty="0"/>
-          </a:p>
-          <a:p>
+              <a:t>6.2.4 </a:t>
+            </a:r>
+            <a:r>
+              <a:rPr lang="zh-CN" altLang="en-US" dirty="0"/>
+              <a:t>国标扩展码 </a:t>
+            </a:r>
+            <a:r>
+              <a:rPr lang="en-US" altLang="zh-CN" dirty="0"/>
+              <a:t>GBK</a:t>
+            </a:r>
+          </a:p>
+          <a:p>
+            <a:pPr marL="0" indent="0">
+              <a:buNone/>
+            </a:pPr>
+            <a:br>
+              <a:rPr lang="zh-CN" altLang="en-US" dirty="0"/>
+            </a:br>
+            <a:r>
+              <a:rPr lang="en-US" altLang="zh-CN" dirty="0"/>
+              <a:t>6.2.5 GB 18030</a:t>
+            </a:r>
+            <a:br>
+              <a:rPr lang="zh-CN" altLang="en-US" dirty="0"/>
+            </a:br>
             <a:endParaRPr lang="zh-CN" altLang="en-US" dirty="0"/>
           </a:p>
         </p:txBody>
@@ -8791,7 +9859,7 @@
     </p:spTree>
     <p:extLst>
       <p:ext uri="{BB962C8B-B14F-4D97-AF65-F5344CB8AC3E}">
-        <p14:creationId xmlns:p14="http://schemas.microsoft.com/office/powerpoint/2010/main" val="4116813279"/>
+        <p14:creationId xmlns:p14="http://schemas.microsoft.com/office/powerpoint/2010/main" val="3692062348"/>
       </p:ext>
     </p:extLst>
   </p:cSld>
@@ -8823,7 +9891,7 @@
           <p:cNvPr id="2" name="标题 1">
             <a:extLst>
               <a:ext uri="{FF2B5EF4-FFF2-40B4-BE49-F238E27FC236}">
-                <a16:creationId xmlns:a16="http://schemas.microsoft.com/office/drawing/2014/main" id="{80EEB360-75CC-4E4D-819B-AB8D144D4814}"/>
+                <a16:creationId xmlns:a16="http://schemas.microsoft.com/office/drawing/2014/main" id="{BC4577CC-4842-4597-A440-351B33600AE4}"/>
               </a:ext>
             </a:extLst>
           </p:cNvPr>
@@ -8840,14 +9908,21 @@
           <a:lstStyle/>
           <a:p>
             <a:r>
-              <a:rPr lang="zh-CN" altLang="en-US" dirty="0"/>
-              <a:t>大五码 </a:t>
-            </a:r>
-            <a:r>
               <a:rPr lang="en-US" altLang="zh-CN" dirty="0"/>
-              <a:t>big5</a:t>
-            </a:r>
-            <a:endParaRPr lang="zh-CN" altLang="en-US" dirty="0"/>
+              <a:t>6.2.1 </a:t>
+            </a:r>
+            <a:r>
+              <a:rPr lang="zh-CN" altLang="en-US" dirty="0"/>
+              <a:t>国标码 </a:t>
+            </a:r>
+            <a:r>
+              <a:rPr lang="en-US" altLang="zh-CN" dirty="0"/>
+              <a:t>GB2312</a:t>
+            </a:r>
+            <a:r>
+              <a:rPr lang="zh-CN" altLang="en-US" dirty="0"/>
+              <a:t>码</a:t>
+            </a:r>
           </a:p>
         </p:txBody>
       </p:sp>
@@ -8856,7 +9931,7 @@
           <p:cNvPr id="3" name="内容占位符 2">
             <a:extLst>
               <a:ext uri="{FF2B5EF4-FFF2-40B4-BE49-F238E27FC236}">
-                <a16:creationId xmlns:a16="http://schemas.microsoft.com/office/drawing/2014/main" id="{753BC560-8E17-4094-A514-0838DE6ED42B}"/>
+                <a16:creationId xmlns:a16="http://schemas.microsoft.com/office/drawing/2014/main" id="{3F0E5413-5202-434A-A5C9-61ADE8979865}"/>
               </a:ext>
             </a:extLst>
           </p:cNvPr>
@@ -8867,163 +9942,210 @@
             <p:ph idx="1"/>
           </p:nvPr>
         </p:nvSpPr>
-        <p:spPr/>
-        <p:txBody>
-          <a:bodyPr>
-            <a:normAutofit lnSpcReduction="10000"/>
-          </a:bodyPr>
+        <p:spPr>
+          <a:xfrm>
+            <a:off x="680321" y="2336873"/>
+            <a:ext cx="10448122" cy="3599316"/>
+          </a:xfrm>
+        </p:spPr>
+        <p:txBody>
+          <a:bodyPr/>
           <a:lstStyle/>
           <a:p>
-            <a:r>
-              <a:rPr lang="zh-CN" altLang="en-US" dirty="0"/>
-              <a:t>在台湾、香港与澳门地区，使用的是繁体中文</a:t>
+            <a:pPr marL="0" indent="0">
+              <a:buNone/>
+            </a:pPr>
+            <a:r>
+              <a:rPr lang="en-US" altLang="zh-CN" dirty="0">
+                <a:solidFill>
+                  <a:srgbClr val="FFFF00"/>
+                </a:solidFill>
+                <a:highlight>
+                  <a:srgbClr val="000080"/>
+                </a:highlight>
+              </a:rPr>
+              <a:t>GB2312</a:t>
             </a:r>
             <a:r>
               <a:rPr lang="zh-CN" altLang="en-US" dirty="0">
-                <a:hlinkClick r:id="rId2">
-                  <a:extLst>
-                    <a:ext uri="{A12FA001-AC4F-418D-AE19-62706E023703}">
-                      <ahyp:hlinkClr xmlns:ahyp="http://schemas.microsoft.com/office/drawing/2018/hyperlinkcolor" val="tx"/>
-                    </a:ext>
-                  </a:extLst>
-                </a:hlinkClick>
+                <a:solidFill>
+                  <a:srgbClr val="FFFF00"/>
+                </a:solidFill>
+                <a:highlight>
+                  <a:srgbClr val="000080"/>
+                </a:highlight>
               </a:rPr>
-              <a:t>字符集</a:t>
-            </a:r>
-            <a:r>
-              <a:rPr lang="zh-CN" altLang="en-US" dirty="0"/>
-              <a:t>。</a:t>
+              <a:t>码</a:t>
+            </a:r>
+            <a:r>
+              <a:rPr lang="en-US" altLang="zh-CN" dirty="0">
+                <a:solidFill>
+                  <a:srgbClr val="FFFF00"/>
+                </a:solidFill>
+                <a:highlight>
+                  <a:srgbClr val="000080"/>
+                </a:highlight>
+              </a:rPr>
+              <a:t>:1980</a:t>
+            </a:r>
+            <a:r>
+              <a:rPr lang="zh-CN" altLang="en-US" dirty="0">
+                <a:solidFill>
+                  <a:srgbClr val="FFFF00"/>
+                </a:solidFill>
+                <a:highlight>
+                  <a:srgbClr val="000080"/>
+                </a:highlight>
+              </a:rPr>
+              <a:t>年国家标准总局发布国标码</a:t>
+            </a:r>
+            <a:endParaRPr lang="en-US" altLang="zh-CN" dirty="0">
+              <a:solidFill>
+                <a:srgbClr val="FFFF00"/>
+              </a:solidFill>
+              <a:highlight>
+                <a:srgbClr val="000080"/>
+              </a:highlight>
+            </a:endParaRPr>
+          </a:p>
+          <a:p>
+            <a:pPr marL="0" indent="0">
+              <a:buNone/>
+            </a:pPr>
+            <a:endParaRPr lang="en-US" altLang="zh-CN" dirty="0">
+              <a:solidFill>
+                <a:srgbClr val="FFFF00"/>
+              </a:solidFill>
+              <a:highlight>
+                <a:srgbClr val="000080"/>
+              </a:highlight>
+            </a:endParaRPr>
+          </a:p>
+          <a:p>
+            <a:r>
+              <a:rPr lang="zh-CN" altLang="en-US" dirty="0"/>
+              <a:t>全称</a:t>
+            </a:r>
+            <a:r>
+              <a:rPr lang="en-US" altLang="zh-CN" dirty="0"/>
+              <a:t>《</a:t>
+            </a:r>
+            <a:r>
+              <a:rPr lang="zh-CN" altLang="en-US" dirty="0"/>
+              <a:t>信息交换用汉字编码字符集</a:t>
+            </a:r>
+            <a:r>
+              <a:rPr lang="en-US" altLang="zh-CN" dirty="0"/>
+              <a:t>——</a:t>
+            </a:r>
+            <a:r>
+              <a:rPr lang="zh-CN" altLang="en-US" dirty="0"/>
+              <a:t>基本集</a:t>
+            </a:r>
+            <a:r>
+              <a:rPr lang="en-US" altLang="zh-CN" dirty="0"/>
+              <a:t>》</a:t>
+            </a:r>
+          </a:p>
+          <a:p>
+            <a:r>
+              <a:rPr lang="zh-CN" altLang="en-US" dirty="0"/>
+              <a:t>两个字节表示一个汉字，</a:t>
+            </a:r>
+            <a:r>
+              <a:rPr lang="en-US" altLang="zh-CN" dirty="0"/>
+              <a:t>ASCII</a:t>
+            </a:r>
+            <a:r>
+              <a:rPr lang="zh-CN" altLang="en-US" dirty="0"/>
+              <a:t>码都大于</a:t>
+            </a:r>
+            <a:r>
+              <a:rPr lang="en-US" altLang="zh-CN" dirty="0"/>
+              <a:t>127</a:t>
+            </a:r>
+            <a:r>
+              <a:rPr lang="zh-CN" altLang="en-US" dirty="0"/>
+              <a:t>：</a:t>
+            </a:r>
+            <a:r>
+              <a:rPr lang="en-US" altLang="zh-CN" dirty="0"/>
+              <a:t>161(A1)-254(FF)</a:t>
+            </a:r>
+            <a:r>
+              <a:rPr lang="zh-CN" altLang="en-US" dirty="0"/>
+              <a:t>间的整数</a:t>
             </a:r>
             <a:endParaRPr lang="en-US" altLang="zh-CN" dirty="0"/>
           </a:p>
           <a:p>
             <a:r>
+              <a:rPr lang="zh-CN" altLang="en-US" dirty="0"/>
+              <a:t>编码空间共</a:t>
+            </a:r>
+            <a:r>
               <a:rPr lang="en-US" altLang="zh-CN" dirty="0"/>
-              <a:t>GB2312</a:t>
-            </a:r>
-            <a:r>
-              <a:rPr lang="zh-CN" altLang="en-US" dirty="0"/>
-              <a:t>面向</a:t>
-            </a:r>
-            <a:r>
-              <a:rPr lang="zh-CN" altLang="en-US" dirty="0">
-                <a:hlinkClick r:id="rId3">
-                  <a:extLst>
-                    <a:ext uri="{A12FA001-AC4F-418D-AE19-62706E023703}">
-                      <ahyp:hlinkClr xmlns:ahyp="http://schemas.microsoft.com/office/drawing/2018/hyperlinkcolor" val="tx"/>
-                    </a:ext>
-                  </a:extLst>
-                </a:hlinkClick>
+              <a:t>8836</a:t>
+            </a:r>
+            <a:r>
+              <a:rPr lang="zh-CN" altLang="en-US" dirty="0"/>
+              <a:t>个：</a:t>
+            </a:r>
+            <a:r>
+              <a:rPr lang="zh-CN" altLang="en-US" b="1" dirty="0">
+                <a:highlight>
+                  <a:srgbClr val="800000"/>
+                </a:highlight>
               </a:rPr>
-              <a:t>简体中文</a:t>
-            </a:r>
-            <a:r>
-              <a:rPr lang="zh-CN" altLang="en-US" dirty="0">
-                <a:hlinkClick r:id="rId2">
-                  <a:extLst>
-                    <a:ext uri="{A12FA001-AC4F-418D-AE19-62706E023703}">
-                      <ahyp:hlinkClr xmlns:ahyp="http://schemas.microsoft.com/office/drawing/2018/hyperlinkcolor" val="tx"/>
-                    </a:ext>
-                  </a:extLst>
-                </a:hlinkClick>
+              <a:t>汉字</a:t>
+            </a:r>
+            <a:r>
+              <a:rPr lang="en-US" altLang="zh-CN" b="1" dirty="0">
+                <a:highlight>
+                  <a:srgbClr val="800000"/>
+                </a:highlight>
               </a:rPr>
-              <a:t>字符集</a:t>
-            </a:r>
-            <a:r>
-              <a:rPr lang="zh-CN" altLang="en-US" dirty="0"/>
-              <a:t>，并不支持繁体汉字。</a:t>
+              <a:t>6763</a:t>
+            </a:r>
+            <a:r>
+              <a:rPr lang="zh-CN" altLang="en-US" b="1" dirty="0">
+                <a:highlight>
+                  <a:srgbClr val="800000"/>
+                </a:highlight>
+              </a:rPr>
+              <a:t>个</a:t>
+            </a:r>
+            <a:r>
+              <a:rPr lang="zh-CN" altLang="en-US" dirty="0"/>
+              <a:t>、非汉字字符</a:t>
+            </a:r>
+            <a:r>
+              <a:rPr lang="en-US" altLang="zh-CN" dirty="0"/>
+              <a:t>682</a:t>
+            </a:r>
+            <a:r>
+              <a:rPr lang="zh-CN" altLang="en-US" dirty="0"/>
+              <a:t>个、空位</a:t>
+            </a:r>
+            <a:r>
+              <a:rPr lang="en-US" altLang="zh-CN" dirty="0"/>
+              <a:t>1391</a:t>
+            </a:r>
+            <a:r>
+              <a:rPr lang="zh-CN" altLang="en-US" dirty="0"/>
+              <a:t>个</a:t>
             </a:r>
             <a:endParaRPr lang="en-US" altLang="zh-CN" dirty="0"/>
           </a:p>
           <a:p>
             <a:endParaRPr lang="en-US" altLang="zh-CN" dirty="0"/>
-          </a:p>
-          <a:p>
-            <a:r>
-              <a:rPr lang="zh-CN" altLang="en-US" dirty="0"/>
-              <a:t>在这些使用繁体中文</a:t>
-            </a:r>
-            <a:r>
-              <a:rPr lang="zh-CN" altLang="en-US" dirty="0">
-                <a:hlinkClick r:id="rId2">
-                  <a:extLst>
-                    <a:ext uri="{A12FA001-AC4F-418D-AE19-62706E023703}">
-                      <ahyp:hlinkClr xmlns:ahyp="http://schemas.microsoft.com/office/drawing/2018/hyperlinkcolor" val="tx"/>
-                    </a:ext>
-                  </a:extLst>
-                </a:hlinkClick>
-              </a:rPr>
-              <a:t>字符集</a:t>
-            </a:r>
-            <a:r>
-              <a:rPr lang="zh-CN" altLang="en-US" dirty="0"/>
-              <a:t>的地区，一度出现过很多不同厂商提出的字符集编码，这些编码彼此互不兼容，造成了信息交流的困难。</a:t>
-            </a:r>
-            <a:endParaRPr lang="en-US" altLang="zh-CN" dirty="0"/>
-          </a:p>
-          <a:p>
-            <a:endParaRPr lang="en-US" altLang="zh-CN" dirty="0"/>
-          </a:p>
-          <a:p>
-            <a:r>
-              <a:rPr lang="zh-CN" altLang="en-US" dirty="0"/>
-              <a:t>为统一繁体</a:t>
-            </a:r>
-            <a:r>
-              <a:rPr lang="zh-CN" altLang="en-US" dirty="0">
-                <a:hlinkClick r:id="rId2">
-                  <a:extLst>
-                    <a:ext uri="{A12FA001-AC4F-418D-AE19-62706E023703}">
-                      <ahyp:hlinkClr xmlns:ahyp="http://schemas.microsoft.com/office/drawing/2018/hyperlinkcolor" val="tx"/>
-                    </a:ext>
-                  </a:extLst>
-                </a:hlinkClick>
-              </a:rPr>
-              <a:t>字符集</a:t>
-            </a:r>
-            <a:r>
-              <a:rPr lang="zh-CN" altLang="en-US" dirty="0"/>
-              <a:t>编码，</a:t>
-            </a:r>
-            <a:r>
-              <a:rPr lang="en-US" altLang="zh-CN" dirty="0"/>
-              <a:t>1984</a:t>
-            </a:r>
-            <a:r>
-              <a:rPr lang="zh-CN" altLang="en-US" dirty="0"/>
-              <a:t>年，台湾五大厂商宏碁、神通、佳佳、零壹以及大众一同制定了一种繁体中文编码方案，因其来源被称为五大码，英文写作</a:t>
-            </a:r>
-            <a:r>
-              <a:rPr lang="en-US" altLang="zh-CN" dirty="0"/>
-              <a:t>Big5</a:t>
-            </a:r>
-            <a:r>
-              <a:rPr lang="zh-CN" altLang="en-US" dirty="0"/>
-              <a:t>，后来按英文翻译回汉字后，普遍被称为</a:t>
-            </a:r>
-            <a:r>
-              <a:rPr lang="zh-CN" altLang="en-US" dirty="0">
-                <a:hlinkClick r:id="rId4">
-                  <a:extLst>
-                    <a:ext uri="{A12FA001-AC4F-418D-AE19-62706E023703}">
-                      <ahyp:hlinkClr xmlns:ahyp="http://schemas.microsoft.com/office/drawing/2018/hyperlinkcolor" val="tx"/>
-                    </a:ext>
-                  </a:extLst>
-                </a:hlinkClick>
-              </a:rPr>
-              <a:t>大五码</a:t>
-            </a:r>
-            <a:r>
-              <a:rPr lang="zh-CN" altLang="en-US" dirty="0"/>
-              <a:t>。</a:t>
-            </a:r>
           </a:p>
         </p:txBody>
       </p:sp>
     </p:spTree>
     <p:extLst>
       <p:ext uri="{BB962C8B-B14F-4D97-AF65-F5344CB8AC3E}">
-        <p14:creationId xmlns:p14="http://schemas.microsoft.com/office/powerpoint/2010/main" val="1506851705"/>
+        <p14:creationId xmlns:p14="http://schemas.microsoft.com/office/powerpoint/2010/main" val="4116813279"/>
       </p:ext>
     </p:extLst>
   </p:cSld>
@@ -9055,7 +10177,7 @@
           <p:cNvPr id="2" name="标题 1">
             <a:extLst>
               <a:ext uri="{FF2B5EF4-FFF2-40B4-BE49-F238E27FC236}">
-                <a16:creationId xmlns:a16="http://schemas.microsoft.com/office/drawing/2014/main" id="{899A323B-4F56-40E9-B100-D5E089653B75}"/>
+                <a16:creationId xmlns:a16="http://schemas.microsoft.com/office/drawing/2014/main" id="{09FC45A9-F348-4367-85A0-2FC72E45A92B}"/>
               </a:ext>
             </a:extLst>
           </p:cNvPr>
@@ -9072,224 +10194,180 @@
           <a:lstStyle/>
           <a:p>
             <a:r>
+              <a:rPr lang="zh-CN" altLang="en-US" dirty="0"/>
+              <a:t>编程：输出字符和该字符两个字节的</a:t>
+            </a:r>
+            <a:r>
               <a:rPr lang="en-US" altLang="zh-CN" dirty="0"/>
-              <a:t>Unicode</a:t>
-            </a:r>
-            <a:r>
-              <a:rPr lang="zh-CN" altLang="en-US" dirty="0"/>
-              <a:t>与</a:t>
-            </a:r>
-            <a:r>
-              <a:rPr lang="en-US" altLang="zh-CN" dirty="0"/>
-              <a:t>ISO/IEC 10646</a:t>
-            </a:r>
-            <a:endParaRPr lang="zh-CN" altLang="en-US" dirty="0"/>
-          </a:p>
-        </p:txBody>
-      </p:sp>
-      <p:sp>
-        <p:nvSpPr>
-          <p:cNvPr id="3" name="内容占位符 2">
+              <a:t>ASCII</a:t>
+            </a:r>
+            <a:r>
+              <a:rPr lang="zh-CN" altLang="en-US" dirty="0"/>
+              <a:t>码</a:t>
+            </a:r>
+          </a:p>
+        </p:txBody>
+      </p:sp>
+      <p:pic>
+        <p:nvPicPr>
+          <p:cNvPr id="5" name="图片 4">
             <a:extLst>
               <a:ext uri="{FF2B5EF4-FFF2-40B4-BE49-F238E27FC236}">
-                <a16:creationId xmlns:a16="http://schemas.microsoft.com/office/drawing/2014/main" id="{8DF1A34F-F190-435B-A7C5-B6E359DD2882}"/>
+                <a16:creationId xmlns:a16="http://schemas.microsoft.com/office/drawing/2014/main" id="{42AD463E-22D4-4749-85BA-61B14A724A20}"/>
               </a:ext>
             </a:extLst>
           </p:cNvPr>
-          <p:cNvSpPr>
-            <a:spLocks noGrp="1"/>
-          </p:cNvSpPr>
-          <p:nvPr>
-            <p:ph idx="1"/>
-          </p:nvPr>
-        </p:nvSpPr>
-        <p:spPr>
-          <a:xfrm>
-            <a:off x="680321" y="2336872"/>
-            <a:ext cx="10629705" cy="4096353"/>
-          </a:xfrm>
-        </p:spPr>
-        <p:txBody>
-          <a:bodyPr>
-            <a:normAutofit lnSpcReduction="10000"/>
+          <p:cNvPicPr>
+            <a:picLocks noChangeAspect="1"/>
+          </p:cNvPicPr>
+          <p:nvPr/>
+        </p:nvPicPr>
+        <p:blipFill>
+          <a:blip r:embed="rId2"/>
+          <a:stretch>
+            <a:fillRect/>
+          </a:stretch>
+        </p:blipFill>
+        <p:spPr>
+          <a:xfrm>
+            <a:off x="777598" y="2694251"/>
+            <a:ext cx="4762913" cy="3383573"/>
+          </a:xfrm>
+          <a:prstGeom prst="rect">
+            <a:avLst/>
+          </a:prstGeom>
+        </p:spPr>
+      </p:pic>
+      <p:sp>
+        <p:nvSpPr>
+          <p:cNvPr id="7" name="文本框 6">
+            <a:extLst>
+              <a:ext uri="{FF2B5EF4-FFF2-40B4-BE49-F238E27FC236}">
+                <a16:creationId xmlns:a16="http://schemas.microsoft.com/office/drawing/2014/main" id="{1FE5F586-CD2D-4E54-BDC0-BAD667D19E3D}"/>
+              </a:ext>
+            </a:extLst>
+          </p:cNvPr>
+          <p:cNvSpPr txBox="1"/>
+          <p:nvPr/>
+        </p:nvSpPr>
+        <p:spPr>
+          <a:xfrm>
+            <a:off x="1868518" y="6104772"/>
+            <a:ext cx="2386518" cy="369332"/>
+          </a:xfrm>
+          <a:prstGeom prst="rect">
+            <a:avLst/>
+          </a:prstGeom>
+          <a:noFill/>
+        </p:spPr>
+        <p:txBody>
+          <a:bodyPr wrap="square">
+            <a:spAutoFit/>
           </a:bodyPr>
           <a:lstStyle/>
           <a:p>
             <a:r>
+              <a:rPr lang="en-US" altLang="zh-CN" b="1" dirty="0" err="1">
+                <a:effectLst/>
+                <a:latin typeface="Times New Roman" panose="02020603050405020304" pitchFamily="18" charset="0"/>
+              </a:rPr>
+              <a:t>CodeBlocks</a:t>
+            </a:r>
+            <a:r>
+              <a:rPr lang="en-US" altLang="zh-CN" b="1" dirty="0">
+                <a:effectLst/>
+                <a:latin typeface="Times New Roman" panose="02020603050405020304" pitchFamily="18" charset="0"/>
+              </a:rPr>
+              <a:t> </a:t>
+            </a:r>
+            <a:r>
+              <a:rPr lang="zh-CN" altLang="en-US" b="1" dirty="0">
+                <a:effectLst/>
+                <a:latin typeface="Times New Roman" panose="02020603050405020304" pitchFamily="18" charset="0"/>
+              </a:rPr>
+              <a:t>：</a:t>
+            </a:r>
+            <a:r>
+              <a:rPr lang="en-US" altLang="zh-CN" b="1" dirty="0">
+                <a:effectLst/>
+                <a:latin typeface="Times New Roman" panose="02020603050405020304" pitchFamily="18" charset="0"/>
+              </a:rPr>
+              <a:t>C++ </a:t>
+            </a:r>
+            <a:endParaRPr lang="zh-CN" altLang="en-US" dirty="0"/>
+          </a:p>
+        </p:txBody>
+      </p:sp>
+      <p:pic>
+        <p:nvPicPr>
+          <p:cNvPr id="9" name="图片 8">
+            <a:extLst>
+              <a:ext uri="{FF2B5EF4-FFF2-40B4-BE49-F238E27FC236}">
+                <a16:creationId xmlns:a16="http://schemas.microsoft.com/office/drawing/2014/main" id="{E5B5C690-B1B5-4602-84E5-7C1E2F1D750C}"/>
+              </a:ext>
+            </a:extLst>
+          </p:cNvPr>
+          <p:cNvPicPr>
+            <a:picLocks noChangeAspect="1"/>
+          </p:cNvPicPr>
+          <p:nvPr/>
+        </p:nvPicPr>
+        <p:blipFill>
+          <a:blip r:embed="rId3"/>
+          <a:stretch>
+            <a:fillRect/>
+          </a:stretch>
+        </p:blipFill>
+        <p:spPr>
+          <a:xfrm>
+            <a:off x="6810489" y="2084598"/>
+            <a:ext cx="3901778" cy="3993226"/>
+          </a:xfrm>
+          <a:prstGeom prst="rect">
+            <a:avLst/>
+          </a:prstGeom>
+        </p:spPr>
+      </p:pic>
+      <p:sp>
+        <p:nvSpPr>
+          <p:cNvPr id="10" name="文本框 9">
+            <a:extLst>
+              <a:ext uri="{FF2B5EF4-FFF2-40B4-BE49-F238E27FC236}">
+                <a16:creationId xmlns:a16="http://schemas.microsoft.com/office/drawing/2014/main" id="{FED104AE-E5A4-4525-872D-C2F3D7CAF772}"/>
+              </a:ext>
+            </a:extLst>
+          </p:cNvPr>
+          <p:cNvSpPr txBox="1"/>
+          <p:nvPr/>
+        </p:nvSpPr>
+        <p:spPr>
+          <a:xfrm>
+            <a:off x="7600544" y="6143590"/>
+            <a:ext cx="1832553" cy="369332"/>
+          </a:xfrm>
+          <a:prstGeom prst="rect">
+            <a:avLst/>
+          </a:prstGeom>
+          <a:noFill/>
+        </p:spPr>
+        <p:txBody>
+          <a:bodyPr wrap="none" rtlCol="0">
+            <a:spAutoFit/>
+          </a:bodyPr>
+          <a:lstStyle/>
+          <a:p>
+            <a:r>
+              <a:rPr lang="en-US" altLang="zh-CN" dirty="0" err="1"/>
+              <a:t>Jupyter</a:t>
+            </a:r>
+            <a:r>
+              <a:rPr lang="zh-CN" altLang="en-US" dirty="0"/>
+              <a:t>：</a:t>
+            </a:r>
+            <a:r>
               <a:rPr lang="en-US" altLang="zh-CN" dirty="0"/>
-              <a:t>Unicode</a:t>
-            </a:r>
-            <a:r>
-              <a:rPr lang="zh-CN" altLang="en-US" dirty="0"/>
-              <a:t>是国际组织制定的可以容纳世界上所有文字和符号的字符编码方案。</a:t>
-            </a:r>
-            <a:endParaRPr lang="en-US" altLang="zh-CN" dirty="0"/>
-          </a:p>
-          <a:p>
-            <a:endParaRPr lang="zh-CN" altLang="en-US" dirty="0"/>
-          </a:p>
-          <a:p>
-            <a:r>
-              <a:rPr lang="zh-CN" altLang="en-US" dirty="0">
-                <a:hlinkClick r:id="rId2">
-                  <a:extLst>
-                    <a:ext uri="{A12FA001-AC4F-418D-AE19-62706E023703}">
-                      <ahyp:hlinkClr xmlns:ahyp="http://schemas.microsoft.com/office/drawing/2018/hyperlinkcolor" val="tx"/>
-                    </a:ext>
-                  </a:extLst>
-                </a:hlinkClick>
-              </a:rPr>
-              <a:t>通用字符集</a:t>
-            </a:r>
-            <a:r>
-              <a:rPr lang="zh-CN" altLang="en-US" dirty="0"/>
-              <a:t>（</a:t>
-            </a:r>
-            <a:r>
-              <a:rPr lang="en-US" altLang="zh-CN" dirty="0"/>
-              <a:t>Universal Character Set, UCS</a:t>
-            </a:r>
-            <a:r>
-              <a:rPr lang="zh-CN" altLang="en-US" dirty="0"/>
-              <a:t>）是由</a:t>
-            </a:r>
-            <a:r>
-              <a:rPr lang="en-US" altLang="zh-CN" dirty="0"/>
-              <a:t>ISO</a:t>
-            </a:r>
-            <a:r>
-              <a:rPr lang="zh-CN" altLang="en-US" dirty="0"/>
-              <a:t>制定的</a:t>
-            </a:r>
-            <a:r>
-              <a:rPr lang="en-US" altLang="zh-CN" dirty="0">
-                <a:hlinkClick r:id="rId3">
-                  <a:extLst>
-                    <a:ext uri="{A12FA001-AC4F-418D-AE19-62706E023703}">
-                      <ahyp:hlinkClr xmlns:ahyp="http://schemas.microsoft.com/office/drawing/2018/hyperlinkcolor" val="tx"/>
-                    </a:ext>
-                  </a:extLst>
-                </a:hlinkClick>
-              </a:rPr>
-              <a:t>ISO 10646</a:t>
-            </a:r>
-            <a:r>
-              <a:rPr lang="zh-CN" altLang="en-US" dirty="0"/>
-              <a:t>（或称</a:t>
-            </a:r>
-            <a:r>
-              <a:rPr lang="en-US" altLang="zh-CN" dirty="0"/>
-              <a:t>ISO/IEC 10646</a:t>
-            </a:r>
-            <a:r>
-              <a:rPr lang="zh-CN" altLang="en-US" dirty="0"/>
-              <a:t>）标准所定义的标准字符集。</a:t>
-            </a:r>
-            <a:endParaRPr lang="en-US" altLang="zh-CN" dirty="0"/>
-          </a:p>
-          <a:p>
-            <a:endParaRPr lang="en-US" altLang="zh-CN" dirty="0"/>
-          </a:p>
-          <a:p>
-            <a:r>
-              <a:rPr lang="en-US" altLang="zh-CN" dirty="0"/>
-              <a:t>1991</a:t>
-            </a:r>
-            <a:r>
-              <a:rPr lang="zh-CN" altLang="en-US" dirty="0"/>
-              <a:t>年前后，两个项目开始合并，并为创立一个单一编码表而协同工作</a:t>
-            </a:r>
-            <a:endParaRPr lang="en-US" altLang="zh-CN" dirty="0"/>
-          </a:p>
-          <a:p>
-            <a:r>
-              <a:rPr lang="zh-CN" altLang="en-US" dirty="0"/>
-              <a:t>从</a:t>
-            </a:r>
-            <a:r>
-              <a:rPr lang="en-US" altLang="zh-CN" dirty="0"/>
-              <a:t>Unicode 2.0</a:t>
-            </a:r>
-            <a:r>
-              <a:rPr lang="zh-CN" altLang="en-US" dirty="0"/>
-              <a:t>开始，</a:t>
-            </a:r>
-            <a:r>
-              <a:rPr lang="en-US" altLang="zh-CN" dirty="0"/>
-              <a:t>Unicode</a:t>
-            </a:r>
-            <a:r>
-              <a:rPr lang="zh-CN" altLang="en-US" dirty="0"/>
-              <a:t>采用了与</a:t>
-            </a:r>
-            <a:r>
-              <a:rPr lang="en-US" altLang="zh-CN" dirty="0"/>
-              <a:t>ISO 10646-1</a:t>
-            </a:r>
-            <a:r>
-              <a:rPr lang="zh-CN" altLang="en-US" dirty="0"/>
-              <a:t>相同的</a:t>
-            </a:r>
-            <a:r>
-              <a:rPr lang="zh-CN" altLang="en-US" dirty="0">
-                <a:hlinkClick r:id="rId4">
-                  <a:extLst>
-                    <a:ext uri="{A12FA001-AC4F-418D-AE19-62706E023703}">
-                      <ahyp:hlinkClr xmlns:ahyp="http://schemas.microsoft.com/office/drawing/2018/hyperlinkcolor" val="tx"/>
-                    </a:ext>
-                  </a:extLst>
-                </a:hlinkClick>
-              </a:rPr>
-              <a:t>字库</a:t>
-            </a:r>
-            <a:r>
-              <a:rPr lang="zh-CN" altLang="en-US" dirty="0"/>
-              <a:t>和字码；</a:t>
-            </a:r>
-            <a:endParaRPr lang="en-US" altLang="zh-CN" dirty="0"/>
-          </a:p>
-          <a:p>
-            <a:r>
-              <a:rPr lang="en-US" altLang="zh-CN" dirty="0"/>
-              <a:t>ISO</a:t>
-            </a:r>
-            <a:r>
-              <a:rPr lang="zh-CN" altLang="en-US" dirty="0"/>
-              <a:t>也承诺，</a:t>
-            </a:r>
-            <a:r>
-              <a:rPr lang="en-US" altLang="zh-CN" dirty="0"/>
-              <a:t>ISO 10646</a:t>
-            </a:r>
-            <a:r>
-              <a:rPr lang="zh-CN" altLang="en-US" dirty="0"/>
-              <a:t>将不会替超出</a:t>
-            </a:r>
-            <a:r>
-              <a:rPr lang="en-US" altLang="zh-CN" dirty="0"/>
-              <a:t>U+10FFFF</a:t>
-            </a:r>
-            <a:r>
-              <a:rPr lang="zh-CN" altLang="en-US" dirty="0"/>
-              <a:t>的</a:t>
-            </a:r>
-            <a:r>
-              <a:rPr lang="en-US" altLang="zh-CN" dirty="0"/>
-              <a:t>UCS-4</a:t>
-            </a:r>
-            <a:r>
-              <a:rPr lang="zh-CN" altLang="en-US" dirty="0"/>
-              <a:t>编码赋值，以使得两者保持一致。</a:t>
-            </a:r>
-            <a:endParaRPr lang="en-US" altLang="zh-CN" dirty="0"/>
-          </a:p>
-          <a:p>
-            <a:r>
-              <a:rPr lang="zh-CN" altLang="en-US" dirty="0"/>
-              <a:t>两个项目仍都存在，并独立地公布各自的标准。</a:t>
-            </a:r>
-          </a:p>
-          <a:p>
+              <a:t>python</a:t>
+            </a:r>
             <a:endParaRPr lang="zh-CN" altLang="en-US" dirty="0"/>
           </a:p>
         </p:txBody>
@@ -9297,7 +10375,7 @@
     </p:spTree>
     <p:extLst>
       <p:ext uri="{BB962C8B-B14F-4D97-AF65-F5344CB8AC3E}">
-        <p14:creationId xmlns:p14="http://schemas.microsoft.com/office/powerpoint/2010/main" val="548803418"/>
+        <p14:creationId xmlns:p14="http://schemas.microsoft.com/office/powerpoint/2010/main" val="868319067"/>
       </p:ext>
     </p:extLst>
   </p:cSld>
@@ -9329,7 +10407,7 @@
           <p:cNvPr id="2" name="标题 1">
             <a:extLst>
               <a:ext uri="{FF2B5EF4-FFF2-40B4-BE49-F238E27FC236}">
-                <a16:creationId xmlns:a16="http://schemas.microsoft.com/office/drawing/2014/main" id="{ADD9D38C-EED0-453C-AC68-664FBF41BFED}"/>
+                <a16:creationId xmlns:a16="http://schemas.microsoft.com/office/drawing/2014/main" id="{E9D7BB60-EA95-4795-9957-A48B333F3C23}"/>
               </a:ext>
             </a:extLst>
           </p:cNvPr>
@@ -9347,222 +10425,523 @@
           <a:p>
             <a:r>
               <a:rPr lang="zh-CN" altLang="en-US" dirty="0"/>
-              <a:t>国标扩展码 </a:t>
-            </a:r>
-            <a:r>
-              <a:rPr lang="en-US" altLang="zh-CN" dirty="0"/>
-              <a:t>GBK</a:t>
-            </a:r>
-            <a:endParaRPr lang="zh-CN" altLang="en-US" dirty="0"/>
-          </a:p>
-        </p:txBody>
-      </p:sp>
-      <p:sp>
-        <p:nvSpPr>
-          <p:cNvPr id="3" name="内容占位符 2">
+              <a:t>字符分布情况</a:t>
+            </a:r>
+          </a:p>
+        </p:txBody>
+      </p:sp>
+      <p:graphicFrame>
+        <p:nvGraphicFramePr>
+          <p:cNvPr id="4" name="表格 4">
             <a:extLst>
               <a:ext uri="{FF2B5EF4-FFF2-40B4-BE49-F238E27FC236}">
-                <a16:creationId xmlns:a16="http://schemas.microsoft.com/office/drawing/2014/main" id="{47046FF1-9EB1-490A-A393-21A01318423F}"/>
+                <a16:creationId xmlns:a16="http://schemas.microsoft.com/office/drawing/2014/main" id="{8019C6FE-0154-41AA-B189-51A7CB86B1D2}"/>
               </a:ext>
             </a:extLst>
           </p:cNvPr>
-          <p:cNvSpPr>
-            <a:spLocks noGrp="1"/>
-          </p:cNvSpPr>
+          <p:cNvGraphicFramePr>
+            <a:graphicFrameLocks noGrp="1"/>
+          </p:cNvGraphicFramePr>
           <p:nvPr>
             <p:ph idx="1"/>
-          </p:nvPr>
-        </p:nvSpPr>
-        <p:spPr/>
-        <p:txBody>
-          <a:bodyPr>
-            <a:normAutofit/>
-          </a:bodyPr>
-          <a:lstStyle/>
-          <a:p>
-            <a:r>
-              <a:rPr lang="en-US" altLang="zh-CN" dirty="0"/>
-              <a:t>GBK</a:t>
-            </a:r>
-            <a:r>
-              <a:rPr lang="zh-CN" altLang="en-US" dirty="0"/>
-              <a:t>即汉字内码扩展规范，</a:t>
-            </a:r>
-            <a:r>
-              <a:rPr lang="en-US" altLang="zh-CN" dirty="0"/>
-              <a:t>K</a:t>
-            </a:r>
-            <a:r>
-              <a:rPr lang="zh-CN" altLang="en-US" dirty="0"/>
-              <a:t>为扩展的汉语拼音中“扩”字的声母。</a:t>
-            </a:r>
-            <a:endParaRPr lang="en-US" altLang="zh-CN" dirty="0"/>
-          </a:p>
-          <a:p>
-            <a:r>
-              <a:rPr lang="zh-CN" altLang="en-US" dirty="0"/>
-              <a:t>英文全称</a:t>
-            </a:r>
-            <a:r>
-              <a:rPr lang="en-US" altLang="zh-CN" dirty="0"/>
-              <a:t>Chinese Internal Code Specification</a:t>
-            </a:r>
-            <a:r>
-              <a:rPr lang="zh-CN" altLang="en-US" dirty="0"/>
-              <a:t>。</a:t>
-            </a:r>
-            <a:endParaRPr lang="en-US" altLang="zh-CN" dirty="0"/>
-          </a:p>
-          <a:p>
-            <a:r>
-              <a:rPr lang="en-US" altLang="zh-CN" dirty="0"/>
-              <a:t>GBK</a:t>
-            </a:r>
-            <a:r>
-              <a:rPr lang="zh-CN" altLang="en-US" dirty="0"/>
-              <a:t>编码标准兼容</a:t>
-            </a:r>
-            <a:r>
-              <a:rPr lang="en-US" altLang="zh-CN" dirty="0"/>
-              <a:t>GB2312</a:t>
-            </a:r>
-            <a:r>
-              <a:rPr lang="zh-CN" altLang="en-US" dirty="0"/>
-              <a:t>，共收录汉字</a:t>
-            </a:r>
-            <a:r>
-              <a:rPr lang="en-US" altLang="zh-CN" dirty="0"/>
-              <a:t>21003</a:t>
-            </a:r>
-            <a:r>
-              <a:rPr lang="zh-CN" altLang="en-US" dirty="0"/>
-              <a:t>个、符号</a:t>
-            </a:r>
-            <a:r>
-              <a:rPr lang="en-US" altLang="zh-CN" dirty="0"/>
-              <a:t>883</a:t>
-            </a:r>
-            <a:r>
-              <a:rPr lang="zh-CN" altLang="en-US" dirty="0"/>
-              <a:t>个，并提供</a:t>
-            </a:r>
-            <a:r>
-              <a:rPr lang="en-US" altLang="zh-CN" dirty="0"/>
-              <a:t>1894</a:t>
-            </a:r>
-            <a:r>
-              <a:rPr lang="zh-CN" altLang="en-US" dirty="0"/>
-              <a:t>个造字码位，简、繁体字融于一库。</a:t>
-            </a:r>
-            <a:endParaRPr lang="en-US" altLang="zh-CN" dirty="0"/>
-          </a:p>
-          <a:p>
-            <a:r>
-              <a:rPr lang="en-US" altLang="zh-CN" dirty="0"/>
-              <a:t>GBK</a:t>
-            </a:r>
-            <a:r>
-              <a:rPr lang="zh-CN" altLang="en-US" dirty="0"/>
-              <a:t>是对</a:t>
-            </a:r>
-            <a:r>
-              <a:rPr lang="en-US" altLang="zh-CN" dirty="0"/>
-              <a:t>GB2312-80</a:t>
-            </a:r>
-            <a:r>
-              <a:rPr lang="zh-CN" altLang="en-US" dirty="0"/>
-              <a:t>的扩展，也就是</a:t>
-            </a:r>
-            <a:r>
-              <a:rPr lang="en-US" altLang="zh-CN" dirty="0"/>
-              <a:t>CP936</a:t>
-            </a:r>
-            <a:r>
-              <a:rPr lang="zh-CN" altLang="en-US" dirty="0"/>
-              <a:t>字码表 </a:t>
-            </a:r>
-            <a:r>
-              <a:rPr lang="en-US" altLang="zh-CN" dirty="0"/>
-              <a:t>(Code Page 936)</a:t>
-            </a:r>
-            <a:r>
-              <a:rPr lang="zh-CN" altLang="en-US" dirty="0"/>
-              <a:t>的扩展（之前</a:t>
-            </a:r>
-            <a:r>
-              <a:rPr lang="en-US" altLang="zh-CN" dirty="0"/>
-              <a:t>CP936</a:t>
-            </a:r>
-            <a:r>
-              <a:rPr lang="zh-CN" altLang="en-US" dirty="0"/>
-              <a:t>和</a:t>
-            </a:r>
-            <a:r>
-              <a:rPr lang="en-US" altLang="zh-CN" dirty="0"/>
-              <a:t>GB 2312-80</a:t>
-            </a:r>
-            <a:r>
-              <a:rPr lang="zh-CN" altLang="en-US" dirty="0"/>
-              <a:t>一模一样）。</a:t>
-            </a:r>
-            <a:endParaRPr lang="en-US" altLang="zh-CN" dirty="0"/>
-          </a:p>
-          <a:p>
-            <a:r>
-              <a:rPr lang="en-US" altLang="zh-CN" dirty="0"/>
-              <a:t>GB 2312</a:t>
-            </a:r>
-            <a:r>
-              <a:rPr lang="zh-CN" altLang="en-US" dirty="0"/>
-              <a:t>的出现，基本满足了汉字的计算机处理需要，但对于人名、古汉语等方面出现的罕用字，</a:t>
-            </a:r>
-            <a:r>
-              <a:rPr lang="en-US" altLang="zh-CN" dirty="0"/>
-              <a:t>GB 2312</a:t>
-            </a:r>
-            <a:r>
-              <a:rPr lang="zh-CN" altLang="en-US" dirty="0"/>
-              <a:t>不能处理，这导致了后来</a:t>
-            </a:r>
-            <a:r>
-              <a:rPr lang="en-US" altLang="zh-CN" dirty="0"/>
-              <a:t>GBK</a:t>
-            </a:r>
-            <a:r>
-              <a:rPr lang="zh-CN" altLang="en-US" dirty="0"/>
-              <a:t>及</a:t>
-            </a:r>
-            <a:r>
-              <a:rPr lang="en-US" altLang="zh-CN" dirty="0"/>
-              <a:t>GB 18030</a:t>
-            </a:r>
-            <a:r>
-              <a:rPr lang="zh-CN" altLang="en-US" dirty="0"/>
-              <a:t>汉字</a:t>
-            </a:r>
-            <a:r>
-              <a:rPr lang="zh-CN" altLang="en-US" dirty="0">
-                <a:hlinkClick r:id="rId2">
+            <p:extLst>
+              <p:ext uri="{D42A27DB-BD31-4B8C-83A1-F6EECF244321}">
+                <p14:modId xmlns:p14="http://schemas.microsoft.com/office/powerpoint/2010/main" val="3182991994"/>
+              </p:ext>
+            </p:extLst>
+          </p:nvPr>
+        </p:nvGraphicFramePr>
+        <p:xfrm>
+          <a:off x="3138893" y="1598497"/>
+          <a:ext cx="6361788" cy="4963160"/>
+        </p:xfrm>
+        <a:graphic>
+          <a:graphicData uri="http://schemas.openxmlformats.org/drawingml/2006/table">
+            <a:tbl>
+              <a:tblPr firstRow="1" bandRow="1">
+                <a:tableStyleId>{5C22544A-7EE6-4342-B048-85BDC9FD1C3A}</a:tableStyleId>
+              </a:tblPr>
+              <a:tblGrid>
+                <a:gridCol w="1913005">
                   <a:extLst>
-                    <a:ext uri="{A12FA001-AC4F-418D-AE19-62706E023703}">
-                      <ahyp:hlinkClr xmlns:ahyp="http://schemas.microsoft.com/office/drawing/2018/hyperlinkcolor" val="tx"/>
+                    <a:ext uri="{9D8B030D-6E8A-4147-A177-3AD203B41FA5}">
+                      <a16:colId xmlns:a16="http://schemas.microsoft.com/office/drawing/2014/main" val="1796967122"/>
                     </a:ext>
                   </a:extLst>
-                </a:hlinkClick>
-              </a:rPr>
-              <a:t>字符集</a:t>
-            </a:r>
-            <a:r>
-              <a:rPr lang="zh-CN" altLang="en-US" dirty="0"/>
-              <a:t>的出现。</a:t>
-            </a:r>
-          </a:p>
-        </p:txBody>
-      </p:sp>
+                </a:gridCol>
+                <a:gridCol w="4448783">
+                  <a:extLst>
+                    <a:ext uri="{9D8B030D-6E8A-4147-A177-3AD203B41FA5}">
+                      <a16:colId xmlns:a16="http://schemas.microsoft.com/office/drawing/2014/main" val="1653627187"/>
+                    </a:ext>
+                  </a:extLst>
+                </a:gridCol>
+              </a:tblGrid>
+              <a:tr h="370840">
+                <a:tc>
+                  <a:txBody>
+                    <a:bodyPr/>
+                    <a:lstStyle/>
+                    <a:p>
+                      <a:r>
+                        <a:rPr lang="zh-CN" altLang="en-US" dirty="0"/>
+                        <a:t>首字节</a:t>
+                      </a:r>
+                      <a:r>
+                        <a:rPr lang="en-US" altLang="zh-CN" dirty="0"/>
+                        <a:t>ASCII</a:t>
+                      </a:r>
+                      <a:r>
+                        <a:rPr lang="zh-CN" altLang="en-US" dirty="0"/>
+                        <a:t>码</a:t>
+                      </a:r>
+                    </a:p>
+                  </a:txBody>
+                  <a:tcPr/>
+                </a:tc>
+                <a:tc>
+                  <a:txBody>
+                    <a:bodyPr/>
+                    <a:lstStyle/>
+                    <a:p>
+                      <a:r>
+                        <a:rPr lang="zh-CN" altLang="en-US" dirty="0"/>
+                        <a:t>字符类型</a:t>
+                      </a:r>
+                    </a:p>
+                  </a:txBody>
+                  <a:tcPr/>
+                </a:tc>
+                <a:extLst>
+                  <a:ext uri="{0D108BD9-81ED-4DB2-BD59-A6C34878D82A}">
+                    <a16:rowId xmlns:a16="http://schemas.microsoft.com/office/drawing/2014/main" val="69349871"/>
+                  </a:ext>
+                </a:extLst>
+              </a:tr>
+              <a:tr h="370840">
+                <a:tc>
+                  <a:txBody>
+                    <a:bodyPr/>
+                    <a:lstStyle/>
+                    <a:p>
+                      <a:r>
+                        <a:rPr lang="en-US" altLang="zh-CN" dirty="0"/>
+                        <a:t>161</a:t>
+                      </a:r>
+                      <a:endParaRPr lang="zh-CN" altLang="en-US" dirty="0"/>
+                    </a:p>
+                  </a:txBody>
+                  <a:tcPr/>
+                </a:tc>
+                <a:tc rowSpan="3">
+                  <a:txBody>
+                    <a:bodyPr/>
+                    <a:lstStyle/>
+                    <a:p>
+                      <a:r>
+                        <a:rPr lang="zh-CN" altLang="en-US" dirty="0"/>
+                        <a:t>标点、一般符号 </a:t>
+                      </a:r>
+                      <a:r>
+                        <a:rPr lang="en-US" altLang="zh-CN" dirty="0"/>
+                        <a:t>202</a:t>
+                      </a:r>
+                    </a:p>
+                    <a:p>
+                      <a:r>
+                        <a:rPr lang="zh-CN" altLang="en-US" dirty="0"/>
+                        <a:t>序号 </a:t>
+                      </a:r>
+                      <a:r>
+                        <a:rPr lang="en-US" altLang="zh-CN" dirty="0"/>
+                        <a:t>60</a:t>
+                      </a:r>
+                    </a:p>
+                    <a:p>
+                      <a:r>
+                        <a:rPr lang="zh-CN" altLang="en-US" dirty="0"/>
+                        <a:t>数字 </a:t>
+                      </a:r>
+                      <a:r>
+                        <a:rPr lang="en-US" altLang="zh-CN" dirty="0"/>
+                        <a:t>22</a:t>
+                      </a:r>
+                    </a:p>
+                    <a:p>
+                      <a:r>
+                        <a:rPr lang="zh-CN" altLang="en-US" dirty="0"/>
+                        <a:t>拉丁字母 </a:t>
+                      </a:r>
+                      <a:r>
+                        <a:rPr lang="en-US" altLang="zh-CN" dirty="0"/>
+                        <a:t>52</a:t>
+                      </a:r>
+                      <a:endParaRPr lang="zh-CN" altLang="en-US" dirty="0"/>
+                    </a:p>
+                  </a:txBody>
+                  <a:tcPr/>
+                </a:tc>
+                <a:extLst>
+                  <a:ext uri="{0D108BD9-81ED-4DB2-BD59-A6C34878D82A}">
+                    <a16:rowId xmlns:a16="http://schemas.microsoft.com/office/drawing/2014/main" val="3059085699"/>
+                  </a:ext>
+                </a:extLst>
+              </a:tr>
+              <a:tr h="370840">
+                <a:tc>
+                  <a:txBody>
+                    <a:bodyPr/>
+                    <a:lstStyle/>
+                    <a:p>
+                      <a:r>
+                        <a:rPr lang="en-US" altLang="zh-CN" dirty="0"/>
+                        <a:t>162</a:t>
+                      </a:r>
+                      <a:endParaRPr lang="zh-CN" altLang="en-US" dirty="0"/>
+                    </a:p>
+                  </a:txBody>
+                  <a:tcPr/>
+                </a:tc>
+                <a:tc vMerge="1">
+                  <a:txBody>
+                    <a:bodyPr/>
+                    <a:lstStyle/>
+                    <a:p>
+                      <a:endParaRPr lang="zh-CN" altLang="en-US" dirty="0"/>
+                    </a:p>
+                  </a:txBody>
+                  <a:tcPr/>
+                </a:tc>
+                <a:extLst>
+                  <a:ext uri="{0D108BD9-81ED-4DB2-BD59-A6C34878D82A}">
+                    <a16:rowId xmlns:a16="http://schemas.microsoft.com/office/drawing/2014/main" val="935082479"/>
+                  </a:ext>
+                </a:extLst>
+              </a:tr>
+              <a:tr h="370840">
+                <a:tc>
+                  <a:txBody>
+                    <a:bodyPr/>
+                    <a:lstStyle/>
+                    <a:p>
+                      <a:r>
+                        <a:rPr lang="en-US" altLang="zh-CN" dirty="0"/>
+                        <a:t>163</a:t>
+                      </a:r>
+                      <a:endParaRPr lang="zh-CN" altLang="en-US" dirty="0"/>
+                    </a:p>
+                  </a:txBody>
+                  <a:tcPr/>
+                </a:tc>
+                <a:tc vMerge="1">
+                  <a:txBody>
+                    <a:bodyPr/>
+                    <a:lstStyle/>
+                    <a:p>
+                      <a:endParaRPr lang="zh-CN" altLang="en-US" dirty="0"/>
+                    </a:p>
+                  </a:txBody>
+                  <a:tcPr/>
+                </a:tc>
+                <a:extLst>
+                  <a:ext uri="{0D108BD9-81ED-4DB2-BD59-A6C34878D82A}">
+                    <a16:rowId xmlns:a16="http://schemas.microsoft.com/office/drawing/2014/main" val="3906153967"/>
+                  </a:ext>
+                </a:extLst>
+              </a:tr>
+              <a:tr h="370840">
+                <a:tc>
+                  <a:txBody>
+                    <a:bodyPr/>
+                    <a:lstStyle/>
+                    <a:p>
+                      <a:r>
+                        <a:rPr lang="en-US" altLang="zh-CN" dirty="0"/>
+                        <a:t>164</a:t>
+                      </a:r>
+                      <a:endParaRPr lang="zh-CN" altLang="en-US" dirty="0"/>
+                    </a:p>
+                  </a:txBody>
+                  <a:tcPr/>
+                </a:tc>
+                <a:tc rowSpan="2">
+                  <a:txBody>
+                    <a:bodyPr/>
+                    <a:lstStyle/>
+                    <a:p>
+                      <a:r>
+                        <a:rPr lang="zh-CN" altLang="en-US" dirty="0"/>
+                        <a:t>日文假名 </a:t>
+                      </a:r>
+                      <a:r>
+                        <a:rPr lang="en-US" altLang="zh-CN" dirty="0"/>
+                        <a:t>169</a:t>
+                      </a:r>
+                      <a:endParaRPr lang="zh-CN" altLang="en-US" dirty="0"/>
+                    </a:p>
+                  </a:txBody>
+                  <a:tcPr/>
+                </a:tc>
+                <a:extLst>
+                  <a:ext uri="{0D108BD9-81ED-4DB2-BD59-A6C34878D82A}">
+                    <a16:rowId xmlns:a16="http://schemas.microsoft.com/office/drawing/2014/main" val="2108883828"/>
+                  </a:ext>
+                </a:extLst>
+              </a:tr>
+              <a:tr h="370840">
+                <a:tc>
+                  <a:txBody>
+                    <a:bodyPr/>
+                    <a:lstStyle/>
+                    <a:p>
+                      <a:r>
+                        <a:rPr lang="en-US" altLang="zh-CN" dirty="0"/>
+                        <a:t>165</a:t>
+                      </a:r>
+                      <a:endParaRPr lang="zh-CN" altLang="en-US" dirty="0"/>
+                    </a:p>
+                  </a:txBody>
+                  <a:tcPr/>
+                </a:tc>
+                <a:tc vMerge="1">
+                  <a:txBody>
+                    <a:bodyPr/>
+                    <a:lstStyle/>
+                    <a:p>
+                      <a:endParaRPr lang="zh-CN" altLang="en-US" dirty="0"/>
+                    </a:p>
+                  </a:txBody>
+                  <a:tcPr/>
+                </a:tc>
+                <a:extLst>
+                  <a:ext uri="{0D108BD9-81ED-4DB2-BD59-A6C34878D82A}">
+                    <a16:rowId xmlns:a16="http://schemas.microsoft.com/office/drawing/2014/main" val="3137780936"/>
+                  </a:ext>
+                </a:extLst>
+              </a:tr>
+              <a:tr h="370840">
+                <a:tc>
+                  <a:txBody>
+                    <a:bodyPr/>
+                    <a:lstStyle/>
+                    <a:p>
+                      <a:r>
+                        <a:rPr lang="en-US" altLang="zh-CN" dirty="0"/>
+                        <a:t>166</a:t>
+                      </a:r>
+                      <a:endParaRPr lang="zh-CN" altLang="en-US" dirty="0"/>
+                    </a:p>
+                  </a:txBody>
+                  <a:tcPr/>
+                </a:tc>
+                <a:tc>
+                  <a:txBody>
+                    <a:bodyPr/>
+                    <a:lstStyle/>
+                    <a:p>
+                      <a:r>
+                        <a:rPr lang="zh-CN" altLang="en-US" dirty="0"/>
+                        <a:t>希腊字母 </a:t>
+                      </a:r>
+                      <a:r>
+                        <a:rPr lang="en-US" altLang="zh-CN" dirty="0"/>
+                        <a:t>48</a:t>
+                      </a:r>
+                      <a:endParaRPr lang="zh-CN" altLang="en-US" dirty="0"/>
+                    </a:p>
+                  </a:txBody>
+                  <a:tcPr/>
+                </a:tc>
+                <a:extLst>
+                  <a:ext uri="{0D108BD9-81ED-4DB2-BD59-A6C34878D82A}">
+                    <a16:rowId xmlns:a16="http://schemas.microsoft.com/office/drawing/2014/main" val="1955614373"/>
+                  </a:ext>
+                </a:extLst>
+              </a:tr>
+              <a:tr h="370840">
+                <a:tc>
+                  <a:txBody>
+                    <a:bodyPr/>
+                    <a:lstStyle/>
+                    <a:p>
+                      <a:r>
+                        <a:rPr lang="en-US" altLang="zh-CN" dirty="0"/>
+                        <a:t>167</a:t>
+                      </a:r>
+                      <a:endParaRPr lang="zh-CN" altLang="en-US" dirty="0"/>
+                    </a:p>
+                  </a:txBody>
+                  <a:tcPr/>
+                </a:tc>
+                <a:tc>
+                  <a:txBody>
+                    <a:bodyPr/>
+                    <a:lstStyle/>
+                    <a:p>
+                      <a:r>
+                        <a:rPr lang="zh-CN" altLang="en-US" dirty="0"/>
+                        <a:t>俄文字母 </a:t>
+                      </a:r>
+                      <a:r>
+                        <a:rPr lang="en-US" altLang="zh-CN" dirty="0"/>
+                        <a:t>66</a:t>
+                      </a:r>
+                      <a:endParaRPr lang="zh-CN" altLang="en-US" dirty="0"/>
+                    </a:p>
+                  </a:txBody>
+                  <a:tcPr/>
+                </a:tc>
+                <a:extLst>
+                  <a:ext uri="{0D108BD9-81ED-4DB2-BD59-A6C34878D82A}">
+                    <a16:rowId xmlns:a16="http://schemas.microsoft.com/office/drawing/2014/main" val="2976902067"/>
+                  </a:ext>
+                </a:extLst>
+              </a:tr>
+              <a:tr h="370840">
+                <a:tc>
+                  <a:txBody>
+                    <a:bodyPr/>
+                    <a:lstStyle/>
+                    <a:p>
+                      <a:r>
+                        <a:rPr lang="en-US" altLang="zh-CN" dirty="0"/>
+                        <a:t>168</a:t>
+                      </a:r>
+                      <a:endParaRPr lang="zh-CN" altLang="en-US" dirty="0"/>
+                    </a:p>
+                  </a:txBody>
+                  <a:tcPr/>
+                </a:tc>
+                <a:tc>
+                  <a:txBody>
+                    <a:bodyPr/>
+                    <a:lstStyle/>
+                    <a:p>
+                      <a:r>
+                        <a:rPr lang="zh-CN" altLang="en-US" dirty="0"/>
+                        <a:t>汉语拼音符号 </a:t>
+                      </a:r>
+                      <a:r>
+                        <a:rPr lang="en-US" altLang="zh-CN" dirty="0"/>
+                        <a:t>26</a:t>
+                      </a:r>
+                    </a:p>
+                    <a:p>
+                      <a:r>
+                        <a:rPr lang="zh-CN" altLang="en-US" dirty="0"/>
+                        <a:t>汉语注音字母 </a:t>
+                      </a:r>
+                      <a:r>
+                        <a:rPr lang="en-US" altLang="zh-CN" dirty="0"/>
+                        <a:t>37</a:t>
+                      </a:r>
+                      <a:endParaRPr lang="zh-CN" altLang="en-US" dirty="0"/>
+                    </a:p>
+                  </a:txBody>
+                  <a:tcPr/>
+                </a:tc>
+                <a:extLst>
+                  <a:ext uri="{0D108BD9-81ED-4DB2-BD59-A6C34878D82A}">
+                    <a16:rowId xmlns:a16="http://schemas.microsoft.com/office/drawing/2014/main" val="3646068171"/>
+                  </a:ext>
+                </a:extLst>
+              </a:tr>
+              <a:tr h="370840">
+                <a:tc>
+                  <a:txBody>
+                    <a:bodyPr/>
+                    <a:lstStyle/>
+                    <a:p>
+                      <a:r>
+                        <a:rPr lang="en-US" altLang="zh-CN" dirty="0"/>
+                        <a:t>176-215</a:t>
+                      </a:r>
+                      <a:endParaRPr lang="zh-CN" altLang="en-US" dirty="0"/>
+                    </a:p>
+                  </a:txBody>
+                  <a:tcPr/>
+                </a:tc>
+                <a:tc>
+                  <a:txBody>
+                    <a:bodyPr/>
+                    <a:lstStyle/>
+                    <a:p>
+                      <a:r>
+                        <a:rPr lang="zh-CN" altLang="en-US" dirty="0"/>
+                        <a:t>一级汉字 </a:t>
+                      </a:r>
+                      <a:r>
+                        <a:rPr lang="en-US" altLang="zh-CN" dirty="0"/>
+                        <a:t>3755</a:t>
+                      </a:r>
+                    </a:p>
+                    <a:p>
+                      <a:r>
+                        <a:rPr lang="zh-CN" altLang="en-US" dirty="0"/>
+                        <a:t>按汉语拼音顺序排序</a:t>
+                      </a:r>
+                    </a:p>
+                  </a:txBody>
+                  <a:tcPr/>
+                </a:tc>
+                <a:extLst>
+                  <a:ext uri="{0D108BD9-81ED-4DB2-BD59-A6C34878D82A}">
+                    <a16:rowId xmlns:a16="http://schemas.microsoft.com/office/drawing/2014/main" val="2648599707"/>
+                  </a:ext>
+                </a:extLst>
+              </a:tr>
+              <a:tr h="370840">
+                <a:tc>
+                  <a:txBody>
+                    <a:bodyPr/>
+                    <a:lstStyle/>
+                    <a:p>
+                      <a:r>
+                        <a:rPr lang="en-US" altLang="zh-CN" dirty="0"/>
+                        <a:t>216-247</a:t>
+                      </a:r>
+                      <a:endParaRPr lang="zh-CN" altLang="en-US" dirty="0"/>
+                    </a:p>
+                  </a:txBody>
+                  <a:tcPr/>
+                </a:tc>
+                <a:tc>
+                  <a:txBody>
+                    <a:bodyPr/>
+                    <a:lstStyle/>
+                    <a:p>
+                      <a:r>
+                        <a:rPr lang="zh-CN" altLang="en-US" dirty="0"/>
+                        <a:t>二级汉字 </a:t>
+                      </a:r>
+                      <a:r>
+                        <a:rPr lang="en-US" altLang="zh-CN" dirty="0"/>
+                        <a:t>3008</a:t>
+                      </a:r>
+                    </a:p>
+                    <a:p>
+                      <a:r>
+                        <a:rPr lang="zh-CN" altLang="en-US" dirty="0"/>
+                        <a:t>按照部首排序</a:t>
+                      </a:r>
+                    </a:p>
+                  </a:txBody>
+                  <a:tcPr/>
+                </a:tc>
+                <a:extLst>
+                  <a:ext uri="{0D108BD9-81ED-4DB2-BD59-A6C34878D82A}">
+                    <a16:rowId xmlns:a16="http://schemas.microsoft.com/office/drawing/2014/main" val="3838666753"/>
+                  </a:ext>
+                </a:extLst>
+              </a:tr>
+            </a:tbl>
+          </a:graphicData>
+        </a:graphic>
+      </p:graphicFrame>
     </p:spTree>
     <p:extLst>
       <p:ext uri="{BB962C8B-B14F-4D97-AF65-F5344CB8AC3E}">
-        <p14:creationId xmlns:p14="http://schemas.microsoft.com/office/powerpoint/2010/main" val="2493747874"/>
+        <p14:creationId xmlns:p14="http://schemas.microsoft.com/office/powerpoint/2010/main" val="2153083693"/>
       </p:ext>
     </p:extLst>
   </p:cSld>
@@ -9594,7 +10973,7 @@
           <p:cNvPr id="2" name="标题 1">
             <a:extLst>
               <a:ext uri="{FF2B5EF4-FFF2-40B4-BE49-F238E27FC236}">
-                <a16:creationId xmlns:a16="http://schemas.microsoft.com/office/drawing/2014/main" id="{9CA138BD-9DE3-4862-BBC0-0419488DA8F8}"/>
+                <a16:creationId xmlns:a16="http://schemas.microsoft.com/office/drawing/2014/main" id="{4D477233-8365-47AA-8D8D-0BE88F1C4762}"/>
               </a:ext>
             </a:extLst>
           </p:cNvPr>
@@ -9611,10 +10990,9 @@
           <a:lstStyle/>
           <a:p>
             <a:r>
-              <a:rPr lang="en-US" altLang="zh-CN" dirty="0"/>
-              <a:t>GB 18030</a:t>
-            </a:r>
-            <a:endParaRPr lang="zh-CN" altLang="en-US" dirty="0"/>
+              <a:rPr lang="zh-CN" altLang="en-US" b="1" dirty="0"/>
+              <a:t>区位码</a:t>
+            </a:r>
           </a:p>
         </p:txBody>
       </p:sp>
@@ -9623,7 +11001,7 @@
           <p:cNvPr id="3" name="内容占位符 2">
             <a:extLst>
               <a:ext uri="{FF2B5EF4-FFF2-40B4-BE49-F238E27FC236}">
-                <a16:creationId xmlns:a16="http://schemas.microsoft.com/office/drawing/2014/main" id="{ED82A659-EF0E-4B57-9949-90CDE90E9AD4}"/>
+                <a16:creationId xmlns:a16="http://schemas.microsoft.com/office/drawing/2014/main" id="{7D18D2EC-7753-45F9-8177-6DA467D3F6EA}"/>
               </a:ext>
             </a:extLst>
           </p:cNvPr>
@@ -9634,204 +11012,231 @@
             <p:ph idx="1"/>
           </p:nvPr>
         </p:nvSpPr>
-        <p:spPr/>
-        <p:txBody>
-          <a:bodyPr/>
+        <p:spPr>
+          <a:xfrm>
+            <a:off x="130906" y="2032577"/>
+            <a:ext cx="5049494" cy="2721006"/>
+          </a:xfrm>
+        </p:spPr>
+        <p:txBody>
+          <a:bodyPr>
+            <a:normAutofit/>
+          </a:bodyPr>
           <a:lstStyle/>
           <a:p>
             <a:r>
-              <a:rPr lang="en-US" altLang="zh-CN" b="1" dirty="0"/>
-              <a:t>GB 18030</a:t>
-            </a:r>
-            <a:r>
-              <a:rPr lang="zh-CN" altLang="en-US" dirty="0"/>
-              <a:t>，全称</a:t>
+              <a:rPr lang="zh-CN" altLang="en-US" dirty="0"/>
+              <a:t>区码：前两位</a:t>
+            </a:r>
+            <a:endParaRPr lang="en-US" altLang="zh-CN" dirty="0"/>
+          </a:p>
+          <a:p>
+            <a:r>
+              <a:rPr lang="zh-CN" altLang="en-US" dirty="0"/>
+              <a:t>位码：后两位</a:t>
+            </a:r>
+            <a:endParaRPr lang="en-US" altLang="zh-CN" dirty="0"/>
+          </a:p>
+          <a:p>
+            <a:r>
+              <a:rPr lang="zh-CN" altLang="en-US" dirty="0"/>
+              <a:t>编码空间：</a:t>
             </a:r>
             <a:r>
               <a:rPr lang="en-US" altLang="zh-CN" dirty="0"/>
-              <a:t>《</a:t>
-            </a:r>
-            <a:r>
-              <a:rPr lang="zh-CN" altLang="en-US" dirty="0"/>
-              <a:t>信息技术 中文编码字符集</a:t>
+              <a:t>94 × 94</a:t>
+            </a:r>
+          </a:p>
+          <a:p>
+            <a:r>
+              <a:rPr lang="zh-CN" altLang="en-US" dirty="0"/>
+              <a:t>每一横行叫一个“区”</a:t>
+            </a:r>
+            <a:endParaRPr lang="en-US" altLang="zh-CN" dirty="0"/>
+          </a:p>
+          <a:p>
+            <a:r>
+              <a:rPr lang="zh-CN" altLang="en-US" dirty="0"/>
+              <a:t>每个区有</a:t>
             </a:r>
             <a:r>
               <a:rPr lang="en-US" altLang="zh-CN" dirty="0"/>
-              <a:t>》</a:t>
-            </a:r>
-          </a:p>
-          <a:p>
-            <a:r>
-              <a:rPr lang="zh-CN" altLang="en-US" dirty="0"/>
-              <a:t>是</a:t>
-            </a:r>
-            <a:r>
-              <a:rPr lang="zh-CN" altLang="en-US" dirty="0">
-                <a:hlinkClick r:id="rId2">
-                  <a:extLst>
-                    <a:ext uri="{A12FA001-AC4F-418D-AE19-62706E023703}">
-                      <ahyp:hlinkClr xmlns:ahyp="http://schemas.microsoft.com/office/drawing/2018/hyperlinkcolor" val="tx"/>
-                    </a:ext>
-                  </a:extLst>
-                </a:hlinkClick>
-              </a:rPr>
-              <a:t>中华人民共和国</a:t>
-            </a:r>
-            <a:r>
-              <a:rPr lang="zh-CN" altLang="en-US" dirty="0">
-                <a:hlinkClick r:id="rId3">
-                  <a:extLst>
-                    <a:ext uri="{A12FA001-AC4F-418D-AE19-62706E023703}">
-                      <ahyp:hlinkClr xmlns:ahyp="http://schemas.microsoft.com/office/drawing/2018/hyperlinkcolor" val="tx"/>
-                    </a:ext>
-                  </a:extLst>
-                </a:hlinkClick>
-              </a:rPr>
-              <a:t>国家标准</a:t>
-            </a:r>
-            <a:r>
-              <a:rPr lang="zh-CN" altLang="en-US" dirty="0"/>
-              <a:t>所规定的变长多字节字符集。</a:t>
+              <a:t>94</a:t>
+            </a:r>
+            <a:r>
+              <a:rPr lang="zh-CN" altLang="en-US" dirty="0"/>
+              <a:t>个“位”</a:t>
             </a:r>
             <a:endParaRPr lang="en-US" altLang="zh-CN" dirty="0"/>
           </a:p>
           <a:p>
             <a:r>
               <a:rPr lang="zh-CN" altLang="en-US" dirty="0"/>
-              <a:t>对</a:t>
-            </a:r>
-            <a:r>
-              <a:rPr lang="en-US" altLang="zh-CN" dirty="0"/>
-              <a:t>GB 2312-1980</a:t>
-            </a:r>
-            <a:r>
-              <a:rPr lang="zh-CN" altLang="en-US" dirty="0"/>
-              <a:t>完全</a:t>
-            </a:r>
-            <a:r>
-              <a:rPr lang="zh-CN" altLang="en-US" dirty="0">
-                <a:hlinkClick r:id="rId4">
-                  <a:extLst>
-                    <a:ext uri="{A12FA001-AC4F-418D-AE19-62706E023703}">
-                      <ahyp:hlinkClr xmlns:ahyp="http://schemas.microsoft.com/office/drawing/2018/hyperlinkcolor" val="tx"/>
-                    </a:ext>
-                  </a:extLst>
-                </a:hlinkClick>
-              </a:rPr>
-              <a:t>向后兼容</a:t>
-            </a:r>
-            <a:endParaRPr lang="en-US" altLang="zh-CN" dirty="0"/>
-          </a:p>
-          <a:p>
-            <a:r>
-              <a:rPr lang="zh-CN" altLang="en-US" dirty="0"/>
-              <a:t>与</a:t>
-            </a:r>
-            <a:r>
-              <a:rPr lang="en-US" altLang="zh-CN" dirty="0">
-                <a:hlinkClick r:id="rId5">
-                  <a:extLst>
-                    <a:ext uri="{A12FA001-AC4F-418D-AE19-62706E023703}">
-                      <ahyp:hlinkClr xmlns:ahyp="http://schemas.microsoft.com/office/drawing/2018/hyperlinkcolor" val="tx"/>
-                    </a:ext>
-                  </a:extLst>
-                </a:hlinkClick>
-              </a:rPr>
-              <a:t>GBK</a:t>
-            </a:r>
-            <a:r>
-              <a:rPr lang="zh-CN" altLang="en-US" dirty="0"/>
-              <a:t>基本</a:t>
-            </a:r>
-            <a:r>
-              <a:rPr lang="zh-CN" altLang="en-US" dirty="0">
-                <a:hlinkClick r:id="rId4">
-                  <a:extLst>
-                    <a:ext uri="{A12FA001-AC4F-418D-AE19-62706E023703}">
-                      <ahyp:hlinkClr xmlns:ahyp="http://schemas.microsoft.com/office/drawing/2018/hyperlinkcolor" val="tx"/>
-                    </a:ext>
-                  </a:extLst>
-                </a:hlinkClick>
-              </a:rPr>
-              <a:t>向后兼容</a:t>
-            </a:r>
-            <a:endParaRPr lang="en-US" altLang="zh-CN" dirty="0"/>
-          </a:p>
-          <a:p>
-            <a:r>
-              <a:rPr lang="zh-CN" altLang="en-US" dirty="0"/>
-              <a:t>支持</a:t>
-            </a:r>
-            <a:r>
-              <a:rPr lang="en-US" altLang="zh-CN" dirty="0">
-                <a:hlinkClick r:id="rId6">
-                  <a:extLst>
-                    <a:ext uri="{A12FA001-AC4F-418D-AE19-62706E023703}">
-                      <ahyp:hlinkClr xmlns:ahyp="http://schemas.microsoft.com/office/drawing/2018/hyperlinkcolor" val="tx"/>
-                    </a:ext>
-                  </a:extLst>
-                </a:hlinkClick>
-              </a:rPr>
-              <a:t>Unicode</a:t>
-            </a:r>
-            <a:r>
-              <a:rPr lang="zh-CN" altLang="en-US" dirty="0"/>
-              <a:t>（</a:t>
-            </a:r>
-            <a:r>
-              <a:rPr lang="en-US" altLang="zh-CN" dirty="0"/>
-              <a:t>GB 13000</a:t>
-            </a:r>
-            <a:r>
-              <a:rPr lang="zh-CN" altLang="en-US" dirty="0"/>
-              <a:t>）的所有码位。</a:t>
-            </a:r>
-            <a:endParaRPr lang="en-US" altLang="zh-CN" dirty="0"/>
-          </a:p>
-          <a:p>
-            <a:r>
-              <a:rPr lang="en-US" altLang="zh-CN" dirty="0"/>
-              <a:t>GB 18030</a:t>
-            </a:r>
-            <a:r>
-              <a:rPr lang="zh-CN" altLang="en-US" dirty="0"/>
-              <a:t>共收录汉字</a:t>
-            </a:r>
-            <a:r>
-              <a:rPr lang="en-US" altLang="zh-CN" dirty="0"/>
-              <a:t>70,244</a:t>
-            </a:r>
-            <a:r>
-              <a:rPr lang="zh-CN" altLang="en-US" dirty="0"/>
-              <a:t>个。</a:t>
-            </a:r>
-            <a:endParaRPr lang="en-US" altLang="zh-CN" dirty="0"/>
-          </a:p>
-          <a:p>
-            <a:r>
-              <a:rPr lang="zh-CN" altLang="en-US" dirty="0"/>
-              <a:t>发布日期</a:t>
-            </a:r>
-            <a:r>
-              <a:rPr lang="en-US" altLang="zh-CN" dirty="0"/>
-              <a:t>2000-3-17</a:t>
-            </a:r>
-            <a:r>
-              <a:rPr lang="zh-CN" altLang="en-US" dirty="0"/>
-              <a:t>；</a:t>
-            </a:r>
-            <a:r>
-              <a:rPr lang="en-US" altLang="zh-CN" dirty="0"/>
-              <a:t>2005-11-8</a:t>
-            </a:r>
-            <a:endParaRPr lang="zh-CN" altLang="en-US" dirty="0"/>
-          </a:p>
-        </p:txBody>
-      </p:sp>
+              <a:t>汉字在方阵中的坐标称为“区位码”</a:t>
+            </a:r>
+          </a:p>
+        </p:txBody>
+      </p:sp>
+      <p:pic>
+        <p:nvPicPr>
+          <p:cNvPr id="4" name="图片 3">
+            <a:extLst>
+              <a:ext uri="{FF2B5EF4-FFF2-40B4-BE49-F238E27FC236}">
+                <a16:creationId xmlns:a16="http://schemas.microsoft.com/office/drawing/2014/main" id="{956ADF22-4A19-4E78-BA29-B93E33712C8D}"/>
+              </a:ext>
+            </a:extLst>
+          </p:cNvPr>
+          <p:cNvPicPr>
+            <a:picLocks noChangeAspect="1"/>
+          </p:cNvPicPr>
+          <p:nvPr/>
+        </p:nvPicPr>
+        <p:blipFill>
+          <a:blip r:embed="rId2"/>
+          <a:stretch>
+            <a:fillRect/>
+          </a:stretch>
+        </p:blipFill>
+        <p:spPr>
+          <a:xfrm>
+            <a:off x="456155" y="4852878"/>
+            <a:ext cx="3538671" cy="1753724"/>
+          </a:xfrm>
+          <a:prstGeom prst="rect">
+            <a:avLst/>
+          </a:prstGeom>
+        </p:spPr>
+      </p:pic>
+      <p:sp>
+        <p:nvSpPr>
+          <p:cNvPr id="6" name="文本框 5">
+            <a:extLst>
+              <a:ext uri="{FF2B5EF4-FFF2-40B4-BE49-F238E27FC236}">
+                <a16:creationId xmlns:a16="http://schemas.microsoft.com/office/drawing/2014/main" id="{42AA62A4-9332-4B89-9D31-7E0C19D38A07}"/>
+              </a:ext>
+            </a:extLst>
+          </p:cNvPr>
+          <p:cNvSpPr txBox="1"/>
+          <p:nvPr/>
+        </p:nvSpPr>
+        <p:spPr>
+          <a:xfrm>
+            <a:off x="387013" y="6539114"/>
+            <a:ext cx="4312596" cy="246221"/>
+          </a:xfrm>
+          <a:prstGeom prst="rect">
+            <a:avLst/>
+          </a:prstGeom>
+          <a:noFill/>
+        </p:spPr>
+        <p:txBody>
+          <a:bodyPr wrap="square">
+            <a:spAutoFit/>
+          </a:bodyPr>
+          <a:lstStyle/>
+          <a:p>
+            <a:r>
+              <a:rPr lang="en-US" altLang="zh-CN" sz="1000" dirty="0"/>
+              <a:t>https://zhuanlan.zhihu.com/p/27120673</a:t>
+            </a:r>
+            <a:endParaRPr lang="zh-CN" altLang="en-US" sz="1000" dirty="0"/>
+          </a:p>
+        </p:txBody>
+      </p:sp>
+      <p:pic>
+        <p:nvPicPr>
+          <p:cNvPr id="10" name="图片 9">
+            <a:extLst>
+              <a:ext uri="{FF2B5EF4-FFF2-40B4-BE49-F238E27FC236}">
+                <a16:creationId xmlns:a16="http://schemas.microsoft.com/office/drawing/2014/main" id="{7F695181-6DFD-48E3-8095-F83A981F314A}"/>
+              </a:ext>
+            </a:extLst>
+          </p:cNvPr>
+          <p:cNvPicPr>
+            <a:picLocks noChangeAspect="1"/>
+          </p:cNvPicPr>
+          <p:nvPr/>
+        </p:nvPicPr>
+        <p:blipFill>
+          <a:blip r:embed="rId3"/>
+          <a:stretch>
+            <a:fillRect/>
+          </a:stretch>
+        </p:blipFill>
+        <p:spPr>
+          <a:xfrm>
+            <a:off x="5180399" y="317189"/>
+            <a:ext cx="2261379" cy="3186529"/>
+          </a:xfrm>
+          <a:prstGeom prst="rect">
+            <a:avLst/>
+          </a:prstGeom>
+        </p:spPr>
+      </p:pic>
+      <p:pic>
+        <p:nvPicPr>
+          <p:cNvPr id="8" name="图片 7">
+            <a:extLst>
+              <a:ext uri="{FF2B5EF4-FFF2-40B4-BE49-F238E27FC236}">
+                <a16:creationId xmlns:a16="http://schemas.microsoft.com/office/drawing/2014/main" id="{6F55813F-93B6-4461-B519-25C74B55FAA6}"/>
+              </a:ext>
+            </a:extLst>
+          </p:cNvPr>
+          <p:cNvPicPr>
+            <a:picLocks noChangeAspect="1"/>
+          </p:cNvPicPr>
+          <p:nvPr/>
+        </p:nvPicPr>
+        <p:blipFill>
+          <a:blip r:embed="rId4"/>
+          <a:stretch>
+            <a:fillRect/>
+          </a:stretch>
+        </p:blipFill>
+        <p:spPr>
+          <a:xfrm>
+            <a:off x="5180399" y="3775517"/>
+            <a:ext cx="6624588" cy="3009818"/>
+          </a:xfrm>
+          <a:prstGeom prst="rect">
+            <a:avLst/>
+          </a:prstGeom>
+        </p:spPr>
+      </p:pic>
+      <p:pic>
+        <p:nvPicPr>
+          <p:cNvPr id="12" name="图片 11">
+            <a:extLst>
+              <a:ext uri="{FF2B5EF4-FFF2-40B4-BE49-F238E27FC236}">
+                <a16:creationId xmlns:a16="http://schemas.microsoft.com/office/drawing/2014/main" id="{B90256E7-6593-49B2-913B-A7A7FD317877}"/>
+              </a:ext>
+            </a:extLst>
+          </p:cNvPr>
+          <p:cNvPicPr>
+            <a:picLocks noChangeAspect="1"/>
+          </p:cNvPicPr>
+          <p:nvPr/>
+        </p:nvPicPr>
+        <p:blipFill>
+          <a:blip r:embed="rId5"/>
+          <a:stretch>
+            <a:fillRect/>
+          </a:stretch>
+        </p:blipFill>
+        <p:spPr>
+          <a:xfrm>
+            <a:off x="8368069" y="295420"/>
+            <a:ext cx="3436918" cy="3208298"/>
+          </a:xfrm>
+          <a:prstGeom prst="rect">
+            <a:avLst/>
+          </a:prstGeom>
+        </p:spPr>
+      </p:pic>
     </p:spTree>
     <p:extLst>
       <p:ext uri="{BB962C8B-B14F-4D97-AF65-F5344CB8AC3E}">
-        <p14:creationId xmlns:p14="http://schemas.microsoft.com/office/powerpoint/2010/main" val="3783740009"/>
+        <p14:creationId xmlns:p14="http://schemas.microsoft.com/office/powerpoint/2010/main" val="2643247645"/>
       </p:ext>
     </p:extLst>
   </p:cSld>

--- a/PPT-2020/ch06 字符编码与字频统计.pptx
+++ b/PPT-2020/ch06 字符编码与字频统计.pptx
@@ -16,10 +16,18 @@
     <p:sldId id="271" r:id="rId10"/>
     <p:sldId id="264" r:id="rId11"/>
     <p:sldId id="265" r:id="rId12"/>
-    <p:sldId id="262" r:id="rId13"/>
-    <p:sldId id="267" r:id="rId14"/>
-    <p:sldId id="260" r:id="rId15"/>
-    <p:sldId id="261" r:id="rId16"/>
+    <p:sldId id="272" r:id="rId13"/>
+    <p:sldId id="273" r:id="rId14"/>
+    <p:sldId id="274" r:id="rId15"/>
+    <p:sldId id="275" r:id="rId16"/>
+    <p:sldId id="276" r:id="rId17"/>
+    <p:sldId id="277" r:id="rId18"/>
+    <p:sldId id="278" r:id="rId19"/>
+    <p:sldId id="262" r:id="rId20"/>
+    <p:sldId id="267" r:id="rId21"/>
+    <p:sldId id="279" r:id="rId22"/>
+    <p:sldId id="260" r:id="rId23"/>
+    <p:sldId id="261" r:id="rId24"/>
   </p:sldIdLst>
   <p:sldSz cx="12192000" cy="6858000"/>
   <p:notesSz cx="6858000" cy="9144000"/>
@@ -400,7 +408,7 @@
           <a:p>
             <a:fld id="{B161E7BD-2304-4CFF-AC2E-DAADCB15FF3C}" type="datetimeFigureOut">
               <a:rPr lang="zh-CN" altLang="en-US" smtClean="0"/>
-              <a:t>2020/8/19</a:t>
+              <a:t>2020/8/20</a:t>
             </a:fld>
             <a:endParaRPr lang="zh-CN" altLang="en-US"/>
           </a:p>
@@ -814,7 +822,7 @@
           <a:p>
             <a:fld id="{B161E7BD-2304-4CFF-AC2E-DAADCB15FF3C}" type="datetimeFigureOut">
               <a:rPr lang="zh-CN" altLang="en-US" smtClean="0"/>
-              <a:t>2020/8/19</a:t>
+              <a:t>2020/8/20</a:t>
             </a:fld>
             <a:endParaRPr lang="zh-CN" altLang="en-US"/>
           </a:p>
@@ -1150,7 +1158,7 @@
           <a:p>
             <a:fld id="{B161E7BD-2304-4CFF-AC2E-DAADCB15FF3C}" type="datetimeFigureOut">
               <a:rPr lang="zh-CN" altLang="en-US" smtClean="0"/>
-              <a:t>2020/8/19</a:t>
+              <a:t>2020/8/20</a:t>
             </a:fld>
             <a:endParaRPr lang="zh-CN" altLang="en-US"/>
           </a:p>
@@ -1555,7 +1563,7 @@
           <a:p>
             <a:fld id="{B161E7BD-2304-4CFF-AC2E-DAADCB15FF3C}" type="datetimeFigureOut">
               <a:rPr lang="zh-CN" altLang="en-US" smtClean="0"/>
-              <a:t>2020/8/19</a:t>
+              <a:t>2020/8/20</a:t>
             </a:fld>
             <a:endParaRPr lang="zh-CN" altLang="en-US"/>
           </a:p>
@@ -2123,7 +2131,7 @@
           <a:p>
             <a:fld id="{B161E7BD-2304-4CFF-AC2E-DAADCB15FF3C}" type="datetimeFigureOut">
               <a:rPr lang="zh-CN" altLang="en-US" smtClean="0"/>
-              <a:t>2020/8/19</a:t>
+              <a:t>2020/8/20</a:t>
             </a:fld>
             <a:endParaRPr lang="zh-CN" altLang="en-US"/>
           </a:p>
@@ -2804,7 +2812,7 @@
           <a:p>
             <a:fld id="{B161E7BD-2304-4CFF-AC2E-DAADCB15FF3C}" type="datetimeFigureOut">
               <a:rPr lang="zh-CN" altLang="en-US" smtClean="0"/>
-              <a:t>2020/8/19</a:t>
+              <a:t>2020/8/20</a:t>
             </a:fld>
             <a:endParaRPr lang="zh-CN" altLang="en-US"/>
           </a:p>
@@ -3717,7 +3725,7 @@
           <a:p>
             <a:fld id="{B161E7BD-2304-4CFF-AC2E-DAADCB15FF3C}" type="datetimeFigureOut">
               <a:rPr lang="zh-CN" altLang="en-US" smtClean="0"/>
-              <a:t>2020/8/19</a:t>
+              <a:t>2020/8/20</a:t>
             </a:fld>
             <a:endParaRPr lang="zh-CN" altLang="en-US"/>
           </a:p>
@@ -4030,7 +4038,7 @@
           <a:p>
             <a:fld id="{B161E7BD-2304-4CFF-AC2E-DAADCB15FF3C}" type="datetimeFigureOut">
               <a:rPr lang="zh-CN" altLang="en-US" smtClean="0"/>
-              <a:t>2020/8/19</a:t>
+              <a:t>2020/8/20</a:t>
             </a:fld>
             <a:endParaRPr lang="zh-CN" altLang="en-US"/>
           </a:p>
@@ -4294,7 +4302,7 @@
           <a:p>
             <a:fld id="{B161E7BD-2304-4CFF-AC2E-DAADCB15FF3C}" type="datetimeFigureOut">
               <a:rPr lang="zh-CN" altLang="en-US" smtClean="0"/>
-              <a:t>2020/8/19</a:t>
+              <a:t>2020/8/20</a:t>
             </a:fld>
             <a:endParaRPr lang="zh-CN" altLang="en-US"/>
           </a:p>
@@ -4617,7 +4625,7 @@
           <a:p>
             <a:fld id="{B161E7BD-2304-4CFF-AC2E-DAADCB15FF3C}" type="datetimeFigureOut">
               <a:rPr lang="zh-CN" altLang="en-US" smtClean="0"/>
-              <a:t>2020/8/19</a:t>
+              <a:t>2020/8/20</a:t>
             </a:fld>
             <a:endParaRPr lang="zh-CN" altLang="en-US"/>
           </a:p>
@@ -5006,7 +5014,7 @@
           <a:p>
             <a:fld id="{B161E7BD-2304-4CFF-AC2E-DAADCB15FF3C}" type="datetimeFigureOut">
               <a:rPr lang="zh-CN" altLang="en-US" smtClean="0"/>
-              <a:t>2020/8/19</a:t>
+              <a:t>2020/8/20</a:t>
             </a:fld>
             <a:endParaRPr lang="zh-CN" altLang="en-US"/>
           </a:p>
@@ -5382,7 +5390,7 @@
           <a:p>
             <a:fld id="{B161E7BD-2304-4CFF-AC2E-DAADCB15FF3C}" type="datetimeFigureOut">
               <a:rPr lang="zh-CN" altLang="en-US" smtClean="0"/>
-              <a:t>2020/8/19</a:t>
+              <a:t>2020/8/20</a:t>
             </a:fld>
             <a:endParaRPr lang="zh-CN" altLang="en-US"/>
           </a:p>
@@ -5888,7 +5896,7 @@
           <a:p>
             <a:fld id="{B161E7BD-2304-4CFF-AC2E-DAADCB15FF3C}" type="datetimeFigureOut">
               <a:rPr lang="zh-CN" altLang="en-US" smtClean="0"/>
-              <a:t>2020/8/19</a:t>
+              <a:t>2020/8/20</a:t>
             </a:fld>
             <a:endParaRPr lang="zh-CN" altLang="en-US"/>
           </a:p>
@@ -6145,7 +6153,7 @@
           <a:p>
             <a:fld id="{B161E7BD-2304-4CFF-AC2E-DAADCB15FF3C}" type="datetimeFigureOut">
               <a:rPr lang="zh-CN" altLang="en-US" smtClean="0"/>
-              <a:t>2020/8/19</a:t>
+              <a:t>2020/8/20</a:t>
             </a:fld>
             <a:endParaRPr lang="zh-CN" altLang="en-US"/>
           </a:p>
@@ -6308,7 +6316,7 @@
           <a:p>
             <a:fld id="{B161E7BD-2304-4CFF-AC2E-DAADCB15FF3C}" type="datetimeFigureOut">
               <a:rPr lang="zh-CN" altLang="en-US" smtClean="0"/>
-              <a:t>2020/8/19</a:t>
+              <a:t>2020/8/20</a:t>
             </a:fld>
             <a:endParaRPr lang="zh-CN" altLang="en-US"/>
           </a:p>
@@ -6698,7 +6706,7 @@
           <a:p>
             <a:fld id="{B161E7BD-2304-4CFF-AC2E-DAADCB15FF3C}" type="datetimeFigureOut">
               <a:rPr lang="zh-CN" altLang="en-US" smtClean="0"/>
-              <a:t>2020/8/19</a:t>
+              <a:t>2020/8/20</a:t>
             </a:fld>
             <a:endParaRPr lang="zh-CN" altLang="en-US"/>
           </a:p>
@@ -7107,7 +7115,7 @@
           <a:p>
             <a:fld id="{B161E7BD-2304-4CFF-AC2E-DAADCB15FF3C}" type="datetimeFigureOut">
               <a:rPr lang="zh-CN" altLang="en-US" smtClean="0"/>
-              <a:t>2020/8/19</a:t>
+              <a:t>2020/8/20</a:t>
             </a:fld>
             <a:endParaRPr lang="zh-CN" altLang="en-US"/>
           </a:p>
@@ -7351,7 +7359,7 @@
           <a:p>
             <a:fld id="{B161E7BD-2304-4CFF-AC2E-DAADCB15FF3C}" type="datetimeFigureOut">
               <a:rPr lang="zh-CN" altLang="en-US" smtClean="0"/>
-              <a:t>2020/8/19</a:t>
+              <a:t>2020/8/20</a:t>
             </a:fld>
             <a:endParaRPr lang="zh-CN" altLang="en-US"/>
           </a:p>
@@ -7942,7 +7950,7 @@
             </a:r>
             <a:r>
               <a:rPr lang="en-US" altLang="zh-CN" dirty="0"/>
-              <a:t>big5</a:t>
+              <a:t>Big5</a:t>
             </a:r>
             <a:endParaRPr lang="zh-CN" altLang="en-US" dirty="0"/>
           </a:p>
@@ -7964,19 +7972,37 @@
             <p:ph idx="1"/>
           </p:nvPr>
         </p:nvSpPr>
-        <p:spPr/>
+        <p:spPr>
+          <a:xfrm>
+            <a:off x="531164" y="2713009"/>
+            <a:ext cx="10720496" cy="3599316"/>
+          </a:xfrm>
+          <a:noFill/>
+          <a:ln>
+            <a:noFill/>
+          </a:ln>
+        </p:spPr>
         <p:txBody>
           <a:bodyPr>
             <a:normAutofit/>
           </a:bodyPr>
           <a:lstStyle/>
           <a:p>
-            <a:pPr marL="0" indent="0">
-              <a:buNone/>
-            </a:pPr>
-            <a:r>
-              <a:rPr lang="zh-CN" altLang="en-US" dirty="0"/>
-              <a:t>台湾、香港与澳门地区，使用的繁体中文字符集。</a:t>
+            <a:r>
+              <a:rPr lang="zh-CN" altLang="en-US" dirty="0"/>
+              <a:t>中国台湾、香港与澳门地区，使用的</a:t>
+            </a:r>
+            <a:r>
+              <a:rPr lang="zh-CN" altLang="en-US" b="1" dirty="0">
+                <a:solidFill>
+                  <a:schemeClr val="bg1"/>
+                </a:solidFill>
+              </a:rPr>
+              <a:t>繁体中文字符集</a:t>
+            </a:r>
+            <a:r>
+              <a:rPr lang="zh-CN" altLang="en-US" dirty="0"/>
+              <a:t>。</a:t>
             </a:r>
             <a:endParaRPr lang="en-US" altLang="zh-CN" dirty="0"/>
           </a:p>
@@ -7984,53 +8010,112 @@
             <a:endParaRPr lang="en-US" altLang="zh-CN" dirty="0"/>
           </a:p>
           <a:p>
-            <a:pPr marL="0" indent="0">
-              <a:buNone/>
-            </a:pPr>
-            <a:r>
-              <a:rPr lang="zh-CN" altLang="en-US" dirty="0"/>
-              <a:t>为统一繁体字符集编码，</a:t>
-            </a:r>
             <a:r>
               <a:rPr lang="en-US" altLang="zh-CN" dirty="0"/>
               <a:t>1984</a:t>
             </a:r>
             <a:r>
               <a:rPr lang="zh-CN" altLang="en-US" dirty="0"/>
-              <a:t>年，台湾五大厂商</a:t>
-            </a:r>
-            <a:r>
-              <a:rPr lang="zh-CN" altLang="en-US" u="sng" dirty="0"/>
-              <a:t>宏碁、神通、佳佳、零壹、大众</a:t>
-            </a:r>
-            <a:r>
-              <a:rPr lang="zh-CN" altLang="en-US" dirty="0"/>
-              <a:t>制定了一种繁体中文编码方案。</a:t>
+              <a:t>年，为统一繁体字符集编码，台湾五大厂商制定编码方案。</a:t>
             </a:r>
             <a:endParaRPr lang="en-US" altLang="zh-CN" dirty="0"/>
           </a:p>
           <a:p>
-            <a:pPr marL="0" indent="0">
-              <a:buNone/>
-            </a:pPr>
             <a:endParaRPr lang="en-US" altLang="zh-CN" dirty="0"/>
           </a:p>
           <a:p>
-            <a:pPr marL="0" indent="0">
-              <a:buNone/>
-            </a:pPr>
             <a:r>
               <a:rPr lang="zh-CN" altLang="en-US" dirty="0"/>
               <a:t>因其来源被称为五大码，英文写作</a:t>
             </a:r>
             <a:r>
-              <a:rPr lang="en-US" altLang="zh-CN" dirty="0"/>
+              <a:rPr lang="en-US" altLang="zh-CN" b="1" dirty="0">
+                <a:solidFill>
+                  <a:schemeClr val="bg1"/>
+                </a:solidFill>
+              </a:rPr>
               <a:t>Big5</a:t>
             </a:r>
             <a:r>
               <a:rPr lang="zh-CN" altLang="en-US" dirty="0"/>
-              <a:t>，普遍被称为大五码。</a:t>
-            </a:r>
+              <a:t>，普遍被称为</a:t>
+            </a:r>
+            <a:r>
+              <a:rPr lang="zh-CN" altLang="en-US" b="1" dirty="0">
+                <a:solidFill>
+                  <a:schemeClr val="bg1"/>
+                </a:solidFill>
+              </a:rPr>
+              <a:t>大五码</a:t>
+            </a:r>
+            <a:r>
+              <a:rPr lang="zh-CN" altLang="en-US" dirty="0"/>
+              <a:t>。</a:t>
+            </a:r>
+          </a:p>
+        </p:txBody>
+      </p:sp>
+      <p:sp>
+        <p:nvSpPr>
+          <p:cNvPr id="5" name="文本框 4">
+            <a:extLst>
+              <a:ext uri="{FF2B5EF4-FFF2-40B4-BE49-F238E27FC236}">
+                <a16:creationId xmlns:a16="http://schemas.microsoft.com/office/drawing/2014/main" id="{1E943F1A-0B26-4DC2-94BA-DA279AE5465D}"/>
+              </a:ext>
+            </a:extLst>
+          </p:cNvPr>
+          <p:cNvSpPr txBox="1"/>
+          <p:nvPr/>
+        </p:nvSpPr>
+        <p:spPr>
+          <a:xfrm>
+            <a:off x="615470" y="6411463"/>
+            <a:ext cx="6096000" cy="276999"/>
+          </a:xfrm>
+          <a:prstGeom prst="rect">
+            <a:avLst/>
+          </a:prstGeom>
+          <a:noFill/>
+        </p:spPr>
+        <p:txBody>
+          <a:bodyPr wrap="square">
+            <a:spAutoFit/>
+          </a:bodyPr>
+          <a:lstStyle/>
+          <a:p>
+            <a:r>
+              <a:rPr lang="zh-CN" altLang="en-US" sz="1200" dirty="0"/>
+              <a:t>五大厂：宏碁 </a:t>
+            </a:r>
+            <a:r>
+              <a:rPr lang="en-US" altLang="zh-CN" sz="1200" dirty="0"/>
+              <a:t>Acer</a:t>
+            </a:r>
+            <a:r>
+              <a:rPr lang="zh-CN" altLang="en-US" sz="1200" dirty="0"/>
+              <a:t>、神通 </a:t>
+            </a:r>
+            <a:r>
+              <a:rPr lang="en-US" altLang="zh-CN" sz="1200" dirty="0" err="1"/>
+              <a:t>MiTAC</a:t>
+            </a:r>
+            <a:r>
+              <a:rPr lang="zh-CN" altLang="en-US" sz="1200" dirty="0"/>
+              <a:t>、佳佳、零壹 </a:t>
+            </a:r>
+            <a:r>
+              <a:rPr lang="en-US" altLang="zh-CN" sz="1200" dirty="0"/>
+              <a:t>Zero One</a:t>
+            </a:r>
+            <a:r>
+              <a:rPr lang="zh-CN" altLang="en-US" sz="1200" dirty="0"/>
+              <a:t>、大众 </a:t>
+            </a:r>
+            <a:r>
+              <a:rPr lang="en-US" altLang="zh-CN" sz="1200" dirty="0"/>
+              <a:t>FIC</a:t>
+            </a:r>
+            <a:endParaRPr lang="zh-CN" altLang="en-US" sz="1200" dirty="0"/>
           </a:p>
         </p:txBody>
       </p:sp>
@@ -8095,7 +8180,7 @@
             </a:r>
             <a:r>
               <a:rPr lang="en-US" altLang="zh-CN" dirty="0"/>
-              <a:t>ISO/IEC 10646</a:t>
+              <a:t>ISO 10646</a:t>
             </a:r>
             <a:endParaRPr lang="zh-CN" altLang="en-US" dirty="0"/>
           </a:p>
@@ -8120,190 +8205,371 @@
         <p:spPr>
           <a:xfrm>
             <a:off x="680321" y="2336872"/>
-            <a:ext cx="10629705" cy="4096353"/>
+            <a:ext cx="10629705" cy="2559383"/>
           </a:xfrm>
         </p:spPr>
         <p:txBody>
           <a:bodyPr>
-            <a:normAutofit lnSpcReduction="10000"/>
+            <a:normAutofit/>
           </a:bodyPr>
           <a:lstStyle/>
           <a:p>
             <a:r>
-              <a:rPr lang="en-US" altLang="zh-CN" dirty="0"/>
+              <a:rPr lang="en-US" altLang="zh-CN" b="1" dirty="0"/>
+              <a:t> </a:t>
+            </a:r>
+            <a:r>
+              <a:rPr lang="en-US" altLang="zh-CN" b="1" dirty="0">
+                <a:solidFill>
+                  <a:schemeClr val="bg1"/>
+                </a:solidFill>
+              </a:rPr>
+              <a:t>Unicode Consortium</a:t>
+            </a:r>
+            <a:r>
+              <a:rPr lang="zh-CN" altLang="en-US" dirty="0"/>
+              <a:t>制定可容纳世界上所有文字和符号的字符编码方案。</a:t>
+            </a:r>
+          </a:p>
+          <a:p>
+            <a:r>
+              <a:rPr lang="en-US" altLang="zh-CN" b="1" dirty="0"/>
+              <a:t> </a:t>
+            </a:r>
+            <a:r>
+              <a:rPr lang="en-US" altLang="zh-CN" b="1" dirty="0">
+                <a:solidFill>
+                  <a:schemeClr val="bg1"/>
+                </a:solidFill>
+              </a:rPr>
+              <a:t>ISO</a:t>
+            </a:r>
+            <a:r>
+              <a:rPr lang="zh-CN" altLang="en-US" dirty="0"/>
+              <a:t>针对各国文字符号统一编码制定 </a:t>
+            </a:r>
+            <a:r>
+              <a:rPr lang="en-US" altLang="zh-CN" dirty="0"/>
+              <a:t>ISO 10646</a:t>
+            </a:r>
+            <a:r>
+              <a:rPr lang="zh-CN" altLang="en-US" dirty="0"/>
+              <a:t>定义标准字符集。</a:t>
+            </a:r>
+            <a:endParaRPr lang="en-US" altLang="zh-CN" dirty="0"/>
+          </a:p>
+          <a:p>
+            <a:r>
+              <a:rPr lang="en-US" altLang="zh-CN" dirty="0"/>
+              <a:t> 1991</a:t>
+            </a:r>
+            <a:r>
+              <a:rPr lang="zh-CN" altLang="en-US" dirty="0"/>
+              <a:t>年，</a:t>
+            </a:r>
+            <a:r>
+              <a:rPr lang="zh-CN" altLang="en-US" b="1" dirty="0">
+                <a:solidFill>
+                  <a:schemeClr val="bg1"/>
+                </a:solidFill>
+              </a:rPr>
+              <a:t>两个项目合并</a:t>
+            </a:r>
+            <a:r>
+              <a:rPr lang="zh-CN" altLang="en-US" dirty="0"/>
+              <a:t>，同步发展 </a:t>
+            </a:r>
+            <a:r>
+              <a:rPr lang="en-US" altLang="zh-CN" dirty="0"/>
+              <a:t>Unicode </a:t>
+            </a:r>
+            <a:r>
+              <a:rPr lang="zh-CN" altLang="en-US" dirty="0"/>
+              <a:t>和 </a:t>
+            </a:r>
+            <a:r>
+              <a:rPr lang="en-US" altLang="zh-CN" dirty="0"/>
+              <a:t>ISO 10646 </a:t>
+            </a:r>
+            <a:r>
+              <a:rPr lang="zh-CN" altLang="en-US" dirty="0"/>
+              <a:t>。</a:t>
+            </a:r>
+            <a:endParaRPr lang="en-US" altLang="zh-CN" dirty="0"/>
+          </a:p>
+          <a:p>
+            <a:r>
+              <a:rPr lang="en-US" altLang="zh-CN" dirty="0"/>
+              <a:t> Unicode 3.0 </a:t>
+            </a:r>
+            <a:r>
+              <a:rPr lang="zh-CN" altLang="en-US" dirty="0"/>
+              <a:t>与 </a:t>
+            </a:r>
+            <a:r>
+              <a:rPr lang="en-US" altLang="zh-CN" dirty="0"/>
+              <a:t>ISO 10646 </a:t>
+            </a:r>
+            <a:r>
+              <a:rPr lang="zh-CN" altLang="en-US" dirty="0"/>
+              <a:t>使用相同的字库和字码。</a:t>
+            </a:r>
+            <a:endParaRPr lang="en-US" altLang="zh-CN" dirty="0"/>
+          </a:p>
+          <a:p>
+            <a:r>
+              <a:rPr lang="zh-CN" altLang="en-US" dirty="0"/>
+              <a:t> 两个项目仍都存在，并独立地公布各自的标准。</a:t>
+            </a:r>
+          </a:p>
+          <a:p>
+            <a:endParaRPr lang="zh-CN" altLang="en-US" dirty="0"/>
+          </a:p>
+        </p:txBody>
+      </p:sp>
+      <p:pic>
+        <p:nvPicPr>
+          <p:cNvPr id="4" name="图片 3">
+            <a:extLst>
+              <a:ext uri="{FF2B5EF4-FFF2-40B4-BE49-F238E27FC236}">
+                <a16:creationId xmlns:a16="http://schemas.microsoft.com/office/drawing/2014/main" id="{938D0F3B-F7CA-49AF-AF91-E47D05D20413}"/>
+              </a:ext>
+            </a:extLst>
+          </p:cNvPr>
+          <p:cNvPicPr>
+            <a:picLocks noChangeAspect="1"/>
+          </p:cNvPicPr>
+          <p:nvPr/>
+        </p:nvPicPr>
+        <p:blipFill>
+          <a:blip r:embed="rId2"/>
+          <a:stretch>
+            <a:fillRect/>
+          </a:stretch>
+        </p:blipFill>
+        <p:spPr>
+          <a:xfrm>
+            <a:off x="1771954" y="4896255"/>
+            <a:ext cx="964761" cy="1137402"/>
+          </a:xfrm>
+          <a:prstGeom prst="rect">
+            <a:avLst/>
+          </a:prstGeom>
+        </p:spPr>
+      </p:pic>
+      <p:sp>
+        <p:nvSpPr>
+          <p:cNvPr id="6" name="文本框 5">
+            <a:extLst>
+              <a:ext uri="{FF2B5EF4-FFF2-40B4-BE49-F238E27FC236}">
+                <a16:creationId xmlns:a16="http://schemas.microsoft.com/office/drawing/2014/main" id="{E0519577-CBD3-4D20-858C-BCDF7558BAD8}"/>
+              </a:ext>
+            </a:extLst>
+          </p:cNvPr>
+          <p:cNvSpPr txBox="1"/>
+          <p:nvPr/>
+        </p:nvSpPr>
+        <p:spPr>
+          <a:xfrm>
+            <a:off x="1178769" y="6200080"/>
+            <a:ext cx="2996119" cy="369332"/>
+          </a:xfrm>
+          <a:prstGeom prst="rect">
+            <a:avLst/>
+          </a:prstGeom>
+          <a:noFill/>
+        </p:spPr>
+        <p:txBody>
+          <a:bodyPr wrap="square">
+            <a:spAutoFit/>
+          </a:bodyPr>
+          <a:lstStyle/>
+          <a:p>
+            <a:r>
+              <a:rPr lang="en-US" altLang="zh-CN" dirty="0"/>
+              <a:t>https://home.unicode.org/</a:t>
+            </a:r>
+            <a:endParaRPr lang="zh-CN" altLang="en-US" dirty="0"/>
+          </a:p>
+        </p:txBody>
+      </p:sp>
+      <p:sp>
+        <p:nvSpPr>
+          <p:cNvPr id="10" name="文本框 9">
+            <a:extLst>
+              <a:ext uri="{FF2B5EF4-FFF2-40B4-BE49-F238E27FC236}">
+                <a16:creationId xmlns:a16="http://schemas.microsoft.com/office/drawing/2014/main" id="{21EE4A1A-E697-456A-902A-991AB63FB6F0}"/>
+              </a:ext>
+            </a:extLst>
+          </p:cNvPr>
+          <p:cNvSpPr txBox="1"/>
+          <p:nvPr/>
+        </p:nvSpPr>
+        <p:spPr>
+          <a:xfrm>
+            <a:off x="6202564" y="6076024"/>
+            <a:ext cx="4409873" cy="246221"/>
+          </a:xfrm>
+          <a:prstGeom prst="rect">
+            <a:avLst/>
+          </a:prstGeom>
+          <a:noFill/>
+        </p:spPr>
+        <p:txBody>
+          <a:bodyPr wrap="square">
+            <a:spAutoFit/>
+          </a:bodyPr>
+          <a:lstStyle/>
+          <a:p>
+            <a:r>
+              <a:rPr lang="en-US" altLang="zh-CN" sz="1000" dirty="0"/>
+              <a:t>https://www.iso.org/standard/69119.html</a:t>
+            </a:r>
+            <a:endParaRPr lang="zh-CN" altLang="en-US" sz="1000" dirty="0"/>
+          </a:p>
+        </p:txBody>
+      </p:sp>
+      <p:pic>
+        <p:nvPicPr>
+          <p:cNvPr id="14" name="图片 13">
+            <a:extLst>
+              <a:ext uri="{FF2B5EF4-FFF2-40B4-BE49-F238E27FC236}">
+                <a16:creationId xmlns:a16="http://schemas.microsoft.com/office/drawing/2014/main" id="{1717EFE8-E7CD-4F39-BE6A-532A1DF8CE76}"/>
+              </a:ext>
+            </a:extLst>
+          </p:cNvPr>
+          <p:cNvPicPr>
+            <a:picLocks noChangeAspect="1"/>
+          </p:cNvPicPr>
+          <p:nvPr/>
+        </p:nvPicPr>
+        <p:blipFill>
+          <a:blip r:embed="rId3"/>
+          <a:stretch>
+            <a:fillRect/>
+          </a:stretch>
+        </p:blipFill>
+        <p:spPr>
+          <a:xfrm>
+            <a:off x="6273900" y="4845523"/>
+            <a:ext cx="4536772" cy="1188134"/>
+          </a:xfrm>
+          <a:prstGeom prst="rect">
+            <a:avLst/>
+          </a:prstGeom>
+        </p:spPr>
+      </p:pic>
+      <p:sp>
+        <p:nvSpPr>
+          <p:cNvPr id="16" name="文本框 15">
+            <a:extLst>
+              <a:ext uri="{FF2B5EF4-FFF2-40B4-BE49-F238E27FC236}">
+                <a16:creationId xmlns:a16="http://schemas.microsoft.com/office/drawing/2014/main" id="{7B530AA0-273F-4EC8-A4D8-D175D05E2D86}"/>
+              </a:ext>
+            </a:extLst>
+          </p:cNvPr>
+          <p:cNvSpPr txBox="1"/>
+          <p:nvPr/>
+        </p:nvSpPr>
+        <p:spPr>
+          <a:xfrm>
+            <a:off x="71334" y="6076969"/>
+            <a:ext cx="5797687" cy="246221"/>
+          </a:xfrm>
+          <a:prstGeom prst="rect">
+            <a:avLst/>
+          </a:prstGeom>
+          <a:noFill/>
+        </p:spPr>
+        <p:txBody>
+          <a:bodyPr wrap="square">
+            <a:spAutoFit/>
+          </a:bodyPr>
+          <a:lstStyle/>
+          <a:p>
+            <a:r>
+              <a:rPr lang="en-US" altLang="zh-CN" sz="1000" dirty="0"/>
               <a:t>Unicode</a:t>
             </a:r>
             <a:r>
-              <a:rPr lang="zh-CN" altLang="en-US" dirty="0"/>
-              <a:t>是国际组织制定的可以容纳世界上所有文字和符号的字符编码方案。</a:t>
-            </a:r>
-            <a:endParaRPr lang="en-US" altLang="zh-CN" dirty="0"/>
-          </a:p>
-          <a:p>
-            <a:endParaRPr lang="zh-CN" altLang="en-US" dirty="0"/>
-          </a:p>
-          <a:p>
-            <a:r>
-              <a:rPr lang="zh-CN" altLang="en-US" dirty="0">
-                <a:hlinkClick r:id="rId2">
-                  <a:extLst>
-                    <a:ext uri="{A12FA001-AC4F-418D-AE19-62706E023703}">
-                      <ahyp:hlinkClr xmlns:ahyp="http://schemas.microsoft.com/office/drawing/2018/hyperlinkcolor" val="tx"/>
-                    </a:ext>
-                  </a:extLst>
-                </a:hlinkClick>
-              </a:rPr>
-              <a:t>通用字符集</a:t>
-            </a:r>
-            <a:r>
-              <a:rPr lang="zh-CN" altLang="en-US" dirty="0"/>
-              <a:t>（</a:t>
-            </a:r>
-            <a:r>
-              <a:rPr lang="en-US" altLang="zh-CN" dirty="0"/>
-              <a:t>Universal Character Set, UCS</a:t>
-            </a:r>
-            <a:r>
-              <a:rPr lang="zh-CN" altLang="en-US" dirty="0"/>
-              <a:t>）是由</a:t>
-            </a:r>
-            <a:r>
-              <a:rPr lang="en-US" altLang="zh-CN" dirty="0"/>
-              <a:t>ISO</a:t>
-            </a:r>
-            <a:r>
-              <a:rPr lang="zh-CN" altLang="en-US" dirty="0"/>
-              <a:t>制定的</a:t>
-            </a:r>
-            <a:r>
-              <a:rPr lang="en-US" altLang="zh-CN" dirty="0">
-                <a:hlinkClick r:id="rId3">
-                  <a:extLst>
-                    <a:ext uri="{A12FA001-AC4F-418D-AE19-62706E023703}">
-                      <ahyp:hlinkClr xmlns:ahyp="http://schemas.microsoft.com/office/drawing/2018/hyperlinkcolor" val="tx"/>
-                    </a:ext>
-                  </a:extLst>
-                </a:hlinkClick>
-              </a:rPr>
-              <a:t>ISO 10646</a:t>
-            </a:r>
-            <a:r>
-              <a:rPr lang="zh-CN" altLang="en-US" dirty="0"/>
-              <a:t>（或称</a:t>
-            </a:r>
-            <a:r>
-              <a:rPr lang="en-US" altLang="zh-CN" dirty="0"/>
-              <a:t>ISO/IEC 10646</a:t>
-            </a:r>
-            <a:r>
-              <a:rPr lang="zh-CN" altLang="en-US" dirty="0"/>
-              <a:t>）标准所定义的标准字符集。</a:t>
-            </a:r>
-            <a:endParaRPr lang="en-US" altLang="zh-CN" dirty="0"/>
-          </a:p>
-          <a:p>
-            <a:endParaRPr lang="en-US" altLang="zh-CN" dirty="0"/>
-          </a:p>
-          <a:p>
-            <a:r>
-              <a:rPr lang="en-US" altLang="zh-CN" dirty="0"/>
-              <a:t>1991</a:t>
-            </a:r>
-            <a:r>
-              <a:rPr lang="zh-CN" altLang="en-US" dirty="0"/>
-              <a:t>年前后，两个项目开始合并，并为创立一个单一编码表而协同工作</a:t>
-            </a:r>
-            <a:endParaRPr lang="en-US" altLang="zh-CN" dirty="0"/>
-          </a:p>
-          <a:p>
-            <a:r>
-              <a:rPr lang="zh-CN" altLang="en-US" dirty="0"/>
-              <a:t>从</a:t>
-            </a:r>
-            <a:r>
-              <a:rPr lang="en-US" altLang="zh-CN" dirty="0"/>
-              <a:t>Unicode 2.0</a:t>
-            </a:r>
-            <a:r>
-              <a:rPr lang="zh-CN" altLang="en-US" dirty="0"/>
-              <a:t>开始，</a:t>
-            </a:r>
-            <a:r>
-              <a:rPr lang="en-US" altLang="zh-CN" dirty="0"/>
-              <a:t>Unicode</a:t>
-            </a:r>
-            <a:r>
-              <a:rPr lang="zh-CN" altLang="en-US" dirty="0"/>
-              <a:t>采用了与</a:t>
-            </a:r>
-            <a:r>
-              <a:rPr lang="en-US" altLang="zh-CN" dirty="0"/>
-              <a:t>ISO 10646-1</a:t>
-            </a:r>
-            <a:r>
-              <a:rPr lang="zh-CN" altLang="en-US" dirty="0"/>
-              <a:t>相同的</a:t>
-            </a:r>
-            <a:r>
-              <a:rPr lang="zh-CN" altLang="en-US" dirty="0">
-                <a:hlinkClick r:id="rId4">
-                  <a:extLst>
-                    <a:ext uri="{A12FA001-AC4F-418D-AE19-62706E023703}">
-                      <ahyp:hlinkClr xmlns:ahyp="http://schemas.microsoft.com/office/drawing/2018/hyperlinkcolor" val="tx"/>
-                    </a:ext>
-                  </a:extLst>
-                </a:hlinkClick>
-              </a:rPr>
-              <a:t>字库</a:t>
-            </a:r>
-            <a:r>
-              <a:rPr lang="zh-CN" altLang="en-US" dirty="0"/>
-              <a:t>和字码；</a:t>
-            </a:r>
-            <a:endParaRPr lang="en-US" altLang="zh-CN" dirty="0"/>
-          </a:p>
-          <a:p>
-            <a:r>
-              <a:rPr lang="en-US" altLang="zh-CN" dirty="0"/>
-              <a:t>ISO</a:t>
-            </a:r>
-            <a:r>
-              <a:rPr lang="zh-CN" altLang="en-US" dirty="0"/>
-              <a:t>也承诺，</a:t>
-            </a:r>
-            <a:r>
-              <a:rPr lang="en-US" altLang="zh-CN" dirty="0"/>
-              <a:t>ISO 10646</a:t>
-            </a:r>
-            <a:r>
-              <a:rPr lang="zh-CN" altLang="en-US" dirty="0"/>
-              <a:t>将不会替超出</a:t>
-            </a:r>
-            <a:r>
-              <a:rPr lang="en-US" altLang="zh-CN" dirty="0"/>
-              <a:t>U+10FFFF</a:t>
-            </a:r>
-            <a:r>
-              <a:rPr lang="zh-CN" altLang="en-US" dirty="0"/>
-              <a:t>的</a:t>
-            </a:r>
-            <a:r>
-              <a:rPr lang="en-US" altLang="zh-CN" dirty="0"/>
-              <a:t>UCS-4</a:t>
-            </a:r>
-            <a:r>
-              <a:rPr lang="zh-CN" altLang="en-US" dirty="0"/>
-              <a:t>编码赋值，以使得两者保持一致。</a:t>
-            </a:r>
-            <a:endParaRPr lang="en-US" altLang="zh-CN" dirty="0"/>
-          </a:p>
-          <a:p>
-            <a:r>
-              <a:rPr lang="zh-CN" altLang="en-US" dirty="0"/>
-              <a:t>两个项目仍都存在，并独立地公布各自的标准。</a:t>
-            </a:r>
-          </a:p>
-          <a:p>
+              <a:rPr lang="zh-CN" altLang="en-US" sz="1000" dirty="0"/>
+              <a:t>集团是由美国的</a:t>
+            </a:r>
+            <a:r>
+              <a:rPr lang="en-US" altLang="zh-CN" sz="1000" dirty="0"/>
+              <a:t>HP</a:t>
+            </a:r>
+            <a:r>
+              <a:rPr lang="zh-CN" altLang="en-US" sz="1000" dirty="0"/>
+              <a:t>、</a:t>
+            </a:r>
+            <a:r>
+              <a:rPr lang="en-US" altLang="zh-CN" sz="1000" dirty="0"/>
+              <a:t>Microsoft</a:t>
+            </a:r>
+            <a:r>
+              <a:rPr lang="zh-CN" altLang="en-US" sz="1000" dirty="0"/>
+              <a:t>、</a:t>
+            </a:r>
+            <a:r>
+              <a:rPr lang="en-US" altLang="zh-CN" sz="1000" dirty="0"/>
+              <a:t>IBM</a:t>
+            </a:r>
+            <a:r>
+              <a:rPr lang="zh-CN" altLang="en-US" sz="1000" dirty="0"/>
+              <a:t>、</a:t>
+            </a:r>
+            <a:r>
+              <a:rPr lang="en-US" altLang="zh-CN" sz="1000" dirty="0"/>
+              <a:t>Apple</a:t>
+            </a:r>
+            <a:r>
+              <a:rPr lang="zh-CN" altLang="en-US" sz="1000" dirty="0"/>
+              <a:t>等几家知名的大型计算机企业所组成的联盟集团</a:t>
+            </a:r>
+          </a:p>
+        </p:txBody>
+      </p:sp>
+      <p:sp>
+        <p:nvSpPr>
+          <p:cNvPr id="18" name="文本框 17">
+            <a:extLst>
+              <a:ext uri="{FF2B5EF4-FFF2-40B4-BE49-F238E27FC236}">
+                <a16:creationId xmlns:a16="http://schemas.microsoft.com/office/drawing/2014/main" id="{29972C95-1BC0-43CC-904F-A5DCA300D15D}"/>
+              </a:ext>
+            </a:extLst>
+          </p:cNvPr>
+          <p:cNvSpPr txBox="1"/>
+          <p:nvPr/>
+        </p:nvSpPr>
+        <p:spPr>
+          <a:xfrm>
+            <a:off x="6202564" y="6322245"/>
+            <a:ext cx="4914310" cy="369332"/>
+          </a:xfrm>
+          <a:prstGeom prst="rect">
+            <a:avLst/>
+          </a:prstGeom>
+          <a:noFill/>
+        </p:spPr>
+        <p:txBody>
+          <a:bodyPr wrap="square">
+            <a:spAutoFit/>
+          </a:bodyPr>
+          <a:lstStyle/>
+          <a:p>
+            <a:r>
+              <a:rPr lang="en-US" altLang="zh-CN" dirty="0"/>
+              <a:t>GB13000</a:t>
+            </a:r>
+            <a:r>
+              <a:rPr lang="zh-CN" altLang="en-US" dirty="0"/>
+              <a:t>等同采用国际标准</a:t>
+            </a:r>
+            <a:r>
+              <a:rPr lang="en-US" altLang="zh-CN" dirty="0"/>
+              <a:t>ISO/IEC 10646-2003</a:t>
+            </a:r>
             <a:endParaRPr lang="zh-CN" altLang="en-US" dirty="0"/>
           </a:p>
         </p:txBody>
@@ -8343,7 +8609,7 @@
           <p:cNvPr id="2" name="标题 1">
             <a:extLst>
               <a:ext uri="{FF2B5EF4-FFF2-40B4-BE49-F238E27FC236}">
-                <a16:creationId xmlns:a16="http://schemas.microsoft.com/office/drawing/2014/main" id="{ADD9D38C-EED0-453C-AC68-664FBF41BFED}"/>
+                <a16:creationId xmlns:a16="http://schemas.microsoft.com/office/drawing/2014/main" id="{7BCC044F-6BFE-48EB-9724-B55D3F04FDFC}"/>
               </a:ext>
             </a:extLst>
           </p:cNvPr>
@@ -8361,15 +8627,7 @@
           <a:p>
             <a:r>
               <a:rPr lang="en-US" altLang="zh-CN" dirty="0"/>
-              <a:t>6.2.4 </a:t>
-            </a:r>
-            <a:r>
-              <a:rPr lang="zh-CN" altLang="en-US" dirty="0"/>
-              <a:t>国标扩展码 </a:t>
-            </a:r>
-            <a:r>
-              <a:rPr lang="en-US" altLang="zh-CN" dirty="0"/>
-              <a:t>GBK</a:t>
+              <a:t>ISO/IEC 10646</a:t>
             </a:r>
             <a:endParaRPr lang="zh-CN" altLang="en-US" dirty="0"/>
           </a:p>
@@ -8380,7 +8638,7 @@
           <p:cNvPr id="3" name="内容占位符 2">
             <a:extLst>
               <a:ext uri="{FF2B5EF4-FFF2-40B4-BE49-F238E27FC236}">
-                <a16:creationId xmlns:a16="http://schemas.microsoft.com/office/drawing/2014/main" id="{47046FF1-9EB1-490A-A393-21A01318423F}"/>
+                <a16:creationId xmlns:a16="http://schemas.microsoft.com/office/drawing/2014/main" id="{03E1FC17-6E07-4367-8B91-1CD11ACEE762}"/>
               </a:ext>
             </a:extLst>
           </p:cNvPr>
@@ -8391,196 +8649,413 @@
             <p:ph idx="1"/>
           </p:nvPr>
         </p:nvSpPr>
-        <p:spPr/>
+        <p:spPr>
+          <a:xfrm>
+            <a:off x="550926" y="2210635"/>
+            <a:ext cx="10934505" cy="3599316"/>
+          </a:xfrm>
+        </p:spPr>
         <p:txBody>
           <a:bodyPr>
             <a:normAutofit/>
           </a:bodyPr>
           <a:lstStyle/>
           <a:p>
-            <a:r>
-              <a:rPr lang="en-US" altLang="zh-CN" dirty="0"/>
-              <a:t>GBK</a:t>
-            </a:r>
-            <a:r>
-              <a:rPr lang="zh-CN" altLang="en-US" dirty="0"/>
-              <a:t>即汉字内码扩展规范，</a:t>
-            </a:r>
-            <a:r>
-              <a:rPr lang="en-US" altLang="zh-CN" dirty="0"/>
-              <a:t>K</a:t>
-            </a:r>
-            <a:r>
-              <a:rPr lang="zh-CN" altLang="en-US" dirty="0"/>
-              <a:t>为扩展的汉语拼音中“扩”字的声母。</a:t>
-            </a:r>
+            <a:pPr marL="0" indent="0">
+              <a:buNone/>
+            </a:pPr>
+            <a:r>
+              <a:rPr lang="zh-CN" altLang="en-US" b="1" dirty="0">
+                <a:solidFill>
+                  <a:schemeClr val="bg1"/>
+                </a:solidFill>
+              </a:rPr>
+              <a:t>四维编码空间，采用十六进制全编码</a:t>
+            </a:r>
+            <a:endParaRPr lang="en-US" altLang="zh-CN" b="1" dirty="0">
+              <a:solidFill>
+                <a:schemeClr val="bg1"/>
+              </a:solidFill>
+            </a:endParaRPr>
+          </a:p>
+          <a:p>
+            <a:pPr lvl="1"/>
+            <a:r>
+              <a:rPr lang="zh-CN" altLang="en-US" dirty="0"/>
+              <a:t>总体分为</a:t>
+            </a:r>
+            <a:r>
+              <a:rPr lang="en-US" altLang="zh-CN" dirty="0"/>
+              <a:t>	128</a:t>
+            </a:r>
+            <a:r>
+              <a:rPr lang="zh-CN" altLang="en-US" dirty="0"/>
+              <a:t>个 三维组</a:t>
+            </a:r>
+            <a:r>
+              <a:rPr lang="en-US" altLang="zh-CN" dirty="0"/>
+              <a:t>	(group)</a:t>
+            </a:r>
+            <a:r>
+              <a:rPr lang="zh-CN" altLang="en-US" dirty="0"/>
+              <a:t>，</a:t>
+            </a:r>
+            <a:r>
+              <a:rPr lang="en-US" altLang="zh-CN" dirty="0"/>
+              <a:t>	</a:t>
+            </a:r>
+            <a:r>
+              <a:rPr lang="zh-CN" altLang="en-US" dirty="0"/>
+              <a:t>范围：从</a:t>
+            </a:r>
+            <a:r>
+              <a:rPr lang="en-US" altLang="zh-CN" dirty="0"/>
+              <a:t>00</a:t>
+            </a:r>
+            <a:r>
+              <a:rPr lang="zh-CN" altLang="en-US" dirty="0"/>
+              <a:t>到</a:t>
+            </a:r>
+            <a:r>
+              <a:rPr lang="en-US" altLang="zh-CN" dirty="0"/>
+              <a:t>7F</a:t>
+            </a:r>
+          </a:p>
+          <a:p>
+            <a:pPr lvl="1"/>
+            <a:r>
+              <a:rPr lang="zh-CN" altLang="en-US" dirty="0"/>
+              <a:t>每个组含</a:t>
+            </a:r>
+            <a:r>
+              <a:rPr lang="en-US" altLang="zh-CN" dirty="0"/>
+              <a:t>	256</a:t>
+            </a:r>
+            <a:r>
+              <a:rPr lang="zh-CN" altLang="en-US" dirty="0"/>
+              <a:t>个 平面</a:t>
+            </a:r>
+            <a:r>
+              <a:rPr lang="en-US" altLang="zh-CN" dirty="0"/>
+              <a:t>	(plane)</a:t>
+            </a:r>
+            <a:r>
+              <a:rPr lang="zh-CN" altLang="en-US" dirty="0"/>
+              <a:t>，</a:t>
+            </a:r>
+            <a:r>
+              <a:rPr lang="en-US" altLang="zh-CN" dirty="0"/>
+              <a:t>	</a:t>
+            </a:r>
+            <a:r>
+              <a:rPr lang="zh-CN" altLang="en-US" dirty="0"/>
+              <a:t>范围：从</a:t>
+            </a:r>
+            <a:r>
+              <a:rPr lang="en-US" altLang="zh-CN" dirty="0"/>
+              <a:t>00</a:t>
+            </a:r>
+            <a:r>
+              <a:rPr lang="zh-CN" altLang="en-US" dirty="0"/>
+              <a:t>到</a:t>
+            </a:r>
+            <a:r>
+              <a:rPr lang="en-US" altLang="zh-CN" dirty="0"/>
+              <a:t>FF</a:t>
+            </a:r>
+          </a:p>
+          <a:p>
+            <a:pPr lvl="1"/>
+            <a:r>
+              <a:rPr lang="zh-CN" altLang="en-US" dirty="0"/>
+              <a:t>每平面含</a:t>
+            </a:r>
+            <a:r>
+              <a:rPr lang="en-US" altLang="zh-CN" dirty="0"/>
+              <a:t>	256</a:t>
+            </a:r>
+            <a:r>
+              <a:rPr lang="zh-CN" altLang="en-US" dirty="0"/>
+              <a:t>个 行</a:t>
+            </a:r>
+            <a:r>
+              <a:rPr lang="en-US" altLang="zh-CN" dirty="0"/>
+              <a:t>	(row)</a:t>
+            </a:r>
+            <a:r>
+              <a:rPr lang="zh-CN" altLang="en-US" dirty="0"/>
+              <a:t>，</a:t>
+            </a:r>
+            <a:r>
+              <a:rPr lang="en-US" altLang="zh-CN" dirty="0"/>
+              <a:t>		</a:t>
+            </a:r>
+            <a:r>
+              <a:rPr lang="zh-CN" altLang="en-US" dirty="0"/>
+              <a:t>范围：从</a:t>
+            </a:r>
+            <a:r>
+              <a:rPr lang="en-US" altLang="zh-CN" dirty="0"/>
+              <a:t>00</a:t>
+            </a:r>
+            <a:r>
+              <a:rPr lang="zh-CN" altLang="en-US" dirty="0"/>
+              <a:t>到</a:t>
+            </a:r>
+            <a:r>
+              <a:rPr lang="en-US" altLang="zh-CN" dirty="0"/>
+              <a:t>FF</a:t>
+            </a:r>
+          </a:p>
+          <a:p>
+            <a:pPr lvl="1"/>
+            <a:r>
+              <a:rPr lang="zh-CN" altLang="en-US" dirty="0"/>
+              <a:t>每一行含</a:t>
+            </a:r>
+            <a:r>
+              <a:rPr lang="en-US" altLang="zh-CN" dirty="0"/>
+              <a:t>	256</a:t>
+            </a:r>
+            <a:r>
+              <a:rPr lang="zh-CN" altLang="en-US" dirty="0"/>
+              <a:t>个 码位</a:t>
+            </a:r>
+            <a:r>
+              <a:rPr lang="en-US" altLang="zh-CN" dirty="0"/>
+              <a:t>	(cell)</a:t>
+            </a:r>
+            <a:r>
+              <a:rPr lang="zh-CN" altLang="en-US" dirty="0"/>
+              <a:t>，</a:t>
+            </a:r>
+            <a:r>
+              <a:rPr lang="en-US" altLang="zh-CN" dirty="0"/>
+              <a:t>		</a:t>
+            </a:r>
+            <a:r>
+              <a:rPr lang="zh-CN" altLang="en-US" dirty="0"/>
+              <a:t>范围：从</a:t>
+            </a:r>
+            <a:r>
+              <a:rPr lang="en-US" altLang="zh-CN" dirty="0"/>
+              <a:t>00</a:t>
+            </a:r>
+            <a:r>
+              <a:rPr lang="zh-CN" altLang="en-US" dirty="0"/>
+              <a:t>到</a:t>
+            </a:r>
+            <a:r>
+              <a:rPr lang="en-US" altLang="zh-CN" dirty="0"/>
+              <a:t>FF</a:t>
+            </a:r>
+          </a:p>
+          <a:p>
             <a:endParaRPr lang="en-US" altLang="zh-CN" dirty="0"/>
           </a:p>
           <a:p>
-            <a:r>
-              <a:rPr lang="zh-CN" altLang="en-US" dirty="0"/>
-              <a:t>英文全称</a:t>
-            </a:r>
-            <a:r>
-              <a:rPr lang="en-US" altLang="zh-CN" dirty="0"/>
-              <a:t>Chinese Internal Code Specification</a:t>
-            </a:r>
-            <a:r>
-              <a:rPr lang="zh-CN" altLang="en-US" dirty="0"/>
+            <a:pPr marL="0" indent="0">
+              <a:buNone/>
+            </a:pPr>
+            <a:r>
+              <a:rPr lang="zh-CN" altLang="en-US" dirty="0"/>
+              <a:t>每个字符由</a:t>
+            </a:r>
+            <a:r>
+              <a:rPr lang="zh-CN" altLang="en-US" b="1" dirty="0">
+                <a:solidFill>
+                  <a:schemeClr val="bg1"/>
+                </a:solidFill>
+              </a:rPr>
+              <a:t>四个八位序列</a:t>
+            </a:r>
+            <a:r>
+              <a:rPr lang="zh-CN" altLang="en-US" dirty="0"/>
+              <a:t>表示，按照</a:t>
+            </a:r>
+            <a:r>
+              <a:rPr lang="zh-CN" altLang="en-US" b="1" dirty="0">
+                <a:solidFill>
+                  <a:schemeClr val="bg1"/>
+                </a:solidFill>
+              </a:rPr>
+              <a:t>组八位、面八位、行八位、列八位</a:t>
+            </a:r>
+            <a:r>
+              <a:rPr lang="zh-CN" altLang="en-US" dirty="0"/>
+              <a:t>的顺序：</a:t>
+            </a:r>
+            <a:endParaRPr lang="en-US" altLang="zh-CN" dirty="0"/>
+          </a:p>
+          <a:p>
+            <a:pPr marL="0" indent="0">
+              <a:buNone/>
+            </a:pPr>
+            <a:r>
+              <a:rPr lang="en-US" altLang="zh-CN" b="0" i="0" dirty="0">
+                <a:effectLst/>
+                <a:ea typeface="宋体" panose="02010600030101010101" pitchFamily="2" charset="-122"/>
+              </a:rPr>
+              <a:t>Group-octet 	Plane-octet 	Row-octet 	Cell-octet</a:t>
+            </a:r>
+          </a:p>
+          <a:p>
+            <a:pPr marL="0" indent="0">
+              <a:buNone/>
+            </a:pPr>
+            <a:endParaRPr lang="zh-CN" altLang="en-US" dirty="0"/>
+          </a:p>
+        </p:txBody>
+      </p:sp>
+      <p:sp>
+        <p:nvSpPr>
+          <p:cNvPr id="7" name="文本框 6">
+            <a:extLst>
+              <a:ext uri="{FF2B5EF4-FFF2-40B4-BE49-F238E27FC236}">
+                <a16:creationId xmlns:a16="http://schemas.microsoft.com/office/drawing/2014/main" id="{BDF8DCE9-49EC-4BFD-9057-3C96A168C8AC}"/>
+              </a:ext>
+            </a:extLst>
+          </p:cNvPr>
+          <p:cNvSpPr txBox="1"/>
+          <p:nvPr/>
+        </p:nvSpPr>
+        <p:spPr>
+          <a:xfrm>
+            <a:off x="725717" y="6246434"/>
+            <a:ext cx="6096000" cy="246221"/>
+          </a:xfrm>
+          <a:prstGeom prst="rect">
+            <a:avLst/>
+          </a:prstGeom>
+          <a:noFill/>
+        </p:spPr>
+        <p:txBody>
+          <a:bodyPr wrap="square">
+            <a:spAutoFit/>
+          </a:bodyPr>
+          <a:lstStyle/>
+          <a:p>
+            <a:r>
+              <a:rPr lang="en-US" altLang="zh-CN" sz="1000" dirty="0"/>
+              <a:t>http://blog.chinaunix.net/uid-22805258-id-1768946.html</a:t>
+            </a:r>
+            <a:endParaRPr lang="zh-CN" altLang="en-US" sz="1000" dirty="0"/>
+          </a:p>
+        </p:txBody>
+      </p:sp>
+      <p:sp>
+        <p:nvSpPr>
+          <p:cNvPr id="9" name="文本框 8">
+            <a:extLst>
+              <a:ext uri="{FF2B5EF4-FFF2-40B4-BE49-F238E27FC236}">
+                <a16:creationId xmlns:a16="http://schemas.microsoft.com/office/drawing/2014/main" id="{4968E9E0-8819-4283-8E06-A839DA632FDE}"/>
+              </a:ext>
+            </a:extLst>
+          </p:cNvPr>
+          <p:cNvSpPr txBox="1"/>
+          <p:nvPr/>
+        </p:nvSpPr>
+        <p:spPr>
+          <a:xfrm>
+            <a:off x="680321" y="1433311"/>
+            <a:ext cx="9727659" cy="584775"/>
+          </a:xfrm>
+          <a:prstGeom prst="rect">
+            <a:avLst/>
+          </a:prstGeom>
+          <a:noFill/>
+        </p:spPr>
+        <p:txBody>
+          <a:bodyPr wrap="square">
+            <a:spAutoFit/>
+          </a:bodyPr>
+          <a:lstStyle/>
+          <a:p>
+            <a:pPr marL="0" indent="0">
+              <a:buNone/>
+            </a:pPr>
+            <a:r>
+              <a:rPr lang="zh-CN" altLang="en-US" sz="1600" dirty="0"/>
+              <a:t>英文全称：</a:t>
+            </a:r>
+            <a:r>
+              <a:rPr lang="en-US" altLang="zh-CN" sz="1600" dirty="0"/>
+              <a:t>Information technology - </a:t>
+            </a:r>
+            <a:r>
+              <a:rPr lang="en-US" altLang="zh-CN" sz="1600" b="1" dirty="0"/>
+              <a:t>U</a:t>
+            </a:r>
+            <a:r>
+              <a:rPr lang="en-US" altLang="zh-CN" sz="1600" dirty="0"/>
+              <a:t>niversal Multiple-Octet Coded </a:t>
+            </a:r>
+            <a:r>
+              <a:rPr lang="en-US" altLang="zh-CN" sz="1600" b="1" dirty="0"/>
+              <a:t>C</a:t>
+            </a:r>
+            <a:r>
+              <a:rPr lang="en-US" altLang="zh-CN" sz="1600" dirty="0"/>
+              <a:t>haracter </a:t>
+            </a:r>
+            <a:r>
+              <a:rPr lang="en-US" altLang="zh-CN" sz="1600" b="1" dirty="0"/>
+              <a:t>S</a:t>
+            </a:r>
+            <a:r>
+              <a:rPr lang="en-US" altLang="zh-CN" sz="1600" dirty="0"/>
+              <a:t>et</a:t>
+            </a:r>
+            <a:r>
+              <a:rPr lang="zh-CN" altLang="en-US" sz="1600" dirty="0"/>
+              <a:t>，简称 </a:t>
+            </a:r>
+            <a:r>
+              <a:rPr lang="en-US" altLang="zh-CN" sz="1600" b="1" dirty="0"/>
+              <a:t>UCS</a:t>
+            </a:r>
+            <a:r>
+              <a:rPr lang="zh-CN" altLang="en-US" sz="1600" dirty="0"/>
               <a:t>。</a:t>
             </a:r>
-            <a:endParaRPr lang="en-US" altLang="zh-CN" dirty="0"/>
-          </a:p>
-          <a:p>
-            <a:r>
-              <a:rPr lang="en-US" altLang="zh-CN" dirty="0"/>
-              <a:t>GBK</a:t>
-            </a:r>
-            <a:r>
-              <a:rPr lang="zh-CN" altLang="en-US" dirty="0"/>
-              <a:t>编码标准兼容</a:t>
-            </a:r>
-            <a:r>
-              <a:rPr lang="en-US" altLang="zh-CN" dirty="0"/>
-              <a:t>GB2312</a:t>
-            </a:r>
-            <a:r>
-              <a:rPr lang="zh-CN" altLang="en-US" dirty="0"/>
-              <a:t>，共收录汉字</a:t>
-            </a:r>
-            <a:r>
-              <a:rPr lang="en-US" altLang="zh-CN" dirty="0"/>
-              <a:t>21003</a:t>
-            </a:r>
-            <a:r>
-              <a:rPr lang="zh-CN" altLang="en-US" dirty="0"/>
-              <a:t>个、符号</a:t>
-            </a:r>
-            <a:r>
-              <a:rPr lang="en-US" altLang="zh-CN" dirty="0"/>
-              <a:t>883</a:t>
-            </a:r>
-            <a:r>
-              <a:rPr lang="zh-CN" altLang="en-US" dirty="0"/>
-              <a:t>个，并提供</a:t>
-            </a:r>
-            <a:r>
-              <a:rPr lang="en-US" altLang="zh-CN" dirty="0"/>
-              <a:t>1894</a:t>
-            </a:r>
-            <a:r>
-              <a:rPr lang="zh-CN" altLang="en-US" dirty="0"/>
-              <a:t>个造字码位，简、繁体字融于一库。</a:t>
-            </a:r>
-            <a:endParaRPr lang="en-US" altLang="zh-CN" dirty="0"/>
-          </a:p>
-          <a:p>
-            <a:r>
-              <a:rPr lang="en-US" altLang="zh-CN" dirty="0"/>
-              <a:t>GBK</a:t>
-            </a:r>
-            <a:r>
-              <a:rPr lang="zh-CN" altLang="en-US" dirty="0"/>
-              <a:t>是对</a:t>
-            </a:r>
-            <a:r>
-              <a:rPr lang="en-US" altLang="zh-CN" dirty="0"/>
-              <a:t>GB2312-80</a:t>
-            </a:r>
-            <a:r>
-              <a:rPr lang="zh-CN" altLang="en-US" dirty="0"/>
-              <a:t>的扩展，也就是</a:t>
-            </a:r>
-            <a:r>
-              <a:rPr lang="en-US" altLang="zh-CN" dirty="0"/>
-              <a:t>CP936</a:t>
-            </a:r>
-            <a:r>
-              <a:rPr lang="zh-CN" altLang="en-US" dirty="0"/>
-              <a:t>字码表 </a:t>
-            </a:r>
-            <a:r>
-              <a:rPr lang="en-US" altLang="zh-CN" dirty="0"/>
-              <a:t>(Code Page 936)</a:t>
-            </a:r>
-            <a:r>
-              <a:rPr lang="zh-CN" altLang="en-US" dirty="0"/>
-              <a:t>的扩展（之前</a:t>
-            </a:r>
-            <a:r>
-              <a:rPr lang="en-US" altLang="zh-CN" dirty="0"/>
-              <a:t>CP936</a:t>
-            </a:r>
-            <a:r>
-              <a:rPr lang="zh-CN" altLang="en-US" dirty="0"/>
-              <a:t>和</a:t>
-            </a:r>
-            <a:r>
-              <a:rPr lang="en-US" altLang="zh-CN" dirty="0"/>
-              <a:t>GB 2312-80</a:t>
-            </a:r>
-            <a:r>
-              <a:rPr lang="zh-CN" altLang="en-US" dirty="0"/>
-              <a:t>一模一样）。</a:t>
-            </a:r>
-            <a:endParaRPr lang="en-US" altLang="zh-CN" dirty="0"/>
-          </a:p>
-          <a:p>
-            <a:r>
-              <a:rPr lang="en-US" altLang="zh-CN" dirty="0"/>
-              <a:t>GB 2312</a:t>
-            </a:r>
-            <a:r>
-              <a:rPr lang="zh-CN" altLang="en-US" dirty="0"/>
-              <a:t>的出现，基本满足了汉字的计算机处理需要，但对于人名、古汉语等方面出现的罕用字，</a:t>
-            </a:r>
-            <a:r>
-              <a:rPr lang="en-US" altLang="zh-CN" dirty="0"/>
-              <a:t>GB 2312</a:t>
-            </a:r>
-            <a:r>
-              <a:rPr lang="zh-CN" altLang="en-US" dirty="0"/>
-              <a:t>不能处理，这导致了后来</a:t>
-            </a:r>
-            <a:r>
-              <a:rPr lang="en-US" altLang="zh-CN" dirty="0"/>
-              <a:t>GBK</a:t>
-            </a:r>
-            <a:r>
-              <a:rPr lang="zh-CN" altLang="en-US" dirty="0"/>
-              <a:t>及</a:t>
-            </a:r>
-            <a:r>
-              <a:rPr lang="en-US" altLang="zh-CN" dirty="0"/>
-              <a:t>GB 18030</a:t>
-            </a:r>
-            <a:r>
-              <a:rPr lang="zh-CN" altLang="en-US" dirty="0"/>
-              <a:t>汉字</a:t>
-            </a:r>
-            <a:r>
-              <a:rPr lang="zh-CN" altLang="en-US" dirty="0">
-                <a:hlinkClick r:id="rId2">
-                  <a:extLst>
-                    <a:ext uri="{A12FA001-AC4F-418D-AE19-62706E023703}">
-                      <ahyp:hlinkClr xmlns:ahyp="http://schemas.microsoft.com/office/drawing/2018/hyperlinkcolor" val="tx"/>
-                    </a:ext>
-                  </a:extLst>
-                </a:hlinkClick>
-              </a:rPr>
-              <a:t>字符集</a:t>
-            </a:r>
-            <a:r>
-              <a:rPr lang="zh-CN" altLang="en-US" dirty="0"/>
-              <a:t>的出现。</a:t>
-            </a:r>
+            <a:endParaRPr lang="en-US" altLang="zh-CN" sz="1600" dirty="0"/>
+          </a:p>
+          <a:p>
+            <a:pPr marL="0" indent="0">
+              <a:buNone/>
+            </a:pPr>
+            <a:r>
+              <a:rPr lang="zh-CN" altLang="en-US" sz="1600" dirty="0"/>
+              <a:t>中文全称：信息技术</a:t>
+            </a:r>
+            <a:r>
+              <a:rPr lang="en-US" altLang="zh-CN" sz="1600" dirty="0"/>
+              <a:t>-</a:t>
+            </a:r>
+            <a:r>
+              <a:rPr lang="zh-CN" altLang="en-US" sz="1600" b="1" dirty="0"/>
+              <a:t>通用多八位编码字符集</a:t>
+            </a:r>
+            <a:r>
+              <a:rPr lang="zh-CN" altLang="en-US" sz="1600" dirty="0"/>
+              <a:t>，亦称 </a:t>
+            </a:r>
+            <a:r>
+              <a:rPr lang="zh-CN" altLang="en-US" sz="1600" b="1" dirty="0"/>
+              <a:t>大字符集</a:t>
+            </a:r>
+            <a:r>
+              <a:rPr lang="zh-CN" altLang="en-US" sz="1600" dirty="0"/>
+              <a:t>。</a:t>
+            </a:r>
+            <a:endParaRPr lang="en-US" altLang="zh-CN" sz="1600" dirty="0"/>
           </a:p>
         </p:txBody>
       </p:sp>
     </p:spTree>
     <p:extLst>
       <p:ext uri="{BB962C8B-B14F-4D97-AF65-F5344CB8AC3E}">
-        <p14:creationId xmlns:p14="http://schemas.microsoft.com/office/powerpoint/2010/main" val="2493747874"/>
+        <p14:creationId xmlns:p14="http://schemas.microsoft.com/office/powerpoint/2010/main" val="567842491"/>
       </p:ext>
     </p:extLst>
   </p:cSld>
@@ -8612,7 +9087,7 @@
           <p:cNvPr id="2" name="标题 1">
             <a:extLst>
               <a:ext uri="{FF2B5EF4-FFF2-40B4-BE49-F238E27FC236}">
-                <a16:creationId xmlns:a16="http://schemas.microsoft.com/office/drawing/2014/main" id="{9CA138BD-9DE3-4862-BBC0-0419488DA8F8}"/>
+                <a16:creationId xmlns:a16="http://schemas.microsoft.com/office/drawing/2014/main" id="{7BCC044F-6BFE-48EB-9724-B55D3F04FDFC}"/>
               </a:ext>
             </a:extLst>
           </p:cNvPr>
@@ -8630,7 +9105,7 @@
           <a:p>
             <a:r>
               <a:rPr lang="en-US" altLang="zh-CN" dirty="0"/>
-              <a:t>6.2.5 GB 18030</a:t>
+              <a:t>ISO/IEC 10646</a:t>
             </a:r>
             <a:endParaRPr lang="zh-CN" altLang="en-US" dirty="0"/>
           </a:p>
@@ -8641,7 +9116,7 @@
           <p:cNvPr id="3" name="内容占位符 2">
             <a:extLst>
               <a:ext uri="{FF2B5EF4-FFF2-40B4-BE49-F238E27FC236}">
-                <a16:creationId xmlns:a16="http://schemas.microsoft.com/office/drawing/2014/main" id="{ED82A659-EF0E-4B57-9949-90CDE90E9AD4}"/>
+                <a16:creationId xmlns:a16="http://schemas.microsoft.com/office/drawing/2014/main" id="{03E1FC17-6E07-4367-8B91-1CD11ACEE762}"/>
               </a:ext>
             </a:extLst>
           </p:cNvPr>
@@ -8652,204 +9127,228 @@
             <p:ph idx="1"/>
           </p:nvPr>
         </p:nvSpPr>
-        <p:spPr/>
-        <p:txBody>
-          <a:bodyPr/>
+        <p:spPr>
+          <a:xfrm>
+            <a:off x="168303" y="2117468"/>
+            <a:ext cx="6238982" cy="2205722"/>
+          </a:xfrm>
+        </p:spPr>
+        <p:txBody>
+          <a:bodyPr>
+            <a:normAutofit/>
+          </a:bodyPr>
           <a:lstStyle/>
           <a:p>
-            <a:r>
-              <a:rPr lang="en-US" altLang="zh-CN" b="1" dirty="0"/>
-              <a:t>GB 18030</a:t>
-            </a:r>
-            <a:r>
-              <a:rPr lang="zh-CN" altLang="en-US" dirty="0"/>
-              <a:t>，全称</a:t>
-            </a:r>
-            <a:r>
-              <a:rPr lang="en-US" altLang="zh-CN" dirty="0"/>
-              <a:t>《</a:t>
-            </a:r>
-            <a:r>
-              <a:rPr lang="zh-CN" altLang="en-US" dirty="0"/>
-              <a:t>信息技术 中文编码字符集</a:t>
-            </a:r>
-            <a:r>
-              <a:rPr lang="en-US" altLang="zh-CN" dirty="0"/>
-              <a:t>》</a:t>
-            </a:r>
-          </a:p>
-          <a:p>
-            <a:r>
-              <a:rPr lang="zh-CN" altLang="en-US" dirty="0"/>
-              <a:t>是</a:t>
-            </a:r>
-            <a:r>
-              <a:rPr lang="zh-CN" altLang="en-US" dirty="0">
-                <a:hlinkClick r:id="rId2">
-                  <a:extLst>
-                    <a:ext uri="{A12FA001-AC4F-418D-AE19-62706E023703}">
-                      <ahyp:hlinkClr xmlns:ahyp="http://schemas.microsoft.com/office/drawing/2018/hyperlinkcolor" val="tx"/>
-                    </a:ext>
-                  </a:extLst>
-                </a:hlinkClick>
+            <a:pPr marL="0" indent="0">
+              <a:buNone/>
+            </a:pPr>
+            <a:r>
+              <a:rPr lang="zh-CN" altLang="en-US" sz="2800" b="1" dirty="0">
+                <a:solidFill>
+                  <a:schemeClr val="bg1"/>
+                </a:solidFill>
               </a:rPr>
-              <a:t>中华人民共和国</a:t>
-            </a:r>
-            <a:r>
-              <a:rPr lang="zh-CN" altLang="en-US" dirty="0">
-                <a:hlinkClick r:id="rId3">
-                  <a:extLst>
-                    <a:ext uri="{A12FA001-AC4F-418D-AE19-62706E023703}">
-                      <ahyp:hlinkClr xmlns:ahyp="http://schemas.microsoft.com/office/drawing/2018/hyperlinkcolor" val="tx"/>
-                    </a:ext>
-                  </a:extLst>
-                </a:hlinkClick>
-              </a:rPr>
-              <a:t>国家标准</a:t>
-            </a:r>
-            <a:r>
-              <a:rPr lang="zh-CN" altLang="en-US" dirty="0"/>
-              <a:t>所规定的变长多字节字符集。</a:t>
+              <a:t>基本多文种平面</a:t>
+            </a:r>
+            <a:endParaRPr lang="en-US" altLang="zh-CN" sz="2800" b="1" dirty="0">
+              <a:solidFill>
+                <a:schemeClr val="bg1"/>
+              </a:solidFill>
+            </a:endParaRPr>
+          </a:p>
+          <a:p>
+            <a:pPr lvl="1"/>
+            <a:r>
+              <a:rPr lang="zh-CN" altLang="en-US" dirty="0"/>
+              <a:t>第</a:t>
+            </a:r>
+            <a:r>
+              <a:rPr lang="en-US" altLang="zh-CN" dirty="0"/>
+              <a:t>0</a:t>
+            </a:r>
+            <a:r>
+              <a:rPr lang="zh-CN" altLang="en-US" dirty="0"/>
+              <a:t>平面，即：</a:t>
+            </a:r>
+            <a:r>
+              <a:rPr lang="en-US" altLang="zh-CN" dirty="0"/>
+              <a:t>Group0</a:t>
+            </a:r>
+            <a:r>
+              <a:rPr lang="zh-CN" altLang="en-US" dirty="0"/>
+              <a:t>的</a:t>
+            </a:r>
+            <a:r>
+              <a:rPr lang="en-US" altLang="zh-CN" dirty="0"/>
+              <a:t>Plane0</a:t>
+            </a:r>
+            <a:endParaRPr lang="en-US" altLang="zh-CN" b="1" dirty="0">
+              <a:solidFill>
+                <a:schemeClr val="bg1"/>
+              </a:solidFill>
+            </a:endParaRPr>
+          </a:p>
+          <a:p>
+            <a:pPr lvl="1"/>
+            <a:r>
+              <a:rPr lang="en-US" altLang="zh-CN" dirty="0"/>
+              <a:t>Basic Multilingual Plane</a:t>
+            </a:r>
+            <a:r>
+              <a:rPr lang="zh-CN" altLang="en-US" dirty="0"/>
+              <a:t>，简称</a:t>
+            </a:r>
+            <a:r>
+              <a:rPr lang="en-US" altLang="zh-CN" dirty="0"/>
+              <a:t>BMP</a:t>
+            </a:r>
+          </a:p>
+          <a:p>
+            <a:pPr lvl="1"/>
+            <a:r>
+              <a:rPr lang="zh-CN" altLang="en-US" dirty="0"/>
+              <a:t>是目前实际应用的</a:t>
+            </a:r>
+            <a:r>
+              <a:rPr lang="en-US" altLang="zh-CN" dirty="0"/>
+              <a:t>Unicode</a:t>
+            </a:r>
+            <a:r>
+              <a:rPr lang="zh-CN" altLang="en-US" dirty="0"/>
+              <a:t>版本（</a:t>
+            </a:r>
+            <a:r>
+              <a:rPr lang="en-US" altLang="zh-CN" dirty="0"/>
+              <a:t>2</a:t>
+            </a:r>
+            <a:r>
+              <a:rPr lang="zh-CN" altLang="en-US" dirty="0"/>
+              <a:t>字节）</a:t>
             </a:r>
             <a:endParaRPr lang="en-US" altLang="zh-CN" dirty="0"/>
           </a:p>
           <a:p>
-            <a:r>
-              <a:rPr lang="zh-CN" altLang="en-US" dirty="0"/>
-              <a:t>对</a:t>
-            </a:r>
-            <a:r>
-              <a:rPr lang="en-US" altLang="zh-CN" dirty="0"/>
-              <a:t>GB 2312-1980</a:t>
-            </a:r>
-            <a:r>
-              <a:rPr lang="zh-CN" altLang="en-US" dirty="0"/>
-              <a:t>完全</a:t>
-            </a:r>
-            <a:r>
-              <a:rPr lang="zh-CN" altLang="en-US" dirty="0">
-                <a:hlinkClick r:id="rId4">
-                  <a:extLst>
-                    <a:ext uri="{A12FA001-AC4F-418D-AE19-62706E023703}">
-                      <ahyp:hlinkClr xmlns:ahyp="http://schemas.microsoft.com/office/drawing/2018/hyperlinkcolor" val="tx"/>
-                    </a:ext>
-                  </a:extLst>
-                </a:hlinkClick>
-              </a:rPr>
-              <a:t>向后兼容</a:t>
+            <a:pPr lvl="1"/>
+            <a:r>
+              <a:rPr lang="zh-CN" altLang="en-US" dirty="0"/>
+              <a:t>此平面上用行、列八位即可表示一个编码字符</a:t>
             </a:r>
             <a:endParaRPr lang="en-US" altLang="zh-CN" dirty="0"/>
           </a:p>
           <a:p>
-            <a:r>
-              <a:rPr lang="zh-CN" altLang="en-US" dirty="0"/>
-              <a:t>与</a:t>
-            </a:r>
-            <a:r>
-              <a:rPr lang="en-US" altLang="zh-CN" dirty="0">
-                <a:hlinkClick r:id="rId5">
-                  <a:extLst>
-                    <a:ext uri="{A12FA001-AC4F-418D-AE19-62706E023703}">
-                      <ahyp:hlinkClr xmlns:ahyp="http://schemas.microsoft.com/office/drawing/2018/hyperlinkcolor" val="tx"/>
-                    </a:ext>
-                  </a:extLst>
-                </a:hlinkClick>
-              </a:rPr>
-              <a:t>GBK</a:t>
-            </a:r>
-            <a:r>
-              <a:rPr lang="zh-CN" altLang="en-US" dirty="0"/>
-              <a:t>基本</a:t>
-            </a:r>
-            <a:r>
-              <a:rPr lang="zh-CN" altLang="en-US" dirty="0">
-                <a:hlinkClick r:id="rId4">
-                  <a:extLst>
-                    <a:ext uri="{A12FA001-AC4F-418D-AE19-62706E023703}">
-                      <ahyp:hlinkClr xmlns:ahyp="http://schemas.microsoft.com/office/drawing/2018/hyperlinkcolor" val="tx"/>
-                    </a:ext>
-                  </a:extLst>
-                </a:hlinkClick>
-              </a:rPr>
-              <a:t>向后兼容</a:t>
-            </a:r>
-            <a:endParaRPr lang="en-US" altLang="zh-CN" dirty="0"/>
-          </a:p>
-          <a:p>
-            <a:r>
-              <a:rPr lang="zh-CN" altLang="en-US" dirty="0"/>
-              <a:t>支持</a:t>
-            </a:r>
-            <a:r>
-              <a:rPr lang="en-US" altLang="zh-CN" dirty="0">
-                <a:hlinkClick r:id="rId6">
-                  <a:extLst>
-                    <a:ext uri="{A12FA001-AC4F-418D-AE19-62706E023703}">
-                      <ahyp:hlinkClr xmlns:ahyp="http://schemas.microsoft.com/office/drawing/2018/hyperlinkcolor" val="tx"/>
-                    </a:ext>
-                  </a:extLst>
-                </a:hlinkClick>
-              </a:rPr>
-              <a:t>Unicode</a:t>
-            </a:r>
-            <a:r>
-              <a:rPr lang="zh-CN" altLang="en-US" dirty="0"/>
-              <a:t>（</a:t>
-            </a:r>
-            <a:r>
-              <a:rPr lang="en-US" altLang="zh-CN" dirty="0"/>
-              <a:t>GB 13000</a:t>
-            </a:r>
-            <a:r>
-              <a:rPr lang="zh-CN" altLang="en-US" dirty="0"/>
-              <a:t>）的所有码位。</a:t>
-            </a:r>
-            <a:endParaRPr lang="en-US" altLang="zh-CN" dirty="0"/>
-          </a:p>
-          <a:p>
-            <a:r>
-              <a:rPr lang="en-US" altLang="zh-CN" dirty="0"/>
-              <a:t>GB 18030</a:t>
-            </a:r>
-            <a:r>
-              <a:rPr lang="zh-CN" altLang="en-US" dirty="0"/>
-              <a:t>共收录汉字</a:t>
-            </a:r>
-            <a:r>
-              <a:rPr lang="en-US" altLang="zh-CN" dirty="0"/>
-              <a:t>70,244</a:t>
-            </a:r>
-            <a:r>
-              <a:rPr lang="zh-CN" altLang="en-US" dirty="0"/>
-              <a:t>个。</a:t>
-            </a:r>
-            <a:endParaRPr lang="en-US" altLang="zh-CN" dirty="0"/>
-          </a:p>
-          <a:p>
-            <a:r>
-              <a:rPr lang="zh-CN" altLang="en-US" dirty="0"/>
-              <a:t>发布日期</a:t>
-            </a:r>
-            <a:r>
-              <a:rPr lang="en-US" altLang="zh-CN" dirty="0"/>
-              <a:t>2000-3-17</a:t>
-            </a:r>
-            <a:r>
-              <a:rPr lang="zh-CN" altLang="en-US" dirty="0"/>
-              <a:t>；</a:t>
-            </a:r>
-            <a:r>
-              <a:rPr lang="en-US" altLang="zh-CN" dirty="0"/>
-              <a:t>2005-11-8</a:t>
+            <a:pPr lvl="1"/>
+            <a:r>
+              <a:rPr lang="zh-CN" altLang="en-US" dirty="0"/>
+              <a:t>中日韩统一表意文字 </a:t>
+            </a:r>
+            <a:r>
+              <a:rPr lang="en-US" altLang="zh-CN" dirty="0"/>
+              <a:t>CJK Unified Ideographs</a:t>
             </a:r>
             <a:endParaRPr lang="zh-CN" altLang="en-US" dirty="0"/>
           </a:p>
         </p:txBody>
       </p:sp>
+      <p:sp>
+        <p:nvSpPr>
+          <p:cNvPr id="14" name="文本框 13">
+            <a:extLst>
+              <a:ext uri="{FF2B5EF4-FFF2-40B4-BE49-F238E27FC236}">
+                <a16:creationId xmlns:a16="http://schemas.microsoft.com/office/drawing/2014/main" id="{DF8B1566-7BAB-41EC-B89D-99FD682A9BAF}"/>
+              </a:ext>
+            </a:extLst>
+          </p:cNvPr>
+          <p:cNvSpPr txBox="1"/>
+          <p:nvPr/>
+        </p:nvSpPr>
+        <p:spPr>
+          <a:xfrm>
+            <a:off x="862442" y="6532040"/>
+            <a:ext cx="3592904" cy="246221"/>
+          </a:xfrm>
+          <a:prstGeom prst="rect">
+            <a:avLst/>
+          </a:prstGeom>
+          <a:noFill/>
+        </p:spPr>
+        <p:txBody>
+          <a:bodyPr wrap="square">
+            <a:spAutoFit/>
+          </a:bodyPr>
+          <a:lstStyle/>
+          <a:p>
+            <a:r>
+              <a:rPr lang="en-US" altLang="zh-CN" sz="1000" dirty="0"/>
+              <a:t>https://www.unicode.org/roadmaps/bmp/index.html</a:t>
+            </a:r>
+            <a:endParaRPr lang="zh-CN" altLang="en-US" sz="1000" dirty="0"/>
+          </a:p>
+        </p:txBody>
+      </p:sp>
+      <p:pic>
+        <p:nvPicPr>
+          <p:cNvPr id="19" name="图片 18">
+            <a:extLst>
+              <a:ext uri="{FF2B5EF4-FFF2-40B4-BE49-F238E27FC236}">
+                <a16:creationId xmlns:a16="http://schemas.microsoft.com/office/drawing/2014/main" id="{C09766B8-6F5E-4276-AA1B-ADD55E396353}"/>
+              </a:ext>
+            </a:extLst>
+          </p:cNvPr>
+          <p:cNvPicPr>
+            <a:picLocks noChangeAspect="1"/>
+          </p:cNvPicPr>
+          <p:nvPr/>
+        </p:nvPicPr>
+        <p:blipFill>
+          <a:blip r:embed="rId2"/>
+          <a:stretch>
+            <a:fillRect/>
+          </a:stretch>
+        </p:blipFill>
+        <p:spPr>
+          <a:xfrm>
+            <a:off x="929004" y="4330467"/>
+            <a:ext cx="3459780" cy="2149026"/>
+          </a:xfrm>
+          <a:prstGeom prst="rect">
+            <a:avLst/>
+          </a:prstGeom>
+        </p:spPr>
+      </p:pic>
+      <p:pic>
+        <p:nvPicPr>
+          <p:cNvPr id="21" name="图片 20">
+            <a:extLst>
+              <a:ext uri="{FF2B5EF4-FFF2-40B4-BE49-F238E27FC236}">
+                <a16:creationId xmlns:a16="http://schemas.microsoft.com/office/drawing/2014/main" id="{6F5685BF-6E6B-499F-9BD8-BF3FCB54A125}"/>
+              </a:ext>
+            </a:extLst>
+          </p:cNvPr>
+          <p:cNvPicPr>
+            <a:picLocks noChangeAspect="1"/>
+          </p:cNvPicPr>
+          <p:nvPr/>
+        </p:nvPicPr>
+        <p:blipFill>
+          <a:blip r:embed="rId3"/>
+          <a:stretch>
+            <a:fillRect/>
+          </a:stretch>
+        </p:blipFill>
+        <p:spPr>
+          <a:xfrm>
+            <a:off x="6141245" y="2215468"/>
+            <a:ext cx="5882452" cy="4328670"/>
+          </a:xfrm>
+          <a:prstGeom prst="rect">
+            <a:avLst/>
+          </a:prstGeom>
+        </p:spPr>
+      </p:pic>
     </p:spTree>
     <p:extLst>
       <p:ext uri="{BB962C8B-B14F-4D97-AF65-F5344CB8AC3E}">
-        <p14:creationId xmlns:p14="http://schemas.microsoft.com/office/powerpoint/2010/main" val="3783740009"/>
+        <p14:creationId xmlns:p14="http://schemas.microsoft.com/office/powerpoint/2010/main" val="2787011643"/>
       </p:ext>
     </p:extLst>
   </p:cSld>
@@ -8881,7 +9380,7 @@
           <p:cNvPr id="2" name="标题 1">
             <a:extLst>
               <a:ext uri="{FF2B5EF4-FFF2-40B4-BE49-F238E27FC236}">
-                <a16:creationId xmlns:a16="http://schemas.microsoft.com/office/drawing/2014/main" id="{B1AA155A-4A36-4085-BF68-DD9783C31505}"/>
+                <a16:creationId xmlns:a16="http://schemas.microsoft.com/office/drawing/2014/main" id="{AE666174-80A7-4272-A725-B18C9184A4DE}"/>
               </a:ext>
             </a:extLst>
           </p:cNvPr>
@@ -8898,59 +9397,304 @@
           <a:lstStyle/>
           <a:p>
             <a:r>
-              <a:rPr lang="en-US" altLang="zh-CN" dirty="0"/>
-              <a:t>6.3 </a:t>
-            </a:r>
-            <a:r>
-              <a:rPr lang="zh-CN" altLang="en-US" dirty="0"/>
-              <a:t>字符编码知识的作用</a:t>
-            </a:r>
-            <a:endParaRPr lang="zh-CN" altLang="en-US" b="1" dirty="0"/>
-          </a:p>
-        </p:txBody>
-      </p:sp>
-      <p:sp>
-        <p:nvSpPr>
-          <p:cNvPr id="3" name="内容占位符 2">
+              <a:rPr lang="zh-CN" altLang="en-US" dirty="0"/>
+              <a:t>基本多文种平面的示意图</a:t>
+            </a:r>
+          </a:p>
+        </p:txBody>
+      </p:sp>
+      <p:pic>
+        <p:nvPicPr>
+          <p:cNvPr id="5" name="图片 4">
             <a:extLst>
               <a:ext uri="{FF2B5EF4-FFF2-40B4-BE49-F238E27FC236}">
-                <a16:creationId xmlns:a16="http://schemas.microsoft.com/office/drawing/2014/main" id="{81B33DC0-BF5D-412E-AF38-E6D4F60B9A29}"/>
+                <a16:creationId xmlns:a16="http://schemas.microsoft.com/office/drawing/2014/main" id="{9A83D8B0-8A74-41E8-8E81-E36554527B59}"/>
               </a:ext>
             </a:extLst>
           </p:cNvPr>
-          <p:cNvSpPr>
-            <a:spLocks noGrp="1"/>
-          </p:cNvSpPr>
-          <p:nvPr>
-            <p:ph idx="1"/>
-          </p:nvPr>
-        </p:nvSpPr>
-        <p:spPr>
-          <a:xfrm>
-            <a:off x="680321" y="2336873"/>
-            <a:ext cx="9613861" cy="4115808"/>
-          </a:xfrm>
-        </p:spPr>
-        <p:txBody>
-          <a:bodyPr>
-            <a:noAutofit/>
+          <p:cNvPicPr>
+            <a:picLocks noChangeAspect="1"/>
+          </p:cNvPicPr>
+          <p:nvPr/>
+        </p:nvPicPr>
+        <p:blipFill>
+          <a:blip r:embed="rId2"/>
+          <a:stretch>
+            <a:fillRect/>
+          </a:stretch>
+        </p:blipFill>
+        <p:spPr>
+          <a:xfrm>
+            <a:off x="252304" y="2034013"/>
+            <a:ext cx="7093945" cy="4727462"/>
+          </a:xfrm>
+          <a:prstGeom prst="rect">
+            <a:avLst/>
+          </a:prstGeom>
+        </p:spPr>
+      </p:pic>
+      <p:sp>
+        <p:nvSpPr>
+          <p:cNvPr id="7" name="文本框 6">
+            <a:extLst>
+              <a:ext uri="{FF2B5EF4-FFF2-40B4-BE49-F238E27FC236}">
+                <a16:creationId xmlns:a16="http://schemas.microsoft.com/office/drawing/2014/main" id="{27514DF0-029D-4A5E-B93A-4B776EC358BD}"/>
+              </a:ext>
+            </a:extLst>
+          </p:cNvPr>
+          <p:cNvSpPr txBox="1"/>
+          <p:nvPr/>
+        </p:nvSpPr>
+        <p:spPr>
+          <a:xfrm>
+            <a:off x="7425447" y="2034013"/>
+            <a:ext cx="4675762" cy="4247317"/>
+          </a:xfrm>
+          <a:prstGeom prst="rect">
+            <a:avLst/>
+          </a:prstGeom>
+          <a:noFill/>
+        </p:spPr>
+        <p:txBody>
+          <a:bodyPr wrap="square">
+            <a:spAutoFit/>
           </a:bodyPr>
           <a:lstStyle/>
           <a:p>
-            <a:pPr marL="0" indent="0">
-              <a:buNone/>
-            </a:pPr>
-            <a:br>
-              <a:rPr lang="zh-CN" altLang="en-US" dirty="0"/>
-            </a:br>
-            <a:endParaRPr lang="zh-CN" altLang="en-US" dirty="0"/>
+            <a:r>
+              <a:rPr lang="zh-CN" altLang="en-US" dirty="0"/>
+              <a:t>黑 </a:t>
+            </a:r>
+            <a:r>
+              <a:rPr lang="en-US" altLang="zh-CN" dirty="0"/>
+              <a:t>= </a:t>
+            </a:r>
+            <a:r>
+              <a:rPr lang="zh-CN" altLang="en-US" dirty="0"/>
+              <a:t>拉丁文字及符号</a:t>
+            </a:r>
+          </a:p>
+          <a:p>
+            <a:r>
+              <a:rPr lang="zh-CN" altLang="en-US" dirty="0"/>
+              <a:t>浅蓝 </a:t>
+            </a:r>
+            <a:r>
+              <a:rPr lang="en-US" altLang="zh-CN" dirty="0"/>
+              <a:t>= Linguistic scripts</a:t>
+            </a:r>
+          </a:p>
+          <a:p>
+            <a:r>
+              <a:rPr lang="zh-CN" altLang="en-US" dirty="0"/>
+              <a:t>蓝 </a:t>
+            </a:r>
+            <a:r>
+              <a:rPr lang="en-US" altLang="zh-CN" dirty="0"/>
+              <a:t>= </a:t>
+            </a:r>
+            <a:r>
+              <a:rPr lang="zh-CN" altLang="en-US" dirty="0"/>
+              <a:t>其他欧洲文字</a:t>
+            </a:r>
+          </a:p>
+          <a:p>
+            <a:r>
+              <a:rPr lang="zh-CN" altLang="en-US" dirty="0"/>
+              <a:t>橘 </a:t>
+            </a:r>
+            <a:r>
+              <a:rPr lang="en-US" altLang="zh-CN" dirty="0"/>
+              <a:t>= Middle Eastern and SW Asian scripts</a:t>
+            </a:r>
+          </a:p>
+          <a:p>
+            <a:r>
+              <a:rPr lang="zh-CN" altLang="en-US" dirty="0"/>
+              <a:t>浅橘 </a:t>
+            </a:r>
+            <a:r>
+              <a:rPr lang="en-US" altLang="zh-CN" dirty="0"/>
+              <a:t>= </a:t>
+            </a:r>
+            <a:r>
+              <a:rPr lang="zh-CN" altLang="en-US" dirty="0"/>
+              <a:t>非洲文字</a:t>
+            </a:r>
+          </a:p>
+          <a:p>
+            <a:r>
+              <a:rPr lang="zh-CN" altLang="en-US" dirty="0"/>
+              <a:t>绿 </a:t>
+            </a:r>
+            <a:r>
+              <a:rPr lang="en-US" altLang="zh-CN" dirty="0"/>
+              <a:t>= </a:t>
+            </a:r>
+            <a:r>
+              <a:rPr lang="zh-CN" altLang="en-US" dirty="0"/>
+              <a:t>南亚文字</a:t>
+            </a:r>
+          </a:p>
+          <a:p>
+            <a:r>
+              <a:rPr lang="zh-CN" altLang="en-US" dirty="0"/>
+              <a:t>紫 </a:t>
+            </a:r>
+            <a:r>
+              <a:rPr lang="en-US" altLang="zh-CN" dirty="0"/>
+              <a:t>= </a:t>
+            </a:r>
+            <a:r>
+              <a:rPr lang="zh-CN" altLang="en-US" dirty="0"/>
+              <a:t>东南亚文字</a:t>
+            </a:r>
+          </a:p>
+          <a:p>
+            <a:r>
+              <a:rPr lang="zh-CN" altLang="en-US" dirty="0"/>
+              <a:t>红 </a:t>
+            </a:r>
+            <a:r>
+              <a:rPr lang="en-US" altLang="zh-CN" dirty="0"/>
+              <a:t>= </a:t>
+            </a:r>
+            <a:r>
+              <a:rPr lang="zh-CN" altLang="en-US" dirty="0"/>
+              <a:t>东亚文字</a:t>
+            </a:r>
+          </a:p>
+          <a:p>
+            <a:r>
+              <a:rPr lang="zh-CN" altLang="en-US" dirty="0"/>
+              <a:t>浅红 </a:t>
+            </a:r>
+            <a:r>
+              <a:rPr lang="en-US" altLang="zh-CN" dirty="0"/>
+              <a:t>= </a:t>
+            </a:r>
+            <a:r>
+              <a:rPr lang="zh-CN" altLang="en-US" dirty="0"/>
+              <a:t>中日韩汉字</a:t>
+            </a:r>
+          </a:p>
+          <a:p>
+            <a:r>
+              <a:rPr lang="zh-CN" altLang="en-US" dirty="0"/>
+              <a:t>黄 </a:t>
+            </a:r>
+            <a:r>
+              <a:rPr lang="en-US" altLang="zh-CN" dirty="0"/>
+              <a:t>= Aboriginal scripts</a:t>
+            </a:r>
+          </a:p>
+          <a:p>
+            <a:r>
+              <a:rPr lang="zh-CN" altLang="en-US" dirty="0"/>
+              <a:t>紫红 </a:t>
+            </a:r>
+            <a:r>
+              <a:rPr lang="en-US" altLang="zh-CN" dirty="0"/>
+              <a:t>= </a:t>
+            </a:r>
+            <a:r>
+              <a:rPr lang="zh-CN" altLang="en-US" dirty="0"/>
+              <a:t>符号</a:t>
+            </a:r>
+          </a:p>
+          <a:p>
+            <a:r>
+              <a:rPr lang="zh-CN" altLang="en-US" dirty="0"/>
+              <a:t>深灰 </a:t>
+            </a:r>
+            <a:r>
+              <a:rPr lang="en-US" altLang="zh-CN" dirty="0"/>
+              <a:t>= Diacritics</a:t>
+            </a:r>
+          </a:p>
+          <a:p>
+            <a:r>
+              <a:rPr lang="zh-CN" altLang="en-US" dirty="0"/>
+              <a:t>浅灰 </a:t>
+            </a:r>
+            <a:r>
+              <a:rPr lang="en-US" altLang="zh-CN" dirty="0"/>
+              <a:t>= UTF-16surrogates and private use</a:t>
+            </a:r>
+          </a:p>
+          <a:p>
+            <a:r>
+              <a:rPr lang="zh-CN" altLang="en-US" dirty="0"/>
+              <a:t>蓝青 </a:t>
+            </a:r>
+            <a:r>
+              <a:rPr lang="en-US" altLang="zh-CN" dirty="0"/>
+              <a:t>= Miscellaneous characters</a:t>
+            </a:r>
+          </a:p>
+          <a:p>
+            <a:r>
+              <a:rPr lang="zh-CN" altLang="en-US" dirty="0"/>
+              <a:t>白 </a:t>
+            </a:r>
+            <a:r>
+              <a:rPr lang="en-US" altLang="zh-CN" dirty="0"/>
+              <a:t>= </a:t>
+            </a:r>
+            <a:r>
+              <a:rPr lang="zh-CN" altLang="en-US" dirty="0"/>
+              <a:t>未使用</a:t>
+            </a:r>
+          </a:p>
+        </p:txBody>
+      </p:sp>
+      <p:sp>
+        <p:nvSpPr>
+          <p:cNvPr id="9" name="文本框 8">
+            <a:extLst>
+              <a:ext uri="{FF2B5EF4-FFF2-40B4-BE49-F238E27FC236}">
+                <a16:creationId xmlns:a16="http://schemas.microsoft.com/office/drawing/2014/main" id="{808EA348-A721-4CA9-BFE7-53E6EA42BE37}"/>
+              </a:ext>
+            </a:extLst>
+          </p:cNvPr>
+          <p:cNvSpPr txBox="1"/>
+          <p:nvPr/>
+        </p:nvSpPr>
+        <p:spPr>
+          <a:xfrm>
+            <a:off x="7425447" y="6392143"/>
+            <a:ext cx="3800273" cy="369332"/>
+          </a:xfrm>
+          <a:prstGeom prst="rect">
+            <a:avLst/>
+          </a:prstGeom>
+          <a:noFill/>
+        </p:spPr>
+        <p:txBody>
+          <a:bodyPr wrap="square">
+            <a:spAutoFit/>
+          </a:bodyPr>
+          <a:lstStyle/>
+          <a:p>
+            <a:r>
+              <a:rPr lang="zh-CN" altLang="en-US" dirty="0"/>
+              <a:t>每个写着数字的格子代表</a:t>
+            </a:r>
+            <a:r>
+              <a:rPr lang="en-US" altLang="zh-CN" dirty="0"/>
+              <a:t>256</a:t>
+            </a:r>
+            <a:r>
+              <a:rPr lang="zh-CN" altLang="en-US" dirty="0"/>
+              <a:t>个码点</a:t>
+            </a:r>
           </a:p>
         </p:txBody>
       </p:sp>
     </p:spTree>
     <p:extLst>
       <p:ext uri="{BB962C8B-B14F-4D97-AF65-F5344CB8AC3E}">
-        <p14:creationId xmlns:p14="http://schemas.microsoft.com/office/powerpoint/2010/main" val="1289760301"/>
+        <p14:creationId xmlns:p14="http://schemas.microsoft.com/office/powerpoint/2010/main" val="3050146344"/>
       </p:ext>
     </p:extLst>
   </p:cSld>
@@ -8982,7 +9726,7 @@
           <p:cNvPr id="2" name="标题 1">
             <a:extLst>
               <a:ext uri="{FF2B5EF4-FFF2-40B4-BE49-F238E27FC236}">
-                <a16:creationId xmlns:a16="http://schemas.microsoft.com/office/drawing/2014/main" id="{B1AA155A-4A36-4085-BF68-DD9783C31505}"/>
+                <a16:creationId xmlns:a16="http://schemas.microsoft.com/office/drawing/2014/main" id="{F97FEC2C-903E-4A47-974C-27A33228303E}"/>
               </a:ext>
             </a:extLst>
           </p:cNvPr>
@@ -9000,13 +9744,32 @@
           <a:p>
             <a:r>
               <a:rPr lang="en-US" altLang="zh-CN" dirty="0"/>
-              <a:t>6.4 </a:t>
-            </a:r>
-            <a:r>
-              <a:rPr lang="zh-CN" altLang="en-US" dirty="0"/>
-              <a:t>字频统计</a:t>
-            </a:r>
-            <a:endParaRPr lang="zh-CN" altLang="en-US" b="1" dirty="0"/>
+              <a:t>Unicode</a:t>
+            </a:r>
+            <a:r>
+              <a:rPr lang="zh-CN" altLang="en-US" dirty="0"/>
+              <a:t>转换格式 </a:t>
+            </a:r>
+            <a:r>
+              <a:rPr lang="zh-CN" altLang="en-US" sz="2000" dirty="0"/>
+              <a:t>（</a:t>
+            </a:r>
+            <a:r>
+              <a:rPr lang="en-US" altLang="zh-CN" sz="2000" dirty="0"/>
+              <a:t> Unicode Translation Format </a:t>
+            </a:r>
+            <a:r>
+              <a:rPr lang="zh-CN" altLang="en-US" sz="2000" dirty="0"/>
+              <a:t>，</a:t>
+            </a:r>
+            <a:r>
+              <a:rPr lang="en-US" altLang="zh-CN" sz="2000" dirty="0"/>
+              <a:t>UTF </a:t>
+            </a:r>
+            <a:r>
+              <a:rPr lang="zh-CN" altLang="en-US" sz="2000" dirty="0"/>
+              <a:t>）</a:t>
+            </a:r>
           </a:p>
         </p:txBody>
       </p:sp>
@@ -9015,7 +9778,7 @@
           <p:cNvPr id="3" name="内容占位符 2">
             <a:extLst>
               <a:ext uri="{FF2B5EF4-FFF2-40B4-BE49-F238E27FC236}">
-                <a16:creationId xmlns:a16="http://schemas.microsoft.com/office/drawing/2014/main" id="{81B33DC0-BF5D-412E-AF38-E6D4F60B9A29}"/>
+                <a16:creationId xmlns:a16="http://schemas.microsoft.com/office/drawing/2014/main" id="{0CDD9DE6-313C-4A07-8371-2FC93A47817E}"/>
               </a:ext>
             </a:extLst>
           </p:cNvPr>
@@ -9028,71 +9791,2632 @@
         </p:nvSpPr>
         <p:spPr>
           <a:xfrm>
-            <a:off x="680321" y="2336873"/>
-            <a:ext cx="9613861" cy="4115808"/>
-          </a:xfrm>
-        </p:spPr>
-        <p:txBody>
-          <a:bodyPr>
-            <a:noAutofit/>
+            <a:off x="602500" y="2187716"/>
+            <a:ext cx="10000649" cy="458207"/>
+          </a:xfrm>
+        </p:spPr>
+        <p:txBody>
+          <a:bodyPr/>
+          <a:lstStyle/>
+          <a:p>
+            <a:pPr marL="0" indent="0">
+              <a:buNone/>
+            </a:pPr>
+            <a:r>
+              <a:rPr lang="en-US" altLang="zh-CN" dirty="0"/>
+              <a:t>UTF</a:t>
+            </a:r>
+            <a:r>
+              <a:rPr lang="zh-CN" altLang="en-US" dirty="0"/>
+              <a:t>是</a:t>
+            </a:r>
+            <a:r>
+              <a:rPr lang="en-US" altLang="zh-CN" dirty="0"/>
+              <a:t>Unicode</a:t>
+            </a:r>
+            <a:r>
+              <a:rPr lang="zh-CN" altLang="en-US" dirty="0"/>
+              <a:t>的实现方式，即怎样将</a:t>
+            </a:r>
+            <a:r>
+              <a:rPr lang="en-US" altLang="zh-CN" dirty="0"/>
+              <a:t>Unicode</a:t>
+            </a:r>
+            <a:r>
+              <a:rPr lang="zh-CN" altLang="en-US" dirty="0"/>
+              <a:t>定义的数字转换成程序数据</a:t>
+            </a:r>
+            <a:endParaRPr lang="en-US" altLang="zh-CN" dirty="0"/>
+          </a:p>
+        </p:txBody>
+      </p:sp>
+      <p:sp>
+        <p:nvSpPr>
+          <p:cNvPr id="9" name="文本框 8">
+            <a:extLst>
+              <a:ext uri="{FF2B5EF4-FFF2-40B4-BE49-F238E27FC236}">
+                <a16:creationId xmlns:a16="http://schemas.microsoft.com/office/drawing/2014/main" id="{FDFA2D9F-E2EF-4768-BC74-FE2A1DF244C6}"/>
+              </a:ext>
+            </a:extLst>
+          </p:cNvPr>
+          <p:cNvSpPr txBox="1"/>
+          <p:nvPr/>
+        </p:nvSpPr>
+        <p:spPr>
+          <a:xfrm>
+            <a:off x="609600" y="3093396"/>
+            <a:ext cx="9747115" cy="2862322"/>
+          </a:xfrm>
+          <a:prstGeom prst="rect">
+            <a:avLst/>
+          </a:prstGeom>
+          <a:noFill/>
+        </p:spPr>
+        <p:txBody>
+          <a:bodyPr wrap="square">
+            <a:spAutoFit/>
           </a:bodyPr>
           <a:lstStyle/>
           <a:p>
-            <a:pPr marL="0" indent="0">
-              <a:buNone/>
-            </a:pPr>
-            <a:br>
-              <a:rPr lang="zh-CN" altLang="en-US"/>
-            </a:br>
+            <a:r>
+              <a:rPr lang="zh-CN" altLang="en-US" dirty="0"/>
+              <a:t>例如，“汉字”对应的数字是</a:t>
+            </a:r>
+            <a:r>
+              <a:rPr lang="en-US" altLang="zh-CN" dirty="0"/>
+              <a:t>0x6c49</a:t>
+            </a:r>
+            <a:r>
+              <a:rPr lang="zh-CN" altLang="en-US" dirty="0"/>
+              <a:t>和</a:t>
+            </a:r>
+            <a:r>
+              <a:rPr lang="en-US" altLang="zh-CN" dirty="0"/>
+              <a:t>0x5b57</a:t>
+            </a:r>
+            <a:r>
+              <a:rPr lang="zh-CN" altLang="en-US" dirty="0"/>
+              <a:t>，而编码的程序数据是：</a:t>
+            </a:r>
+          </a:p>
+          <a:p>
             <a:r>
               <a:rPr lang="zh-CN" altLang="en-US" dirty="0"/>
               <a:t>　　</a:t>
             </a:r>
             <a:r>
               <a:rPr lang="en-US" altLang="zh-CN" dirty="0"/>
-              <a:t>6.4.1 </a:t>
-            </a:r>
-            <a:r>
-              <a:rPr lang="zh-CN" altLang="en-US" dirty="0"/>
-              <a:t>字频统计的应用</a:t>
-            </a:r>
-            <a:br>
-              <a:rPr lang="zh-CN" altLang="en-US" dirty="0"/>
-            </a:br>
+              <a:t>BYTE 	data_utf8[] 	= 	{0xE6, 0xB1, 0x89, 0xE5, 0xAD, 0x97}; // UTF-8  </a:t>
+            </a:r>
+            <a:r>
+              <a:rPr lang="zh-CN" altLang="en-US" dirty="0"/>
+              <a:t>编码</a:t>
+            </a:r>
+          </a:p>
+          <a:p>
             <a:r>
               <a:rPr lang="zh-CN" altLang="en-US" dirty="0"/>
               <a:t>　　</a:t>
             </a:r>
             <a:r>
               <a:rPr lang="en-US" altLang="zh-CN" dirty="0"/>
-              <a:t>6.4.2 </a:t>
-            </a:r>
-            <a:r>
-              <a:rPr lang="zh-CN" altLang="en-US" dirty="0"/>
-              <a:t>单字字频统计</a:t>
-            </a:r>
-            <a:br>
-              <a:rPr lang="zh-CN" altLang="en-US" dirty="0"/>
-            </a:br>
+              <a:t>WORD 	data_utf16[] 	= 	{0x6c49, 0x5b57}; 					// UTF-16</a:t>
+            </a:r>
+            <a:r>
+              <a:rPr lang="zh-CN" altLang="en-US" dirty="0"/>
+              <a:t>编码</a:t>
+            </a:r>
+          </a:p>
+          <a:p>
             <a:r>
               <a:rPr lang="zh-CN" altLang="en-US" dirty="0"/>
               <a:t>　　</a:t>
             </a:r>
             <a:r>
               <a:rPr lang="en-US" altLang="zh-CN" dirty="0"/>
-              <a:t>6.4.3 </a:t>
-            </a:r>
-            <a:r>
-              <a:rPr lang="zh-CN" altLang="en-US" dirty="0"/>
-              <a:t>双字字频统计</a:t>
-            </a:r>
+              <a:t>DWORD 	data_utf32[] 	= 	{0x6c49, 0x5b57}; 					// UTF-32</a:t>
+            </a:r>
+            <a:r>
+              <a:rPr lang="zh-CN" altLang="en-US" dirty="0"/>
+              <a:t>编码</a:t>
+            </a:r>
+          </a:p>
+          <a:p>
+            <a:r>
+              <a:rPr lang="zh-CN" altLang="en-US" dirty="0"/>
+              <a:t>　　</a:t>
+            </a:r>
+            <a:endParaRPr lang="en-US" altLang="zh-CN" dirty="0"/>
+          </a:p>
+          <a:p>
+            <a:r>
+              <a:rPr lang="en-US" altLang="zh-CN" dirty="0"/>
+              <a:t>BYTE</a:t>
+            </a:r>
+            <a:r>
+              <a:rPr lang="zh-CN" altLang="en-US" dirty="0"/>
+              <a:t>、</a:t>
+            </a:r>
+            <a:r>
+              <a:rPr lang="en-US" altLang="zh-CN" dirty="0"/>
+              <a:t>WORD</a:t>
+            </a:r>
+            <a:r>
+              <a:rPr lang="zh-CN" altLang="en-US" dirty="0"/>
+              <a:t>、</a:t>
+            </a:r>
+            <a:r>
+              <a:rPr lang="en-US" altLang="zh-CN" dirty="0"/>
+              <a:t>DWORD</a:t>
+            </a:r>
+            <a:r>
+              <a:rPr lang="zh-CN" altLang="en-US" dirty="0"/>
+              <a:t>分别表示无符号</a:t>
+            </a:r>
+            <a:r>
+              <a:rPr lang="en-US" altLang="zh-CN" dirty="0"/>
+              <a:t>8</a:t>
+            </a:r>
+            <a:r>
+              <a:rPr lang="zh-CN" altLang="en-US" dirty="0"/>
+              <a:t>位整数，无符号</a:t>
+            </a:r>
+            <a:r>
+              <a:rPr lang="en-US" altLang="zh-CN" dirty="0"/>
+              <a:t>16</a:t>
+            </a:r>
+            <a:r>
+              <a:rPr lang="zh-CN" altLang="en-US" dirty="0"/>
+              <a:t>位整数和无符号</a:t>
+            </a:r>
+            <a:r>
+              <a:rPr lang="en-US" altLang="zh-CN" dirty="0"/>
+              <a:t>32</a:t>
+            </a:r>
+            <a:r>
+              <a:rPr lang="zh-CN" altLang="en-US" dirty="0"/>
+              <a:t>位整数。</a:t>
+            </a:r>
+            <a:endParaRPr lang="en-US" altLang="zh-CN" dirty="0"/>
+          </a:p>
+          <a:p>
+            <a:endParaRPr lang="en-US" altLang="zh-CN" dirty="0"/>
+          </a:p>
+          <a:p>
+            <a:r>
+              <a:rPr lang="zh-CN" altLang="en-US" dirty="0"/>
+              <a:t>“汉字”的</a:t>
+            </a:r>
+            <a:r>
+              <a:rPr lang="en-US" altLang="zh-CN" dirty="0"/>
+              <a:t>UTF-8  </a:t>
+            </a:r>
+            <a:r>
+              <a:rPr lang="zh-CN" altLang="en-US" dirty="0"/>
+              <a:t>编码需要</a:t>
+            </a:r>
+            <a:r>
+              <a:rPr lang="en-US" altLang="zh-CN" dirty="0"/>
+              <a:t>6</a:t>
+            </a:r>
+            <a:r>
+              <a:rPr lang="zh-CN" altLang="en-US" dirty="0"/>
+              <a:t>个字节（</a:t>
+            </a:r>
+            <a:r>
+              <a:rPr lang="en-US" altLang="zh-CN" dirty="0"/>
+              <a:t> BYTE </a:t>
+            </a:r>
+            <a:r>
+              <a:rPr lang="zh-CN" altLang="en-US" dirty="0"/>
+              <a:t>）。</a:t>
+            </a:r>
+            <a:endParaRPr lang="en-US" altLang="zh-CN" dirty="0"/>
+          </a:p>
+          <a:p>
+            <a:r>
+              <a:rPr lang="zh-CN" altLang="en-US" dirty="0"/>
+              <a:t>“汉字”的</a:t>
+            </a:r>
+            <a:r>
+              <a:rPr lang="en-US" altLang="zh-CN" dirty="0"/>
+              <a:t>UTF-16</a:t>
+            </a:r>
+            <a:r>
+              <a:rPr lang="zh-CN" altLang="en-US" dirty="0"/>
+              <a:t>编码需要两个</a:t>
+            </a:r>
+            <a:r>
+              <a:rPr lang="en-US" altLang="zh-CN" dirty="0"/>
+              <a:t>WORD</a:t>
+            </a:r>
+            <a:r>
+              <a:rPr lang="zh-CN" altLang="en-US" dirty="0"/>
+              <a:t>，大小是</a:t>
+            </a:r>
+            <a:r>
+              <a:rPr lang="en-US" altLang="zh-CN" dirty="0"/>
+              <a:t>4</a:t>
+            </a:r>
+            <a:r>
+              <a:rPr lang="zh-CN" altLang="en-US" dirty="0"/>
+              <a:t>个字节。</a:t>
+            </a:r>
+            <a:endParaRPr lang="en-US" altLang="zh-CN" dirty="0"/>
+          </a:p>
+          <a:p>
+            <a:r>
+              <a:rPr lang="zh-CN" altLang="en-US" dirty="0"/>
+              <a:t>“汉字”的</a:t>
+            </a:r>
+            <a:r>
+              <a:rPr lang="en-US" altLang="zh-CN" dirty="0"/>
+              <a:t>UTF-32</a:t>
+            </a:r>
+            <a:r>
+              <a:rPr lang="zh-CN" altLang="en-US" dirty="0"/>
+              <a:t>编码需要两个</a:t>
+            </a:r>
+            <a:r>
+              <a:rPr lang="en-US" altLang="zh-CN" dirty="0"/>
+              <a:t>DWORD</a:t>
+            </a:r>
+            <a:r>
+              <a:rPr lang="zh-CN" altLang="en-US" dirty="0"/>
+              <a:t>，大小是</a:t>
+            </a:r>
+            <a:r>
+              <a:rPr lang="en-US" altLang="zh-CN" dirty="0"/>
+              <a:t>8</a:t>
+            </a:r>
+            <a:r>
+              <a:rPr lang="zh-CN" altLang="en-US" dirty="0"/>
+              <a:t>个字节。</a:t>
+            </a:r>
+            <a:endParaRPr lang="en-US" altLang="zh-CN" dirty="0"/>
+          </a:p>
+        </p:txBody>
+      </p:sp>
+      <p:sp>
+        <p:nvSpPr>
+          <p:cNvPr id="11" name="文本框 10">
+            <a:extLst>
+              <a:ext uri="{FF2B5EF4-FFF2-40B4-BE49-F238E27FC236}">
+                <a16:creationId xmlns:a16="http://schemas.microsoft.com/office/drawing/2014/main" id="{EAF674BC-E57F-40E3-AE55-6D5F61FFA36D}"/>
+              </a:ext>
+            </a:extLst>
+          </p:cNvPr>
+          <p:cNvSpPr txBox="1"/>
+          <p:nvPr/>
+        </p:nvSpPr>
+        <p:spPr>
+          <a:xfrm>
+            <a:off x="680321" y="6611779"/>
+            <a:ext cx="6096000" cy="246221"/>
+          </a:xfrm>
+          <a:prstGeom prst="rect">
+            <a:avLst/>
+          </a:prstGeom>
+          <a:noFill/>
+        </p:spPr>
+        <p:txBody>
+          <a:bodyPr wrap="square">
+            <a:spAutoFit/>
+          </a:bodyPr>
+          <a:lstStyle/>
+          <a:p>
+            <a:r>
+              <a:rPr lang="en-US" altLang="zh-CN" sz="1000" dirty="0"/>
+              <a:t>http://blog.chinaunix.net/uid-22805258-id-1768945.html</a:t>
+            </a:r>
+            <a:endParaRPr lang="zh-CN" altLang="en-US" sz="1000" dirty="0"/>
           </a:p>
         </p:txBody>
       </p:sp>
     </p:spTree>
     <p:extLst>
       <p:ext uri="{BB962C8B-B14F-4D97-AF65-F5344CB8AC3E}">
-        <p14:creationId xmlns:p14="http://schemas.microsoft.com/office/powerpoint/2010/main" val="1335123535"/>
+        <p14:creationId xmlns:p14="http://schemas.microsoft.com/office/powerpoint/2010/main" val="1627473792"/>
+      </p:ext>
+    </p:extLst>
+  </p:cSld>
+  <p:clrMapOvr>
+    <a:masterClrMapping/>
+  </p:clrMapOvr>
+</p:sld>
+</file>
+
+<file path=ppt/slides/slide16.xml><?xml version="1.0" encoding="utf-8"?>
+<p:sld xmlns:a="http://schemas.openxmlformats.org/drawingml/2006/main" xmlns:r="http://schemas.openxmlformats.org/officeDocument/2006/relationships" xmlns:p="http://schemas.openxmlformats.org/presentationml/2006/main">
+  <p:cSld>
+    <p:spTree>
+      <p:nvGrpSpPr>
+        <p:cNvPr id="1" name=""/>
+        <p:cNvGrpSpPr/>
+        <p:nvPr/>
+      </p:nvGrpSpPr>
+      <p:grpSpPr>
+        <a:xfrm>
+          <a:off x="0" y="0"/>
+          <a:ext cx="0" cy="0"/>
+          <a:chOff x="0" y="0"/>
+          <a:chExt cx="0" cy="0"/>
+        </a:xfrm>
+      </p:grpSpPr>
+      <p:sp>
+        <p:nvSpPr>
+          <p:cNvPr id="2" name="标题 1">
+            <a:extLst>
+              <a:ext uri="{FF2B5EF4-FFF2-40B4-BE49-F238E27FC236}">
+                <a16:creationId xmlns:a16="http://schemas.microsoft.com/office/drawing/2014/main" id="{DD731B0E-2F1F-467F-AB5D-931D548B53E0}"/>
+              </a:ext>
+            </a:extLst>
+          </p:cNvPr>
+          <p:cNvSpPr>
+            <a:spLocks noGrp="1"/>
+          </p:cNvSpPr>
+          <p:nvPr>
+            <p:ph type="title"/>
+          </p:nvPr>
+        </p:nvSpPr>
+        <p:spPr/>
+        <p:txBody>
+          <a:bodyPr/>
+          <a:lstStyle/>
+          <a:p>
+            <a:r>
+              <a:rPr lang="en-US" altLang="zh-CN" sz="3600" dirty="0"/>
+              <a:t>UTF-8</a:t>
+            </a:r>
+            <a:endParaRPr lang="zh-CN" altLang="en-US" dirty="0"/>
+          </a:p>
+        </p:txBody>
+      </p:sp>
+      <p:sp>
+        <p:nvSpPr>
+          <p:cNvPr id="3" name="内容占位符 2">
+            <a:extLst>
+              <a:ext uri="{FF2B5EF4-FFF2-40B4-BE49-F238E27FC236}">
+                <a16:creationId xmlns:a16="http://schemas.microsoft.com/office/drawing/2014/main" id="{A0438A3E-1C6D-4668-AF0D-80C2AC0A811D}"/>
+              </a:ext>
+            </a:extLst>
+          </p:cNvPr>
+          <p:cNvSpPr>
+            <a:spLocks noGrp="1"/>
+          </p:cNvSpPr>
+          <p:nvPr>
+            <p:ph idx="1"/>
+          </p:nvPr>
+        </p:nvSpPr>
+        <p:spPr>
+          <a:xfrm>
+            <a:off x="511708" y="2259051"/>
+            <a:ext cx="9682879" cy="2047060"/>
+          </a:xfrm>
+        </p:spPr>
+        <p:txBody>
+          <a:bodyPr>
+            <a:normAutofit lnSpcReduction="10000"/>
+          </a:bodyPr>
+          <a:lstStyle/>
+          <a:p>
+            <a:pPr marL="0" indent="0">
+              <a:buNone/>
+            </a:pPr>
+            <a:r>
+              <a:rPr lang="en-US" altLang="zh-CN" dirty="0"/>
+              <a:t>UTF-8</a:t>
+            </a:r>
+            <a:r>
+              <a:rPr lang="zh-CN" altLang="en-US" dirty="0"/>
+              <a:t>的特点是对</a:t>
+            </a:r>
+            <a:r>
+              <a:rPr lang="zh-CN" altLang="en-US" b="1" dirty="0">
+                <a:solidFill>
+                  <a:schemeClr val="bg1"/>
+                </a:solidFill>
+              </a:rPr>
+              <a:t>不同范围的字符</a:t>
+            </a:r>
+            <a:r>
+              <a:rPr lang="zh-CN" altLang="en-US" dirty="0"/>
+              <a:t>使用</a:t>
+            </a:r>
+            <a:r>
+              <a:rPr lang="zh-CN" altLang="en-US" b="1" dirty="0">
+                <a:solidFill>
+                  <a:schemeClr val="bg1"/>
+                </a:solidFill>
+              </a:rPr>
+              <a:t>不同长度的编码</a:t>
+            </a:r>
+            <a:endParaRPr lang="en-US" altLang="zh-CN" b="1" dirty="0">
+              <a:solidFill>
+                <a:schemeClr val="bg1"/>
+              </a:solidFill>
+            </a:endParaRPr>
+          </a:p>
+          <a:p>
+            <a:pPr marL="0" indent="0">
+              <a:buNone/>
+            </a:pPr>
+            <a:endParaRPr lang="en-US" altLang="zh-CN" b="1" dirty="0">
+              <a:solidFill>
+                <a:schemeClr val="bg1"/>
+              </a:solidFill>
+            </a:endParaRPr>
+          </a:p>
+          <a:p>
+            <a:pPr lvl="1"/>
+            <a:r>
+              <a:rPr lang="zh-CN" altLang="en-US" dirty="0"/>
+              <a:t>对于</a:t>
+            </a:r>
+            <a:r>
+              <a:rPr lang="en-US" altLang="zh-CN" dirty="0"/>
+              <a:t>0x00-0x7F</a:t>
+            </a:r>
+            <a:r>
+              <a:rPr lang="zh-CN" altLang="en-US" dirty="0"/>
+              <a:t>之间的字符，</a:t>
+            </a:r>
+            <a:r>
+              <a:rPr lang="en-US" altLang="zh-CN" dirty="0"/>
+              <a:t>UTF-8</a:t>
+            </a:r>
+            <a:r>
+              <a:rPr lang="zh-CN" altLang="en-US" dirty="0"/>
+              <a:t>编码与</a:t>
+            </a:r>
+            <a:r>
+              <a:rPr lang="en-US" altLang="zh-CN" dirty="0"/>
+              <a:t>ASCII</a:t>
+            </a:r>
+            <a:r>
+              <a:rPr lang="zh-CN" altLang="en-US" dirty="0"/>
+              <a:t>编码完全相同。</a:t>
+            </a:r>
+            <a:endParaRPr lang="en-US" altLang="zh-CN" dirty="0"/>
+          </a:p>
+          <a:p>
+            <a:pPr lvl="1"/>
+            <a:r>
+              <a:rPr lang="en-US" altLang="zh-CN" dirty="0"/>
+              <a:t>UTF-8</a:t>
+            </a:r>
+            <a:r>
+              <a:rPr lang="zh-CN" altLang="en-US" dirty="0"/>
+              <a:t>编码的最大长度是</a:t>
+            </a:r>
+            <a:r>
+              <a:rPr lang="en-US" altLang="zh-CN" dirty="0"/>
+              <a:t>4</a:t>
+            </a:r>
+            <a:r>
+              <a:rPr lang="zh-CN" altLang="en-US" dirty="0"/>
+              <a:t>个字节。</a:t>
+            </a:r>
+            <a:endParaRPr lang="en-US" altLang="zh-CN" dirty="0"/>
+          </a:p>
+          <a:p>
+            <a:pPr lvl="1"/>
+            <a:r>
+              <a:rPr lang="zh-CN" altLang="en-US" dirty="0"/>
+              <a:t>从下表可以看出，</a:t>
+            </a:r>
+            <a:r>
+              <a:rPr lang="en-US" altLang="zh-CN" dirty="0"/>
+              <a:t>4</a:t>
+            </a:r>
+            <a:r>
+              <a:rPr lang="zh-CN" altLang="en-US" dirty="0"/>
+              <a:t>字节模板有</a:t>
+            </a:r>
+            <a:r>
+              <a:rPr lang="en-US" altLang="zh-CN" dirty="0"/>
+              <a:t>21</a:t>
+            </a:r>
+            <a:r>
+              <a:rPr lang="zh-CN" altLang="en-US" dirty="0"/>
+              <a:t>个</a:t>
+            </a:r>
+            <a:r>
+              <a:rPr lang="en-US" altLang="zh-CN" dirty="0"/>
+              <a:t>x</a:t>
+            </a:r>
+            <a:r>
+              <a:rPr lang="zh-CN" altLang="en-US" dirty="0"/>
+              <a:t>，即可以容纳</a:t>
+            </a:r>
+            <a:r>
+              <a:rPr lang="en-US" altLang="zh-CN" dirty="0"/>
+              <a:t>21</a:t>
+            </a:r>
+            <a:r>
+              <a:rPr lang="zh-CN" altLang="en-US" dirty="0"/>
+              <a:t>位二进制数字。</a:t>
+            </a:r>
+            <a:endParaRPr lang="en-US" altLang="zh-CN" dirty="0"/>
+          </a:p>
+          <a:p>
+            <a:pPr lvl="1"/>
+            <a:r>
+              <a:rPr lang="en-US" altLang="zh-CN" dirty="0"/>
+              <a:t>Unicode</a:t>
+            </a:r>
+            <a:r>
+              <a:rPr lang="zh-CN" altLang="en-US" dirty="0"/>
+              <a:t>的最大码位</a:t>
+            </a:r>
+            <a:r>
+              <a:rPr lang="en-US" altLang="zh-CN" dirty="0"/>
+              <a:t>0x10FFFF</a:t>
+            </a:r>
+            <a:r>
+              <a:rPr lang="zh-CN" altLang="en-US" dirty="0"/>
+              <a:t>只有</a:t>
+            </a:r>
+            <a:r>
+              <a:rPr lang="en-US" altLang="zh-CN" dirty="0"/>
+              <a:t>21</a:t>
+            </a:r>
+            <a:r>
+              <a:rPr lang="zh-CN" altLang="en-US" dirty="0"/>
+              <a:t>位。</a:t>
+            </a:r>
+          </a:p>
+        </p:txBody>
+      </p:sp>
+      <p:graphicFrame>
+        <p:nvGraphicFramePr>
+          <p:cNvPr id="6" name="表格 6">
+            <a:extLst>
+              <a:ext uri="{FF2B5EF4-FFF2-40B4-BE49-F238E27FC236}">
+                <a16:creationId xmlns:a16="http://schemas.microsoft.com/office/drawing/2014/main" id="{B35098BB-EB6A-447E-906D-A0E43C6CB1D9}"/>
+              </a:ext>
+            </a:extLst>
+          </p:cNvPr>
+          <p:cNvGraphicFramePr>
+            <a:graphicFrameLocks noGrp="1"/>
+          </p:cNvGraphicFramePr>
+          <p:nvPr>
+            <p:extLst>
+              <p:ext uri="{D42A27DB-BD31-4B8C-83A1-F6EECF244321}">
+                <p14:modId xmlns:p14="http://schemas.microsoft.com/office/powerpoint/2010/main" val="3806463599"/>
+              </p:ext>
+            </p:extLst>
+          </p:nvPr>
+        </p:nvGraphicFramePr>
+        <p:xfrm>
+          <a:off x="1091659" y="4567207"/>
+          <a:ext cx="8128000" cy="1854200"/>
+        </p:xfrm>
+        <a:graphic>
+          <a:graphicData uri="http://schemas.openxmlformats.org/drawingml/2006/table">
+            <a:tbl>
+              <a:tblPr firstRow="1" bandRow="1">
+                <a:tableStyleId>{5C22544A-7EE6-4342-B048-85BDC9FD1C3A}</a:tableStyleId>
+              </a:tblPr>
+              <a:tblGrid>
+                <a:gridCol w="4064000">
+                  <a:extLst>
+                    <a:ext uri="{9D8B030D-6E8A-4147-A177-3AD203B41FA5}">
+                      <a16:colId xmlns:a16="http://schemas.microsoft.com/office/drawing/2014/main" val="1912257984"/>
+                    </a:ext>
+                  </a:extLst>
+                </a:gridCol>
+                <a:gridCol w="4064000">
+                  <a:extLst>
+                    <a:ext uri="{9D8B030D-6E8A-4147-A177-3AD203B41FA5}">
+                      <a16:colId xmlns:a16="http://schemas.microsoft.com/office/drawing/2014/main" val="2279823891"/>
+                    </a:ext>
+                  </a:extLst>
+                </a:gridCol>
+              </a:tblGrid>
+              <a:tr h="370840">
+                <a:tc>
+                  <a:txBody>
+                    <a:bodyPr/>
+                    <a:lstStyle/>
+                    <a:p>
+                      <a:r>
+                        <a:rPr lang="en-US" altLang="zh-CN" dirty="0"/>
+                        <a:t>Unicode</a:t>
+                      </a:r>
+                      <a:r>
+                        <a:rPr lang="zh-CN" altLang="en-US" dirty="0"/>
+                        <a:t>编码</a:t>
+                      </a:r>
+                      <a:r>
+                        <a:rPr lang="en-US" altLang="zh-CN" dirty="0"/>
+                        <a:t>(16</a:t>
+                      </a:r>
+                      <a:r>
+                        <a:rPr lang="zh-CN" altLang="en-US" dirty="0"/>
+                        <a:t>进制</a:t>
+                      </a:r>
+                      <a:r>
+                        <a:rPr lang="en-US" altLang="zh-CN" dirty="0"/>
+                        <a:t>)</a:t>
+                      </a:r>
+                      <a:r>
+                        <a:rPr lang="zh-CN" altLang="en-US" dirty="0"/>
+                        <a:t>　</a:t>
+                      </a:r>
+                    </a:p>
+                  </a:txBody>
+                  <a:tcPr/>
+                </a:tc>
+                <a:tc>
+                  <a:txBody>
+                    <a:bodyPr/>
+                    <a:lstStyle/>
+                    <a:p>
+                      <a:pPr marL="0" marR="0" lvl="0" indent="0" algn="l" defTabSz="914400" rtl="0" eaLnBrk="1" fontAlgn="auto" latinLnBrk="0" hangingPunct="1">
+                        <a:lnSpc>
+                          <a:spcPct val="100000"/>
+                        </a:lnSpc>
+                        <a:spcBef>
+                          <a:spcPts val="0"/>
+                        </a:spcBef>
+                        <a:spcAft>
+                          <a:spcPts val="0"/>
+                        </a:spcAft>
+                        <a:buClrTx/>
+                        <a:buSzTx/>
+                        <a:buFontTx/>
+                        <a:buNone/>
+                        <a:tabLst/>
+                        <a:defRPr/>
+                      </a:pPr>
+                      <a:r>
+                        <a:rPr lang="en-US" altLang="zh-CN" dirty="0"/>
+                        <a:t>UTF-8 </a:t>
+                      </a:r>
+                      <a:r>
+                        <a:rPr lang="zh-CN" altLang="en-US" dirty="0"/>
+                        <a:t>字节流</a:t>
+                      </a:r>
+                      <a:r>
+                        <a:rPr lang="en-US" altLang="zh-CN" dirty="0"/>
+                        <a:t>(</a:t>
+                      </a:r>
+                      <a:r>
+                        <a:rPr lang="zh-CN" altLang="en-US" dirty="0"/>
+                        <a:t>二进制</a:t>
+                      </a:r>
+                      <a:r>
+                        <a:rPr lang="en-US" altLang="zh-CN" dirty="0"/>
+                        <a:t>)</a:t>
+                      </a:r>
+                      <a:endParaRPr lang="zh-CN" altLang="en-US" dirty="0"/>
+                    </a:p>
+                  </a:txBody>
+                  <a:tcPr/>
+                </a:tc>
+                <a:extLst>
+                  <a:ext uri="{0D108BD9-81ED-4DB2-BD59-A6C34878D82A}">
+                    <a16:rowId xmlns:a16="http://schemas.microsoft.com/office/drawing/2014/main" val="1917560248"/>
+                  </a:ext>
+                </a:extLst>
+              </a:tr>
+              <a:tr h="370840">
+                <a:tc>
+                  <a:txBody>
+                    <a:bodyPr/>
+                    <a:lstStyle/>
+                    <a:p>
+                      <a:r>
+                        <a:rPr lang="en-US" altLang="zh-CN" dirty="0"/>
+                        <a:t>000000 - 00007F</a:t>
+                      </a:r>
+                      <a:r>
+                        <a:rPr lang="zh-CN" altLang="en-US" dirty="0"/>
+                        <a:t>　</a:t>
+                      </a:r>
+                    </a:p>
+                  </a:txBody>
+                  <a:tcPr/>
+                </a:tc>
+                <a:tc>
+                  <a:txBody>
+                    <a:bodyPr/>
+                    <a:lstStyle/>
+                    <a:p>
+                      <a:r>
+                        <a:rPr lang="en-US" altLang="zh-CN" dirty="0"/>
+                        <a:t>0xxxxxxx</a:t>
+                      </a:r>
+                      <a:endParaRPr lang="zh-CN" altLang="en-US" dirty="0"/>
+                    </a:p>
+                  </a:txBody>
+                  <a:tcPr/>
+                </a:tc>
+                <a:extLst>
+                  <a:ext uri="{0D108BD9-81ED-4DB2-BD59-A6C34878D82A}">
+                    <a16:rowId xmlns:a16="http://schemas.microsoft.com/office/drawing/2014/main" val="2643236727"/>
+                  </a:ext>
+                </a:extLst>
+              </a:tr>
+              <a:tr h="370840">
+                <a:tc>
+                  <a:txBody>
+                    <a:bodyPr/>
+                    <a:lstStyle/>
+                    <a:p>
+                      <a:r>
+                        <a:rPr lang="en-US" altLang="zh-CN" dirty="0"/>
+                        <a:t>000080 - 0007FF</a:t>
+                      </a:r>
+                      <a:r>
+                        <a:rPr lang="zh-CN" altLang="en-US" dirty="0"/>
+                        <a:t>　</a:t>
+                      </a:r>
+                    </a:p>
+                  </a:txBody>
+                  <a:tcPr/>
+                </a:tc>
+                <a:tc>
+                  <a:txBody>
+                    <a:bodyPr/>
+                    <a:lstStyle/>
+                    <a:p>
+                      <a:r>
+                        <a:rPr lang="en-US" altLang="zh-CN" dirty="0"/>
+                        <a:t>110xxxxx 10xxxxxx</a:t>
+                      </a:r>
+                      <a:endParaRPr lang="zh-CN" altLang="en-US" dirty="0"/>
+                    </a:p>
+                  </a:txBody>
+                  <a:tcPr/>
+                </a:tc>
+                <a:extLst>
+                  <a:ext uri="{0D108BD9-81ED-4DB2-BD59-A6C34878D82A}">
+                    <a16:rowId xmlns:a16="http://schemas.microsoft.com/office/drawing/2014/main" val="3747415486"/>
+                  </a:ext>
+                </a:extLst>
+              </a:tr>
+              <a:tr h="370840">
+                <a:tc>
+                  <a:txBody>
+                    <a:bodyPr/>
+                    <a:lstStyle/>
+                    <a:p>
+                      <a:r>
+                        <a:rPr lang="en-US" altLang="zh-CN" dirty="0"/>
+                        <a:t>000800 - 00FFFF</a:t>
+                      </a:r>
+                      <a:r>
+                        <a:rPr lang="zh-CN" altLang="en-US" dirty="0"/>
+                        <a:t>　</a:t>
+                      </a:r>
+                    </a:p>
+                  </a:txBody>
+                  <a:tcPr/>
+                </a:tc>
+                <a:tc>
+                  <a:txBody>
+                    <a:bodyPr/>
+                    <a:lstStyle/>
+                    <a:p>
+                      <a:r>
+                        <a:rPr lang="en-US" altLang="zh-CN" dirty="0"/>
+                        <a:t>1110xxxx 10xxxxxx 10xxxxxx</a:t>
+                      </a:r>
+                      <a:endParaRPr lang="zh-CN" altLang="en-US" dirty="0"/>
+                    </a:p>
+                  </a:txBody>
+                  <a:tcPr/>
+                </a:tc>
+                <a:extLst>
+                  <a:ext uri="{0D108BD9-81ED-4DB2-BD59-A6C34878D82A}">
+                    <a16:rowId xmlns:a16="http://schemas.microsoft.com/office/drawing/2014/main" val="1953414862"/>
+                  </a:ext>
+                </a:extLst>
+              </a:tr>
+              <a:tr h="370840">
+                <a:tc>
+                  <a:txBody>
+                    <a:bodyPr/>
+                    <a:lstStyle/>
+                    <a:p>
+                      <a:r>
+                        <a:rPr lang="en-US" altLang="zh-CN" dirty="0"/>
+                        <a:t>010000 - 10FFFF</a:t>
+                      </a:r>
+                      <a:r>
+                        <a:rPr lang="zh-CN" altLang="en-US" dirty="0"/>
+                        <a:t>　</a:t>
+                      </a:r>
+                    </a:p>
+                  </a:txBody>
+                  <a:tcPr/>
+                </a:tc>
+                <a:tc>
+                  <a:txBody>
+                    <a:bodyPr/>
+                    <a:lstStyle/>
+                    <a:p>
+                      <a:r>
+                        <a:rPr lang="en-US" altLang="zh-CN" dirty="0"/>
+                        <a:t>11110xxx 10xxxxxx 10xxxxxx 10xxxxxx</a:t>
+                      </a:r>
+                      <a:endParaRPr lang="zh-CN" altLang="en-US" dirty="0"/>
+                    </a:p>
+                  </a:txBody>
+                  <a:tcPr/>
+                </a:tc>
+                <a:extLst>
+                  <a:ext uri="{0D108BD9-81ED-4DB2-BD59-A6C34878D82A}">
+                    <a16:rowId xmlns:a16="http://schemas.microsoft.com/office/drawing/2014/main" val="2540941591"/>
+                  </a:ext>
+                </a:extLst>
+              </a:tr>
+            </a:tbl>
+          </a:graphicData>
+        </a:graphic>
+      </p:graphicFrame>
+    </p:spTree>
+    <p:extLst>
+      <p:ext uri="{BB962C8B-B14F-4D97-AF65-F5344CB8AC3E}">
+        <p14:creationId xmlns:p14="http://schemas.microsoft.com/office/powerpoint/2010/main" val="2630312960"/>
+      </p:ext>
+    </p:extLst>
+  </p:cSld>
+  <p:clrMapOvr>
+    <a:masterClrMapping/>
+  </p:clrMapOvr>
+</p:sld>
+</file>
+
+<file path=ppt/slides/slide17.xml><?xml version="1.0" encoding="utf-8"?>
+<p:sld xmlns:a="http://schemas.openxmlformats.org/drawingml/2006/main" xmlns:r="http://schemas.openxmlformats.org/officeDocument/2006/relationships" xmlns:p="http://schemas.openxmlformats.org/presentationml/2006/main">
+  <p:cSld>
+    <p:spTree>
+      <p:nvGrpSpPr>
+        <p:cNvPr id="1" name=""/>
+        <p:cNvGrpSpPr/>
+        <p:nvPr/>
+      </p:nvGrpSpPr>
+      <p:grpSpPr>
+        <a:xfrm>
+          <a:off x="0" y="0"/>
+          <a:ext cx="0" cy="0"/>
+          <a:chOff x="0" y="0"/>
+          <a:chExt cx="0" cy="0"/>
+        </a:xfrm>
+      </p:grpSpPr>
+      <p:sp>
+        <p:nvSpPr>
+          <p:cNvPr id="2" name="标题 1">
+            <a:extLst>
+              <a:ext uri="{FF2B5EF4-FFF2-40B4-BE49-F238E27FC236}">
+                <a16:creationId xmlns:a16="http://schemas.microsoft.com/office/drawing/2014/main" id="{7221079A-5216-4737-9DEF-044B7932B96A}"/>
+              </a:ext>
+            </a:extLst>
+          </p:cNvPr>
+          <p:cNvSpPr>
+            <a:spLocks noGrp="1"/>
+          </p:cNvSpPr>
+          <p:nvPr>
+            <p:ph type="title"/>
+          </p:nvPr>
+        </p:nvSpPr>
+        <p:spPr/>
+        <p:txBody>
+          <a:bodyPr/>
+          <a:lstStyle/>
+          <a:p>
+            <a:r>
+              <a:rPr lang="en-US" altLang="zh-CN" sz="3600" dirty="0"/>
+              <a:t>UTF-8</a:t>
+            </a:r>
+            <a:endParaRPr lang="zh-CN" altLang="en-US" dirty="0"/>
+          </a:p>
+        </p:txBody>
+      </p:sp>
+      <p:sp>
+        <p:nvSpPr>
+          <p:cNvPr id="3" name="内容占位符 2">
+            <a:extLst>
+              <a:ext uri="{FF2B5EF4-FFF2-40B4-BE49-F238E27FC236}">
+                <a16:creationId xmlns:a16="http://schemas.microsoft.com/office/drawing/2014/main" id="{CC844E2C-6410-4CAB-ADFE-7337C9484B00}"/>
+              </a:ext>
+            </a:extLst>
+          </p:cNvPr>
+          <p:cNvSpPr>
+            <a:spLocks noGrp="1"/>
+          </p:cNvSpPr>
+          <p:nvPr>
+            <p:ph idx="1"/>
+          </p:nvPr>
+        </p:nvSpPr>
+        <p:spPr>
+          <a:xfrm>
+            <a:off x="262339" y="2051529"/>
+            <a:ext cx="11667321" cy="2624233"/>
+          </a:xfrm>
+        </p:spPr>
+        <p:txBody>
+          <a:bodyPr>
+            <a:normAutofit/>
+          </a:bodyPr>
+          <a:lstStyle/>
+          <a:p>
+            <a:pPr marL="0" indent="0">
+              <a:buNone/>
+            </a:pPr>
+            <a:r>
+              <a:rPr lang="zh-CN" altLang="en-US" dirty="0"/>
+              <a:t>例</a:t>
+            </a:r>
+            <a:r>
+              <a:rPr lang="en-US" altLang="zh-CN" dirty="0"/>
+              <a:t>1</a:t>
+            </a:r>
+            <a:r>
+              <a:rPr lang="zh-CN" altLang="en-US" dirty="0"/>
+              <a:t>：“汉”字的</a:t>
+            </a:r>
+            <a:r>
+              <a:rPr lang="en-US" altLang="zh-CN" dirty="0"/>
+              <a:t>Unicode</a:t>
+            </a:r>
+            <a:r>
+              <a:rPr lang="zh-CN" altLang="en-US" dirty="0"/>
+              <a:t>编码是：</a:t>
+            </a:r>
+            <a:r>
+              <a:rPr lang="en-US" altLang="zh-CN" dirty="0"/>
+              <a:t>0x</a:t>
+            </a:r>
+            <a:r>
+              <a:rPr lang="en-US" altLang="zh-CN" u="sng" dirty="0"/>
+              <a:t>6C49</a:t>
+            </a:r>
+            <a:r>
+              <a:rPr lang="zh-CN" altLang="en-US" dirty="0"/>
+              <a:t>。</a:t>
+            </a:r>
+            <a:endParaRPr lang="en-US" altLang="zh-CN" dirty="0"/>
+          </a:p>
+          <a:p>
+            <a:pPr marL="0" indent="0">
+              <a:buNone/>
+            </a:pPr>
+            <a:endParaRPr lang="en-US" altLang="zh-CN" dirty="0"/>
+          </a:p>
+          <a:p>
+            <a:pPr marL="457200" indent="-457200">
+              <a:buFont typeface="+mj-ea"/>
+              <a:buAutoNum type="circleNumDbPlain"/>
+            </a:pPr>
+            <a:r>
+              <a:rPr lang="en-US" altLang="zh-CN" dirty="0"/>
+              <a:t>0x</a:t>
+            </a:r>
+            <a:r>
+              <a:rPr lang="en-US" altLang="zh-CN" u="sng" dirty="0"/>
+              <a:t>6C49</a:t>
+            </a:r>
+            <a:r>
+              <a:rPr lang="zh-CN" altLang="en-US" dirty="0"/>
+              <a:t>在</a:t>
+            </a:r>
+            <a:r>
+              <a:rPr lang="en-US" altLang="zh-CN" dirty="0"/>
+              <a:t>0x</a:t>
+            </a:r>
+            <a:r>
+              <a:rPr lang="en-US" altLang="zh-CN" u="sng" dirty="0"/>
+              <a:t>0800</a:t>
+            </a:r>
+            <a:r>
+              <a:rPr lang="en-US" altLang="zh-CN" dirty="0"/>
+              <a:t>-0x</a:t>
+            </a:r>
+            <a:r>
+              <a:rPr lang="en-US" altLang="zh-CN" u="sng" dirty="0"/>
+              <a:t>FFFF</a:t>
+            </a:r>
+            <a:r>
+              <a:rPr lang="zh-CN" altLang="en-US" dirty="0"/>
+              <a:t>之间，使用</a:t>
+            </a:r>
+            <a:r>
+              <a:rPr lang="en-US" altLang="zh-CN" dirty="0"/>
+              <a:t>3</a:t>
+            </a:r>
+            <a:r>
+              <a:rPr lang="zh-CN" altLang="en-US" dirty="0"/>
+              <a:t>字节模板</a:t>
+            </a:r>
+            <a:endParaRPr lang="en-US" altLang="zh-CN" dirty="0"/>
+          </a:p>
+          <a:p>
+            <a:pPr marL="457200" indent="-457200">
+              <a:buFont typeface="+mj-ea"/>
+              <a:buAutoNum type="circleNumDbPlain"/>
+            </a:pPr>
+            <a:r>
+              <a:rPr lang="en-US" altLang="zh-CN" dirty="0"/>
+              <a:t>0x</a:t>
+            </a:r>
+            <a:r>
+              <a:rPr lang="en-US" altLang="zh-CN" u="sng" dirty="0"/>
+              <a:t>6C49</a:t>
+            </a:r>
+            <a:r>
+              <a:rPr lang="zh-CN" altLang="en-US" dirty="0"/>
+              <a:t>写成二进制是：</a:t>
+            </a:r>
+            <a:r>
+              <a:rPr lang="en-US" altLang="zh-CN" dirty="0"/>
+              <a:t>	</a:t>
+            </a:r>
+            <a:r>
+              <a:rPr lang="en-US" altLang="zh-CN" dirty="0">
+                <a:solidFill>
+                  <a:srgbClr val="FF0000"/>
+                </a:solidFill>
+              </a:rPr>
+              <a:t>0110</a:t>
+            </a:r>
+            <a:r>
+              <a:rPr lang="en-US" altLang="zh-CN" dirty="0"/>
+              <a:t>  </a:t>
+            </a:r>
+            <a:r>
+              <a:rPr lang="en-US" altLang="zh-CN" dirty="0">
+                <a:solidFill>
+                  <a:srgbClr val="FFFF00"/>
+                </a:solidFill>
+              </a:rPr>
+              <a:t>1100</a:t>
+            </a:r>
+            <a:r>
+              <a:rPr lang="en-US" altLang="zh-CN" dirty="0"/>
+              <a:t>  </a:t>
+            </a:r>
+            <a:r>
+              <a:rPr lang="en-US" altLang="zh-CN" dirty="0">
+                <a:solidFill>
+                  <a:srgbClr val="FFFF00"/>
+                </a:solidFill>
+              </a:rPr>
+              <a:t>01</a:t>
+            </a:r>
+            <a:r>
+              <a:rPr lang="en-US" altLang="zh-CN" dirty="0">
+                <a:solidFill>
+                  <a:srgbClr val="00B050"/>
+                </a:solidFill>
+              </a:rPr>
+              <a:t>00</a:t>
+            </a:r>
+            <a:r>
+              <a:rPr lang="en-US" altLang="zh-CN" dirty="0"/>
+              <a:t>  </a:t>
+            </a:r>
+            <a:r>
+              <a:rPr lang="en-US" altLang="zh-CN" dirty="0">
+                <a:solidFill>
+                  <a:srgbClr val="00B050"/>
+                </a:solidFill>
+              </a:rPr>
+              <a:t>1001</a:t>
+            </a:r>
+            <a:r>
+              <a:rPr lang="zh-CN" altLang="en-US" dirty="0"/>
+              <a:t> </a:t>
+            </a:r>
+            <a:endParaRPr lang="en-US" altLang="zh-CN" dirty="0"/>
+          </a:p>
+          <a:p>
+            <a:pPr marL="457200" indent="-457200">
+              <a:buFont typeface="+mj-ea"/>
+              <a:buAutoNum type="circleNumDbPlain"/>
+            </a:pPr>
+            <a:r>
+              <a:rPr lang="zh-CN" altLang="en-US" dirty="0"/>
+              <a:t>比特流代替模板的</a:t>
+            </a:r>
+            <a:r>
+              <a:rPr lang="en-US" altLang="zh-CN" dirty="0"/>
+              <a:t>x</a:t>
+            </a:r>
+            <a:r>
+              <a:rPr lang="zh-CN" altLang="en-US" dirty="0"/>
+              <a:t>：</a:t>
+            </a:r>
+            <a:r>
+              <a:rPr lang="en-US" altLang="zh-CN" dirty="0"/>
+              <a:t>	</a:t>
+            </a:r>
+            <a:r>
+              <a:rPr lang="en-US" altLang="zh-CN" dirty="0">
+                <a:solidFill>
+                  <a:schemeClr val="bg1"/>
+                </a:solidFill>
+              </a:rPr>
+              <a:t>1110</a:t>
+            </a:r>
+            <a:r>
+              <a:rPr lang="en-US" altLang="zh-CN" dirty="0">
+                <a:solidFill>
+                  <a:srgbClr val="FF0000"/>
+                </a:solidFill>
+              </a:rPr>
+              <a:t>0110</a:t>
+            </a:r>
+            <a:r>
+              <a:rPr lang="en-US" altLang="zh-CN" dirty="0"/>
+              <a:t>  </a:t>
+            </a:r>
+            <a:r>
+              <a:rPr lang="en-US" altLang="zh-CN" dirty="0">
+                <a:solidFill>
+                  <a:schemeClr val="bg1"/>
+                </a:solidFill>
+              </a:rPr>
+              <a:t>10</a:t>
+            </a:r>
+            <a:r>
+              <a:rPr lang="en-US" altLang="zh-CN" dirty="0">
+                <a:solidFill>
+                  <a:srgbClr val="FFFF00"/>
+                </a:solidFill>
+              </a:rPr>
+              <a:t>110001</a:t>
+            </a:r>
+            <a:r>
+              <a:rPr lang="en-US" altLang="zh-CN" dirty="0"/>
+              <a:t>  </a:t>
+            </a:r>
+            <a:r>
+              <a:rPr lang="en-US" altLang="zh-CN" dirty="0">
+                <a:solidFill>
+                  <a:schemeClr val="bg1"/>
+                </a:solidFill>
+              </a:rPr>
+              <a:t>10</a:t>
+            </a:r>
+            <a:r>
+              <a:rPr lang="en-US" altLang="zh-CN" dirty="0">
+                <a:solidFill>
+                  <a:srgbClr val="00B050"/>
+                </a:solidFill>
+              </a:rPr>
+              <a:t>001001</a:t>
+            </a:r>
+            <a:r>
+              <a:rPr lang="zh-CN" altLang="en-US" dirty="0"/>
+              <a:t>，即：</a:t>
+            </a:r>
+            <a:r>
+              <a:rPr lang="en-US" altLang="zh-CN" dirty="0"/>
+              <a:t>E6 B1 89</a:t>
+            </a:r>
+          </a:p>
+        </p:txBody>
+      </p:sp>
+      <p:sp>
+        <p:nvSpPr>
+          <p:cNvPr id="5" name="文本框 4">
+            <a:extLst>
+              <a:ext uri="{FF2B5EF4-FFF2-40B4-BE49-F238E27FC236}">
+                <a16:creationId xmlns:a16="http://schemas.microsoft.com/office/drawing/2014/main" id="{FB14A1C7-6234-4788-A772-FD02701FB8EA}"/>
+              </a:ext>
+            </a:extLst>
+          </p:cNvPr>
+          <p:cNvSpPr txBox="1"/>
+          <p:nvPr/>
+        </p:nvSpPr>
+        <p:spPr>
+          <a:xfrm>
+            <a:off x="875489" y="6438896"/>
+            <a:ext cx="6096000" cy="369332"/>
+          </a:xfrm>
+          <a:prstGeom prst="rect">
+            <a:avLst/>
+          </a:prstGeom>
+          <a:noFill/>
+        </p:spPr>
+        <p:txBody>
+          <a:bodyPr wrap="square">
+            <a:spAutoFit/>
+          </a:bodyPr>
+          <a:lstStyle/>
+          <a:p>
+            <a:r>
+              <a:rPr lang="en-US" altLang="zh-CN" dirty="0"/>
+              <a:t>http://blog.chinaunix.net/uid-22805258-id-1768945.html</a:t>
+            </a:r>
+            <a:endParaRPr lang="zh-CN" altLang="en-US" dirty="0"/>
+          </a:p>
+        </p:txBody>
+      </p:sp>
+      <p:graphicFrame>
+        <p:nvGraphicFramePr>
+          <p:cNvPr id="7" name="表格 6">
+            <a:extLst>
+              <a:ext uri="{FF2B5EF4-FFF2-40B4-BE49-F238E27FC236}">
+                <a16:creationId xmlns:a16="http://schemas.microsoft.com/office/drawing/2014/main" id="{0FF8E978-8585-48AD-A6D3-EBB3298275DF}"/>
+              </a:ext>
+            </a:extLst>
+          </p:cNvPr>
+          <p:cNvGraphicFramePr>
+            <a:graphicFrameLocks noGrp="1"/>
+          </p:cNvGraphicFramePr>
+          <p:nvPr>
+            <p:extLst>
+              <p:ext uri="{D42A27DB-BD31-4B8C-83A1-F6EECF244321}">
+                <p14:modId xmlns:p14="http://schemas.microsoft.com/office/powerpoint/2010/main" val="3075243289"/>
+              </p:ext>
+            </p:extLst>
+          </p:nvPr>
+        </p:nvGraphicFramePr>
+        <p:xfrm>
+          <a:off x="875489" y="4675762"/>
+          <a:ext cx="5674467" cy="1371600"/>
+        </p:xfrm>
+        <a:graphic>
+          <a:graphicData uri="http://schemas.openxmlformats.org/drawingml/2006/table">
+            <a:tbl>
+              <a:tblPr firstRow="1" bandRow="1">
+                <a:tableStyleId>{5C22544A-7EE6-4342-B048-85BDC9FD1C3A}</a:tableStyleId>
+              </a:tblPr>
+              <a:tblGrid>
+                <a:gridCol w="2830923">
+                  <a:extLst>
+                    <a:ext uri="{9D8B030D-6E8A-4147-A177-3AD203B41FA5}">
+                      <a16:colId xmlns:a16="http://schemas.microsoft.com/office/drawing/2014/main" val="1912257984"/>
+                    </a:ext>
+                  </a:extLst>
+                </a:gridCol>
+                <a:gridCol w="2843544">
+                  <a:extLst>
+                    <a:ext uri="{9D8B030D-6E8A-4147-A177-3AD203B41FA5}">
+                      <a16:colId xmlns:a16="http://schemas.microsoft.com/office/drawing/2014/main" val="2279823891"/>
+                    </a:ext>
+                  </a:extLst>
+                </a:gridCol>
+              </a:tblGrid>
+              <a:tr h="208657">
+                <a:tc>
+                  <a:txBody>
+                    <a:bodyPr/>
+                    <a:lstStyle/>
+                    <a:p>
+                      <a:r>
+                        <a:rPr lang="en-US" altLang="zh-CN" sz="1200" dirty="0"/>
+                        <a:t>Unicode</a:t>
+                      </a:r>
+                      <a:r>
+                        <a:rPr lang="zh-CN" altLang="en-US" sz="1200" dirty="0"/>
+                        <a:t>编码</a:t>
+                      </a:r>
+                      <a:r>
+                        <a:rPr lang="en-US" altLang="zh-CN" sz="1200" dirty="0"/>
+                        <a:t>(16</a:t>
+                      </a:r>
+                      <a:r>
+                        <a:rPr lang="zh-CN" altLang="en-US" sz="1200" dirty="0"/>
+                        <a:t>进制</a:t>
+                      </a:r>
+                      <a:r>
+                        <a:rPr lang="en-US" altLang="zh-CN" sz="1200" dirty="0"/>
+                        <a:t>)</a:t>
+                      </a:r>
+                      <a:r>
+                        <a:rPr lang="zh-CN" altLang="en-US" sz="1200" dirty="0"/>
+                        <a:t>　</a:t>
+                      </a:r>
+                    </a:p>
+                  </a:txBody>
+                  <a:tcPr/>
+                </a:tc>
+                <a:tc>
+                  <a:txBody>
+                    <a:bodyPr/>
+                    <a:lstStyle/>
+                    <a:p>
+                      <a:pPr marL="0" marR="0" lvl="0" indent="0" algn="l" defTabSz="914400" rtl="0" eaLnBrk="1" fontAlgn="auto" latinLnBrk="0" hangingPunct="1">
+                        <a:lnSpc>
+                          <a:spcPct val="100000"/>
+                        </a:lnSpc>
+                        <a:spcBef>
+                          <a:spcPts val="0"/>
+                        </a:spcBef>
+                        <a:spcAft>
+                          <a:spcPts val="0"/>
+                        </a:spcAft>
+                        <a:buClrTx/>
+                        <a:buSzTx/>
+                        <a:buFontTx/>
+                        <a:buNone/>
+                        <a:tabLst/>
+                        <a:defRPr/>
+                      </a:pPr>
+                      <a:r>
+                        <a:rPr lang="en-US" altLang="zh-CN" sz="1200" dirty="0"/>
+                        <a:t>UTF-8 </a:t>
+                      </a:r>
+                      <a:r>
+                        <a:rPr lang="zh-CN" altLang="en-US" sz="1200" dirty="0"/>
+                        <a:t>字节流</a:t>
+                      </a:r>
+                      <a:r>
+                        <a:rPr lang="en-US" altLang="zh-CN" sz="1200" dirty="0"/>
+                        <a:t>(</a:t>
+                      </a:r>
+                      <a:r>
+                        <a:rPr lang="zh-CN" altLang="en-US" sz="1200" dirty="0"/>
+                        <a:t>二进制</a:t>
+                      </a:r>
+                      <a:r>
+                        <a:rPr lang="en-US" altLang="zh-CN" sz="1200" dirty="0"/>
+                        <a:t>)</a:t>
+                      </a:r>
+                      <a:endParaRPr lang="zh-CN" altLang="en-US" sz="1200" dirty="0"/>
+                    </a:p>
+                  </a:txBody>
+                  <a:tcPr/>
+                </a:tc>
+                <a:extLst>
+                  <a:ext uri="{0D108BD9-81ED-4DB2-BD59-A6C34878D82A}">
+                    <a16:rowId xmlns:a16="http://schemas.microsoft.com/office/drawing/2014/main" val="1917560248"/>
+                  </a:ext>
+                </a:extLst>
+              </a:tr>
+              <a:tr h="208657">
+                <a:tc>
+                  <a:txBody>
+                    <a:bodyPr/>
+                    <a:lstStyle/>
+                    <a:p>
+                      <a:r>
+                        <a:rPr lang="en-US" altLang="zh-CN" sz="1200" dirty="0"/>
+                        <a:t>000000 - 00007F</a:t>
+                      </a:r>
+                      <a:r>
+                        <a:rPr lang="zh-CN" altLang="en-US" sz="1200" dirty="0"/>
+                        <a:t>　</a:t>
+                      </a:r>
+                    </a:p>
+                  </a:txBody>
+                  <a:tcPr/>
+                </a:tc>
+                <a:tc>
+                  <a:txBody>
+                    <a:bodyPr/>
+                    <a:lstStyle/>
+                    <a:p>
+                      <a:r>
+                        <a:rPr lang="en-US" altLang="zh-CN" sz="1200" dirty="0"/>
+                        <a:t>0xxxxxxx</a:t>
+                      </a:r>
+                      <a:endParaRPr lang="zh-CN" altLang="en-US" sz="1200" dirty="0"/>
+                    </a:p>
+                  </a:txBody>
+                  <a:tcPr/>
+                </a:tc>
+                <a:extLst>
+                  <a:ext uri="{0D108BD9-81ED-4DB2-BD59-A6C34878D82A}">
+                    <a16:rowId xmlns:a16="http://schemas.microsoft.com/office/drawing/2014/main" val="2643236727"/>
+                  </a:ext>
+                </a:extLst>
+              </a:tr>
+              <a:tr h="208657">
+                <a:tc>
+                  <a:txBody>
+                    <a:bodyPr/>
+                    <a:lstStyle/>
+                    <a:p>
+                      <a:r>
+                        <a:rPr lang="en-US" altLang="zh-CN" sz="1200" dirty="0"/>
+                        <a:t>000080 - 0007FF</a:t>
+                      </a:r>
+                      <a:r>
+                        <a:rPr lang="zh-CN" altLang="en-US" sz="1200" dirty="0"/>
+                        <a:t>　</a:t>
+                      </a:r>
+                    </a:p>
+                  </a:txBody>
+                  <a:tcPr/>
+                </a:tc>
+                <a:tc>
+                  <a:txBody>
+                    <a:bodyPr/>
+                    <a:lstStyle/>
+                    <a:p>
+                      <a:r>
+                        <a:rPr lang="en-US" altLang="zh-CN" sz="1200" dirty="0"/>
+                        <a:t>110xxxxx 10xxxxxx</a:t>
+                      </a:r>
+                      <a:endParaRPr lang="zh-CN" altLang="en-US" sz="1200" dirty="0"/>
+                    </a:p>
+                  </a:txBody>
+                  <a:tcPr/>
+                </a:tc>
+                <a:extLst>
+                  <a:ext uri="{0D108BD9-81ED-4DB2-BD59-A6C34878D82A}">
+                    <a16:rowId xmlns:a16="http://schemas.microsoft.com/office/drawing/2014/main" val="3747415486"/>
+                  </a:ext>
+                </a:extLst>
+              </a:tr>
+              <a:tr h="208657">
+                <a:tc>
+                  <a:txBody>
+                    <a:bodyPr/>
+                    <a:lstStyle/>
+                    <a:p>
+                      <a:r>
+                        <a:rPr lang="en-US" altLang="zh-CN" sz="1200" dirty="0"/>
+                        <a:t>000800 - 00FFFF</a:t>
+                      </a:r>
+                      <a:r>
+                        <a:rPr lang="zh-CN" altLang="en-US" sz="1200" dirty="0"/>
+                        <a:t>　</a:t>
+                      </a:r>
+                    </a:p>
+                  </a:txBody>
+                  <a:tcPr/>
+                </a:tc>
+                <a:tc>
+                  <a:txBody>
+                    <a:bodyPr/>
+                    <a:lstStyle/>
+                    <a:p>
+                      <a:r>
+                        <a:rPr lang="en-US" altLang="zh-CN" sz="1200" dirty="0"/>
+                        <a:t>1110xxxx 10xxxxxx 10xxxxxx</a:t>
+                      </a:r>
+                      <a:endParaRPr lang="zh-CN" altLang="en-US" sz="1200" dirty="0"/>
+                    </a:p>
+                  </a:txBody>
+                  <a:tcPr/>
+                </a:tc>
+                <a:extLst>
+                  <a:ext uri="{0D108BD9-81ED-4DB2-BD59-A6C34878D82A}">
+                    <a16:rowId xmlns:a16="http://schemas.microsoft.com/office/drawing/2014/main" val="1953414862"/>
+                  </a:ext>
+                </a:extLst>
+              </a:tr>
+              <a:tr h="208657">
+                <a:tc>
+                  <a:txBody>
+                    <a:bodyPr/>
+                    <a:lstStyle/>
+                    <a:p>
+                      <a:r>
+                        <a:rPr lang="en-US" altLang="zh-CN" sz="1200" dirty="0"/>
+                        <a:t>010000 - 10FFFF</a:t>
+                      </a:r>
+                      <a:r>
+                        <a:rPr lang="zh-CN" altLang="en-US" sz="1200" dirty="0"/>
+                        <a:t>　</a:t>
+                      </a:r>
+                    </a:p>
+                  </a:txBody>
+                  <a:tcPr/>
+                </a:tc>
+                <a:tc>
+                  <a:txBody>
+                    <a:bodyPr/>
+                    <a:lstStyle/>
+                    <a:p>
+                      <a:r>
+                        <a:rPr lang="en-US" altLang="zh-CN" sz="1200" dirty="0"/>
+                        <a:t>11110xxx 10xxxxxx 10xxxxxx 10xxxxxx</a:t>
+                      </a:r>
+                      <a:endParaRPr lang="zh-CN" altLang="en-US" sz="1200" dirty="0"/>
+                    </a:p>
+                  </a:txBody>
+                  <a:tcPr/>
+                </a:tc>
+                <a:extLst>
+                  <a:ext uri="{0D108BD9-81ED-4DB2-BD59-A6C34878D82A}">
+                    <a16:rowId xmlns:a16="http://schemas.microsoft.com/office/drawing/2014/main" val="2540941591"/>
+                  </a:ext>
+                </a:extLst>
+              </a:tr>
+            </a:tbl>
+          </a:graphicData>
+        </a:graphic>
+      </p:graphicFrame>
+    </p:spTree>
+    <p:extLst>
+      <p:ext uri="{BB962C8B-B14F-4D97-AF65-F5344CB8AC3E}">
+        <p14:creationId xmlns:p14="http://schemas.microsoft.com/office/powerpoint/2010/main" val="3480832909"/>
+      </p:ext>
+    </p:extLst>
+  </p:cSld>
+  <p:clrMapOvr>
+    <a:masterClrMapping/>
+  </p:clrMapOvr>
+</p:sld>
+</file>
+
+<file path=ppt/slides/slide18.xml><?xml version="1.0" encoding="utf-8"?>
+<p:sld xmlns:a="http://schemas.openxmlformats.org/drawingml/2006/main" xmlns:r="http://schemas.openxmlformats.org/officeDocument/2006/relationships" xmlns:p="http://schemas.openxmlformats.org/presentationml/2006/main">
+  <p:cSld>
+    <p:spTree>
+      <p:nvGrpSpPr>
+        <p:cNvPr id="1" name=""/>
+        <p:cNvGrpSpPr/>
+        <p:nvPr/>
+      </p:nvGrpSpPr>
+      <p:grpSpPr>
+        <a:xfrm>
+          <a:off x="0" y="0"/>
+          <a:ext cx="0" cy="0"/>
+          <a:chOff x="0" y="0"/>
+          <a:chExt cx="0" cy="0"/>
+        </a:xfrm>
+      </p:grpSpPr>
+      <p:sp>
+        <p:nvSpPr>
+          <p:cNvPr id="2" name="标题 1">
+            <a:extLst>
+              <a:ext uri="{FF2B5EF4-FFF2-40B4-BE49-F238E27FC236}">
+                <a16:creationId xmlns:a16="http://schemas.microsoft.com/office/drawing/2014/main" id="{7221079A-5216-4737-9DEF-044B7932B96A}"/>
+              </a:ext>
+            </a:extLst>
+          </p:cNvPr>
+          <p:cNvSpPr>
+            <a:spLocks noGrp="1"/>
+          </p:cNvSpPr>
+          <p:nvPr>
+            <p:ph type="title"/>
+          </p:nvPr>
+        </p:nvSpPr>
+        <p:spPr/>
+        <p:txBody>
+          <a:bodyPr/>
+          <a:lstStyle/>
+          <a:p>
+            <a:r>
+              <a:rPr lang="en-US" altLang="zh-CN" sz="3600" dirty="0"/>
+              <a:t>UTF-8</a:t>
+            </a:r>
+            <a:endParaRPr lang="zh-CN" altLang="en-US" dirty="0"/>
+          </a:p>
+        </p:txBody>
+      </p:sp>
+      <p:sp>
+        <p:nvSpPr>
+          <p:cNvPr id="3" name="内容占位符 2">
+            <a:extLst>
+              <a:ext uri="{FF2B5EF4-FFF2-40B4-BE49-F238E27FC236}">
+                <a16:creationId xmlns:a16="http://schemas.microsoft.com/office/drawing/2014/main" id="{CC844E2C-6410-4CAB-ADFE-7337C9484B00}"/>
+              </a:ext>
+            </a:extLst>
+          </p:cNvPr>
+          <p:cNvSpPr>
+            <a:spLocks noGrp="1"/>
+          </p:cNvSpPr>
+          <p:nvPr>
+            <p:ph idx="1"/>
+          </p:nvPr>
+        </p:nvSpPr>
+        <p:spPr>
+          <a:xfrm>
+            <a:off x="563896" y="2196581"/>
+            <a:ext cx="11064207" cy="2463932"/>
+          </a:xfrm>
+        </p:spPr>
+        <p:txBody>
+          <a:bodyPr>
+            <a:normAutofit fontScale="92500" lnSpcReduction="10000"/>
+          </a:bodyPr>
+          <a:lstStyle/>
+          <a:p>
+            <a:pPr marL="0" indent="0">
+              <a:buNone/>
+            </a:pPr>
+            <a:r>
+              <a:rPr lang="zh-CN" altLang="en-US" dirty="0"/>
+              <a:t>例</a:t>
+            </a:r>
+            <a:r>
+              <a:rPr lang="en-US" altLang="zh-CN" dirty="0"/>
+              <a:t>2</a:t>
+            </a:r>
+            <a:r>
+              <a:rPr lang="zh-CN" altLang="en-US" dirty="0"/>
+              <a:t>：</a:t>
+            </a:r>
+            <a:r>
+              <a:rPr lang="en-US" altLang="zh-CN" dirty="0"/>
+              <a:t> </a:t>
+            </a:r>
+            <a:r>
+              <a:rPr lang="zh-CN" altLang="en-US" dirty="0"/>
+              <a:t>“        ”字</a:t>
+            </a:r>
+            <a:r>
+              <a:rPr lang="en-US" altLang="zh-CN" dirty="0"/>
+              <a:t>Unicode</a:t>
+            </a:r>
+            <a:r>
+              <a:rPr lang="zh-CN" altLang="en-US" dirty="0"/>
+              <a:t>编码：</a:t>
+            </a:r>
+            <a:r>
+              <a:rPr lang="en-US" altLang="zh-CN" dirty="0"/>
+              <a:t>0x</a:t>
+            </a:r>
+            <a:r>
+              <a:rPr lang="en-US" altLang="zh-CN" u="sng" dirty="0"/>
+              <a:t>20C30</a:t>
+            </a:r>
+            <a:r>
+              <a:rPr lang="zh-CN" altLang="en-US" dirty="0"/>
+              <a:t>（</a:t>
+            </a:r>
+            <a:r>
+              <a:rPr lang="zh-CN" altLang="en-US" b="0" i="0" dirty="0">
+                <a:effectLst/>
+                <a:latin typeface="verdana" panose="020B0604030504040204" pitchFamily="34" charset="0"/>
+              </a:rPr>
+              <a:t>中日韩统一表意文字扩展</a:t>
+            </a:r>
+            <a:r>
+              <a:rPr lang="en-US" altLang="zh-CN" b="0" i="0" dirty="0">
+                <a:effectLst/>
+                <a:latin typeface="verdana" panose="020B0604030504040204" pitchFamily="34" charset="0"/>
+              </a:rPr>
+              <a:t> </a:t>
+            </a:r>
+            <a:r>
+              <a:rPr lang="zh-CN" altLang="en-US" dirty="0"/>
+              <a:t>）</a:t>
+            </a:r>
+            <a:endParaRPr lang="en-US" altLang="zh-CN" dirty="0"/>
+          </a:p>
+          <a:p>
+            <a:pPr marL="0" indent="0">
+              <a:buNone/>
+            </a:pPr>
+            <a:endParaRPr lang="en-US" altLang="zh-CN" dirty="0"/>
+          </a:p>
+          <a:p>
+            <a:pPr marL="457200" indent="-457200">
+              <a:buFont typeface="+mj-ea"/>
+              <a:buAutoNum type="circleNumDbPlain"/>
+            </a:pPr>
+            <a:r>
+              <a:rPr lang="en-US" altLang="zh-CN" dirty="0"/>
+              <a:t>0x</a:t>
+            </a:r>
+            <a:r>
+              <a:rPr lang="en-US" altLang="zh-CN" u="sng" dirty="0"/>
+              <a:t>20C30</a:t>
+            </a:r>
+            <a:r>
+              <a:rPr lang="zh-CN" altLang="en-US" dirty="0"/>
+              <a:t>在</a:t>
+            </a:r>
+            <a:r>
+              <a:rPr lang="en-US" altLang="zh-CN" dirty="0"/>
+              <a:t>0x</a:t>
+            </a:r>
+            <a:r>
+              <a:rPr lang="en-US" altLang="zh-CN" u="sng" dirty="0"/>
+              <a:t>010000</a:t>
+            </a:r>
+            <a:r>
+              <a:rPr lang="en-US" altLang="zh-CN" dirty="0"/>
+              <a:t>-0x</a:t>
+            </a:r>
+            <a:r>
+              <a:rPr lang="en-US" altLang="zh-CN" u="sng" dirty="0"/>
+              <a:t>10FFFF</a:t>
+            </a:r>
+            <a:r>
+              <a:rPr lang="zh-CN" altLang="en-US" dirty="0"/>
+              <a:t>之间，使用</a:t>
+            </a:r>
+            <a:r>
+              <a:rPr lang="en-US" altLang="zh-CN" dirty="0"/>
+              <a:t>4</a:t>
+            </a:r>
+            <a:r>
+              <a:rPr lang="zh-CN" altLang="en-US" dirty="0"/>
+              <a:t>字节模板。</a:t>
+            </a:r>
+            <a:endParaRPr lang="en-US" altLang="zh-CN" dirty="0"/>
+          </a:p>
+          <a:p>
+            <a:pPr marL="457200" indent="-457200">
+              <a:buFont typeface="+mj-ea"/>
+              <a:buAutoNum type="circleNumDbPlain"/>
+            </a:pPr>
+            <a:r>
+              <a:rPr lang="en-US" altLang="zh-CN" dirty="0"/>
+              <a:t>0x</a:t>
+            </a:r>
+            <a:r>
+              <a:rPr lang="en-US" altLang="zh-CN" u="sng" dirty="0"/>
+              <a:t>20C30</a:t>
+            </a:r>
+            <a:r>
+              <a:rPr lang="zh-CN" altLang="en-US" dirty="0"/>
+              <a:t>写成</a:t>
+            </a:r>
+            <a:r>
+              <a:rPr lang="en-US" altLang="zh-CN" dirty="0"/>
+              <a:t>21</a:t>
+            </a:r>
+            <a:r>
+              <a:rPr lang="zh-CN" altLang="en-US" dirty="0"/>
+              <a:t>位二进制数字</a:t>
+            </a:r>
+            <a:r>
+              <a:rPr lang="zh-CN" altLang="en-US" sz="1000" dirty="0"/>
+              <a:t>（不足</a:t>
+            </a:r>
+            <a:r>
+              <a:rPr lang="en-US" altLang="zh-CN" sz="1000" dirty="0"/>
+              <a:t>21</a:t>
+            </a:r>
+            <a:r>
+              <a:rPr lang="zh-CN" altLang="en-US" sz="1000" dirty="0"/>
+              <a:t>位就在前面补</a:t>
+            </a:r>
+            <a:r>
+              <a:rPr lang="en-US" altLang="zh-CN" sz="1000" dirty="0"/>
+              <a:t>0</a:t>
+            </a:r>
+            <a:r>
+              <a:rPr lang="zh-CN" altLang="en-US" sz="1000" dirty="0"/>
+              <a:t>）</a:t>
+            </a:r>
+            <a:r>
+              <a:rPr lang="zh-CN" altLang="en-US" dirty="0"/>
+              <a:t>：</a:t>
+            </a:r>
+            <a:r>
+              <a:rPr lang="en-US" altLang="zh-CN" dirty="0">
+                <a:solidFill>
+                  <a:srgbClr val="FF0000"/>
+                </a:solidFill>
+              </a:rPr>
+              <a:t>0</a:t>
+            </a:r>
+            <a:r>
+              <a:rPr lang="en-US" altLang="zh-CN" dirty="0"/>
+              <a:t>  </a:t>
+            </a:r>
+            <a:r>
+              <a:rPr lang="en-US" altLang="zh-CN" dirty="0">
+                <a:solidFill>
+                  <a:srgbClr val="FF0000"/>
+                </a:solidFill>
+              </a:rPr>
+              <a:t>00</a:t>
+            </a:r>
+            <a:r>
+              <a:rPr lang="en-US" altLang="zh-CN" dirty="0">
+                <a:solidFill>
+                  <a:srgbClr val="FFFF00"/>
+                </a:solidFill>
+              </a:rPr>
+              <a:t>10</a:t>
+            </a:r>
+            <a:r>
+              <a:rPr lang="en-US" altLang="zh-CN" dirty="0"/>
+              <a:t>  </a:t>
+            </a:r>
+            <a:r>
+              <a:rPr lang="en-US" altLang="zh-CN" dirty="0">
+                <a:solidFill>
+                  <a:srgbClr val="FFFF00"/>
+                </a:solidFill>
+              </a:rPr>
+              <a:t>0000</a:t>
+            </a:r>
+            <a:r>
+              <a:rPr lang="en-US" altLang="zh-CN" dirty="0"/>
+              <a:t>  </a:t>
+            </a:r>
+            <a:r>
+              <a:rPr lang="en-US" altLang="zh-CN" dirty="0">
+                <a:solidFill>
+                  <a:srgbClr val="92D050"/>
+                </a:solidFill>
+              </a:rPr>
+              <a:t>1100</a:t>
+            </a:r>
+            <a:r>
+              <a:rPr lang="en-US" altLang="zh-CN" dirty="0"/>
+              <a:t>  </a:t>
+            </a:r>
+            <a:r>
+              <a:rPr lang="en-US" altLang="zh-CN" dirty="0">
+                <a:solidFill>
+                  <a:srgbClr val="92D050"/>
+                </a:solidFill>
+              </a:rPr>
+              <a:t>00</a:t>
+            </a:r>
+            <a:r>
+              <a:rPr lang="en-US" altLang="zh-CN" dirty="0">
+                <a:solidFill>
+                  <a:srgbClr val="00B0F0"/>
+                </a:solidFill>
+              </a:rPr>
+              <a:t>11</a:t>
+            </a:r>
+            <a:r>
+              <a:rPr lang="en-US" altLang="zh-CN" dirty="0"/>
+              <a:t>  </a:t>
+            </a:r>
+            <a:r>
+              <a:rPr lang="en-US" altLang="zh-CN" dirty="0">
+                <a:solidFill>
+                  <a:srgbClr val="00B0F0"/>
+                </a:solidFill>
+              </a:rPr>
+              <a:t>0000</a:t>
+            </a:r>
+          </a:p>
+          <a:p>
+            <a:pPr marL="457200" indent="-457200">
+              <a:buFont typeface="+mj-ea"/>
+              <a:buAutoNum type="circleNumDbPlain"/>
+            </a:pPr>
+            <a:r>
+              <a:rPr lang="zh-CN" altLang="en-US" dirty="0"/>
+              <a:t>比特流依次代替模板中的</a:t>
+            </a:r>
+            <a:r>
+              <a:rPr lang="en-US" altLang="zh-CN" dirty="0"/>
+              <a:t>x</a:t>
+            </a:r>
+            <a:r>
+              <a:rPr lang="zh-CN" altLang="en-US" dirty="0"/>
+              <a:t>，得到：</a:t>
+            </a:r>
+            <a:endParaRPr lang="en-US" altLang="zh-CN" dirty="0"/>
+          </a:p>
+          <a:p>
+            <a:pPr marL="0" indent="0">
+              <a:buNone/>
+            </a:pPr>
+            <a:r>
+              <a:rPr lang="en-US" altLang="zh-CN" dirty="0">
+                <a:solidFill>
+                  <a:schemeClr val="bg1"/>
+                </a:solidFill>
+              </a:rPr>
+              <a:t>      11110</a:t>
+            </a:r>
+            <a:r>
+              <a:rPr lang="en-US" altLang="zh-CN" dirty="0">
+                <a:solidFill>
+                  <a:srgbClr val="FF0000"/>
+                </a:solidFill>
+              </a:rPr>
+              <a:t>000</a:t>
+            </a:r>
+            <a:r>
+              <a:rPr lang="en-US" altLang="zh-CN" dirty="0"/>
+              <a:t> </a:t>
+            </a:r>
+            <a:r>
+              <a:rPr lang="en-US" altLang="zh-CN" dirty="0">
+                <a:solidFill>
+                  <a:schemeClr val="bg1"/>
+                </a:solidFill>
+              </a:rPr>
+              <a:t>10</a:t>
+            </a:r>
+            <a:r>
+              <a:rPr lang="en-US" altLang="zh-CN" dirty="0">
+                <a:solidFill>
+                  <a:srgbClr val="FFFF00"/>
+                </a:solidFill>
+              </a:rPr>
+              <a:t>100000</a:t>
+            </a:r>
+            <a:r>
+              <a:rPr lang="en-US" altLang="zh-CN" dirty="0"/>
+              <a:t> </a:t>
+            </a:r>
+            <a:r>
+              <a:rPr lang="en-US" altLang="zh-CN" dirty="0">
+                <a:solidFill>
+                  <a:schemeClr val="bg1"/>
+                </a:solidFill>
+              </a:rPr>
+              <a:t>10</a:t>
+            </a:r>
+            <a:r>
+              <a:rPr lang="en-US" altLang="zh-CN" dirty="0">
+                <a:solidFill>
+                  <a:srgbClr val="92D050"/>
+                </a:solidFill>
+              </a:rPr>
+              <a:t>110000</a:t>
+            </a:r>
+            <a:r>
+              <a:rPr lang="en-US" altLang="zh-CN" dirty="0"/>
+              <a:t> </a:t>
+            </a:r>
+            <a:r>
+              <a:rPr lang="en-US" altLang="zh-CN" dirty="0">
+                <a:solidFill>
+                  <a:schemeClr val="bg1"/>
+                </a:solidFill>
+              </a:rPr>
+              <a:t>10</a:t>
+            </a:r>
+            <a:r>
+              <a:rPr lang="en-US" altLang="zh-CN" dirty="0">
+                <a:solidFill>
+                  <a:srgbClr val="00B0F0"/>
+                </a:solidFill>
+              </a:rPr>
+              <a:t>110000</a:t>
+            </a:r>
+            <a:r>
+              <a:rPr lang="zh-CN" altLang="en-US" dirty="0"/>
+              <a:t>，即：</a:t>
+            </a:r>
+            <a:r>
+              <a:rPr lang="en-US" altLang="zh-CN" dirty="0"/>
+              <a:t>F0 A0 B0 B0</a:t>
+            </a:r>
+            <a:r>
+              <a:rPr lang="zh-CN" altLang="en-US" dirty="0"/>
+              <a:t>。</a:t>
+            </a:r>
+          </a:p>
+        </p:txBody>
+      </p:sp>
+      <p:sp>
+        <p:nvSpPr>
+          <p:cNvPr id="5" name="文本框 4">
+            <a:extLst>
+              <a:ext uri="{FF2B5EF4-FFF2-40B4-BE49-F238E27FC236}">
+                <a16:creationId xmlns:a16="http://schemas.microsoft.com/office/drawing/2014/main" id="{FB14A1C7-6234-4788-A772-FD02701FB8EA}"/>
+              </a:ext>
+            </a:extLst>
+          </p:cNvPr>
+          <p:cNvSpPr txBox="1"/>
+          <p:nvPr/>
+        </p:nvSpPr>
+        <p:spPr>
+          <a:xfrm>
+            <a:off x="875489" y="6438896"/>
+            <a:ext cx="5220511" cy="246221"/>
+          </a:xfrm>
+          <a:prstGeom prst="rect">
+            <a:avLst/>
+          </a:prstGeom>
+          <a:noFill/>
+        </p:spPr>
+        <p:txBody>
+          <a:bodyPr wrap="square">
+            <a:spAutoFit/>
+          </a:bodyPr>
+          <a:lstStyle/>
+          <a:p>
+            <a:r>
+              <a:rPr lang="en-US" altLang="zh-CN" sz="1000" dirty="0"/>
+              <a:t>http://blog.chinaunix.net/uid-22805258-id-1768945.html</a:t>
+            </a:r>
+            <a:endParaRPr lang="zh-CN" altLang="en-US" sz="1000" dirty="0"/>
+          </a:p>
+        </p:txBody>
+      </p:sp>
+      <p:graphicFrame>
+        <p:nvGraphicFramePr>
+          <p:cNvPr id="4" name="表格 3">
+            <a:extLst>
+              <a:ext uri="{FF2B5EF4-FFF2-40B4-BE49-F238E27FC236}">
+                <a16:creationId xmlns:a16="http://schemas.microsoft.com/office/drawing/2014/main" id="{36988A92-3041-4712-AA56-2FDC67DDC9FD}"/>
+              </a:ext>
+            </a:extLst>
+          </p:cNvPr>
+          <p:cNvGraphicFramePr>
+            <a:graphicFrameLocks noGrp="1"/>
+          </p:cNvGraphicFramePr>
+          <p:nvPr>
+            <p:extLst>
+              <p:ext uri="{D42A27DB-BD31-4B8C-83A1-F6EECF244321}">
+                <p14:modId xmlns:p14="http://schemas.microsoft.com/office/powerpoint/2010/main" val="2435189165"/>
+              </p:ext>
+            </p:extLst>
+          </p:nvPr>
+        </p:nvGraphicFramePr>
+        <p:xfrm>
+          <a:off x="875489" y="5067296"/>
+          <a:ext cx="5674467" cy="1371600"/>
+        </p:xfrm>
+        <a:graphic>
+          <a:graphicData uri="http://schemas.openxmlformats.org/drawingml/2006/table">
+            <a:tbl>
+              <a:tblPr firstRow="1" bandRow="1">
+                <a:tableStyleId>{5C22544A-7EE6-4342-B048-85BDC9FD1C3A}</a:tableStyleId>
+              </a:tblPr>
+              <a:tblGrid>
+                <a:gridCol w="2830923">
+                  <a:extLst>
+                    <a:ext uri="{9D8B030D-6E8A-4147-A177-3AD203B41FA5}">
+                      <a16:colId xmlns:a16="http://schemas.microsoft.com/office/drawing/2014/main" val="1912257984"/>
+                    </a:ext>
+                  </a:extLst>
+                </a:gridCol>
+                <a:gridCol w="2843544">
+                  <a:extLst>
+                    <a:ext uri="{9D8B030D-6E8A-4147-A177-3AD203B41FA5}">
+                      <a16:colId xmlns:a16="http://schemas.microsoft.com/office/drawing/2014/main" val="2279823891"/>
+                    </a:ext>
+                  </a:extLst>
+                </a:gridCol>
+              </a:tblGrid>
+              <a:tr h="208657">
+                <a:tc>
+                  <a:txBody>
+                    <a:bodyPr/>
+                    <a:lstStyle/>
+                    <a:p>
+                      <a:r>
+                        <a:rPr lang="en-US" altLang="zh-CN" sz="1200" dirty="0"/>
+                        <a:t>Unicode</a:t>
+                      </a:r>
+                      <a:r>
+                        <a:rPr lang="zh-CN" altLang="en-US" sz="1200" dirty="0"/>
+                        <a:t>编码</a:t>
+                      </a:r>
+                      <a:r>
+                        <a:rPr lang="en-US" altLang="zh-CN" sz="1200" dirty="0"/>
+                        <a:t>(16</a:t>
+                      </a:r>
+                      <a:r>
+                        <a:rPr lang="zh-CN" altLang="en-US" sz="1200" dirty="0"/>
+                        <a:t>进制</a:t>
+                      </a:r>
+                      <a:r>
+                        <a:rPr lang="en-US" altLang="zh-CN" sz="1200" dirty="0"/>
+                        <a:t>)</a:t>
+                      </a:r>
+                      <a:r>
+                        <a:rPr lang="zh-CN" altLang="en-US" sz="1200" dirty="0"/>
+                        <a:t>　</a:t>
+                      </a:r>
+                    </a:p>
+                  </a:txBody>
+                  <a:tcPr/>
+                </a:tc>
+                <a:tc>
+                  <a:txBody>
+                    <a:bodyPr/>
+                    <a:lstStyle/>
+                    <a:p>
+                      <a:pPr marL="0" marR="0" lvl="0" indent="0" algn="l" defTabSz="914400" rtl="0" eaLnBrk="1" fontAlgn="auto" latinLnBrk="0" hangingPunct="1">
+                        <a:lnSpc>
+                          <a:spcPct val="100000"/>
+                        </a:lnSpc>
+                        <a:spcBef>
+                          <a:spcPts val="0"/>
+                        </a:spcBef>
+                        <a:spcAft>
+                          <a:spcPts val="0"/>
+                        </a:spcAft>
+                        <a:buClrTx/>
+                        <a:buSzTx/>
+                        <a:buFontTx/>
+                        <a:buNone/>
+                        <a:tabLst/>
+                        <a:defRPr/>
+                      </a:pPr>
+                      <a:r>
+                        <a:rPr lang="en-US" altLang="zh-CN" sz="1200" dirty="0"/>
+                        <a:t>UTF-8 </a:t>
+                      </a:r>
+                      <a:r>
+                        <a:rPr lang="zh-CN" altLang="en-US" sz="1200" dirty="0"/>
+                        <a:t>字节流</a:t>
+                      </a:r>
+                      <a:r>
+                        <a:rPr lang="en-US" altLang="zh-CN" sz="1200" dirty="0"/>
+                        <a:t>(</a:t>
+                      </a:r>
+                      <a:r>
+                        <a:rPr lang="zh-CN" altLang="en-US" sz="1200" dirty="0"/>
+                        <a:t>二进制</a:t>
+                      </a:r>
+                      <a:r>
+                        <a:rPr lang="en-US" altLang="zh-CN" sz="1200" dirty="0"/>
+                        <a:t>)</a:t>
+                      </a:r>
+                      <a:endParaRPr lang="zh-CN" altLang="en-US" sz="1200" dirty="0"/>
+                    </a:p>
+                  </a:txBody>
+                  <a:tcPr/>
+                </a:tc>
+                <a:extLst>
+                  <a:ext uri="{0D108BD9-81ED-4DB2-BD59-A6C34878D82A}">
+                    <a16:rowId xmlns:a16="http://schemas.microsoft.com/office/drawing/2014/main" val="1917560248"/>
+                  </a:ext>
+                </a:extLst>
+              </a:tr>
+              <a:tr h="208657">
+                <a:tc>
+                  <a:txBody>
+                    <a:bodyPr/>
+                    <a:lstStyle/>
+                    <a:p>
+                      <a:r>
+                        <a:rPr lang="en-US" altLang="zh-CN" sz="1200" dirty="0"/>
+                        <a:t>000000 - 00007F</a:t>
+                      </a:r>
+                      <a:r>
+                        <a:rPr lang="zh-CN" altLang="en-US" sz="1200" dirty="0"/>
+                        <a:t>　</a:t>
+                      </a:r>
+                    </a:p>
+                  </a:txBody>
+                  <a:tcPr/>
+                </a:tc>
+                <a:tc>
+                  <a:txBody>
+                    <a:bodyPr/>
+                    <a:lstStyle/>
+                    <a:p>
+                      <a:r>
+                        <a:rPr lang="en-US" altLang="zh-CN" sz="1200" dirty="0"/>
+                        <a:t>0xxxxxxx</a:t>
+                      </a:r>
+                      <a:endParaRPr lang="zh-CN" altLang="en-US" sz="1200" dirty="0"/>
+                    </a:p>
+                  </a:txBody>
+                  <a:tcPr/>
+                </a:tc>
+                <a:extLst>
+                  <a:ext uri="{0D108BD9-81ED-4DB2-BD59-A6C34878D82A}">
+                    <a16:rowId xmlns:a16="http://schemas.microsoft.com/office/drawing/2014/main" val="2643236727"/>
+                  </a:ext>
+                </a:extLst>
+              </a:tr>
+              <a:tr h="208657">
+                <a:tc>
+                  <a:txBody>
+                    <a:bodyPr/>
+                    <a:lstStyle/>
+                    <a:p>
+                      <a:r>
+                        <a:rPr lang="en-US" altLang="zh-CN" sz="1200" dirty="0"/>
+                        <a:t>000080 - 0007FF</a:t>
+                      </a:r>
+                      <a:r>
+                        <a:rPr lang="zh-CN" altLang="en-US" sz="1200" dirty="0"/>
+                        <a:t>　</a:t>
+                      </a:r>
+                    </a:p>
+                  </a:txBody>
+                  <a:tcPr/>
+                </a:tc>
+                <a:tc>
+                  <a:txBody>
+                    <a:bodyPr/>
+                    <a:lstStyle/>
+                    <a:p>
+                      <a:r>
+                        <a:rPr lang="en-US" altLang="zh-CN" sz="1200" dirty="0"/>
+                        <a:t>110xxxxx 10xxxxxx</a:t>
+                      </a:r>
+                      <a:endParaRPr lang="zh-CN" altLang="en-US" sz="1200" dirty="0"/>
+                    </a:p>
+                  </a:txBody>
+                  <a:tcPr/>
+                </a:tc>
+                <a:extLst>
+                  <a:ext uri="{0D108BD9-81ED-4DB2-BD59-A6C34878D82A}">
+                    <a16:rowId xmlns:a16="http://schemas.microsoft.com/office/drawing/2014/main" val="3747415486"/>
+                  </a:ext>
+                </a:extLst>
+              </a:tr>
+              <a:tr h="208657">
+                <a:tc>
+                  <a:txBody>
+                    <a:bodyPr/>
+                    <a:lstStyle/>
+                    <a:p>
+                      <a:r>
+                        <a:rPr lang="en-US" altLang="zh-CN" sz="1200" dirty="0"/>
+                        <a:t>000800 - 00FFFF</a:t>
+                      </a:r>
+                      <a:r>
+                        <a:rPr lang="zh-CN" altLang="en-US" sz="1200" dirty="0"/>
+                        <a:t>　</a:t>
+                      </a:r>
+                    </a:p>
+                  </a:txBody>
+                  <a:tcPr/>
+                </a:tc>
+                <a:tc>
+                  <a:txBody>
+                    <a:bodyPr/>
+                    <a:lstStyle/>
+                    <a:p>
+                      <a:r>
+                        <a:rPr lang="en-US" altLang="zh-CN" sz="1200" dirty="0"/>
+                        <a:t>1110xxxx 10xxxxxx 10xxxxxx</a:t>
+                      </a:r>
+                      <a:endParaRPr lang="zh-CN" altLang="en-US" sz="1200" dirty="0"/>
+                    </a:p>
+                  </a:txBody>
+                  <a:tcPr/>
+                </a:tc>
+                <a:extLst>
+                  <a:ext uri="{0D108BD9-81ED-4DB2-BD59-A6C34878D82A}">
+                    <a16:rowId xmlns:a16="http://schemas.microsoft.com/office/drawing/2014/main" val="1953414862"/>
+                  </a:ext>
+                </a:extLst>
+              </a:tr>
+              <a:tr h="208657">
+                <a:tc>
+                  <a:txBody>
+                    <a:bodyPr/>
+                    <a:lstStyle/>
+                    <a:p>
+                      <a:r>
+                        <a:rPr lang="en-US" altLang="zh-CN" sz="1200" dirty="0"/>
+                        <a:t>010000 - 10FFFF</a:t>
+                      </a:r>
+                      <a:r>
+                        <a:rPr lang="zh-CN" altLang="en-US" sz="1200" dirty="0"/>
+                        <a:t>　</a:t>
+                      </a:r>
+                    </a:p>
+                  </a:txBody>
+                  <a:tcPr/>
+                </a:tc>
+                <a:tc>
+                  <a:txBody>
+                    <a:bodyPr/>
+                    <a:lstStyle/>
+                    <a:p>
+                      <a:r>
+                        <a:rPr lang="en-US" altLang="zh-CN" sz="1200" dirty="0"/>
+                        <a:t>11110xxx 10xxxxxx 10xxxxxx 10xxxxxx</a:t>
+                      </a:r>
+                      <a:endParaRPr lang="zh-CN" altLang="en-US" sz="1200" dirty="0"/>
+                    </a:p>
+                  </a:txBody>
+                  <a:tcPr/>
+                </a:tc>
+                <a:extLst>
+                  <a:ext uri="{0D108BD9-81ED-4DB2-BD59-A6C34878D82A}">
+                    <a16:rowId xmlns:a16="http://schemas.microsoft.com/office/drawing/2014/main" val="2540941591"/>
+                  </a:ext>
+                </a:extLst>
+              </a:tr>
+            </a:tbl>
+          </a:graphicData>
+        </a:graphic>
+      </p:graphicFrame>
+      <p:pic>
+        <p:nvPicPr>
+          <p:cNvPr id="9" name="图片 8">
+            <a:extLst>
+              <a:ext uri="{FF2B5EF4-FFF2-40B4-BE49-F238E27FC236}">
+                <a16:creationId xmlns:a16="http://schemas.microsoft.com/office/drawing/2014/main" id="{61BEA5B0-5047-41CB-9244-CF441346B335}"/>
+              </a:ext>
+            </a:extLst>
+          </p:cNvPr>
+          <p:cNvPicPr>
+            <a:picLocks noChangeAspect="1"/>
+          </p:cNvPicPr>
+          <p:nvPr/>
+        </p:nvPicPr>
+        <p:blipFill>
+          <a:blip r:embed="rId2"/>
+          <a:stretch>
+            <a:fillRect/>
+          </a:stretch>
+        </p:blipFill>
+        <p:spPr>
+          <a:xfrm>
+            <a:off x="7965224" y="5039162"/>
+            <a:ext cx="1470606" cy="1399734"/>
+          </a:xfrm>
+          <a:prstGeom prst="rect">
+            <a:avLst/>
+          </a:prstGeom>
+        </p:spPr>
+      </p:pic>
+      <p:pic>
+        <p:nvPicPr>
+          <p:cNvPr id="11" name="图片 10">
+            <a:extLst>
+              <a:ext uri="{FF2B5EF4-FFF2-40B4-BE49-F238E27FC236}">
+                <a16:creationId xmlns:a16="http://schemas.microsoft.com/office/drawing/2014/main" id="{F59CC383-5BF6-4276-90E9-FCC2D4A06462}"/>
+              </a:ext>
+            </a:extLst>
+          </p:cNvPr>
+          <p:cNvPicPr>
+            <a:picLocks noChangeAspect="1"/>
+          </p:cNvPicPr>
+          <p:nvPr/>
+        </p:nvPicPr>
+        <p:blipFill>
+          <a:blip r:embed="rId3"/>
+          <a:stretch>
+            <a:fillRect/>
+          </a:stretch>
+        </p:blipFill>
+        <p:spPr>
+          <a:xfrm>
+            <a:off x="1623721" y="2240949"/>
+            <a:ext cx="472481" cy="350550"/>
+          </a:xfrm>
+          <a:prstGeom prst="rect">
+            <a:avLst/>
+          </a:prstGeom>
+        </p:spPr>
+      </p:pic>
+      <p:sp>
+        <p:nvSpPr>
+          <p:cNvPr id="14" name="文本框 13">
+            <a:extLst>
+              <a:ext uri="{FF2B5EF4-FFF2-40B4-BE49-F238E27FC236}">
+                <a16:creationId xmlns:a16="http://schemas.microsoft.com/office/drawing/2014/main" id="{38D1EFA8-43B2-4011-A64E-2461DFD617FD}"/>
+              </a:ext>
+            </a:extLst>
+          </p:cNvPr>
+          <p:cNvSpPr txBox="1"/>
+          <p:nvPr/>
+        </p:nvSpPr>
+        <p:spPr>
+          <a:xfrm>
+            <a:off x="7840494" y="6438896"/>
+            <a:ext cx="3527898" cy="246221"/>
+          </a:xfrm>
+          <a:prstGeom prst="rect">
+            <a:avLst/>
+          </a:prstGeom>
+          <a:noFill/>
+        </p:spPr>
+        <p:txBody>
+          <a:bodyPr wrap="square">
+            <a:spAutoFit/>
+          </a:bodyPr>
+          <a:lstStyle/>
+          <a:p>
+            <a:r>
+              <a:rPr lang="en-US" altLang="zh-CN" sz="1000" dirty="0"/>
+              <a:t>https://www.ziti163.com/uni/20000-2A6DF.shtml?id=64</a:t>
+            </a:r>
+            <a:endParaRPr lang="zh-CN" altLang="en-US" sz="1000" dirty="0"/>
+          </a:p>
+        </p:txBody>
+      </p:sp>
+    </p:spTree>
+    <p:extLst>
+      <p:ext uri="{BB962C8B-B14F-4D97-AF65-F5344CB8AC3E}">
+        <p14:creationId xmlns:p14="http://schemas.microsoft.com/office/powerpoint/2010/main" val="521342595"/>
+      </p:ext>
+    </p:extLst>
+  </p:cSld>
+  <p:clrMapOvr>
+    <a:masterClrMapping/>
+  </p:clrMapOvr>
+</p:sld>
+</file>
+
+<file path=ppt/slides/slide19.xml><?xml version="1.0" encoding="utf-8"?>
+<p:sld xmlns:a="http://schemas.openxmlformats.org/drawingml/2006/main" xmlns:r="http://schemas.openxmlformats.org/officeDocument/2006/relationships" xmlns:p="http://schemas.openxmlformats.org/presentationml/2006/main">
+  <p:cSld>
+    <p:spTree>
+      <p:nvGrpSpPr>
+        <p:cNvPr id="1" name=""/>
+        <p:cNvGrpSpPr/>
+        <p:nvPr/>
+      </p:nvGrpSpPr>
+      <p:grpSpPr>
+        <a:xfrm>
+          <a:off x="0" y="0"/>
+          <a:ext cx="0" cy="0"/>
+          <a:chOff x="0" y="0"/>
+          <a:chExt cx="0" cy="0"/>
+        </a:xfrm>
+      </p:grpSpPr>
+      <p:sp>
+        <p:nvSpPr>
+          <p:cNvPr id="2" name="标题 1">
+            <a:extLst>
+              <a:ext uri="{FF2B5EF4-FFF2-40B4-BE49-F238E27FC236}">
+                <a16:creationId xmlns:a16="http://schemas.microsoft.com/office/drawing/2014/main" id="{ADD9D38C-EED0-453C-AC68-664FBF41BFED}"/>
+              </a:ext>
+            </a:extLst>
+          </p:cNvPr>
+          <p:cNvSpPr>
+            <a:spLocks noGrp="1"/>
+          </p:cNvSpPr>
+          <p:nvPr>
+            <p:ph type="title"/>
+          </p:nvPr>
+        </p:nvSpPr>
+        <p:spPr/>
+        <p:txBody>
+          <a:bodyPr/>
+          <a:lstStyle/>
+          <a:p>
+            <a:r>
+              <a:rPr lang="en-US" altLang="zh-CN" dirty="0"/>
+              <a:t>6.2.4 </a:t>
+            </a:r>
+            <a:r>
+              <a:rPr lang="zh-CN" altLang="en-US" dirty="0"/>
+              <a:t>国标扩展码 </a:t>
+            </a:r>
+            <a:r>
+              <a:rPr lang="en-US" altLang="zh-CN" dirty="0"/>
+              <a:t>GBK</a:t>
+            </a:r>
+            <a:endParaRPr lang="zh-CN" altLang="en-US" dirty="0"/>
+          </a:p>
+        </p:txBody>
+      </p:sp>
+      <p:sp>
+        <p:nvSpPr>
+          <p:cNvPr id="3" name="内容占位符 2">
+            <a:extLst>
+              <a:ext uri="{FF2B5EF4-FFF2-40B4-BE49-F238E27FC236}">
+                <a16:creationId xmlns:a16="http://schemas.microsoft.com/office/drawing/2014/main" id="{47046FF1-9EB1-490A-A393-21A01318423F}"/>
+              </a:ext>
+            </a:extLst>
+          </p:cNvPr>
+          <p:cNvSpPr>
+            <a:spLocks noGrp="1"/>
+          </p:cNvSpPr>
+          <p:nvPr>
+            <p:ph idx="1"/>
+          </p:nvPr>
+        </p:nvSpPr>
+        <p:spPr/>
+        <p:txBody>
+          <a:bodyPr>
+            <a:normAutofit/>
+          </a:bodyPr>
+          <a:lstStyle/>
+          <a:p>
+            <a:pPr marL="0" indent="0">
+              <a:buNone/>
+            </a:pPr>
+            <a:r>
+              <a:rPr lang="en-US" altLang="zh-CN" sz="3200" dirty="0"/>
+              <a:t>GBK</a:t>
+            </a:r>
+            <a:r>
+              <a:rPr lang="zh-CN" altLang="en-US" sz="3200" dirty="0"/>
+              <a:t>即：汉字内码扩展规范</a:t>
+            </a:r>
+            <a:r>
+              <a:rPr lang="zh-CN" altLang="en-US" sz="1800" dirty="0"/>
+              <a:t>（</a:t>
+            </a:r>
+            <a:r>
+              <a:rPr lang="en-US" altLang="zh-CN" sz="1800" dirty="0"/>
+              <a:t> 1995.12.1</a:t>
+            </a:r>
+            <a:r>
+              <a:rPr lang="zh-CN" altLang="en-US" sz="1800" dirty="0"/>
+              <a:t>颁布）</a:t>
+            </a:r>
+            <a:endParaRPr lang="en-US" altLang="zh-CN" sz="1800" dirty="0"/>
+          </a:p>
+          <a:p>
+            <a:pPr marL="0" indent="0">
+              <a:buNone/>
+            </a:pPr>
+            <a:endParaRPr lang="en-US" altLang="zh-CN" dirty="0"/>
+          </a:p>
+          <a:p>
+            <a:r>
+              <a:rPr lang="zh-CN" altLang="en-US" dirty="0"/>
+              <a:t>向下兼容</a:t>
+            </a:r>
+            <a:r>
+              <a:rPr lang="en-US" altLang="zh-CN" dirty="0"/>
+              <a:t>GB2312</a:t>
+            </a:r>
+            <a:r>
+              <a:rPr lang="zh-CN" altLang="en-US" dirty="0"/>
+              <a:t>，向上支持</a:t>
+            </a:r>
+            <a:r>
+              <a:rPr lang="en-US" altLang="zh-CN" dirty="0"/>
+              <a:t>ISO 10646</a:t>
+            </a:r>
+            <a:r>
+              <a:rPr lang="zh-CN" altLang="en-US" dirty="0"/>
+              <a:t>，承上启下</a:t>
+            </a:r>
+            <a:endParaRPr lang="en-US" altLang="zh-CN" dirty="0"/>
+          </a:p>
+          <a:p>
+            <a:r>
+              <a:rPr lang="zh-CN" altLang="en-US" dirty="0"/>
+              <a:t>保持</a:t>
+            </a:r>
+            <a:r>
+              <a:rPr lang="en-US" altLang="zh-CN" dirty="0"/>
+              <a:t>GB2312</a:t>
+            </a:r>
+            <a:r>
+              <a:rPr lang="zh-CN" altLang="en-US" dirty="0"/>
+              <a:t>原貌，扩充至与</a:t>
+            </a:r>
+            <a:r>
+              <a:rPr lang="en-US" altLang="zh-CN" dirty="0"/>
+              <a:t>ISO 10646</a:t>
+            </a:r>
+            <a:r>
+              <a:rPr lang="zh-CN" altLang="en-US" dirty="0"/>
+              <a:t>的</a:t>
+            </a:r>
+            <a:r>
+              <a:rPr lang="en-US" altLang="zh-CN" dirty="0"/>
+              <a:t>CJK</a:t>
+            </a:r>
+            <a:r>
+              <a:rPr lang="zh-CN" altLang="en-US" dirty="0"/>
+              <a:t>等量，包含</a:t>
+            </a:r>
+            <a:r>
+              <a:rPr lang="en-US" altLang="zh-CN" dirty="0"/>
+              <a:t>Big5</a:t>
+            </a:r>
+          </a:p>
+          <a:p>
+            <a:r>
+              <a:rPr lang="en-US" altLang="zh-CN" dirty="0"/>
+              <a:t>GBK</a:t>
+            </a:r>
+            <a:r>
+              <a:rPr lang="zh-CN" altLang="en-US" dirty="0"/>
+              <a:t>共</a:t>
+            </a:r>
+            <a:r>
+              <a:rPr lang="en-US" altLang="zh-CN" dirty="0"/>
+              <a:t>20902</a:t>
+            </a:r>
+            <a:r>
+              <a:rPr lang="zh-CN" altLang="en-US" dirty="0"/>
+              <a:t>个汉字（</a:t>
+            </a:r>
+            <a:r>
+              <a:rPr lang="en-US" altLang="zh-CN" dirty="0"/>
+              <a:t>GB2312</a:t>
+            </a:r>
+            <a:r>
+              <a:rPr lang="zh-CN" altLang="en-US" dirty="0"/>
+              <a:t>共</a:t>
+            </a:r>
+            <a:r>
+              <a:rPr lang="en-US" altLang="zh-CN" dirty="0"/>
+              <a:t>6763</a:t>
+            </a:r>
+            <a:r>
+              <a:rPr lang="zh-CN" altLang="en-US" dirty="0"/>
+              <a:t>个汉字）</a:t>
+            </a:r>
+            <a:endParaRPr lang="en-US" altLang="zh-CN" dirty="0"/>
+          </a:p>
+        </p:txBody>
+      </p:sp>
+    </p:spTree>
+    <p:extLst>
+      <p:ext uri="{BB962C8B-B14F-4D97-AF65-F5344CB8AC3E}">
+        <p14:creationId xmlns:p14="http://schemas.microsoft.com/office/powerpoint/2010/main" val="2493747874"/>
       </p:ext>
     </p:extLst>
   </p:cSld>
@@ -9256,6 +12580,1562 @@
     <p:extLst>
       <p:ext uri="{BB962C8B-B14F-4D97-AF65-F5344CB8AC3E}">
         <p14:creationId xmlns:p14="http://schemas.microsoft.com/office/powerpoint/2010/main" val="1133975145"/>
+      </p:ext>
+    </p:extLst>
+  </p:cSld>
+  <p:clrMapOvr>
+    <a:masterClrMapping/>
+  </p:clrMapOvr>
+</p:sld>
+</file>
+
+<file path=ppt/slides/slide20.xml><?xml version="1.0" encoding="utf-8"?>
+<p:sld xmlns:a="http://schemas.openxmlformats.org/drawingml/2006/main" xmlns:r="http://schemas.openxmlformats.org/officeDocument/2006/relationships" xmlns:p="http://schemas.openxmlformats.org/presentationml/2006/main">
+  <p:cSld>
+    <p:spTree>
+      <p:nvGrpSpPr>
+        <p:cNvPr id="1" name=""/>
+        <p:cNvGrpSpPr/>
+        <p:nvPr/>
+      </p:nvGrpSpPr>
+      <p:grpSpPr>
+        <a:xfrm>
+          <a:off x="0" y="0"/>
+          <a:ext cx="0" cy="0"/>
+          <a:chOff x="0" y="0"/>
+          <a:chExt cx="0" cy="0"/>
+        </a:xfrm>
+      </p:grpSpPr>
+      <p:sp>
+        <p:nvSpPr>
+          <p:cNvPr id="2" name="标题 1">
+            <a:extLst>
+              <a:ext uri="{FF2B5EF4-FFF2-40B4-BE49-F238E27FC236}">
+                <a16:creationId xmlns:a16="http://schemas.microsoft.com/office/drawing/2014/main" id="{9CA138BD-9DE3-4862-BBC0-0419488DA8F8}"/>
+              </a:ext>
+            </a:extLst>
+          </p:cNvPr>
+          <p:cNvSpPr>
+            <a:spLocks noGrp="1"/>
+          </p:cNvSpPr>
+          <p:nvPr>
+            <p:ph type="title"/>
+          </p:nvPr>
+        </p:nvSpPr>
+        <p:spPr/>
+        <p:txBody>
+          <a:bodyPr/>
+          <a:lstStyle/>
+          <a:p>
+            <a:r>
+              <a:rPr lang="en-US" altLang="zh-CN" dirty="0"/>
+              <a:t>6.2.5 GB 18030</a:t>
+            </a:r>
+            <a:endParaRPr lang="zh-CN" altLang="en-US" dirty="0"/>
+          </a:p>
+        </p:txBody>
+      </p:sp>
+      <p:sp>
+        <p:nvSpPr>
+          <p:cNvPr id="3" name="内容占位符 2">
+            <a:extLst>
+              <a:ext uri="{FF2B5EF4-FFF2-40B4-BE49-F238E27FC236}">
+                <a16:creationId xmlns:a16="http://schemas.microsoft.com/office/drawing/2014/main" id="{ED82A659-EF0E-4B57-9949-90CDE90E9AD4}"/>
+              </a:ext>
+            </a:extLst>
+          </p:cNvPr>
+          <p:cNvSpPr>
+            <a:spLocks noGrp="1"/>
+          </p:cNvSpPr>
+          <p:nvPr>
+            <p:ph idx="1"/>
+          </p:nvPr>
+        </p:nvSpPr>
+        <p:spPr>
+          <a:xfrm>
+            <a:off x="680321" y="2226626"/>
+            <a:ext cx="10532428" cy="3599316"/>
+          </a:xfrm>
+        </p:spPr>
+        <p:txBody>
+          <a:bodyPr/>
+          <a:lstStyle/>
+          <a:p>
+            <a:pPr marL="0" indent="0">
+              <a:buNone/>
+            </a:pPr>
+            <a:r>
+              <a:rPr lang="en-US" altLang="zh-CN" sz="3200" b="1" dirty="0"/>
+              <a:t>GB 18030</a:t>
+            </a:r>
+            <a:r>
+              <a:rPr lang="zh-CN" altLang="en-US" sz="3200" dirty="0"/>
+              <a:t> </a:t>
+            </a:r>
+            <a:r>
+              <a:rPr lang="en-US" altLang="zh-CN" sz="3200" dirty="0"/>
+              <a:t>《</a:t>
+            </a:r>
+            <a:r>
+              <a:rPr lang="zh-CN" altLang="en-US" sz="3200" dirty="0"/>
+              <a:t>信息技术 中文编码字符集</a:t>
+            </a:r>
+            <a:r>
+              <a:rPr lang="en-US" altLang="zh-CN" sz="3200" dirty="0"/>
+              <a:t>》</a:t>
+            </a:r>
+          </a:p>
+          <a:p>
+            <a:pPr marL="0" indent="0">
+              <a:buNone/>
+            </a:pPr>
+            <a:endParaRPr lang="en-US" altLang="zh-CN" sz="3200" dirty="0"/>
+          </a:p>
+          <a:p>
+            <a:r>
+              <a:rPr lang="en-US" altLang="zh-CN" dirty="0"/>
+              <a:t>GB18030-2000 《</a:t>
+            </a:r>
+            <a:r>
+              <a:rPr lang="zh-CN" altLang="en-US" dirty="0"/>
+              <a:t>信息技术 信息交换用汉字编码字符集基本集的扩充</a:t>
+            </a:r>
+            <a:r>
+              <a:rPr lang="en-US" altLang="zh-CN" dirty="0"/>
+              <a:t>》</a:t>
+            </a:r>
+          </a:p>
+          <a:p>
+            <a:r>
+              <a:rPr lang="en-US" altLang="zh-CN" dirty="0"/>
+              <a:t>GB18030-2005</a:t>
+            </a:r>
+          </a:p>
+          <a:p>
+            <a:r>
+              <a:rPr lang="zh-CN" altLang="en-US" dirty="0"/>
+              <a:t>向下兼容</a:t>
+            </a:r>
+            <a:r>
+              <a:rPr lang="en-US" altLang="zh-CN" dirty="0"/>
+              <a:t>GB2312 </a:t>
+            </a:r>
+            <a:r>
+              <a:rPr lang="zh-CN" altLang="en-US" dirty="0"/>
+              <a:t>和 </a:t>
+            </a:r>
+            <a:r>
+              <a:rPr lang="en-US" altLang="zh-CN" dirty="0"/>
+              <a:t>GBK</a:t>
+            </a:r>
+          </a:p>
+          <a:p>
+            <a:r>
+              <a:rPr lang="zh-CN" altLang="en-US" dirty="0"/>
+              <a:t>与</a:t>
+            </a:r>
+            <a:r>
+              <a:rPr lang="en-US" altLang="zh-CN" dirty="0"/>
+              <a:t>Unicode</a:t>
+            </a:r>
+            <a:r>
+              <a:rPr lang="zh-CN" altLang="en-US" dirty="0"/>
+              <a:t>的码位一一对应</a:t>
+            </a:r>
+            <a:endParaRPr lang="en-US" altLang="zh-CN" dirty="0"/>
+          </a:p>
+          <a:p>
+            <a:r>
+              <a:rPr lang="en-US" altLang="zh-CN" dirty="0"/>
+              <a:t>GB 18030</a:t>
+            </a:r>
+            <a:r>
+              <a:rPr lang="zh-CN" altLang="en-US" dirty="0"/>
+              <a:t>共收录汉字</a:t>
+            </a:r>
+            <a:r>
+              <a:rPr lang="en-US" altLang="zh-CN" dirty="0"/>
+              <a:t>70,244</a:t>
+            </a:r>
+            <a:r>
+              <a:rPr lang="zh-CN" altLang="en-US" dirty="0"/>
+              <a:t>个</a:t>
+            </a:r>
+          </a:p>
+        </p:txBody>
+      </p:sp>
+    </p:spTree>
+    <p:extLst>
+      <p:ext uri="{BB962C8B-B14F-4D97-AF65-F5344CB8AC3E}">
+        <p14:creationId xmlns:p14="http://schemas.microsoft.com/office/powerpoint/2010/main" val="3783740009"/>
+      </p:ext>
+    </p:extLst>
+  </p:cSld>
+  <p:clrMapOvr>
+    <a:masterClrMapping/>
+  </p:clrMapOvr>
+</p:sld>
+</file>
+
+<file path=ppt/slides/slide21.xml><?xml version="1.0" encoding="utf-8"?>
+<p:sld xmlns:a="http://schemas.openxmlformats.org/drawingml/2006/main" xmlns:r="http://schemas.openxmlformats.org/officeDocument/2006/relationships" xmlns:p="http://schemas.openxmlformats.org/presentationml/2006/main">
+  <p:cSld>
+    <p:spTree>
+      <p:nvGrpSpPr>
+        <p:cNvPr id="1" name=""/>
+        <p:cNvGrpSpPr/>
+        <p:nvPr/>
+      </p:nvGrpSpPr>
+      <p:grpSpPr>
+        <a:xfrm>
+          <a:off x="0" y="0"/>
+          <a:ext cx="0" cy="0"/>
+          <a:chOff x="0" y="0"/>
+          <a:chExt cx="0" cy="0"/>
+        </a:xfrm>
+      </p:grpSpPr>
+      <p:sp>
+        <p:nvSpPr>
+          <p:cNvPr id="45" name="矩形 44">
+            <a:extLst>
+              <a:ext uri="{FF2B5EF4-FFF2-40B4-BE49-F238E27FC236}">
+                <a16:creationId xmlns:a16="http://schemas.microsoft.com/office/drawing/2014/main" id="{8880FBD2-9CEB-4C7D-A6C1-896C59E0D927}"/>
+              </a:ext>
+            </a:extLst>
+          </p:cNvPr>
+          <p:cNvSpPr/>
+          <p:nvPr/>
+        </p:nvSpPr>
+        <p:spPr>
+          <a:xfrm>
+            <a:off x="6783421" y="3507218"/>
+            <a:ext cx="4286654" cy="2367074"/>
+          </a:xfrm>
+          <a:prstGeom prst="rect">
+            <a:avLst/>
+          </a:prstGeom>
+          <a:noFill/>
+          <a:ln w="38100">
+            <a:solidFill>
+              <a:schemeClr val="bg1"/>
+            </a:solidFill>
+            <a:prstDash val="sysDash"/>
+          </a:ln>
+        </p:spPr>
+        <p:style>
+          <a:lnRef idx="2">
+            <a:schemeClr val="accent1">
+              <a:shade val="50000"/>
+            </a:schemeClr>
+          </a:lnRef>
+          <a:fillRef idx="1">
+            <a:schemeClr val="accent1"/>
+          </a:fillRef>
+          <a:effectRef idx="0">
+            <a:schemeClr val="accent1"/>
+          </a:effectRef>
+          <a:fontRef idx="minor">
+            <a:schemeClr val="lt1"/>
+          </a:fontRef>
+        </p:style>
+        <p:txBody>
+          <a:bodyPr rtlCol="0" anchor="ctr"/>
+          <a:lstStyle/>
+          <a:p>
+            <a:pPr algn="ctr"/>
+            <a:endParaRPr lang="zh-CN" altLang="en-US"/>
+          </a:p>
+        </p:txBody>
+      </p:sp>
+      <p:sp>
+        <p:nvSpPr>
+          <p:cNvPr id="2" name="标题 1">
+            <a:extLst>
+              <a:ext uri="{FF2B5EF4-FFF2-40B4-BE49-F238E27FC236}">
+                <a16:creationId xmlns:a16="http://schemas.microsoft.com/office/drawing/2014/main" id="{33186C09-C464-4653-B3A8-8BFBCD7E723D}"/>
+              </a:ext>
+            </a:extLst>
+          </p:cNvPr>
+          <p:cNvSpPr>
+            <a:spLocks noGrp="1"/>
+          </p:cNvSpPr>
+          <p:nvPr>
+            <p:ph type="title"/>
+          </p:nvPr>
+        </p:nvSpPr>
+        <p:spPr/>
+        <p:txBody>
+          <a:bodyPr/>
+          <a:lstStyle/>
+          <a:p>
+            <a:r>
+              <a:rPr lang="zh-CN" altLang="en-US" dirty="0"/>
+              <a:t>主要中文字符编码体系之间的关系</a:t>
+            </a:r>
+          </a:p>
+        </p:txBody>
+      </p:sp>
+      <p:sp>
+        <p:nvSpPr>
+          <p:cNvPr id="4" name="矩形 3">
+            <a:extLst>
+              <a:ext uri="{FF2B5EF4-FFF2-40B4-BE49-F238E27FC236}">
+                <a16:creationId xmlns:a16="http://schemas.microsoft.com/office/drawing/2014/main" id="{729F3E87-EF0D-44CA-B1D8-9012844E78DC}"/>
+              </a:ext>
+            </a:extLst>
+          </p:cNvPr>
+          <p:cNvSpPr/>
+          <p:nvPr/>
+        </p:nvSpPr>
+        <p:spPr>
+          <a:xfrm>
+            <a:off x="3950280" y="2263303"/>
+            <a:ext cx="1569396" cy="499353"/>
+          </a:xfrm>
+          <a:prstGeom prst="rect">
+            <a:avLst/>
+          </a:prstGeom>
+        </p:spPr>
+        <p:style>
+          <a:lnRef idx="2">
+            <a:schemeClr val="accent1">
+              <a:shade val="50000"/>
+            </a:schemeClr>
+          </a:lnRef>
+          <a:fillRef idx="1">
+            <a:schemeClr val="accent1"/>
+          </a:fillRef>
+          <a:effectRef idx="0">
+            <a:schemeClr val="accent1"/>
+          </a:effectRef>
+          <a:fontRef idx="minor">
+            <a:schemeClr val="lt1"/>
+          </a:fontRef>
+        </p:style>
+        <p:txBody>
+          <a:bodyPr rtlCol="0" anchor="ctr"/>
+          <a:lstStyle/>
+          <a:p>
+            <a:pPr algn="ctr"/>
+            <a:r>
+              <a:rPr lang="en-US" altLang="zh-CN" dirty="0"/>
+              <a:t>GB 2312</a:t>
+            </a:r>
+            <a:endParaRPr lang="zh-CN" altLang="en-US" dirty="0"/>
+          </a:p>
+        </p:txBody>
+      </p:sp>
+      <p:sp>
+        <p:nvSpPr>
+          <p:cNvPr id="6" name="矩形 5">
+            <a:extLst>
+              <a:ext uri="{FF2B5EF4-FFF2-40B4-BE49-F238E27FC236}">
+                <a16:creationId xmlns:a16="http://schemas.microsoft.com/office/drawing/2014/main" id="{9C39C3DB-6EE1-4339-ADF5-3590308A8BC8}"/>
+              </a:ext>
+            </a:extLst>
+          </p:cNvPr>
+          <p:cNvSpPr/>
+          <p:nvPr/>
+        </p:nvSpPr>
+        <p:spPr>
+          <a:xfrm>
+            <a:off x="3950280" y="4650940"/>
+            <a:ext cx="1569396" cy="499353"/>
+          </a:xfrm>
+          <a:prstGeom prst="rect">
+            <a:avLst/>
+          </a:prstGeom>
+        </p:spPr>
+        <p:style>
+          <a:lnRef idx="2">
+            <a:schemeClr val="accent1">
+              <a:shade val="50000"/>
+            </a:schemeClr>
+          </a:lnRef>
+          <a:fillRef idx="1">
+            <a:schemeClr val="accent1"/>
+          </a:fillRef>
+          <a:effectRef idx="0">
+            <a:schemeClr val="accent1"/>
+          </a:effectRef>
+          <a:fontRef idx="minor">
+            <a:schemeClr val="lt1"/>
+          </a:fontRef>
+        </p:style>
+        <p:txBody>
+          <a:bodyPr rtlCol="0" anchor="ctr"/>
+          <a:lstStyle/>
+          <a:p>
+            <a:pPr algn="ctr"/>
+            <a:r>
+              <a:rPr lang="en-US" altLang="zh-CN" dirty="0"/>
+              <a:t>GBK</a:t>
+            </a:r>
+            <a:endParaRPr lang="zh-CN" altLang="en-US" dirty="0"/>
+          </a:p>
+        </p:txBody>
+      </p:sp>
+      <p:sp>
+        <p:nvSpPr>
+          <p:cNvPr id="8" name="矩形 7">
+            <a:extLst>
+              <a:ext uri="{FF2B5EF4-FFF2-40B4-BE49-F238E27FC236}">
+                <a16:creationId xmlns:a16="http://schemas.microsoft.com/office/drawing/2014/main" id="{6972E7EB-D7A5-4154-A963-8F05ED0092FC}"/>
+              </a:ext>
+            </a:extLst>
+          </p:cNvPr>
+          <p:cNvSpPr/>
+          <p:nvPr/>
+        </p:nvSpPr>
+        <p:spPr>
+          <a:xfrm>
+            <a:off x="3950280" y="5809765"/>
+            <a:ext cx="1569396" cy="499353"/>
+          </a:xfrm>
+          <a:prstGeom prst="rect">
+            <a:avLst/>
+          </a:prstGeom>
+        </p:spPr>
+        <p:style>
+          <a:lnRef idx="2">
+            <a:schemeClr val="accent1">
+              <a:shade val="50000"/>
+            </a:schemeClr>
+          </a:lnRef>
+          <a:fillRef idx="1">
+            <a:schemeClr val="accent1"/>
+          </a:fillRef>
+          <a:effectRef idx="0">
+            <a:schemeClr val="accent1"/>
+          </a:effectRef>
+          <a:fontRef idx="minor">
+            <a:schemeClr val="lt1"/>
+          </a:fontRef>
+        </p:style>
+        <p:txBody>
+          <a:bodyPr rtlCol="0" anchor="ctr"/>
+          <a:lstStyle/>
+          <a:p>
+            <a:pPr algn="ctr"/>
+            <a:r>
+              <a:rPr lang="en-US" altLang="zh-CN" dirty="0"/>
+              <a:t>GB 18030</a:t>
+            </a:r>
+            <a:endParaRPr lang="zh-CN" altLang="en-US" dirty="0"/>
+          </a:p>
+        </p:txBody>
+      </p:sp>
+      <p:sp>
+        <p:nvSpPr>
+          <p:cNvPr id="10" name="矩形 9">
+            <a:extLst>
+              <a:ext uri="{FF2B5EF4-FFF2-40B4-BE49-F238E27FC236}">
+                <a16:creationId xmlns:a16="http://schemas.microsoft.com/office/drawing/2014/main" id="{3AEE5793-5D24-4E7C-B8BC-C4309DB3EBCA}"/>
+              </a:ext>
+            </a:extLst>
+          </p:cNvPr>
+          <p:cNvSpPr/>
+          <p:nvPr/>
+        </p:nvSpPr>
+        <p:spPr>
+          <a:xfrm>
+            <a:off x="7055795" y="2712849"/>
+            <a:ext cx="1569396" cy="499353"/>
+          </a:xfrm>
+          <a:prstGeom prst="rect">
+            <a:avLst/>
+          </a:prstGeom>
+          <a:solidFill>
+            <a:srgbClr val="00B0F0"/>
+          </a:solidFill>
+        </p:spPr>
+        <p:style>
+          <a:lnRef idx="2">
+            <a:schemeClr val="accent1">
+              <a:shade val="50000"/>
+            </a:schemeClr>
+          </a:lnRef>
+          <a:fillRef idx="1">
+            <a:schemeClr val="accent1"/>
+          </a:fillRef>
+          <a:effectRef idx="0">
+            <a:schemeClr val="accent1"/>
+          </a:effectRef>
+          <a:fontRef idx="minor">
+            <a:schemeClr val="lt1"/>
+          </a:fontRef>
+        </p:style>
+        <p:txBody>
+          <a:bodyPr rtlCol="0" anchor="ctr"/>
+          <a:lstStyle/>
+          <a:p>
+            <a:pPr algn="ctr"/>
+            <a:r>
+              <a:rPr lang="en-US" altLang="zh-CN" dirty="0"/>
+              <a:t>Big5</a:t>
+            </a:r>
+            <a:endParaRPr lang="zh-CN" altLang="en-US" dirty="0"/>
+          </a:p>
+        </p:txBody>
+      </p:sp>
+      <p:sp>
+        <p:nvSpPr>
+          <p:cNvPr id="11" name="矩形 10">
+            <a:extLst>
+              <a:ext uri="{FF2B5EF4-FFF2-40B4-BE49-F238E27FC236}">
+                <a16:creationId xmlns:a16="http://schemas.microsoft.com/office/drawing/2014/main" id="{8B930DC0-1CA8-411B-82E9-7C2745329FF2}"/>
+              </a:ext>
+            </a:extLst>
+          </p:cNvPr>
+          <p:cNvSpPr/>
+          <p:nvPr/>
+        </p:nvSpPr>
+        <p:spPr>
+          <a:xfrm>
+            <a:off x="7075250" y="3646705"/>
+            <a:ext cx="3735422" cy="933856"/>
+          </a:xfrm>
+          <a:prstGeom prst="rect">
+            <a:avLst/>
+          </a:prstGeom>
+          <a:solidFill>
+            <a:srgbClr val="00B050"/>
+          </a:solidFill>
+        </p:spPr>
+        <p:style>
+          <a:lnRef idx="2">
+            <a:schemeClr val="accent1">
+              <a:shade val="50000"/>
+            </a:schemeClr>
+          </a:lnRef>
+          <a:fillRef idx="1">
+            <a:schemeClr val="accent1"/>
+          </a:fillRef>
+          <a:effectRef idx="0">
+            <a:schemeClr val="accent1"/>
+          </a:effectRef>
+          <a:fontRef idx="minor">
+            <a:schemeClr val="lt1"/>
+          </a:fontRef>
+        </p:style>
+        <p:txBody>
+          <a:bodyPr rtlCol="0" anchor="ctr"/>
+          <a:lstStyle/>
+          <a:p>
+            <a:pPr algn="ctr"/>
+            <a:r>
+              <a:rPr lang="en-US" altLang="zh-CN" dirty="0"/>
+              <a:t>GB 13000-1 / ISO10646-1:1993</a:t>
+            </a:r>
+          </a:p>
+          <a:p>
+            <a:pPr algn="ctr"/>
+            <a:r>
+              <a:rPr lang="en-US" altLang="zh-CN" dirty="0"/>
+              <a:t>CJK</a:t>
+            </a:r>
+            <a:endParaRPr lang="zh-CN" altLang="en-US" dirty="0"/>
+          </a:p>
+        </p:txBody>
+      </p:sp>
+      <p:sp>
+        <p:nvSpPr>
+          <p:cNvPr id="13" name="矩形 12">
+            <a:extLst>
+              <a:ext uri="{FF2B5EF4-FFF2-40B4-BE49-F238E27FC236}">
+                <a16:creationId xmlns:a16="http://schemas.microsoft.com/office/drawing/2014/main" id="{06988D96-E22A-4226-9298-46359195E793}"/>
+              </a:ext>
+            </a:extLst>
+          </p:cNvPr>
+          <p:cNvSpPr/>
+          <p:nvPr/>
+        </p:nvSpPr>
+        <p:spPr>
+          <a:xfrm>
+            <a:off x="7084978" y="4765066"/>
+            <a:ext cx="3735422" cy="933856"/>
+          </a:xfrm>
+          <a:prstGeom prst="rect">
+            <a:avLst/>
+          </a:prstGeom>
+          <a:solidFill>
+            <a:srgbClr val="00B050"/>
+          </a:solidFill>
+        </p:spPr>
+        <p:style>
+          <a:lnRef idx="2">
+            <a:schemeClr val="accent1">
+              <a:shade val="50000"/>
+            </a:schemeClr>
+          </a:lnRef>
+          <a:fillRef idx="1">
+            <a:schemeClr val="accent1"/>
+          </a:fillRef>
+          <a:effectRef idx="0">
+            <a:schemeClr val="accent1"/>
+          </a:effectRef>
+          <a:fontRef idx="minor">
+            <a:schemeClr val="lt1"/>
+          </a:fontRef>
+        </p:style>
+        <p:txBody>
+          <a:bodyPr rtlCol="0" anchor="ctr"/>
+          <a:lstStyle/>
+          <a:p>
+            <a:pPr algn="ctr"/>
+            <a:r>
+              <a:rPr lang="en-US" altLang="zh-CN" dirty="0"/>
+              <a:t>Unicode / ISO10646</a:t>
+            </a:r>
+          </a:p>
+          <a:p>
+            <a:pPr algn="ctr"/>
+            <a:r>
+              <a:rPr lang="en-US" altLang="zh-CN" dirty="0"/>
+              <a:t>CJK</a:t>
+            </a:r>
+            <a:r>
+              <a:rPr lang="zh-CN" altLang="en-US" dirty="0"/>
+              <a:t>统一汉字扩充</a:t>
+            </a:r>
+            <a:r>
+              <a:rPr lang="en-US" altLang="zh-CN" dirty="0"/>
+              <a:t>A</a:t>
+            </a:r>
+            <a:endParaRPr lang="zh-CN" altLang="en-US" dirty="0"/>
+          </a:p>
+        </p:txBody>
+      </p:sp>
+      <p:cxnSp>
+        <p:nvCxnSpPr>
+          <p:cNvPr id="15" name="直接箭头连接符 14">
+            <a:extLst>
+              <a:ext uri="{FF2B5EF4-FFF2-40B4-BE49-F238E27FC236}">
+                <a16:creationId xmlns:a16="http://schemas.microsoft.com/office/drawing/2014/main" id="{0E37DAB6-2448-4420-B63A-AD9B97E7F0B2}"/>
+              </a:ext>
+            </a:extLst>
+          </p:cNvPr>
+          <p:cNvCxnSpPr>
+            <a:stCxn id="4" idx="2"/>
+          </p:cNvCxnSpPr>
+          <p:nvPr/>
+        </p:nvCxnSpPr>
+        <p:spPr>
+          <a:xfrm>
+            <a:off x="4734978" y="2762656"/>
+            <a:ext cx="2593192" cy="819199"/>
+          </a:xfrm>
+          <a:prstGeom prst="straightConnector1">
+            <a:avLst/>
+          </a:prstGeom>
+          <a:ln w="57150">
+            <a:tailEnd type="triangle"/>
+          </a:ln>
+        </p:spPr>
+        <p:style>
+          <a:lnRef idx="3">
+            <a:schemeClr val="accent2"/>
+          </a:lnRef>
+          <a:fillRef idx="0">
+            <a:schemeClr val="accent2"/>
+          </a:fillRef>
+          <a:effectRef idx="2">
+            <a:schemeClr val="accent2"/>
+          </a:effectRef>
+          <a:fontRef idx="minor">
+            <a:schemeClr val="tx1"/>
+          </a:fontRef>
+        </p:style>
+      </p:cxnSp>
+      <p:cxnSp>
+        <p:nvCxnSpPr>
+          <p:cNvPr id="17" name="直接箭头连接符 16">
+            <a:extLst>
+              <a:ext uri="{FF2B5EF4-FFF2-40B4-BE49-F238E27FC236}">
+                <a16:creationId xmlns:a16="http://schemas.microsoft.com/office/drawing/2014/main" id="{FF9FA028-2449-4B6D-A34D-074EC8ED59FA}"/>
+              </a:ext>
+            </a:extLst>
+          </p:cNvPr>
+          <p:cNvCxnSpPr>
+            <a:stCxn id="10" idx="2"/>
+          </p:cNvCxnSpPr>
+          <p:nvPr/>
+        </p:nvCxnSpPr>
+        <p:spPr>
+          <a:xfrm>
+            <a:off x="7840493" y="3212202"/>
+            <a:ext cx="6486" cy="434503"/>
+          </a:xfrm>
+          <a:prstGeom prst="straightConnector1">
+            <a:avLst/>
+          </a:prstGeom>
+          <a:ln w="57150">
+            <a:tailEnd type="triangle"/>
+          </a:ln>
+        </p:spPr>
+        <p:style>
+          <a:lnRef idx="3">
+            <a:schemeClr val="accent2"/>
+          </a:lnRef>
+          <a:fillRef idx="0">
+            <a:schemeClr val="accent2"/>
+          </a:fillRef>
+          <a:effectRef idx="2">
+            <a:schemeClr val="accent2"/>
+          </a:effectRef>
+          <a:fontRef idx="minor">
+            <a:schemeClr val="tx1"/>
+          </a:fontRef>
+        </p:style>
+      </p:cxnSp>
+      <p:cxnSp>
+        <p:nvCxnSpPr>
+          <p:cNvPr id="19" name="直接箭头连接符 18">
+            <a:extLst>
+              <a:ext uri="{FF2B5EF4-FFF2-40B4-BE49-F238E27FC236}">
+                <a16:creationId xmlns:a16="http://schemas.microsoft.com/office/drawing/2014/main" id="{A8650983-96FD-4EBA-A37C-584901371FE8}"/>
+              </a:ext>
+            </a:extLst>
+          </p:cNvPr>
+          <p:cNvCxnSpPr>
+            <a:stCxn id="4" idx="2"/>
+            <a:endCxn id="6" idx="0"/>
+          </p:cNvCxnSpPr>
+          <p:nvPr/>
+        </p:nvCxnSpPr>
+        <p:spPr>
+          <a:xfrm>
+            <a:off x="4734978" y="2762656"/>
+            <a:ext cx="0" cy="1888284"/>
+          </a:xfrm>
+          <a:prstGeom prst="straightConnector1">
+            <a:avLst/>
+          </a:prstGeom>
+          <a:ln w="57150">
+            <a:tailEnd type="triangle"/>
+          </a:ln>
+        </p:spPr>
+        <p:style>
+          <a:lnRef idx="3">
+            <a:schemeClr val="accent2"/>
+          </a:lnRef>
+          <a:fillRef idx="0">
+            <a:schemeClr val="accent2"/>
+          </a:fillRef>
+          <a:effectRef idx="2">
+            <a:schemeClr val="accent2"/>
+          </a:effectRef>
+          <a:fontRef idx="minor">
+            <a:schemeClr val="tx1"/>
+          </a:fontRef>
+        </p:style>
+      </p:cxnSp>
+      <p:cxnSp>
+        <p:nvCxnSpPr>
+          <p:cNvPr id="21" name="直接箭头连接符 20">
+            <a:extLst>
+              <a:ext uri="{FF2B5EF4-FFF2-40B4-BE49-F238E27FC236}">
+                <a16:creationId xmlns:a16="http://schemas.microsoft.com/office/drawing/2014/main" id="{A38AD1D3-E46E-4487-B902-ECFE1FAEB4A6}"/>
+              </a:ext>
+            </a:extLst>
+          </p:cNvPr>
+          <p:cNvCxnSpPr>
+            <a:stCxn id="6" idx="2"/>
+            <a:endCxn id="8" idx="0"/>
+          </p:cNvCxnSpPr>
+          <p:nvPr/>
+        </p:nvCxnSpPr>
+        <p:spPr>
+          <a:xfrm>
+            <a:off x="4734978" y="5150293"/>
+            <a:ext cx="0" cy="659472"/>
+          </a:xfrm>
+          <a:prstGeom prst="straightConnector1">
+            <a:avLst/>
+          </a:prstGeom>
+          <a:ln w="57150">
+            <a:tailEnd type="triangle"/>
+          </a:ln>
+        </p:spPr>
+        <p:style>
+          <a:lnRef idx="3">
+            <a:schemeClr val="accent2"/>
+          </a:lnRef>
+          <a:fillRef idx="0">
+            <a:schemeClr val="accent2"/>
+          </a:fillRef>
+          <a:effectRef idx="2">
+            <a:schemeClr val="accent2"/>
+          </a:effectRef>
+          <a:fontRef idx="minor">
+            <a:schemeClr val="tx1"/>
+          </a:fontRef>
+        </p:style>
+      </p:cxnSp>
+      <p:sp>
+        <p:nvSpPr>
+          <p:cNvPr id="23" name="箭头: 左右 22">
+            <a:extLst>
+              <a:ext uri="{FF2B5EF4-FFF2-40B4-BE49-F238E27FC236}">
+                <a16:creationId xmlns:a16="http://schemas.microsoft.com/office/drawing/2014/main" id="{324A2FA1-4A72-4791-8FDF-F80CB661C04B}"/>
+              </a:ext>
+            </a:extLst>
+          </p:cNvPr>
+          <p:cNvSpPr/>
+          <p:nvPr/>
+        </p:nvSpPr>
+        <p:spPr>
+          <a:xfrm rot="19875690">
+            <a:off x="5416813" y="4414438"/>
+            <a:ext cx="1768119" cy="279287"/>
+          </a:xfrm>
+          <a:prstGeom prst="leftRightArrow">
+            <a:avLst/>
+          </a:prstGeom>
+          <a:solidFill>
+            <a:srgbClr val="FFFF00"/>
+          </a:solidFill>
+        </p:spPr>
+        <p:style>
+          <a:lnRef idx="2">
+            <a:schemeClr val="accent1">
+              <a:shade val="50000"/>
+            </a:schemeClr>
+          </a:lnRef>
+          <a:fillRef idx="1">
+            <a:schemeClr val="accent1"/>
+          </a:fillRef>
+          <a:effectRef idx="0">
+            <a:schemeClr val="accent1"/>
+          </a:effectRef>
+          <a:fontRef idx="minor">
+            <a:schemeClr val="lt1"/>
+          </a:fontRef>
+        </p:style>
+        <p:txBody>
+          <a:bodyPr rtlCol="0" anchor="ctr"/>
+          <a:lstStyle/>
+          <a:p>
+            <a:pPr algn="ctr"/>
+            <a:endParaRPr lang="zh-CN" altLang="en-US"/>
+          </a:p>
+        </p:txBody>
+      </p:sp>
+      <p:sp>
+        <p:nvSpPr>
+          <p:cNvPr id="25" name="箭头: 左右 24">
+            <a:extLst>
+              <a:ext uri="{FF2B5EF4-FFF2-40B4-BE49-F238E27FC236}">
+                <a16:creationId xmlns:a16="http://schemas.microsoft.com/office/drawing/2014/main" id="{F0CB5B36-12E7-4898-9A51-D3B0FEB607F7}"/>
+              </a:ext>
+            </a:extLst>
+          </p:cNvPr>
+          <p:cNvSpPr/>
+          <p:nvPr/>
+        </p:nvSpPr>
+        <p:spPr>
+          <a:xfrm rot="19875690">
+            <a:off x="5438359" y="5558880"/>
+            <a:ext cx="1768119" cy="262542"/>
+          </a:xfrm>
+          <a:prstGeom prst="leftRightArrow">
+            <a:avLst/>
+          </a:prstGeom>
+          <a:solidFill>
+            <a:srgbClr val="FFFF00"/>
+          </a:solidFill>
+        </p:spPr>
+        <p:style>
+          <a:lnRef idx="2">
+            <a:schemeClr val="accent1">
+              <a:shade val="50000"/>
+            </a:schemeClr>
+          </a:lnRef>
+          <a:fillRef idx="1">
+            <a:schemeClr val="accent1"/>
+          </a:fillRef>
+          <a:effectRef idx="0">
+            <a:schemeClr val="accent1"/>
+          </a:effectRef>
+          <a:fontRef idx="minor">
+            <a:schemeClr val="lt1"/>
+          </a:fontRef>
+        </p:style>
+        <p:txBody>
+          <a:bodyPr rtlCol="0" anchor="ctr"/>
+          <a:lstStyle/>
+          <a:p>
+            <a:pPr algn="ctr"/>
+            <a:endParaRPr lang="zh-CN" altLang="en-US"/>
+          </a:p>
+        </p:txBody>
+      </p:sp>
+      <p:sp>
+        <p:nvSpPr>
+          <p:cNvPr id="26" name="文本框 25">
+            <a:extLst>
+              <a:ext uri="{FF2B5EF4-FFF2-40B4-BE49-F238E27FC236}">
+                <a16:creationId xmlns:a16="http://schemas.microsoft.com/office/drawing/2014/main" id="{9A52FAF1-8DDD-47FD-B316-4912F2CD63B1}"/>
+              </a:ext>
+            </a:extLst>
+          </p:cNvPr>
+          <p:cNvSpPr txBox="1"/>
+          <p:nvPr/>
+        </p:nvSpPr>
+        <p:spPr>
+          <a:xfrm>
+            <a:off x="1326202" y="2328153"/>
+            <a:ext cx="671979" cy="369332"/>
+          </a:xfrm>
+          <a:prstGeom prst="rect">
+            <a:avLst/>
+          </a:prstGeom>
+          <a:noFill/>
+        </p:spPr>
+        <p:txBody>
+          <a:bodyPr wrap="none" rtlCol="0">
+            <a:spAutoFit/>
+          </a:bodyPr>
+          <a:lstStyle/>
+          <a:p>
+            <a:r>
+              <a:rPr lang="en-US" altLang="zh-CN" dirty="0"/>
+              <a:t>1980</a:t>
+            </a:r>
+            <a:endParaRPr lang="zh-CN" altLang="en-US" dirty="0"/>
+          </a:p>
+        </p:txBody>
+      </p:sp>
+      <p:sp>
+        <p:nvSpPr>
+          <p:cNvPr id="28" name="文本框 27">
+            <a:extLst>
+              <a:ext uri="{FF2B5EF4-FFF2-40B4-BE49-F238E27FC236}">
+                <a16:creationId xmlns:a16="http://schemas.microsoft.com/office/drawing/2014/main" id="{8A4F5D1E-50C0-45B6-8300-0B92D67A51ED}"/>
+              </a:ext>
+            </a:extLst>
+          </p:cNvPr>
+          <p:cNvSpPr txBox="1"/>
+          <p:nvPr/>
+        </p:nvSpPr>
+        <p:spPr>
+          <a:xfrm>
+            <a:off x="1326202" y="2777859"/>
+            <a:ext cx="671979" cy="369332"/>
+          </a:xfrm>
+          <a:prstGeom prst="rect">
+            <a:avLst/>
+          </a:prstGeom>
+          <a:noFill/>
+        </p:spPr>
+        <p:txBody>
+          <a:bodyPr wrap="none" rtlCol="0">
+            <a:spAutoFit/>
+          </a:bodyPr>
+          <a:lstStyle/>
+          <a:p>
+            <a:r>
+              <a:rPr lang="en-US" altLang="zh-CN" dirty="0"/>
+              <a:t>1984</a:t>
+            </a:r>
+            <a:endParaRPr lang="zh-CN" altLang="en-US" dirty="0"/>
+          </a:p>
+        </p:txBody>
+      </p:sp>
+      <p:sp>
+        <p:nvSpPr>
+          <p:cNvPr id="30" name="文本框 29">
+            <a:extLst>
+              <a:ext uri="{FF2B5EF4-FFF2-40B4-BE49-F238E27FC236}">
+                <a16:creationId xmlns:a16="http://schemas.microsoft.com/office/drawing/2014/main" id="{5FF0B36A-9213-4555-89D5-A0F6D92486B4}"/>
+              </a:ext>
+            </a:extLst>
+          </p:cNvPr>
+          <p:cNvSpPr txBox="1"/>
+          <p:nvPr/>
+        </p:nvSpPr>
+        <p:spPr>
+          <a:xfrm>
+            <a:off x="1326203" y="3739223"/>
+            <a:ext cx="671979" cy="369332"/>
+          </a:xfrm>
+          <a:prstGeom prst="rect">
+            <a:avLst/>
+          </a:prstGeom>
+          <a:noFill/>
+        </p:spPr>
+        <p:txBody>
+          <a:bodyPr wrap="none" rtlCol="0">
+            <a:spAutoFit/>
+          </a:bodyPr>
+          <a:lstStyle/>
+          <a:p>
+            <a:r>
+              <a:rPr lang="en-US" altLang="zh-CN" dirty="0"/>
+              <a:t>1993</a:t>
+            </a:r>
+            <a:endParaRPr lang="zh-CN" altLang="en-US" dirty="0"/>
+          </a:p>
+        </p:txBody>
+      </p:sp>
+      <p:sp>
+        <p:nvSpPr>
+          <p:cNvPr id="32" name="文本框 31">
+            <a:extLst>
+              <a:ext uri="{FF2B5EF4-FFF2-40B4-BE49-F238E27FC236}">
+                <a16:creationId xmlns:a16="http://schemas.microsoft.com/office/drawing/2014/main" id="{9E6DD16B-0709-4F9F-9EBD-BDEA233518B6}"/>
+              </a:ext>
+            </a:extLst>
+          </p:cNvPr>
+          <p:cNvSpPr txBox="1"/>
+          <p:nvPr/>
+        </p:nvSpPr>
+        <p:spPr>
+          <a:xfrm>
+            <a:off x="1292541" y="4715950"/>
+            <a:ext cx="671979" cy="369332"/>
+          </a:xfrm>
+          <a:prstGeom prst="rect">
+            <a:avLst/>
+          </a:prstGeom>
+          <a:noFill/>
+        </p:spPr>
+        <p:txBody>
+          <a:bodyPr wrap="none" rtlCol="0">
+            <a:spAutoFit/>
+          </a:bodyPr>
+          <a:lstStyle/>
+          <a:p>
+            <a:r>
+              <a:rPr lang="en-US" altLang="zh-CN" dirty="0"/>
+              <a:t>1995</a:t>
+            </a:r>
+            <a:endParaRPr lang="zh-CN" altLang="en-US" dirty="0"/>
+          </a:p>
+        </p:txBody>
+      </p:sp>
+      <p:sp>
+        <p:nvSpPr>
+          <p:cNvPr id="34" name="文本框 33">
+            <a:extLst>
+              <a:ext uri="{FF2B5EF4-FFF2-40B4-BE49-F238E27FC236}">
+                <a16:creationId xmlns:a16="http://schemas.microsoft.com/office/drawing/2014/main" id="{37AC8E5F-F2EF-40BE-B72F-84D05387B872}"/>
+              </a:ext>
+            </a:extLst>
+          </p:cNvPr>
+          <p:cNvSpPr txBox="1"/>
+          <p:nvPr/>
+        </p:nvSpPr>
+        <p:spPr>
+          <a:xfrm>
+            <a:off x="1292542" y="5874775"/>
+            <a:ext cx="671979" cy="369332"/>
+          </a:xfrm>
+          <a:prstGeom prst="rect">
+            <a:avLst/>
+          </a:prstGeom>
+          <a:noFill/>
+        </p:spPr>
+        <p:txBody>
+          <a:bodyPr wrap="none" rtlCol="0">
+            <a:spAutoFit/>
+          </a:bodyPr>
+          <a:lstStyle/>
+          <a:p>
+            <a:r>
+              <a:rPr lang="en-US" altLang="zh-CN" dirty="0"/>
+              <a:t>2000</a:t>
+            </a:r>
+            <a:endParaRPr lang="zh-CN" altLang="en-US" dirty="0"/>
+          </a:p>
+        </p:txBody>
+      </p:sp>
+      <p:cxnSp>
+        <p:nvCxnSpPr>
+          <p:cNvPr id="36" name="直接连接符 35">
+            <a:extLst>
+              <a:ext uri="{FF2B5EF4-FFF2-40B4-BE49-F238E27FC236}">
+                <a16:creationId xmlns:a16="http://schemas.microsoft.com/office/drawing/2014/main" id="{351F4C2A-0D3F-4134-A93B-6D694D8441BD}"/>
+              </a:ext>
+            </a:extLst>
+          </p:cNvPr>
+          <p:cNvCxnSpPr>
+            <a:stCxn id="26" idx="3"/>
+            <a:endCxn id="4" idx="1"/>
+          </p:cNvCxnSpPr>
+          <p:nvPr/>
+        </p:nvCxnSpPr>
+        <p:spPr>
+          <a:xfrm>
+            <a:off x="1998181" y="2512819"/>
+            <a:ext cx="1952099" cy="161"/>
+          </a:xfrm>
+          <a:prstGeom prst="line">
+            <a:avLst/>
+          </a:prstGeom>
+          <a:ln w="9525" cap="flat" cmpd="sng" algn="ctr">
+            <a:solidFill>
+              <a:schemeClr val="dk1"/>
+            </a:solidFill>
+            <a:prstDash val="dash"/>
+            <a:round/>
+            <a:headEnd type="none" w="med" len="med"/>
+            <a:tailEnd type="none" w="med" len="med"/>
+          </a:ln>
+        </p:spPr>
+        <p:style>
+          <a:lnRef idx="0">
+            <a:scrgbClr r="0" g="0" b="0"/>
+          </a:lnRef>
+          <a:fillRef idx="0">
+            <a:scrgbClr r="0" g="0" b="0"/>
+          </a:fillRef>
+          <a:effectRef idx="0">
+            <a:scrgbClr r="0" g="0" b="0"/>
+          </a:effectRef>
+          <a:fontRef idx="minor">
+            <a:schemeClr val="tx1"/>
+          </a:fontRef>
+        </p:style>
+      </p:cxnSp>
+      <p:cxnSp>
+        <p:nvCxnSpPr>
+          <p:cNvPr id="38" name="直接连接符 37">
+            <a:extLst>
+              <a:ext uri="{FF2B5EF4-FFF2-40B4-BE49-F238E27FC236}">
+                <a16:creationId xmlns:a16="http://schemas.microsoft.com/office/drawing/2014/main" id="{4FDFF905-3752-46F0-ABA7-A5789375A91D}"/>
+              </a:ext>
+            </a:extLst>
+          </p:cNvPr>
+          <p:cNvCxnSpPr>
+            <a:stCxn id="28" idx="3"/>
+            <a:endCxn id="10" idx="1"/>
+          </p:cNvCxnSpPr>
+          <p:nvPr/>
+        </p:nvCxnSpPr>
+        <p:spPr>
+          <a:xfrm>
+            <a:off x="1998181" y="2962525"/>
+            <a:ext cx="5057614" cy="1"/>
+          </a:xfrm>
+          <a:prstGeom prst="line">
+            <a:avLst/>
+          </a:prstGeom>
+          <a:ln w="9525" cap="flat" cmpd="sng" algn="ctr">
+            <a:solidFill>
+              <a:schemeClr val="dk1"/>
+            </a:solidFill>
+            <a:prstDash val="dash"/>
+            <a:round/>
+            <a:headEnd type="none" w="med" len="med"/>
+            <a:tailEnd type="none" w="med" len="med"/>
+          </a:ln>
+        </p:spPr>
+        <p:style>
+          <a:lnRef idx="0">
+            <a:scrgbClr r="0" g="0" b="0"/>
+          </a:lnRef>
+          <a:fillRef idx="0">
+            <a:scrgbClr r="0" g="0" b="0"/>
+          </a:fillRef>
+          <a:effectRef idx="0">
+            <a:scrgbClr r="0" g="0" b="0"/>
+          </a:effectRef>
+          <a:fontRef idx="minor">
+            <a:schemeClr val="tx1"/>
+          </a:fontRef>
+        </p:style>
+      </p:cxnSp>
+      <p:cxnSp>
+        <p:nvCxnSpPr>
+          <p:cNvPr id="40" name="直接连接符 39">
+            <a:extLst>
+              <a:ext uri="{FF2B5EF4-FFF2-40B4-BE49-F238E27FC236}">
+                <a16:creationId xmlns:a16="http://schemas.microsoft.com/office/drawing/2014/main" id="{9450F4F3-3E12-4187-8409-FDCDC4C25EE4}"/>
+              </a:ext>
+            </a:extLst>
+          </p:cNvPr>
+          <p:cNvCxnSpPr>
+            <a:stCxn id="30" idx="3"/>
+          </p:cNvCxnSpPr>
+          <p:nvPr/>
+        </p:nvCxnSpPr>
+        <p:spPr>
+          <a:xfrm flipV="1">
+            <a:off x="1998182" y="3923728"/>
+            <a:ext cx="5086796" cy="161"/>
+          </a:xfrm>
+          <a:prstGeom prst="line">
+            <a:avLst/>
+          </a:prstGeom>
+          <a:ln w="9525" cap="flat" cmpd="sng" algn="ctr">
+            <a:solidFill>
+              <a:schemeClr val="dk1"/>
+            </a:solidFill>
+            <a:prstDash val="dash"/>
+            <a:round/>
+            <a:headEnd type="none" w="med" len="med"/>
+            <a:tailEnd type="none" w="med" len="med"/>
+          </a:ln>
+        </p:spPr>
+        <p:style>
+          <a:lnRef idx="0">
+            <a:scrgbClr r="0" g="0" b="0"/>
+          </a:lnRef>
+          <a:fillRef idx="0">
+            <a:scrgbClr r="0" g="0" b="0"/>
+          </a:fillRef>
+          <a:effectRef idx="0">
+            <a:scrgbClr r="0" g="0" b="0"/>
+          </a:effectRef>
+          <a:fontRef idx="minor">
+            <a:schemeClr val="tx1"/>
+          </a:fontRef>
+        </p:style>
+      </p:cxnSp>
+      <p:cxnSp>
+        <p:nvCxnSpPr>
+          <p:cNvPr id="42" name="直接连接符 41">
+            <a:extLst>
+              <a:ext uri="{FF2B5EF4-FFF2-40B4-BE49-F238E27FC236}">
+                <a16:creationId xmlns:a16="http://schemas.microsoft.com/office/drawing/2014/main" id="{A4DAA31B-844A-442C-B5F9-C2D5B15F851F}"/>
+              </a:ext>
+            </a:extLst>
+          </p:cNvPr>
+          <p:cNvCxnSpPr>
+            <a:stCxn id="32" idx="3"/>
+            <a:endCxn id="6" idx="1"/>
+          </p:cNvCxnSpPr>
+          <p:nvPr/>
+        </p:nvCxnSpPr>
+        <p:spPr>
+          <a:xfrm>
+            <a:off x="1964520" y="4900616"/>
+            <a:ext cx="1985760" cy="1"/>
+          </a:xfrm>
+          <a:prstGeom prst="line">
+            <a:avLst/>
+          </a:prstGeom>
+          <a:ln w="9525" cap="flat" cmpd="sng" algn="ctr">
+            <a:solidFill>
+              <a:schemeClr val="dk1"/>
+            </a:solidFill>
+            <a:prstDash val="dash"/>
+            <a:round/>
+            <a:headEnd type="none" w="med" len="med"/>
+            <a:tailEnd type="none" w="med" len="med"/>
+          </a:ln>
+        </p:spPr>
+        <p:style>
+          <a:lnRef idx="0">
+            <a:scrgbClr r="0" g="0" b="0"/>
+          </a:lnRef>
+          <a:fillRef idx="0">
+            <a:scrgbClr r="0" g="0" b="0"/>
+          </a:fillRef>
+          <a:effectRef idx="0">
+            <a:scrgbClr r="0" g="0" b="0"/>
+          </a:effectRef>
+          <a:fontRef idx="minor">
+            <a:schemeClr val="tx1"/>
+          </a:fontRef>
+        </p:style>
+      </p:cxnSp>
+      <p:cxnSp>
+        <p:nvCxnSpPr>
+          <p:cNvPr id="44" name="直接连接符 43">
+            <a:extLst>
+              <a:ext uri="{FF2B5EF4-FFF2-40B4-BE49-F238E27FC236}">
+                <a16:creationId xmlns:a16="http://schemas.microsoft.com/office/drawing/2014/main" id="{B070E384-D9FE-4B15-8050-A4E6DEB36487}"/>
+              </a:ext>
+            </a:extLst>
+          </p:cNvPr>
+          <p:cNvCxnSpPr>
+            <a:stCxn id="34" idx="3"/>
+            <a:endCxn id="8" idx="1"/>
+          </p:cNvCxnSpPr>
+          <p:nvPr/>
+        </p:nvCxnSpPr>
+        <p:spPr>
+          <a:xfrm>
+            <a:off x="1964521" y="6059441"/>
+            <a:ext cx="1985759" cy="1"/>
+          </a:xfrm>
+          <a:prstGeom prst="line">
+            <a:avLst/>
+          </a:prstGeom>
+          <a:ln w="9525" cap="flat" cmpd="sng" algn="ctr">
+            <a:solidFill>
+              <a:schemeClr val="dk1"/>
+            </a:solidFill>
+            <a:prstDash val="dash"/>
+            <a:round/>
+            <a:headEnd type="none" w="med" len="med"/>
+            <a:tailEnd type="none" w="med" len="med"/>
+          </a:ln>
+        </p:spPr>
+        <p:style>
+          <a:lnRef idx="0">
+            <a:scrgbClr r="0" g="0" b="0"/>
+          </a:lnRef>
+          <a:fillRef idx="0">
+            <a:scrgbClr r="0" g="0" b="0"/>
+          </a:fillRef>
+          <a:effectRef idx="0">
+            <a:scrgbClr r="0" g="0" b="0"/>
+          </a:effectRef>
+          <a:fontRef idx="minor">
+            <a:schemeClr val="tx1"/>
+          </a:fontRef>
+        </p:style>
+      </p:cxnSp>
+    </p:spTree>
+    <p:extLst>
+      <p:ext uri="{BB962C8B-B14F-4D97-AF65-F5344CB8AC3E}">
+        <p14:creationId xmlns:p14="http://schemas.microsoft.com/office/powerpoint/2010/main" val="104828867"/>
+      </p:ext>
+    </p:extLst>
+  </p:cSld>
+  <p:clrMapOvr>
+    <a:masterClrMapping/>
+  </p:clrMapOvr>
+</p:sld>
+</file>
+
+<file path=ppt/slides/slide22.xml><?xml version="1.0" encoding="utf-8"?>
+<p:sld xmlns:a="http://schemas.openxmlformats.org/drawingml/2006/main" xmlns:r="http://schemas.openxmlformats.org/officeDocument/2006/relationships" xmlns:p="http://schemas.openxmlformats.org/presentationml/2006/main">
+  <p:cSld>
+    <p:spTree>
+      <p:nvGrpSpPr>
+        <p:cNvPr id="1" name=""/>
+        <p:cNvGrpSpPr/>
+        <p:nvPr/>
+      </p:nvGrpSpPr>
+      <p:grpSpPr>
+        <a:xfrm>
+          <a:off x="0" y="0"/>
+          <a:ext cx="0" cy="0"/>
+          <a:chOff x="0" y="0"/>
+          <a:chExt cx="0" cy="0"/>
+        </a:xfrm>
+      </p:grpSpPr>
+      <p:sp>
+        <p:nvSpPr>
+          <p:cNvPr id="2" name="标题 1">
+            <a:extLst>
+              <a:ext uri="{FF2B5EF4-FFF2-40B4-BE49-F238E27FC236}">
+                <a16:creationId xmlns:a16="http://schemas.microsoft.com/office/drawing/2014/main" id="{B1AA155A-4A36-4085-BF68-DD9783C31505}"/>
+              </a:ext>
+            </a:extLst>
+          </p:cNvPr>
+          <p:cNvSpPr>
+            <a:spLocks noGrp="1"/>
+          </p:cNvSpPr>
+          <p:nvPr>
+            <p:ph type="title"/>
+          </p:nvPr>
+        </p:nvSpPr>
+        <p:spPr/>
+        <p:txBody>
+          <a:bodyPr/>
+          <a:lstStyle/>
+          <a:p>
+            <a:r>
+              <a:rPr lang="en-US" altLang="zh-CN" dirty="0"/>
+              <a:t>6.3 </a:t>
+            </a:r>
+            <a:r>
+              <a:rPr lang="zh-CN" altLang="en-US" dirty="0"/>
+              <a:t>字符编码知识的作用</a:t>
+            </a:r>
+            <a:endParaRPr lang="zh-CN" altLang="en-US" b="1" dirty="0"/>
+          </a:p>
+        </p:txBody>
+      </p:sp>
+      <p:sp>
+        <p:nvSpPr>
+          <p:cNvPr id="3" name="内容占位符 2">
+            <a:extLst>
+              <a:ext uri="{FF2B5EF4-FFF2-40B4-BE49-F238E27FC236}">
+                <a16:creationId xmlns:a16="http://schemas.microsoft.com/office/drawing/2014/main" id="{81B33DC0-BF5D-412E-AF38-E6D4F60B9A29}"/>
+              </a:ext>
+            </a:extLst>
+          </p:cNvPr>
+          <p:cNvSpPr>
+            <a:spLocks noGrp="1"/>
+          </p:cNvSpPr>
+          <p:nvPr>
+            <p:ph idx="1"/>
+          </p:nvPr>
+        </p:nvSpPr>
+        <p:spPr>
+          <a:xfrm>
+            <a:off x="680321" y="2336873"/>
+            <a:ext cx="9613861" cy="4115808"/>
+          </a:xfrm>
+        </p:spPr>
+        <p:txBody>
+          <a:bodyPr>
+            <a:noAutofit/>
+          </a:bodyPr>
+          <a:lstStyle/>
+          <a:p>
+            <a:pPr marL="0" indent="0">
+              <a:buNone/>
+            </a:pPr>
+            <a:br>
+              <a:rPr lang="zh-CN" altLang="en-US" dirty="0"/>
+            </a:br>
+            <a:endParaRPr lang="zh-CN" altLang="en-US" dirty="0"/>
+          </a:p>
+        </p:txBody>
+      </p:sp>
+    </p:spTree>
+    <p:extLst>
+      <p:ext uri="{BB962C8B-B14F-4D97-AF65-F5344CB8AC3E}">
+        <p14:creationId xmlns:p14="http://schemas.microsoft.com/office/powerpoint/2010/main" val="1289760301"/>
+      </p:ext>
+    </p:extLst>
+  </p:cSld>
+  <p:clrMapOvr>
+    <a:masterClrMapping/>
+  </p:clrMapOvr>
+</p:sld>
+</file>
+
+<file path=ppt/slides/slide23.xml><?xml version="1.0" encoding="utf-8"?>
+<p:sld xmlns:a="http://schemas.openxmlformats.org/drawingml/2006/main" xmlns:r="http://schemas.openxmlformats.org/officeDocument/2006/relationships" xmlns:p="http://schemas.openxmlformats.org/presentationml/2006/main">
+  <p:cSld>
+    <p:spTree>
+      <p:nvGrpSpPr>
+        <p:cNvPr id="1" name=""/>
+        <p:cNvGrpSpPr/>
+        <p:nvPr/>
+      </p:nvGrpSpPr>
+      <p:grpSpPr>
+        <a:xfrm>
+          <a:off x="0" y="0"/>
+          <a:ext cx="0" cy="0"/>
+          <a:chOff x="0" y="0"/>
+          <a:chExt cx="0" cy="0"/>
+        </a:xfrm>
+      </p:grpSpPr>
+      <p:sp>
+        <p:nvSpPr>
+          <p:cNvPr id="2" name="标题 1">
+            <a:extLst>
+              <a:ext uri="{FF2B5EF4-FFF2-40B4-BE49-F238E27FC236}">
+                <a16:creationId xmlns:a16="http://schemas.microsoft.com/office/drawing/2014/main" id="{B1AA155A-4A36-4085-BF68-DD9783C31505}"/>
+              </a:ext>
+            </a:extLst>
+          </p:cNvPr>
+          <p:cNvSpPr>
+            <a:spLocks noGrp="1"/>
+          </p:cNvSpPr>
+          <p:nvPr>
+            <p:ph type="title"/>
+          </p:nvPr>
+        </p:nvSpPr>
+        <p:spPr/>
+        <p:txBody>
+          <a:bodyPr/>
+          <a:lstStyle/>
+          <a:p>
+            <a:r>
+              <a:rPr lang="en-US" altLang="zh-CN" dirty="0"/>
+              <a:t>6.4 </a:t>
+            </a:r>
+            <a:r>
+              <a:rPr lang="zh-CN" altLang="en-US" dirty="0"/>
+              <a:t>字频统计</a:t>
+            </a:r>
+            <a:endParaRPr lang="zh-CN" altLang="en-US" b="1" dirty="0"/>
+          </a:p>
+        </p:txBody>
+      </p:sp>
+      <p:sp>
+        <p:nvSpPr>
+          <p:cNvPr id="3" name="内容占位符 2">
+            <a:extLst>
+              <a:ext uri="{FF2B5EF4-FFF2-40B4-BE49-F238E27FC236}">
+                <a16:creationId xmlns:a16="http://schemas.microsoft.com/office/drawing/2014/main" id="{81B33DC0-BF5D-412E-AF38-E6D4F60B9A29}"/>
+              </a:ext>
+            </a:extLst>
+          </p:cNvPr>
+          <p:cNvSpPr>
+            <a:spLocks noGrp="1"/>
+          </p:cNvSpPr>
+          <p:nvPr>
+            <p:ph idx="1"/>
+          </p:nvPr>
+        </p:nvSpPr>
+        <p:spPr>
+          <a:xfrm>
+            <a:off x="680321" y="2336873"/>
+            <a:ext cx="9613861" cy="4115808"/>
+          </a:xfrm>
+        </p:spPr>
+        <p:txBody>
+          <a:bodyPr>
+            <a:noAutofit/>
+          </a:bodyPr>
+          <a:lstStyle/>
+          <a:p>
+            <a:pPr marL="0" indent="0">
+              <a:buNone/>
+            </a:pPr>
+            <a:br>
+              <a:rPr lang="zh-CN" altLang="en-US"/>
+            </a:br>
+            <a:r>
+              <a:rPr lang="zh-CN" altLang="en-US" dirty="0"/>
+              <a:t>　　</a:t>
+            </a:r>
+            <a:r>
+              <a:rPr lang="en-US" altLang="zh-CN" dirty="0"/>
+              <a:t>6.4.1 </a:t>
+            </a:r>
+            <a:r>
+              <a:rPr lang="zh-CN" altLang="en-US" dirty="0"/>
+              <a:t>字频统计的应用</a:t>
+            </a:r>
+            <a:br>
+              <a:rPr lang="zh-CN" altLang="en-US" dirty="0"/>
+            </a:br>
+            <a:r>
+              <a:rPr lang="zh-CN" altLang="en-US" dirty="0"/>
+              <a:t>　　</a:t>
+            </a:r>
+            <a:r>
+              <a:rPr lang="en-US" altLang="zh-CN" dirty="0"/>
+              <a:t>6.4.2 </a:t>
+            </a:r>
+            <a:r>
+              <a:rPr lang="zh-CN" altLang="en-US" dirty="0"/>
+              <a:t>单字字频统计</a:t>
+            </a:r>
+            <a:br>
+              <a:rPr lang="zh-CN" altLang="en-US" dirty="0"/>
+            </a:br>
+            <a:r>
+              <a:rPr lang="zh-CN" altLang="en-US" dirty="0"/>
+              <a:t>　　</a:t>
+            </a:r>
+            <a:r>
+              <a:rPr lang="en-US" altLang="zh-CN" dirty="0"/>
+              <a:t>6.4.3 </a:t>
+            </a:r>
+            <a:r>
+              <a:rPr lang="zh-CN" altLang="en-US" dirty="0"/>
+              <a:t>双字字频统计</a:t>
+            </a:r>
+          </a:p>
+        </p:txBody>
+      </p:sp>
+    </p:spTree>
+    <p:extLst>
+      <p:ext uri="{BB962C8B-B14F-4D97-AF65-F5344CB8AC3E}">
+        <p14:creationId xmlns:p14="http://schemas.microsoft.com/office/powerpoint/2010/main" val="1335123535"/>
       </p:ext>
     </p:extLst>
   </p:cSld>
@@ -9945,18 +14825,20 @@
         <p:spPr>
           <a:xfrm>
             <a:off x="680321" y="2336873"/>
-            <a:ext cx="10448122" cy="3599316"/>
-          </a:xfrm>
-        </p:spPr>
-        <p:txBody>
-          <a:bodyPr/>
+            <a:ext cx="10448122" cy="3707246"/>
+          </a:xfrm>
+        </p:spPr>
+        <p:txBody>
+          <a:bodyPr>
+            <a:normAutofit/>
+          </a:bodyPr>
           <a:lstStyle/>
           <a:p>
             <a:pPr marL="0" indent="0">
               <a:buNone/>
             </a:pPr>
             <a:r>
-              <a:rPr lang="en-US" altLang="zh-CN" dirty="0">
+              <a:rPr lang="en-US" altLang="zh-CN" sz="2800" dirty="0">
                 <a:solidFill>
                   <a:srgbClr val="FFFF00"/>
                 </a:solidFill>
@@ -9967,7 +14849,7 @@
               <a:t>GB2312</a:t>
             </a:r>
             <a:r>
-              <a:rPr lang="zh-CN" altLang="en-US" dirty="0">
+              <a:rPr lang="zh-CN" altLang="en-US" sz="2800" dirty="0">
                 <a:solidFill>
                   <a:srgbClr val="FFFF00"/>
                 </a:solidFill>
@@ -9978,7 +14860,7 @@
               <a:t>码</a:t>
             </a:r>
             <a:r>
-              <a:rPr lang="en-US" altLang="zh-CN" dirty="0">
+              <a:rPr lang="en-US" altLang="zh-CN" sz="2800" dirty="0">
                 <a:solidFill>
                   <a:srgbClr val="FFFF00"/>
                 </a:solidFill>
@@ -9989,7 +14871,7 @@
               <a:t>:1980</a:t>
             </a:r>
             <a:r>
-              <a:rPr lang="zh-CN" altLang="en-US" dirty="0">
+              <a:rPr lang="zh-CN" altLang="en-US" sz="2800" dirty="0">
                 <a:solidFill>
                   <a:srgbClr val="FFFF00"/>
                 </a:solidFill>
@@ -9999,7 +14881,7 @@
               </a:rPr>
               <a:t>年国家标准总局发布国标码</a:t>
             </a:r>
-            <a:endParaRPr lang="en-US" altLang="zh-CN" dirty="0">
+            <a:endParaRPr lang="en-US" altLang="zh-CN" sz="2800" dirty="0">
               <a:solidFill>
                 <a:srgbClr val="FFFF00"/>
               </a:solidFill>
@@ -10048,6 +14930,9 @@
             </a:r>
           </a:p>
           <a:p>
+            <a:endParaRPr lang="en-US" altLang="zh-CN" dirty="0"/>
+          </a:p>
+          <a:p>
             <a:r>
               <a:rPr lang="zh-CN" altLang="en-US" dirty="0"/>
               <a:t>两个字节表示一个汉字，</a:t>
@@ -10079,12 +14964,15 @@
             <a:endParaRPr lang="en-US" altLang="zh-CN" dirty="0"/>
           </a:p>
           <a:p>
+            <a:endParaRPr lang="en-US" altLang="zh-CN" dirty="0"/>
+          </a:p>
+          <a:p>
             <a:r>
               <a:rPr lang="zh-CN" altLang="en-US" dirty="0"/>
               <a:t>编码空间共</a:t>
             </a:r>
             <a:r>
-              <a:rPr lang="en-US" altLang="zh-CN" dirty="0"/>
+              <a:rPr lang="en-US" altLang="zh-CN" b="1" dirty="0"/>
               <a:t>8836</a:t>
             </a:r>
             <a:r>
@@ -10120,7 +15008,7 @@
               <a:t>、非汉字字符</a:t>
             </a:r>
             <a:r>
-              <a:rPr lang="en-US" altLang="zh-CN" dirty="0"/>
+              <a:rPr lang="en-US" altLang="zh-CN" b="1" dirty="0"/>
               <a:t>682</a:t>
             </a:r>
             <a:r>
@@ -10128,7 +15016,7 @@
               <a:t>个、空位</a:t>
             </a:r>
             <a:r>
-              <a:rPr lang="en-US" altLang="zh-CN" dirty="0"/>
+              <a:rPr lang="en-US" altLang="zh-CN" b="1" dirty="0"/>
               <a:t>1391</a:t>
             </a:r>
             <a:r>
@@ -10230,8 +15118,8 @@
         </p:blipFill>
         <p:spPr>
           <a:xfrm>
-            <a:off x="777598" y="2694251"/>
-            <a:ext cx="4762913" cy="3383573"/>
+            <a:off x="785197" y="2096228"/>
+            <a:ext cx="5642657" cy="4008544"/>
           </a:xfrm>
           <a:prstGeom prst="rect">
             <a:avLst/>
@@ -10252,7 +15140,7 @@
         </p:nvSpPr>
         <p:spPr>
           <a:xfrm>
-            <a:off x="1868518" y="6104772"/>
+            <a:off x="2335445" y="6182168"/>
             <a:ext cx="2386518" cy="369332"/>
           </a:xfrm>
           <a:prstGeom prst="rect">
@@ -10269,28 +15157,24 @@
             <a:r>
               <a:rPr lang="en-US" altLang="zh-CN" b="1" dirty="0" err="1">
                 <a:effectLst/>
-                <a:latin typeface="Times New Roman" panose="02020603050405020304" pitchFamily="18" charset="0"/>
               </a:rPr>
               <a:t>CodeBlocks</a:t>
             </a:r>
             <a:r>
               <a:rPr lang="en-US" altLang="zh-CN" b="1" dirty="0">
                 <a:effectLst/>
-                <a:latin typeface="Times New Roman" panose="02020603050405020304" pitchFamily="18" charset="0"/>
               </a:rPr>
               <a:t> </a:t>
             </a:r>
             <a:r>
               <a:rPr lang="zh-CN" altLang="en-US" b="1" dirty="0">
                 <a:effectLst/>
-                <a:latin typeface="Times New Roman" panose="02020603050405020304" pitchFamily="18" charset="0"/>
               </a:rPr>
               <a:t>：</a:t>
             </a:r>
             <a:r>
               <a:rPr lang="en-US" altLang="zh-CN" b="1" dirty="0">
                 <a:effectLst/>
-                <a:latin typeface="Times New Roman" panose="02020603050405020304" pitchFamily="18" charset="0"/>
               </a:rPr>
               <a:t>C++ </a:t>
             </a:r>
@@ -10320,8 +15204,8 @@
         </p:blipFill>
         <p:spPr>
           <a:xfrm>
-            <a:off x="6810489" y="2084598"/>
-            <a:ext cx="3901778" cy="3993226"/>
+            <a:off x="7251476" y="2096228"/>
+            <a:ext cx="3901778" cy="4008544"/>
           </a:xfrm>
           <a:prstGeom prst="rect">
             <a:avLst/>
@@ -10342,8 +15226,8 @@
         </p:nvSpPr>
         <p:spPr>
           <a:xfrm>
-            <a:off x="7600544" y="6143590"/>
-            <a:ext cx="1832553" cy="369332"/>
+            <a:off x="8286088" y="6182168"/>
+            <a:ext cx="1936749" cy="369332"/>
           </a:xfrm>
           <a:prstGeom prst="rect">
             <a:avLst/>
@@ -10357,18 +15241,18 @@
           <a:lstStyle/>
           <a:p>
             <a:r>
-              <a:rPr lang="en-US" altLang="zh-CN" dirty="0" err="1"/>
+              <a:rPr lang="en-US" altLang="zh-CN" b="1" dirty="0" err="1"/>
               <a:t>Jupyter</a:t>
             </a:r>
             <a:r>
-              <a:rPr lang="zh-CN" altLang="en-US" dirty="0"/>
+              <a:rPr lang="zh-CN" altLang="en-US" b="1" dirty="0"/>
               <a:t>：</a:t>
             </a:r>
             <a:r>
-              <a:rPr lang="en-US" altLang="zh-CN" dirty="0"/>
+              <a:rPr lang="en-US" altLang="zh-CN" b="1" dirty="0"/>
               <a:t>python</a:t>
             </a:r>
-            <a:endParaRPr lang="zh-CN" altLang="en-US" dirty="0"/>
+            <a:endParaRPr lang="zh-CN" altLang="en-US" b="1" dirty="0"/>
           </a:p>
         </p:txBody>
       </p:sp>
@@ -10424,8 +15308,12 @@
           <a:lstStyle/>
           <a:p>
             <a:r>
-              <a:rPr lang="zh-CN" altLang="en-US" dirty="0"/>
-              <a:t>字符分布情况</a:t>
+              <a:rPr lang="en-US" altLang="zh-CN" dirty="0"/>
+              <a:t>GB2312</a:t>
+            </a:r>
+            <a:r>
+              <a:rPr lang="zh-CN" altLang="en-US" dirty="0"/>
+              <a:t>中各类字符分布情况</a:t>
             </a:r>
           </a:p>
         </p:txBody>
@@ -10446,14 +15334,14 @@
             <p:ph idx="1"/>
             <p:extLst>
               <p:ext uri="{D42A27DB-BD31-4B8C-83A1-F6EECF244321}">
-                <p14:modId xmlns:p14="http://schemas.microsoft.com/office/powerpoint/2010/main" val="3182991994"/>
+                <p14:modId xmlns:p14="http://schemas.microsoft.com/office/powerpoint/2010/main" val="542413369"/>
               </p:ext>
             </p:extLst>
           </p:nvPr>
         </p:nvGraphicFramePr>
         <p:xfrm>
-          <a:off x="3138893" y="1598497"/>
-          <a:ext cx="6361788" cy="4963160"/>
+          <a:off x="363217" y="2057679"/>
+          <a:ext cx="5045311" cy="4704080"/>
         </p:xfrm>
         <a:graphic>
           <a:graphicData uri="http://schemas.openxmlformats.org/drawingml/2006/table">
@@ -10462,14 +15350,14 @@
                 <a:tableStyleId>{5C22544A-7EE6-4342-B048-85BDC9FD1C3A}</a:tableStyleId>
               </a:tblPr>
               <a:tblGrid>
-                <a:gridCol w="1913005">
+                <a:gridCol w="1783303">
                   <a:extLst>
                     <a:ext uri="{9D8B030D-6E8A-4147-A177-3AD203B41FA5}">
                       <a16:colId xmlns:a16="http://schemas.microsoft.com/office/drawing/2014/main" val="1796967122"/>
                     </a:ext>
                   </a:extLst>
                 </a:gridCol>
-                <a:gridCol w="4448783">
+                <a:gridCol w="3262008">
                   <a:extLst>
                     <a:ext uri="{9D8B030D-6E8A-4147-A177-3AD203B41FA5}">
                       <a16:colId xmlns:a16="http://schemas.microsoft.com/office/drawing/2014/main" val="1653627187"/>
@@ -10539,44 +15427,44 @@
                     <a:lstStyle/>
                     <a:p>
                       <a:r>
-                        <a:rPr lang="zh-CN" altLang="en-US" dirty="0"/>
+                        <a:rPr lang="zh-CN" altLang="en-US" sz="1600" dirty="0"/>
                         <a:t>标点、一般符号 </a:t>
                       </a:r>
                       <a:r>
-                        <a:rPr lang="en-US" altLang="zh-CN" dirty="0"/>
+                        <a:rPr lang="en-US" altLang="zh-CN" sz="1600" dirty="0"/>
                         <a:t>202</a:t>
                       </a:r>
                     </a:p>
                     <a:p>
                       <a:r>
-                        <a:rPr lang="zh-CN" altLang="en-US" dirty="0"/>
+                        <a:rPr lang="zh-CN" altLang="en-US" sz="1600" dirty="0"/>
                         <a:t>序号 </a:t>
                       </a:r>
                       <a:r>
-                        <a:rPr lang="en-US" altLang="zh-CN" dirty="0"/>
+                        <a:rPr lang="en-US" altLang="zh-CN" sz="1600" dirty="0"/>
                         <a:t>60</a:t>
                       </a:r>
                     </a:p>
                     <a:p>
                       <a:r>
-                        <a:rPr lang="zh-CN" altLang="en-US" dirty="0"/>
+                        <a:rPr lang="zh-CN" altLang="en-US" sz="1600" dirty="0"/>
                         <a:t>数字 </a:t>
                       </a:r>
                       <a:r>
-                        <a:rPr lang="en-US" altLang="zh-CN" dirty="0"/>
+                        <a:rPr lang="en-US" altLang="zh-CN" sz="1600" dirty="0"/>
                         <a:t>22</a:t>
                       </a:r>
                     </a:p>
                     <a:p>
                       <a:r>
-                        <a:rPr lang="zh-CN" altLang="en-US" dirty="0"/>
+                        <a:rPr lang="zh-CN" altLang="en-US" sz="1600" dirty="0"/>
                         <a:t>拉丁字母 </a:t>
                       </a:r>
                       <a:r>
-                        <a:rPr lang="en-US" altLang="zh-CN" dirty="0"/>
+                        <a:rPr lang="en-US" altLang="zh-CN" sz="1600" dirty="0"/>
                         <a:t>52</a:t>
                       </a:r>
-                      <a:endParaRPr lang="zh-CN" altLang="en-US" dirty="0"/>
+                      <a:endParaRPr lang="zh-CN" altLang="en-US" sz="1600" dirty="0"/>
                     </a:p>
                   </a:txBody>
                   <a:tcPr/>
@@ -10670,14 +15558,14 @@
                     <a:lstStyle/>
                     <a:p>
                       <a:r>
-                        <a:rPr lang="zh-CN" altLang="en-US" dirty="0"/>
+                        <a:rPr lang="zh-CN" altLang="en-US" sz="1600" dirty="0"/>
                         <a:t>日文假名 </a:t>
                       </a:r>
                       <a:r>
-                        <a:rPr lang="en-US" altLang="zh-CN" dirty="0"/>
+                        <a:rPr lang="en-US" altLang="zh-CN" sz="1600" dirty="0"/>
                         <a:t>169</a:t>
                       </a:r>
-                      <a:endParaRPr lang="zh-CN" altLang="en-US" dirty="0"/>
+                      <a:endParaRPr lang="zh-CN" altLang="en-US" sz="1600" dirty="0"/>
                     </a:p>
                   </a:txBody>
                   <a:tcPr/>
@@ -10740,14 +15628,14 @@
                     <a:lstStyle/>
                     <a:p>
                       <a:r>
-                        <a:rPr lang="zh-CN" altLang="en-US" dirty="0"/>
+                        <a:rPr lang="zh-CN" altLang="en-US" sz="1600" dirty="0"/>
                         <a:t>希腊字母 </a:t>
                       </a:r>
                       <a:r>
-                        <a:rPr lang="en-US" altLang="zh-CN" dirty="0"/>
+                        <a:rPr lang="en-US" altLang="zh-CN" sz="1600" dirty="0"/>
                         <a:t>48</a:t>
                       </a:r>
-                      <a:endParaRPr lang="zh-CN" altLang="en-US" dirty="0"/>
+                      <a:endParaRPr lang="zh-CN" altLang="en-US" sz="1600" dirty="0"/>
                     </a:p>
                   </a:txBody>
                   <a:tcPr/>
@@ -10779,14 +15667,14 @@
                     <a:lstStyle/>
                     <a:p>
                       <a:r>
-                        <a:rPr lang="zh-CN" altLang="en-US" dirty="0"/>
+                        <a:rPr lang="zh-CN" altLang="en-US" sz="1600" dirty="0"/>
                         <a:t>俄文字母 </a:t>
                       </a:r>
                       <a:r>
-                        <a:rPr lang="en-US" altLang="zh-CN" dirty="0"/>
+                        <a:rPr lang="en-US" altLang="zh-CN" sz="1600" dirty="0"/>
                         <a:t>66</a:t>
                       </a:r>
-                      <a:endParaRPr lang="zh-CN" altLang="en-US" dirty="0"/>
+                      <a:endParaRPr lang="zh-CN" altLang="en-US" sz="1600" dirty="0"/>
                     </a:p>
                   </a:txBody>
                   <a:tcPr/>
@@ -10818,24 +15706,24 @@
                     <a:lstStyle/>
                     <a:p>
                       <a:r>
-                        <a:rPr lang="zh-CN" altLang="en-US" dirty="0"/>
+                        <a:rPr lang="zh-CN" altLang="en-US" sz="1600" dirty="0"/>
                         <a:t>汉语拼音符号 </a:t>
                       </a:r>
                       <a:r>
-                        <a:rPr lang="en-US" altLang="zh-CN" dirty="0"/>
+                        <a:rPr lang="en-US" altLang="zh-CN" sz="1600" dirty="0"/>
                         <a:t>26</a:t>
                       </a:r>
                     </a:p>
                     <a:p>
                       <a:r>
-                        <a:rPr lang="zh-CN" altLang="en-US" dirty="0"/>
+                        <a:rPr lang="zh-CN" altLang="en-US" sz="1600" dirty="0"/>
                         <a:t>汉语注音字母 </a:t>
                       </a:r>
                       <a:r>
-                        <a:rPr lang="en-US" altLang="zh-CN" dirty="0"/>
+                        <a:rPr lang="en-US" altLang="zh-CN" sz="1600" dirty="0"/>
                         <a:t>37</a:t>
                       </a:r>
-                      <a:endParaRPr lang="zh-CN" altLang="en-US" dirty="0"/>
+                      <a:endParaRPr lang="zh-CN" altLang="en-US" sz="1600" dirty="0"/>
                     </a:p>
                   </a:txBody>
                   <a:tcPr/>
@@ -10867,17 +15755,25 @@
                     <a:lstStyle/>
                     <a:p>
                       <a:r>
-                        <a:rPr lang="zh-CN" altLang="en-US" dirty="0"/>
+                        <a:rPr lang="zh-CN" altLang="en-US" sz="1600" b="1" dirty="0">
+                          <a:solidFill>
+                            <a:srgbClr val="C00000"/>
+                          </a:solidFill>
+                        </a:rPr>
                         <a:t>一级汉字 </a:t>
                       </a:r>
                       <a:r>
-                        <a:rPr lang="en-US" altLang="zh-CN" dirty="0"/>
+                        <a:rPr lang="en-US" altLang="zh-CN" sz="1600" b="1" dirty="0">
+                          <a:solidFill>
+                            <a:srgbClr val="C00000"/>
+                          </a:solidFill>
+                        </a:rPr>
                         <a:t>3755</a:t>
                       </a:r>
                     </a:p>
                     <a:p>
                       <a:r>
-                        <a:rPr lang="zh-CN" altLang="en-US" dirty="0"/>
+                        <a:rPr lang="zh-CN" altLang="en-US" sz="1600" dirty="0"/>
                         <a:t>按汉语拼音顺序排序</a:t>
                       </a:r>
                     </a:p>
@@ -10911,17 +15807,25 @@
                     <a:lstStyle/>
                     <a:p>
                       <a:r>
-                        <a:rPr lang="zh-CN" altLang="en-US" dirty="0"/>
+                        <a:rPr lang="zh-CN" altLang="en-US" sz="1600" b="1" dirty="0">
+                          <a:solidFill>
+                            <a:srgbClr val="C00000"/>
+                          </a:solidFill>
+                        </a:rPr>
                         <a:t>二级汉字 </a:t>
                       </a:r>
                       <a:r>
-                        <a:rPr lang="en-US" altLang="zh-CN" dirty="0"/>
+                        <a:rPr lang="en-US" altLang="zh-CN" sz="1600" b="1" dirty="0">
+                          <a:solidFill>
+                            <a:srgbClr val="C00000"/>
+                          </a:solidFill>
+                        </a:rPr>
                         <a:t>3008</a:t>
                       </a:r>
                     </a:p>
                     <a:p>
                       <a:r>
-                        <a:rPr lang="zh-CN" altLang="en-US" dirty="0"/>
+                        <a:rPr lang="zh-CN" altLang="en-US" sz="1600" dirty="0"/>
                         <a:t>按照部首排序</a:t>
                       </a:r>
                     </a:p>
@@ -10938,6 +15842,531 @@
           </a:graphicData>
         </a:graphic>
       </p:graphicFrame>
+      <p:sp>
+        <p:nvSpPr>
+          <p:cNvPr id="9" name="文本框 8">
+            <a:extLst>
+              <a:ext uri="{FF2B5EF4-FFF2-40B4-BE49-F238E27FC236}">
+                <a16:creationId xmlns:a16="http://schemas.microsoft.com/office/drawing/2014/main" id="{64C7D89E-3EE7-4F5A-AB63-7FA0927B2B19}"/>
+              </a:ext>
+            </a:extLst>
+          </p:cNvPr>
+          <p:cNvSpPr txBox="1"/>
+          <p:nvPr/>
+        </p:nvSpPr>
+        <p:spPr>
+          <a:xfrm>
+            <a:off x="5736078" y="2066468"/>
+            <a:ext cx="6092705" cy="400110"/>
+          </a:xfrm>
+          <a:prstGeom prst="rect">
+            <a:avLst/>
+          </a:prstGeom>
+          <a:solidFill>
+            <a:srgbClr val="E9EBF5"/>
+          </a:solidFill>
+        </p:spPr>
+        <p:txBody>
+          <a:bodyPr wrap="square">
+            <a:spAutoFit/>
+          </a:bodyPr>
+          <a:lstStyle/>
+          <a:p>
+            <a:r>
+              <a:rPr lang="zh-CN" altLang="en-US" sz="2000" b="1" dirty="0">
+                <a:solidFill>
+                  <a:schemeClr val="bg1"/>
+                </a:solidFill>
+              </a:rPr>
+              <a:t>国务院关于公布</a:t>
+            </a:r>
+            <a:r>
+              <a:rPr lang="en-US" altLang="zh-CN" sz="2000" b="1" dirty="0">
+                <a:solidFill>
+                  <a:schemeClr val="bg1"/>
+                </a:solidFill>
+              </a:rPr>
+              <a:t>《</a:t>
+            </a:r>
+            <a:r>
+              <a:rPr lang="zh-CN" altLang="en-US" sz="2000" b="1" dirty="0">
+                <a:solidFill>
+                  <a:schemeClr val="bg1"/>
+                </a:solidFill>
+              </a:rPr>
+              <a:t>通用规范汉字表</a:t>
+            </a:r>
+            <a:r>
+              <a:rPr lang="en-US" altLang="zh-CN" sz="2000" b="1" dirty="0">
+                <a:solidFill>
+                  <a:schemeClr val="bg1"/>
+                </a:solidFill>
+              </a:rPr>
+              <a:t>》</a:t>
+            </a:r>
+            <a:r>
+              <a:rPr lang="zh-CN" altLang="en-US" sz="2000" b="1" dirty="0">
+                <a:solidFill>
+                  <a:schemeClr val="bg1"/>
+                </a:solidFill>
+              </a:rPr>
+              <a:t>的通知</a:t>
+            </a:r>
+          </a:p>
+        </p:txBody>
+      </p:sp>
+      <p:sp>
+        <p:nvSpPr>
+          <p:cNvPr id="11" name="文本框 10">
+            <a:extLst>
+              <a:ext uri="{FF2B5EF4-FFF2-40B4-BE49-F238E27FC236}">
+                <a16:creationId xmlns:a16="http://schemas.microsoft.com/office/drawing/2014/main" id="{C28132FA-0D9B-4B6A-BDA7-32DA7C897295}"/>
+              </a:ext>
+            </a:extLst>
+          </p:cNvPr>
+          <p:cNvSpPr txBox="1"/>
+          <p:nvPr/>
+        </p:nvSpPr>
+        <p:spPr>
+          <a:xfrm>
+            <a:off x="8463063" y="6556152"/>
+            <a:ext cx="3521413" cy="246221"/>
+          </a:xfrm>
+          <a:prstGeom prst="rect">
+            <a:avLst/>
+          </a:prstGeom>
+          <a:noFill/>
+        </p:spPr>
+        <p:txBody>
+          <a:bodyPr wrap="square">
+            <a:spAutoFit/>
+          </a:bodyPr>
+          <a:lstStyle/>
+          <a:p>
+            <a:r>
+              <a:rPr lang="en-US" altLang="zh-CN" sz="1000" dirty="0"/>
+              <a:t>http://www.gov.cn/zwgk/2013-08/19/content_2469793.htm</a:t>
+            </a:r>
+            <a:endParaRPr lang="zh-CN" altLang="en-US" sz="1000" dirty="0"/>
+          </a:p>
+        </p:txBody>
+      </p:sp>
+      <p:sp>
+        <p:nvSpPr>
+          <p:cNvPr id="13" name="文本框 12">
+            <a:extLst>
+              <a:ext uri="{FF2B5EF4-FFF2-40B4-BE49-F238E27FC236}">
+                <a16:creationId xmlns:a16="http://schemas.microsoft.com/office/drawing/2014/main" id="{9B478B39-3B79-48EE-AA50-F9484C3329F8}"/>
+              </a:ext>
+            </a:extLst>
+          </p:cNvPr>
+          <p:cNvSpPr txBox="1"/>
+          <p:nvPr/>
+        </p:nvSpPr>
+        <p:spPr>
+          <a:xfrm>
+            <a:off x="5736078" y="2575770"/>
+            <a:ext cx="6096000" cy="3877985"/>
+          </a:xfrm>
+          <a:prstGeom prst="rect">
+            <a:avLst/>
+          </a:prstGeom>
+          <a:solidFill>
+            <a:srgbClr val="E9EBF5"/>
+          </a:solidFill>
+        </p:spPr>
+        <p:txBody>
+          <a:bodyPr wrap="square">
+            <a:spAutoFit/>
+          </a:bodyPr>
+          <a:lstStyle/>
+          <a:p>
+            <a:r>
+              <a:rPr lang="zh-CN" altLang="en-US" dirty="0">
+                <a:solidFill>
+                  <a:schemeClr val="bg1"/>
+                </a:solidFill>
+              </a:rPr>
+              <a:t>共收字</a:t>
+            </a:r>
+            <a:r>
+              <a:rPr lang="en-US" altLang="zh-CN" dirty="0">
+                <a:solidFill>
+                  <a:schemeClr val="bg1"/>
+                </a:solidFill>
+              </a:rPr>
+              <a:t>8105</a:t>
+            </a:r>
+            <a:r>
+              <a:rPr lang="zh-CN" altLang="en-US" dirty="0">
+                <a:solidFill>
+                  <a:schemeClr val="bg1"/>
+                </a:solidFill>
+              </a:rPr>
+              <a:t>个，分为三级。</a:t>
+            </a:r>
+            <a:endParaRPr lang="en-US" altLang="zh-CN" dirty="0">
+              <a:solidFill>
+                <a:schemeClr val="bg1"/>
+              </a:solidFill>
+            </a:endParaRPr>
+          </a:p>
+          <a:p>
+            <a:endParaRPr lang="zh-CN" altLang="en-US" dirty="0">
+              <a:solidFill>
+                <a:schemeClr val="bg1"/>
+              </a:solidFill>
+            </a:endParaRPr>
+          </a:p>
+          <a:p>
+            <a:r>
+              <a:rPr lang="zh-CN" altLang="en-US" b="1" dirty="0">
+                <a:solidFill>
+                  <a:srgbClr val="C00000"/>
+                </a:solidFill>
+              </a:rPr>
+              <a:t>一级字表：收字</a:t>
+            </a:r>
+            <a:r>
+              <a:rPr lang="en-US" altLang="zh-CN" b="1" dirty="0">
+                <a:solidFill>
+                  <a:srgbClr val="C00000"/>
+                </a:solidFill>
+              </a:rPr>
+              <a:t>3500</a:t>
+            </a:r>
+            <a:r>
+              <a:rPr lang="zh-CN" altLang="en-US" b="1" dirty="0">
+                <a:solidFill>
+                  <a:srgbClr val="C00000"/>
+                </a:solidFill>
+              </a:rPr>
+              <a:t>个</a:t>
+            </a:r>
+            <a:endParaRPr lang="en-US" altLang="zh-CN" b="1" dirty="0">
+              <a:solidFill>
+                <a:srgbClr val="C00000"/>
+              </a:solidFill>
+            </a:endParaRPr>
+          </a:p>
+          <a:p>
+            <a:pPr marL="171450" indent="-171450">
+              <a:buFont typeface="Arial" panose="020B0604020202020204" pitchFamily="34" charset="0"/>
+              <a:buChar char="•"/>
+            </a:pPr>
+            <a:endParaRPr lang="en-US" altLang="zh-CN" sz="1200" dirty="0">
+              <a:solidFill>
+                <a:schemeClr val="bg1"/>
+              </a:solidFill>
+            </a:endParaRPr>
+          </a:p>
+          <a:p>
+            <a:pPr marL="171450" indent="-171450">
+              <a:buFont typeface="Arial" panose="020B0604020202020204" pitchFamily="34" charset="0"/>
+              <a:buChar char="•"/>
+            </a:pPr>
+            <a:r>
+              <a:rPr lang="zh-CN" altLang="en-US" sz="1200" dirty="0">
+                <a:solidFill>
+                  <a:schemeClr val="bg1"/>
+                </a:solidFill>
+              </a:rPr>
+              <a:t>常用字集</a:t>
+            </a:r>
+            <a:endParaRPr lang="en-US" altLang="zh-CN" sz="1200" dirty="0">
+              <a:solidFill>
+                <a:schemeClr val="bg1"/>
+              </a:solidFill>
+            </a:endParaRPr>
+          </a:p>
+          <a:p>
+            <a:pPr marL="171450" indent="-171450">
+              <a:buFont typeface="Arial" panose="020B0604020202020204" pitchFamily="34" charset="0"/>
+              <a:buChar char="•"/>
+            </a:pPr>
+            <a:r>
+              <a:rPr lang="zh-CN" altLang="en-US" sz="1200" dirty="0">
+                <a:solidFill>
+                  <a:schemeClr val="bg1"/>
+                </a:solidFill>
+              </a:rPr>
+              <a:t>主要满足基础教育和文化普及的基本用字需要</a:t>
+            </a:r>
+            <a:endParaRPr lang="en-US" altLang="zh-CN" sz="1200" dirty="0">
+              <a:solidFill>
+                <a:schemeClr val="bg1"/>
+              </a:solidFill>
+            </a:endParaRPr>
+          </a:p>
+          <a:p>
+            <a:endParaRPr lang="en-US" altLang="zh-CN" dirty="0">
+              <a:solidFill>
+                <a:schemeClr val="bg1"/>
+              </a:solidFill>
+            </a:endParaRPr>
+          </a:p>
+          <a:p>
+            <a:r>
+              <a:rPr lang="zh-CN" altLang="en-US" b="1" dirty="0">
+                <a:solidFill>
+                  <a:srgbClr val="C00000"/>
+                </a:solidFill>
+              </a:rPr>
+              <a:t>二级字表：收字</a:t>
+            </a:r>
+            <a:r>
+              <a:rPr lang="en-US" altLang="zh-CN" b="1" dirty="0">
+                <a:solidFill>
+                  <a:srgbClr val="C00000"/>
+                </a:solidFill>
+              </a:rPr>
+              <a:t>3000</a:t>
+            </a:r>
+            <a:r>
+              <a:rPr lang="zh-CN" altLang="en-US" b="1" dirty="0">
+                <a:solidFill>
+                  <a:srgbClr val="C00000"/>
+                </a:solidFill>
+              </a:rPr>
+              <a:t>个</a:t>
+            </a:r>
+            <a:endParaRPr lang="en-US" altLang="zh-CN" b="1" dirty="0">
+              <a:solidFill>
+                <a:srgbClr val="C00000"/>
+              </a:solidFill>
+            </a:endParaRPr>
+          </a:p>
+          <a:p>
+            <a:pPr marL="171450" indent="-171450">
+              <a:buFont typeface="Arial" panose="020B0604020202020204" pitchFamily="34" charset="0"/>
+              <a:buChar char="•"/>
+            </a:pPr>
+            <a:endParaRPr lang="en-US" altLang="zh-CN" sz="1200" dirty="0">
+              <a:solidFill>
+                <a:schemeClr val="bg1"/>
+              </a:solidFill>
+            </a:endParaRPr>
+          </a:p>
+          <a:p>
+            <a:pPr marL="171450" indent="-171450">
+              <a:buFont typeface="Arial" panose="020B0604020202020204" pitchFamily="34" charset="0"/>
+              <a:buChar char="•"/>
+            </a:pPr>
+            <a:r>
+              <a:rPr lang="zh-CN" altLang="en-US" sz="1200" dirty="0">
+                <a:solidFill>
+                  <a:schemeClr val="bg1"/>
+                </a:solidFill>
+              </a:rPr>
+              <a:t>使用度仅次于一级字</a:t>
+            </a:r>
+            <a:endParaRPr lang="en-US" altLang="zh-CN" sz="1200" dirty="0">
+              <a:solidFill>
+                <a:schemeClr val="bg1"/>
+              </a:solidFill>
+            </a:endParaRPr>
+          </a:p>
+          <a:p>
+            <a:pPr marL="171450" indent="-171450">
+              <a:buFont typeface="Arial" panose="020B0604020202020204" pitchFamily="34" charset="0"/>
+              <a:buChar char="•"/>
+            </a:pPr>
+            <a:r>
+              <a:rPr lang="zh-CN" altLang="en-US" sz="1200" dirty="0">
+                <a:solidFill>
+                  <a:schemeClr val="bg1"/>
+                </a:solidFill>
+              </a:rPr>
+              <a:t>一、二级字表主要满足出版印刷、辞书编纂和信息处理等方面的一般用字需要</a:t>
+            </a:r>
+            <a:endParaRPr lang="en-US" altLang="zh-CN" sz="1200" dirty="0">
+              <a:solidFill>
+                <a:schemeClr val="bg1"/>
+              </a:solidFill>
+            </a:endParaRPr>
+          </a:p>
+          <a:p>
+            <a:endParaRPr lang="zh-CN" altLang="en-US" dirty="0">
+              <a:solidFill>
+                <a:schemeClr val="bg1"/>
+              </a:solidFill>
+            </a:endParaRPr>
+          </a:p>
+          <a:p>
+            <a:r>
+              <a:rPr lang="zh-CN" altLang="en-US" b="1" dirty="0">
+                <a:solidFill>
+                  <a:srgbClr val="C00000"/>
+                </a:solidFill>
+              </a:rPr>
+              <a:t>三级字表：收字</a:t>
+            </a:r>
+            <a:r>
+              <a:rPr lang="en-US" altLang="zh-CN" b="1" dirty="0">
+                <a:solidFill>
+                  <a:srgbClr val="C00000"/>
+                </a:solidFill>
+              </a:rPr>
+              <a:t>1605</a:t>
+            </a:r>
+            <a:r>
+              <a:rPr lang="zh-CN" altLang="en-US" b="1" dirty="0">
+                <a:solidFill>
+                  <a:srgbClr val="C00000"/>
+                </a:solidFill>
+              </a:rPr>
+              <a:t>个</a:t>
+            </a:r>
+            <a:endParaRPr lang="en-US" altLang="zh-CN" b="1" dirty="0">
+              <a:solidFill>
+                <a:srgbClr val="C00000"/>
+              </a:solidFill>
+            </a:endParaRPr>
+          </a:p>
+          <a:p>
+            <a:pPr marL="171450" indent="-171450">
+              <a:buFont typeface="Arial" panose="020B0604020202020204" pitchFamily="34" charset="0"/>
+              <a:buChar char="•"/>
+            </a:pPr>
+            <a:endParaRPr lang="en-US" altLang="zh-CN" sz="1200" dirty="0">
+              <a:solidFill>
+                <a:schemeClr val="bg1"/>
+              </a:solidFill>
+            </a:endParaRPr>
+          </a:p>
+          <a:p>
+            <a:pPr marL="171450" indent="-171450">
+              <a:buFont typeface="Arial" panose="020B0604020202020204" pitchFamily="34" charset="0"/>
+              <a:buChar char="•"/>
+            </a:pPr>
+            <a:r>
+              <a:rPr lang="zh-CN" altLang="en-US" sz="1200" dirty="0">
+                <a:solidFill>
+                  <a:schemeClr val="bg1"/>
+                </a:solidFill>
+              </a:rPr>
+              <a:t>姓氏人名、地名、科学技术术语</a:t>
+            </a:r>
+            <a:endParaRPr lang="en-US" altLang="zh-CN" sz="1200" dirty="0">
+              <a:solidFill>
+                <a:schemeClr val="bg1"/>
+              </a:solidFill>
+            </a:endParaRPr>
+          </a:p>
+          <a:p>
+            <a:pPr marL="171450" indent="-171450">
+              <a:buFont typeface="Arial" panose="020B0604020202020204" pitchFamily="34" charset="0"/>
+              <a:buChar char="•"/>
+            </a:pPr>
+            <a:r>
+              <a:rPr lang="zh-CN" altLang="en-US" sz="1200" dirty="0">
+                <a:solidFill>
+                  <a:schemeClr val="bg1"/>
+                </a:solidFill>
+              </a:rPr>
+              <a:t>中小学语文教材文言文用字中未进入一、二级字表的较通用的字</a:t>
+            </a:r>
+            <a:endParaRPr lang="en-US" altLang="zh-CN" sz="1200" dirty="0">
+              <a:solidFill>
+                <a:schemeClr val="bg1"/>
+              </a:solidFill>
+            </a:endParaRPr>
+          </a:p>
+          <a:p>
+            <a:pPr marL="171450" indent="-171450">
+              <a:buFont typeface="Arial" panose="020B0604020202020204" pitchFamily="34" charset="0"/>
+              <a:buChar char="•"/>
+            </a:pPr>
+            <a:r>
+              <a:rPr lang="zh-CN" altLang="en-US" sz="1200" dirty="0">
+                <a:solidFill>
+                  <a:schemeClr val="bg1"/>
+                </a:solidFill>
+              </a:rPr>
+              <a:t>主要满足信息化时代与大众生活密切相关的专门领域的用字需要</a:t>
+            </a:r>
+          </a:p>
+        </p:txBody>
+      </p:sp>
+      <p:sp>
+        <p:nvSpPr>
+          <p:cNvPr id="7" name="文本框 6">
+            <a:extLst>
+              <a:ext uri="{FF2B5EF4-FFF2-40B4-BE49-F238E27FC236}">
+                <a16:creationId xmlns:a16="http://schemas.microsoft.com/office/drawing/2014/main" id="{AC5712A7-EB61-4390-935D-83597066B4A1}"/>
+              </a:ext>
+            </a:extLst>
+          </p:cNvPr>
+          <p:cNvSpPr txBox="1"/>
+          <p:nvPr/>
+        </p:nvSpPr>
+        <p:spPr>
+          <a:xfrm>
+            <a:off x="10642012" y="2204968"/>
+            <a:ext cx="1186771" cy="261610"/>
+          </a:xfrm>
+          <a:prstGeom prst="rect">
+            <a:avLst/>
+          </a:prstGeom>
+          <a:noFill/>
+        </p:spPr>
+        <p:txBody>
+          <a:bodyPr wrap="square">
+            <a:spAutoFit/>
+          </a:bodyPr>
+          <a:lstStyle/>
+          <a:p>
+            <a:r>
+              <a:rPr lang="en-US" altLang="zh-CN" sz="1100" dirty="0">
+                <a:solidFill>
+                  <a:schemeClr val="bg1"/>
+                </a:solidFill>
+              </a:rPr>
+              <a:t>2013</a:t>
+            </a:r>
+            <a:r>
+              <a:rPr lang="zh-CN" altLang="en-US" sz="1100" dirty="0">
+                <a:solidFill>
+                  <a:schemeClr val="bg1"/>
+                </a:solidFill>
+              </a:rPr>
+              <a:t>年</a:t>
+            </a:r>
+            <a:r>
+              <a:rPr lang="en-US" altLang="zh-CN" sz="1100" dirty="0">
+                <a:solidFill>
+                  <a:schemeClr val="bg1"/>
+                </a:solidFill>
+              </a:rPr>
+              <a:t>6</a:t>
+            </a:r>
+            <a:r>
+              <a:rPr lang="zh-CN" altLang="en-US" sz="1100" dirty="0">
+                <a:solidFill>
+                  <a:schemeClr val="bg1"/>
+                </a:solidFill>
+              </a:rPr>
+              <a:t>月</a:t>
+            </a:r>
+            <a:r>
+              <a:rPr lang="en-US" altLang="zh-CN" sz="1100" dirty="0">
+                <a:solidFill>
+                  <a:schemeClr val="bg1"/>
+                </a:solidFill>
+              </a:rPr>
+              <a:t>5</a:t>
+            </a:r>
+            <a:r>
+              <a:rPr lang="zh-CN" altLang="en-US" sz="1100" dirty="0">
+                <a:solidFill>
+                  <a:schemeClr val="bg1"/>
+                </a:solidFill>
+              </a:rPr>
+              <a:t>日</a:t>
+            </a:r>
+          </a:p>
+        </p:txBody>
+      </p:sp>
     </p:spTree>
     <p:extLst>
       <p:ext uri="{BB962C8B-B14F-4D97-AF65-F5344CB8AC3E}">
@@ -10990,7 +16419,7 @@
           <a:lstStyle/>
           <a:p>
             <a:r>
-              <a:rPr lang="zh-CN" altLang="en-US" b="1" dirty="0"/>
+              <a:rPr lang="zh-CN" altLang="en-US" dirty="0"/>
               <a:t>区位码</a:t>
             </a:r>
           </a:p>
@@ -11014,8 +16443,8 @@
         </p:nvSpPr>
         <p:spPr>
           <a:xfrm>
-            <a:off x="130906" y="2032577"/>
-            <a:ext cx="5049494" cy="2721006"/>
+            <a:off x="192460" y="2167148"/>
+            <a:ext cx="4454064" cy="2506997"/>
           </a:xfrm>
         </p:spPr>
         <p:txBody>
@@ -11025,53 +16454,53 @@
           <a:lstStyle/>
           <a:p>
             <a:r>
-              <a:rPr lang="zh-CN" altLang="en-US" dirty="0"/>
+              <a:rPr lang="zh-CN" altLang="en-US" sz="2000" dirty="0"/>
               <a:t>区码：前两位</a:t>
             </a:r>
-            <a:endParaRPr lang="en-US" altLang="zh-CN" dirty="0"/>
-          </a:p>
-          <a:p>
-            <a:r>
-              <a:rPr lang="zh-CN" altLang="en-US" dirty="0"/>
+            <a:endParaRPr lang="en-US" altLang="zh-CN" sz="2000" dirty="0"/>
+          </a:p>
+          <a:p>
+            <a:r>
+              <a:rPr lang="zh-CN" altLang="en-US" sz="2000" dirty="0"/>
               <a:t>位码：后两位</a:t>
             </a:r>
-            <a:endParaRPr lang="en-US" altLang="zh-CN" dirty="0"/>
-          </a:p>
-          <a:p>
-            <a:r>
-              <a:rPr lang="zh-CN" altLang="en-US" dirty="0"/>
+            <a:endParaRPr lang="en-US" altLang="zh-CN" sz="2000" dirty="0"/>
+          </a:p>
+          <a:p>
+            <a:r>
+              <a:rPr lang="zh-CN" altLang="en-US" sz="2000" dirty="0"/>
               <a:t>编码空间：</a:t>
             </a:r>
             <a:r>
-              <a:rPr lang="en-US" altLang="zh-CN" dirty="0"/>
+              <a:rPr lang="en-US" altLang="zh-CN" sz="2000" dirty="0"/>
               <a:t>94 × 94</a:t>
             </a:r>
           </a:p>
           <a:p>
             <a:r>
-              <a:rPr lang="zh-CN" altLang="en-US" dirty="0"/>
-              <a:t>每一横行叫一个“区”</a:t>
-            </a:r>
-            <a:endParaRPr lang="en-US" altLang="zh-CN" dirty="0"/>
-          </a:p>
-          <a:p>
-            <a:r>
-              <a:rPr lang="zh-CN" altLang="en-US" dirty="0"/>
+              <a:rPr lang="zh-CN" altLang="en-US" sz="2000" dirty="0"/>
+              <a:t>每一行叫一个“区”</a:t>
+            </a:r>
+            <a:endParaRPr lang="en-US" altLang="zh-CN" sz="2000" dirty="0"/>
+          </a:p>
+          <a:p>
+            <a:r>
+              <a:rPr lang="zh-CN" altLang="en-US" sz="2000" dirty="0"/>
               <a:t>每个区有</a:t>
             </a:r>
             <a:r>
-              <a:rPr lang="en-US" altLang="zh-CN" dirty="0"/>
+              <a:rPr lang="en-US" altLang="zh-CN" sz="2000" dirty="0"/>
               <a:t>94</a:t>
             </a:r>
             <a:r>
-              <a:rPr lang="zh-CN" altLang="en-US" dirty="0"/>
+              <a:rPr lang="zh-CN" altLang="en-US" sz="2000" dirty="0"/>
               <a:t>个“位”</a:t>
             </a:r>
-            <a:endParaRPr lang="en-US" altLang="zh-CN" dirty="0"/>
-          </a:p>
-          <a:p>
-            <a:r>
-              <a:rPr lang="zh-CN" altLang="en-US" dirty="0"/>
+            <a:endParaRPr lang="en-US" altLang="zh-CN" sz="2000" dirty="0"/>
+          </a:p>
+          <a:p>
+            <a:r>
+              <a:rPr lang="zh-CN" altLang="en-US" sz="2000" dirty="0"/>
               <a:t>汉字在方阵中的坐标称为“区位码”</a:t>
             </a:r>
           </a:p>
@@ -11099,7 +16528,7 @@
         </p:blipFill>
         <p:spPr>
           <a:xfrm>
-            <a:off x="456155" y="4852878"/>
+            <a:off x="283251" y="4856517"/>
             <a:ext cx="3538671" cy="1753724"/>
           </a:xfrm>
           <a:prstGeom prst="rect">
@@ -11121,7 +16550,7 @@
         </p:nvSpPr>
         <p:spPr>
           <a:xfrm>
-            <a:off x="387013" y="6539114"/>
+            <a:off x="192460" y="6546392"/>
             <a:ext cx="4312596" cy="246221"/>
           </a:xfrm>
           <a:prstGeom prst="rect">
@@ -11165,8 +16594,8 @@
         </p:blipFill>
         <p:spPr>
           <a:xfrm>
-            <a:off x="5180399" y="317189"/>
-            <a:ext cx="2261379" cy="3186529"/>
+            <a:off x="4456486" y="645567"/>
+            <a:ext cx="1805315" cy="2543885"/>
           </a:xfrm>
           <a:prstGeom prst="rect">
             <a:avLst/>
@@ -11195,8 +16624,8 @@
         </p:blipFill>
         <p:spPr>
           <a:xfrm>
-            <a:off x="5180399" y="3775517"/>
-            <a:ext cx="6624588" cy="3009818"/>
+            <a:off x="4456486" y="3224377"/>
+            <a:ext cx="7452263" cy="3385864"/>
           </a:xfrm>
           <a:prstGeom prst="rect">
             <a:avLst/>
@@ -11225,8 +16654,38 @@
         </p:blipFill>
         <p:spPr>
           <a:xfrm>
-            <a:off x="8368069" y="295420"/>
-            <a:ext cx="3436918" cy="3208298"/>
+            <a:off x="9167831" y="642289"/>
+            <a:ext cx="2728671" cy="2547163"/>
+          </a:xfrm>
+          <a:prstGeom prst="rect">
+            <a:avLst/>
+          </a:prstGeom>
+        </p:spPr>
+      </p:pic>
+      <p:pic>
+        <p:nvPicPr>
+          <p:cNvPr id="7" name="图片 6">
+            <a:extLst>
+              <a:ext uri="{FF2B5EF4-FFF2-40B4-BE49-F238E27FC236}">
+                <a16:creationId xmlns:a16="http://schemas.microsoft.com/office/drawing/2014/main" id="{E50AC639-DEC5-4E62-8A3E-F2BCFD40C59C}"/>
+              </a:ext>
+            </a:extLst>
+          </p:cNvPr>
+          <p:cNvPicPr>
+            <a:picLocks noChangeAspect="1"/>
+          </p:cNvPicPr>
+          <p:nvPr/>
+        </p:nvPicPr>
+        <p:blipFill>
+          <a:blip r:embed="rId6"/>
+          <a:stretch>
+            <a:fillRect/>
+          </a:stretch>
+        </p:blipFill>
+        <p:spPr>
+          <a:xfrm>
+            <a:off x="6356966" y="645567"/>
+            <a:ext cx="2728671" cy="2543885"/>
           </a:xfrm>
           <a:prstGeom prst="rect">
             <a:avLst/>

--- a/PPT-2020/ch06 字符编码与字频统计.pptx
+++ b/PPT-2020/ch06 字符编码与字频统计.pptx
@@ -28,6 +28,12 @@
     <p:sldId id="279" r:id="rId22"/>
     <p:sldId id="260" r:id="rId23"/>
     <p:sldId id="261" r:id="rId24"/>
+    <p:sldId id="280" r:id="rId25"/>
+    <p:sldId id="281" r:id="rId26"/>
+    <p:sldId id="282" r:id="rId27"/>
+    <p:sldId id="283" r:id="rId28"/>
+    <p:sldId id="284" r:id="rId29"/>
+    <p:sldId id="285" r:id="rId30"/>
   </p:sldIdLst>
   <p:sldSz cx="12192000" cy="6858000"/>
   <p:notesSz cx="6858000" cy="9144000"/>
@@ -13990,6 +13996,67 @@
           </a:p>
         </p:txBody>
       </p:sp>
+      <p:sp>
+        <p:nvSpPr>
+          <p:cNvPr id="4" name="文本框 3">
+            <a:extLst>
+              <a:ext uri="{FF2B5EF4-FFF2-40B4-BE49-F238E27FC236}">
+                <a16:creationId xmlns:a16="http://schemas.microsoft.com/office/drawing/2014/main" id="{56270C1B-69AB-495E-9EF1-68E0CDFB0074}"/>
+              </a:ext>
+            </a:extLst>
+          </p:cNvPr>
+          <p:cNvSpPr txBox="1"/>
+          <p:nvPr/>
+        </p:nvSpPr>
+        <p:spPr>
+          <a:xfrm>
+            <a:off x="1309991" y="2905328"/>
+            <a:ext cx="6532558" cy="1754326"/>
+          </a:xfrm>
+          <a:prstGeom prst="rect">
+            <a:avLst/>
+          </a:prstGeom>
+          <a:noFill/>
+        </p:spPr>
+        <p:txBody>
+          <a:bodyPr wrap="none" rtlCol="0">
+            <a:spAutoFit/>
+          </a:bodyPr>
+          <a:lstStyle/>
+          <a:p>
+            <a:pPr marL="342900" indent="-342900">
+              <a:buFont typeface="+mj-lt"/>
+              <a:buAutoNum type="arabicPeriod"/>
+            </a:pPr>
+            <a:r>
+              <a:rPr lang="zh-CN" altLang="en-US" sz="3600" dirty="0"/>
+              <a:t>便于表示控制字符</a:t>
+            </a:r>
+            <a:endParaRPr lang="en-US" altLang="zh-CN" sz="3600" dirty="0"/>
+          </a:p>
+          <a:p>
+            <a:pPr marL="342900" indent="-342900">
+              <a:buFont typeface="+mj-lt"/>
+              <a:buAutoNum type="arabicPeriod"/>
+            </a:pPr>
+            <a:r>
+              <a:rPr lang="zh-CN" altLang="en-US" sz="3600" dirty="0"/>
+              <a:t>便于在编程中对字符进行分类</a:t>
+            </a:r>
+            <a:endParaRPr lang="en-US" altLang="zh-CN" sz="3600" dirty="0"/>
+          </a:p>
+          <a:p>
+            <a:pPr marL="342900" indent="-342900">
+              <a:buFont typeface="+mj-lt"/>
+              <a:buAutoNum type="arabicPeriod"/>
+            </a:pPr>
+            <a:r>
+              <a:rPr lang="zh-CN" altLang="en-US" sz="3600" dirty="0"/>
+              <a:t>数据预处理时，处理“乱码”</a:t>
+            </a:r>
+          </a:p>
+        </p:txBody>
+      </p:sp>
     </p:spTree>
     <p:extLst>
       <p:ext uri="{BB962C8B-B14F-4D97-AF65-F5344CB8AC3E}">
@@ -14085,48 +14152,60 @@
               <a:buNone/>
             </a:pPr>
             <a:br>
-              <a:rPr lang="zh-CN" altLang="en-US"/>
+              <a:rPr lang="zh-CN" altLang="en-US" dirty="0"/>
             </a:br>
             <a:r>
-              <a:rPr lang="zh-CN" altLang="en-US" dirty="0"/>
+              <a:rPr lang="zh-CN" altLang="en-US" sz="3200" dirty="0"/>
               <a:t>　　</a:t>
             </a:r>
             <a:r>
-              <a:rPr lang="en-US" altLang="zh-CN" dirty="0"/>
+              <a:rPr lang="en-US" altLang="zh-CN" sz="3200" dirty="0"/>
               <a:t>6.4.1 </a:t>
             </a:r>
             <a:r>
-              <a:rPr lang="zh-CN" altLang="en-US" dirty="0"/>
+              <a:rPr lang="zh-CN" altLang="en-US" sz="3200" dirty="0"/>
               <a:t>字频统计的应用</a:t>
             </a:r>
+            <a:endParaRPr lang="en-US" altLang="zh-CN" sz="3200" dirty="0"/>
+          </a:p>
+          <a:p>
+            <a:pPr marL="0" indent="0">
+              <a:buNone/>
+            </a:pPr>
             <a:br>
-              <a:rPr lang="zh-CN" altLang="en-US" dirty="0"/>
+              <a:rPr lang="zh-CN" altLang="en-US" sz="3200" dirty="0"/>
             </a:br>
             <a:r>
-              <a:rPr lang="zh-CN" altLang="en-US" dirty="0"/>
+              <a:rPr lang="zh-CN" altLang="en-US" sz="3200" dirty="0"/>
               <a:t>　　</a:t>
             </a:r>
             <a:r>
-              <a:rPr lang="en-US" altLang="zh-CN" dirty="0"/>
+              <a:rPr lang="en-US" altLang="zh-CN" sz="3200" dirty="0"/>
               <a:t>6.4.2 </a:t>
             </a:r>
             <a:r>
-              <a:rPr lang="zh-CN" altLang="en-US" dirty="0"/>
+              <a:rPr lang="zh-CN" altLang="en-US" sz="3200" dirty="0"/>
               <a:t>单字字频统计</a:t>
             </a:r>
+            <a:endParaRPr lang="en-US" altLang="zh-CN" sz="3200" dirty="0"/>
+          </a:p>
+          <a:p>
+            <a:pPr marL="0" indent="0">
+              <a:buNone/>
+            </a:pPr>
             <a:br>
-              <a:rPr lang="zh-CN" altLang="en-US" dirty="0"/>
+              <a:rPr lang="zh-CN" altLang="en-US" sz="3200" dirty="0"/>
             </a:br>
             <a:r>
-              <a:rPr lang="zh-CN" altLang="en-US" dirty="0"/>
+              <a:rPr lang="zh-CN" altLang="en-US" sz="3200" dirty="0"/>
               <a:t>　　</a:t>
             </a:r>
             <a:r>
-              <a:rPr lang="en-US" altLang="zh-CN" dirty="0"/>
+              <a:rPr lang="en-US" altLang="zh-CN" sz="3200" dirty="0"/>
               <a:t>6.4.3 </a:t>
             </a:r>
             <a:r>
-              <a:rPr lang="zh-CN" altLang="en-US" dirty="0"/>
+              <a:rPr lang="zh-CN" altLang="en-US" sz="3200" dirty="0"/>
               <a:t>双字字频统计</a:t>
             </a:r>
           </a:p>
@@ -14136,6 +14215,738 @@
     <p:extLst>
       <p:ext uri="{BB962C8B-B14F-4D97-AF65-F5344CB8AC3E}">
         <p14:creationId xmlns:p14="http://schemas.microsoft.com/office/powerpoint/2010/main" val="1335123535"/>
+      </p:ext>
+    </p:extLst>
+  </p:cSld>
+  <p:clrMapOvr>
+    <a:masterClrMapping/>
+  </p:clrMapOvr>
+</p:sld>
+</file>
+
+<file path=ppt/slides/slide24.xml><?xml version="1.0" encoding="utf-8"?>
+<p:sld xmlns:a="http://schemas.openxmlformats.org/drawingml/2006/main" xmlns:r="http://schemas.openxmlformats.org/officeDocument/2006/relationships" xmlns:p="http://schemas.openxmlformats.org/presentationml/2006/main">
+  <p:cSld>
+    <p:spTree>
+      <p:nvGrpSpPr>
+        <p:cNvPr id="1" name=""/>
+        <p:cNvGrpSpPr/>
+        <p:nvPr/>
+      </p:nvGrpSpPr>
+      <p:grpSpPr>
+        <a:xfrm>
+          <a:off x="0" y="0"/>
+          <a:ext cx="0" cy="0"/>
+          <a:chOff x="0" y="0"/>
+          <a:chExt cx="0" cy="0"/>
+        </a:xfrm>
+      </p:grpSpPr>
+      <p:sp>
+        <p:nvSpPr>
+          <p:cNvPr id="2" name="标题 1">
+            <a:extLst>
+              <a:ext uri="{FF2B5EF4-FFF2-40B4-BE49-F238E27FC236}">
+                <a16:creationId xmlns:a16="http://schemas.microsoft.com/office/drawing/2014/main" id="{BF641962-CEB3-4F88-88FE-B82923530B68}"/>
+              </a:ext>
+            </a:extLst>
+          </p:cNvPr>
+          <p:cNvSpPr>
+            <a:spLocks noGrp="1"/>
+          </p:cNvSpPr>
+          <p:nvPr>
+            <p:ph type="title"/>
+          </p:nvPr>
+        </p:nvSpPr>
+        <p:spPr/>
+        <p:txBody>
+          <a:bodyPr/>
+          <a:lstStyle/>
+          <a:p>
+            <a:r>
+              <a:rPr lang="en-US" altLang="zh-CN" sz="3600" dirty="0"/>
+              <a:t>6.4.1 </a:t>
+            </a:r>
+            <a:r>
+              <a:rPr lang="zh-CN" altLang="en-US" sz="3600" dirty="0"/>
+              <a:t>字频统计的应用</a:t>
+            </a:r>
+            <a:endParaRPr lang="zh-CN" altLang="en-US" dirty="0"/>
+          </a:p>
+        </p:txBody>
+      </p:sp>
+      <p:sp>
+        <p:nvSpPr>
+          <p:cNvPr id="3" name="内容占位符 2">
+            <a:extLst>
+              <a:ext uri="{FF2B5EF4-FFF2-40B4-BE49-F238E27FC236}">
+                <a16:creationId xmlns:a16="http://schemas.microsoft.com/office/drawing/2014/main" id="{567E9B66-611C-4D84-A158-0508DE579467}"/>
+              </a:ext>
+            </a:extLst>
+          </p:cNvPr>
+          <p:cNvSpPr>
+            <a:spLocks noGrp="1"/>
+          </p:cNvSpPr>
+          <p:nvPr>
+            <p:ph idx="1"/>
+          </p:nvPr>
+        </p:nvSpPr>
+        <p:spPr>
+          <a:xfrm>
+            <a:off x="933240" y="2758405"/>
+            <a:ext cx="9613861" cy="2747450"/>
+          </a:xfrm>
+        </p:spPr>
+        <p:txBody>
+          <a:bodyPr>
+            <a:normAutofit/>
+          </a:bodyPr>
+          <a:lstStyle/>
+          <a:p>
+            <a:pPr marL="742950" indent="-742950">
+              <a:buFont typeface="+mj-lt"/>
+              <a:buAutoNum type="arabicPeriod"/>
+            </a:pPr>
+            <a:r>
+              <a:rPr lang="zh-CN" altLang="en-US" sz="3600" dirty="0"/>
+              <a:t>汉字输入</a:t>
+            </a:r>
+            <a:endParaRPr lang="en-US" altLang="zh-CN" sz="3600" dirty="0"/>
+          </a:p>
+          <a:p>
+            <a:pPr marL="742950" indent="-742950">
+              <a:buFont typeface="+mj-lt"/>
+              <a:buAutoNum type="arabicPeriod"/>
+            </a:pPr>
+            <a:r>
+              <a:rPr lang="zh-CN" altLang="en-US" sz="3600" dirty="0"/>
+              <a:t>汉字识别</a:t>
+            </a:r>
+            <a:endParaRPr lang="en-US" altLang="zh-CN" sz="3600" dirty="0"/>
+          </a:p>
+          <a:p>
+            <a:pPr marL="742950" indent="-742950">
+              <a:buFont typeface="+mj-lt"/>
+              <a:buAutoNum type="arabicPeriod"/>
+            </a:pPr>
+            <a:r>
+              <a:rPr lang="zh-CN" altLang="en-US" sz="3600" dirty="0"/>
+              <a:t>中文文本校对</a:t>
+            </a:r>
+            <a:endParaRPr lang="en-US" altLang="zh-CN" sz="3600" dirty="0"/>
+          </a:p>
+          <a:p>
+            <a:pPr marL="742950" indent="-742950">
+              <a:buFont typeface="+mj-lt"/>
+              <a:buAutoNum type="arabicPeriod"/>
+            </a:pPr>
+            <a:r>
+              <a:rPr lang="zh-CN" altLang="en-US" sz="3600" dirty="0"/>
+              <a:t>词汇获取</a:t>
+            </a:r>
+          </a:p>
+        </p:txBody>
+      </p:sp>
+    </p:spTree>
+    <p:extLst>
+      <p:ext uri="{BB962C8B-B14F-4D97-AF65-F5344CB8AC3E}">
+        <p14:creationId xmlns:p14="http://schemas.microsoft.com/office/powerpoint/2010/main" val="3614095813"/>
+      </p:ext>
+    </p:extLst>
+  </p:cSld>
+  <p:clrMapOvr>
+    <a:masterClrMapping/>
+  </p:clrMapOvr>
+</p:sld>
+</file>
+
+<file path=ppt/slides/slide25.xml><?xml version="1.0" encoding="utf-8"?>
+<p:sld xmlns:a="http://schemas.openxmlformats.org/drawingml/2006/main" xmlns:r="http://schemas.openxmlformats.org/officeDocument/2006/relationships" xmlns:p="http://schemas.openxmlformats.org/presentationml/2006/main">
+  <p:cSld>
+    <p:spTree>
+      <p:nvGrpSpPr>
+        <p:cNvPr id="1" name=""/>
+        <p:cNvGrpSpPr/>
+        <p:nvPr/>
+      </p:nvGrpSpPr>
+      <p:grpSpPr>
+        <a:xfrm>
+          <a:off x="0" y="0"/>
+          <a:ext cx="0" cy="0"/>
+          <a:chOff x="0" y="0"/>
+          <a:chExt cx="0" cy="0"/>
+        </a:xfrm>
+      </p:grpSpPr>
+      <p:sp>
+        <p:nvSpPr>
+          <p:cNvPr id="2" name="标题 1">
+            <a:extLst>
+              <a:ext uri="{FF2B5EF4-FFF2-40B4-BE49-F238E27FC236}">
+                <a16:creationId xmlns:a16="http://schemas.microsoft.com/office/drawing/2014/main" id="{0D77CD4C-2E4E-43FA-96FF-5CE183B621DC}"/>
+              </a:ext>
+            </a:extLst>
+          </p:cNvPr>
+          <p:cNvSpPr>
+            <a:spLocks noGrp="1"/>
+          </p:cNvSpPr>
+          <p:nvPr>
+            <p:ph type="title"/>
+          </p:nvPr>
+        </p:nvSpPr>
+        <p:spPr/>
+        <p:txBody>
+          <a:bodyPr/>
+          <a:lstStyle/>
+          <a:p>
+            <a:r>
+              <a:rPr lang="zh-CN" altLang="en-US" dirty="0"/>
+              <a:t>汉字输入</a:t>
+            </a:r>
+          </a:p>
+        </p:txBody>
+      </p:sp>
+      <p:sp>
+        <p:nvSpPr>
+          <p:cNvPr id="3" name="内容占位符 2">
+            <a:extLst>
+              <a:ext uri="{FF2B5EF4-FFF2-40B4-BE49-F238E27FC236}">
+                <a16:creationId xmlns:a16="http://schemas.microsoft.com/office/drawing/2014/main" id="{30210C74-4600-449F-BD34-13753163683C}"/>
+              </a:ext>
+            </a:extLst>
+          </p:cNvPr>
+          <p:cNvSpPr>
+            <a:spLocks noGrp="1"/>
+          </p:cNvSpPr>
+          <p:nvPr>
+            <p:ph idx="1"/>
+          </p:nvPr>
+        </p:nvSpPr>
+        <p:spPr/>
+        <p:txBody>
+          <a:bodyPr/>
+          <a:lstStyle/>
+          <a:p>
+            <a:pPr marL="0" indent="0">
+              <a:buNone/>
+            </a:pPr>
+            <a:r>
+              <a:rPr lang="zh-CN" altLang="en-US" dirty="0"/>
+              <a:t>中文输入法：汉字输入系统</a:t>
+            </a:r>
+            <a:endParaRPr lang="en-US" altLang="zh-CN" dirty="0"/>
+          </a:p>
+          <a:p>
+            <a:pPr marL="0" indent="0">
+              <a:buNone/>
+            </a:pPr>
+            <a:endParaRPr lang="en-US" altLang="zh-CN" dirty="0"/>
+          </a:p>
+          <a:p>
+            <a:r>
+              <a:rPr lang="zh-CN" altLang="en-US" dirty="0"/>
+              <a:t>高字频，减少输入长度</a:t>
+            </a:r>
+            <a:endParaRPr lang="en-US" altLang="zh-CN" dirty="0"/>
+          </a:p>
+          <a:p>
+            <a:r>
+              <a:rPr lang="zh-CN" altLang="en-US" dirty="0"/>
+              <a:t>高字频、词频，排序靠前</a:t>
+            </a:r>
+          </a:p>
+        </p:txBody>
+      </p:sp>
+    </p:spTree>
+    <p:extLst>
+      <p:ext uri="{BB962C8B-B14F-4D97-AF65-F5344CB8AC3E}">
+        <p14:creationId xmlns:p14="http://schemas.microsoft.com/office/powerpoint/2010/main" val="2729840883"/>
+      </p:ext>
+    </p:extLst>
+  </p:cSld>
+  <p:clrMapOvr>
+    <a:masterClrMapping/>
+  </p:clrMapOvr>
+</p:sld>
+</file>
+
+<file path=ppt/slides/slide26.xml><?xml version="1.0" encoding="utf-8"?>
+<p:sld xmlns:a="http://schemas.openxmlformats.org/drawingml/2006/main" xmlns:r="http://schemas.openxmlformats.org/officeDocument/2006/relationships" xmlns:p="http://schemas.openxmlformats.org/presentationml/2006/main">
+  <p:cSld>
+    <p:spTree>
+      <p:nvGrpSpPr>
+        <p:cNvPr id="1" name=""/>
+        <p:cNvGrpSpPr/>
+        <p:nvPr/>
+      </p:nvGrpSpPr>
+      <p:grpSpPr>
+        <a:xfrm>
+          <a:off x="0" y="0"/>
+          <a:ext cx="0" cy="0"/>
+          <a:chOff x="0" y="0"/>
+          <a:chExt cx="0" cy="0"/>
+        </a:xfrm>
+      </p:grpSpPr>
+      <p:sp>
+        <p:nvSpPr>
+          <p:cNvPr id="2" name="标题 1">
+            <a:extLst>
+              <a:ext uri="{FF2B5EF4-FFF2-40B4-BE49-F238E27FC236}">
+                <a16:creationId xmlns:a16="http://schemas.microsoft.com/office/drawing/2014/main" id="{646E07D9-42C4-4DB6-ABA8-EF804229AAAA}"/>
+              </a:ext>
+            </a:extLst>
+          </p:cNvPr>
+          <p:cNvSpPr>
+            <a:spLocks noGrp="1"/>
+          </p:cNvSpPr>
+          <p:nvPr>
+            <p:ph type="title"/>
+          </p:nvPr>
+        </p:nvSpPr>
+        <p:spPr/>
+        <p:txBody>
+          <a:bodyPr/>
+          <a:lstStyle/>
+          <a:p>
+            <a:r>
+              <a:rPr lang="zh-CN" altLang="en-US" sz="3600" dirty="0"/>
+              <a:t>汉字识别</a:t>
+            </a:r>
+            <a:endParaRPr lang="zh-CN" altLang="en-US" dirty="0"/>
+          </a:p>
+        </p:txBody>
+      </p:sp>
+      <p:sp>
+        <p:nvSpPr>
+          <p:cNvPr id="3" name="内容占位符 2">
+            <a:extLst>
+              <a:ext uri="{FF2B5EF4-FFF2-40B4-BE49-F238E27FC236}">
+                <a16:creationId xmlns:a16="http://schemas.microsoft.com/office/drawing/2014/main" id="{5469FBA7-0BFB-4532-8112-A523CD436979}"/>
+              </a:ext>
+            </a:extLst>
+          </p:cNvPr>
+          <p:cNvSpPr>
+            <a:spLocks noGrp="1"/>
+          </p:cNvSpPr>
+          <p:nvPr>
+            <p:ph idx="1"/>
+          </p:nvPr>
+        </p:nvSpPr>
+        <p:spPr/>
+        <p:txBody>
+          <a:bodyPr/>
+          <a:lstStyle/>
+          <a:p>
+            <a:pPr marL="0" indent="0">
+              <a:buNone/>
+            </a:pPr>
+            <a:r>
+              <a:rPr lang="zh-CN" altLang="en-US" dirty="0"/>
+              <a:t>印刷汉字识别 </a:t>
+            </a:r>
+            <a:endParaRPr lang="en-US" altLang="zh-CN" dirty="0"/>
+          </a:p>
+          <a:p>
+            <a:pPr marL="0" indent="0">
+              <a:buNone/>
+            </a:pPr>
+            <a:r>
+              <a:rPr lang="zh-CN" altLang="en-US" dirty="0"/>
+              <a:t>手写汉字识别</a:t>
+            </a:r>
+            <a:endParaRPr lang="en-US" altLang="zh-CN" dirty="0"/>
+          </a:p>
+          <a:p>
+            <a:endParaRPr lang="en-US" altLang="zh-CN" dirty="0"/>
+          </a:p>
+          <a:p>
+            <a:pPr marL="0" indent="0">
+              <a:buNone/>
+            </a:pPr>
+            <a:r>
+              <a:rPr lang="zh-CN" altLang="en-US" dirty="0"/>
+              <a:t>字与字的同现关系，能提高汉字识别的正确率</a:t>
+            </a:r>
+            <a:endParaRPr lang="en-US" altLang="zh-CN" dirty="0"/>
+          </a:p>
+          <a:p>
+            <a:endParaRPr lang="en-US" altLang="zh-CN" dirty="0"/>
+          </a:p>
+          <a:p>
+            <a:pPr marL="0" indent="0">
+              <a:buNone/>
+            </a:pPr>
+            <a:r>
+              <a:rPr lang="zh-CN" altLang="en-US" dirty="0"/>
+              <a:t>同现关系指的是词汇共同出现的倾向性。</a:t>
+            </a:r>
+            <a:endParaRPr lang="en-US" altLang="zh-CN" dirty="0"/>
+          </a:p>
+          <a:p>
+            <a:pPr marL="0" indent="0">
+              <a:buNone/>
+            </a:pPr>
+            <a:r>
+              <a:rPr lang="zh-CN" altLang="en-US" sz="2000" dirty="0"/>
+              <a:t>在语篇中，围绕一定的话题，一定的词往往会同时出回现，而答其他一些词汇就不大可能出现或根本不会出现。这种词的同现关系与语篇范围关系非常密切。</a:t>
+            </a:r>
+          </a:p>
+        </p:txBody>
+      </p:sp>
+    </p:spTree>
+    <p:extLst>
+      <p:ext uri="{BB962C8B-B14F-4D97-AF65-F5344CB8AC3E}">
+        <p14:creationId xmlns:p14="http://schemas.microsoft.com/office/powerpoint/2010/main" val="149304719"/>
+      </p:ext>
+    </p:extLst>
+  </p:cSld>
+  <p:clrMapOvr>
+    <a:masterClrMapping/>
+  </p:clrMapOvr>
+</p:sld>
+</file>
+
+<file path=ppt/slides/slide27.xml><?xml version="1.0" encoding="utf-8"?>
+<p:sld xmlns:a="http://schemas.openxmlformats.org/drawingml/2006/main" xmlns:r="http://schemas.openxmlformats.org/officeDocument/2006/relationships" xmlns:p="http://schemas.openxmlformats.org/presentationml/2006/main">
+  <p:cSld>
+    <p:spTree>
+      <p:nvGrpSpPr>
+        <p:cNvPr id="1" name=""/>
+        <p:cNvGrpSpPr/>
+        <p:nvPr/>
+      </p:nvGrpSpPr>
+      <p:grpSpPr>
+        <a:xfrm>
+          <a:off x="0" y="0"/>
+          <a:ext cx="0" cy="0"/>
+          <a:chOff x="0" y="0"/>
+          <a:chExt cx="0" cy="0"/>
+        </a:xfrm>
+      </p:grpSpPr>
+      <p:sp>
+        <p:nvSpPr>
+          <p:cNvPr id="2" name="标题 1">
+            <a:extLst>
+              <a:ext uri="{FF2B5EF4-FFF2-40B4-BE49-F238E27FC236}">
+                <a16:creationId xmlns:a16="http://schemas.microsoft.com/office/drawing/2014/main" id="{2BED6E52-467A-4E97-886A-31D032D23A4C}"/>
+              </a:ext>
+            </a:extLst>
+          </p:cNvPr>
+          <p:cNvSpPr>
+            <a:spLocks noGrp="1"/>
+          </p:cNvSpPr>
+          <p:nvPr>
+            <p:ph type="title"/>
+          </p:nvPr>
+        </p:nvSpPr>
+        <p:spPr/>
+        <p:txBody>
+          <a:bodyPr/>
+          <a:lstStyle/>
+          <a:p>
+            <a:r>
+              <a:rPr lang="zh-CN" altLang="en-US" dirty="0"/>
+              <a:t>中文文本校对</a:t>
+            </a:r>
+          </a:p>
+        </p:txBody>
+      </p:sp>
+      <p:sp>
+        <p:nvSpPr>
+          <p:cNvPr id="3" name="内容占位符 2">
+            <a:extLst>
+              <a:ext uri="{FF2B5EF4-FFF2-40B4-BE49-F238E27FC236}">
+                <a16:creationId xmlns:a16="http://schemas.microsoft.com/office/drawing/2014/main" id="{07B95679-3822-4177-AAB8-2C2BA986C0F1}"/>
+              </a:ext>
+            </a:extLst>
+          </p:cNvPr>
+          <p:cNvSpPr>
+            <a:spLocks noGrp="1"/>
+          </p:cNvSpPr>
+          <p:nvPr>
+            <p:ph idx="1"/>
+          </p:nvPr>
+        </p:nvSpPr>
+        <p:spPr/>
+        <p:txBody>
+          <a:bodyPr/>
+          <a:lstStyle/>
+          <a:p>
+            <a:pPr marL="0" indent="0">
+              <a:buNone/>
+            </a:pPr>
+            <a:r>
+              <a:rPr lang="zh-CN" altLang="en-US" dirty="0"/>
+              <a:t>检查文本中 语法、 词汇、 文字 方面的错误</a:t>
+            </a:r>
+            <a:endParaRPr lang="en-US" altLang="zh-CN" dirty="0"/>
+          </a:p>
+          <a:p>
+            <a:endParaRPr lang="en-US" altLang="zh-CN" dirty="0"/>
+          </a:p>
+          <a:p>
+            <a:pPr marL="0" indent="0">
+              <a:buNone/>
+            </a:pPr>
+            <a:r>
+              <a:rPr lang="zh-CN" altLang="en-US" dirty="0"/>
+              <a:t>使用正常语料中统计出来的字频数据是 正字 出现规律，</a:t>
+            </a:r>
+            <a:endParaRPr lang="en-US" altLang="zh-CN" dirty="0"/>
+          </a:p>
+          <a:p>
+            <a:pPr marL="0" indent="0">
+              <a:buNone/>
+            </a:pPr>
+            <a:r>
+              <a:rPr lang="zh-CN" altLang="en-US" dirty="0"/>
+              <a:t>可以用来帮助识别 别字</a:t>
+            </a:r>
+          </a:p>
+        </p:txBody>
+      </p:sp>
+    </p:spTree>
+    <p:extLst>
+      <p:ext uri="{BB962C8B-B14F-4D97-AF65-F5344CB8AC3E}">
+        <p14:creationId xmlns:p14="http://schemas.microsoft.com/office/powerpoint/2010/main" val="3129428099"/>
+      </p:ext>
+    </p:extLst>
+  </p:cSld>
+  <p:clrMapOvr>
+    <a:masterClrMapping/>
+  </p:clrMapOvr>
+</p:sld>
+</file>
+
+<file path=ppt/slides/slide28.xml><?xml version="1.0" encoding="utf-8"?>
+<p:sld xmlns:a="http://schemas.openxmlformats.org/drawingml/2006/main" xmlns:r="http://schemas.openxmlformats.org/officeDocument/2006/relationships" xmlns:p="http://schemas.openxmlformats.org/presentationml/2006/main">
+  <p:cSld>
+    <p:spTree>
+      <p:nvGrpSpPr>
+        <p:cNvPr id="1" name=""/>
+        <p:cNvGrpSpPr/>
+        <p:nvPr/>
+      </p:nvGrpSpPr>
+      <p:grpSpPr>
+        <a:xfrm>
+          <a:off x="0" y="0"/>
+          <a:ext cx="0" cy="0"/>
+          <a:chOff x="0" y="0"/>
+          <a:chExt cx="0" cy="0"/>
+        </a:xfrm>
+      </p:grpSpPr>
+      <p:sp>
+        <p:nvSpPr>
+          <p:cNvPr id="2" name="标题 1">
+            <a:extLst>
+              <a:ext uri="{FF2B5EF4-FFF2-40B4-BE49-F238E27FC236}">
+                <a16:creationId xmlns:a16="http://schemas.microsoft.com/office/drawing/2014/main" id="{A206D187-1370-4C27-A3CA-AAF45CB75F81}"/>
+              </a:ext>
+            </a:extLst>
+          </p:cNvPr>
+          <p:cNvSpPr>
+            <a:spLocks noGrp="1"/>
+          </p:cNvSpPr>
+          <p:nvPr>
+            <p:ph type="title"/>
+          </p:nvPr>
+        </p:nvSpPr>
+        <p:spPr/>
+        <p:txBody>
+          <a:bodyPr/>
+          <a:lstStyle/>
+          <a:p>
+            <a:r>
+              <a:rPr lang="zh-CN" altLang="en-US" sz="3600" dirty="0"/>
+              <a:t>词汇获取</a:t>
+            </a:r>
+            <a:endParaRPr lang="zh-CN" altLang="en-US" dirty="0"/>
+          </a:p>
+        </p:txBody>
+      </p:sp>
+      <p:sp>
+        <p:nvSpPr>
+          <p:cNvPr id="3" name="内容占位符 2">
+            <a:extLst>
+              <a:ext uri="{FF2B5EF4-FFF2-40B4-BE49-F238E27FC236}">
+                <a16:creationId xmlns:a16="http://schemas.microsoft.com/office/drawing/2014/main" id="{F0350169-EA83-48AC-807C-FD7151093415}"/>
+              </a:ext>
+            </a:extLst>
+          </p:cNvPr>
+          <p:cNvSpPr>
+            <a:spLocks noGrp="1"/>
+          </p:cNvSpPr>
+          <p:nvPr>
+            <p:ph idx="1"/>
+          </p:nvPr>
+        </p:nvSpPr>
+        <p:spPr/>
+        <p:txBody>
+          <a:bodyPr/>
+          <a:lstStyle/>
+          <a:p>
+            <a:pPr marL="0" indent="0">
+              <a:buNone/>
+            </a:pPr>
+            <a:r>
+              <a:rPr lang="zh-CN" altLang="en-US" dirty="0"/>
+              <a:t>未登录词</a:t>
+            </a:r>
+            <a:endParaRPr lang="en-US" altLang="zh-CN" dirty="0"/>
+          </a:p>
+          <a:p>
+            <a:endParaRPr lang="en-US" altLang="zh-CN" dirty="0"/>
+          </a:p>
+          <a:p>
+            <a:pPr marL="457200" indent="-457200">
+              <a:buFont typeface="+mj-lt"/>
+              <a:buAutoNum type="arabicPeriod"/>
+            </a:pPr>
+            <a:r>
+              <a:rPr lang="zh-CN" altLang="en-US" dirty="0"/>
+              <a:t>从大规模真实文本中统计双字、三字、四字</a:t>
+            </a:r>
+            <a:r>
+              <a:rPr lang="en-US" altLang="zh-CN" dirty="0"/>
+              <a:t>……</a:t>
+            </a:r>
+            <a:r>
+              <a:rPr lang="zh-CN" altLang="en-US" dirty="0"/>
+              <a:t>的连续同现频率</a:t>
+            </a:r>
+            <a:endParaRPr lang="en-US" altLang="zh-CN" dirty="0"/>
+          </a:p>
+          <a:p>
+            <a:pPr marL="457200" indent="-457200">
+              <a:buFont typeface="+mj-lt"/>
+              <a:buAutoNum type="arabicPeriod"/>
+            </a:pPr>
+            <a:r>
+              <a:rPr lang="zh-CN" altLang="en-US" dirty="0"/>
+              <a:t>然后计算某种统计量</a:t>
+            </a:r>
+            <a:endParaRPr lang="en-US" altLang="zh-CN" dirty="0"/>
+          </a:p>
+          <a:p>
+            <a:pPr marL="457200" indent="-457200">
+              <a:buFont typeface="+mj-lt"/>
+              <a:buAutoNum type="arabicPeriod"/>
+            </a:pPr>
+            <a:r>
+              <a:rPr lang="zh-CN" altLang="en-US" dirty="0"/>
+              <a:t>把统计量在某个阈值之上的双字、三字、四字</a:t>
+            </a:r>
+            <a:r>
+              <a:rPr lang="en-US" altLang="zh-CN" dirty="0"/>
+              <a:t>……</a:t>
+            </a:r>
+            <a:r>
+              <a:rPr lang="zh-CN" altLang="en-US" dirty="0"/>
+              <a:t>作为候选词</a:t>
+            </a:r>
+            <a:endParaRPr lang="en-US" altLang="zh-CN" dirty="0"/>
+          </a:p>
+          <a:p>
+            <a:pPr marL="457200" indent="-457200">
+              <a:buFont typeface="+mj-lt"/>
+              <a:buAutoNum type="arabicPeriod"/>
+            </a:pPr>
+            <a:r>
+              <a:rPr lang="zh-CN" altLang="en-US" dirty="0"/>
+              <a:t>再利用其他方法（如人工检查）对候选词进行甄别</a:t>
+            </a:r>
+          </a:p>
+        </p:txBody>
+      </p:sp>
+    </p:spTree>
+    <p:extLst>
+      <p:ext uri="{BB962C8B-B14F-4D97-AF65-F5344CB8AC3E}">
+        <p14:creationId xmlns:p14="http://schemas.microsoft.com/office/powerpoint/2010/main" val="1137331418"/>
+      </p:ext>
+    </p:extLst>
+  </p:cSld>
+  <p:clrMapOvr>
+    <a:masterClrMapping/>
+  </p:clrMapOvr>
+</p:sld>
+</file>
+
+<file path=ppt/slides/slide29.xml><?xml version="1.0" encoding="utf-8"?>
+<p:sld xmlns:a="http://schemas.openxmlformats.org/drawingml/2006/main" xmlns:r="http://schemas.openxmlformats.org/officeDocument/2006/relationships" xmlns:p="http://schemas.openxmlformats.org/presentationml/2006/main">
+  <p:cSld>
+    <p:spTree>
+      <p:nvGrpSpPr>
+        <p:cNvPr id="1" name=""/>
+        <p:cNvGrpSpPr/>
+        <p:nvPr/>
+      </p:nvGrpSpPr>
+      <p:grpSpPr>
+        <a:xfrm>
+          <a:off x="0" y="0"/>
+          <a:ext cx="0" cy="0"/>
+          <a:chOff x="0" y="0"/>
+          <a:chExt cx="0" cy="0"/>
+        </a:xfrm>
+      </p:grpSpPr>
+      <p:sp>
+        <p:nvSpPr>
+          <p:cNvPr id="2" name="标题 1">
+            <a:extLst>
+              <a:ext uri="{FF2B5EF4-FFF2-40B4-BE49-F238E27FC236}">
+                <a16:creationId xmlns:a16="http://schemas.microsoft.com/office/drawing/2014/main" id="{E74EE5F7-DA13-4FD1-AE22-21F1F4397B14}"/>
+              </a:ext>
+            </a:extLst>
+          </p:cNvPr>
+          <p:cNvSpPr>
+            <a:spLocks noGrp="1"/>
+          </p:cNvSpPr>
+          <p:nvPr>
+            <p:ph type="title"/>
+          </p:nvPr>
+        </p:nvSpPr>
+        <p:spPr/>
+        <p:txBody>
+          <a:bodyPr/>
+          <a:lstStyle/>
+          <a:p>
+            <a:r>
+              <a:rPr lang="en-US" altLang="zh-CN" dirty="0"/>
+              <a:t>6.4.2 </a:t>
+            </a:r>
+            <a:r>
+              <a:rPr lang="zh-CN" altLang="en-US" dirty="0"/>
+              <a:t>单字字频统计</a:t>
+            </a:r>
+          </a:p>
+        </p:txBody>
+      </p:sp>
+      <p:sp>
+        <p:nvSpPr>
+          <p:cNvPr id="3" name="内容占位符 2">
+            <a:extLst>
+              <a:ext uri="{FF2B5EF4-FFF2-40B4-BE49-F238E27FC236}">
+                <a16:creationId xmlns:a16="http://schemas.microsoft.com/office/drawing/2014/main" id="{C7DF250A-0F1D-48BB-8E0B-5FAFF1CEE82F}"/>
+              </a:ext>
+            </a:extLst>
+          </p:cNvPr>
+          <p:cNvSpPr>
+            <a:spLocks noGrp="1"/>
+          </p:cNvSpPr>
+          <p:nvPr>
+            <p:ph idx="1"/>
+          </p:nvPr>
+        </p:nvSpPr>
+        <p:spPr/>
+        <p:txBody>
+          <a:bodyPr/>
+          <a:lstStyle/>
+          <a:p>
+            <a:endParaRPr lang="zh-CN" altLang="en-US"/>
+          </a:p>
+        </p:txBody>
+      </p:sp>
+    </p:spTree>
+    <p:extLst>
+      <p:ext uri="{BB962C8B-B14F-4D97-AF65-F5344CB8AC3E}">
+        <p14:creationId xmlns:p14="http://schemas.microsoft.com/office/powerpoint/2010/main" val="1722028254"/>
       </p:ext>
     </p:extLst>
   </p:cSld>

--- a/PPT-2020/ch06 字符编码与字频统计.pptx
+++ b/PPT-2020/ch06 字符编码与字频统计.pptx
@@ -34,6 +34,8 @@
     <p:sldId id="283" r:id="rId28"/>
     <p:sldId id="284" r:id="rId29"/>
     <p:sldId id="285" r:id="rId30"/>
+    <p:sldId id="286" r:id="rId31"/>
+    <p:sldId id="287" r:id="rId32"/>
   </p:sldIdLst>
   <p:sldSz cx="12192000" cy="6858000"/>
   <p:notesSz cx="6858000" cy="9144000"/>
@@ -414,7 +416,7 @@
           <a:p>
             <a:fld id="{B161E7BD-2304-4CFF-AC2E-DAADCB15FF3C}" type="datetimeFigureOut">
               <a:rPr lang="zh-CN" altLang="en-US" smtClean="0"/>
-              <a:t>2020/8/20</a:t>
+              <a:t>2020/8/21</a:t>
             </a:fld>
             <a:endParaRPr lang="zh-CN" altLang="en-US"/>
           </a:p>
@@ -828,7 +830,7 @@
           <a:p>
             <a:fld id="{B161E7BD-2304-4CFF-AC2E-DAADCB15FF3C}" type="datetimeFigureOut">
               <a:rPr lang="zh-CN" altLang="en-US" smtClean="0"/>
-              <a:t>2020/8/20</a:t>
+              <a:t>2020/8/21</a:t>
             </a:fld>
             <a:endParaRPr lang="zh-CN" altLang="en-US"/>
           </a:p>
@@ -1164,7 +1166,7 @@
           <a:p>
             <a:fld id="{B161E7BD-2304-4CFF-AC2E-DAADCB15FF3C}" type="datetimeFigureOut">
               <a:rPr lang="zh-CN" altLang="en-US" smtClean="0"/>
-              <a:t>2020/8/20</a:t>
+              <a:t>2020/8/21</a:t>
             </a:fld>
             <a:endParaRPr lang="zh-CN" altLang="en-US"/>
           </a:p>
@@ -1569,7 +1571,7 @@
           <a:p>
             <a:fld id="{B161E7BD-2304-4CFF-AC2E-DAADCB15FF3C}" type="datetimeFigureOut">
               <a:rPr lang="zh-CN" altLang="en-US" smtClean="0"/>
-              <a:t>2020/8/20</a:t>
+              <a:t>2020/8/21</a:t>
             </a:fld>
             <a:endParaRPr lang="zh-CN" altLang="en-US"/>
           </a:p>
@@ -2137,7 +2139,7 @@
           <a:p>
             <a:fld id="{B161E7BD-2304-4CFF-AC2E-DAADCB15FF3C}" type="datetimeFigureOut">
               <a:rPr lang="zh-CN" altLang="en-US" smtClean="0"/>
-              <a:t>2020/8/20</a:t>
+              <a:t>2020/8/21</a:t>
             </a:fld>
             <a:endParaRPr lang="zh-CN" altLang="en-US"/>
           </a:p>
@@ -2818,7 +2820,7 @@
           <a:p>
             <a:fld id="{B161E7BD-2304-4CFF-AC2E-DAADCB15FF3C}" type="datetimeFigureOut">
               <a:rPr lang="zh-CN" altLang="en-US" smtClean="0"/>
-              <a:t>2020/8/20</a:t>
+              <a:t>2020/8/21</a:t>
             </a:fld>
             <a:endParaRPr lang="zh-CN" altLang="en-US"/>
           </a:p>
@@ -3731,7 +3733,7 @@
           <a:p>
             <a:fld id="{B161E7BD-2304-4CFF-AC2E-DAADCB15FF3C}" type="datetimeFigureOut">
               <a:rPr lang="zh-CN" altLang="en-US" smtClean="0"/>
-              <a:t>2020/8/20</a:t>
+              <a:t>2020/8/21</a:t>
             </a:fld>
             <a:endParaRPr lang="zh-CN" altLang="en-US"/>
           </a:p>
@@ -4044,7 +4046,7 @@
           <a:p>
             <a:fld id="{B161E7BD-2304-4CFF-AC2E-DAADCB15FF3C}" type="datetimeFigureOut">
               <a:rPr lang="zh-CN" altLang="en-US" smtClean="0"/>
-              <a:t>2020/8/20</a:t>
+              <a:t>2020/8/21</a:t>
             </a:fld>
             <a:endParaRPr lang="zh-CN" altLang="en-US"/>
           </a:p>
@@ -4308,7 +4310,7 @@
           <a:p>
             <a:fld id="{B161E7BD-2304-4CFF-AC2E-DAADCB15FF3C}" type="datetimeFigureOut">
               <a:rPr lang="zh-CN" altLang="en-US" smtClean="0"/>
-              <a:t>2020/8/20</a:t>
+              <a:t>2020/8/21</a:t>
             </a:fld>
             <a:endParaRPr lang="zh-CN" altLang="en-US"/>
           </a:p>
@@ -4631,7 +4633,7 @@
           <a:p>
             <a:fld id="{B161E7BD-2304-4CFF-AC2E-DAADCB15FF3C}" type="datetimeFigureOut">
               <a:rPr lang="zh-CN" altLang="en-US" smtClean="0"/>
-              <a:t>2020/8/20</a:t>
+              <a:t>2020/8/21</a:t>
             </a:fld>
             <a:endParaRPr lang="zh-CN" altLang="en-US"/>
           </a:p>
@@ -5020,7 +5022,7 @@
           <a:p>
             <a:fld id="{B161E7BD-2304-4CFF-AC2E-DAADCB15FF3C}" type="datetimeFigureOut">
               <a:rPr lang="zh-CN" altLang="en-US" smtClean="0"/>
-              <a:t>2020/8/20</a:t>
+              <a:t>2020/8/21</a:t>
             </a:fld>
             <a:endParaRPr lang="zh-CN" altLang="en-US"/>
           </a:p>
@@ -5396,7 +5398,7 @@
           <a:p>
             <a:fld id="{B161E7BD-2304-4CFF-AC2E-DAADCB15FF3C}" type="datetimeFigureOut">
               <a:rPr lang="zh-CN" altLang="en-US" smtClean="0"/>
-              <a:t>2020/8/20</a:t>
+              <a:t>2020/8/21</a:t>
             </a:fld>
             <a:endParaRPr lang="zh-CN" altLang="en-US"/>
           </a:p>
@@ -5902,7 +5904,7 @@
           <a:p>
             <a:fld id="{B161E7BD-2304-4CFF-AC2E-DAADCB15FF3C}" type="datetimeFigureOut">
               <a:rPr lang="zh-CN" altLang="en-US" smtClean="0"/>
-              <a:t>2020/8/20</a:t>
+              <a:t>2020/8/21</a:t>
             </a:fld>
             <a:endParaRPr lang="zh-CN" altLang="en-US"/>
           </a:p>
@@ -6159,7 +6161,7 @@
           <a:p>
             <a:fld id="{B161E7BD-2304-4CFF-AC2E-DAADCB15FF3C}" type="datetimeFigureOut">
               <a:rPr lang="zh-CN" altLang="en-US" smtClean="0"/>
-              <a:t>2020/8/20</a:t>
+              <a:t>2020/8/21</a:t>
             </a:fld>
             <a:endParaRPr lang="zh-CN" altLang="en-US"/>
           </a:p>
@@ -6322,7 +6324,7 @@
           <a:p>
             <a:fld id="{B161E7BD-2304-4CFF-AC2E-DAADCB15FF3C}" type="datetimeFigureOut">
               <a:rPr lang="zh-CN" altLang="en-US" smtClean="0"/>
-              <a:t>2020/8/20</a:t>
+              <a:t>2020/8/21</a:t>
             </a:fld>
             <a:endParaRPr lang="zh-CN" altLang="en-US"/>
           </a:p>
@@ -6712,7 +6714,7 @@
           <a:p>
             <a:fld id="{B161E7BD-2304-4CFF-AC2E-DAADCB15FF3C}" type="datetimeFigureOut">
               <a:rPr lang="zh-CN" altLang="en-US" smtClean="0"/>
-              <a:t>2020/8/20</a:t>
+              <a:t>2020/8/21</a:t>
             </a:fld>
             <a:endParaRPr lang="zh-CN" altLang="en-US"/>
           </a:p>
@@ -7121,7 +7123,7 @@
           <a:p>
             <a:fld id="{B161E7BD-2304-4CFF-AC2E-DAADCB15FF3C}" type="datetimeFigureOut">
               <a:rPr lang="zh-CN" altLang="en-US" smtClean="0"/>
-              <a:t>2020/8/20</a:t>
+              <a:t>2020/8/21</a:t>
             </a:fld>
             <a:endParaRPr lang="zh-CN" altLang="en-US"/>
           </a:p>
@@ -7365,7 +7367,7 @@
           <a:p>
             <a:fld id="{B161E7BD-2304-4CFF-AC2E-DAADCB15FF3C}" type="datetimeFigureOut">
               <a:rPr lang="zh-CN" altLang="en-US" smtClean="0"/>
-              <a:t>2020/8/20</a:t>
+              <a:t>2020/8/21</a:t>
             </a:fld>
             <a:endParaRPr lang="zh-CN" altLang="en-US"/>
           </a:p>
@@ -14934,15 +14936,144 @@
             <p:ph idx="1"/>
           </p:nvPr>
         </p:nvSpPr>
-        <p:spPr/>
-        <p:txBody>
-          <a:bodyPr/>
+        <p:spPr>
+          <a:xfrm>
+            <a:off x="680321" y="2140372"/>
+            <a:ext cx="5506470" cy="3599316"/>
+          </a:xfrm>
+        </p:spPr>
+        <p:txBody>
+          <a:bodyPr>
+            <a:normAutofit lnSpcReduction="10000"/>
+          </a:bodyPr>
           <a:lstStyle/>
           <a:p>
-            <a:endParaRPr lang="zh-CN" altLang="en-US"/>
-          </a:p>
-        </p:txBody>
-      </p:sp>
+            <a:pPr marL="0" indent="0">
+              <a:buNone/>
+            </a:pPr>
+            <a:r>
+              <a:rPr lang="zh-CN" altLang="en-US" b="1" dirty="0"/>
+              <a:t>输入：</a:t>
+            </a:r>
+            <a:endParaRPr lang="en-US" altLang="zh-CN" b="1" dirty="0"/>
+          </a:p>
+          <a:p>
+            <a:pPr marL="0" indent="0">
+              <a:buNone/>
+            </a:pPr>
+            <a:r>
+              <a:rPr lang="zh-CN" altLang="en-US" dirty="0"/>
+              <a:t>文本文件</a:t>
+            </a:r>
+            <a:endParaRPr lang="en-US" altLang="zh-CN" dirty="0"/>
+          </a:p>
+          <a:p>
+            <a:pPr marL="0" indent="0">
+              <a:buNone/>
+            </a:pPr>
+            <a:endParaRPr lang="en-US" altLang="zh-CN" dirty="0"/>
+          </a:p>
+          <a:p>
+            <a:pPr marL="0" indent="0">
+              <a:buNone/>
+            </a:pPr>
+            <a:r>
+              <a:rPr lang="zh-CN" altLang="en-US" b="1" dirty="0"/>
+              <a:t>输出：</a:t>
+            </a:r>
+            <a:endParaRPr lang="en-US" altLang="zh-CN" b="1" dirty="0"/>
+          </a:p>
+          <a:p>
+            <a:pPr marL="0" indent="0">
+              <a:buNone/>
+            </a:pPr>
+            <a:r>
+              <a:rPr lang="zh-CN" altLang="en-US" dirty="0"/>
+              <a:t>文件中不同</a:t>
+            </a:r>
+            <a:r>
+              <a:rPr lang="zh-CN" altLang="en-US" dirty="0">
+                <a:highlight>
+                  <a:srgbClr val="000080"/>
+                </a:highlight>
+              </a:rPr>
+              <a:t>汉字</a:t>
+            </a:r>
+            <a:r>
+              <a:rPr lang="zh-CN" altLang="en-US" dirty="0"/>
+              <a:t>的个数</a:t>
+            </a:r>
+            <a:endParaRPr lang="en-US" altLang="zh-CN" dirty="0"/>
+          </a:p>
+          <a:p>
+            <a:pPr marL="0" indent="0">
+              <a:buNone/>
+            </a:pPr>
+            <a:r>
+              <a:rPr lang="zh-CN" altLang="en-US" dirty="0"/>
+              <a:t>每个</a:t>
+            </a:r>
+            <a:r>
+              <a:rPr lang="zh-CN" altLang="en-US" dirty="0">
+                <a:highlight>
+                  <a:srgbClr val="000080"/>
+                </a:highlight>
+              </a:rPr>
+              <a:t>汉字</a:t>
+            </a:r>
+            <a:r>
+              <a:rPr lang="zh-CN" altLang="en-US" dirty="0"/>
+              <a:t>出现的次数</a:t>
+            </a:r>
+            <a:endParaRPr lang="en-US" altLang="zh-CN" dirty="0"/>
+          </a:p>
+          <a:p>
+            <a:pPr marL="0" indent="0">
+              <a:buNone/>
+            </a:pPr>
+            <a:endParaRPr lang="en-US" altLang="zh-CN" dirty="0"/>
+          </a:p>
+          <a:p>
+            <a:pPr marL="0" indent="0">
+              <a:buNone/>
+            </a:pPr>
+            <a:r>
+              <a:rPr lang="zh-CN" altLang="en-US" dirty="0"/>
+              <a:t>流程图、算法、编程实现</a:t>
+            </a:r>
+          </a:p>
+        </p:txBody>
+      </p:sp>
+      <p:pic>
+        <p:nvPicPr>
+          <p:cNvPr id="5" name="图片 4">
+            <a:extLst>
+              <a:ext uri="{FF2B5EF4-FFF2-40B4-BE49-F238E27FC236}">
+                <a16:creationId xmlns:a16="http://schemas.microsoft.com/office/drawing/2014/main" id="{C1206C49-DE67-4EC8-9463-3C230AFD6F58}"/>
+              </a:ext>
+            </a:extLst>
+          </p:cNvPr>
+          <p:cNvPicPr>
+            <a:picLocks noChangeAspect="1"/>
+          </p:cNvPicPr>
+          <p:nvPr/>
+        </p:nvPicPr>
+        <p:blipFill>
+          <a:blip r:embed="rId2"/>
+          <a:stretch>
+            <a:fillRect/>
+          </a:stretch>
+        </p:blipFill>
+        <p:spPr>
+          <a:xfrm>
+            <a:off x="5285362" y="943684"/>
+            <a:ext cx="6226317" cy="5784326"/>
+          </a:xfrm>
+          <a:prstGeom prst="rect">
+            <a:avLst/>
+          </a:prstGeom>
+        </p:spPr>
+      </p:pic>
     </p:spTree>
     <p:extLst>
       <p:ext uri="{BB962C8B-B14F-4D97-AF65-F5344CB8AC3E}">
@@ -15126,6 +15257,322 @@
     <p:extLst>
       <p:ext uri="{BB962C8B-B14F-4D97-AF65-F5344CB8AC3E}">
         <p14:creationId xmlns:p14="http://schemas.microsoft.com/office/powerpoint/2010/main" val="3016344858"/>
+      </p:ext>
+    </p:extLst>
+  </p:cSld>
+  <p:clrMapOvr>
+    <a:masterClrMapping/>
+  </p:clrMapOvr>
+</p:sld>
+</file>
+
+<file path=ppt/slides/slide30.xml><?xml version="1.0" encoding="utf-8"?>
+<p:sld xmlns:a="http://schemas.openxmlformats.org/drawingml/2006/main" xmlns:r="http://schemas.openxmlformats.org/officeDocument/2006/relationships" xmlns:p="http://schemas.openxmlformats.org/presentationml/2006/main">
+  <p:cSld>
+    <p:spTree>
+      <p:nvGrpSpPr>
+        <p:cNvPr id="1" name=""/>
+        <p:cNvGrpSpPr/>
+        <p:nvPr/>
+      </p:nvGrpSpPr>
+      <p:grpSpPr>
+        <a:xfrm>
+          <a:off x="0" y="0"/>
+          <a:ext cx="0" cy="0"/>
+          <a:chOff x="0" y="0"/>
+          <a:chExt cx="0" cy="0"/>
+        </a:xfrm>
+      </p:grpSpPr>
+      <p:sp>
+        <p:nvSpPr>
+          <p:cNvPr id="2" name="标题 1">
+            <a:extLst>
+              <a:ext uri="{FF2B5EF4-FFF2-40B4-BE49-F238E27FC236}">
+                <a16:creationId xmlns:a16="http://schemas.microsoft.com/office/drawing/2014/main" id="{46012B8C-46A7-423F-B311-C55749FA4FE1}"/>
+              </a:ext>
+            </a:extLst>
+          </p:cNvPr>
+          <p:cNvSpPr>
+            <a:spLocks noGrp="1"/>
+          </p:cNvSpPr>
+          <p:nvPr>
+            <p:ph type="title"/>
+          </p:nvPr>
+        </p:nvSpPr>
+        <p:spPr/>
+        <p:txBody>
+          <a:bodyPr/>
+          <a:lstStyle/>
+          <a:p>
+            <a:r>
+              <a:rPr lang="en-US" altLang="zh-CN" sz="3600" dirty="0"/>
+              <a:t>6.4.3 </a:t>
+            </a:r>
+            <a:r>
+              <a:rPr lang="zh-CN" altLang="en-US" sz="3600" dirty="0"/>
+              <a:t>双字字频统计</a:t>
+            </a:r>
+            <a:endParaRPr lang="zh-CN" altLang="en-US" dirty="0"/>
+          </a:p>
+        </p:txBody>
+      </p:sp>
+      <p:sp>
+        <p:nvSpPr>
+          <p:cNvPr id="3" name="内容占位符 2">
+            <a:extLst>
+              <a:ext uri="{FF2B5EF4-FFF2-40B4-BE49-F238E27FC236}">
+                <a16:creationId xmlns:a16="http://schemas.microsoft.com/office/drawing/2014/main" id="{9EF77032-D688-4CA8-83A2-12F44AA64FEA}"/>
+              </a:ext>
+            </a:extLst>
+          </p:cNvPr>
+          <p:cNvSpPr>
+            <a:spLocks noGrp="1"/>
+          </p:cNvSpPr>
+          <p:nvPr>
+            <p:ph idx="1"/>
+          </p:nvPr>
+        </p:nvSpPr>
+        <p:spPr/>
+        <p:txBody>
+          <a:bodyPr>
+            <a:normAutofit lnSpcReduction="10000"/>
+          </a:bodyPr>
+          <a:lstStyle/>
+          <a:p>
+            <a:pPr marL="0" indent="0">
+              <a:buNone/>
+            </a:pPr>
+            <a:r>
+              <a:rPr lang="zh-CN" altLang="en-US" b="1" dirty="0"/>
+              <a:t>输入：</a:t>
+            </a:r>
+            <a:endParaRPr lang="en-US" altLang="zh-CN" b="1" dirty="0"/>
+          </a:p>
+          <a:p>
+            <a:pPr marL="0" indent="0">
+              <a:buNone/>
+            </a:pPr>
+            <a:r>
+              <a:rPr lang="zh-CN" altLang="en-US" dirty="0"/>
+              <a:t>文本文件</a:t>
+            </a:r>
+            <a:endParaRPr lang="en-US" altLang="zh-CN" dirty="0"/>
+          </a:p>
+          <a:p>
+            <a:pPr marL="0" indent="0">
+              <a:buNone/>
+            </a:pPr>
+            <a:endParaRPr lang="en-US" altLang="zh-CN" dirty="0"/>
+          </a:p>
+          <a:p>
+            <a:pPr marL="0" indent="0">
+              <a:buNone/>
+            </a:pPr>
+            <a:r>
+              <a:rPr lang="zh-CN" altLang="en-US" b="1" dirty="0"/>
+              <a:t>输出：</a:t>
+            </a:r>
+            <a:endParaRPr lang="en-US" altLang="zh-CN" b="1" dirty="0"/>
+          </a:p>
+          <a:p>
+            <a:pPr marL="0" indent="0">
+              <a:buNone/>
+            </a:pPr>
+            <a:r>
+              <a:rPr lang="zh-CN" altLang="en-US" dirty="0"/>
+              <a:t>文件中不同</a:t>
+            </a:r>
+            <a:r>
+              <a:rPr lang="zh-CN" altLang="en-US" dirty="0">
+                <a:highlight>
+                  <a:srgbClr val="000080"/>
+                </a:highlight>
+              </a:rPr>
+              <a:t>字对</a:t>
+            </a:r>
+            <a:r>
+              <a:rPr lang="zh-CN" altLang="en-US" dirty="0"/>
+              <a:t>的个数</a:t>
+            </a:r>
+            <a:endParaRPr lang="en-US" altLang="zh-CN" dirty="0"/>
+          </a:p>
+          <a:p>
+            <a:pPr marL="0" indent="0">
+              <a:buNone/>
+            </a:pPr>
+            <a:r>
+              <a:rPr lang="zh-CN" altLang="en-US" dirty="0"/>
+              <a:t>每个</a:t>
+            </a:r>
+            <a:r>
+              <a:rPr lang="zh-CN" altLang="en-US" dirty="0">
+                <a:highlight>
+                  <a:srgbClr val="000080"/>
+                </a:highlight>
+              </a:rPr>
+              <a:t>字对</a:t>
+            </a:r>
+            <a:r>
+              <a:rPr lang="zh-CN" altLang="en-US" dirty="0"/>
+              <a:t>出现的次数</a:t>
+            </a:r>
+            <a:endParaRPr lang="en-US" altLang="zh-CN" dirty="0"/>
+          </a:p>
+          <a:p>
+            <a:pPr marL="0" indent="0">
+              <a:buNone/>
+            </a:pPr>
+            <a:endParaRPr lang="en-US" altLang="zh-CN" dirty="0"/>
+          </a:p>
+          <a:p>
+            <a:pPr marL="0" indent="0">
+              <a:buNone/>
+            </a:pPr>
+            <a:r>
+              <a:rPr lang="zh-CN" altLang="en-US" dirty="0"/>
+              <a:t>流程图、算法、编程实现</a:t>
+            </a:r>
+          </a:p>
+          <a:p>
+            <a:endParaRPr lang="zh-CN" altLang="en-US" dirty="0"/>
+          </a:p>
+        </p:txBody>
+      </p:sp>
+      <p:pic>
+        <p:nvPicPr>
+          <p:cNvPr id="5" name="图片 4">
+            <a:extLst>
+              <a:ext uri="{FF2B5EF4-FFF2-40B4-BE49-F238E27FC236}">
+                <a16:creationId xmlns:a16="http://schemas.microsoft.com/office/drawing/2014/main" id="{4AE06EF2-B42D-4DED-A31B-9371F314EAFB}"/>
+              </a:ext>
+            </a:extLst>
+          </p:cNvPr>
+          <p:cNvPicPr>
+            <a:picLocks noChangeAspect="1"/>
+          </p:cNvPicPr>
+          <p:nvPr/>
+        </p:nvPicPr>
+        <p:blipFill>
+          <a:blip r:embed="rId2"/>
+          <a:stretch>
+            <a:fillRect/>
+          </a:stretch>
+        </p:blipFill>
+        <p:spPr>
+          <a:xfrm>
+            <a:off x="4746618" y="921811"/>
+            <a:ext cx="7348105" cy="5703815"/>
+          </a:xfrm>
+          <a:prstGeom prst="rect">
+            <a:avLst/>
+          </a:prstGeom>
+        </p:spPr>
+      </p:pic>
+    </p:spTree>
+    <p:extLst>
+      <p:ext uri="{BB962C8B-B14F-4D97-AF65-F5344CB8AC3E}">
+        <p14:creationId xmlns:p14="http://schemas.microsoft.com/office/powerpoint/2010/main" val="908673130"/>
+      </p:ext>
+    </p:extLst>
+  </p:cSld>
+  <p:clrMapOvr>
+    <a:masterClrMapping/>
+  </p:clrMapOvr>
+</p:sld>
+</file>
+
+<file path=ppt/slides/slide31.xml><?xml version="1.0" encoding="utf-8"?>
+<p:sld xmlns:a="http://schemas.openxmlformats.org/drawingml/2006/main" xmlns:r="http://schemas.openxmlformats.org/officeDocument/2006/relationships" xmlns:p="http://schemas.openxmlformats.org/presentationml/2006/main">
+  <p:cSld>
+    <p:spTree>
+      <p:nvGrpSpPr>
+        <p:cNvPr id="1" name=""/>
+        <p:cNvGrpSpPr/>
+        <p:nvPr/>
+      </p:nvGrpSpPr>
+      <p:grpSpPr>
+        <a:xfrm>
+          <a:off x="0" y="0"/>
+          <a:ext cx="0" cy="0"/>
+          <a:chOff x="0" y="0"/>
+          <a:chExt cx="0" cy="0"/>
+        </a:xfrm>
+      </p:grpSpPr>
+      <p:sp>
+        <p:nvSpPr>
+          <p:cNvPr id="6" name="矩形 5">
+            <a:extLst>
+              <a:ext uri="{FF2B5EF4-FFF2-40B4-BE49-F238E27FC236}">
+                <a16:creationId xmlns:a16="http://schemas.microsoft.com/office/drawing/2014/main" id="{CADF162C-8C31-4702-8C51-3D52B99A40F0}"/>
+              </a:ext>
+            </a:extLst>
+          </p:cNvPr>
+          <p:cNvSpPr/>
+          <p:nvPr/>
+        </p:nvSpPr>
+        <p:spPr>
+          <a:xfrm>
+            <a:off x="3630456" y="3298074"/>
+            <a:ext cx="4054395" cy="1323439"/>
+          </a:xfrm>
+          <a:prstGeom prst="rect">
+            <a:avLst/>
+          </a:prstGeom>
+          <a:noFill/>
+        </p:spPr>
+        <p:txBody>
+          <a:bodyPr wrap="square" lIns="91440" tIns="45720" rIns="91440" bIns="45720">
+            <a:spAutoFit/>
+          </a:bodyPr>
+          <a:lstStyle/>
+          <a:p>
+            <a:pPr algn="ctr"/>
+            <a:r>
+              <a:rPr lang="en-US" altLang="zh-CN" sz="8000" b="1" dirty="0">
+                <a:ln w="12700">
+                  <a:solidFill>
+                    <a:schemeClr val="accent3">
+                      <a:lumMod val="50000"/>
+                    </a:schemeClr>
+                  </a:solidFill>
+                  <a:prstDash val="solid"/>
+                </a:ln>
+                <a:effectLst>
+                  <a:innerShdw blurRad="177800">
+                    <a:schemeClr val="accent3">
+                      <a:lumMod val="50000"/>
+                    </a:schemeClr>
+                  </a:innerShdw>
+                </a:effectLst>
+                <a:latin typeface="Franklin Gothic Book" panose="020B0503020102020204" pitchFamily="34" charset="0"/>
+              </a:rPr>
+              <a:t>THE END</a:t>
+            </a:r>
+            <a:endParaRPr lang="zh-CN" altLang="en-US" sz="8000" b="1" dirty="0">
+              <a:ln w="12700">
+                <a:solidFill>
+                  <a:schemeClr val="accent3">
+                    <a:lumMod val="50000"/>
+                  </a:schemeClr>
+                </a:solidFill>
+                <a:prstDash val="solid"/>
+              </a:ln>
+              <a:effectLst>
+                <a:innerShdw blurRad="177800">
+                  <a:schemeClr val="accent3">
+                    <a:lumMod val="50000"/>
+                  </a:schemeClr>
+                </a:innerShdw>
+              </a:effectLst>
+              <a:latin typeface="Franklin Gothic Book" panose="020B0503020102020204" pitchFamily="34" charset="0"/>
+            </a:endParaRPr>
+          </a:p>
+        </p:txBody>
+      </p:sp>
+    </p:spTree>
+    <p:extLst>
+      <p:ext uri="{BB962C8B-B14F-4D97-AF65-F5344CB8AC3E}">
+        <p14:creationId xmlns:p14="http://schemas.microsoft.com/office/powerpoint/2010/main" val="1615317569"/>
       </p:ext>
     </p:extLst>
   </p:cSld>

--- a/PPT-2020/ch06 字符编码与字频统计.pptx
+++ b/PPT-2020/ch06 字符编码与字频统计.pptx
@@ -416,7 +416,7 @@
           <a:p>
             <a:fld id="{B161E7BD-2304-4CFF-AC2E-DAADCB15FF3C}" type="datetimeFigureOut">
               <a:rPr lang="zh-CN" altLang="en-US" smtClean="0"/>
-              <a:t>2020/8/21</a:t>
+              <a:t>2020/9/28</a:t>
             </a:fld>
             <a:endParaRPr lang="zh-CN" altLang="en-US"/>
           </a:p>
@@ -830,7 +830,7 @@
           <a:p>
             <a:fld id="{B161E7BD-2304-4CFF-AC2E-DAADCB15FF3C}" type="datetimeFigureOut">
               <a:rPr lang="zh-CN" altLang="en-US" smtClean="0"/>
-              <a:t>2020/8/21</a:t>
+              <a:t>2020/9/28</a:t>
             </a:fld>
             <a:endParaRPr lang="zh-CN" altLang="en-US"/>
           </a:p>
@@ -1166,7 +1166,7 @@
           <a:p>
             <a:fld id="{B161E7BD-2304-4CFF-AC2E-DAADCB15FF3C}" type="datetimeFigureOut">
               <a:rPr lang="zh-CN" altLang="en-US" smtClean="0"/>
-              <a:t>2020/8/21</a:t>
+              <a:t>2020/9/28</a:t>
             </a:fld>
             <a:endParaRPr lang="zh-CN" altLang="en-US"/>
           </a:p>
@@ -1571,7 +1571,7 @@
           <a:p>
             <a:fld id="{B161E7BD-2304-4CFF-AC2E-DAADCB15FF3C}" type="datetimeFigureOut">
               <a:rPr lang="zh-CN" altLang="en-US" smtClean="0"/>
-              <a:t>2020/8/21</a:t>
+              <a:t>2020/9/28</a:t>
             </a:fld>
             <a:endParaRPr lang="zh-CN" altLang="en-US"/>
           </a:p>
@@ -2139,7 +2139,7 @@
           <a:p>
             <a:fld id="{B161E7BD-2304-4CFF-AC2E-DAADCB15FF3C}" type="datetimeFigureOut">
               <a:rPr lang="zh-CN" altLang="en-US" smtClean="0"/>
-              <a:t>2020/8/21</a:t>
+              <a:t>2020/9/28</a:t>
             </a:fld>
             <a:endParaRPr lang="zh-CN" altLang="en-US"/>
           </a:p>
@@ -2820,7 +2820,7 @@
           <a:p>
             <a:fld id="{B161E7BD-2304-4CFF-AC2E-DAADCB15FF3C}" type="datetimeFigureOut">
               <a:rPr lang="zh-CN" altLang="en-US" smtClean="0"/>
-              <a:t>2020/8/21</a:t>
+              <a:t>2020/9/28</a:t>
             </a:fld>
             <a:endParaRPr lang="zh-CN" altLang="en-US"/>
           </a:p>
@@ -3733,7 +3733,7 @@
           <a:p>
             <a:fld id="{B161E7BD-2304-4CFF-AC2E-DAADCB15FF3C}" type="datetimeFigureOut">
               <a:rPr lang="zh-CN" altLang="en-US" smtClean="0"/>
-              <a:t>2020/8/21</a:t>
+              <a:t>2020/9/28</a:t>
             </a:fld>
             <a:endParaRPr lang="zh-CN" altLang="en-US"/>
           </a:p>
@@ -4046,7 +4046,7 @@
           <a:p>
             <a:fld id="{B161E7BD-2304-4CFF-AC2E-DAADCB15FF3C}" type="datetimeFigureOut">
               <a:rPr lang="zh-CN" altLang="en-US" smtClean="0"/>
-              <a:t>2020/8/21</a:t>
+              <a:t>2020/9/28</a:t>
             </a:fld>
             <a:endParaRPr lang="zh-CN" altLang="en-US"/>
           </a:p>
@@ -4310,7 +4310,7 @@
           <a:p>
             <a:fld id="{B161E7BD-2304-4CFF-AC2E-DAADCB15FF3C}" type="datetimeFigureOut">
               <a:rPr lang="zh-CN" altLang="en-US" smtClean="0"/>
-              <a:t>2020/8/21</a:t>
+              <a:t>2020/9/28</a:t>
             </a:fld>
             <a:endParaRPr lang="zh-CN" altLang="en-US"/>
           </a:p>
@@ -4633,7 +4633,7 @@
           <a:p>
             <a:fld id="{B161E7BD-2304-4CFF-AC2E-DAADCB15FF3C}" type="datetimeFigureOut">
               <a:rPr lang="zh-CN" altLang="en-US" smtClean="0"/>
-              <a:t>2020/8/21</a:t>
+              <a:t>2020/9/28</a:t>
             </a:fld>
             <a:endParaRPr lang="zh-CN" altLang="en-US"/>
           </a:p>
@@ -5022,7 +5022,7 @@
           <a:p>
             <a:fld id="{B161E7BD-2304-4CFF-AC2E-DAADCB15FF3C}" type="datetimeFigureOut">
               <a:rPr lang="zh-CN" altLang="en-US" smtClean="0"/>
-              <a:t>2020/8/21</a:t>
+              <a:t>2020/9/28</a:t>
             </a:fld>
             <a:endParaRPr lang="zh-CN" altLang="en-US"/>
           </a:p>
@@ -5398,7 +5398,7 @@
           <a:p>
             <a:fld id="{B161E7BD-2304-4CFF-AC2E-DAADCB15FF3C}" type="datetimeFigureOut">
               <a:rPr lang="zh-CN" altLang="en-US" smtClean="0"/>
-              <a:t>2020/8/21</a:t>
+              <a:t>2020/9/28</a:t>
             </a:fld>
             <a:endParaRPr lang="zh-CN" altLang="en-US"/>
           </a:p>
@@ -5904,7 +5904,7 @@
           <a:p>
             <a:fld id="{B161E7BD-2304-4CFF-AC2E-DAADCB15FF3C}" type="datetimeFigureOut">
               <a:rPr lang="zh-CN" altLang="en-US" smtClean="0"/>
-              <a:t>2020/8/21</a:t>
+              <a:t>2020/9/28</a:t>
             </a:fld>
             <a:endParaRPr lang="zh-CN" altLang="en-US"/>
           </a:p>
@@ -6161,7 +6161,7 @@
           <a:p>
             <a:fld id="{B161E7BD-2304-4CFF-AC2E-DAADCB15FF3C}" type="datetimeFigureOut">
               <a:rPr lang="zh-CN" altLang="en-US" smtClean="0"/>
-              <a:t>2020/8/21</a:t>
+              <a:t>2020/9/28</a:t>
             </a:fld>
             <a:endParaRPr lang="zh-CN" altLang="en-US"/>
           </a:p>
@@ -6324,7 +6324,7 @@
           <a:p>
             <a:fld id="{B161E7BD-2304-4CFF-AC2E-DAADCB15FF3C}" type="datetimeFigureOut">
               <a:rPr lang="zh-CN" altLang="en-US" smtClean="0"/>
-              <a:t>2020/8/21</a:t>
+              <a:t>2020/9/28</a:t>
             </a:fld>
             <a:endParaRPr lang="zh-CN" altLang="en-US"/>
           </a:p>
@@ -6714,7 +6714,7 @@
           <a:p>
             <a:fld id="{B161E7BD-2304-4CFF-AC2E-DAADCB15FF3C}" type="datetimeFigureOut">
               <a:rPr lang="zh-CN" altLang="en-US" smtClean="0"/>
-              <a:t>2020/8/21</a:t>
+              <a:t>2020/9/28</a:t>
             </a:fld>
             <a:endParaRPr lang="zh-CN" altLang="en-US"/>
           </a:p>
@@ -7123,7 +7123,7 @@
           <a:p>
             <a:fld id="{B161E7BD-2304-4CFF-AC2E-DAADCB15FF3C}" type="datetimeFigureOut">
               <a:rPr lang="zh-CN" altLang="en-US" smtClean="0"/>
-              <a:t>2020/8/21</a:t>
+              <a:t>2020/9/28</a:t>
             </a:fld>
             <a:endParaRPr lang="zh-CN" altLang="en-US"/>
           </a:p>
@@ -7367,7 +7367,7 @@
           <a:p>
             <a:fld id="{B161E7BD-2304-4CFF-AC2E-DAADCB15FF3C}" type="datetimeFigureOut">
               <a:rPr lang="zh-CN" altLang="en-US" smtClean="0"/>
-              <a:t>2020/8/21</a:t>
+              <a:t>2020/9/28</a:t>
             </a:fld>
             <a:endParaRPr lang="zh-CN" altLang="en-US"/>
           </a:p>
@@ -12506,8 +12506,13 @@
         <p:spPr>
           <a:xfrm>
             <a:off x="680321" y="2336873"/>
-            <a:ext cx="9613861" cy="4115808"/>
-          </a:xfrm>
+            <a:ext cx="9613861" cy="3065221"/>
+          </a:xfrm>
+          <a:solidFill>
+            <a:schemeClr val="accent1">
+              <a:lumMod val="50000"/>
+            </a:schemeClr>
+          </a:solidFill>
         </p:spPr>
         <p:txBody>
           <a:bodyPr>

--- a/PPT-2020/ch06 字符编码与字频统计.pptx
+++ b/PPT-2020/ch06 字符编码与字频统计.pptx
@@ -13,29 +13,32 @@
     <p:sldId id="263" r:id="rId7"/>
     <p:sldId id="269" r:id="rId8"/>
     <p:sldId id="270" r:id="rId9"/>
-    <p:sldId id="271" r:id="rId10"/>
-    <p:sldId id="264" r:id="rId11"/>
-    <p:sldId id="265" r:id="rId12"/>
-    <p:sldId id="272" r:id="rId13"/>
-    <p:sldId id="273" r:id="rId14"/>
-    <p:sldId id="274" r:id="rId15"/>
-    <p:sldId id="275" r:id="rId16"/>
-    <p:sldId id="276" r:id="rId17"/>
-    <p:sldId id="277" r:id="rId18"/>
-    <p:sldId id="278" r:id="rId19"/>
-    <p:sldId id="262" r:id="rId20"/>
-    <p:sldId id="267" r:id="rId21"/>
-    <p:sldId id="279" r:id="rId22"/>
-    <p:sldId id="260" r:id="rId23"/>
-    <p:sldId id="261" r:id="rId24"/>
-    <p:sldId id="280" r:id="rId25"/>
-    <p:sldId id="281" r:id="rId26"/>
-    <p:sldId id="282" r:id="rId27"/>
-    <p:sldId id="283" r:id="rId28"/>
-    <p:sldId id="284" r:id="rId29"/>
-    <p:sldId id="285" r:id="rId30"/>
-    <p:sldId id="286" r:id="rId31"/>
-    <p:sldId id="287" r:id="rId32"/>
+    <p:sldId id="290" r:id="rId10"/>
+    <p:sldId id="271" r:id="rId11"/>
+    <p:sldId id="264" r:id="rId12"/>
+    <p:sldId id="265" r:id="rId13"/>
+    <p:sldId id="272" r:id="rId14"/>
+    <p:sldId id="273" r:id="rId15"/>
+    <p:sldId id="274" r:id="rId16"/>
+    <p:sldId id="275" r:id="rId17"/>
+    <p:sldId id="276" r:id="rId18"/>
+    <p:sldId id="277" r:id="rId19"/>
+    <p:sldId id="278" r:id="rId20"/>
+    <p:sldId id="289" r:id="rId21"/>
+    <p:sldId id="262" r:id="rId22"/>
+    <p:sldId id="267" r:id="rId23"/>
+    <p:sldId id="279" r:id="rId24"/>
+    <p:sldId id="260" r:id="rId25"/>
+    <p:sldId id="288" r:id="rId26"/>
+    <p:sldId id="261" r:id="rId27"/>
+    <p:sldId id="280" r:id="rId28"/>
+    <p:sldId id="281" r:id="rId29"/>
+    <p:sldId id="282" r:id="rId30"/>
+    <p:sldId id="283" r:id="rId31"/>
+    <p:sldId id="284" r:id="rId32"/>
+    <p:sldId id="285" r:id="rId33"/>
+    <p:sldId id="286" r:id="rId34"/>
+    <p:sldId id="287" r:id="rId35"/>
   </p:sldIdLst>
   <p:sldSz cx="12192000" cy="6858000"/>
   <p:notesSz cx="6858000" cy="9144000"/>
@@ -416,7 +419,7 @@
           <a:p>
             <a:fld id="{B161E7BD-2304-4CFF-AC2E-DAADCB15FF3C}" type="datetimeFigureOut">
               <a:rPr lang="zh-CN" altLang="en-US" smtClean="0"/>
-              <a:t>2020/9/28</a:t>
+              <a:t>2020/11/22</a:t>
             </a:fld>
             <a:endParaRPr lang="zh-CN" altLang="en-US"/>
           </a:p>
@@ -830,7 +833,7 @@
           <a:p>
             <a:fld id="{B161E7BD-2304-4CFF-AC2E-DAADCB15FF3C}" type="datetimeFigureOut">
               <a:rPr lang="zh-CN" altLang="en-US" smtClean="0"/>
-              <a:t>2020/9/28</a:t>
+              <a:t>2020/11/22</a:t>
             </a:fld>
             <a:endParaRPr lang="zh-CN" altLang="en-US"/>
           </a:p>
@@ -1166,7 +1169,7 @@
           <a:p>
             <a:fld id="{B161E7BD-2304-4CFF-AC2E-DAADCB15FF3C}" type="datetimeFigureOut">
               <a:rPr lang="zh-CN" altLang="en-US" smtClean="0"/>
-              <a:t>2020/9/28</a:t>
+              <a:t>2020/11/22</a:t>
             </a:fld>
             <a:endParaRPr lang="zh-CN" altLang="en-US"/>
           </a:p>
@@ -1571,7 +1574,7 @@
           <a:p>
             <a:fld id="{B161E7BD-2304-4CFF-AC2E-DAADCB15FF3C}" type="datetimeFigureOut">
               <a:rPr lang="zh-CN" altLang="en-US" smtClean="0"/>
-              <a:t>2020/9/28</a:t>
+              <a:t>2020/11/22</a:t>
             </a:fld>
             <a:endParaRPr lang="zh-CN" altLang="en-US"/>
           </a:p>
@@ -2139,7 +2142,7 @@
           <a:p>
             <a:fld id="{B161E7BD-2304-4CFF-AC2E-DAADCB15FF3C}" type="datetimeFigureOut">
               <a:rPr lang="zh-CN" altLang="en-US" smtClean="0"/>
-              <a:t>2020/9/28</a:t>
+              <a:t>2020/11/22</a:t>
             </a:fld>
             <a:endParaRPr lang="zh-CN" altLang="en-US"/>
           </a:p>
@@ -2820,7 +2823,7 @@
           <a:p>
             <a:fld id="{B161E7BD-2304-4CFF-AC2E-DAADCB15FF3C}" type="datetimeFigureOut">
               <a:rPr lang="zh-CN" altLang="en-US" smtClean="0"/>
-              <a:t>2020/9/28</a:t>
+              <a:t>2020/11/22</a:t>
             </a:fld>
             <a:endParaRPr lang="zh-CN" altLang="en-US"/>
           </a:p>
@@ -3733,7 +3736,7 @@
           <a:p>
             <a:fld id="{B161E7BD-2304-4CFF-AC2E-DAADCB15FF3C}" type="datetimeFigureOut">
               <a:rPr lang="zh-CN" altLang="en-US" smtClean="0"/>
-              <a:t>2020/9/28</a:t>
+              <a:t>2020/11/22</a:t>
             </a:fld>
             <a:endParaRPr lang="zh-CN" altLang="en-US"/>
           </a:p>
@@ -4046,7 +4049,7 @@
           <a:p>
             <a:fld id="{B161E7BD-2304-4CFF-AC2E-DAADCB15FF3C}" type="datetimeFigureOut">
               <a:rPr lang="zh-CN" altLang="en-US" smtClean="0"/>
-              <a:t>2020/9/28</a:t>
+              <a:t>2020/11/22</a:t>
             </a:fld>
             <a:endParaRPr lang="zh-CN" altLang="en-US"/>
           </a:p>
@@ -4310,7 +4313,7 @@
           <a:p>
             <a:fld id="{B161E7BD-2304-4CFF-AC2E-DAADCB15FF3C}" type="datetimeFigureOut">
               <a:rPr lang="zh-CN" altLang="en-US" smtClean="0"/>
-              <a:t>2020/9/28</a:t>
+              <a:t>2020/11/22</a:t>
             </a:fld>
             <a:endParaRPr lang="zh-CN" altLang="en-US"/>
           </a:p>
@@ -4633,7 +4636,7 @@
           <a:p>
             <a:fld id="{B161E7BD-2304-4CFF-AC2E-DAADCB15FF3C}" type="datetimeFigureOut">
               <a:rPr lang="zh-CN" altLang="en-US" smtClean="0"/>
-              <a:t>2020/9/28</a:t>
+              <a:t>2020/11/22</a:t>
             </a:fld>
             <a:endParaRPr lang="zh-CN" altLang="en-US"/>
           </a:p>
@@ -5022,7 +5025,7 @@
           <a:p>
             <a:fld id="{B161E7BD-2304-4CFF-AC2E-DAADCB15FF3C}" type="datetimeFigureOut">
               <a:rPr lang="zh-CN" altLang="en-US" smtClean="0"/>
-              <a:t>2020/9/28</a:t>
+              <a:t>2020/11/22</a:t>
             </a:fld>
             <a:endParaRPr lang="zh-CN" altLang="en-US"/>
           </a:p>
@@ -5398,7 +5401,7 @@
           <a:p>
             <a:fld id="{B161E7BD-2304-4CFF-AC2E-DAADCB15FF3C}" type="datetimeFigureOut">
               <a:rPr lang="zh-CN" altLang="en-US" smtClean="0"/>
-              <a:t>2020/9/28</a:t>
+              <a:t>2020/11/22</a:t>
             </a:fld>
             <a:endParaRPr lang="zh-CN" altLang="en-US"/>
           </a:p>
@@ -5904,7 +5907,7 @@
           <a:p>
             <a:fld id="{B161E7BD-2304-4CFF-AC2E-DAADCB15FF3C}" type="datetimeFigureOut">
               <a:rPr lang="zh-CN" altLang="en-US" smtClean="0"/>
-              <a:t>2020/9/28</a:t>
+              <a:t>2020/11/22</a:t>
             </a:fld>
             <a:endParaRPr lang="zh-CN" altLang="en-US"/>
           </a:p>
@@ -6161,7 +6164,7 @@
           <a:p>
             <a:fld id="{B161E7BD-2304-4CFF-AC2E-DAADCB15FF3C}" type="datetimeFigureOut">
               <a:rPr lang="zh-CN" altLang="en-US" smtClean="0"/>
-              <a:t>2020/9/28</a:t>
+              <a:t>2020/11/22</a:t>
             </a:fld>
             <a:endParaRPr lang="zh-CN" altLang="en-US"/>
           </a:p>
@@ -6324,7 +6327,7 @@
           <a:p>
             <a:fld id="{B161E7BD-2304-4CFF-AC2E-DAADCB15FF3C}" type="datetimeFigureOut">
               <a:rPr lang="zh-CN" altLang="en-US" smtClean="0"/>
-              <a:t>2020/9/28</a:t>
+              <a:t>2020/11/22</a:t>
             </a:fld>
             <a:endParaRPr lang="zh-CN" altLang="en-US"/>
           </a:p>
@@ -6714,7 +6717,7 @@
           <a:p>
             <a:fld id="{B161E7BD-2304-4CFF-AC2E-DAADCB15FF3C}" type="datetimeFigureOut">
               <a:rPr lang="zh-CN" altLang="en-US" smtClean="0"/>
-              <a:t>2020/9/28</a:t>
+              <a:t>2020/11/22</a:t>
             </a:fld>
             <a:endParaRPr lang="zh-CN" altLang="en-US"/>
           </a:p>
@@ -7123,7 +7126,7 @@
           <a:p>
             <a:fld id="{B161E7BD-2304-4CFF-AC2E-DAADCB15FF3C}" type="datetimeFigureOut">
               <a:rPr lang="zh-CN" altLang="en-US" smtClean="0"/>
-              <a:t>2020/9/28</a:t>
+              <a:t>2020/11/22</a:t>
             </a:fld>
             <a:endParaRPr lang="zh-CN" altLang="en-US"/>
           </a:p>
@@ -7367,7 +7370,7 @@
           <a:p>
             <a:fld id="{B161E7BD-2304-4CFF-AC2E-DAADCB15FF3C}" type="datetimeFigureOut">
               <a:rPr lang="zh-CN" altLang="en-US" smtClean="0"/>
-              <a:t>2020/9/28</a:t>
+              <a:t>2020/11/22</a:t>
             </a:fld>
             <a:endParaRPr lang="zh-CN" altLang="en-US"/>
           </a:p>
@@ -7932,7 +7935,7 @@
           <p:cNvPr id="2" name="标题 1">
             <a:extLst>
               <a:ext uri="{FF2B5EF4-FFF2-40B4-BE49-F238E27FC236}">
-                <a16:creationId xmlns:a16="http://schemas.microsoft.com/office/drawing/2014/main" id="{80EEB360-75CC-4E4D-819B-AB8D144D4814}"/>
+                <a16:creationId xmlns:a16="http://schemas.microsoft.com/office/drawing/2014/main" id="{4D477233-8365-47AA-8D8D-0BE88F1C4762}"/>
               </a:ext>
             </a:extLst>
           </p:cNvPr>
@@ -7950,187 +7953,139 @@
           <a:p>
             <a:r>
               <a:rPr lang="en-US" altLang="zh-CN" dirty="0"/>
-              <a:t>6.2.2 </a:t>
-            </a:r>
-            <a:r>
-              <a:rPr lang="zh-CN" altLang="en-US" dirty="0"/>
-              <a:t>大五码 </a:t>
-            </a:r>
-            <a:r>
-              <a:rPr lang="en-US" altLang="zh-CN" dirty="0"/>
-              <a:t>Big5</a:t>
-            </a:r>
-            <a:endParaRPr lang="zh-CN" altLang="en-US" dirty="0"/>
-          </a:p>
-        </p:txBody>
-      </p:sp>
-      <p:sp>
-        <p:nvSpPr>
-          <p:cNvPr id="3" name="内容占位符 2">
+              <a:t>CODE</a:t>
+            </a:r>
+            <a:r>
+              <a:rPr lang="zh-CN" altLang="en-US" dirty="0"/>
+              <a:t>：区位码</a:t>
+            </a:r>
+          </a:p>
+        </p:txBody>
+      </p:sp>
+      <p:pic>
+        <p:nvPicPr>
+          <p:cNvPr id="10" name="图片 9">
             <a:extLst>
               <a:ext uri="{FF2B5EF4-FFF2-40B4-BE49-F238E27FC236}">
-                <a16:creationId xmlns:a16="http://schemas.microsoft.com/office/drawing/2014/main" id="{753BC560-8E17-4094-A514-0838DE6ED42B}"/>
+                <a16:creationId xmlns:a16="http://schemas.microsoft.com/office/drawing/2014/main" id="{7F695181-6DFD-48E3-8095-F83A981F314A}"/>
               </a:ext>
             </a:extLst>
           </p:cNvPr>
-          <p:cNvSpPr>
-            <a:spLocks noGrp="1"/>
-          </p:cNvSpPr>
-          <p:nvPr>
-            <p:ph idx="1"/>
-          </p:nvPr>
-        </p:nvSpPr>
-        <p:spPr>
-          <a:xfrm>
-            <a:off x="531164" y="2713009"/>
-            <a:ext cx="10720496" cy="3599316"/>
-          </a:xfrm>
-          <a:noFill/>
-          <a:ln>
-            <a:noFill/>
-          </a:ln>
-        </p:spPr>
-        <p:txBody>
-          <a:bodyPr>
-            <a:normAutofit/>
-          </a:bodyPr>
-          <a:lstStyle/>
-          <a:p>
-            <a:r>
-              <a:rPr lang="zh-CN" altLang="en-US" dirty="0"/>
-              <a:t>中国台湾、香港与澳门地区，使用的</a:t>
-            </a:r>
-            <a:r>
-              <a:rPr lang="zh-CN" altLang="en-US" b="1" dirty="0">
-                <a:solidFill>
-                  <a:schemeClr val="bg1"/>
-                </a:solidFill>
-              </a:rPr>
-              <a:t>繁体中文字符集</a:t>
-            </a:r>
-            <a:r>
-              <a:rPr lang="zh-CN" altLang="en-US" dirty="0"/>
-              <a:t>。</a:t>
-            </a:r>
-            <a:endParaRPr lang="en-US" altLang="zh-CN" dirty="0"/>
-          </a:p>
-          <a:p>
-            <a:endParaRPr lang="en-US" altLang="zh-CN" dirty="0"/>
-          </a:p>
-          <a:p>
-            <a:r>
-              <a:rPr lang="en-US" altLang="zh-CN" dirty="0"/>
-              <a:t>1984</a:t>
-            </a:r>
-            <a:r>
-              <a:rPr lang="zh-CN" altLang="en-US" dirty="0"/>
-              <a:t>年，为统一繁体字符集编码，台湾五大厂商制定编码方案。</a:t>
-            </a:r>
-            <a:endParaRPr lang="en-US" altLang="zh-CN" dirty="0"/>
-          </a:p>
-          <a:p>
-            <a:endParaRPr lang="en-US" altLang="zh-CN" dirty="0"/>
-          </a:p>
-          <a:p>
-            <a:r>
-              <a:rPr lang="zh-CN" altLang="en-US" dirty="0"/>
-              <a:t>因其来源被称为五大码，英文写作</a:t>
-            </a:r>
-            <a:r>
-              <a:rPr lang="en-US" altLang="zh-CN" b="1" dirty="0">
-                <a:solidFill>
-                  <a:schemeClr val="bg1"/>
-                </a:solidFill>
-              </a:rPr>
-              <a:t>Big5</a:t>
-            </a:r>
-            <a:r>
-              <a:rPr lang="zh-CN" altLang="en-US" dirty="0"/>
-              <a:t>，普遍被称为</a:t>
-            </a:r>
-            <a:r>
-              <a:rPr lang="zh-CN" altLang="en-US" b="1" dirty="0">
-                <a:solidFill>
-                  <a:schemeClr val="bg1"/>
-                </a:solidFill>
-              </a:rPr>
-              <a:t>大五码</a:t>
-            </a:r>
-            <a:r>
-              <a:rPr lang="zh-CN" altLang="en-US" dirty="0"/>
-              <a:t>。</a:t>
-            </a:r>
-          </a:p>
-        </p:txBody>
-      </p:sp>
-      <p:sp>
-        <p:nvSpPr>
-          <p:cNvPr id="5" name="文本框 4">
+          <p:cNvPicPr>
+            <a:picLocks noChangeAspect="1"/>
+          </p:cNvPicPr>
+          <p:nvPr/>
+        </p:nvPicPr>
+        <p:blipFill>
+          <a:blip r:embed="rId2"/>
+          <a:stretch>
+            <a:fillRect/>
+          </a:stretch>
+        </p:blipFill>
+        <p:spPr>
+          <a:xfrm>
+            <a:off x="5978770" y="566526"/>
+            <a:ext cx="4315412" cy="6080884"/>
+          </a:xfrm>
+          <a:prstGeom prst="rect">
+            <a:avLst/>
+          </a:prstGeom>
+        </p:spPr>
+      </p:pic>
+      <p:pic>
+        <p:nvPicPr>
+          <p:cNvPr id="12" name="图片 11">
             <a:extLst>
               <a:ext uri="{FF2B5EF4-FFF2-40B4-BE49-F238E27FC236}">
-                <a16:creationId xmlns:a16="http://schemas.microsoft.com/office/drawing/2014/main" id="{1E943F1A-0B26-4DC2-94BA-DA279AE5465D}"/>
+                <a16:creationId xmlns:a16="http://schemas.microsoft.com/office/drawing/2014/main" id="{B90256E7-6593-49B2-913B-A7A7FD317877}"/>
               </a:ext>
             </a:extLst>
           </p:cNvPr>
-          <p:cNvSpPr txBox="1"/>
+          <p:cNvPicPr>
+            <a:picLocks noChangeAspect="1"/>
+          </p:cNvPicPr>
           <p:nvPr/>
-        </p:nvSpPr>
-        <p:spPr>
-          <a:xfrm>
-            <a:off x="615470" y="6411463"/>
-            <a:ext cx="6096000" cy="276999"/>
+        </p:nvPicPr>
+        <p:blipFill>
+          <a:blip r:embed="rId3"/>
+          <a:stretch>
+            <a:fillRect/>
+          </a:stretch>
+        </p:blipFill>
+        <p:spPr>
+          <a:xfrm>
+            <a:off x="2996119" y="4354459"/>
+            <a:ext cx="2456344" cy="2292951"/>
           </a:xfrm>
           <a:prstGeom prst="rect">
             <a:avLst/>
           </a:prstGeom>
-          <a:noFill/>
-        </p:spPr>
-        <p:txBody>
-          <a:bodyPr wrap="square">
-            <a:spAutoFit/>
-          </a:bodyPr>
-          <a:lstStyle/>
-          <a:p>
-            <a:r>
-              <a:rPr lang="zh-CN" altLang="en-US" sz="1200" dirty="0"/>
-              <a:t>五大厂：宏碁 </a:t>
-            </a:r>
-            <a:r>
-              <a:rPr lang="en-US" altLang="zh-CN" sz="1200" dirty="0"/>
-              <a:t>Acer</a:t>
-            </a:r>
-            <a:r>
-              <a:rPr lang="zh-CN" altLang="en-US" sz="1200" dirty="0"/>
-              <a:t>、神通 </a:t>
-            </a:r>
-            <a:r>
-              <a:rPr lang="en-US" altLang="zh-CN" sz="1200" dirty="0" err="1"/>
-              <a:t>MiTAC</a:t>
-            </a:r>
-            <a:r>
-              <a:rPr lang="zh-CN" altLang="en-US" sz="1200" dirty="0"/>
-              <a:t>、佳佳、零壹 </a:t>
-            </a:r>
-            <a:r>
-              <a:rPr lang="en-US" altLang="zh-CN" sz="1200" dirty="0"/>
-              <a:t>Zero One</a:t>
-            </a:r>
-            <a:r>
-              <a:rPr lang="zh-CN" altLang="en-US" sz="1200" dirty="0"/>
-              <a:t>、大众 </a:t>
-            </a:r>
-            <a:r>
-              <a:rPr lang="en-US" altLang="zh-CN" sz="1200" dirty="0"/>
-              <a:t>FIC</a:t>
-            </a:r>
-            <a:endParaRPr lang="zh-CN" altLang="en-US" sz="1200" dirty="0"/>
-          </a:p>
-        </p:txBody>
-      </p:sp>
+        </p:spPr>
+      </p:pic>
+      <p:pic>
+        <p:nvPicPr>
+          <p:cNvPr id="7" name="图片 6">
+            <a:extLst>
+              <a:ext uri="{FF2B5EF4-FFF2-40B4-BE49-F238E27FC236}">
+                <a16:creationId xmlns:a16="http://schemas.microsoft.com/office/drawing/2014/main" id="{E50AC639-DEC5-4E62-8A3E-F2BCFD40C59C}"/>
+              </a:ext>
+            </a:extLst>
+          </p:cNvPr>
+          <p:cNvPicPr>
+            <a:picLocks noChangeAspect="1"/>
+          </p:cNvPicPr>
+          <p:nvPr/>
+        </p:nvPicPr>
+        <p:blipFill>
+          <a:blip r:embed="rId4"/>
+          <a:stretch>
+            <a:fillRect/>
+          </a:stretch>
+        </p:blipFill>
+        <p:spPr>
+          <a:xfrm>
+            <a:off x="342008" y="4354459"/>
+            <a:ext cx="2420647" cy="2256720"/>
+          </a:xfrm>
+          <a:prstGeom prst="rect">
+            <a:avLst/>
+          </a:prstGeom>
+        </p:spPr>
+      </p:pic>
+      <p:pic>
+        <p:nvPicPr>
+          <p:cNvPr id="13" name="图片 12">
+            <a:extLst>
+              <a:ext uri="{FF2B5EF4-FFF2-40B4-BE49-F238E27FC236}">
+                <a16:creationId xmlns:a16="http://schemas.microsoft.com/office/drawing/2014/main" id="{4D2CBB12-8490-4BDA-8F02-5E5F43A18992}"/>
+              </a:ext>
+            </a:extLst>
+          </p:cNvPr>
+          <p:cNvPicPr>
+            <a:picLocks noChangeAspect="1"/>
+          </p:cNvPicPr>
+          <p:nvPr/>
+        </p:nvPicPr>
+        <p:blipFill>
+          <a:blip r:embed="rId5"/>
+          <a:stretch>
+            <a:fillRect/>
+          </a:stretch>
+        </p:blipFill>
+        <p:spPr>
+          <a:xfrm>
+            <a:off x="342008" y="1705095"/>
+            <a:ext cx="5110455" cy="2502903"/>
+          </a:xfrm>
+          <a:prstGeom prst="rect">
+            <a:avLst/>
+          </a:prstGeom>
+        </p:spPr>
+      </p:pic>
     </p:spTree>
     <p:extLst>
       <p:ext uri="{BB962C8B-B14F-4D97-AF65-F5344CB8AC3E}">
-        <p14:creationId xmlns:p14="http://schemas.microsoft.com/office/powerpoint/2010/main" val="1506851705"/>
+        <p14:creationId xmlns:p14="http://schemas.microsoft.com/office/powerpoint/2010/main" val="2643247645"/>
       </p:ext>
     </p:extLst>
   </p:cSld>
@@ -8162,7 +8117,7 @@
           <p:cNvPr id="2" name="标题 1">
             <a:extLst>
               <a:ext uri="{FF2B5EF4-FFF2-40B4-BE49-F238E27FC236}">
-                <a16:creationId xmlns:a16="http://schemas.microsoft.com/office/drawing/2014/main" id="{899A323B-4F56-40E9-B100-D5E089653B75}"/>
+                <a16:creationId xmlns:a16="http://schemas.microsoft.com/office/drawing/2014/main" id="{80EEB360-75CC-4E4D-819B-AB8D144D4814}"/>
               </a:ext>
             </a:extLst>
           </p:cNvPr>
@@ -8180,15 +8135,15 @@
           <a:p>
             <a:r>
               <a:rPr lang="en-US" altLang="zh-CN" dirty="0"/>
-              <a:t>6.2.3 Unicode </a:t>
-            </a:r>
-            <a:r>
-              <a:rPr lang="zh-CN" altLang="en-US" dirty="0"/>
-              <a:t>与 </a:t>
+              <a:t>6.2.2 </a:t>
+            </a:r>
+            <a:r>
+              <a:rPr lang="zh-CN" altLang="en-US" dirty="0"/>
+              <a:t>大五码 </a:t>
             </a:r>
             <a:r>
               <a:rPr lang="en-US" altLang="zh-CN" dirty="0"/>
-              <a:t>ISO 10646</a:t>
+              <a:t>Big5</a:t>
             </a:r>
             <a:endParaRPr lang="zh-CN" altLang="en-US" dirty="0"/>
           </a:p>
@@ -8199,7 +8154,7 @@
           <p:cNvPr id="3" name="内容占位符 2">
             <a:extLst>
               <a:ext uri="{FF2B5EF4-FFF2-40B4-BE49-F238E27FC236}">
-                <a16:creationId xmlns:a16="http://schemas.microsoft.com/office/drawing/2014/main" id="{8DF1A34F-F190-435B-A7C5-B6E359DD2882}"/>
+                <a16:creationId xmlns:a16="http://schemas.microsoft.com/office/drawing/2014/main" id="{753BC560-8E17-4094-A514-0838DE6ED42B}"/>
               </a:ext>
             </a:extLst>
           </p:cNvPr>
@@ -8212,9 +8167,17 @@
         </p:nvSpPr>
         <p:spPr>
           <a:xfrm>
-            <a:off x="680321" y="2336872"/>
-            <a:ext cx="10629705" cy="2559383"/>
-          </a:xfrm>
+            <a:off x="531164" y="2706524"/>
+            <a:ext cx="10525942" cy="2507502"/>
+          </a:xfrm>
+          <a:solidFill>
+            <a:schemeClr val="accent1">
+              <a:lumMod val="50000"/>
+            </a:schemeClr>
+          </a:solidFill>
+          <a:ln>
+            <a:noFill/>
+          </a:ln>
         </p:spPr>
         <p:txBody>
           <a:bodyPr>
@@ -8223,154 +8186,98 @@
           <a:lstStyle/>
           <a:p>
             <a:r>
-              <a:rPr lang="en-US" altLang="zh-CN" b="1" dirty="0"/>
-              <a:t> </a:t>
+              <a:rPr lang="zh-CN" altLang="en-US" dirty="0"/>
+              <a:t>中国台湾、香港与澳门地区，使用的</a:t>
+            </a:r>
+            <a:r>
+              <a:rPr lang="zh-CN" altLang="en-US" b="1" dirty="0">
+                <a:solidFill>
+                  <a:srgbClr val="FF0000"/>
+                </a:solidFill>
+              </a:rPr>
+              <a:t>繁体中文</a:t>
+            </a:r>
+            <a:r>
+              <a:rPr lang="zh-CN" altLang="en-US" b="1" dirty="0">
+                <a:solidFill>
+                  <a:srgbClr val="FFFF00"/>
+                </a:solidFill>
+              </a:rPr>
+              <a:t>字符集</a:t>
+            </a:r>
+            <a:r>
+              <a:rPr lang="zh-CN" altLang="en-US" dirty="0"/>
+              <a:t>。</a:t>
+            </a:r>
+            <a:endParaRPr lang="en-US" altLang="zh-CN" dirty="0"/>
+          </a:p>
+          <a:p>
+            <a:endParaRPr lang="en-US" altLang="zh-CN" dirty="0"/>
+          </a:p>
+          <a:p>
+            <a:r>
+              <a:rPr lang="en-US" altLang="zh-CN" dirty="0"/>
+              <a:t>1984</a:t>
+            </a:r>
+            <a:r>
+              <a:rPr lang="zh-CN" altLang="en-US" dirty="0"/>
+              <a:t>年，为统一繁体字符集编码，台湾</a:t>
+            </a:r>
+            <a:r>
+              <a:rPr lang="zh-CN" altLang="en-US" dirty="0">
+                <a:solidFill>
+                  <a:srgbClr val="FFFF00"/>
+                </a:solidFill>
+              </a:rPr>
+              <a:t>五大厂商</a:t>
+            </a:r>
+            <a:r>
+              <a:rPr lang="zh-CN" altLang="en-US" dirty="0"/>
+              <a:t>制定编码方案。</a:t>
+            </a:r>
+            <a:endParaRPr lang="en-US" altLang="zh-CN" dirty="0"/>
+          </a:p>
+          <a:p>
+            <a:endParaRPr lang="en-US" altLang="zh-CN" dirty="0"/>
+          </a:p>
+          <a:p>
+            <a:r>
+              <a:rPr lang="zh-CN" altLang="en-US" dirty="0"/>
+              <a:t>因其来源被称为五大码，英文写作</a:t>
             </a:r>
             <a:r>
               <a:rPr lang="en-US" altLang="zh-CN" b="1" dirty="0">
                 <a:solidFill>
-                  <a:schemeClr val="bg1"/>
+                  <a:srgbClr val="FFFF00"/>
                 </a:solidFill>
               </a:rPr>
-              <a:t>Unicode Consortium</a:t>
-            </a:r>
-            <a:r>
-              <a:rPr lang="zh-CN" altLang="en-US" dirty="0"/>
-              <a:t>制定可容纳世界上所有文字和符号的字符编码方案。</a:t>
-            </a:r>
-          </a:p>
-          <a:p>
-            <a:r>
-              <a:rPr lang="en-US" altLang="zh-CN" b="1" dirty="0"/>
-              <a:t> </a:t>
-            </a:r>
-            <a:r>
-              <a:rPr lang="en-US" altLang="zh-CN" b="1" dirty="0">
+              <a:t>Big5</a:t>
+            </a:r>
+            <a:r>
+              <a:rPr lang="zh-CN" altLang="en-US" dirty="0"/>
+              <a:t>，普遍被称为</a:t>
+            </a:r>
+            <a:r>
+              <a:rPr lang="zh-CN" altLang="en-US" b="1" dirty="0">
                 <a:solidFill>
-                  <a:schemeClr val="bg1"/>
+                  <a:srgbClr val="FFFF00"/>
                 </a:solidFill>
               </a:rPr>
-              <a:t>ISO</a:t>
-            </a:r>
-            <a:r>
-              <a:rPr lang="zh-CN" altLang="en-US" dirty="0"/>
-              <a:t>针对各国文字符号统一编码制定 </a:t>
-            </a:r>
-            <a:r>
-              <a:rPr lang="en-US" altLang="zh-CN" dirty="0"/>
-              <a:t>ISO 10646</a:t>
-            </a:r>
-            <a:r>
-              <a:rPr lang="zh-CN" altLang="en-US" dirty="0"/>
-              <a:t>定义标准字符集。</a:t>
-            </a:r>
-            <a:endParaRPr lang="en-US" altLang="zh-CN" dirty="0"/>
-          </a:p>
-          <a:p>
-            <a:r>
-              <a:rPr lang="en-US" altLang="zh-CN" dirty="0"/>
-              <a:t> 1991</a:t>
-            </a:r>
-            <a:r>
-              <a:rPr lang="zh-CN" altLang="en-US" dirty="0"/>
-              <a:t>年，</a:t>
-            </a:r>
-            <a:r>
-              <a:rPr lang="zh-CN" altLang="en-US" b="1" dirty="0">
-                <a:solidFill>
-                  <a:schemeClr val="bg1"/>
-                </a:solidFill>
-              </a:rPr>
-              <a:t>两个项目合并</a:t>
-            </a:r>
-            <a:r>
-              <a:rPr lang="zh-CN" altLang="en-US" dirty="0"/>
-              <a:t>，同步发展 </a:t>
-            </a:r>
-            <a:r>
-              <a:rPr lang="en-US" altLang="zh-CN" dirty="0"/>
-              <a:t>Unicode </a:t>
-            </a:r>
-            <a:r>
-              <a:rPr lang="zh-CN" altLang="en-US" dirty="0"/>
-              <a:t>和 </a:t>
-            </a:r>
-            <a:r>
-              <a:rPr lang="en-US" altLang="zh-CN" dirty="0"/>
-              <a:t>ISO 10646 </a:t>
+              <a:t>大五码</a:t>
             </a:r>
             <a:r>
               <a:rPr lang="zh-CN" altLang="en-US" dirty="0"/>
               <a:t>。</a:t>
             </a:r>
-            <a:endParaRPr lang="en-US" altLang="zh-CN" dirty="0"/>
-          </a:p>
-          <a:p>
-            <a:r>
-              <a:rPr lang="en-US" altLang="zh-CN" dirty="0"/>
-              <a:t> Unicode 3.0 </a:t>
-            </a:r>
-            <a:r>
-              <a:rPr lang="zh-CN" altLang="en-US" dirty="0"/>
-              <a:t>与 </a:t>
-            </a:r>
-            <a:r>
-              <a:rPr lang="en-US" altLang="zh-CN" dirty="0"/>
-              <a:t>ISO 10646 </a:t>
-            </a:r>
-            <a:r>
-              <a:rPr lang="zh-CN" altLang="en-US" dirty="0"/>
-              <a:t>使用相同的字库和字码。</a:t>
-            </a:r>
-            <a:endParaRPr lang="en-US" altLang="zh-CN" dirty="0"/>
-          </a:p>
-          <a:p>
-            <a:r>
-              <a:rPr lang="zh-CN" altLang="en-US" dirty="0"/>
-              <a:t> 两个项目仍都存在，并独立地公布各自的标准。</a:t>
-            </a:r>
-          </a:p>
-          <a:p>
-            <a:endParaRPr lang="zh-CN" altLang="en-US" dirty="0"/>
-          </a:p>
-        </p:txBody>
-      </p:sp>
-      <p:pic>
-        <p:nvPicPr>
-          <p:cNvPr id="4" name="图片 3">
+          </a:p>
+        </p:txBody>
+      </p:sp>
+      <p:sp>
+        <p:nvSpPr>
+          <p:cNvPr id="5" name="文本框 4">
             <a:extLst>
               <a:ext uri="{FF2B5EF4-FFF2-40B4-BE49-F238E27FC236}">
-                <a16:creationId xmlns:a16="http://schemas.microsoft.com/office/drawing/2014/main" id="{938D0F3B-F7CA-49AF-AF91-E47D05D20413}"/>
-              </a:ext>
-            </a:extLst>
-          </p:cNvPr>
-          <p:cNvPicPr>
-            <a:picLocks noChangeAspect="1"/>
-          </p:cNvPicPr>
-          <p:nvPr/>
-        </p:nvPicPr>
-        <p:blipFill>
-          <a:blip r:embed="rId2"/>
-          <a:stretch>
-            <a:fillRect/>
-          </a:stretch>
-        </p:blipFill>
-        <p:spPr>
-          <a:xfrm>
-            <a:off x="1771954" y="4896255"/>
-            <a:ext cx="964761" cy="1137402"/>
-          </a:xfrm>
-          <a:prstGeom prst="rect">
-            <a:avLst/>
-          </a:prstGeom>
-        </p:spPr>
-      </p:pic>
-      <p:sp>
-        <p:nvSpPr>
-          <p:cNvPr id="6" name="文本框 5">
-            <a:extLst>
-              <a:ext uri="{FF2B5EF4-FFF2-40B4-BE49-F238E27FC236}">
-                <a16:creationId xmlns:a16="http://schemas.microsoft.com/office/drawing/2014/main" id="{E0519577-CBD3-4D20-858C-BCDF7558BAD8}"/>
+                <a16:creationId xmlns:a16="http://schemas.microsoft.com/office/drawing/2014/main" id="{1E943F1A-0B26-4DC2-94BA-DA279AE5465D}"/>
               </a:ext>
             </a:extLst>
           </p:cNvPr>
@@ -8379,8 +8286,8 @@
         </p:nvSpPr>
         <p:spPr>
           <a:xfrm>
-            <a:off x="1178769" y="6200080"/>
-            <a:ext cx="2996119" cy="369332"/>
+            <a:off x="531163" y="5600824"/>
+            <a:ext cx="10525941" cy="276999"/>
           </a:xfrm>
           <a:prstGeom prst="rect">
             <a:avLst/>
@@ -8394,198 +8301,45 @@
           <a:lstStyle/>
           <a:p>
             <a:r>
-              <a:rPr lang="en-US" altLang="zh-CN" dirty="0"/>
-              <a:t>https://home.unicode.org/</a:t>
-            </a:r>
-            <a:endParaRPr lang="zh-CN" altLang="en-US" dirty="0"/>
-          </a:p>
-        </p:txBody>
-      </p:sp>
-      <p:sp>
-        <p:nvSpPr>
-          <p:cNvPr id="10" name="文本框 9">
-            <a:extLst>
-              <a:ext uri="{FF2B5EF4-FFF2-40B4-BE49-F238E27FC236}">
-                <a16:creationId xmlns:a16="http://schemas.microsoft.com/office/drawing/2014/main" id="{21EE4A1A-E697-456A-902A-991AB63FB6F0}"/>
-              </a:ext>
-            </a:extLst>
-          </p:cNvPr>
-          <p:cNvSpPr txBox="1"/>
-          <p:nvPr/>
-        </p:nvSpPr>
-        <p:spPr>
-          <a:xfrm>
-            <a:off x="6202564" y="6076024"/>
-            <a:ext cx="4409873" cy="246221"/>
-          </a:xfrm>
-          <a:prstGeom prst="rect">
-            <a:avLst/>
-          </a:prstGeom>
-          <a:noFill/>
-        </p:spPr>
-        <p:txBody>
-          <a:bodyPr wrap="square">
-            <a:spAutoFit/>
-          </a:bodyPr>
-          <a:lstStyle/>
-          <a:p>
-            <a:r>
-              <a:rPr lang="en-US" altLang="zh-CN" sz="1000" dirty="0"/>
-              <a:t>https://www.iso.org/standard/69119.html</a:t>
-            </a:r>
-            <a:endParaRPr lang="zh-CN" altLang="en-US" sz="1000" dirty="0"/>
-          </a:p>
-        </p:txBody>
-      </p:sp>
-      <p:pic>
-        <p:nvPicPr>
-          <p:cNvPr id="14" name="图片 13">
-            <a:extLst>
-              <a:ext uri="{FF2B5EF4-FFF2-40B4-BE49-F238E27FC236}">
-                <a16:creationId xmlns:a16="http://schemas.microsoft.com/office/drawing/2014/main" id="{1717EFE8-E7CD-4F39-BE6A-532A1DF8CE76}"/>
-              </a:ext>
-            </a:extLst>
-          </p:cNvPr>
-          <p:cNvPicPr>
-            <a:picLocks noChangeAspect="1"/>
-          </p:cNvPicPr>
-          <p:nvPr/>
-        </p:nvPicPr>
-        <p:blipFill>
-          <a:blip r:embed="rId3"/>
-          <a:stretch>
-            <a:fillRect/>
-          </a:stretch>
-        </p:blipFill>
-        <p:spPr>
-          <a:xfrm>
-            <a:off x="6273900" y="4845523"/>
-            <a:ext cx="4536772" cy="1188134"/>
-          </a:xfrm>
-          <a:prstGeom prst="rect">
-            <a:avLst/>
-          </a:prstGeom>
-        </p:spPr>
-      </p:pic>
-      <p:sp>
-        <p:nvSpPr>
-          <p:cNvPr id="16" name="文本框 15">
-            <a:extLst>
-              <a:ext uri="{FF2B5EF4-FFF2-40B4-BE49-F238E27FC236}">
-                <a16:creationId xmlns:a16="http://schemas.microsoft.com/office/drawing/2014/main" id="{7B530AA0-273F-4EC8-A4D8-D175D05E2D86}"/>
-              </a:ext>
-            </a:extLst>
-          </p:cNvPr>
-          <p:cNvSpPr txBox="1"/>
-          <p:nvPr/>
-        </p:nvSpPr>
-        <p:spPr>
-          <a:xfrm>
-            <a:off x="71334" y="6076969"/>
-            <a:ext cx="5797687" cy="246221"/>
-          </a:xfrm>
-          <a:prstGeom prst="rect">
-            <a:avLst/>
-          </a:prstGeom>
-          <a:noFill/>
-        </p:spPr>
-        <p:txBody>
-          <a:bodyPr wrap="square">
-            <a:spAutoFit/>
-          </a:bodyPr>
-          <a:lstStyle/>
-          <a:p>
-            <a:r>
-              <a:rPr lang="en-US" altLang="zh-CN" sz="1000" dirty="0"/>
-              <a:t>Unicode</a:t>
-            </a:r>
-            <a:r>
-              <a:rPr lang="zh-CN" altLang="en-US" sz="1000" dirty="0"/>
-              <a:t>集团是由美国的</a:t>
-            </a:r>
-            <a:r>
-              <a:rPr lang="en-US" altLang="zh-CN" sz="1000" dirty="0"/>
-              <a:t>HP</a:t>
-            </a:r>
-            <a:r>
-              <a:rPr lang="zh-CN" altLang="en-US" sz="1000" dirty="0"/>
-              <a:t>、</a:t>
-            </a:r>
-            <a:r>
-              <a:rPr lang="en-US" altLang="zh-CN" sz="1000" dirty="0"/>
-              <a:t>Microsoft</a:t>
-            </a:r>
-            <a:r>
-              <a:rPr lang="zh-CN" altLang="en-US" sz="1000" dirty="0"/>
-              <a:t>、</a:t>
-            </a:r>
-            <a:r>
-              <a:rPr lang="en-US" altLang="zh-CN" sz="1000" dirty="0"/>
-              <a:t>IBM</a:t>
-            </a:r>
-            <a:r>
-              <a:rPr lang="zh-CN" altLang="en-US" sz="1000" dirty="0"/>
-              <a:t>、</a:t>
-            </a:r>
-            <a:r>
-              <a:rPr lang="en-US" altLang="zh-CN" sz="1000" dirty="0"/>
-              <a:t>Apple</a:t>
-            </a:r>
-            <a:r>
-              <a:rPr lang="zh-CN" altLang="en-US" sz="1000" dirty="0"/>
-              <a:t>等几家知名的大型计算机企业所组成的联盟集团</a:t>
-            </a:r>
-          </a:p>
-        </p:txBody>
-      </p:sp>
-      <p:sp>
-        <p:nvSpPr>
-          <p:cNvPr id="18" name="文本框 17">
-            <a:extLst>
-              <a:ext uri="{FF2B5EF4-FFF2-40B4-BE49-F238E27FC236}">
-                <a16:creationId xmlns:a16="http://schemas.microsoft.com/office/drawing/2014/main" id="{29972C95-1BC0-43CC-904F-A5DCA300D15D}"/>
-              </a:ext>
-            </a:extLst>
-          </p:cNvPr>
-          <p:cNvSpPr txBox="1"/>
-          <p:nvPr/>
-        </p:nvSpPr>
-        <p:spPr>
-          <a:xfrm>
-            <a:off x="6202564" y="6322245"/>
-            <a:ext cx="4914310" cy="369332"/>
-          </a:xfrm>
-          <a:prstGeom prst="rect">
-            <a:avLst/>
-          </a:prstGeom>
-          <a:noFill/>
-        </p:spPr>
-        <p:txBody>
-          <a:bodyPr wrap="square">
-            <a:spAutoFit/>
-          </a:bodyPr>
-          <a:lstStyle/>
-          <a:p>
-            <a:r>
-              <a:rPr lang="en-US" altLang="zh-CN" dirty="0"/>
-              <a:t>GB13000</a:t>
-            </a:r>
-            <a:r>
-              <a:rPr lang="zh-CN" altLang="en-US" dirty="0"/>
-              <a:t>等同采用国际标准</a:t>
-            </a:r>
-            <a:r>
-              <a:rPr lang="en-US" altLang="zh-CN" dirty="0"/>
-              <a:t>ISO/IEC 10646-2003</a:t>
-            </a:r>
-            <a:endParaRPr lang="zh-CN" altLang="en-US" dirty="0"/>
+              <a:rPr lang="zh-CN" altLang="en-US" sz="1200" dirty="0"/>
+              <a:t>五大厂：宏碁 </a:t>
+            </a:r>
+            <a:r>
+              <a:rPr lang="en-US" altLang="zh-CN" sz="1200" dirty="0"/>
+              <a:t>Acer</a:t>
+            </a:r>
+            <a:r>
+              <a:rPr lang="zh-CN" altLang="en-US" sz="1200" dirty="0"/>
+              <a:t>、神通 </a:t>
+            </a:r>
+            <a:r>
+              <a:rPr lang="en-US" altLang="zh-CN" sz="1200" dirty="0" err="1"/>
+              <a:t>MiTAC</a:t>
+            </a:r>
+            <a:r>
+              <a:rPr lang="zh-CN" altLang="en-US" sz="1200" dirty="0"/>
+              <a:t>、佳佳、零壹 </a:t>
+            </a:r>
+            <a:r>
+              <a:rPr lang="en-US" altLang="zh-CN" sz="1200" dirty="0"/>
+              <a:t>Zero One</a:t>
+            </a:r>
+            <a:r>
+              <a:rPr lang="zh-CN" altLang="en-US" sz="1200" dirty="0"/>
+              <a:t>、大众 </a:t>
+            </a:r>
+            <a:r>
+              <a:rPr lang="en-US" altLang="zh-CN" sz="1200" dirty="0"/>
+              <a:t>FIC</a:t>
+            </a:r>
+            <a:endParaRPr lang="zh-CN" altLang="en-US" sz="1200" dirty="0"/>
           </a:p>
         </p:txBody>
       </p:sp>
     </p:spTree>
     <p:extLst>
       <p:ext uri="{BB962C8B-B14F-4D97-AF65-F5344CB8AC3E}">
-        <p14:creationId xmlns:p14="http://schemas.microsoft.com/office/powerpoint/2010/main" val="548803418"/>
+        <p14:creationId xmlns:p14="http://schemas.microsoft.com/office/powerpoint/2010/main" val="1506851705"/>
       </p:ext>
     </p:extLst>
   </p:cSld>
@@ -8617,7 +8371,7 @@
           <p:cNvPr id="2" name="标题 1">
             <a:extLst>
               <a:ext uri="{FF2B5EF4-FFF2-40B4-BE49-F238E27FC236}">
-                <a16:creationId xmlns:a16="http://schemas.microsoft.com/office/drawing/2014/main" id="{7BCC044F-6BFE-48EB-9724-B55D3F04FDFC}"/>
+                <a16:creationId xmlns:a16="http://schemas.microsoft.com/office/drawing/2014/main" id="{899A323B-4F56-40E9-B100-D5E089653B75}"/>
               </a:ext>
             </a:extLst>
           </p:cNvPr>
@@ -8635,7 +8389,15 @@
           <a:p>
             <a:r>
               <a:rPr lang="en-US" altLang="zh-CN" dirty="0"/>
-              <a:t>ISO/IEC 10646</a:t>
+              <a:t>6.2.3 Unicode </a:t>
+            </a:r>
+            <a:r>
+              <a:rPr lang="zh-CN" altLang="en-US" dirty="0"/>
+              <a:t>与 </a:t>
+            </a:r>
+            <a:r>
+              <a:rPr lang="en-US" altLang="zh-CN" dirty="0"/>
+              <a:t>ISO 10646</a:t>
             </a:r>
             <a:endParaRPr lang="zh-CN" altLang="en-US" dirty="0"/>
           </a:p>
@@ -8646,7 +8408,7 @@
           <p:cNvPr id="3" name="内容占位符 2">
             <a:extLst>
               <a:ext uri="{FF2B5EF4-FFF2-40B4-BE49-F238E27FC236}">
-                <a16:creationId xmlns:a16="http://schemas.microsoft.com/office/drawing/2014/main" id="{03E1FC17-6E07-4367-8B91-1CD11ACEE762}"/>
+                <a16:creationId xmlns:a16="http://schemas.microsoft.com/office/drawing/2014/main" id="{8DF1A34F-F190-435B-A7C5-B6E359DD2882}"/>
               </a:ext>
             </a:extLst>
           </p:cNvPr>
@@ -8659,9 +8421,14 @@
         </p:nvSpPr>
         <p:spPr>
           <a:xfrm>
-            <a:off x="550926" y="2210635"/>
-            <a:ext cx="10934505" cy="3599316"/>
-          </a:xfrm>
+            <a:off x="680321" y="2149308"/>
+            <a:ext cx="10629705" cy="2559383"/>
+          </a:xfrm>
+          <a:solidFill>
+            <a:schemeClr val="accent1">
+              <a:lumMod val="50000"/>
+            </a:schemeClr>
+          </a:solidFill>
         </p:spPr>
         <p:txBody>
           <a:bodyPr>
@@ -8673,225 +8440,45 @@
               <a:buNone/>
             </a:pPr>
             <a:r>
-              <a:rPr lang="zh-CN" altLang="en-US" b="1" dirty="0">
+              <a:rPr lang="en-US" altLang="zh-CN" b="1" dirty="0">
                 <a:solidFill>
-                  <a:schemeClr val="bg1"/>
+                  <a:srgbClr val="FF0000"/>
                 </a:solidFill>
               </a:rPr>
-              <a:t>四维编码空间，采用十六进制全编码</a:t>
-            </a:r>
-            <a:endParaRPr lang="en-US" altLang="zh-CN" b="1" dirty="0">
-              <a:solidFill>
-                <a:schemeClr val="bg1"/>
-              </a:solidFill>
-            </a:endParaRPr>
-          </a:p>
-          <a:p>
-            <a:pPr lvl="1"/>
-            <a:r>
-              <a:rPr lang="zh-CN" altLang="en-US" dirty="0"/>
-              <a:t>总体分为</a:t>
-            </a:r>
-            <a:r>
-              <a:rPr lang="en-US" altLang="zh-CN" dirty="0"/>
-              <a:t>	128</a:t>
-            </a:r>
-            <a:r>
-              <a:rPr lang="zh-CN" altLang="en-US" dirty="0"/>
-              <a:t>个 三维组</a:t>
-            </a:r>
-            <a:r>
-              <a:rPr lang="en-US" altLang="zh-CN" dirty="0"/>
-              <a:t>	(group)</a:t>
-            </a:r>
-            <a:r>
-              <a:rPr lang="zh-CN" altLang="en-US" dirty="0"/>
-              <a:t>，</a:t>
-            </a:r>
-            <a:r>
-              <a:rPr lang="en-US" altLang="zh-CN" dirty="0"/>
-              <a:t>	</a:t>
-            </a:r>
-            <a:r>
-              <a:rPr lang="zh-CN" altLang="en-US" dirty="0"/>
-              <a:t>范围：从</a:t>
-            </a:r>
-            <a:r>
-              <a:rPr lang="en-US" altLang="zh-CN" dirty="0"/>
-              <a:t>00</a:t>
-            </a:r>
-            <a:r>
-              <a:rPr lang="zh-CN" altLang="en-US" dirty="0"/>
-              <a:t>到</a:t>
-            </a:r>
-            <a:r>
-              <a:rPr lang="en-US" altLang="zh-CN" dirty="0"/>
-              <a:t>7F</a:t>
-            </a:r>
-          </a:p>
-          <a:p>
-            <a:pPr lvl="1"/>
-            <a:r>
-              <a:rPr lang="zh-CN" altLang="en-US" dirty="0"/>
-              <a:t>每个组含</a:t>
-            </a:r>
-            <a:r>
-              <a:rPr lang="en-US" altLang="zh-CN" dirty="0"/>
-              <a:t>	256</a:t>
-            </a:r>
-            <a:r>
-              <a:rPr lang="zh-CN" altLang="en-US" dirty="0"/>
-              <a:t>个 平面</a:t>
-            </a:r>
-            <a:r>
-              <a:rPr lang="en-US" altLang="zh-CN" dirty="0"/>
-              <a:t>	(plane)</a:t>
-            </a:r>
-            <a:r>
-              <a:rPr lang="zh-CN" altLang="en-US" dirty="0"/>
-              <a:t>，</a:t>
-            </a:r>
-            <a:r>
-              <a:rPr lang="en-US" altLang="zh-CN" dirty="0"/>
-              <a:t>	</a:t>
-            </a:r>
-            <a:r>
-              <a:rPr lang="zh-CN" altLang="en-US" dirty="0"/>
-              <a:t>范围：从</a:t>
-            </a:r>
-            <a:r>
-              <a:rPr lang="en-US" altLang="zh-CN" dirty="0"/>
-              <a:t>00</a:t>
-            </a:r>
-            <a:r>
-              <a:rPr lang="zh-CN" altLang="en-US" dirty="0"/>
-              <a:t>到</a:t>
-            </a:r>
-            <a:r>
-              <a:rPr lang="en-US" altLang="zh-CN" dirty="0"/>
-              <a:t>FF</a:t>
-            </a:r>
-          </a:p>
-          <a:p>
-            <a:pPr lvl="1"/>
-            <a:r>
-              <a:rPr lang="zh-CN" altLang="en-US" dirty="0"/>
-              <a:t>每平面含</a:t>
-            </a:r>
-            <a:r>
-              <a:rPr lang="en-US" altLang="zh-CN" dirty="0"/>
-              <a:t>	256</a:t>
-            </a:r>
-            <a:r>
-              <a:rPr lang="zh-CN" altLang="en-US" dirty="0"/>
-              <a:t>个 行</a:t>
-            </a:r>
-            <a:r>
-              <a:rPr lang="en-US" altLang="zh-CN" dirty="0"/>
-              <a:t>	(row)</a:t>
-            </a:r>
-            <a:r>
-              <a:rPr lang="zh-CN" altLang="en-US" dirty="0"/>
-              <a:t>，</a:t>
-            </a:r>
-            <a:r>
-              <a:rPr lang="en-US" altLang="zh-CN" dirty="0"/>
-              <a:t>		</a:t>
-            </a:r>
-            <a:r>
-              <a:rPr lang="zh-CN" altLang="en-US" dirty="0"/>
-              <a:t>范围：从</a:t>
-            </a:r>
-            <a:r>
-              <a:rPr lang="en-US" altLang="zh-CN" dirty="0"/>
-              <a:t>00</a:t>
-            </a:r>
-            <a:r>
-              <a:rPr lang="zh-CN" altLang="en-US" dirty="0"/>
-              <a:t>到</a:t>
-            </a:r>
-            <a:r>
-              <a:rPr lang="en-US" altLang="zh-CN" dirty="0"/>
-              <a:t>FF</a:t>
-            </a:r>
-          </a:p>
-          <a:p>
-            <a:pPr lvl="1"/>
-            <a:r>
-              <a:rPr lang="zh-CN" altLang="en-US" dirty="0"/>
-              <a:t>每一行含</a:t>
-            </a:r>
-            <a:r>
-              <a:rPr lang="en-US" altLang="zh-CN" dirty="0"/>
-              <a:t>	256</a:t>
-            </a:r>
-            <a:r>
-              <a:rPr lang="zh-CN" altLang="en-US" dirty="0"/>
-              <a:t>个 码位</a:t>
-            </a:r>
-            <a:r>
-              <a:rPr lang="en-US" altLang="zh-CN" dirty="0"/>
-              <a:t>	(cell)</a:t>
-            </a:r>
-            <a:r>
-              <a:rPr lang="zh-CN" altLang="en-US" dirty="0"/>
-              <a:t>，</a:t>
-            </a:r>
-            <a:r>
-              <a:rPr lang="en-US" altLang="zh-CN" dirty="0"/>
-              <a:t>		</a:t>
-            </a:r>
-            <a:r>
-              <a:rPr lang="zh-CN" altLang="en-US" dirty="0"/>
-              <a:t>范围：从</a:t>
-            </a:r>
-            <a:r>
-              <a:rPr lang="en-US" altLang="zh-CN" dirty="0"/>
-              <a:t>00</a:t>
-            </a:r>
-            <a:r>
-              <a:rPr lang="zh-CN" altLang="en-US" dirty="0"/>
-              <a:t>到</a:t>
-            </a:r>
-            <a:r>
-              <a:rPr lang="en-US" altLang="zh-CN" dirty="0"/>
-              <a:t>FF</a:t>
-            </a:r>
-          </a:p>
-          <a:p>
-            <a:endParaRPr lang="en-US" altLang="zh-CN" dirty="0"/>
+              <a:t>Unicode Consortium</a:t>
+            </a:r>
+            <a:r>
+              <a:rPr lang="zh-CN" altLang="en-US" dirty="0"/>
+              <a:t>制定可容纳世界上所有文字和符号的字符编码方案。</a:t>
+            </a:r>
           </a:p>
           <a:p>
             <a:pPr marL="0" indent="0">
               <a:buNone/>
             </a:pPr>
             <a:r>
-              <a:rPr lang="zh-CN" altLang="en-US" dirty="0"/>
-              <a:t>每个字符由</a:t>
-            </a:r>
-            <a:r>
-              <a:rPr lang="zh-CN" altLang="en-US" b="1" dirty="0">
+              <a:rPr lang="en-US" altLang="zh-CN" b="1" dirty="0">
                 <a:solidFill>
-                  <a:schemeClr val="bg1"/>
+                  <a:srgbClr val="FF0000"/>
                 </a:solidFill>
               </a:rPr>
-              <a:t>四个八位序列</a:t>
-            </a:r>
-            <a:r>
-              <a:rPr lang="zh-CN" altLang="en-US" dirty="0"/>
-              <a:t>表示，按照</a:t>
-            </a:r>
-            <a:r>
-              <a:rPr lang="zh-CN" altLang="en-US" b="1" dirty="0">
+              <a:t>ISO</a:t>
+            </a:r>
+            <a:r>
+              <a:rPr lang="zh-CN" altLang="en-US" dirty="0"/>
+              <a:t>针对各国文字符号统一编码制定 </a:t>
+            </a:r>
+            <a:r>
+              <a:rPr lang="en-US" altLang="zh-CN" b="1" dirty="0">
                 <a:solidFill>
-                  <a:schemeClr val="bg1"/>
+                  <a:srgbClr val="FF0000"/>
                 </a:solidFill>
               </a:rPr>
-              <a:t>组八位、面八位、行八位、列八位</a:t>
-            </a:r>
-            <a:r>
-              <a:rPr lang="zh-CN" altLang="en-US" dirty="0"/>
-              <a:t>的顺序：</a:t>
+              <a:t>ISO 10646</a:t>
+            </a:r>
+            <a:r>
+              <a:rPr lang="zh-CN" altLang="en-US" dirty="0"/>
+              <a:t>定义标准字符集。</a:t>
             </a:r>
             <a:endParaRPr lang="en-US" altLang="zh-CN" dirty="0"/>
           </a:p>
@@ -8899,28 +8486,121 @@
             <a:pPr marL="0" indent="0">
               <a:buNone/>
             </a:pPr>
-            <a:r>
-              <a:rPr lang="en-US" altLang="zh-CN" b="0" i="0" dirty="0">
-                <a:effectLst/>
-                <a:ea typeface="宋体" panose="02010600030101010101" pitchFamily="2" charset="-122"/>
-              </a:rPr>
-              <a:t>Group-octet 	Plane-octet 	Row-octet 	Cell-octet</a:t>
-            </a:r>
-          </a:p>
-          <a:p>
-            <a:pPr marL="0" indent="0">
-              <a:buNone/>
+            <a:endParaRPr lang="en-US" altLang="zh-CN" dirty="0"/>
+          </a:p>
+          <a:p>
+            <a:pPr>
+              <a:buFont typeface="Wingdings" panose="05000000000000000000" pitchFamily="2" charset="2"/>
+              <a:buChar char="Ø"/>
             </a:pPr>
+            <a:r>
+              <a:rPr lang="en-US" altLang="zh-CN" sz="1800" dirty="0"/>
+              <a:t>1991</a:t>
+            </a:r>
+            <a:r>
+              <a:rPr lang="zh-CN" altLang="en-US" sz="1800" dirty="0"/>
+              <a:t>年，</a:t>
+            </a:r>
+            <a:r>
+              <a:rPr lang="zh-CN" altLang="en-US" sz="1800" b="1" dirty="0"/>
+              <a:t>两个项目合并</a:t>
+            </a:r>
+            <a:r>
+              <a:rPr lang="zh-CN" altLang="en-US" sz="1800" dirty="0"/>
+              <a:t>，同步发展 </a:t>
+            </a:r>
+            <a:r>
+              <a:rPr lang="en-US" altLang="zh-CN" sz="1800" dirty="0"/>
+              <a:t>Unicode </a:t>
+            </a:r>
+            <a:r>
+              <a:rPr lang="zh-CN" altLang="en-US" sz="1800" dirty="0"/>
+              <a:t>和 </a:t>
+            </a:r>
+            <a:r>
+              <a:rPr lang="en-US" altLang="zh-CN" sz="1800" dirty="0"/>
+              <a:t>ISO 10646 </a:t>
+            </a:r>
+            <a:r>
+              <a:rPr lang="zh-CN" altLang="en-US" sz="1800" dirty="0"/>
+              <a:t>。</a:t>
+            </a:r>
+            <a:endParaRPr lang="en-US" altLang="zh-CN" sz="1800" dirty="0"/>
+          </a:p>
+          <a:p>
+            <a:pPr>
+              <a:buFont typeface="Wingdings" panose="05000000000000000000" pitchFamily="2" charset="2"/>
+              <a:buChar char="Ø"/>
+            </a:pPr>
+            <a:r>
+              <a:rPr lang="en-US" altLang="zh-CN" sz="1800" dirty="0"/>
+              <a:t>Unicode 3.0 </a:t>
+            </a:r>
+            <a:r>
+              <a:rPr lang="zh-CN" altLang="en-US" sz="1800" dirty="0"/>
+              <a:t>与 </a:t>
+            </a:r>
+            <a:r>
+              <a:rPr lang="en-US" altLang="zh-CN" sz="1800" dirty="0"/>
+              <a:t>ISO 10646 </a:t>
+            </a:r>
+            <a:r>
+              <a:rPr lang="zh-CN" altLang="en-US" sz="1800" dirty="0"/>
+              <a:t>使用相同的字库和字码。</a:t>
+            </a:r>
+            <a:endParaRPr lang="en-US" altLang="zh-CN" sz="1800" dirty="0"/>
+          </a:p>
+          <a:p>
+            <a:pPr>
+              <a:buFont typeface="Wingdings" panose="05000000000000000000" pitchFamily="2" charset="2"/>
+              <a:buChar char="Ø"/>
+            </a:pPr>
+            <a:r>
+              <a:rPr lang="zh-CN" altLang="en-US" sz="1800" dirty="0"/>
+              <a:t>两个项目仍都存在，并独立地公布各自的标准。</a:t>
+            </a:r>
+          </a:p>
+          <a:p>
             <a:endParaRPr lang="zh-CN" altLang="en-US" dirty="0"/>
           </a:p>
         </p:txBody>
       </p:sp>
-      <p:sp>
-        <p:nvSpPr>
-          <p:cNvPr id="7" name="文本框 6">
+      <p:pic>
+        <p:nvPicPr>
+          <p:cNvPr id="4" name="图片 3">
             <a:extLst>
               <a:ext uri="{FF2B5EF4-FFF2-40B4-BE49-F238E27FC236}">
-                <a16:creationId xmlns:a16="http://schemas.microsoft.com/office/drawing/2014/main" id="{BDF8DCE9-49EC-4BFD-9057-3C96A168C8AC}"/>
+                <a16:creationId xmlns:a16="http://schemas.microsoft.com/office/drawing/2014/main" id="{938D0F3B-F7CA-49AF-AF91-E47D05D20413}"/>
+              </a:ext>
+            </a:extLst>
+          </p:cNvPr>
+          <p:cNvPicPr>
+            <a:picLocks noChangeAspect="1"/>
+          </p:cNvPicPr>
+          <p:nvPr/>
+        </p:nvPicPr>
+        <p:blipFill>
+          <a:blip r:embed="rId2"/>
+          <a:stretch>
+            <a:fillRect/>
+          </a:stretch>
+        </p:blipFill>
+        <p:spPr>
+          <a:xfrm>
+            <a:off x="680321" y="4887890"/>
+            <a:ext cx="964761" cy="1137402"/>
+          </a:xfrm>
+          <a:prstGeom prst="rect">
+            <a:avLst/>
+          </a:prstGeom>
+        </p:spPr>
+      </p:pic>
+      <p:sp>
+        <p:nvSpPr>
+          <p:cNvPr id="6" name="文本框 5">
+            <a:extLst>
+              <a:ext uri="{FF2B5EF4-FFF2-40B4-BE49-F238E27FC236}">
+                <a16:creationId xmlns:a16="http://schemas.microsoft.com/office/drawing/2014/main" id="{E0519577-CBD3-4D20-858C-BCDF7558BAD8}"/>
               </a:ext>
             </a:extLst>
           </p:cNvPr>
@@ -8929,8 +8609,8 @@
         </p:nvSpPr>
         <p:spPr>
           <a:xfrm>
-            <a:off x="725717" y="6246434"/>
-            <a:ext cx="6096000" cy="246221"/>
+            <a:off x="680321" y="6321724"/>
+            <a:ext cx="2996119" cy="369332"/>
           </a:xfrm>
           <a:prstGeom prst="rect">
             <a:avLst/>
@@ -8944,19 +8624,19 @@
           <a:lstStyle/>
           <a:p>
             <a:r>
-              <a:rPr lang="en-US" altLang="zh-CN" sz="1000" dirty="0"/>
-              <a:t>http://blog.chinaunix.net/uid-22805258-id-1768946.html</a:t>
-            </a:r>
-            <a:endParaRPr lang="zh-CN" altLang="en-US" sz="1000" dirty="0"/>
-          </a:p>
-        </p:txBody>
-      </p:sp>
-      <p:sp>
-        <p:nvSpPr>
-          <p:cNvPr id="9" name="文本框 8">
+              <a:rPr lang="en-US" altLang="zh-CN" dirty="0"/>
+              <a:t>https://home.unicode.org/</a:t>
+            </a:r>
+            <a:endParaRPr lang="zh-CN" altLang="en-US" dirty="0"/>
+          </a:p>
+        </p:txBody>
+      </p:sp>
+      <p:sp>
+        <p:nvSpPr>
+          <p:cNvPr id="10" name="文本框 9">
             <a:extLst>
               <a:ext uri="{FF2B5EF4-FFF2-40B4-BE49-F238E27FC236}">
-                <a16:creationId xmlns:a16="http://schemas.microsoft.com/office/drawing/2014/main" id="{4968E9E0-8819-4283-8E06-A839DA632FDE}"/>
+                <a16:creationId xmlns:a16="http://schemas.microsoft.com/office/drawing/2014/main" id="{21EE4A1A-E697-456A-902A-991AB63FB6F0}"/>
               </a:ext>
             </a:extLst>
           </p:cNvPr>
@@ -8965,8 +8645,8 @@
         </p:nvSpPr>
         <p:spPr>
           <a:xfrm>
-            <a:off x="680321" y="1433311"/>
-            <a:ext cx="9727659" cy="584775"/>
+            <a:off x="6707001" y="6076024"/>
+            <a:ext cx="4409873" cy="246221"/>
           </a:xfrm>
           <a:prstGeom prst="rect">
             <a:avLst/>
@@ -8979,91 +8659,163 @@
           </a:bodyPr>
           <a:lstStyle/>
           <a:p>
-            <a:pPr marL="0" indent="0">
-              <a:buNone/>
-            </a:pPr>
-            <a:r>
-              <a:rPr lang="zh-CN" altLang="en-US" sz="1600" dirty="0"/>
-              <a:t>英文全称：</a:t>
-            </a:r>
-            <a:r>
-              <a:rPr lang="en-US" altLang="zh-CN" sz="1600" dirty="0"/>
-              <a:t>Information technology - </a:t>
-            </a:r>
-            <a:r>
-              <a:rPr lang="en-US" altLang="zh-CN" sz="1600" b="1" dirty="0"/>
-              <a:t>U</a:t>
-            </a:r>
-            <a:r>
-              <a:rPr lang="en-US" altLang="zh-CN" sz="1600" dirty="0"/>
-              <a:t>niversal Multiple-Octet Coded </a:t>
-            </a:r>
-            <a:r>
-              <a:rPr lang="en-US" altLang="zh-CN" sz="1600" b="1" dirty="0"/>
-              <a:t>C</a:t>
-            </a:r>
-            <a:r>
-              <a:rPr lang="en-US" altLang="zh-CN" sz="1600" dirty="0"/>
-              <a:t>haracter </a:t>
-            </a:r>
-            <a:r>
-              <a:rPr lang="en-US" altLang="zh-CN" sz="1600" b="1" dirty="0"/>
-              <a:t>S</a:t>
-            </a:r>
-            <a:r>
-              <a:rPr lang="en-US" altLang="zh-CN" sz="1600" dirty="0"/>
-              <a:t>et</a:t>
-            </a:r>
-            <a:r>
-              <a:rPr lang="zh-CN" altLang="en-US" sz="1600" dirty="0"/>
-              <a:t>，简称 </a:t>
-            </a:r>
-            <a:r>
-              <a:rPr lang="en-US" altLang="zh-CN" sz="1600" b="1" dirty="0"/>
-              <a:t>UCS</a:t>
-            </a:r>
-            <a:r>
-              <a:rPr lang="zh-CN" altLang="en-US" sz="1600" dirty="0"/>
-              <a:t>。</a:t>
-            </a:r>
-            <a:endParaRPr lang="en-US" altLang="zh-CN" sz="1600" dirty="0"/>
-          </a:p>
-          <a:p>
-            <a:pPr marL="0" indent="0">
-              <a:buNone/>
-            </a:pPr>
-            <a:r>
-              <a:rPr lang="zh-CN" altLang="en-US" sz="1600" dirty="0"/>
-              <a:t>中文全称：信息技术</a:t>
-            </a:r>
-            <a:r>
-              <a:rPr lang="en-US" altLang="zh-CN" sz="1600" dirty="0"/>
-              <a:t>-</a:t>
-            </a:r>
-            <a:r>
-              <a:rPr lang="zh-CN" altLang="en-US" sz="1600" b="1" dirty="0"/>
-              <a:t>通用多八位编码字符集</a:t>
-            </a:r>
-            <a:r>
-              <a:rPr lang="zh-CN" altLang="en-US" sz="1600" dirty="0"/>
-              <a:t>，亦称 </a:t>
-            </a:r>
-            <a:r>
-              <a:rPr lang="zh-CN" altLang="en-US" sz="1600" b="1" dirty="0"/>
-              <a:t>大字符集</a:t>
-            </a:r>
-            <a:r>
-              <a:rPr lang="zh-CN" altLang="en-US" sz="1600" dirty="0"/>
-              <a:t>。</a:t>
-            </a:r>
-            <a:endParaRPr lang="en-US" altLang="zh-CN" sz="1600" dirty="0"/>
+            <a:r>
+              <a:rPr lang="en-US" altLang="zh-CN" sz="1000" dirty="0"/>
+              <a:t>https://www.iso.org/standard/69119.html</a:t>
+            </a:r>
+            <a:endParaRPr lang="zh-CN" altLang="en-US" sz="1000" dirty="0"/>
+          </a:p>
+        </p:txBody>
+      </p:sp>
+      <p:pic>
+        <p:nvPicPr>
+          <p:cNvPr id="14" name="图片 13">
+            <a:extLst>
+              <a:ext uri="{FF2B5EF4-FFF2-40B4-BE49-F238E27FC236}">
+                <a16:creationId xmlns:a16="http://schemas.microsoft.com/office/drawing/2014/main" id="{1717EFE8-E7CD-4F39-BE6A-532A1DF8CE76}"/>
+              </a:ext>
+            </a:extLst>
+          </p:cNvPr>
+          <p:cNvPicPr>
+            <a:picLocks noChangeAspect="1"/>
+          </p:cNvPicPr>
+          <p:nvPr/>
+        </p:nvPicPr>
+        <p:blipFill>
+          <a:blip r:embed="rId3"/>
+          <a:stretch>
+            <a:fillRect/>
+          </a:stretch>
+        </p:blipFill>
+        <p:spPr>
+          <a:xfrm>
+            <a:off x="6773254" y="4887890"/>
+            <a:ext cx="4536772" cy="1188134"/>
+          </a:xfrm>
+          <a:prstGeom prst="rect">
+            <a:avLst/>
+          </a:prstGeom>
+        </p:spPr>
+      </p:pic>
+      <p:sp>
+        <p:nvSpPr>
+          <p:cNvPr id="16" name="文本框 15">
+            <a:extLst>
+              <a:ext uri="{FF2B5EF4-FFF2-40B4-BE49-F238E27FC236}">
+                <a16:creationId xmlns:a16="http://schemas.microsoft.com/office/drawing/2014/main" id="{7B530AA0-273F-4EC8-A4D8-D175D05E2D86}"/>
+              </a:ext>
+            </a:extLst>
+          </p:cNvPr>
+          <p:cNvSpPr txBox="1"/>
+          <p:nvPr/>
+        </p:nvSpPr>
+        <p:spPr>
+          <a:xfrm>
+            <a:off x="680321" y="6075503"/>
+            <a:ext cx="5797687" cy="246221"/>
+          </a:xfrm>
+          <a:prstGeom prst="rect">
+            <a:avLst/>
+          </a:prstGeom>
+          <a:noFill/>
+        </p:spPr>
+        <p:txBody>
+          <a:bodyPr wrap="square">
+            <a:spAutoFit/>
+          </a:bodyPr>
+          <a:lstStyle/>
+          <a:p>
+            <a:r>
+              <a:rPr lang="en-US" altLang="zh-CN" sz="1000" dirty="0"/>
+              <a:t>Unicode</a:t>
+            </a:r>
+            <a:r>
+              <a:rPr lang="zh-CN" altLang="en-US" sz="1000" dirty="0"/>
+              <a:t>集团是由美国的</a:t>
+            </a:r>
+            <a:r>
+              <a:rPr lang="en-US" altLang="zh-CN" sz="1000" dirty="0"/>
+              <a:t>HP</a:t>
+            </a:r>
+            <a:r>
+              <a:rPr lang="zh-CN" altLang="en-US" sz="1000" dirty="0"/>
+              <a:t>、</a:t>
+            </a:r>
+            <a:r>
+              <a:rPr lang="en-US" altLang="zh-CN" sz="1000" dirty="0"/>
+              <a:t>Microsoft</a:t>
+            </a:r>
+            <a:r>
+              <a:rPr lang="zh-CN" altLang="en-US" sz="1000" dirty="0"/>
+              <a:t>、</a:t>
+            </a:r>
+            <a:r>
+              <a:rPr lang="en-US" altLang="zh-CN" sz="1000" dirty="0"/>
+              <a:t>IBM</a:t>
+            </a:r>
+            <a:r>
+              <a:rPr lang="zh-CN" altLang="en-US" sz="1000" dirty="0"/>
+              <a:t>、</a:t>
+            </a:r>
+            <a:r>
+              <a:rPr lang="en-US" altLang="zh-CN" sz="1000" dirty="0"/>
+              <a:t>Apple</a:t>
+            </a:r>
+            <a:r>
+              <a:rPr lang="zh-CN" altLang="en-US" sz="1000" dirty="0"/>
+              <a:t>等几家知名的大型计算机企业所组成的联盟集团</a:t>
+            </a:r>
+          </a:p>
+        </p:txBody>
+      </p:sp>
+      <p:sp>
+        <p:nvSpPr>
+          <p:cNvPr id="18" name="文本框 17">
+            <a:extLst>
+              <a:ext uri="{FF2B5EF4-FFF2-40B4-BE49-F238E27FC236}">
+                <a16:creationId xmlns:a16="http://schemas.microsoft.com/office/drawing/2014/main" id="{29972C95-1BC0-43CC-904F-A5DCA300D15D}"/>
+              </a:ext>
+            </a:extLst>
+          </p:cNvPr>
+          <p:cNvSpPr txBox="1"/>
+          <p:nvPr/>
+        </p:nvSpPr>
+        <p:spPr>
+          <a:xfrm>
+            <a:off x="6395716" y="6322245"/>
+            <a:ext cx="4914310" cy="369332"/>
+          </a:xfrm>
+          <a:prstGeom prst="rect">
+            <a:avLst/>
+          </a:prstGeom>
+          <a:noFill/>
+        </p:spPr>
+        <p:txBody>
+          <a:bodyPr wrap="square">
+            <a:spAutoFit/>
+          </a:bodyPr>
+          <a:lstStyle/>
+          <a:p>
+            <a:r>
+              <a:rPr lang="en-US" altLang="zh-CN" dirty="0"/>
+              <a:t>GB13000</a:t>
+            </a:r>
+            <a:r>
+              <a:rPr lang="zh-CN" altLang="en-US" dirty="0"/>
+              <a:t>等同采用国际标准</a:t>
+            </a:r>
+            <a:r>
+              <a:rPr lang="en-US" altLang="zh-CN" dirty="0"/>
+              <a:t>ISO/IEC 10646-2003</a:t>
+            </a:r>
+            <a:endParaRPr lang="zh-CN" altLang="en-US" dirty="0"/>
           </a:p>
         </p:txBody>
       </p:sp>
     </p:spTree>
     <p:extLst>
       <p:ext uri="{BB962C8B-B14F-4D97-AF65-F5344CB8AC3E}">
-        <p14:creationId xmlns:p14="http://schemas.microsoft.com/office/powerpoint/2010/main" val="567842491"/>
+        <p14:creationId xmlns:p14="http://schemas.microsoft.com/office/powerpoint/2010/main" val="548803418"/>
       </p:ext>
     </p:extLst>
   </p:cSld>
@@ -9137,9 +8889,14 @@
         </p:nvSpPr>
         <p:spPr>
           <a:xfrm>
-            <a:off x="168303" y="2117468"/>
-            <a:ext cx="6238982" cy="2205722"/>
-          </a:xfrm>
+            <a:off x="290436" y="3238042"/>
+            <a:ext cx="6332553" cy="1622063"/>
+          </a:xfrm>
+          <a:solidFill>
+            <a:schemeClr val="accent1">
+              <a:lumMod val="50000"/>
+            </a:schemeClr>
+          </a:solidFill>
         </p:spPr>
         <p:txBody>
           <a:bodyPr>
@@ -9151,118 +8908,211 @@
               <a:buNone/>
             </a:pPr>
             <a:r>
-              <a:rPr lang="zh-CN" altLang="en-US" sz="2800" b="1" dirty="0">
+              <a:rPr lang="zh-CN" altLang="en-US" b="1" dirty="0">
                 <a:solidFill>
-                  <a:schemeClr val="bg1"/>
+                  <a:srgbClr val="FFFF00"/>
                 </a:solidFill>
               </a:rPr>
-              <a:t>基本多文种平面</a:t>
-            </a:r>
-            <a:endParaRPr lang="en-US" altLang="zh-CN" sz="2800" b="1" dirty="0">
+              <a:t>四维编码空间，采用十六进制全编码</a:t>
+            </a:r>
+            <a:endParaRPr lang="en-US" altLang="zh-CN" b="1" dirty="0">
               <a:solidFill>
-                <a:schemeClr val="bg1"/>
+                <a:srgbClr val="FFFF00"/>
               </a:solidFill>
             </a:endParaRPr>
           </a:p>
           <a:p>
             <a:pPr lvl="1"/>
             <a:r>
-              <a:rPr lang="zh-CN" altLang="en-US" dirty="0"/>
-              <a:t>第</a:t>
-            </a:r>
-            <a:r>
-              <a:rPr lang="en-US" altLang="zh-CN" dirty="0"/>
-              <a:t>0</a:t>
-            </a:r>
-            <a:r>
-              <a:rPr lang="zh-CN" altLang="en-US" dirty="0"/>
-              <a:t>平面，即：</a:t>
-            </a:r>
-            <a:r>
-              <a:rPr lang="en-US" altLang="zh-CN" dirty="0"/>
-              <a:t>Group0</a:t>
-            </a:r>
-            <a:r>
-              <a:rPr lang="zh-CN" altLang="en-US" dirty="0"/>
-              <a:t>的</a:t>
-            </a:r>
-            <a:r>
-              <a:rPr lang="en-US" altLang="zh-CN" dirty="0"/>
-              <a:t>Plane0</a:t>
-            </a:r>
-            <a:endParaRPr lang="en-US" altLang="zh-CN" b="1" dirty="0">
-              <a:solidFill>
-                <a:schemeClr val="bg1"/>
-              </a:solidFill>
-            </a:endParaRPr>
+              <a:rPr lang="zh-CN" altLang="en-US" sz="1600" dirty="0"/>
+              <a:t>总体分为</a:t>
+            </a:r>
+            <a:r>
+              <a:rPr lang="en-US" altLang="zh-CN" sz="1600" dirty="0"/>
+              <a:t>	128</a:t>
+            </a:r>
+            <a:r>
+              <a:rPr lang="zh-CN" altLang="en-US" sz="1600" dirty="0"/>
+              <a:t>个 三维组</a:t>
+            </a:r>
+            <a:r>
+              <a:rPr lang="en-US" altLang="zh-CN" sz="1600" dirty="0"/>
+              <a:t>	(group)</a:t>
+            </a:r>
+            <a:r>
+              <a:rPr lang="zh-CN" altLang="en-US" sz="1600" dirty="0"/>
+              <a:t>，</a:t>
+            </a:r>
+            <a:r>
+              <a:rPr lang="en-US" altLang="zh-CN" sz="1600" dirty="0"/>
+              <a:t>	</a:t>
+            </a:r>
+            <a:r>
+              <a:rPr lang="zh-CN" altLang="en-US" sz="1600" dirty="0"/>
+              <a:t>范围：从</a:t>
+            </a:r>
+            <a:r>
+              <a:rPr lang="en-US" altLang="zh-CN" sz="1600" dirty="0"/>
+              <a:t>00</a:t>
+            </a:r>
+            <a:r>
+              <a:rPr lang="zh-CN" altLang="en-US" sz="1600" dirty="0"/>
+              <a:t>到</a:t>
+            </a:r>
+            <a:r>
+              <a:rPr lang="en-US" altLang="zh-CN" sz="1600" dirty="0"/>
+              <a:t>7F</a:t>
+            </a:r>
           </a:p>
           <a:p>
             <a:pPr lvl="1"/>
             <a:r>
-              <a:rPr lang="en-US" altLang="zh-CN" dirty="0"/>
-              <a:t>Basic Multilingual Plane</a:t>
-            </a:r>
-            <a:r>
-              <a:rPr lang="zh-CN" altLang="en-US" dirty="0"/>
-              <a:t>，简称</a:t>
-            </a:r>
-            <a:r>
-              <a:rPr lang="en-US" altLang="zh-CN" dirty="0"/>
-              <a:t>BMP</a:t>
+              <a:rPr lang="zh-CN" altLang="en-US" sz="1600" dirty="0"/>
+              <a:t>每个组含</a:t>
+            </a:r>
+            <a:r>
+              <a:rPr lang="en-US" altLang="zh-CN" sz="1600" dirty="0"/>
+              <a:t>	256</a:t>
+            </a:r>
+            <a:r>
+              <a:rPr lang="zh-CN" altLang="en-US" sz="1600" dirty="0"/>
+              <a:t>个 平面</a:t>
+            </a:r>
+            <a:r>
+              <a:rPr lang="en-US" altLang="zh-CN" sz="1600" dirty="0"/>
+              <a:t>	(plane)</a:t>
+            </a:r>
+            <a:r>
+              <a:rPr lang="zh-CN" altLang="en-US" sz="1600" dirty="0"/>
+              <a:t>，</a:t>
+            </a:r>
+            <a:r>
+              <a:rPr lang="en-US" altLang="zh-CN" sz="1600" dirty="0"/>
+              <a:t>	</a:t>
+            </a:r>
+            <a:r>
+              <a:rPr lang="zh-CN" altLang="en-US" sz="1600" dirty="0"/>
+              <a:t>范围：从</a:t>
+            </a:r>
+            <a:r>
+              <a:rPr lang="en-US" altLang="zh-CN" sz="1600" dirty="0"/>
+              <a:t>00</a:t>
+            </a:r>
+            <a:r>
+              <a:rPr lang="zh-CN" altLang="en-US" sz="1600" dirty="0"/>
+              <a:t>到</a:t>
+            </a:r>
+            <a:r>
+              <a:rPr lang="en-US" altLang="zh-CN" sz="1600" dirty="0"/>
+              <a:t>FF</a:t>
             </a:r>
           </a:p>
           <a:p>
             <a:pPr lvl="1"/>
             <a:r>
-              <a:rPr lang="zh-CN" altLang="en-US" dirty="0"/>
-              <a:t>是目前实际应用的</a:t>
-            </a:r>
-            <a:r>
-              <a:rPr lang="en-US" altLang="zh-CN" dirty="0"/>
-              <a:t>Unicode</a:t>
-            </a:r>
-            <a:r>
-              <a:rPr lang="zh-CN" altLang="en-US" dirty="0"/>
-              <a:t>版本（</a:t>
-            </a:r>
-            <a:r>
-              <a:rPr lang="en-US" altLang="zh-CN" dirty="0"/>
-              <a:t>2</a:t>
-            </a:r>
-            <a:r>
-              <a:rPr lang="zh-CN" altLang="en-US" dirty="0"/>
-              <a:t>字节）</a:t>
-            </a:r>
-            <a:endParaRPr lang="en-US" altLang="zh-CN" dirty="0"/>
+              <a:rPr lang="zh-CN" altLang="en-US" sz="1600" dirty="0"/>
+              <a:t>每平面含</a:t>
+            </a:r>
+            <a:r>
+              <a:rPr lang="en-US" altLang="zh-CN" sz="1600" dirty="0"/>
+              <a:t>	256</a:t>
+            </a:r>
+            <a:r>
+              <a:rPr lang="zh-CN" altLang="en-US" sz="1600" dirty="0"/>
+              <a:t>个 行</a:t>
+            </a:r>
+            <a:r>
+              <a:rPr lang="en-US" altLang="zh-CN" sz="1600" dirty="0"/>
+              <a:t>		(row)</a:t>
+            </a:r>
+            <a:r>
+              <a:rPr lang="zh-CN" altLang="en-US" sz="1600" dirty="0"/>
+              <a:t>，</a:t>
+            </a:r>
+            <a:r>
+              <a:rPr lang="en-US" altLang="zh-CN" sz="1600" dirty="0"/>
+              <a:t>	</a:t>
+            </a:r>
+            <a:r>
+              <a:rPr lang="zh-CN" altLang="en-US" sz="1600" dirty="0"/>
+              <a:t>范围：从</a:t>
+            </a:r>
+            <a:r>
+              <a:rPr lang="en-US" altLang="zh-CN" sz="1600" dirty="0"/>
+              <a:t>00</a:t>
+            </a:r>
+            <a:r>
+              <a:rPr lang="zh-CN" altLang="en-US" sz="1600" dirty="0"/>
+              <a:t>到</a:t>
+            </a:r>
+            <a:r>
+              <a:rPr lang="en-US" altLang="zh-CN" sz="1600" dirty="0"/>
+              <a:t>FF</a:t>
+            </a:r>
           </a:p>
           <a:p>
             <a:pPr lvl="1"/>
             <a:r>
-              <a:rPr lang="zh-CN" altLang="en-US" dirty="0"/>
-              <a:t>此平面上用行、列八位即可表示一个编码字符</a:t>
-            </a:r>
-            <a:endParaRPr lang="en-US" altLang="zh-CN" dirty="0"/>
-          </a:p>
-          <a:p>
-            <a:pPr lvl="1"/>
-            <a:r>
-              <a:rPr lang="zh-CN" altLang="en-US" dirty="0"/>
-              <a:t>中日韩统一表意文字 </a:t>
-            </a:r>
-            <a:r>
-              <a:rPr lang="en-US" altLang="zh-CN" dirty="0"/>
-              <a:t>CJK Unified Ideographs</a:t>
-            </a:r>
+              <a:rPr lang="zh-CN" altLang="en-US" sz="1600" dirty="0"/>
+              <a:t>每一行含</a:t>
+            </a:r>
+            <a:r>
+              <a:rPr lang="en-US" altLang="zh-CN" sz="1600" dirty="0"/>
+              <a:t>	256</a:t>
+            </a:r>
+            <a:r>
+              <a:rPr lang="zh-CN" altLang="en-US" sz="1600" dirty="0"/>
+              <a:t>个 码位</a:t>
+            </a:r>
+            <a:r>
+              <a:rPr lang="en-US" altLang="zh-CN" sz="1600" dirty="0"/>
+              <a:t>	(cell)</a:t>
+            </a:r>
+            <a:r>
+              <a:rPr lang="zh-CN" altLang="en-US" sz="1600" dirty="0"/>
+              <a:t>，</a:t>
+            </a:r>
+            <a:r>
+              <a:rPr lang="en-US" altLang="zh-CN" sz="1600" dirty="0"/>
+              <a:t>	</a:t>
+            </a:r>
+            <a:r>
+              <a:rPr lang="zh-CN" altLang="en-US" sz="1600" dirty="0"/>
+              <a:t>范围：从</a:t>
+            </a:r>
+            <a:r>
+              <a:rPr lang="en-US" altLang="zh-CN" sz="1600" dirty="0"/>
+              <a:t>00</a:t>
+            </a:r>
+            <a:r>
+              <a:rPr lang="zh-CN" altLang="en-US" sz="1600" dirty="0"/>
+              <a:t>到</a:t>
+            </a:r>
+            <a:r>
+              <a:rPr lang="en-US" altLang="zh-CN" sz="1600" dirty="0"/>
+              <a:t>FF</a:t>
+            </a:r>
+          </a:p>
+          <a:p>
+            <a:pPr marL="0" indent="0">
+              <a:buNone/>
+            </a:pPr>
+            <a:endParaRPr lang="en-US" altLang="zh-CN" sz="1600" dirty="0"/>
+          </a:p>
+          <a:p>
+            <a:pPr marL="0" indent="0">
+              <a:buNone/>
+            </a:pPr>
             <a:endParaRPr lang="zh-CN" altLang="en-US" dirty="0"/>
           </a:p>
         </p:txBody>
       </p:sp>
       <p:sp>
         <p:nvSpPr>
-          <p:cNvPr id="14" name="文本框 13">
+          <p:cNvPr id="7" name="文本框 6">
             <a:extLst>
               <a:ext uri="{FF2B5EF4-FFF2-40B4-BE49-F238E27FC236}">
-                <a16:creationId xmlns:a16="http://schemas.microsoft.com/office/drawing/2014/main" id="{DF8B1566-7BAB-41EC-B89D-99FD682A9BAF}"/>
+                <a16:creationId xmlns:a16="http://schemas.microsoft.com/office/drawing/2014/main" id="{BDF8DCE9-49EC-4BFD-9057-3C96A168C8AC}"/>
               </a:ext>
             </a:extLst>
           </p:cNvPr>
@@ -9271,8 +9121,8 @@
         </p:nvSpPr>
         <p:spPr>
           <a:xfrm>
-            <a:off x="862442" y="6532040"/>
-            <a:ext cx="3592904" cy="246221"/>
+            <a:off x="565055" y="6428017"/>
+            <a:ext cx="6096000" cy="230832"/>
           </a:xfrm>
           <a:prstGeom prst="rect">
             <a:avLst/>
@@ -9286,19 +9136,305 @@
           <a:lstStyle/>
           <a:p>
             <a:r>
-              <a:rPr lang="en-US" altLang="zh-CN" sz="1000" dirty="0"/>
-              <a:t>https://www.unicode.org/roadmaps/bmp/index.html</a:t>
-            </a:r>
-            <a:endParaRPr lang="zh-CN" altLang="en-US" sz="1000" dirty="0"/>
+              <a:rPr lang="en-US" altLang="zh-CN" sz="900" dirty="0"/>
+              <a:t>http://blog.chinaunix.net/uid-22805258-id-1768946.html</a:t>
+            </a:r>
+            <a:endParaRPr lang="zh-CN" altLang="en-US" sz="900" dirty="0"/>
+          </a:p>
+        </p:txBody>
+      </p:sp>
+      <p:sp>
+        <p:nvSpPr>
+          <p:cNvPr id="9" name="文本框 8">
+            <a:extLst>
+              <a:ext uri="{FF2B5EF4-FFF2-40B4-BE49-F238E27FC236}">
+                <a16:creationId xmlns:a16="http://schemas.microsoft.com/office/drawing/2014/main" id="{4968E9E0-8819-4283-8E06-A839DA632FDE}"/>
+              </a:ext>
+            </a:extLst>
+          </p:cNvPr>
+          <p:cNvSpPr txBox="1"/>
+          <p:nvPr/>
+        </p:nvSpPr>
+        <p:spPr>
+          <a:xfrm>
+            <a:off x="290435" y="2224391"/>
+            <a:ext cx="6332554" cy="830997"/>
+          </a:xfrm>
+          <a:prstGeom prst="rect">
+            <a:avLst/>
+          </a:prstGeom>
+          <a:solidFill>
+            <a:schemeClr val="accent1">
+              <a:lumMod val="50000"/>
+            </a:schemeClr>
+          </a:solidFill>
+        </p:spPr>
+        <p:txBody>
+          <a:bodyPr wrap="square">
+            <a:spAutoFit/>
+          </a:bodyPr>
+          <a:lstStyle/>
+          <a:p>
+            <a:pPr marL="0" indent="0">
+              <a:buNone/>
+            </a:pPr>
+            <a:r>
+              <a:rPr lang="zh-CN" altLang="en-US" sz="1600" dirty="0"/>
+              <a:t>英文全称：</a:t>
+            </a:r>
+            <a:r>
+              <a:rPr lang="en-US" altLang="zh-CN" sz="1600" dirty="0"/>
+              <a:t>Information technology - </a:t>
+            </a:r>
+            <a:r>
+              <a:rPr lang="en-US" altLang="zh-CN" sz="1600" b="1" dirty="0"/>
+              <a:t>U</a:t>
+            </a:r>
+            <a:r>
+              <a:rPr lang="en-US" altLang="zh-CN" sz="1600" dirty="0"/>
+              <a:t>niversal Multiple-Octet Coded </a:t>
+            </a:r>
+            <a:r>
+              <a:rPr lang="en-US" altLang="zh-CN" sz="1600" b="1" dirty="0"/>
+              <a:t>C</a:t>
+            </a:r>
+            <a:r>
+              <a:rPr lang="en-US" altLang="zh-CN" sz="1600" dirty="0"/>
+              <a:t>haracter </a:t>
+            </a:r>
+            <a:r>
+              <a:rPr lang="en-US" altLang="zh-CN" sz="1600" b="1" dirty="0"/>
+              <a:t>S</a:t>
+            </a:r>
+            <a:r>
+              <a:rPr lang="en-US" altLang="zh-CN" sz="1600" dirty="0"/>
+              <a:t>et</a:t>
+            </a:r>
+            <a:r>
+              <a:rPr lang="zh-CN" altLang="en-US" sz="1600" dirty="0"/>
+              <a:t>，简称 </a:t>
+            </a:r>
+            <a:r>
+              <a:rPr lang="en-US" altLang="zh-CN" sz="1600" b="1" dirty="0"/>
+              <a:t>UCS</a:t>
+            </a:r>
+            <a:r>
+              <a:rPr lang="zh-CN" altLang="en-US" sz="1600" dirty="0"/>
+              <a:t>。</a:t>
+            </a:r>
+            <a:endParaRPr lang="en-US" altLang="zh-CN" sz="1600" dirty="0"/>
+          </a:p>
+          <a:p>
+            <a:pPr marL="0" indent="0">
+              <a:buNone/>
+            </a:pPr>
+            <a:r>
+              <a:rPr lang="zh-CN" altLang="en-US" sz="1600" dirty="0"/>
+              <a:t>中文全称：</a:t>
+            </a:r>
+            <a:r>
+              <a:rPr lang="zh-CN" altLang="en-US" sz="1600" b="1" dirty="0">
+                <a:highlight>
+                  <a:srgbClr val="008000"/>
+                </a:highlight>
+              </a:rPr>
+              <a:t>信息技术</a:t>
+            </a:r>
+            <a:r>
+              <a:rPr lang="en-US" altLang="zh-CN" sz="1600" b="1" dirty="0">
+                <a:highlight>
+                  <a:srgbClr val="008000"/>
+                </a:highlight>
+              </a:rPr>
+              <a:t>-</a:t>
+            </a:r>
+            <a:r>
+              <a:rPr lang="zh-CN" altLang="en-US" sz="1600" b="1" dirty="0">
+                <a:highlight>
+                  <a:srgbClr val="008000"/>
+                </a:highlight>
+              </a:rPr>
+              <a:t>通用多八位编码字符集</a:t>
+            </a:r>
+            <a:r>
+              <a:rPr lang="zh-CN" altLang="en-US" sz="1600" dirty="0"/>
+              <a:t>，亦称 </a:t>
+            </a:r>
+            <a:r>
+              <a:rPr lang="zh-CN" altLang="en-US" sz="1600" b="1" dirty="0"/>
+              <a:t>大字符集</a:t>
+            </a:r>
+            <a:r>
+              <a:rPr lang="zh-CN" altLang="en-US" sz="1600" dirty="0"/>
+              <a:t>。</a:t>
+            </a:r>
+            <a:endParaRPr lang="en-US" altLang="zh-CN" sz="1600" dirty="0"/>
+          </a:p>
+        </p:txBody>
+      </p:sp>
+      <p:sp>
+        <p:nvSpPr>
+          <p:cNvPr id="8" name="文本框 7">
+            <a:extLst>
+              <a:ext uri="{FF2B5EF4-FFF2-40B4-BE49-F238E27FC236}">
+                <a16:creationId xmlns:a16="http://schemas.microsoft.com/office/drawing/2014/main" id="{22DB8492-B18C-4D18-8169-476DA3C76A79}"/>
+              </a:ext>
+            </a:extLst>
+          </p:cNvPr>
+          <p:cNvSpPr txBox="1"/>
+          <p:nvPr/>
+        </p:nvSpPr>
+        <p:spPr>
+          <a:xfrm>
+            <a:off x="261100" y="5069330"/>
+            <a:ext cx="6361889" cy="923330"/>
+          </a:xfrm>
+          <a:prstGeom prst="rect">
+            <a:avLst/>
+          </a:prstGeom>
+          <a:solidFill>
+            <a:schemeClr val="accent1">
+              <a:lumMod val="50000"/>
+            </a:schemeClr>
+          </a:solidFill>
+        </p:spPr>
+        <p:txBody>
+          <a:bodyPr wrap="square">
+            <a:spAutoFit/>
+          </a:bodyPr>
+          <a:lstStyle/>
+          <a:p>
+            <a:pPr marL="0" indent="0">
+              <a:buNone/>
+            </a:pPr>
+            <a:r>
+              <a:rPr lang="zh-CN" altLang="en-US" dirty="0"/>
+              <a:t>每个字符由</a:t>
+            </a:r>
+            <a:r>
+              <a:rPr lang="zh-CN" altLang="en-US" b="1" dirty="0">
+                <a:solidFill>
+                  <a:srgbClr val="FFFF00"/>
+                </a:solidFill>
+              </a:rPr>
+              <a:t>四个八位序列</a:t>
+            </a:r>
+            <a:r>
+              <a:rPr lang="zh-CN" altLang="en-US" dirty="0"/>
+              <a:t>表示，</a:t>
+            </a:r>
+            <a:endParaRPr lang="en-US" altLang="zh-CN" dirty="0"/>
+          </a:p>
+          <a:p>
+            <a:pPr marL="0" indent="0">
+              <a:buNone/>
+            </a:pPr>
+            <a:r>
+              <a:rPr lang="zh-CN" altLang="en-US" dirty="0"/>
+              <a:t>按照</a:t>
+            </a:r>
+            <a:r>
+              <a:rPr lang="zh-CN" altLang="en-US" b="1" dirty="0">
+                <a:solidFill>
+                  <a:srgbClr val="FFFF00"/>
+                </a:solidFill>
+                <a:highlight>
+                  <a:srgbClr val="008000"/>
+                </a:highlight>
+              </a:rPr>
+              <a:t>组</a:t>
+            </a:r>
+            <a:r>
+              <a:rPr lang="zh-CN" altLang="en-US" b="1" dirty="0">
+                <a:solidFill>
+                  <a:srgbClr val="FFFF00"/>
+                </a:solidFill>
+              </a:rPr>
+              <a:t>八位、</a:t>
+            </a:r>
+            <a:r>
+              <a:rPr lang="zh-CN" altLang="en-US" b="1" dirty="0">
+                <a:solidFill>
+                  <a:srgbClr val="FFFF00"/>
+                </a:solidFill>
+                <a:highlight>
+                  <a:srgbClr val="008000"/>
+                </a:highlight>
+              </a:rPr>
+              <a:t>面</a:t>
+            </a:r>
+            <a:r>
+              <a:rPr lang="zh-CN" altLang="en-US" b="1" dirty="0">
+                <a:solidFill>
+                  <a:srgbClr val="FFFF00"/>
+                </a:solidFill>
+              </a:rPr>
+              <a:t>八位、</a:t>
+            </a:r>
+            <a:r>
+              <a:rPr lang="zh-CN" altLang="en-US" b="1" dirty="0">
+                <a:solidFill>
+                  <a:srgbClr val="FFFF00"/>
+                </a:solidFill>
+                <a:highlight>
+                  <a:srgbClr val="008000"/>
+                </a:highlight>
+              </a:rPr>
+              <a:t>行</a:t>
+            </a:r>
+            <a:r>
+              <a:rPr lang="zh-CN" altLang="en-US" b="1" dirty="0">
+                <a:solidFill>
+                  <a:srgbClr val="FFFF00"/>
+                </a:solidFill>
+              </a:rPr>
+              <a:t>八位、</a:t>
+            </a:r>
+            <a:r>
+              <a:rPr lang="zh-CN" altLang="en-US" b="1" dirty="0">
+                <a:solidFill>
+                  <a:srgbClr val="FFFF00"/>
+                </a:solidFill>
+                <a:highlight>
+                  <a:srgbClr val="008000"/>
+                </a:highlight>
+              </a:rPr>
+              <a:t>列</a:t>
+            </a:r>
+            <a:r>
+              <a:rPr lang="zh-CN" altLang="en-US" b="1" dirty="0">
+                <a:solidFill>
+                  <a:srgbClr val="FFFF00"/>
+                </a:solidFill>
+              </a:rPr>
+              <a:t>八位</a:t>
+            </a:r>
+            <a:r>
+              <a:rPr lang="zh-CN" altLang="en-US" dirty="0"/>
+              <a:t>的顺序：</a:t>
+            </a:r>
+            <a:endParaRPr lang="en-US" altLang="zh-CN" dirty="0"/>
+          </a:p>
+          <a:p>
+            <a:pPr marL="0" indent="0">
+              <a:buNone/>
+            </a:pPr>
+            <a:r>
+              <a:rPr lang="en-US" altLang="zh-CN" b="0" i="0" dirty="0">
+                <a:effectLst/>
+                <a:ea typeface="宋体" panose="02010600030101010101" pitchFamily="2" charset="-122"/>
+              </a:rPr>
+              <a:t>Group-octet 	Plane-octet 	Row-octet 	Cell-octet</a:t>
+            </a:r>
           </a:p>
         </p:txBody>
       </p:sp>
       <p:pic>
         <p:nvPicPr>
-          <p:cNvPr id="19" name="图片 18">
+          <p:cNvPr id="5" name="图片 4">
             <a:extLst>
               <a:ext uri="{FF2B5EF4-FFF2-40B4-BE49-F238E27FC236}">
-                <a16:creationId xmlns:a16="http://schemas.microsoft.com/office/drawing/2014/main" id="{C09766B8-6F5E-4276-AA1B-ADD55E396353}"/>
+                <a16:creationId xmlns:a16="http://schemas.microsoft.com/office/drawing/2014/main" id="{427099B1-9F3F-4EEC-8A9C-7D296F2F67F1}"/>
               </a:ext>
             </a:extLst>
           </p:cNvPr>
@@ -9315,48 +9451,54 @@
         </p:blipFill>
         <p:spPr>
           <a:xfrm>
-            <a:off x="929004" y="4330467"/>
-            <a:ext cx="3459780" cy="2149026"/>
+            <a:off x="6711884" y="2224391"/>
+            <a:ext cx="5315242" cy="3768269"/>
           </a:xfrm>
           <a:prstGeom prst="rect">
             <a:avLst/>
           </a:prstGeom>
         </p:spPr>
       </p:pic>
-      <p:pic>
-        <p:nvPicPr>
-          <p:cNvPr id="21" name="图片 20">
+      <p:sp>
+        <p:nvSpPr>
+          <p:cNvPr id="10" name="文本框 9">
             <a:extLst>
               <a:ext uri="{FF2B5EF4-FFF2-40B4-BE49-F238E27FC236}">
-                <a16:creationId xmlns:a16="http://schemas.microsoft.com/office/drawing/2014/main" id="{6F5685BF-6E6B-499F-9BD8-BF3FCB54A125}"/>
+                <a16:creationId xmlns:a16="http://schemas.microsoft.com/office/drawing/2014/main" id="{A52C5E6C-6CD2-4A25-AD58-3BBE9A19295F}"/>
               </a:ext>
             </a:extLst>
           </p:cNvPr>
-          <p:cNvPicPr>
-            <a:picLocks noChangeAspect="1"/>
-          </p:cNvPicPr>
+          <p:cNvSpPr txBox="1"/>
           <p:nvPr/>
-        </p:nvPicPr>
-        <p:blipFill>
-          <a:blip r:embed="rId3"/>
-          <a:stretch>
-            <a:fillRect/>
-          </a:stretch>
-        </p:blipFill>
-        <p:spPr>
-          <a:xfrm>
-            <a:off x="6141245" y="2215468"/>
-            <a:ext cx="5882452" cy="4328670"/>
+        </p:nvSpPr>
+        <p:spPr>
+          <a:xfrm>
+            <a:off x="565055" y="6606388"/>
+            <a:ext cx="6096000" cy="230832"/>
           </a:xfrm>
           <a:prstGeom prst="rect">
             <a:avLst/>
           </a:prstGeom>
-        </p:spPr>
-      </p:pic>
+          <a:noFill/>
+        </p:spPr>
+        <p:txBody>
+          <a:bodyPr wrap="square">
+            <a:spAutoFit/>
+          </a:bodyPr>
+          <a:lstStyle/>
+          <a:p>
+            <a:r>
+              <a:rPr lang="en-US" altLang="zh-CN" sz="900" dirty="0"/>
+              <a:t>https://www.it610.com/article/2396566.htm</a:t>
+            </a:r>
+            <a:endParaRPr lang="zh-CN" altLang="en-US" sz="900" dirty="0"/>
+          </a:p>
+        </p:txBody>
+      </p:sp>
     </p:spTree>
     <p:extLst>
       <p:ext uri="{BB962C8B-B14F-4D97-AF65-F5344CB8AC3E}">
-        <p14:creationId xmlns:p14="http://schemas.microsoft.com/office/powerpoint/2010/main" val="2787011643"/>
+        <p14:creationId xmlns:p14="http://schemas.microsoft.com/office/powerpoint/2010/main" val="567842491"/>
       </p:ext>
     </p:extLst>
   </p:cSld>
@@ -9388,7 +9530,7 @@
           <p:cNvPr id="2" name="标题 1">
             <a:extLst>
               <a:ext uri="{FF2B5EF4-FFF2-40B4-BE49-F238E27FC236}">
-                <a16:creationId xmlns:a16="http://schemas.microsoft.com/office/drawing/2014/main" id="{AE666174-80A7-4272-A725-B18C9184A4DE}"/>
+                <a16:creationId xmlns:a16="http://schemas.microsoft.com/office/drawing/2014/main" id="{7BCC044F-6BFE-48EB-9724-B55D3F04FDFC}"/>
               </a:ext>
             </a:extLst>
           </p:cNvPr>
@@ -9405,18 +9547,207 @@
           <a:lstStyle/>
           <a:p>
             <a:r>
-              <a:rPr lang="zh-CN" altLang="en-US" dirty="0"/>
-              <a:t>基本多文种平面的示意图</a:t>
-            </a:r>
+              <a:rPr lang="en-US" altLang="zh-CN" dirty="0"/>
+              <a:t>ISO/IEC 10646</a:t>
+            </a:r>
+            <a:endParaRPr lang="zh-CN" altLang="en-US" dirty="0"/>
+          </a:p>
+        </p:txBody>
+      </p:sp>
+      <p:sp>
+        <p:nvSpPr>
+          <p:cNvPr id="3" name="内容占位符 2">
+            <a:extLst>
+              <a:ext uri="{FF2B5EF4-FFF2-40B4-BE49-F238E27FC236}">
+                <a16:creationId xmlns:a16="http://schemas.microsoft.com/office/drawing/2014/main" id="{03E1FC17-6E07-4367-8B91-1CD11ACEE762}"/>
+              </a:ext>
+            </a:extLst>
+          </p:cNvPr>
+          <p:cNvSpPr>
+            <a:spLocks noGrp="1"/>
+          </p:cNvSpPr>
+          <p:nvPr>
+            <p:ph idx="1"/>
+          </p:nvPr>
+        </p:nvSpPr>
+        <p:spPr>
+          <a:xfrm>
+            <a:off x="168303" y="2117468"/>
+            <a:ext cx="5972942" cy="2205722"/>
+          </a:xfrm>
+          <a:solidFill>
+            <a:schemeClr val="accent1">
+              <a:lumMod val="50000"/>
+            </a:schemeClr>
+          </a:solidFill>
+        </p:spPr>
+        <p:txBody>
+          <a:bodyPr>
+            <a:normAutofit fontScale="92500"/>
+          </a:bodyPr>
+          <a:lstStyle/>
+          <a:p>
+            <a:pPr marL="0" indent="0">
+              <a:buNone/>
+            </a:pPr>
+            <a:r>
+              <a:rPr lang="zh-CN" altLang="en-US" sz="2800" b="1" dirty="0">
+                <a:solidFill>
+                  <a:srgbClr val="FF0000"/>
+                </a:solidFill>
+              </a:rPr>
+              <a:t>基本多文种平面</a:t>
+            </a:r>
+            <a:r>
+              <a:rPr lang="en-US" altLang="zh-CN" sz="1800" dirty="0"/>
+              <a:t>BMP</a:t>
+            </a:r>
+            <a:r>
+              <a:rPr lang="zh-CN" altLang="en-US" sz="1800" dirty="0"/>
+              <a:t>（</a:t>
+            </a:r>
+            <a:r>
+              <a:rPr lang="en-US" altLang="zh-CN" sz="1800" dirty="0"/>
+              <a:t> Basic Multilingual Plane </a:t>
+            </a:r>
+            <a:r>
+              <a:rPr lang="zh-CN" altLang="en-US" sz="1800" dirty="0"/>
+              <a:t>）</a:t>
+            </a:r>
+            <a:endParaRPr lang="en-US" altLang="zh-CN" sz="1800" dirty="0"/>
+          </a:p>
+          <a:p>
+            <a:pPr>
+              <a:buFont typeface="Wingdings" panose="05000000000000000000" pitchFamily="2" charset="2"/>
+              <a:buChar char="Ø"/>
+            </a:pPr>
+            <a:r>
+              <a:rPr lang="zh-CN" altLang="en-US" sz="2200" dirty="0"/>
+              <a:t>第</a:t>
+            </a:r>
+            <a:r>
+              <a:rPr lang="en-US" altLang="zh-CN" sz="2200" dirty="0"/>
+              <a:t>0</a:t>
+            </a:r>
+            <a:r>
+              <a:rPr lang="zh-CN" altLang="en-US" sz="2200" dirty="0"/>
+              <a:t>平面，即：</a:t>
+            </a:r>
+            <a:r>
+              <a:rPr lang="en-US" altLang="zh-CN" sz="2200" dirty="0"/>
+              <a:t>Group0</a:t>
+            </a:r>
+            <a:r>
+              <a:rPr lang="zh-CN" altLang="en-US" sz="2200" dirty="0"/>
+              <a:t>的</a:t>
+            </a:r>
+            <a:r>
+              <a:rPr lang="en-US" altLang="zh-CN" sz="2200" dirty="0"/>
+              <a:t>Plane0</a:t>
+            </a:r>
+            <a:endParaRPr lang="en-US" altLang="zh-CN" sz="2200" b="1" dirty="0">
+              <a:solidFill>
+                <a:schemeClr val="bg1"/>
+              </a:solidFill>
+            </a:endParaRPr>
+          </a:p>
+          <a:p>
+            <a:pPr>
+              <a:buFont typeface="Wingdings" panose="05000000000000000000" pitchFamily="2" charset="2"/>
+              <a:buChar char="Ø"/>
+            </a:pPr>
+            <a:r>
+              <a:rPr lang="zh-CN" altLang="en-US" sz="2200" dirty="0"/>
+              <a:t>是目前实际应用的</a:t>
+            </a:r>
+            <a:r>
+              <a:rPr lang="en-US" altLang="zh-CN" sz="2200" dirty="0"/>
+              <a:t>Unicode</a:t>
+            </a:r>
+            <a:r>
+              <a:rPr lang="zh-CN" altLang="en-US" sz="2200" dirty="0"/>
+              <a:t>版本（</a:t>
+            </a:r>
+            <a:r>
+              <a:rPr lang="en-US" altLang="zh-CN" sz="2200" dirty="0"/>
+              <a:t>2</a:t>
+            </a:r>
+            <a:r>
+              <a:rPr lang="zh-CN" altLang="en-US" sz="2200" dirty="0"/>
+              <a:t>字节）</a:t>
+            </a:r>
+            <a:endParaRPr lang="en-US" altLang="zh-CN" sz="2200" dirty="0"/>
+          </a:p>
+          <a:p>
+            <a:pPr>
+              <a:buFont typeface="Wingdings" panose="05000000000000000000" pitchFamily="2" charset="2"/>
+              <a:buChar char="Ø"/>
+            </a:pPr>
+            <a:r>
+              <a:rPr lang="zh-CN" altLang="en-US" sz="2200" dirty="0"/>
+              <a:t>此平面上用行、列八位即可表示一个编码字符</a:t>
+            </a:r>
+            <a:endParaRPr lang="en-US" altLang="zh-CN" sz="2200" dirty="0"/>
+          </a:p>
+          <a:p>
+            <a:pPr>
+              <a:buFont typeface="Wingdings" panose="05000000000000000000" pitchFamily="2" charset="2"/>
+              <a:buChar char="Ø"/>
+            </a:pPr>
+            <a:r>
+              <a:rPr lang="zh-CN" altLang="en-US" sz="2200" dirty="0"/>
+              <a:t>中日韩统一表意文字 </a:t>
+            </a:r>
+            <a:r>
+              <a:rPr lang="en-US" altLang="zh-CN" sz="2200" dirty="0"/>
+              <a:t>CJK Unified Ideographs</a:t>
+            </a:r>
+            <a:endParaRPr lang="zh-CN" altLang="en-US" sz="2200" dirty="0"/>
+          </a:p>
+        </p:txBody>
+      </p:sp>
+      <p:sp>
+        <p:nvSpPr>
+          <p:cNvPr id="14" name="文本框 13">
+            <a:extLst>
+              <a:ext uri="{FF2B5EF4-FFF2-40B4-BE49-F238E27FC236}">
+                <a16:creationId xmlns:a16="http://schemas.microsoft.com/office/drawing/2014/main" id="{DF8B1566-7BAB-41EC-B89D-99FD682A9BAF}"/>
+              </a:ext>
+            </a:extLst>
+          </p:cNvPr>
+          <p:cNvSpPr txBox="1"/>
+          <p:nvPr/>
+        </p:nvSpPr>
+        <p:spPr>
+          <a:xfrm>
+            <a:off x="101741" y="6528912"/>
+            <a:ext cx="3592904" cy="246221"/>
+          </a:xfrm>
+          <a:prstGeom prst="rect">
+            <a:avLst/>
+          </a:prstGeom>
+          <a:noFill/>
+        </p:spPr>
+        <p:txBody>
+          <a:bodyPr wrap="square">
+            <a:spAutoFit/>
+          </a:bodyPr>
+          <a:lstStyle/>
+          <a:p>
+            <a:r>
+              <a:rPr lang="en-US" altLang="zh-CN" sz="1000" dirty="0"/>
+              <a:t>https://www.unicode.org/roadmaps/bmp/index.html</a:t>
+            </a:r>
+            <a:endParaRPr lang="zh-CN" altLang="en-US" sz="1000" dirty="0"/>
           </a:p>
         </p:txBody>
       </p:sp>
       <p:pic>
         <p:nvPicPr>
-          <p:cNvPr id="5" name="图片 4">
+          <p:cNvPr id="19" name="图片 18">
             <a:extLst>
               <a:ext uri="{FF2B5EF4-FFF2-40B4-BE49-F238E27FC236}">
-                <a16:creationId xmlns:a16="http://schemas.microsoft.com/office/drawing/2014/main" id="{9A83D8B0-8A74-41E8-8E81-E36554527B59}"/>
+                <a16:creationId xmlns:a16="http://schemas.microsoft.com/office/drawing/2014/main" id="{C09766B8-6F5E-4276-AA1B-ADD55E396353}"/>
               </a:ext>
             </a:extLst>
           </p:cNvPr>
@@ -9433,276 +9764,48 @@
         </p:blipFill>
         <p:spPr>
           <a:xfrm>
-            <a:off x="252304" y="2034013"/>
-            <a:ext cx="7093945" cy="4727462"/>
+            <a:off x="168303" y="4379886"/>
+            <a:ext cx="3459780" cy="2149026"/>
           </a:xfrm>
           <a:prstGeom prst="rect">
             <a:avLst/>
           </a:prstGeom>
         </p:spPr>
       </p:pic>
-      <p:sp>
-        <p:nvSpPr>
-          <p:cNvPr id="7" name="文本框 6">
+      <p:pic>
+        <p:nvPicPr>
+          <p:cNvPr id="21" name="图片 20">
             <a:extLst>
               <a:ext uri="{FF2B5EF4-FFF2-40B4-BE49-F238E27FC236}">
-                <a16:creationId xmlns:a16="http://schemas.microsoft.com/office/drawing/2014/main" id="{27514DF0-029D-4A5E-B93A-4B776EC358BD}"/>
+                <a16:creationId xmlns:a16="http://schemas.microsoft.com/office/drawing/2014/main" id="{6F5685BF-6E6B-499F-9BD8-BF3FCB54A125}"/>
               </a:ext>
             </a:extLst>
           </p:cNvPr>
-          <p:cNvSpPr txBox="1"/>
+          <p:cNvPicPr>
+            <a:picLocks noChangeAspect="1"/>
+          </p:cNvPicPr>
           <p:nvPr/>
-        </p:nvSpPr>
-        <p:spPr>
-          <a:xfrm>
-            <a:off x="7425447" y="2034013"/>
-            <a:ext cx="4675762" cy="4247317"/>
+        </p:nvPicPr>
+        <p:blipFill>
+          <a:blip r:embed="rId3"/>
+          <a:stretch>
+            <a:fillRect/>
+          </a:stretch>
+        </p:blipFill>
+        <p:spPr>
+          <a:xfrm>
+            <a:off x="6225551" y="2117468"/>
+            <a:ext cx="5882452" cy="4328670"/>
           </a:xfrm>
           <a:prstGeom prst="rect">
             <a:avLst/>
           </a:prstGeom>
-          <a:noFill/>
-        </p:spPr>
-        <p:txBody>
-          <a:bodyPr wrap="square">
-            <a:spAutoFit/>
-          </a:bodyPr>
-          <a:lstStyle/>
-          <a:p>
-            <a:r>
-              <a:rPr lang="zh-CN" altLang="en-US" dirty="0"/>
-              <a:t>黑 </a:t>
-            </a:r>
-            <a:r>
-              <a:rPr lang="en-US" altLang="zh-CN" dirty="0"/>
-              <a:t>= </a:t>
-            </a:r>
-            <a:r>
-              <a:rPr lang="zh-CN" altLang="en-US" dirty="0"/>
-              <a:t>拉丁文字及符号</a:t>
-            </a:r>
-          </a:p>
-          <a:p>
-            <a:r>
-              <a:rPr lang="zh-CN" altLang="en-US" dirty="0"/>
-              <a:t>浅蓝 </a:t>
-            </a:r>
-            <a:r>
-              <a:rPr lang="en-US" altLang="zh-CN" dirty="0"/>
-              <a:t>= Linguistic scripts</a:t>
-            </a:r>
-          </a:p>
-          <a:p>
-            <a:r>
-              <a:rPr lang="zh-CN" altLang="en-US" dirty="0"/>
-              <a:t>蓝 </a:t>
-            </a:r>
-            <a:r>
-              <a:rPr lang="en-US" altLang="zh-CN" dirty="0"/>
-              <a:t>= </a:t>
-            </a:r>
-            <a:r>
-              <a:rPr lang="zh-CN" altLang="en-US" dirty="0"/>
-              <a:t>其他欧洲文字</a:t>
-            </a:r>
-          </a:p>
-          <a:p>
-            <a:r>
-              <a:rPr lang="zh-CN" altLang="en-US" dirty="0"/>
-              <a:t>橘 </a:t>
-            </a:r>
-            <a:r>
-              <a:rPr lang="en-US" altLang="zh-CN" dirty="0"/>
-              <a:t>= Middle Eastern and SW Asian scripts</a:t>
-            </a:r>
-          </a:p>
-          <a:p>
-            <a:r>
-              <a:rPr lang="zh-CN" altLang="en-US" dirty="0"/>
-              <a:t>浅橘 </a:t>
-            </a:r>
-            <a:r>
-              <a:rPr lang="en-US" altLang="zh-CN" dirty="0"/>
-              <a:t>= </a:t>
-            </a:r>
-            <a:r>
-              <a:rPr lang="zh-CN" altLang="en-US" dirty="0"/>
-              <a:t>非洲文字</a:t>
-            </a:r>
-          </a:p>
-          <a:p>
-            <a:r>
-              <a:rPr lang="zh-CN" altLang="en-US" dirty="0"/>
-              <a:t>绿 </a:t>
-            </a:r>
-            <a:r>
-              <a:rPr lang="en-US" altLang="zh-CN" dirty="0"/>
-              <a:t>= </a:t>
-            </a:r>
-            <a:r>
-              <a:rPr lang="zh-CN" altLang="en-US" dirty="0"/>
-              <a:t>南亚文字</a:t>
-            </a:r>
-          </a:p>
-          <a:p>
-            <a:r>
-              <a:rPr lang="zh-CN" altLang="en-US" dirty="0"/>
-              <a:t>紫 </a:t>
-            </a:r>
-            <a:r>
-              <a:rPr lang="en-US" altLang="zh-CN" dirty="0"/>
-              <a:t>= </a:t>
-            </a:r>
-            <a:r>
-              <a:rPr lang="zh-CN" altLang="en-US" dirty="0"/>
-              <a:t>东南亚文字</a:t>
-            </a:r>
-          </a:p>
-          <a:p>
-            <a:r>
-              <a:rPr lang="zh-CN" altLang="en-US" dirty="0"/>
-              <a:t>红 </a:t>
-            </a:r>
-            <a:r>
-              <a:rPr lang="en-US" altLang="zh-CN" dirty="0"/>
-              <a:t>= </a:t>
-            </a:r>
-            <a:r>
-              <a:rPr lang="zh-CN" altLang="en-US" dirty="0"/>
-              <a:t>东亚文字</a:t>
-            </a:r>
-          </a:p>
-          <a:p>
-            <a:r>
-              <a:rPr lang="zh-CN" altLang="en-US" dirty="0"/>
-              <a:t>浅红 </a:t>
-            </a:r>
-            <a:r>
-              <a:rPr lang="en-US" altLang="zh-CN" dirty="0"/>
-              <a:t>= </a:t>
-            </a:r>
-            <a:r>
-              <a:rPr lang="zh-CN" altLang="en-US" dirty="0"/>
-              <a:t>中日韩汉字</a:t>
-            </a:r>
-          </a:p>
-          <a:p>
-            <a:r>
-              <a:rPr lang="zh-CN" altLang="en-US" dirty="0"/>
-              <a:t>黄 </a:t>
-            </a:r>
-            <a:r>
-              <a:rPr lang="en-US" altLang="zh-CN" dirty="0"/>
-              <a:t>= Aboriginal scripts</a:t>
-            </a:r>
-          </a:p>
-          <a:p>
-            <a:r>
-              <a:rPr lang="zh-CN" altLang="en-US" dirty="0"/>
-              <a:t>紫红 </a:t>
-            </a:r>
-            <a:r>
-              <a:rPr lang="en-US" altLang="zh-CN" dirty="0"/>
-              <a:t>= </a:t>
-            </a:r>
-            <a:r>
-              <a:rPr lang="zh-CN" altLang="en-US" dirty="0"/>
-              <a:t>符号</a:t>
-            </a:r>
-          </a:p>
-          <a:p>
-            <a:r>
-              <a:rPr lang="zh-CN" altLang="en-US" dirty="0"/>
-              <a:t>深灰 </a:t>
-            </a:r>
-            <a:r>
-              <a:rPr lang="en-US" altLang="zh-CN" dirty="0"/>
-              <a:t>= Diacritics</a:t>
-            </a:r>
-          </a:p>
-          <a:p>
-            <a:r>
-              <a:rPr lang="zh-CN" altLang="en-US" dirty="0"/>
-              <a:t>浅灰 </a:t>
-            </a:r>
-            <a:r>
-              <a:rPr lang="en-US" altLang="zh-CN" dirty="0"/>
-              <a:t>= UTF-16surrogates and private use</a:t>
-            </a:r>
-          </a:p>
-          <a:p>
-            <a:r>
-              <a:rPr lang="zh-CN" altLang="en-US" dirty="0"/>
-              <a:t>蓝青 </a:t>
-            </a:r>
-            <a:r>
-              <a:rPr lang="en-US" altLang="zh-CN" dirty="0"/>
-              <a:t>= Miscellaneous characters</a:t>
-            </a:r>
-          </a:p>
-          <a:p>
-            <a:r>
-              <a:rPr lang="zh-CN" altLang="en-US" dirty="0"/>
-              <a:t>白 </a:t>
-            </a:r>
-            <a:r>
-              <a:rPr lang="en-US" altLang="zh-CN" dirty="0"/>
-              <a:t>= </a:t>
-            </a:r>
-            <a:r>
-              <a:rPr lang="zh-CN" altLang="en-US" dirty="0"/>
-              <a:t>未使用</a:t>
-            </a:r>
-          </a:p>
-        </p:txBody>
-      </p:sp>
-      <p:sp>
-        <p:nvSpPr>
-          <p:cNvPr id="9" name="文本框 8">
-            <a:extLst>
-              <a:ext uri="{FF2B5EF4-FFF2-40B4-BE49-F238E27FC236}">
-                <a16:creationId xmlns:a16="http://schemas.microsoft.com/office/drawing/2014/main" id="{808EA348-A721-4CA9-BFE7-53E6EA42BE37}"/>
-              </a:ext>
-            </a:extLst>
-          </p:cNvPr>
-          <p:cNvSpPr txBox="1"/>
-          <p:nvPr/>
-        </p:nvSpPr>
-        <p:spPr>
-          <a:xfrm>
-            <a:off x="7425447" y="6392143"/>
-            <a:ext cx="3800273" cy="369332"/>
-          </a:xfrm>
-          <a:prstGeom prst="rect">
-            <a:avLst/>
-          </a:prstGeom>
-          <a:noFill/>
-        </p:spPr>
-        <p:txBody>
-          <a:bodyPr wrap="square">
-            <a:spAutoFit/>
-          </a:bodyPr>
-          <a:lstStyle/>
-          <a:p>
-            <a:r>
-              <a:rPr lang="zh-CN" altLang="en-US" dirty="0"/>
-              <a:t>每个写着数字的格子代表</a:t>
-            </a:r>
-            <a:r>
-              <a:rPr lang="en-US" altLang="zh-CN" dirty="0"/>
-              <a:t>256</a:t>
-            </a:r>
-            <a:r>
-              <a:rPr lang="zh-CN" altLang="en-US" dirty="0"/>
-              <a:t>个码点</a:t>
-            </a:r>
-          </a:p>
-        </p:txBody>
-      </p:sp>
+        </p:spPr>
+      </p:pic>
     </p:spTree>
     <p:extLst>
       <p:ext uri="{BB962C8B-B14F-4D97-AF65-F5344CB8AC3E}">
-        <p14:creationId xmlns:p14="http://schemas.microsoft.com/office/powerpoint/2010/main" val="3050146344"/>
+        <p14:creationId xmlns:p14="http://schemas.microsoft.com/office/powerpoint/2010/main" val="2787011643"/>
       </p:ext>
     </p:extLst>
   </p:cSld>
@@ -9734,7 +9837,7 @@
           <p:cNvPr id="2" name="标题 1">
             <a:extLst>
               <a:ext uri="{FF2B5EF4-FFF2-40B4-BE49-F238E27FC236}">
-                <a16:creationId xmlns:a16="http://schemas.microsoft.com/office/drawing/2014/main" id="{F97FEC2C-903E-4A47-974C-27A33228303E}"/>
+                <a16:creationId xmlns:a16="http://schemas.microsoft.com/office/drawing/2014/main" id="{AE666174-80A7-4272-A725-B18C9184A4DE}"/>
               </a:ext>
             </a:extLst>
           </p:cNvPr>
@@ -9751,99 +9854,48 @@
           <a:lstStyle/>
           <a:p>
             <a:r>
-              <a:rPr lang="en-US" altLang="zh-CN" dirty="0"/>
-              <a:t>Unicode</a:t>
-            </a:r>
-            <a:r>
-              <a:rPr lang="zh-CN" altLang="en-US" dirty="0"/>
-              <a:t>转换格式 </a:t>
-            </a:r>
-            <a:r>
-              <a:rPr lang="zh-CN" altLang="en-US" sz="2000" dirty="0"/>
-              <a:t>（</a:t>
-            </a:r>
-            <a:r>
-              <a:rPr lang="en-US" altLang="zh-CN" sz="2000" dirty="0"/>
-              <a:t> Unicode Translation Format </a:t>
-            </a:r>
-            <a:r>
-              <a:rPr lang="zh-CN" altLang="en-US" sz="2000" dirty="0"/>
-              <a:t>，</a:t>
-            </a:r>
-            <a:r>
-              <a:rPr lang="en-US" altLang="zh-CN" sz="2000" dirty="0"/>
-              <a:t>UTF </a:t>
-            </a:r>
-            <a:r>
-              <a:rPr lang="zh-CN" altLang="en-US" sz="2000" dirty="0"/>
-              <a:t>）</a:t>
-            </a:r>
-          </a:p>
-        </p:txBody>
-      </p:sp>
-      <p:sp>
-        <p:nvSpPr>
-          <p:cNvPr id="3" name="内容占位符 2">
+              <a:rPr lang="zh-CN" altLang="en-US" dirty="0"/>
+              <a:t>基本多文种平面的示意图</a:t>
+            </a:r>
+          </a:p>
+        </p:txBody>
+      </p:sp>
+      <p:pic>
+        <p:nvPicPr>
+          <p:cNvPr id="5" name="图片 4">
             <a:extLst>
               <a:ext uri="{FF2B5EF4-FFF2-40B4-BE49-F238E27FC236}">
-                <a16:creationId xmlns:a16="http://schemas.microsoft.com/office/drawing/2014/main" id="{0CDD9DE6-313C-4A07-8371-2FC93A47817E}"/>
+                <a16:creationId xmlns:a16="http://schemas.microsoft.com/office/drawing/2014/main" id="{9A83D8B0-8A74-41E8-8E81-E36554527B59}"/>
               </a:ext>
             </a:extLst>
           </p:cNvPr>
-          <p:cNvSpPr>
-            <a:spLocks noGrp="1"/>
-          </p:cNvSpPr>
-          <p:nvPr>
-            <p:ph idx="1"/>
-          </p:nvPr>
-        </p:nvSpPr>
-        <p:spPr>
-          <a:xfrm>
-            <a:off x="602500" y="2187716"/>
-            <a:ext cx="10000649" cy="458207"/>
-          </a:xfrm>
-        </p:spPr>
-        <p:txBody>
-          <a:bodyPr/>
-          <a:lstStyle/>
-          <a:p>
-            <a:pPr marL="0" indent="0">
-              <a:buNone/>
-            </a:pPr>
-            <a:r>
-              <a:rPr lang="en-US" altLang="zh-CN" dirty="0"/>
-              <a:t>UTF</a:t>
-            </a:r>
-            <a:r>
-              <a:rPr lang="zh-CN" altLang="en-US" dirty="0"/>
-              <a:t>是</a:t>
-            </a:r>
-            <a:r>
-              <a:rPr lang="en-US" altLang="zh-CN" dirty="0"/>
-              <a:t>Unicode</a:t>
-            </a:r>
-            <a:r>
-              <a:rPr lang="zh-CN" altLang="en-US" dirty="0"/>
-              <a:t>的实现方式，即怎样将</a:t>
-            </a:r>
-            <a:r>
-              <a:rPr lang="en-US" altLang="zh-CN" dirty="0"/>
-              <a:t>Unicode</a:t>
-            </a:r>
-            <a:r>
-              <a:rPr lang="zh-CN" altLang="en-US" dirty="0"/>
-              <a:t>定义的数字转换成程序数据</a:t>
-            </a:r>
-            <a:endParaRPr lang="en-US" altLang="zh-CN" dirty="0"/>
-          </a:p>
-        </p:txBody>
-      </p:sp>
-      <p:sp>
-        <p:nvSpPr>
-          <p:cNvPr id="9" name="文本框 8">
+          <p:cNvPicPr>
+            <a:picLocks noChangeAspect="1"/>
+          </p:cNvPicPr>
+          <p:nvPr/>
+        </p:nvPicPr>
+        <p:blipFill>
+          <a:blip r:embed="rId2"/>
+          <a:stretch>
+            <a:fillRect/>
+          </a:stretch>
+        </p:blipFill>
+        <p:spPr>
+          <a:xfrm>
+            <a:off x="252304" y="2034013"/>
+            <a:ext cx="7093945" cy="4727462"/>
+          </a:xfrm>
+          <a:prstGeom prst="rect">
+            <a:avLst/>
+          </a:prstGeom>
+        </p:spPr>
+      </p:pic>
+      <p:sp>
+        <p:nvSpPr>
+          <p:cNvPr id="7" name="文本框 6">
             <a:extLst>
               <a:ext uri="{FF2B5EF4-FFF2-40B4-BE49-F238E27FC236}">
-                <a16:creationId xmlns:a16="http://schemas.microsoft.com/office/drawing/2014/main" id="{FDFA2D9F-E2EF-4768-BC74-FE2A1DF244C6}"/>
+                <a16:creationId xmlns:a16="http://schemas.microsoft.com/office/drawing/2014/main" id="{27514DF0-029D-4A5E-B93A-4B776EC358BD}"/>
               </a:ext>
             </a:extLst>
           </p:cNvPr>
@@ -9852,13 +9904,17 @@
         </p:nvSpPr>
         <p:spPr>
           <a:xfrm>
-            <a:off x="609600" y="3093396"/>
-            <a:ext cx="9747115" cy="2862322"/>
+            <a:off x="7425447" y="2034013"/>
+            <a:ext cx="4675762" cy="4247317"/>
           </a:xfrm>
           <a:prstGeom prst="rect">
             <a:avLst/>
           </a:prstGeom>
-          <a:noFill/>
+          <a:solidFill>
+            <a:schemeClr val="accent1">
+              <a:lumMod val="50000"/>
+            </a:schemeClr>
+          </a:solidFill>
         </p:spPr>
         <p:txBody>
           <a:bodyPr wrap="square">
@@ -9868,229 +9924,222 @@
           <a:p>
             <a:r>
               <a:rPr lang="zh-CN" altLang="en-US" dirty="0"/>
-              <a:t>例如，“汉字”对应的数字是</a:t>
+              <a:t>黑 </a:t>
             </a:r>
             <a:r>
               <a:rPr lang="en-US" altLang="zh-CN" dirty="0"/>
-              <a:t>0x6c49</a:t>
-            </a:r>
-            <a:r>
-              <a:rPr lang="zh-CN" altLang="en-US" dirty="0"/>
-              <a:t>和</a:t>
+              <a:t>= </a:t>
+            </a:r>
+            <a:r>
+              <a:rPr lang="zh-CN" altLang="en-US" dirty="0"/>
+              <a:t>拉丁文字及符号</a:t>
+            </a:r>
+          </a:p>
+          <a:p>
+            <a:r>
+              <a:rPr lang="zh-CN" altLang="en-US" dirty="0"/>
+              <a:t>浅蓝 </a:t>
             </a:r>
             <a:r>
               <a:rPr lang="en-US" altLang="zh-CN" dirty="0"/>
-              <a:t>0x5b57</a:t>
-            </a:r>
-            <a:r>
-              <a:rPr lang="zh-CN" altLang="en-US" dirty="0"/>
-              <a:t>，而编码的程序数据是：</a:t>
-            </a:r>
-          </a:p>
-          <a:p>
-            <a:r>
-              <a:rPr lang="zh-CN" altLang="en-US" dirty="0"/>
-              <a:t>　　</a:t>
+              <a:t>= Linguistic scripts</a:t>
+            </a:r>
+          </a:p>
+          <a:p>
+            <a:r>
+              <a:rPr lang="zh-CN" altLang="en-US" dirty="0"/>
+              <a:t>蓝 </a:t>
             </a:r>
             <a:r>
               <a:rPr lang="en-US" altLang="zh-CN" dirty="0"/>
-              <a:t>BYTE 	data_utf8[] 	= 	{0xE6, 0xB1, 0x89, 0xE5, 0xAD, 0x97}; // UTF-8  </a:t>
-            </a:r>
-            <a:r>
-              <a:rPr lang="zh-CN" altLang="en-US" dirty="0"/>
-              <a:t>编码</a:t>
-            </a:r>
-          </a:p>
-          <a:p>
-            <a:r>
-              <a:rPr lang="zh-CN" altLang="en-US" dirty="0"/>
-              <a:t>　　</a:t>
+              <a:t>= </a:t>
+            </a:r>
+            <a:r>
+              <a:rPr lang="zh-CN" altLang="en-US" dirty="0"/>
+              <a:t>其他欧洲文字</a:t>
+            </a:r>
+          </a:p>
+          <a:p>
+            <a:r>
+              <a:rPr lang="zh-CN" altLang="en-US" dirty="0"/>
+              <a:t>橘 </a:t>
             </a:r>
             <a:r>
               <a:rPr lang="en-US" altLang="zh-CN" dirty="0"/>
-              <a:t>WORD 	data_utf16[] 	= 	{0x6c49, 0x5b57}; 					// UTF-16</a:t>
-            </a:r>
-            <a:r>
-              <a:rPr lang="zh-CN" altLang="en-US" dirty="0"/>
-              <a:t>编码</a:t>
-            </a:r>
-          </a:p>
-          <a:p>
-            <a:r>
-              <a:rPr lang="zh-CN" altLang="en-US" dirty="0"/>
-              <a:t>　　</a:t>
+              <a:t>= Middle Eastern and SW Asian scripts</a:t>
+            </a:r>
+          </a:p>
+          <a:p>
+            <a:r>
+              <a:rPr lang="zh-CN" altLang="en-US" dirty="0"/>
+              <a:t>浅橘 </a:t>
             </a:r>
             <a:r>
               <a:rPr lang="en-US" altLang="zh-CN" dirty="0"/>
-              <a:t>DWORD 	data_utf32[] 	= 	{0x6c49, 0x5b57}; 					// UTF-32</a:t>
-            </a:r>
-            <a:r>
-              <a:rPr lang="zh-CN" altLang="en-US" dirty="0"/>
-              <a:t>编码</a:t>
-            </a:r>
-          </a:p>
-          <a:p>
-            <a:r>
-              <a:rPr lang="zh-CN" altLang="en-US" dirty="0"/>
-              <a:t>　　</a:t>
-            </a:r>
-            <a:endParaRPr lang="en-US" altLang="zh-CN" dirty="0"/>
-          </a:p>
-          <a:p>
+              <a:t>= </a:t>
+            </a:r>
+            <a:r>
+              <a:rPr lang="zh-CN" altLang="en-US" dirty="0"/>
+              <a:t>非洲文字</a:t>
+            </a:r>
+          </a:p>
+          <a:p>
+            <a:r>
+              <a:rPr lang="zh-CN" altLang="en-US" dirty="0"/>
+              <a:t>绿 </a:t>
+            </a:r>
             <a:r>
               <a:rPr lang="en-US" altLang="zh-CN" dirty="0"/>
-              <a:t>BYTE</a:t>
-            </a:r>
-            <a:r>
-              <a:rPr lang="zh-CN" altLang="en-US" dirty="0"/>
-              <a:t>、</a:t>
+              <a:t>= </a:t>
+            </a:r>
+            <a:r>
+              <a:rPr lang="zh-CN" altLang="en-US" dirty="0"/>
+              <a:t>南亚文字</a:t>
+            </a:r>
+          </a:p>
+          <a:p>
+            <a:r>
+              <a:rPr lang="zh-CN" altLang="en-US" dirty="0"/>
+              <a:t>紫 </a:t>
             </a:r>
             <a:r>
               <a:rPr lang="en-US" altLang="zh-CN" dirty="0"/>
-              <a:t>WORD</a:t>
-            </a:r>
-            <a:r>
-              <a:rPr lang="zh-CN" altLang="en-US" dirty="0"/>
-              <a:t>、</a:t>
+              <a:t>= </a:t>
+            </a:r>
+            <a:r>
+              <a:rPr lang="zh-CN" altLang="en-US" dirty="0"/>
+              <a:t>东南亚文字</a:t>
+            </a:r>
+          </a:p>
+          <a:p>
+            <a:r>
+              <a:rPr lang="zh-CN" altLang="en-US" dirty="0"/>
+              <a:t>红 </a:t>
             </a:r>
             <a:r>
               <a:rPr lang="en-US" altLang="zh-CN" dirty="0"/>
-              <a:t>DWORD</a:t>
-            </a:r>
-            <a:r>
-              <a:rPr lang="zh-CN" altLang="en-US" dirty="0"/>
-              <a:t>分别表示无符号</a:t>
+              <a:t>= </a:t>
+            </a:r>
+            <a:r>
+              <a:rPr lang="zh-CN" altLang="en-US" dirty="0"/>
+              <a:t>东亚文字</a:t>
+            </a:r>
+          </a:p>
+          <a:p>
+            <a:r>
+              <a:rPr lang="zh-CN" altLang="en-US" dirty="0">
+                <a:highlight>
+                  <a:srgbClr val="008000"/>
+                </a:highlight>
+              </a:rPr>
+              <a:t>浅红 </a:t>
+            </a:r>
+            <a:r>
+              <a:rPr lang="en-US" altLang="zh-CN" dirty="0">
+                <a:highlight>
+                  <a:srgbClr val="008000"/>
+                </a:highlight>
+              </a:rPr>
+              <a:t>= </a:t>
+            </a:r>
+            <a:r>
+              <a:rPr lang="zh-CN" altLang="en-US" dirty="0">
+                <a:highlight>
+                  <a:srgbClr val="008000"/>
+                </a:highlight>
+              </a:rPr>
+              <a:t>中日韩汉字 </a:t>
+            </a:r>
+            <a:r>
+              <a:rPr lang="en-US" altLang="zh-CN" dirty="0">
+                <a:highlight>
+                  <a:srgbClr val="008000"/>
+                </a:highlight>
+              </a:rPr>
+              <a:t>CJK</a:t>
+            </a:r>
+            <a:endParaRPr lang="zh-CN" altLang="en-US" dirty="0">
+              <a:highlight>
+                <a:srgbClr val="008000"/>
+              </a:highlight>
+            </a:endParaRPr>
+          </a:p>
+          <a:p>
+            <a:r>
+              <a:rPr lang="zh-CN" altLang="en-US" dirty="0"/>
+              <a:t>黄 </a:t>
             </a:r>
             <a:r>
               <a:rPr lang="en-US" altLang="zh-CN" dirty="0"/>
-              <a:t>8</a:t>
-            </a:r>
-            <a:r>
-              <a:rPr lang="zh-CN" altLang="en-US" dirty="0"/>
-              <a:t>位整数，无符号</a:t>
+              <a:t>= Aboriginal scripts</a:t>
+            </a:r>
+          </a:p>
+          <a:p>
+            <a:r>
+              <a:rPr lang="zh-CN" altLang="en-US" dirty="0"/>
+              <a:t>紫红 </a:t>
             </a:r>
             <a:r>
               <a:rPr lang="en-US" altLang="zh-CN" dirty="0"/>
-              <a:t>16</a:t>
-            </a:r>
-            <a:r>
-              <a:rPr lang="zh-CN" altLang="en-US" dirty="0"/>
-              <a:t>位整数和无符号</a:t>
+              <a:t>= </a:t>
+            </a:r>
+            <a:r>
+              <a:rPr lang="zh-CN" altLang="en-US" dirty="0"/>
+              <a:t>符号</a:t>
+            </a:r>
+          </a:p>
+          <a:p>
+            <a:r>
+              <a:rPr lang="zh-CN" altLang="en-US" dirty="0"/>
+              <a:t>深灰 </a:t>
             </a:r>
             <a:r>
               <a:rPr lang="en-US" altLang="zh-CN" dirty="0"/>
-              <a:t>32</a:t>
-            </a:r>
-            <a:r>
-              <a:rPr lang="zh-CN" altLang="en-US" dirty="0"/>
-              <a:t>位整数。</a:t>
-            </a:r>
-            <a:endParaRPr lang="en-US" altLang="zh-CN" dirty="0"/>
-          </a:p>
-          <a:p>
-            <a:endParaRPr lang="en-US" altLang="zh-CN" dirty="0"/>
-          </a:p>
-          <a:p>
-            <a:r>
-              <a:rPr lang="zh-CN" altLang="en-US" dirty="0"/>
-              <a:t>“汉字”的</a:t>
+              <a:t>= Diacritics</a:t>
+            </a:r>
+          </a:p>
+          <a:p>
+            <a:r>
+              <a:rPr lang="zh-CN" altLang="en-US" dirty="0"/>
+              <a:t>浅灰 </a:t>
             </a:r>
             <a:r>
               <a:rPr lang="en-US" altLang="zh-CN" dirty="0"/>
-              <a:t>UTF-8  </a:t>
-            </a:r>
-            <a:r>
-              <a:rPr lang="zh-CN" altLang="en-US" dirty="0"/>
-              <a:t>编码需要</a:t>
+              <a:t>= UTF-16surrogates and private use</a:t>
+            </a:r>
+          </a:p>
+          <a:p>
+            <a:r>
+              <a:rPr lang="zh-CN" altLang="en-US" dirty="0"/>
+              <a:t>蓝青 </a:t>
             </a:r>
             <a:r>
               <a:rPr lang="en-US" altLang="zh-CN" dirty="0"/>
-              <a:t>6</a:t>
-            </a:r>
-            <a:r>
-              <a:rPr lang="zh-CN" altLang="en-US" dirty="0"/>
-              <a:t>个字节（</a:t>
+              <a:t>= Miscellaneous characters</a:t>
+            </a:r>
+          </a:p>
+          <a:p>
+            <a:r>
+              <a:rPr lang="zh-CN" altLang="en-US" dirty="0"/>
+              <a:t>白 </a:t>
             </a:r>
             <a:r>
               <a:rPr lang="en-US" altLang="zh-CN" dirty="0"/>
-              <a:t> BYTE </a:t>
-            </a:r>
-            <a:r>
-              <a:rPr lang="zh-CN" altLang="en-US" dirty="0"/>
-              <a:t>）。</a:t>
-            </a:r>
-            <a:endParaRPr lang="en-US" altLang="zh-CN" dirty="0"/>
-          </a:p>
-          <a:p>
-            <a:r>
-              <a:rPr lang="zh-CN" altLang="en-US" dirty="0"/>
-              <a:t>“汉字”的</a:t>
-            </a:r>
-            <a:r>
-              <a:rPr lang="en-US" altLang="zh-CN" dirty="0"/>
-              <a:t>UTF-16</a:t>
-            </a:r>
-            <a:r>
-              <a:rPr lang="zh-CN" altLang="en-US" dirty="0"/>
-              <a:t>编码需要两个</a:t>
-            </a:r>
-            <a:r>
-              <a:rPr lang="en-US" altLang="zh-CN" dirty="0"/>
-              <a:t>WORD</a:t>
-            </a:r>
-            <a:r>
-              <a:rPr lang="zh-CN" altLang="en-US" dirty="0"/>
-              <a:t>，大小是</a:t>
-            </a:r>
-            <a:r>
-              <a:rPr lang="en-US" altLang="zh-CN" dirty="0"/>
-              <a:t>4</a:t>
-            </a:r>
-            <a:r>
-              <a:rPr lang="zh-CN" altLang="en-US" dirty="0"/>
-              <a:t>个字节。</a:t>
-            </a:r>
-            <a:endParaRPr lang="en-US" altLang="zh-CN" dirty="0"/>
-          </a:p>
-          <a:p>
-            <a:r>
-              <a:rPr lang="zh-CN" altLang="en-US" dirty="0"/>
-              <a:t>“汉字”的</a:t>
-            </a:r>
-            <a:r>
-              <a:rPr lang="en-US" altLang="zh-CN" dirty="0"/>
-              <a:t>UTF-32</a:t>
-            </a:r>
-            <a:r>
-              <a:rPr lang="zh-CN" altLang="en-US" dirty="0"/>
-              <a:t>编码需要两个</a:t>
-            </a:r>
-            <a:r>
-              <a:rPr lang="en-US" altLang="zh-CN" dirty="0"/>
-              <a:t>DWORD</a:t>
-            </a:r>
-            <a:r>
-              <a:rPr lang="zh-CN" altLang="en-US" dirty="0"/>
-              <a:t>，大小是</a:t>
-            </a:r>
-            <a:r>
-              <a:rPr lang="en-US" altLang="zh-CN" dirty="0"/>
-              <a:t>8</a:t>
-            </a:r>
-            <a:r>
-              <a:rPr lang="zh-CN" altLang="en-US" dirty="0"/>
-              <a:t>个字节。</a:t>
-            </a:r>
-            <a:endParaRPr lang="en-US" altLang="zh-CN" dirty="0"/>
-          </a:p>
-        </p:txBody>
-      </p:sp>
-      <p:sp>
-        <p:nvSpPr>
-          <p:cNvPr id="11" name="文本框 10">
+              <a:t>= </a:t>
+            </a:r>
+            <a:r>
+              <a:rPr lang="zh-CN" altLang="en-US" dirty="0"/>
+              <a:t>未使用</a:t>
+            </a:r>
+          </a:p>
+        </p:txBody>
+      </p:sp>
+      <p:sp>
+        <p:nvSpPr>
+          <p:cNvPr id="9" name="文本框 8">
             <a:extLst>
               <a:ext uri="{FF2B5EF4-FFF2-40B4-BE49-F238E27FC236}">
-                <a16:creationId xmlns:a16="http://schemas.microsoft.com/office/drawing/2014/main" id="{EAF674BC-E57F-40E3-AE55-6D5F61FFA36D}"/>
+                <a16:creationId xmlns:a16="http://schemas.microsoft.com/office/drawing/2014/main" id="{808EA348-A721-4CA9-BFE7-53E6EA42BE37}"/>
               </a:ext>
             </a:extLst>
           </p:cNvPr>
@@ -10099,8 +10148,8 @@
         </p:nvSpPr>
         <p:spPr>
           <a:xfrm>
-            <a:off x="680321" y="6611779"/>
-            <a:ext cx="6096000" cy="246221"/>
+            <a:off x="7425447" y="6392143"/>
+            <a:ext cx="3800273" cy="369332"/>
           </a:xfrm>
           <a:prstGeom prst="rect">
             <a:avLst/>
@@ -10114,17 +10163,24 @@
           <a:lstStyle/>
           <a:p>
             <a:r>
-              <a:rPr lang="en-US" altLang="zh-CN" sz="1000" dirty="0"/>
-              <a:t>http://blog.chinaunix.net/uid-22805258-id-1768945.html</a:t>
-            </a:r>
-            <a:endParaRPr lang="zh-CN" altLang="en-US" sz="1000" dirty="0"/>
+              <a:rPr lang="zh-CN" altLang="en-US" dirty="0"/>
+              <a:t>每个写着数字的格子代表</a:t>
+            </a:r>
+            <a:r>
+              <a:rPr lang="en-US" altLang="zh-CN" dirty="0"/>
+              <a:t>256</a:t>
+            </a:r>
+            <a:r>
+              <a:rPr lang="zh-CN" altLang="en-US" dirty="0"/>
+              <a:t>个码点</a:t>
+            </a:r>
           </a:p>
         </p:txBody>
       </p:sp>
     </p:spTree>
     <p:extLst>
       <p:ext uri="{BB962C8B-B14F-4D97-AF65-F5344CB8AC3E}">
-        <p14:creationId xmlns:p14="http://schemas.microsoft.com/office/powerpoint/2010/main" val="1627473792"/>
+        <p14:creationId xmlns:p14="http://schemas.microsoft.com/office/powerpoint/2010/main" val="3050146344"/>
       </p:ext>
     </p:extLst>
   </p:cSld>
@@ -10156,6 +10212,605 @@
           <p:cNvPr id="2" name="标题 1">
             <a:extLst>
               <a:ext uri="{FF2B5EF4-FFF2-40B4-BE49-F238E27FC236}">
+                <a16:creationId xmlns:a16="http://schemas.microsoft.com/office/drawing/2014/main" id="{F97FEC2C-903E-4A47-974C-27A33228303E}"/>
+              </a:ext>
+            </a:extLst>
+          </p:cNvPr>
+          <p:cNvSpPr>
+            <a:spLocks noGrp="1"/>
+          </p:cNvSpPr>
+          <p:nvPr>
+            <p:ph type="title"/>
+          </p:nvPr>
+        </p:nvSpPr>
+        <p:spPr/>
+        <p:txBody>
+          <a:bodyPr/>
+          <a:lstStyle/>
+          <a:p>
+            <a:r>
+              <a:rPr lang="en-US" altLang="zh-CN" dirty="0"/>
+              <a:t>Unicode</a:t>
+            </a:r>
+            <a:r>
+              <a:rPr lang="zh-CN" altLang="en-US" dirty="0"/>
+              <a:t>转换格式 </a:t>
+            </a:r>
+            <a:r>
+              <a:rPr lang="zh-CN" altLang="en-US" sz="2000" dirty="0"/>
+              <a:t>（</a:t>
+            </a:r>
+            <a:r>
+              <a:rPr lang="en-US" altLang="zh-CN" sz="2000" dirty="0"/>
+              <a:t> Unicode Translation Format </a:t>
+            </a:r>
+            <a:r>
+              <a:rPr lang="zh-CN" altLang="en-US" sz="2000" dirty="0"/>
+              <a:t>，</a:t>
+            </a:r>
+            <a:r>
+              <a:rPr lang="en-US" altLang="zh-CN" sz="2000" dirty="0">
+                <a:highlight>
+                  <a:srgbClr val="008000"/>
+                </a:highlight>
+              </a:rPr>
+              <a:t>UTF</a:t>
+            </a:r>
+            <a:r>
+              <a:rPr lang="en-US" altLang="zh-CN" sz="2000" dirty="0"/>
+              <a:t> </a:t>
+            </a:r>
+            <a:r>
+              <a:rPr lang="zh-CN" altLang="en-US" sz="2000" dirty="0"/>
+              <a:t>）</a:t>
+            </a:r>
+          </a:p>
+        </p:txBody>
+      </p:sp>
+      <p:sp>
+        <p:nvSpPr>
+          <p:cNvPr id="3" name="内容占位符 2">
+            <a:extLst>
+              <a:ext uri="{FF2B5EF4-FFF2-40B4-BE49-F238E27FC236}">
+                <a16:creationId xmlns:a16="http://schemas.microsoft.com/office/drawing/2014/main" id="{0CDD9DE6-313C-4A07-8371-2FC93A47817E}"/>
+              </a:ext>
+            </a:extLst>
+          </p:cNvPr>
+          <p:cNvSpPr>
+            <a:spLocks noGrp="1"/>
+          </p:cNvSpPr>
+          <p:nvPr>
+            <p:ph idx="1"/>
+          </p:nvPr>
+        </p:nvSpPr>
+        <p:spPr>
+          <a:xfrm>
+            <a:off x="609600" y="2330388"/>
+            <a:ext cx="10596664" cy="458207"/>
+          </a:xfrm>
+          <a:solidFill>
+            <a:schemeClr val="accent1">
+              <a:lumMod val="50000"/>
+            </a:schemeClr>
+          </a:solidFill>
+        </p:spPr>
+        <p:txBody>
+          <a:bodyPr/>
+          <a:lstStyle/>
+          <a:p>
+            <a:pPr marL="0" indent="0">
+              <a:buNone/>
+            </a:pPr>
+            <a:r>
+              <a:rPr lang="en-US" altLang="zh-CN" b="1" dirty="0">
+                <a:solidFill>
+                  <a:schemeClr val="accent2">
+                    <a:lumMod val="75000"/>
+                  </a:schemeClr>
+                </a:solidFill>
+                <a:highlight>
+                  <a:srgbClr val="008000"/>
+                </a:highlight>
+              </a:rPr>
+              <a:t>UTF</a:t>
+            </a:r>
+            <a:r>
+              <a:rPr lang="zh-CN" altLang="en-US" b="1" dirty="0">
+                <a:solidFill>
+                  <a:schemeClr val="accent2">
+                    <a:lumMod val="75000"/>
+                  </a:schemeClr>
+                </a:solidFill>
+                <a:highlight>
+                  <a:srgbClr val="008000"/>
+                </a:highlight>
+              </a:rPr>
+              <a:t>是</a:t>
+            </a:r>
+            <a:r>
+              <a:rPr lang="en-US" altLang="zh-CN" b="1" dirty="0">
+                <a:solidFill>
+                  <a:schemeClr val="accent2">
+                    <a:lumMod val="75000"/>
+                  </a:schemeClr>
+                </a:solidFill>
+                <a:highlight>
+                  <a:srgbClr val="008000"/>
+                </a:highlight>
+              </a:rPr>
+              <a:t>Unicode</a:t>
+            </a:r>
+            <a:r>
+              <a:rPr lang="zh-CN" altLang="en-US" b="1" dirty="0">
+                <a:solidFill>
+                  <a:schemeClr val="accent2">
+                    <a:lumMod val="75000"/>
+                  </a:schemeClr>
+                </a:solidFill>
+                <a:highlight>
+                  <a:srgbClr val="008000"/>
+                </a:highlight>
+              </a:rPr>
+              <a:t>的实现方式</a:t>
+            </a:r>
+            <a:r>
+              <a:rPr lang="zh-CN" altLang="en-US" dirty="0"/>
+              <a:t>，即怎样</a:t>
+            </a:r>
+            <a:r>
+              <a:rPr lang="zh-CN" altLang="en-US" dirty="0">
+                <a:highlight>
+                  <a:srgbClr val="008000"/>
+                </a:highlight>
+              </a:rPr>
+              <a:t>将</a:t>
+            </a:r>
+            <a:r>
+              <a:rPr lang="en-US" altLang="zh-CN" dirty="0">
+                <a:highlight>
+                  <a:srgbClr val="008000"/>
+                </a:highlight>
+              </a:rPr>
+              <a:t>Unicode</a:t>
+            </a:r>
+            <a:r>
+              <a:rPr lang="zh-CN" altLang="en-US" dirty="0">
+                <a:highlight>
+                  <a:srgbClr val="008000"/>
+                </a:highlight>
+              </a:rPr>
+              <a:t>定义的数字转换成程序数据</a:t>
+            </a:r>
+            <a:endParaRPr lang="en-US" altLang="zh-CN" dirty="0">
+              <a:highlight>
+                <a:srgbClr val="008000"/>
+              </a:highlight>
+            </a:endParaRPr>
+          </a:p>
+        </p:txBody>
+      </p:sp>
+      <p:sp>
+        <p:nvSpPr>
+          <p:cNvPr id="9" name="文本框 8">
+            <a:extLst>
+              <a:ext uri="{FF2B5EF4-FFF2-40B4-BE49-F238E27FC236}">
+                <a16:creationId xmlns:a16="http://schemas.microsoft.com/office/drawing/2014/main" id="{FDFA2D9F-E2EF-4768-BC74-FE2A1DF244C6}"/>
+              </a:ext>
+            </a:extLst>
+          </p:cNvPr>
+          <p:cNvSpPr txBox="1"/>
+          <p:nvPr/>
+        </p:nvSpPr>
+        <p:spPr>
+          <a:xfrm>
+            <a:off x="609599" y="3093396"/>
+            <a:ext cx="10596663" cy="2862322"/>
+          </a:xfrm>
+          <a:prstGeom prst="rect">
+            <a:avLst/>
+          </a:prstGeom>
+          <a:solidFill>
+            <a:schemeClr val="accent1">
+              <a:lumMod val="50000"/>
+            </a:schemeClr>
+          </a:solidFill>
+        </p:spPr>
+        <p:txBody>
+          <a:bodyPr wrap="square">
+            <a:spAutoFit/>
+          </a:bodyPr>
+          <a:lstStyle/>
+          <a:p>
+            <a:r>
+              <a:rPr lang="zh-CN" altLang="en-US" dirty="0"/>
+              <a:t>例如，“</a:t>
+            </a:r>
+            <a:r>
+              <a:rPr lang="zh-CN" altLang="en-US" dirty="0">
+                <a:highlight>
+                  <a:srgbClr val="008000"/>
+                </a:highlight>
+              </a:rPr>
+              <a:t>汉</a:t>
+            </a:r>
+            <a:r>
+              <a:rPr lang="zh-CN" altLang="en-US" dirty="0">
+                <a:highlight>
+                  <a:srgbClr val="800000"/>
+                </a:highlight>
+              </a:rPr>
+              <a:t>字</a:t>
+            </a:r>
+            <a:r>
+              <a:rPr lang="zh-CN" altLang="en-US" dirty="0"/>
+              <a:t>”对应的数字是</a:t>
+            </a:r>
+            <a:r>
+              <a:rPr lang="en-US" altLang="zh-CN" dirty="0">
+                <a:highlight>
+                  <a:srgbClr val="008000"/>
+                </a:highlight>
+              </a:rPr>
+              <a:t>0x6c49</a:t>
+            </a:r>
+            <a:r>
+              <a:rPr lang="zh-CN" altLang="en-US" dirty="0"/>
+              <a:t>和</a:t>
+            </a:r>
+            <a:r>
+              <a:rPr lang="en-US" altLang="zh-CN" dirty="0">
+                <a:highlight>
+                  <a:srgbClr val="800000"/>
+                </a:highlight>
+              </a:rPr>
+              <a:t>0x5b57</a:t>
+            </a:r>
+            <a:r>
+              <a:rPr lang="zh-CN" altLang="en-US" dirty="0"/>
+              <a:t>，而编码的程序数据是：</a:t>
+            </a:r>
+          </a:p>
+          <a:p>
+            <a:r>
+              <a:rPr lang="zh-CN" altLang="en-US" dirty="0"/>
+              <a:t>　　</a:t>
+            </a:r>
+            <a:r>
+              <a:rPr lang="en-US" altLang="zh-CN" dirty="0"/>
+              <a:t>BYTE 	data_utf8[] 	= 	{</a:t>
+            </a:r>
+            <a:r>
+              <a:rPr lang="en-US" altLang="zh-CN" dirty="0">
+                <a:highlight>
+                  <a:srgbClr val="008000"/>
+                </a:highlight>
+              </a:rPr>
+              <a:t>0xE6, 0xB1, 0x89</a:t>
+            </a:r>
+            <a:r>
+              <a:rPr lang="en-US" altLang="zh-CN" dirty="0"/>
+              <a:t>, </a:t>
+            </a:r>
+            <a:r>
+              <a:rPr lang="en-US" altLang="zh-CN" dirty="0">
+                <a:highlight>
+                  <a:srgbClr val="800000"/>
+                </a:highlight>
+              </a:rPr>
+              <a:t>0xE5, 0xAD, 0x97</a:t>
+            </a:r>
+            <a:r>
+              <a:rPr lang="en-US" altLang="zh-CN" dirty="0"/>
+              <a:t>}; // UTF-8  </a:t>
+            </a:r>
+            <a:r>
+              <a:rPr lang="zh-CN" altLang="en-US" dirty="0"/>
+              <a:t>编码</a:t>
+            </a:r>
+          </a:p>
+          <a:p>
+            <a:r>
+              <a:rPr lang="zh-CN" altLang="en-US" dirty="0"/>
+              <a:t>　　</a:t>
+            </a:r>
+            <a:r>
+              <a:rPr lang="en-US" altLang="zh-CN" dirty="0"/>
+              <a:t>WORD 	data_utf16[] 	= 	{</a:t>
+            </a:r>
+            <a:r>
+              <a:rPr lang="en-US" altLang="zh-CN" dirty="0">
+                <a:highlight>
+                  <a:srgbClr val="008000"/>
+                </a:highlight>
+              </a:rPr>
+              <a:t>0x6c49</a:t>
+            </a:r>
+            <a:r>
+              <a:rPr lang="en-US" altLang="zh-CN" dirty="0"/>
+              <a:t>, </a:t>
+            </a:r>
+            <a:r>
+              <a:rPr lang="en-US" altLang="zh-CN" dirty="0">
+                <a:highlight>
+                  <a:srgbClr val="800000"/>
+                </a:highlight>
+              </a:rPr>
+              <a:t>0x5b57</a:t>
+            </a:r>
+            <a:r>
+              <a:rPr lang="en-US" altLang="zh-CN" dirty="0"/>
+              <a:t>}; 					// UTF-16</a:t>
+            </a:r>
+            <a:r>
+              <a:rPr lang="zh-CN" altLang="en-US" dirty="0"/>
+              <a:t>编码</a:t>
+            </a:r>
+          </a:p>
+          <a:p>
+            <a:r>
+              <a:rPr lang="zh-CN" altLang="en-US" dirty="0"/>
+              <a:t>　　</a:t>
+            </a:r>
+            <a:r>
+              <a:rPr lang="en-US" altLang="zh-CN" dirty="0"/>
+              <a:t>DWORD 	data_utf32[] 	= 	{</a:t>
+            </a:r>
+            <a:r>
+              <a:rPr lang="en-US" altLang="zh-CN" dirty="0">
+                <a:highlight>
+                  <a:srgbClr val="008000"/>
+                </a:highlight>
+              </a:rPr>
+              <a:t>0x6c49</a:t>
+            </a:r>
+            <a:r>
+              <a:rPr lang="en-US" altLang="zh-CN" dirty="0"/>
+              <a:t>, </a:t>
+            </a:r>
+            <a:r>
+              <a:rPr lang="en-US" altLang="zh-CN" dirty="0">
+                <a:highlight>
+                  <a:srgbClr val="800000"/>
+                </a:highlight>
+              </a:rPr>
+              <a:t>0x5b57</a:t>
+            </a:r>
+            <a:r>
+              <a:rPr lang="en-US" altLang="zh-CN" dirty="0"/>
+              <a:t>}; 					// UTF-32</a:t>
+            </a:r>
+            <a:r>
+              <a:rPr lang="zh-CN" altLang="en-US" dirty="0"/>
+              <a:t>编码</a:t>
+            </a:r>
+          </a:p>
+          <a:p>
+            <a:r>
+              <a:rPr lang="zh-CN" altLang="en-US" dirty="0"/>
+              <a:t>　　</a:t>
+            </a:r>
+            <a:endParaRPr lang="en-US" altLang="zh-CN" dirty="0"/>
+          </a:p>
+          <a:p>
+            <a:r>
+              <a:rPr lang="en-US" altLang="zh-CN" dirty="0"/>
+              <a:t>BYTE</a:t>
+            </a:r>
+            <a:r>
+              <a:rPr lang="zh-CN" altLang="en-US" dirty="0"/>
+              <a:t>、</a:t>
+            </a:r>
+            <a:r>
+              <a:rPr lang="en-US" altLang="zh-CN" dirty="0"/>
+              <a:t>WORD</a:t>
+            </a:r>
+            <a:r>
+              <a:rPr lang="zh-CN" altLang="en-US" dirty="0"/>
+              <a:t>、</a:t>
+            </a:r>
+            <a:r>
+              <a:rPr lang="en-US" altLang="zh-CN" dirty="0"/>
+              <a:t>DWORD</a:t>
+            </a:r>
+            <a:r>
+              <a:rPr lang="zh-CN" altLang="en-US" dirty="0"/>
+              <a:t>分别表示无符号</a:t>
+            </a:r>
+            <a:r>
+              <a:rPr lang="en-US" altLang="zh-CN" dirty="0"/>
+              <a:t>8</a:t>
+            </a:r>
+            <a:r>
+              <a:rPr lang="zh-CN" altLang="en-US" dirty="0"/>
+              <a:t>位整数，无符号</a:t>
+            </a:r>
+            <a:r>
+              <a:rPr lang="en-US" altLang="zh-CN" dirty="0"/>
+              <a:t>16</a:t>
+            </a:r>
+            <a:r>
+              <a:rPr lang="zh-CN" altLang="en-US" dirty="0"/>
+              <a:t>位整数和无符号</a:t>
+            </a:r>
+            <a:r>
+              <a:rPr lang="en-US" altLang="zh-CN" dirty="0"/>
+              <a:t>32</a:t>
+            </a:r>
+            <a:r>
+              <a:rPr lang="zh-CN" altLang="en-US" dirty="0"/>
+              <a:t>位整数。</a:t>
+            </a:r>
+            <a:endParaRPr lang="en-US" altLang="zh-CN" dirty="0"/>
+          </a:p>
+          <a:p>
+            <a:endParaRPr lang="en-US" altLang="zh-CN" dirty="0"/>
+          </a:p>
+          <a:p>
+            <a:r>
+              <a:rPr lang="zh-CN" altLang="en-US" dirty="0"/>
+              <a:t>“汉字”的</a:t>
+            </a:r>
+            <a:r>
+              <a:rPr lang="en-US" altLang="zh-CN" dirty="0"/>
+              <a:t>UTF-8  	</a:t>
+            </a:r>
+            <a:r>
+              <a:rPr lang="zh-CN" altLang="en-US" dirty="0"/>
+              <a:t>编码需要六个</a:t>
+            </a:r>
+            <a:r>
+              <a:rPr lang="en-US" altLang="zh-CN" dirty="0"/>
+              <a:t>BYTE</a:t>
+            </a:r>
+            <a:r>
+              <a:rPr lang="zh-CN" altLang="en-US" dirty="0"/>
+              <a:t>，</a:t>
+            </a:r>
+            <a:r>
+              <a:rPr lang="en-US" altLang="zh-CN" dirty="0"/>
+              <a:t>		6</a:t>
+            </a:r>
+            <a:r>
+              <a:rPr lang="zh-CN" altLang="en-US" dirty="0"/>
+              <a:t>个字节。</a:t>
+            </a:r>
+            <a:endParaRPr lang="en-US" altLang="zh-CN" dirty="0"/>
+          </a:p>
+          <a:p>
+            <a:r>
+              <a:rPr lang="zh-CN" altLang="en-US" dirty="0"/>
+              <a:t>“汉字”的</a:t>
+            </a:r>
+            <a:r>
+              <a:rPr lang="en-US" altLang="zh-CN" dirty="0"/>
+              <a:t>UTF-16	</a:t>
+            </a:r>
+            <a:r>
+              <a:rPr lang="zh-CN" altLang="en-US" dirty="0"/>
+              <a:t>编码需要两个</a:t>
+            </a:r>
+            <a:r>
+              <a:rPr lang="en-US" altLang="zh-CN" dirty="0"/>
+              <a:t>WORD</a:t>
+            </a:r>
+            <a:r>
+              <a:rPr lang="zh-CN" altLang="en-US" dirty="0"/>
+              <a:t>，</a:t>
+            </a:r>
+            <a:r>
+              <a:rPr lang="en-US" altLang="zh-CN" dirty="0"/>
+              <a:t>		4</a:t>
+            </a:r>
+            <a:r>
+              <a:rPr lang="zh-CN" altLang="en-US" dirty="0"/>
+              <a:t>个字节。</a:t>
+            </a:r>
+            <a:endParaRPr lang="en-US" altLang="zh-CN" dirty="0"/>
+          </a:p>
+          <a:p>
+            <a:r>
+              <a:rPr lang="zh-CN" altLang="en-US" dirty="0"/>
+              <a:t>“汉字”的</a:t>
+            </a:r>
+            <a:r>
+              <a:rPr lang="en-US" altLang="zh-CN" dirty="0"/>
+              <a:t>UTF-32	</a:t>
+            </a:r>
+            <a:r>
+              <a:rPr lang="zh-CN" altLang="en-US" dirty="0"/>
+              <a:t>编码需要两个</a:t>
+            </a:r>
+            <a:r>
+              <a:rPr lang="en-US" altLang="zh-CN" dirty="0"/>
+              <a:t>DWORD</a:t>
+            </a:r>
+            <a:r>
+              <a:rPr lang="zh-CN" altLang="en-US" dirty="0"/>
+              <a:t>，</a:t>
+            </a:r>
+            <a:r>
+              <a:rPr lang="en-US" altLang="zh-CN" dirty="0"/>
+              <a:t>	8</a:t>
+            </a:r>
+            <a:r>
+              <a:rPr lang="zh-CN" altLang="en-US" dirty="0"/>
+              <a:t>个字节。</a:t>
+            </a:r>
+            <a:endParaRPr lang="en-US" altLang="zh-CN" dirty="0"/>
+          </a:p>
+        </p:txBody>
+      </p:sp>
+      <p:sp>
+        <p:nvSpPr>
+          <p:cNvPr id="11" name="文本框 10">
+            <a:extLst>
+              <a:ext uri="{FF2B5EF4-FFF2-40B4-BE49-F238E27FC236}">
+                <a16:creationId xmlns:a16="http://schemas.microsoft.com/office/drawing/2014/main" id="{EAF674BC-E57F-40E3-AE55-6D5F61FFA36D}"/>
+              </a:ext>
+            </a:extLst>
+          </p:cNvPr>
+          <p:cNvSpPr txBox="1"/>
+          <p:nvPr/>
+        </p:nvSpPr>
+        <p:spPr>
+          <a:xfrm>
+            <a:off x="609600" y="6403191"/>
+            <a:ext cx="6096000" cy="246221"/>
+          </a:xfrm>
+          <a:prstGeom prst="rect">
+            <a:avLst/>
+          </a:prstGeom>
+          <a:noFill/>
+        </p:spPr>
+        <p:txBody>
+          <a:bodyPr wrap="square">
+            <a:spAutoFit/>
+          </a:bodyPr>
+          <a:lstStyle/>
+          <a:p>
+            <a:r>
+              <a:rPr lang="en-US" altLang="zh-CN" sz="1000" dirty="0"/>
+              <a:t>http://blog.chinaunix.net/uid-22805258-id-1768945.html</a:t>
+            </a:r>
+            <a:endParaRPr lang="zh-CN" altLang="en-US" sz="1000" dirty="0"/>
+          </a:p>
+        </p:txBody>
+      </p:sp>
+    </p:spTree>
+    <p:extLst>
+      <p:ext uri="{BB962C8B-B14F-4D97-AF65-F5344CB8AC3E}">
+        <p14:creationId xmlns:p14="http://schemas.microsoft.com/office/powerpoint/2010/main" val="1627473792"/>
+      </p:ext>
+    </p:extLst>
+  </p:cSld>
+  <p:clrMapOvr>
+    <a:masterClrMapping/>
+  </p:clrMapOvr>
+</p:sld>
+</file>
+
+<file path=ppt/slides/slide17.xml><?xml version="1.0" encoding="utf-8"?>
+<p:sld xmlns:a="http://schemas.openxmlformats.org/drawingml/2006/main" xmlns:r="http://schemas.openxmlformats.org/officeDocument/2006/relationships" xmlns:p="http://schemas.openxmlformats.org/presentationml/2006/main">
+  <p:cSld>
+    <p:spTree>
+      <p:nvGrpSpPr>
+        <p:cNvPr id="1" name=""/>
+        <p:cNvGrpSpPr/>
+        <p:nvPr/>
+      </p:nvGrpSpPr>
+      <p:grpSpPr>
+        <a:xfrm>
+          <a:off x="0" y="0"/>
+          <a:ext cx="0" cy="0"/>
+          <a:chOff x="0" y="0"/>
+          <a:chExt cx="0" cy="0"/>
+        </a:xfrm>
+      </p:grpSpPr>
+      <p:sp>
+        <p:nvSpPr>
+          <p:cNvPr id="2" name="标题 1">
+            <a:extLst>
+              <a:ext uri="{FF2B5EF4-FFF2-40B4-BE49-F238E27FC236}">
                 <a16:creationId xmlns:a16="http://schemas.microsoft.com/office/drawing/2014/main" id="{DD731B0E-2F1F-467F-AB5D-931D548B53E0}"/>
               </a:ext>
             </a:extLst>
@@ -10198,9 +10853,14 @@
         </p:nvSpPr>
         <p:spPr>
           <a:xfrm>
-            <a:off x="511708" y="2259051"/>
-            <a:ext cx="9682879" cy="2047060"/>
-          </a:xfrm>
+            <a:off x="511709" y="2259051"/>
+            <a:ext cx="8924122" cy="2047060"/>
+          </a:xfrm>
+          <a:solidFill>
+            <a:schemeClr val="accent1">
+              <a:lumMod val="50000"/>
+            </a:schemeClr>
+          </a:solidFill>
         </p:spPr>
         <p:txBody>
           <a:bodyPr>
@@ -10222,7 +10882,7 @@
             <a:r>
               <a:rPr lang="zh-CN" altLang="en-US" b="1" dirty="0">
                 <a:solidFill>
-                  <a:schemeClr val="bg1"/>
+                  <a:srgbClr val="FFFF00"/>
                 </a:solidFill>
               </a:rPr>
               <a:t>不同范围的字符</a:t>
@@ -10234,14 +10894,14 @@
             <a:r>
               <a:rPr lang="zh-CN" altLang="en-US" b="1" dirty="0">
                 <a:solidFill>
-                  <a:schemeClr val="bg1"/>
+                  <a:srgbClr val="FFFF00"/>
                 </a:solidFill>
               </a:rPr>
               <a:t>不同长度的编码</a:t>
             </a:r>
             <a:endParaRPr lang="en-US" altLang="zh-CN" b="1" dirty="0">
               <a:solidFill>
-                <a:schemeClr val="bg1"/>
+                <a:srgbClr val="FFFF00"/>
               </a:solidFill>
             </a:endParaRPr>
           </a:p>
@@ -10391,14 +11051,14 @@
           <p:nvPr>
             <p:extLst>
               <p:ext uri="{D42A27DB-BD31-4B8C-83A1-F6EECF244321}">
-                <p14:modId xmlns:p14="http://schemas.microsoft.com/office/powerpoint/2010/main" val="3806463599"/>
+                <p14:modId xmlns:p14="http://schemas.microsoft.com/office/powerpoint/2010/main" val="3019362725"/>
               </p:ext>
             </p:extLst>
           </p:nvPr>
         </p:nvGraphicFramePr>
         <p:xfrm>
-          <a:off x="1091659" y="4567207"/>
-          <a:ext cx="8128000" cy="1854200"/>
+          <a:off x="511708" y="4567207"/>
+          <a:ext cx="8924122" cy="1854200"/>
         </p:xfrm>
         <a:graphic>
           <a:graphicData uri="http://schemas.openxmlformats.org/drawingml/2006/table">
@@ -10407,14 +11067,14 @@
                 <a:tableStyleId>{5C22544A-7EE6-4342-B048-85BDC9FD1C3A}</a:tableStyleId>
               </a:tblPr>
               <a:tblGrid>
-                <a:gridCol w="4064000">
+                <a:gridCol w="4462061">
                   <a:extLst>
                     <a:ext uri="{9D8B030D-6E8A-4147-A177-3AD203B41FA5}">
                       <a16:colId xmlns:a16="http://schemas.microsoft.com/office/drawing/2014/main" val="1912257984"/>
                     </a:ext>
                   </a:extLst>
                 </a:gridCol>
-                <a:gridCol w="4064000">
+                <a:gridCol w="4462061">
                   <a:extLst>
                     <a:ext uri="{9D8B030D-6E8A-4147-A177-3AD203B41FA5}">
                       <a16:colId xmlns:a16="http://schemas.microsoft.com/office/drawing/2014/main" val="2279823891"/>
@@ -10678,7 +11338,7 @@
 </p:sld>
 </file>
 
-<file path=ppt/slides/slide17.xml><?xml version="1.0" encoding="utf-8"?>
+<file path=ppt/slides/slide18.xml><?xml version="1.0" encoding="utf-8"?>
 <p:sld xmlns:a="http://schemas.openxmlformats.org/drawingml/2006/main" xmlns:r="http://schemas.openxmlformats.org/officeDocument/2006/relationships" xmlns:p="http://schemas.openxmlformats.org/presentationml/2006/main">
   <p:cSld>
     <p:spTree>
@@ -10742,9 +11402,14 @@
         </p:nvSpPr>
         <p:spPr>
           <a:xfrm>
-            <a:off x="262339" y="2051529"/>
-            <a:ext cx="11667321" cy="2624233"/>
-          </a:xfrm>
+            <a:off x="262340" y="2051529"/>
+            <a:ext cx="10178682" cy="2624233"/>
+          </a:xfrm>
+          <a:solidFill>
+            <a:schemeClr val="accent1">
+              <a:lumMod val="50000"/>
+            </a:schemeClr>
+          </a:solidFill>
         </p:spPr>
         <p:txBody>
           <a:bodyPr>
@@ -11023,7 +11688,7 @@
         </p:nvSpPr>
         <p:spPr>
           <a:xfrm>
-            <a:off x="875489" y="6438896"/>
+            <a:off x="262340" y="6438896"/>
             <a:ext cx="6096000" cy="369332"/>
           </a:xfrm>
           <a:prstGeom prst="rect">
@@ -11060,13 +11725,13 @@
           <p:nvPr>
             <p:extLst>
               <p:ext uri="{D42A27DB-BD31-4B8C-83A1-F6EECF244321}">
-                <p14:modId xmlns:p14="http://schemas.microsoft.com/office/powerpoint/2010/main" val="3075243289"/>
+                <p14:modId xmlns:p14="http://schemas.microsoft.com/office/powerpoint/2010/main" val="2642895520"/>
               </p:ext>
             </p:extLst>
           </p:nvPr>
         </p:nvGraphicFramePr>
         <p:xfrm>
-          <a:off x="875489" y="4675762"/>
+          <a:off x="262340" y="4871529"/>
           <a:ext cx="5674467" cy="1371600"/>
         </p:xfrm>
         <a:graphic>
@@ -11347,7 +12012,7 @@
 </p:sld>
 </file>
 
-<file path=ppt/slides/slide18.xml><?xml version="1.0" encoding="utf-8"?>
+<file path=ppt/slides/slide19.xml><?xml version="1.0" encoding="utf-8"?>
 <p:sld xmlns:a="http://schemas.openxmlformats.org/drawingml/2006/main" xmlns:r="http://schemas.openxmlformats.org/officeDocument/2006/relationships" xmlns:p="http://schemas.openxmlformats.org/presentationml/2006/main">
   <p:cSld>
     <p:spTree>
@@ -11414,6 +12079,11 @@
             <a:off x="563896" y="2196581"/>
             <a:ext cx="11064207" cy="2463932"/>
           </a:xfrm>
+          <a:solidFill>
+            <a:schemeClr val="accent1">
+              <a:lumMod val="50000"/>
+            </a:schemeClr>
+          </a:solidFill>
         </p:spPr>
         <p:txBody>
           <a:bodyPr>
@@ -11799,7 +12469,7 @@
         </p:nvSpPr>
         <p:spPr>
           <a:xfrm>
-            <a:off x="875489" y="6438896"/>
+            <a:off x="563896" y="6424594"/>
             <a:ext cx="5220511" cy="246221"/>
           </a:xfrm>
           <a:prstGeom prst="rect">
@@ -11836,13 +12506,13 @@
           <p:nvPr>
             <p:extLst>
               <p:ext uri="{D42A27DB-BD31-4B8C-83A1-F6EECF244321}">
-                <p14:modId xmlns:p14="http://schemas.microsoft.com/office/powerpoint/2010/main" val="2435189165"/>
+                <p14:modId xmlns:p14="http://schemas.microsoft.com/office/powerpoint/2010/main" val="324515351"/>
               </p:ext>
             </p:extLst>
           </p:nvPr>
         </p:nvGraphicFramePr>
         <p:xfrm>
-          <a:off x="875489" y="5067296"/>
+          <a:off x="563896" y="4996484"/>
           <a:ext cx="5674467" cy="1371600"/>
         </p:xfrm>
         <a:graphic>
@@ -12219,221 +12889,6 @@
 </p:sld>
 </file>
 
-<file path=ppt/slides/slide19.xml><?xml version="1.0" encoding="utf-8"?>
-<p:sld xmlns:a="http://schemas.openxmlformats.org/drawingml/2006/main" xmlns:r="http://schemas.openxmlformats.org/officeDocument/2006/relationships" xmlns:p="http://schemas.openxmlformats.org/presentationml/2006/main">
-  <p:cSld>
-    <p:spTree>
-      <p:nvGrpSpPr>
-        <p:cNvPr id="1" name=""/>
-        <p:cNvGrpSpPr/>
-        <p:nvPr/>
-      </p:nvGrpSpPr>
-      <p:grpSpPr>
-        <a:xfrm>
-          <a:off x="0" y="0"/>
-          <a:ext cx="0" cy="0"/>
-          <a:chOff x="0" y="0"/>
-          <a:chExt cx="0" cy="0"/>
-        </a:xfrm>
-      </p:grpSpPr>
-      <p:sp>
-        <p:nvSpPr>
-          <p:cNvPr id="2" name="标题 1">
-            <a:extLst>
-              <a:ext uri="{FF2B5EF4-FFF2-40B4-BE49-F238E27FC236}">
-                <a16:creationId xmlns:a16="http://schemas.microsoft.com/office/drawing/2014/main" id="{ADD9D38C-EED0-453C-AC68-664FBF41BFED}"/>
-              </a:ext>
-            </a:extLst>
-          </p:cNvPr>
-          <p:cNvSpPr>
-            <a:spLocks noGrp="1"/>
-          </p:cNvSpPr>
-          <p:nvPr>
-            <p:ph type="title"/>
-          </p:nvPr>
-        </p:nvSpPr>
-        <p:spPr/>
-        <p:txBody>
-          <a:bodyPr/>
-          <a:lstStyle/>
-          <a:p>
-            <a:r>
-              <a:rPr lang="en-US" altLang="zh-CN" dirty="0"/>
-              <a:t>6.2.4 </a:t>
-            </a:r>
-            <a:r>
-              <a:rPr lang="zh-CN" altLang="en-US" dirty="0"/>
-              <a:t>国标扩展码 </a:t>
-            </a:r>
-            <a:r>
-              <a:rPr lang="en-US" altLang="zh-CN" dirty="0"/>
-              <a:t>GBK</a:t>
-            </a:r>
-            <a:endParaRPr lang="zh-CN" altLang="en-US" dirty="0"/>
-          </a:p>
-        </p:txBody>
-      </p:sp>
-      <p:sp>
-        <p:nvSpPr>
-          <p:cNvPr id="3" name="内容占位符 2">
-            <a:extLst>
-              <a:ext uri="{FF2B5EF4-FFF2-40B4-BE49-F238E27FC236}">
-                <a16:creationId xmlns:a16="http://schemas.microsoft.com/office/drawing/2014/main" id="{47046FF1-9EB1-490A-A393-21A01318423F}"/>
-              </a:ext>
-            </a:extLst>
-          </p:cNvPr>
-          <p:cNvSpPr>
-            <a:spLocks noGrp="1"/>
-          </p:cNvSpPr>
-          <p:nvPr>
-            <p:ph idx="1"/>
-          </p:nvPr>
-        </p:nvSpPr>
-        <p:spPr/>
-        <p:txBody>
-          <a:bodyPr>
-            <a:normAutofit/>
-          </a:bodyPr>
-          <a:lstStyle/>
-          <a:p>
-            <a:pPr marL="0" indent="0">
-              <a:buNone/>
-            </a:pPr>
-            <a:r>
-              <a:rPr lang="en-US" altLang="zh-CN" sz="3200" dirty="0"/>
-              <a:t>GBK</a:t>
-            </a:r>
-            <a:r>
-              <a:rPr lang="zh-CN" altLang="en-US" sz="3200" dirty="0"/>
-              <a:t>即：汉字内码扩展规范</a:t>
-            </a:r>
-            <a:r>
-              <a:rPr lang="zh-CN" altLang="en-US" sz="1800" dirty="0"/>
-              <a:t>（</a:t>
-            </a:r>
-            <a:r>
-              <a:rPr lang="en-US" altLang="zh-CN" sz="1800" dirty="0"/>
-              <a:t> 1995.12.1</a:t>
-            </a:r>
-            <a:r>
-              <a:rPr lang="zh-CN" altLang="en-US" sz="1800" dirty="0"/>
-              <a:t>颁布）</a:t>
-            </a:r>
-            <a:endParaRPr lang="en-US" altLang="zh-CN" sz="1800" dirty="0"/>
-          </a:p>
-          <a:p>
-            <a:pPr marL="0" indent="0">
-              <a:buNone/>
-            </a:pPr>
-            <a:endParaRPr lang="en-US" altLang="zh-CN" dirty="0"/>
-          </a:p>
-          <a:p>
-            <a:r>
-              <a:rPr lang="zh-CN" altLang="en-US" dirty="0"/>
-              <a:t>向下兼容</a:t>
-            </a:r>
-            <a:r>
-              <a:rPr lang="en-US" altLang="zh-CN" dirty="0"/>
-              <a:t>GB2312</a:t>
-            </a:r>
-            <a:r>
-              <a:rPr lang="zh-CN" altLang="en-US" dirty="0"/>
-              <a:t>，向上支持</a:t>
-            </a:r>
-            <a:r>
-              <a:rPr lang="en-US" altLang="zh-CN" dirty="0"/>
-              <a:t>ISO 10646</a:t>
-            </a:r>
-            <a:r>
-              <a:rPr lang="zh-CN" altLang="en-US" dirty="0"/>
-              <a:t>，承上启下</a:t>
-            </a:r>
-            <a:endParaRPr lang="en-US" altLang="zh-CN" dirty="0"/>
-          </a:p>
-          <a:p>
-            <a:r>
-              <a:rPr lang="zh-CN" altLang="en-US" dirty="0"/>
-              <a:t>保持</a:t>
-            </a:r>
-            <a:r>
-              <a:rPr lang="en-US" altLang="zh-CN" dirty="0"/>
-              <a:t>GB2312</a:t>
-            </a:r>
-            <a:r>
-              <a:rPr lang="zh-CN" altLang="en-US" dirty="0"/>
-              <a:t>原貌，扩充至与</a:t>
-            </a:r>
-            <a:r>
-              <a:rPr lang="en-US" altLang="zh-CN" dirty="0"/>
-              <a:t>ISO 10646</a:t>
-            </a:r>
-            <a:r>
-              <a:rPr lang="zh-CN" altLang="en-US" dirty="0"/>
-              <a:t>的</a:t>
-            </a:r>
-            <a:r>
-              <a:rPr lang="en-US" altLang="zh-CN" dirty="0"/>
-              <a:t>CJK</a:t>
-            </a:r>
-            <a:r>
-              <a:rPr lang="zh-CN" altLang="en-US" dirty="0"/>
-              <a:t>等量，包含</a:t>
-            </a:r>
-            <a:r>
-              <a:rPr lang="en-US" altLang="zh-CN" dirty="0"/>
-              <a:t>Big5</a:t>
-            </a:r>
-          </a:p>
-          <a:p>
-            <a:r>
-              <a:rPr lang="en-US" altLang="zh-CN" dirty="0"/>
-              <a:t>GBK</a:t>
-            </a:r>
-            <a:r>
-              <a:rPr lang="zh-CN" altLang="en-US" dirty="0"/>
-              <a:t>共</a:t>
-            </a:r>
-            <a:r>
-              <a:rPr lang="en-US" altLang="zh-CN" dirty="0"/>
-              <a:t>20902</a:t>
-            </a:r>
-            <a:r>
-              <a:rPr lang="zh-CN" altLang="en-US" dirty="0"/>
-              <a:t>个汉字（</a:t>
-            </a:r>
-            <a:r>
-              <a:rPr lang="en-US" altLang="zh-CN" dirty="0"/>
-              <a:t>GB2312</a:t>
-            </a:r>
-            <a:r>
-              <a:rPr lang="zh-CN" altLang="en-US" dirty="0"/>
-              <a:t>共</a:t>
-            </a:r>
-            <a:r>
-              <a:rPr lang="en-US" altLang="zh-CN" dirty="0"/>
-              <a:t>6763</a:t>
-            </a:r>
-            <a:r>
-              <a:rPr lang="zh-CN" altLang="en-US" dirty="0"/>
-              <a:t>个汉字）</a:t>
-            </a:r>
-            <a:endParaRPr lang="en-US" altLang="zh-CN" dirty="0"/>
-          </a:p>
-        </p:txBody>
-      </p:sp>
-    </p:spTree>
-    <p:extLst>
-      <p:ext uri="{BB962C8B-B14F-4D97-AF65-F5344CB8AC3E}">
-        <p14:creationId xmlns:p14="http://schemas.microsoft.com/office/powerpoint/2010/main" val="2493747874"/>
-      </p:ext>
-    </p:extLst>
-  </p:cSld>
-  <p:clrMapOvr>
-    <a:masterClrMapping/>
-  </p:clrMapOvr>
-</p:sld>
-</file>
-
 <file path=ppt/slides/slide2.xml><?xml version="1.0" encoding="utf-8"?>
 <p:sld xmlns:a="http://schemas.openxmlformats.org/drawingml/2006/main" xmlns:r="http://schemas.openxmlformats.org/officeDocument/2006/relationships" xmlns:p="http://schemas.openxmlformats.org/presentationml/2006/main">
   <p:cSld>
@@ -12505,8 +12960,8 @@
         </p:nvSpPr>
         <p:spPr>
           <a:xfrm>
-            <a:off x="680321" y="2336873"/>
-            <a:ext cx="9613861" cy="3065221"/>
+            <a:off x="680321" y="2745435"/>
+            <a:ext cx="10525943" cy="2877153"/>
           </a:xfrm>
           <a:solidFill>
             <a:schemeClr val="accent1">
@@ -12529,7 +12984,11 @@
             </a:r>
             <a:r>
               <a:rPr lang="zh-CN" altLang="en-US" dirty="0"/>
-              <a:t>西文字符编码</a:t>
+              <a:t>西文字符编码 </a:t>
+            </a:r>
+            <a:r>
+              <a:rPr lang="en-US" altLang="zh-CN" dirty="0"/>
+              <a:t>	ASCII</a:t>
             </a:r>
             <a:br>
               <a:rPr lang="zh-CN" altLang="en-US" dirty="0"/>
@@ -12546,7 +13005,43 @@
             </a:r>
             <a:r>
               <a:rPr lang="zh-CN" altLang="en-US" dirty="0"/>
-              <a:t>中文字符编码</a:t>
+              <a:t>中文字符编码 </a:t>
+            </a:r>
+            <a:r>
+              <a:rPr lang="en-US" altLang="zh-CN" dirty="0"/>
+              <a:t>	GB2312</a:t>
+            </a:r>
+            <a:r>
+              <a:rPr lang="zh-CN" altLang="en-US" dirty="0"/>
+              <a:t>、</a:t>
+            </a:r>
+            <a:r>
+              <a:rPr lang="en-US" altLang="zh-CN" dirty="0"/>
+              <a:t>BIG5</a:t>
+            </a:r>
+            <a:r>
+              <a:rPr lang="zh-CN" altLang="en-US" dirty="0"/>
+              <a:t>、</a:t>
+            </a:r>
+            <a:r>
+              <a:rPr lang="en-US" altLang="zh-CN" dirty="0"/>
+              <a:t>Unicode</a:t>
+            </a:r>
+            <a:r>
+              <a:rPr lang="zh-CN" altLang="en-US" dirty="0"/>
+              <a:t>、</a:t>
+            </a:r>
+            <a:r>
+              <a:rPr lang="en-US" altLang="zh-CN" dirty="0"/>
+              <a:t>GBK</a:t>
+            </a:r>
+            <a:r>
+              <a:rPr lang="zh-CN" altLang="en-US" dirty="0"/>
+              <a:t>、</a:t>
+            </a:r>
+            <a:r>
+              <a:rPr lang="en-US" altLang="zh-CN" dirty="0"/>
+              <a:t>GB 18030</a:t>
             </a:r>
             <a:br>
               <a:rPr lang="zh-CN" altLang="en-US" dirty="0"/>
@@ -12582,10 +13077,6 @@
               <a:rPr lang="zh-CN" altLang="en-US" dirty="0"/>
               <a:t>字频统计</a:t>
             </a:r>
-            <a:br>
-              <a:rPr lang="zh-CN" altLang="en-US" dirty="0"/>
-            </a:br>
-            <a:endParaRPr lang="zh-CN" altLang="en-US" dirty="0"/>
           </a:p>
         </p:txBody>
       </p:sp>
@@ -12624,6 +13115,374 @@
           <p:cNvPr id="2" name="标题 1">
             <a:extLst>
               <a:ext uri="{FF2B5EF4-FFF2-40B4-BE49-F238E27FC236}">
+                <a16:creationId xmlns:a16="http://schemas.microsoft.com/office/drawing/2014/main" id="{4794A720-18EA-416F-91E2-C8E58B5AF8E8}"/>
+              </a:ext>
+            </a:extLst>
+          </p:cNvPr>
+          <p:cNvSpPr>
+            <a:spLocks noGrp="1"/>
+          </p:cNvSpPr>
+          <p:nvPr>
+            <p:ph type="title"/>
+          </p:nvPr>
+        </p:nvSpPr>
+        <p:spPr/>
+        <p:txBody>
+          <a:bodyPr/>
+          <a:lstStyle/>
+          <a:p>
+            <a:r>
+              <a:rPr lang="en-US" altLang="zh-CN" dirty="0"/>
+              <a:t>CODE</a:t>
+            </a:r>
+            <a:endParaRPr lang="zh-CN" altLang="en-US" dirty="0"/>
+          </a:p>
+        </p:txBody>
+      </p:sp>
+      <p:pic>
+        <p:nvPicPr>
+          <p:cNvPr id="5" name="图片 4">
+            <a:extLst>
+              <a:ext uri="{FF2B5EF4-FFF2-40B4-BE49-F238E27FC236}">
+                <a16:creationId xmlns:a16="http://schemas.microsoft.com/office/drawing/2014/main" id="{A73DD4FF-6F83-4265-82F8-12F192D3EC11}"/>
+              </a:ext>
+            </a:extLst>
+          </p:cNvPr>
+          <p:cNvPicPr>
+            <a:picLocks noChangeAspect="1"/>
+          </p:cNvPicPr>
+          <p:nvPr/>
+        </p:nvPicPr>
+        <p:blipFill>
+          <a:blip r:embed="rId2"/>
+          <a:stretch>
+            <a:fillRect/>
+          </a:stretch>
+        </p:blipFill>
+        <p:spPr>
+          <a:xfrm>
+            <a:off x="799641" y="2342724"/>
+            <a:ext cx="5296359" cy="3528366"/>
+          </a:xfrm>
+          <a:prstGeom prst="rect">
+            <a:avLst/>
+          </a:prstGeom>
+        </p:spPr>
+      </p:pic>
+      <p:pic>
+        <p:nvPicPr>
+          <p:cNvPr id="7" name="图片 6">
+            <a:extLst>
+              <a:ext uri="{FF2B5EF4-FFF2-40B4-BE49-F238E27FC236}">
+                <a16:creationId xmlns:a16="http://schemas.microsoft.com/office/drawing/2014/main" id="{C3917192-2014-4FAA-AD41-5062C9BFC030}"/>
+              </a:ext>
+            </a:extLst>
+          </p:cNvPr>
+          <p:cNvPicPr>
+            <a:picLocks noChangeAspect="1"/>
+          </p:cNvPicPr>
+          <p:nvPr/>
+        </p:nvPicPr>
+        <p:blipFill>
+          <a:blip r:embed="rId3"/>
+          <a:stretch>
+            <a:fillRect/>
+          </a:stretch>
+        </p:blipFill>
+        <p:spPr>
+          <a:xfrm>
+            <a:off x="6551474" y="2342724"/>
+            <a:ext cx="4633362" cy="4221846"/>
+          </a:xfrm>
+          <a:prstGeom prst="rect">
+            <a:avLst/>
+          </a:prstGeom>
+        </p:spPr>
+      </p:pic>
+    </p:spTree>
+    <p:extLst>
+      <p:ext uri="{BB962C8B-B14F-4D97-AF65-F5344CB8AC3E}">
+        <p14:creationId xmlns:p14="http://schemas.microsoft.com/office/powerpoint/2010/main" val="3414404354"/>
+      </p:ext>
+    </p:extLst>
+  </p:cSld>
+  <p:clrMapOvr>
+    <a:masterClrMapping/>
+  </p:clrMapOvr>
+</p:sld>
+</file>
+
+<file path=ppt/slides/slide21.xml><?xml version="1.0" encoding="utf-8"?>
+<p:sld xmlns:a="http://schemas.openxmlformats.org/drawingml/2006/main" xmlns:r="http://schemas.openxmlformats.org/officeDocument/2006/relationships" xmlns:p="http://schemas.openxmlformats.org/presentationml/2006/main">
+  <p:cSld>
+    <p:spTree>
+      <p:nvGrpSpPr>
+        <p:cNvPr id="1" name=""/>
+        <p:cNvGrpSpPr/>
+        <p:nvPr/>
+      </p:nvGrpSpPr>
+      <p:grpSpPr>
+        <a:xfrm>
+          <a:off x="0" y="0"/>
+          <a:ext cx="0" cy="0"/>
+          <a:chOff x="0" y="0"/>
+          <a:chExt cx="0" cy="0"/>
+        </a:xfrm>
+      </p:grpSpPr>
+      <p:sp>
+        <p:nvSpPr>
+          <p:cNvPr id="2" name="标题 1">
+            <a:extLst>
+              <a:ext uri="{FF2B5EF4-FFF2-40B4-BE49-F238E27FC236}">
+                <a16:creationId xmlns:a16="http://schemas.microsoft.com/office/drawing/2014/main" id="{ADD9D38C-EED0-453C-AC68-664FBF41BFED}"/>
+              </a:ext>
+            </a:extLst>
+          </p:cNvPr>
+          <p:cNvSpPr>
+            <a:spLocks noGrp="1"/>
+          </p:cNvSpPr>
+          <p:nvPr>
+            <p:ph type="title"/>
+          </p:nvPr>
+        </p:nvSpPr>
+        <p:spPr/>
+        <p:txBody>
+          <a:bodyPr/>
+          <a:lstStyle/>
+          <a:p>
+            <a:r>
+              <a:rPr lang="en-US" altLang="zh-CN" dirty="0"/>
+              <a:t>6.2.4 </a:t>
+            </a:r>
+            <a:r>
+              <a:rPr lang="zh-CN" altLang="en-US" dirty="0"/>
+              <a:t>国标扩展码 </a:t>
+            </a:r>
+            <a:r>
+              <a:rPr lang="en-US" altLang="zh-CN" dirty="0"/>
+              <a:t>GBK</a:t>
+            </a:r>
+            <a:endParaRPr lang="zh-CN" altLang="en-US" dirty="0"/>
+          </a:p>
+        </p:txBody>
+      </p:sp>
+      <p:sp>
+        <p:nvSpPr>
+          <p:cNvPr id="3" name="内容占位符 2">
+            <a:extLst>
+              <a:ext uri="{FF2B5EF4-FFF2-40B4-BE49-F238E27FC236}">
+                <a16:creationId xmlns:a16="http://schemas.microsoft.com/office/drawing/2014/main" id="{47046FF1-9EB1-490A-A393-21A01318423F}"/>
+              </a:ext>
+            </a:extLst>
+          </p:cNvPr>
+          <p:cNvSpPr>
+            <a:spLocks noGrp="1"/>
+          </p:cNvSpPr>
+          <p:nvPr>
+            <p:ph idx="1"/>
+          </p:nvPr>
+        </p:nvSpPr>
+        <p:spPr>
+          <a:solidFill>
+            <a:schemeClr val="accent1">
+              <a:lumMod val="50000"/>
+            </a:schemeClr>
+          </a:solidFill>
+        </p:spPr>
+        <p:txBody>
+          <a:bodyPr>
+            <a:normAutofit/>
+          </a:bodyPr>
+          <a:lstStyle/>
+          <a:p>
+            <a:pPr marL="0" indent="0">
+              <a:buNone/>
+            </a:pPr>
+            <a:r>
+              <a:rPr lang="en-US" altLang="zh-CN" sz="3200" dirty="0"/>
+              <a:t>GBK</a:t>
+            </a:r>
+            <a:r>
+              <a:rPr lang="zh-CN" altLang="en-US" sz="3200" dirty="0"/>
+              <a:t>即：汉字内码扩展规范</a:t>
+            </a:r>
+            <a:r>
+              <a:rPr lang="zh-CN" altLang="en-US" sz="1800" dirty="0"/>
+              <a:t>（</a:t>
+            </a:r>
+            <a:r>
+              <a:rPr lang="en-US" altLang="zh-CN" sz="1800" dirty="0"/>
+              <a:t> 1995.12.1</a:t>
+            </a:r>
+            <a:r>
+              <a:rPr lang="zh-CN" altLang="en-US" sz="1800" dirty="0"/>
+              <a:t>颁布）</a:t>
+            </a:r>
+            <a:endParaRPr lang="en-US" altLang="zh-CN" sz="1800" dirty="0"/>
+          </a:p>
+          <a:p>
+            <a:pPr marL="0" indent="0">
+              <a:buNone/>
+            </a:pPr>
+            <a:endParaRPr lang="en-US" altLang="zh-CN" dirty="0"/>
+          </a:p>
+          <a:p>
+            <a:r>
+              <a:rPr lang="zh-CN" altLang="en-US" dirty="0"/>
+              <a:t>向下兼容</a:t>
+            </a:r>
+            <a:r>
+              <a:rPr lang="en-US" altLang="zh-CN" dirty="0"/>
+              <a:t>GB2312</a:t>
+            </a:r>
+            <a:r>
+              <a:rPr lang="zh-CN" altLang="en-US" dirty="0"/>
+              <a:t>，向上支持</a:t>
+            </a:r>
+            <a:r>
+              <a:rPr lang="en-US" altLang="zh-CN" dirty="0"/>
+              <a:t>ISO 10646</a:t>
+            </a:r>
+            <a:r>
+              <a:rPr lang="zh-CN" altLang="en-US" dirty="0"/>
+              <a:t>，</a:t>
+            </a:r>
+            <a:r>
+              <a:rPr lang="zh-CN" altLang="en-US" dirty="0">
+                <a:highlight>
+                  <a:srgbClr val="800000"/>
+                </a:highlight>
+              </a:rPr>
+              <a:t>承上启下</a:t>
+            </a:r>
+            <a:endParaRPr lang="en-US" altLang="zh-CN" dirty="0">
+              <a:highlight>
+                <a:srgbClr val="800000"/>
+              </a:highlight>
+            </a:endParaRPr>
+          </a:p>
+          <a:p>
+            <a:r>
+              <a:rPr lang="zh-CN" altLang="en-US" dirty="0"/>
+              <a:t>保持</a:t>
+            </a:r>
+            <a:r>
+              <a:rPr lang="en-US" altLang="zh-CN" dirty="0"/>
+              <a:t>GB2312</a:t>
+            </a:r>
+            <a:r>
+              <a:rPr lang="zh-CN" altLang="en-US" dirty="0"/>
+              <a:t>原貌，扩充至与</a:t>
+            </a:r>
+            <a:r>
+              <a:rPr lang="en-US" altLang="zh-CN" dirty="0"/>
+              <a:t>ISO 10646</a:t>
+            </a:r>
+            <a:r>
+              <a:rPr lang="zh-CN" altLang="en-US" dirty="0"/>
+              <a:t>的</a:t>
+            </a:r>
+            <a:r>
+              <a:rPr lang="en-US" altLang="zh-CN" dirty="0"/>
+              <a:t>CJK</a:t>
+            </a:r>
+            <a:r>
+              <a:rPr lang="zh-CN" altLang="en-US" dirty="0"/>
+              <a:t>等量，</a:t>
+            </a:r>
+            <a:r>
+              <a:rPr lang="zh-CN" altLang="en-US" dirty="0">
+                <a:highlight>
+                  <a:srgbClr val="800000"/>
+                </a:highlight>
+              </a:rPr>
+              <a:t>包含</a:t>
+            </a:r>
+            <a:r>
+              <a:rPr lang="en-US" altLang="zh-CN" dirty="0">
+                <a:highlight>
+                  <a:srgbClr val="800000"/>
+                </a:highlight>
+              </a:rPr>
+              <a:t>Big5</a:t>
+            </a:r>
+          </a:p>
+          <a:p>
+            <a:r>
+              <a:rPr lang="en-US" altLang="zh-CN" dirty="0"/>
+              <a:t>GBK</a:t>
+            </a:r>
+            <a:r>
+              <a:rPr lang="zh-CN" altLang="en-US" dirty="0"/>
+              <a:t>共</a:t>
+            </a:r>
+            <a:r>
+              <a:rPr lang="en-US" altLang="zh-CN" dirty="0">
+                <a:highlight>
+                  <a:srgbClr val="800000"/>
+                </a:highlight>
+              </a:rPr>
+              <a:t>20902</a:t>
+            </a:r>
+            <a:r>
+              <a:rPr lang="zh-CN" altLang="en-US" dirty="0"/>
+              <a:t>个汉字（</a:t>
+            </a:r>
+            <a:r>
+              <a:rPr lang="en-US" altLang="zh-CN" dirty="0"/>
+              <a:t>GB2312</a:t>
+            </a:r>
+            <a:r>
+              <a:rPr lang="zh-CN" altLang="en-US" dirty="0"/>
+              <a:t>共</a:t>
+            </a:r>
+            <a:r>
+              <a:rPr lang="en-US" altLang="zh-CN" dirty="0"/>
+              <a:t>6763</a:t>
+            </a:r>
+            <a:r>
+              <a:rPr lang="zh-CN" altLang="en-US" dirty="0"/>
+              <a:t>个汉字）</a:t>
+            </a:r>
+            <a:endParaRPr lang="en-US" altLang="zh-CN" dirty="0"/>
+          </a:p>
+        </p:txBody>
+      </p:sp>
+    </p:spTree>
+    <p:extLst>
+      <p:ext uri="{BB962C8B-B14F-4D97-AF65-F5344CB8AC3E}">
+        <p14:creationId xmlns:p14="http://schemas.microsoft.com/office/powerpoint/2010/main" val="2493747874"/>
+      </p:ext>
+    </p:extLst>
+  </p:cSld>
+  <p:clrMapOvr>
+    <a:masterClrMapping/>
+  </p:clrMapOvr>
+</p:sld>
+</file>
+
+<file path=ppt/slides/slide22.xml><?xml version="1.0" encoding="utf-8"?>
+<p:sld xmlns:a="http://schemas.openxmlformats.org/drawingml/2006/main" xmlns:r="http://schemas.openxmlformats.org/officeDocument/2006/relationships" xmlns:p="http://schemas.openxmlformats.org/presentationml/2006/main">
+  <p:cSld>
+    <p:spTree>
+      <p:nvGrpSpPr>
+        <p:cNvPr id="1" name=""/>
+        <p:cNvGrpSpPr/>
+        <p:nvPr/>
+      </p:nvGrpSpPr>
+      <p:grpSpPr>
+        <a:xfrm>
+          <a:off x="0" y="0"/>
+          <a:ext cx="0" cy="0"/>
+          <a:chOff x="0" y="0"/>
+          <a:chExt cx="0" cy="0"/>
+        </a:xfrm>
+      </p:grpSpPr>
+      <p:sp>
+        <p:nvSpPr>
+          <p:cNvPr id="2" name="标题 1">
+            <a:extLst>
+              <a:ext uri="{FF2B5EF4-FFF2-40B4-BE49-F238E27FC236}">
                 <a16:creationId xmlns:a16="http://schemas.microsoft.com/office/drawing/2014/main" id="{9CA138BD-9DE3-4862-BBC0-0419488DA8F8}"/>
               </a:ext>
             </a:extLst>
@@ -12669,6 +13528,11 @@
             <a:off x="680321" y="2226626"/>
             <a:ext cx="10532428" cy="3599316"/>
           </a:xfrm>
+          <a:solidFill>
+            <a:schemeClr val="accent1">
+              <a:lumMod val="50000"/>
+            </a:schemeClr>
+          </a:solidFill>
         </p:spPr>
         <p:txBody>
           <a:bodyPr/>
@@ -12744,18 +13608,34 @@
           </a:p>
           <a:p>
             <a:r>
-              <a:rPr lang="zh-CN" altLang="en-US" dirty="0"/>
+              <a:rPr lang="zh-CN" altLang="en-US" dirty="0">
+                <a:highlight>
+                  <a:srgbClr val="800000"/>
+                </a:highlight>
+              </a:rPr>
               <a:t>与</a:t>
             </a:r>
             <a:r>
-              <a:rPr lang="en-US" altLang="zh-CN" dirty="0"/>
+              <a:rPr lang="en-US" altLang="zh-CN" dirty="0">
+                <a:highlight>
+                  <a:srgbClr val="800000"/>
+                </a:highlight>
+              </a:rPr>
               <a:t>Unicode</a:t>
             </a:r>
             <a:r>
-              <a:rPr lang="zh-CN" altLang="en-US" dirty="0"/>
+              <a:rPr lang="zh-CN" altLang="en-US" dirty="0">
+                <a:highlight>
+                  <a:srgbClr val="800000"/>
+                </a:highlight>
+              </a:rPr>
               <a:t>的码位一一对应</a:t>
             </a:r>
-            <a:endParaRPr lang="en-US" altLang="zh-CN" dirty="0"/>
+            <a:endParaRPr lang="en-US" altLang="zh-CN" dirty="0">
+              <a:highlight>
+                <a:srgbClr val="800000"/>
+              </a:highlight>
+            </a:endParaRPr>
           </a:p>
           <a:p>
             <a:r>
@@ -12790,7 +13670,7 @@
 </p:sld>
 </file>
 
-<file path=ppt/slides/slide21.xml><?xml version="1.0" encoding="utf-8"?>
+<file path=ppt/slides/slide23.xml><?xml version="1.0" encoding="utf-8"?>
 <p:sld xmlns:a="http://schemas.openxmlformats.org/drawingml/2006/main" xmlns:r="http://schemas.openxmlformats.org/officeDocument/2006/relationships" xmlns:p="http://schemas.openxmlformats.org/presentationml/2006/main">
   <p:cSld>
     <p:spTree>
@@ -13915,322 +14795,6 @@
 </p:sld>
 </file>
 
-<file path=ppt/slides/slide22.xml><?xml version="1.0" encoding="utf-8"?>
-<p:sld xmlns:a="http://schemas.openxmlformats.org/drawingml/2006/main" xmlns:r="http://schemas.openxmlformats.org/officeDocument/2006/relationships" xmlns:p="http://schemas.openxmlformats.org/presentationml/2006/main">
-  <p:cSld>
-    <p:spTree>
-      <p:nvGrpSpPr>
-        <p:cNvPr id="1" name=""/>
-        <p:cNvGrpSpPr/>
-        <p:nvPr/>
-      </p:nvGrpSpPr>
-      <p:grpSpPr>
-        <a:xfrm>
-          <a:off x="0" y="0"/>
-          <a:ext cx="0" cy="0"/>
-          <a:chOff x="0" y="0"/>
-          <a:chExt cx="0" cy="0"/>
-        </a:xfrm>
-      </p:grpSpPr>
-      <p:sp>
-        <p:nvSpPr>
-          <p:cNvPr id="2" name="标题 1">
-            <a:extLst>
-              <a:ext uri="{FF2B5EF4-FFF2-40B4-BE49-F238E27FC236}">
-                <a16:creationId xmlns:a16="http://schemas.microsoft.com/office/drawing/2014/main" id="{B1AA155A-4A36-4085-BF68-DD9783C31505}"/>
-              </a:ext>
-            </a:extLst>
-          </p:cNvPr>
-          <p:cNvSpPr>
-            <a:spLocks noGrp="1"/>
-          </p:cNvSpPr>
-          <p:nvPr>
-            <p:ph type="title"/>
-          </p:nvPr>
-        </p:nvSpPr>
-        <p:spPr/>
-        <p:txBody>
-          <a:bodyPr/>
-          <a:lstStyle/>
-          <a:p>
-            <a:r>
-              <a:rPr lang="en-US" altLang="zh-CN" dirty="0"/>
-              <a:t>6.3 </a:t>
-            </a:r>
-            <a:r>
-              <a:rPr lang="zh-CN" altLang="en-US" dirty="0"/>
-              <a:t>字符编码知识的作用</a:t>
-            </a:r>
-            <a:endParaRPr lang="zh-CN" altLang="en-US" b="1" dirty="0"/>
-          </a:p>
-        </p:txBody>
-      </p:sp>
-      <p:sp>
-        <p:nvSpPr>
-          <p:cNvPr id="3" name="内容占位符 2">
-            <a:extLst>
-              <a:ext uri="{FF2B5EF4-FFF2-40B4-BE49-F238E27FC236}">
-                <a16:creationId xmlns:a16="http://schemas.microsoft.com/office/drawing/2014/main" id="{81B33DC0-BF5D-412E-AF38-E6D4F60B9A29}"/>
-              </a:ext>
-            </a:extLst>
-          </p:cNvPr>
-          <p:cNvSpPr>
-            <a:spLocks noGrp="1"/>
-          </p:cNvSpPr>
-          <p:nvPr>
-            <p:ph idx="1"/>
-          </p:nvPr>
-        </p:nvSpPr>
-        <p:spPr>
-          <a:xfrm>
-            <a:off x="680321" y="2336873"/>
-            <a:ext cx="9613861" cy="4115808"/>
-          </a:xfrm>
-        </p:spPr>
-        <p:txBody>
-          <a:bodyPr>
-            <a:noAutofit/>
-          </a:bodyPr>
-          <a:lstStyle/>
-          <a:p>
-            <a:pPr marL="0" indent="0">
-              <a:buNone/>
-            </a:pPr>
-            <a:br>
-              <a:rPr lang="zh-CN" altLang="en-US" dirty="0"/>
-            </a:br>
-            <a:endParaRPr lang="zh-CN" altLang="en-US" dirty="0"/>
-          </a:p>
-        </p:txBody>
-      </p:sp>
-      <p:sp>
-        <p:nvSpPr>
-          <p:cNvPr id="4" name="文本框 3">
-            <a:extLst>
-              <a:ext uri="{FF2B5EF4-FFF2-40B4-BE49-F238E27FC236}">
-                <a16:creationId xmlns:a16="http://schemas.microsoft.com/office/drawing/2014/main" id="{56270C1B-69AB-495E-9EF1-68E0CDFB0074}"/>
-              </a:ext>
-            </a:extLst>
-          </p:cNvPr>
-          <p:cNvSpPr txBox="1"/>
-          <p:nvPr/>
-        </p:nvSpPr>
-        <p:spPr>
-          <a:xfrm>
-            <a:off x="1309991" y="2905328"/>
-            <a:ext cx="6532558" cy="1754326"/>
-          </a:xfrm>
-          <a:prstGeom prst="rect">
-            <a:avLst/>
-          </a:prstGeom>
-          <a:noFill/>
-        </p:spPr>
-        <p:txBody>
-          <a:bodyPr wrap="none" rtlCol="0">
-            <a:spAutoFit/>
-          </a:bodyPr>
-          <a:lstStyle/>
-          <a:p>
-            <a:pPr marL="342900" indent="-342900">
-              <a:buFont typeface="+mj-lt"/>
-              <a:buAutoNum type="arabicPeriod"/>
-            </a:pPr>
-            <a:r>
-              <a:rPr lang="zh-CN" altLang="en-US" sz="3600" dirty="0"/>
-              <a:t>便于表示控制字符</a:t>
-            </a:r>
-            <a:endParaRPr lang="en-US" altLang="zh-CN" sz="3600" dirty="0"/>
-          </a:p>
-          <a:p>
-            <a:pPr marL="342900" indent="-342900">
-              <a:buFont typeface="+mj-lt"/>
-              <a:buAutoNum type="arabicPeriod"/>
-            </a:pPr>
-            <a:r>
-              <a:rPr lang="zh-CN" altLang="en-US" sz="3600" dirty="0"/>
-              <a:t>便于在编程中对字符进行分类</a:t>
-            </a:r>
-            <a:endParaRPr lang="en-US" altLang="zh-CN" sz="3600" dirty="0"/>
-          </a:p>
-          <a:p>
-            <a:pPr marL="342900" indent="-342900">
-              <a:buFont typeface="+mj-lt"/>
-              <a:buAutoNum type="arabicPeriod"/>
-            </a:pPr>
-            <a:r>
-              <a:rPr lang="zh-CN" altLang="en-US" sz="3600" dirty="0"/>
-              <a:t>数据预处理时，处理“乱码”</a:t>
-            </a:r>
-          </a:p>
-        </p:txBody>
-      </p:sp>
-    </p:spTree>
-    <p:extLst>
-      <p:ext uri="{BB962C8B-B14F-4D97-AF65-F5344CB8AC3E}">
-        <p14:creationId xmlns:p14="http://schemas.microsoft.com/office/powerpoint/2010/main" val="1289760301"/>
-      </p:ext>
-    </p:extLst>
-  </p:cSld>
-  <p:clrMapOvr>
-    <a:masterClrMapping/>
-  </p:clrMapOvr>
-</p:sld>
-</file>
-
-<file path=ppt/slides/slide23.xml><?xml version="1.0" encoding="utf-8"?>
-<p:sld xmlns:a="http://schemas.openxmlformats.org/drawingml/2006/main" xmlns:r="http://schemas.openxmlformats.org/officeDocument/2006/relationships" xmlns:p="http://schemas.openxmlformats.org/presentationml/2006/main">
-  <p:cSld>
-    <p:spTree>
-      <p:nvGrpSpPr>
-        <p:cNvPr id="1" name=""/>
-        <p:cNvGrpSpPr/>
-        <p:nvPr/>
-      </p:nvGrpSpPr>
-      <p:grpSpPr>
-        <a:xfrm>
-          <a:off x="0" y="0"/>
-          <a:ext cx="0" cy="0"/>
-          <a:chOff x="0" y="0"/>
-          <a:chExt cx="0" cy="0"/>
-        </a:xfrm>
-      </p:grpSpPr>
-      <p:sp>
-        <p:nvSpPr>
-          <p:cNvPr id="2" name="标题 1">
-            <a:extLst>
-              <a:ext uri="{FF2B5EF4-FFF2-40B4-BE49-F238E27FC236}">
-                <a16:creationId xmlns:a16="http://schemas.microsoft.com/office/drawing/2014/main" id="{B1AA155A-4A36-4085-BF68-DD9783C31505}"/>
-              </a:ext>
-            </a:extLst>
-          </p:cNvPr>
-          <p:cNvSpPr>
-            <a:spLocks noGrp="1"/>
-          </p:cNvSpPr>
-          <p:nvPr>
-            <p:ph type="title"/>
-          </p:nvPr>
-        </p:nvSpPr>
-        <p:spPr/>
-        <p:txBody>
-          <a:bodyPr/>
-          <a:lstStyle/>
-          <a:p>
-            <a:r>
-              <a:rPr lang="en-US" altLang="zh-CN" dirty="0"/>
-              <a:t>6.4 </a:t>
-            </a:r>
-            <a:r>
-              <a:rPr lang="zh-CN" altLang="en-US" dirty="0"/>
-              <a:t>字频统计</a:t>
-            </a:r>
-            <a:endParaRPr lang="zh-CN" altLang="en-US" b="1" dirty="0"/>
-          </a:p>
-        </p:txBody>
-      </p:sp>
-      <p:sp>
-        <p:nvSpPr>
-          <p:cNvPr id="3" name="内容占位符 2">
-            <a:extLst>
-              <a:ext uri="{FF2B5EF4-FFF2-40B4-BE49-F238E27FC236}">
-                <a16:creationId xmlns:a16="http://schemas.microsoft.com/office/drawing/2014/main" id="{81B33DC0-BF5D-412E-AF38-E6D4F60B9A29}"/>
-              </a:ext>
-            </a:extLst>
-          </p:cNvPr>
-          <p:cNvSpPr>
-            <a:spLocks noGrp="1"/>
-          </p:cNvSpPr>
-          <p:nvPr>
-            <p:ph idx="1"/>
-          </p:nvPr>
-        </p:nvSpPr>
-        <p:spPr>
-          <a:xfrm>
-            <a:off x="680321" y="2336873"/>
-            <a:ext cx="9613861" cy="4115808"/>
-          </a:xfrm>
-        </p:spPr>
-        <p:txBody>
-          <a:bodyPr>
-            <a:noAutofit/>
-          </a:bodyPr>
-          <a:lstStyle/>
-          <a:p>
-            <a:pPr marL="0" indent="0">
-              <a:buNone/>
-            </a:pPr>
-            <a:br>
-              <a:rPr lang="zh-CN" altLang="en-US" dirty="0"/>
-            </a:br>
-            <a:r>
-              <a:rPr lang="zh-CN" altLang="en-US" sz="3200" dirty="0"/>
-              <a:t>　　</a:t>
-            </a:r>
-            <a:r>
-              <a:rPr lang="en-US" altLang="zh-CN" sz="3200" dirty="0"/>
-              <a:t>6.4.1 </a:t>
-            </a:r>
-            <a:r>
-              <a:rPr lang="zh-CN" altLang="en-US" sz="3200" dirty="0"/>
-              <a:t>字频统计的应用</a:t>
-            </a:r>
-            <a:endParaRPr lang="en-US" altLang="zh-CN" sz="3200" dirty="0"/>
-          </a:p>
-          <a:p>
-            <a:pPr marL="0" indent="0">
-              <a:buNone/>
-            </a:pPr>
-            <a:br>
-              <a:rPr lang="zh-CN" altLang="en-US" sz="3200" dirty="0"/>
-            </a:br>
-            <a:r>
-              <a:rPr lang="zh-CN" altLang="en-US" sz="3200" dirty="0"/>
-              <a:t>　　</a:t>
-            </a:r>
-            <a:r>
-              <a:rPr lang="en-US" altLang="zh-CN" sz="3200" dirty="0"/>
-              <a:t>6.4.2 </a:t>
-            </a:r>
-            <a:r>
-              <a:rPr lang="zh-CN" altLang="en-US" sz="3200" dirty="0"/>
-              <a:t>单字字频统计</a:t>
-            </a:r>
-            <a:endParaRPr lang="en-US" altLang="zh-CN" sz="3200" dirty="0"/>
-          </a:p>
-          <a:p>
-            <a:pPr marL="0" indent="0">
-              <a:buNone/>
-            </a:pPr>
-            <a:br>
-              <a:rPr lang="zh-CN" altLang="en-US" sz="3200" dirty="0"/>
-            </a:br>
-            <a:r>
-              <a:rPr lang="zh-CN" altLang="en-US" sz="3200" dirty="0"/>
-              <a:t>　　</a:t>
-            </a:r>
-            <a:r>
-              <a:rPr lang="en-US" altLang="zh-CN" sz="3200" dirty="0"/>
-              <a:t>6.4.3 </a:t>
-            </a:r>
-            <a:r>
-              <a:rPr lang="zh-CN" altLang="en-US" sz="3200" dirty="0"/>
-              <a:t>双字字频统计</a:t>
-            </a:r>
-          </a:p>
-        </p:txBody>
-      </p:sp>
-    </p:spTree>
-    <p:extLst>
-      <p:ext uri="{BB962C8B-B14F-4D97-AF65-F5344CB8AC3E}">
-        <p14:creationId xmlns:p14="http://schemas.microsoft.com/office/powerpoint/2010/main" val="1335123535"/>
-      </p:ext>
-    </p:extLst>
-  </p:cSld>
-  <p:clrMapOvr>
-    <a:masterClrMapping/>
-  </p:clrMapOvr>
-</p:sld>
-</file>
-
 <file path=ppt/slides/slide24.xml><?xml version="1.0" encoding="utf-8"?>
 <p:sld xmlns:a="http://schemas.openxmlformats.org/drawingml/2006/main" xmlns:r="http://schemas.openxmlformats.org/officeDocument/2006/relationships" xmlns:p="http://schemas.openxmlformats.org/presentationml/2006/main">
   <p:cSld>
@@ -14253,7 +14817,7 @@
           <p:cNvPr id="2" name="标题 1">
             <a:extLst>
               <a:ext uri="{FF2B5EF4-FFF2-40B4-BE49-F238E27FC236}">
-                <a16:creationId xmlns:a16="http://schemas.microsoft.com/office/drawing/2014/main" id="{BF641962-CEB3-4F88-88FE-B82923530B68}"/>
+                <a16:creationId xmlns:a16="http://schemas.microsoft.com/office/drawing/2014/main" id="{B1AA155A-4A36-4085-BF68-DD9783C31505}"/>
               </a:ext>
             </a:extLst>
           </p:cNvPr>
@@ -14270,85 +14834,74 @@
           <a:lstStyle/>
           <a:p>
             <a:r>
-              <a:rPr lang="en-US" altLang="zh-CN" sz="3600" dirty="0"/>
-              <a:t>6.4.1 </a:t>
-            </a:r>
-            <a:r>
-              <a:rPr lang="zh-CN" altLang="en-US" sz="3600" dirty="0"/>
-              <a:t>字频统计的应用</a:t>
-            </a:r>
-            <a:endParaRPr lang="zh-CN" altLang="en-US" dirty="0"/>
-          </a:p>
-        </p:txBody>
-      </p:sp>
-      <p:sp>
-        <p:nvSpPr>
-          <p:cNvPr id="3" name="内容占位符 2">
+              <a:rPr lang="en-US" altLang="zh-CN" dirty="0"/>
+              <a:t>6.3 </a:t>
+            </a:r>
+            <a:r>
+              <a:rPr lang="zh-CN" altLang="en-US" dirty="0"/>
+              <a:t>字符编码知识的作用</a:t>
+            </a:r>
+            <a:endParaRPr lang="zh-CN" altLang="en-US" b="1" dirty="0"/>
+          </a:p>
+        </p:txBody>
+      </p:sp>
+      <p:sp>
+        <p:nvSpPr>
+          <p:cNvPr id="4" name="文本框 3">
             <a:extLst>
               <a:ext uri="{FF2B5EF4-FFF2-40B4-BE49-F238E27FC236}">
-                <a16:creationId xmlns:a16="http://schemas.microsoft.com/office/drawing/2014/main" id="{567E9B66-611C-4D84-A158-0508DE579467}"/>
+                <a16:creationId xmlns:a16="http://schemas.microsoft.com/office/drawing/2014/main" id="{56270C1B-69AB-495E-9EF1-68E0CDFB0074}"/>
               </a:ext>
             </a:extLst>
           </p:cNvPr>
-          <p:cNvSpPr>
-            <a:spLocks noGrp="1"/>
-          </p:cNvSpPr>
-          <p:nvPr>
-            <p:ph idx="1"/>
-          </p:nvPr>
-        </p:nvSpPr>
-        <p:spPr>
-          <a:xfrm>
-            <a:off x="933240" y="2758405"/>
-            <a:ext cx="9613861" cy="2747450"/>
-          </a:xfrm>
-        </p:spPr>
-        <p:txBody>
-          <a:bodyPr>
-            <a:normAutofit/>
+          <p:cNvSpPr txBox="1"/>
+          <p:nvPr/>
+        </p:nvSpPr>
+        <p:spPr>
+          <a:xfrm>
+            <a:off x="849549" y="3112852"/>
+            <a:ext cx="8813260" cy="1569660"/>
+          </a:xfrm>
+          <a:prstGeom prst="rect">
+            <a:avLst/>
+          </a:prstGeom>
+          <a:solidFill>
+            <a:schemeClr val="accent1">
+              <a:lumMod val="50000"/>
+            </a:schemeClr>
+          </a:solidFill>
+        </p:spPr>
+        <p:txBody>
+          <a:bodyPr wrap="square" rtlCol="0">
+            <a:spAutoFit/>
           </a:bodyPr>
           <a:lstStyle/>
           <a:p>
-            <a:pPr marL="742950" indent="-742950">
+            <a:pPr marL="342900" indent="-342900">
               <a:buFont typeface="+mj-lt"/>
               <a:buAutoNum type="arabicPeriod"/>
             </a:pPr>
             <a:r>
-              <a:rPr lang="zh-CN" altLang="en-US" sz="3600" dirty="0"/>
-              <a:t>汉字输入</a:t>
-            </a:r>
-            <a:endParaRPr lang="en-US" altLang="zh-CN" sz="3600" dirty="0"/>
-          </a:p>
-          <a:p>
-            <a:pPr marL="742950" indent="-742950">
+              <a:rPr lang="zh-CN" altLang="en-US" sz="3200" dirty="0"/>
+              <a:t>便于表示控制字符</a:t>
+            </a:r>
+            <a:endParaRPr lang="en-US" altLang="zh-CN" sz="3200" dirty="0"/>
+          </a:p>
+          <a:p>
+            <a:pPr marL="342900" indent="-342900">
               <a:buFont typeface="+mj-lt"/>
               <a:buAutoNum type="arabicPeriod"/>
             </a:pPr>
-            <a:r>
-              <a:rPr lang="zh-CN" altLang="en-US" sz="3600" dirty="0"/>
-              <a:t>汉字识别</a:t>
-            </a:r>
-            <a:endParaRPr lang="en-US" altLang="zh-CN" sz="3600" dirty="0"/>
-          </a:p>
-          <a:p>
-            <a:pPr marL="742950" indent="-742950">
+            <a:endParaRPr lang="en-US" altLang="zh-CN" sz="3200" dirty="0"/>
+          </a:p>
+          <a:p>
+            <a:pPr marL="342900" indent="-342900">
               <a:buFont typeface="+mj-lt"/>
               <a:buAutoNum type="arabicPeriod"/>
             </a:pPr>
             <a:r>
-              <a:rPr lang="zh-CN" altLang="en-US" sz="3600" dirty="0"/>
-              <a:t>中文文本校对</a:t>
-            </a:r>
-            <a:endParaRPr lang="en-US" altLang="zh-CN" sz="3600" dirty="0"/>
-          </a:p>
-          <a:p>
-            <a:pPr marL="742950" indent="-742950">
-              <a:buFont typeface="+mj-lt"/>
-              <a:buAutoNum type="arabicPeriod"/>
-            </a:pPr>
-            <a:r>
-              <a:rPr lang="zh-CN" altLang="en-US" sz="3600" dirty="0"/>
-              <a:t>词汇获取</a:t>
+              <a:rPr lang="zh-CN" altLang="en-US" sz="3200" dirty="0"/>
+              <a:t>便于在编程中对字符进行分类</a:t>
             </a:r>
           </a:p>
         </p:txBody>
@@ -14356,7 +14909,7 @@
     </p:spTree>
     <p:extLst>
       <p:ext uri="{BB962C8B-B14F-4D97-AF65-F5344CB8AC3E}">
-        <p14:creationId xmlns:p14="http://schemas.microsoft.com/office/powerpoint/2010/main" val="3614095813"/>
+        <p14:creationId xmlns:p14="http://schemas.microsoft.com/office/powerpoint/2010/main" val="1289760301"/>
       </p:ext>
     </p:extLst>
   </p:cSld>
@@ -14388,7 +14941,7 @@
           <p:cNvPr id="2" name="标题 1">
             <a:extLst>
               <a:ext uri="{FF2B5EF4-FFF2-40B4-BE49-F238E27FC236}">
-                <a16:creationId xmlns:a16="http://schemas.microsoft.com/office/drawing/2014/main" id="{0D77CD4C-2E4E-43FA-96FF-5CE183B621DC}"/>
+                <a16:creationId xmlns:a16="http://schemas.microsoft.com/office/drawing/2014/main" id="{174C372C-D13F-457D-84E9-A71DB3ABDF4B}"/>
               </a:ext>
             </a:extLst>
           </p:cNvPr>
@@ -14405,67 +14958,77 @@
           <a:lstStyle/>
           <a:p>
             <a:r>
-              <a:rPr lang="zh-CN" altLang="en-US" dirty="0"/>
-              <a:t>汉字输入</a:t>
-            </a:r>
-          </a:p>
-        </p:txBody>
-      </p:sp>
-      <p:sp>
-        <p:nvSpPr>
-          <p:cNvPr id="3" name="内容占位符 2">
+              <a:rPr lang="en-US" altLang="zh-CN" dirty="0"/>
+              <a:t>CODE</a:t>
+            </a:r>
+            <a:endParaRPr lang="zh-CN" altLang="en-US" dirty="0"/>
+          </a:p>
+        </p:txBody>
+      </p:sp>
+      <p:pic>
+        <p:nvPicPr>
+          <p:cNvPr id="7" name="图片 6">
             <a:extLst>
               <a:ext uri="{FF2B5EF4-FFF2-40B4-BE49-F238E27FC236}">
-                <a16:creationId xmlns:a16="http://schemas.microsoft.com/office/drawing/2014/main" id="{30210C74-4600-449F-BD34-13753163683C}"/>
+                <a16:creationId xmlns:a16="http://schemas.microsoft.com/office/drawing/2014/main" id="{720F0325-39F4-45E7-85B2-39E3C94114E7}"/>
               </a:ext>
             </a:extLst>
           </p:cNvPr>
-          <p:cNvSpPr>
-            <a:spLocks noGrp="1"/>
-          </p:cNvSpPr>
-          <p:nvPr>
-            <p:ph idx="1"/>
-          </p:nvPr>
-        </p:nvSpPr>
-        <p:spPr/>
-        <p:txBody>
-          <a:bodyPr/>
-          <a:lstStyle/>
-          <a:p>
-            <a:pPr marL="0" indent="0">
-              <a:buNone/>
-            </a:pPr>
-            <a:r>
-              <a:rPr lang="zh-CN" altLang="en-US" dirty="0"/>
-              <a:t>中文输入法：汉字输入系统</a:t>
-            </a:r>
-            <a:endParaRPr lang="en-US" altLang="zh-CN" dirty="0"/>
-          </a:p>
-          <a:p>
-            <a:pPr marL="0" indent="0">
-              <a:buNone/>
-            </a:pPr>
-            <a:endParaRPr lang="en-US" altLang="zh-CN" dirty="0"/>
-          </a:p>
-          <a:p>
-            <a:r>
-              <a:rPr lang="zh-CN" altLang="en-US" dirty="0"/>
-              <a:t>高字频，减少输入长度</a:t>
-            </a:r>
-            <a:endParaRPr lang="en-US" altLang="zh-CN" dirty="0"/>
-          </a:p>
-          <a:p>
-            <a:r>
-              <a:rPr lang="zh-CN" altLang="en-US" dirty="0"/>
-              <a:t>高字频、词频，排序靠前</a:t>
-            </a:r>
-          </a:p>
-        </p:txBody>
-      </p:sp>
+          <p:cNvPicPr>
+            <a:picLocks noChangeAspect="1"/>
+          </p:cNvPicPr>
+          <p:nvPr/>
+        </p:nvPicPr>
+        <p:blipFill>
+          <a:blip r:embed="rId2"/>
+          <a:stretch>
+            <a:fillRect/>
+          </a:stretch>
+        </p:blipFill>
+        <p:spPr>
+          <a:xfrm>
+            <a:off x="1397470" y="2462096"/>
+            <a:ext cx="3482642" cy="3642676"/>
+          </a:xfrm>
+          <a:prstGeom prst="rect">
+            <a:avLst/>
+          </a:prstGeom>
+        </p:spPr>
+      </p:pic>
+      <p:pic>
+        <p:nvPicPr>
+          <p:cNvPr id="9" name="图片 8">
+            <a:extLst>
+              <a:ext uri="{FF2B5EF4-FFF2-40B4-BE49-F238E27FC236}">
+                <a16:creationId xmlns:a16="http://schemas.microsoft.com/office/drawing/2014/main" id="{478280EE-1F6C-4F70-BFCF-1F82B1107CA7}"/>
+              </a:ext>
+            </a:extLst>
+          </p:cNvPr>
+          <p:cNvPicPr>
+            <a:picLocks noChangeAspect="1"/>
+          </p:cNvPicPr>
+          <p:nvPr/>
+        </p:nvPicPr>
+        <p:blipFill>
+          <a:blip r:embed="rId3"/>
+          <a:stretch>
+            <a:fillRect/>
+          </a:stretch>
+        </p:blipFill>
+        <p:spPr>
+          <a:xfrm>
+            <a:off x="5830111" y="2462096"/>
+            <a:ext cx="4525442" cy="3642676"/>
+          </a:xfrm>
+          <a:prstGeom prst="rect">
+            <a:avLst/>
+          </a:prstGeom>
+        </p:spPr>
+      </p:pic>
     </p:spTree>
     <p:extLst>
       <p:ext uri="{BB962C8B-B14F-4D97-AF65-F5344CB8AC3E}">
-        <p14:creationId xmlns:p14="http://schemas.microsoft.com/office/powerpoint/2010/main" val="2729840883"/>
+        <p14:creationId xmlns:p14="http://schemas.microsoft.com/office/powerpoint/2010/main" val="1807303613"/>
       </p:ext>
     </p:extLst>
   </p:cSld>
@@ -14497,7 +15060,7 @@
           <p:cNvPr id="2" name="标题 1">
             <a:extLst>
               <a:ext uri="{FF2B5EF4-FFF2-40B4-BE49-F238E27FC236}">
-                <a16:creationId xmlns:a16="http://schemas.microsoft.com/office/drawing/2014/main" id="{646E07D9-42C4-4DB6-ABA8-EF804229AAAA}"/>
+                <a16:creationId xmlns:a16="http://schemas.microsoft.com/office/drawing/2014/main" id="{B1AA155A-4A36-4085-BF68-DD9783C31505}"/>
               </a:ext>
             </a:extLst>
           </p:cNvPr>
@@ -14514,10 +15077,14 @@
           <a:lstStyle/>
           <a:p>
             <a:r>
-              <a:rPr lang="zh-CN" altLang="en-US" sz="3600" dirty="0"/>
-              <a:t>汉字识别</a:t>
-            </a:r>
-            <a:endParaRPr lang="zh-CN" altLang="en-US" dirty="0"/>
+              <a:rPr lang="en-US" altLang="zh-CN" dirty="0"/>
+              <a:t>6.4 </a:t>
+            </a:r>
+            <a:r>
+              <a:rPr lang="zh-CN" altLang="en-US" dirty="0"/>
+              <a:t>字频统计</a:t>
+            </a:r>
+            <a:endParaRPr lang="zh-CN" altLang="en-US" b="1" dirty="0"/>
           </a:p>
         </p:txBody>
       </p:sp>
@@ -14526,7 +15093,7 @@
           <p:cNvPr id="3" name="内容占位符 2">
             <a:extLst>
               <a:ext uri="{FF2B5EF4-FFF2-40B4-BE49-F238E27FC236}">
-                <a16:creationId xmlns:a16="http://schemas.microsoft.com/office/drawing/2014/main" id="{5469FBA7-0BFB-4532-8112-A523CD436979}"/>
+                <a16:creationId xmlns:a16="http://schemas.microsoft.com/office/drawing/2014/main" id="{81B33DC0-BF5D-412E-AF38-E6D4F60B9A29}"/>
               </a:ext>
             </a:extLst>
           </p:cNvPr>
@@ -14537,63 +15104,82 @@
             <p:ph idx="1"/>
           </p:nvPr>
         </p:nvSpPr>
-        <p:spPr/>
-        <p:txBody>
-          <a:bodyPr/>
+        <p:spPr>
+          <a:xfrm>
+            <a:off x="680321" y="2641673"/>
+            <a:ext cx="9613861" cy="3117101"/>
+          </a:xfrm>
+          <a:solidFill>
+            <a:schemeClr val="accent1">
+              <a:lumMod val="50000"/>
+            </a:schemeClr>
+          </a:solidFill>
+        </p:spPr>
+        <p:txBody>
+          <a:bodyPr>
+            <a:noAutofit/>
+          </a:bodyPr>
           <a:lstStyle/>
           <a:p>
             <a:pPr marL="0" indent="0">
               <a:buNone/>
             </a:pPr>
-            <a:r>
-              <a:rPr lang="zh-CN" altLang="en-US" dirty="0"/>
-              <a:t>印刷汉字识别 </a:t>
-            </a:r>
-            <a:endParaRPr lang="en-US" altLang="zh-CN" dirty="0"/>
+            <a:br>
+              <a:rPr lang="zh-CN" altLang="en-US" dirty="0"/>
+            </a:br>
+            <a:r>
+              <a:rPr lang="zh-CN" altLang="en-US" sz="3200" dirty="0"/>
+              <a:t>　　</a:t>
+            </a:r>
+            <a:r>
+              <a:rPr lang="en-US" altLang="zh-CN" sz="3200" dirty="0"/>
+              <a:t>6.4.1 </a:t>
+            </a:r>
+            <a:r>
+              <a:rPr lang="zh-CN" altLang="en-US" sz="3200" dirty="0"/>
+              <a:t>字频统计的应用</a:t>
+            </a:r>
+            <a:endParaRPr lang="en-US" altLang="zh-CN" sz="3200" dirty="0"/>
           </a:p>
           <a:p>
             <a:pPr marL="0" indent="0">
               <a:buNone/>
             </a:pPr>
-            <a:r>
-              <a:rPr lang="zh-CN" altLang="en-US" dirty="0"/>
-              <a:t>手写汉字识别</a:t>
-            </a:r>
-            <a:endParaRPr lang="en-US" altLang="zh-CN" dirty="0"/>
-          </a:p>
-          <a:p>
-            <a:endParaRPr lang="en-US" altLang="zh-CN" dirty="0"/>
+            <a:br>
+              <a:rPr lang="zh-CN" altLang="en-US" sz="3200" dirty="0"/>
+            </a:br>
+            <a:r>
+              <a:rPr lang="zh-CN" altLang="en-US" sz="3200" dirty="0"/>
+              <a:t>　　</a:t>
+            </a:r>
+            <a:r>
+              <a:rPr lang="en-US" altLang="zh-CN" sz="3200" dirty="0"/>
+              <a:t>6.4.2 </a:t>
+            </a:r>
+            <a:r>
+              <a:rPr lang="zh-CN" altLang="en-US" sz="3200" dirty="0"/>
+              <a:t>单字字频统计</a:t>
+            </a:r>
+            <a:endParaRPr lang="en-US" altLang="zh-CN" sz="3200" dirty="0"/>
           </a:p>
           <a:p>
             <a:pPr marL="0" indent="0">
               <a:buNone/>
             </a:pPr>
-            <a:r>
-              <a:rPr lang="zh-CN" altLang="en-US" dirty="0"/>
-              <a:t>字与字的同现关系，能提高汉字识别的正确率</a:t>
-            </a:r>
-            <a:endParaRPr lang="en-US" altLang="zh-CN" dirty="0"/>
-          </a:p>
-          <a:p>
-            <a:endParaRPr lang="en-US" altLang="zh-CN" dirty="0"/>
-          </a:p>
-          <a:p>
-            <a:pPr marL="0" indent="0">
-              <a:buNone/>
-            </a:pPr>
-            <a:r>
-              <a:rPr lang="zh-CN" altLang="en-US" dirty="0"/>
-              <a:t>同现关系指的是词汇共同出现的倾向性。</a:t>
-            </a:r>
-            <a:endParaRPr lang="en-US" altLang="zh-CN" dirty="0"/>
-          </a:p>
-          <a:p>
-            <a:pPr marL="0" indent="0">
-              <a:buNone/>
-            </a:pPr>
-            <a:r>
-              <a:rPr lang="zh-CN" altLang="en-US" sz="2000" dirty="0"/>
-              <a:t>在语篇中，围绕一定的话题，一定的词往往会同时出回现，而答其他一些词汇就不大可能出现或根本不会出现。这种词的同现关系与语篇范围关系非常密切。</a:t>
+            <a:br>
+              <a:rPr lang="zh-CN" altLang="en-US" sz="3200" dirty="0"/>
+            </a:br>
+            <a:r>
+              <a:rPr lang="zh-CN" altLang="en-US" sz="3200" dirty="0"/>
+              <a:t>　　</a:t>
+            </a:r>
+            <a:r>
+              <a:rPr lang="en-US" altLang="zh-CN" sz="3200" dirty="0"/>
+              <a:t>6.4.3 </a:t>
+            </a:r>
+            <a:r>
+              <a:rPr lang="zh-CN" altLang="en-US" sz="3200" dirty="0"/>
+              <a:t>双字字频统计</a:t>
             </a:r>
           </a:p>
         </p:txBody>
@@ -14601,7 +15187,7 @@
     </p:spTree>
     <p:extLst>
       <p:ext uri="{BB962C8B-B14F-4D97-AF65-F5344CB8AC3E}">
-        <p14:creationId xmlns:p14="http://schemas.microsoft.com/office/powerpoint/2010/main" val="149304719"/>
+        <p14:creationId xmlns:p14="http://schemas.microsoft.com/office/powerpoint/2010/main" val="1335123535"/>
       </p:ext>
     </p:extLst>
   </p:cSld>
@@ -14633,7 +15219,7 @@
           <p:cNvPr id="2" name="标题 1">
             <a:extLst>
               <a:ext uri="{FF2B5EF4-FFF2-40B4-BE49-F238E27FC236}">
-                <a16:creationId xmlns:a16="http://schemas.microsoft.com/office/drawing/2014/main" id="{2BED6E52-467A-4E97-886A-31D032D23A4C}"/>
+                <a16:creationId xmlns:a16="http://schemas.microsoft.com/office/drawing/2014/main" id="{BF641962-CEB3-4F88-88FE-B82923530B68}"/>
               </a:ext>
             </a:extLst>
           </p:cNvPr>
@@ -14650,9 +15236,14 @@
           <a:lstStyle/>
           <a:p>
             <a:r>
-              <a:rPr lang="zh-CN" altLang="en-US" dirty="0"/>
-              <a:t>中文文本校对</a:t>
-            </a:r>
+              <a:rPr lang="en-US" altLang="zh-CN" sz="3600" dirty="0"/>
+              <a:t>6.4.1 </a:t>
+            </a:r>
+            <a:r>
+              <a:rPr lang="zh-CN" altLang="en-US" sz="3600" dirty="0"/>
+              <a:t>字频统计的应用</a:t>
+            </a:r>
+            <a:endParaRPr lang="zh-CN" altLang="en-US" dirty="0"/>
           </a:p>
         </p:txBody>
       </p:sp>
@@ -14661,7 +15252,7 @@
           <p:cNvPr id="3" name="内容占位符 2">
             <a:extLst>
               <a:ext uri="{FF2B5EF4-FFF2-40B4-BE49-F238E27FC236}">
-                <a16:creationId xmlns:a16="http://schemas.microsoft.com/office/drawing/2014/main" id="{07B95679-3822-4177-AAB8-2C2BA986C0F1}"/>
+                <a16:creationId xmlns:a16="http://schemas.microsoft.com/office/drawing/2014/main" id="{567E9B66-611C-4D84-A158-0508DE579467}"/>
               </a:ext>
             </a:extLst>
           </p:cNvPr>
@@ -14672,40 +15263,63 @@
             <p:ph idx="1"/>
           </p:nvPr>
         </p:nvSpPr>
-        <p:spPr/>
-        <p:txBody>
-          <a:bodyPr/>
+        <p:spPr>
+          <a:xfrm>
+            <a:off x="933240" y="2758405"/>
+            <a:ext cx="9613861" cy="2747450"/>
+          </a:xfrm>
+          <a:solidFill>
+            <a:schemeClr val="accent1">
+              <a:lumMod val="50000"/>
+            </a:schemeClr>
+          </a:solidFill>
+        </p:spPr>
+        <p:txBody>
+          <a:bodyPr>
+            <a:normAutofit/>
+          </a:bodyPr>
           <a:lstStyle/>
           <a:p>
-            <a:pPr marL="0" indent="0">
-              <a:buNone/>
+            <a:pPr marL="742950" indent="-742950">
+              <a:buFont typeface="+mj-lt"/>
+              <a:buAutoNum type="arabicPeriod"/>
             </a:pPr>
             <a:r>
-              <a:rPr lang="zh-CN" altLang="en-US" dirty="0"/>
-              <a:t>检查文本中 语法、 词汇、 文字 方面的错误</a:t>
-            </a:r>
-            <a:endParaRPr lang="en-US" altLang="zh-CN" dirty="0"/>
-          </a:p>
-          <a:p>
-            <a:endParaRPr lang="en-US" altLang="zh-CN" dirty="0"/>
-          </a:p>
-          <a:p>
-            <a:pPr marL="0" indent="0">
-              <a:buNone/>
+              <a:rPr lang="zh-CN" altLang="en-US" sz="3600" dirty="0"/>
+              <a:t>汉字输入</a:t>
+            </a:r>
+            <a:endParaRPr lang="en-US" altLang="zh-CN" sz="3600" dirty="0"/>
+          </a:p>
+          <a:p>
+            <a:pPr marL="742950" indent="-742950">
+              <a:buFont typeface="+mj-lt"/>
+              <a:buAutoNum type="arabicPeriod"/>
             </a:pPr>
             <a:r>
-              <a:rPr lang="zh-CN" altLang="en-US" dirty="0"/>
-              <a:t>使用正常语料中统计出来的字频数据是 正字 出现规律，</a:t>
-            </a:r>
-            <a:endParaRPr lang="en-US" altLang="zh-CN" dirty="0"/>
-          </a:p>
-          <a:p>
-            <a:pPr marL="0" indent="0">
-              <a:buNone/>
+              <a:rPr lang="zh-CN" altLang="en-US" sz="3600" dirty="0"/>
+              <a:t>汉字识别</a:t>
+            </a:r>
+            <a:endParaRPr lang="en-US" altLang="zh-CN" sz="3600" dirty="0"/>
+          </a:p>
+          <a:p>
+            <a:pPr marL="742950" indent="-742950">
+              <a:buFont typeface="+mj-lt"/>
+              <a:buAutoNum type="arabicPeriod"/>
             </a:pPr>
             <a:r>
-              <a:rPr lang="zh-CN" altLang="en-US" dirty="0"/>
-              <a:t>可以用来帮助识别 别字</a:t>
+              <a:rPr lang="zh-CN" altLang="en-US" sz="3600" dirty="0"/>
+              <a:t>中文文本校对</a:t>
+            </a:r>
+            <a:endParaRPr lang="en-US" altLang="zh-CN" sz="3600" dirty="0"/>
+          </a:p>
+          <a:p>
+            <a:pPr marL="742950" indent="-742950">
+              <a:buFont typeface="+mj-lt"/>
+              <a:buAutoNum type="arabicPeriod"/>
+            </a:pPr>
+            <a:r>
+              <a:rPr lang="zh-CN" altLang="en-US" sz="3600" dirty="0"/>
+              <a:t>词汇获取</a:t>
             </a:r>
           </a:p>
         </p:txBody>
@@ -14713,7 +15327,7 @@
     </p:spTree>
     <p:extLst>
       <p:ext uri="{BB962C8B-B14F-4D97-AF65-F5344CB8AC3E}">
-        <p14:creationId xmlns:p14="http://schemas.microsoft.com/office/powerpoint/2010/main" val="3129428099"/>
+        <p14:creationId xmlns:p14="http://schemas.microsoft.com/office/powerpoint/2010/main" val="3614095813"/>
       </p:ext>
     </p:extLst>
   </p:cSld>
@@ -14745,7 +15359,7 @@
           <p:cNvPr id="2" name="标题 1">
             <a:extLst>
               <a:ext uri="{FF2B5EF4-FFF2-40B4-BE49-F238E27FC236}">
-                <a16:creationId xmlns:a16="http://schemas.microsoft.com/office/drawing/2014/main" id="{A206D187-1370-4C27-A3CA-AAF45CB75F81}"/>
+                <a16:creationId xmlns:a16="http://schemas.microsoft.com/office/drawing/2014/main" id="{0D77CD4C-2E4E-43FA-96FF-5CE183B621DC}"/>
               </a:ext>
             </a:extLst>
           </p:cNvPr>
@@ -14762,10 +15376,13 @@
           <a:lstStyle/>
           <a:p>
             <a:r>
-              <a:rPr lang="zh-CN" altLang="en-US" sz="3600" dirty="0"/>
-              <a:t>词汇获取</a:t>
-            </a:r>
-            <a:endParaRPr lang="zh-CN" altLang="en-US" dirty="0"/>
+              <a:rPr lang="en-US" altLang="zh-CN" dirty="0"/>
+              <a:t>1 </a:t>
+            </a:r>
+            <a:r>
+              <a:rPr lang="zh-CN" altLang="en-US" dirty="0"/>
+              <a:t>汉字输入</a:t>
+            </a:r>
           </a:p>
         </p:txBody>
       </p:sp>
@@ -14774,7 +15391,7 @@
           <p:cNvPr id="3" name="内容占位符 2">
             <a:extLst>
               <a:ext uri="{FF2B5EF4-FFF2-40B4-BE49-F238E27FC236}">
-                <a16:creationId xmlns:a16="http://schemas.microsoft.com/office/drawing/2014/main" id="{F0350169-EA83-48AC-807C-FD7151093415}"/>
+                <a16:creationId xmlns:a16="http://schemas.microsoft.com/office/drawing/2014/main" id="{30210C74-4600-449F-BD34-13753163683C}"/>
               </a:ext>
             </a:extLst>
           </p:cNvPr>
@@ -14785,7 +15402,17 @@
             <p:ph idx="1"/>
           </p:nvPr>
         </p:nvSpPr>
-        <p:spPr/>
+        <p:spPr>
+          <a:xfrm>
+            <a:off x="680321" y="2905440"/>
+            <a:ext cx="9613861" cy="2118395"/>
+          </a:xfrm>
+          <a:solidFill>
+            <a:schemeClr val="accent1">
+              <a:lumMod val="50000"/>
+            </a:schemeClr>
+          </a:solidFill>
+        </p:spPr>
         <p:txBody>
           <a:bodyPr/>
           <a:lstStyle/>
@@ -14795,70 +15422,27 @@
             </a:pPr>
             <a:r>
               <a:rPr lang="zh-CN" altLang="en-US" dirty="0"/>
-              <a:t>未登录词</a:t>
+              <a:t>中文输入法：汉字输入系统</a:t>
             </a:r>
             <a:endParaRPr lang="en-US" altLang="zh-CN" dirty="0"/>
           </a:p>
           <a:p>
+            <a:pPr marL="0" indent="0">
+              <a:buNone/>
+            </a:pPr>
             <a:endParaRPr lang="en-US" altLang="zh-CN" dirty="0"/>
           </a:p>
           <a:p>
-            <a:pPr marL="457200" indent="-457200">
-              <a:buFont typeface="+mj-lt"/>
-              <a:buAutoNum type="arabicPeriod"/>
-            </a:pPr>
-            <a:r>
-              <a:rPr lang="zh-CN" altLang="en-US" dirty="0"/>
-              <a:t>从大规模真实文本中统计双字、三字、四字</a:t>
-            </a:r>
-            <a:r>
-              <a:rPr lang="en-US" altLang="zh-CN" dirty="0"/>
-              <a:t>……</a:t>
-            </a:r>
-            <a:r>
-              <a:rPr lang="zh-CN" altLang="en-US" dirty="0"/>
-              <a:t>的连续同现频率</a:t>
+            <a:r>
+              <a:rPr lang="zh-CN" altLang="en-US" dirty="0"/>
+              <a:t>高字频，减少输入长度</a:t>
             </a:r>
             <a:endParaRPr lang="en-US" altLang="zh-CN" dirty="0"/>
           </a:p>
           <a:p>
-            <a:pPr marL="457200" indent="-457200">
-              <a:buFont typeface="+mj-lt"/>
-              <a:buAutoNum type="arabicPeriod"/>
-            </a:pPr>
-            <a:r>
-              <a:rPr lang="zh-CN" altLang="en-US" dirty="0"/>
-              <a:t>然后计算某种统计量</a:t>
-            </a:r>
-            <a:endParaRPr lang="en-US" altLang="zh-CN" dirty="0"/>
-          </a:p>
-          <a:p>
-            <a:pPr marL="457200" indent="-457200">
-              <a:buFont typeface="+mj-lt"/>
-              <a:buAutoNum type="arabicPeriod"/>
-            </a:pPr>
-            <a:r>
-              <a:rPr lang="zh-CN" altLang="en-US" dirty="0"/>
-              <a:t>把统计量在某个阈值之上的双字、三字、四字</a:t>
-            </a:r>
-            <a:r>
-              <a:rPr lang="en-US" altLang="zh-CN" dirty="0"/>
-              <a:t>……</a:t>
-            </a:r>
-            <a:r>
-              <a:rPr lang="zh-CN" altLang="en-US" dirty="0"/>
-              <a:t>作为候选词</a:t>
-            </a:r>
-            <a:endParaRPr lang="en-US" altLang="zh-CN" dirty="0"/>
-          </a:p>
-          <a:p>
-            <a:pPr marL="457200" indent="-457200">
-              <a:buFont typeface="+mj-lt"/>
-              <a:buAutoNum type="arabicPeriod"/>
-            </a:pPr>
-            <a:r>
-              <a:rPr lang="zh-CN" altLang="en-US" dirty="0"/>
-              <a:t>再利用其他方法（如人工检查）对候选词进行甄别</a:t>
+            <a:r>
+              <a:rPr lang="zh-CN" altLang="en-US" dirty="0"/>
+              <a:t>高字频、词频，排序靠前</a:t>
             </a:r>
           </a:p>
         </p:txBody>
@@ -14866,7 +15450,7 @@
     </p:spTree>
     <p:extLst>
       <p:ext uri="{BB962C8B-B14F-4D97-AF65-F5344CB8AC3E}">
-        <p14:creationId xmlns:p14="http://schemas.microsoft.com/office/powerpoint/2010/main" val="1137331418"/>
+        <p14:creationId xmlns:p14="http://schemas.microsoft.com/office/powerpoint/2010/main" val="2729840883"/>
       </p:ext>
     </p:extLst>
   </p:cSld>
@@ -14898,7 +15482,7 @@
           <p:cNvPr id="2" name="标题 1">
             <a:extLst>
               <a:ext uri="{FF2B5EF4-FFF2-40B4-BE49-F238E27FC236}">
-                <a16:creationId xmlns:a16="http://schemas.microsoft.com/office/drawing/2014/main" id="{E74EE5F7-DA13-4FD1-AE22-21F1F4397B14}"/>
+                <a16:creationId xmlns:a16="http://schemas.microsoft.com/office/drawing/2014/main" id="{646E07D9-42C4-4DB6-ABA8-EF804229AAAA}"/>
               </a:ext>
             </a:extLst>
           </p:cNvPr>
@@ -14915,13 +15499,14 @@
           <a:lstStyle/>
           <a:p>
             <a:r>
-              <a:rPr lang="en-US" altLang="zh-CN" dirty="0"/>
-              <a:t>6.4.2 </a:t>
-            </a:r>
-            <a:r>
-              <a:rPr lang="zh-CN" altLang="en-US" dirty="0"/>
-              <a:t>单字字频统计</a:t>
-            </a:r>
+              <a:rPr lang="en-US" altLang="zh-CN" sz="3600" dirty="0"/>
+              <a:t>2 </a:t>
+            </a:r>
+            <a:r>
+              <a:rPr lang="zh-CN" altLang="en-US" sz="3600" dirty="0"/>
+              <a:t>汉字识别</a:t>
+            </a:r>
+            <a:endParaRPr lang="zh-CN" altLang="en-US" dirty="0"/>
           </a:p>
         </p:txBody>
       </p:sp>
@@ -14930,7 +15515,7 @@
           <p:cNvPr id="3" name="内容占位符 2">
             <a:extLst>
               <a:ext uri="{FF2B5EF4-FFF2-40B4-BE49-F238E27FC236}">
-                <a16:creationId xmlns:a16="http://schemas.microsoft.com/office/drawing/2014/main" id="{C7DF250A-0F1D-48BB-8E0B-5FAFF1CEE82F}"/>
+                <a16:creationId xmlns:a16="http://schemas.microsoft.com/office/drawing/2014/main" id="{5469FBA7-0BFB-4532-8112-A523CD436979}"/>
               </a:ext>
             </a:extLst>
           </p:cNvPr>
@@ -14942,25 +15527,24 @@
           </p:nvPr>
         </p:nvSpPr>
         <p:spPr>
-          <a:xfrm>
-            <a:off x="680321" y="2140372"/>
-            <a:ext cx="5506470" cy="3599316"/>
-          </a:xfrm>
-        </p:spPr>
-        <p:txBody>
-          <a:bodyPr>
-            <a:normAutofit lnSpcReduction="10000"/>
-          </a:bodyPr>
+          <a:solidFill>
+            <a:schemeClr val="accent1">
+              <a:lumMod val="50000"/>
+            </a:schemeClr>
+          </a:solidFill>
+        </p:spPr>
+        <p:txBody>
+          <a:bodyPr/>
           <a:lstStyle/>
           <a:p>
             <a:pPr marL="0" indent="0">
               <a:buNone/>
             </a:pPr>
             <a:r>
-              <a:rPr lang="zh-CN" altLang="en-US" b="1" dirty="0"/>
-              <a:t>输入：</a:t>
-            </a:r>
-            <a:endParaRPr lang="en-US" altLang="zh-CN" b="1" dirty="0"/>
+              <a:rPr lang="zh-CN" altLang="en-US" dirty="0"/>
+              <a:t>印刷汉字识别 </a:t>
+            </a:r>
+            <a:endParaRPr lang="en-US" altLang="zh-CN" dirty="0"/>
           </a:p>
           <a:p>
             <a:pPr marL="0" indent="0">
@@ -14968,45 +15552,44 @@
             </a:pPr>
             <a:r>
               <a:rPr lang="zh-CN" altLang="en-US" dirty="0"/>
-              <a:t>文本文件</a:t>
+              <a:t>手写汉字识别</a:t>
             </a:r>
             <a:endParaRPr lang="en-US" altLang="zh-CN" dirty="0"/>
           </a:p>
           <a:p>
+            <a:endParaRPr lang="en-US" altLang="zh-CN" dirty="0"/>
+          </a:p>
+          <a:p>
             <a:pPr marL="0" indent="0">
               <a:buNone/>
             </a:pPr>
+            <a:r>
+              <a:rPr lang="zh-CN" altLang="en-US" dirty="0"/>
+              <a:t>字与字的同现关系，能提高汉字识别的正确率</a:t>
+            </a:r>
             <a:endParaRPr lang="en-US" altLang="zh-CN" dirty="0"/>
           </a:p>
           <a:p>
+            <a:endParaRPr lang="en-US" altLang="zh-CN" dirty="0"/>
+          </a:p>
+          <a:p>
             <a:pPr marL="0" indent="0">
               <a:buNone/>
             </a:pPr>
             <a:r>
-              <a:rPr lang="zh-CN" altLang="en-US" b="1" dirty="0"/>
-              <a:t>输出：</a:t>
-            </a:r>
-            <a:endParaRPr lang="en-US" altLang="zh-CN" b="1" dirty="0"/>
-          </a:p>
-          <a:p>
-            <a:pPr marL="0" indent="0">
-              <a:buNone/>
-            </a:pPr>
-            <a:r>
-              <a:rPr lang="zh-CN" altLang="en-US" dirty="0"/>
-              <a:t>文件中不同</a:t>
-            </a:r>
-            <a:r>
               <a:rPr lang="zh-CN" altLang="en-US" dirty="0">
+                <a:solidFill>
+                  <a:srgbClr val="FF0000"/>
+                </a:solidFill>
                 <a:highlight>
-                  <a:srgbClr val="000080"/>
+                  <a:srgbClr val="FFFF00"/>
                 </a:highlight>
               </a:rPr>
-              <a:t>汉字</a:t>
-            </a:r>
-            <a:r>
-              <a:rPr lang="zh-CN" altLang="en-US" dirty="0"/>
-              <a:t>的个数</a:t>
+              <a:t>同现关系</a:t>
+            </a:r>
+            <a:r>
+              <a:rPr lang="zh-CN" altLang="en-US" dirty="0"/>
+              <a:t>指的是词汇共同出现的倾向性。</a:t>
             </a:r>
             <a:endParaRPr lang="en-US" altLang="zh-CN" dirty="0"/>
           </a:p>
@@ -15015,74 +15598,16 @@
               <a:buNone/>
             </a:pPr>
             <a:r>
-              <a:rPr lang="zh-CN" altLang="en-US" dirty="0"/>
-              <a:t>每个</a:t>
-            </a:r>
-            <a:r>
-              <a:rPr lang="zh-CN" altLang="en-US" dirty="0">
-                <a:highlight>
-                  <a:srgbClr val="000080"/>
-                </a:highlight>
-              </a:rPr>
-              <a:t>汉字</a:t>
-            </a:r>
-            <a:r>
-              <a:rPr lang="zh-CN" altLang="en-US" dirty="0"/>
-              <a:t>出现的次数</a:t>
-            </a:r>
-            <a:endParaRPr lang="en-US" altLang="zh-CN" dirty="0"/>
-          </a:p>
-          <a:p>
-            <a:pPr marL="0" indent="0">
-              <a:buNone/>
-            </a:pPr>
-            <a:endParaRPr lang="en-US" altLang="zh-CN" dirty="0"/>
-          </a:p>
-          <a:p>
-            <a:pPr marL="0" indent="0">
-              <a:buNone/>
-            </a:pPr>
-            <a:r>
-              <a:rPr lang="zh-CN" altLang="en-US" dirty="0"/>
-              <a:t>流程图、算法、编程实现</a:t>
-            </a:r>
-          </a:p>
-        </p:txBody>
-      </p:sp>
-      <p:pic>
-        <p:nvPicPr>
-          <p:cNvPr id="5" name="图片 4">
-            <a:extLst>
-              <a:ext uri="{FF2B5EF4-FFF2-40B4-BE49-F238E27FC236}">
-                <a16:creationId xmlns:a16="http://schemas.microsoft.com/office/drawing/2014/main" id="{C1206C49-DE67-4EC8-9463-3C230AFD6F58}"/>
-              </a:ext>
-            </a:extLst>
-          </p:cNvPr>
-          <p:cNvPicPr>
-            <a:picLocks noChangeAspect="1"/>
-          </p:cNvPicPr>
-          <p:nvPr/>
-        </p:nvPicPr>
-        <p:blipFill>
-          <a:blip r:embed="rId2"/>
-          <a:stretch>
-            <a:fillRect/>
-          </a:stretch>
-        </p:blipFill>
-        <p:spPr>
-          <a:xfrm>
-            <a:off x="5285362" y="943684"/>
-            <a:ext cx="6226317" cy="5784326"/>
-          </a:xfrm>
-          <a:prstGeom prst="rect">
-            <a:avLst/>
-          </a:prstGeom>
-        </p:spPr>
-      </p:pic>
+              <a:rPr lang="zh-CN" altLang="en-US" sz="2000" dirty="0"/>
+              <a:t>在语篇中，围绕一定的话题，一定的词往往会同时出回现，而答其他一些词汇就不大可能出现或根本不会出现。这种词的同现关系与语篇范围关系非常密切。</a:t>
+            </a:r>
+          </a:p>
+        </p:txBody>
+      </p:sp>
     </p:spTree>
     <p:extLst>
       <p:ext uri="{BB962C8B-B14F-4D97-AF65-F5344CB8AC3E}">
-        <p14:creationId xmlns:p14="http://schemas.microsoft.com/office/powerpoint/2010/main" val="1722028254"/>
+        <p14:creationId xmlns:p14="http://schemas.microsoft.com/office/powerpoint/2010/main" val="149304719"/>
       </p:ext>
     </p:extLst>
   </p:cSld>
@@ -15153,10 +15678,20 @@
             <p:ph idx="1"/>
           </p:nvPr>
         </p:nvSpPr>
-        <p:spPr/>
+        <p:spPr>
+          <a:xfrm>
+            <a:off x="218954" y="2151150"/>
+            <a:ext cx="6519072" cy="2189731"/>
+          </a:xfrm>
+          <a:solidFill>
+            <a:schemeClr val="accent1">
+              <a:lumMod val="50000"/>
+            </a:schemeClr>
+          </a:solidFill>
+        </p:spPr>
         <p:txBody>
           <a:bodyPr>
-            <a:normAutofit lnSpcReduction="10000"/>
+            <a:normAutofit/>
           </a:bodyPr>
           <a:lstStyle/>
           <a:p>
@@ -15168,9 +15703,6 @@
                 <a:solidFill>
                   <a:srgbClr val="FFFF00"/>
                 </a:solidFill>
-                <a:highlight>
-                  <a:srgbClr val="000080"/>
-                </a:highlight>
               </a:rPr>
               <a:t>字符</a:t>
             </a:r>
@@ -15178,12 +15710,13 @@
               <a:solidFill>
                 <a:srgbClr val="FFFF00"/>
               </a:solidFill>
-              <a:highlight>
-                <a:srgbClr val="000080"/>
-              </a:highlight>
             </a:endParaRPr>
           </a:p>
           <a:p>
+            <a:pPr>
+              <a:buFont typeface="Wingdings" panose="05000000000000000000" pitchFamily="2" charset="2"/>
+              <a:buChar char="Ø"/>
+            </a:pPr>
             <a:r>
               <a:rPr lang="zh-CN" altLang="en-US" dirty="0"/>
               <a:t>文字 </a:t>
@@ -15199,16 +15732,24 @@
             <a:endParaRPr lang="en-US" altLang="zh-CN" dirty="0"/>
           </a:p>
           <a:p>
-            <a:r>
-              <a:rPr lang="zh-CN" altLang="en-US" dirty="0"/>
-              <a:t>包括各国家文字、标点符号、图形符号、数字等</a:t>
+            <a:pPr>
+              <a:buFont typeface="Wingdings" panose="05000000000000000000" pitchFamily="2" charset="2"/>
+              <a:buChar char="Ø"/>
+            </a:pPr>
+            <a:r>
+              <a:rPr lang="zh-CN" altLang="en-US" dirty="0"/>
+              <a:t>各国家文字、标点符号、图形符号、数字等</a:t>
             </a:r>
             <a:endParaRPr lang="en-US" altLang="zh-CN" dirty="0"/>
           </a:p>
           <a:p>
-            <a:r>
-              <a:rPr lang="zh-CN" altLang="en-US" dirty="0"/>
-              <a:t>一切文本处理中最基本单位</a:t>
+            <a:pPr>
+              <a:buFont typeface="Wingdings" panose="05000000000000000000" pitchFamily="2" charset="2"/>
+              <a:buChar char="Ø"/>
+            </a:pPr>
+            <a:r>
+              <a:rPr lang="zh-CN" altLang="en-US" dirty="0"/>
+              <a:t>文本处理中最基本单位</a:t>
             </a:r>
             <a:endParaRPr lang="en-US" altLang="zh-CN" dirty="0"/>
           </a:p>
@@ -15216,45 +15757,220 @@
             <a:endParaRPr lang="en-US" altLang="zh-CN" dirty="0"/>
           </a:p>
           <a:p>
-            <a:pPr marL="0" indent="0">
-              <a:buNone/>
+            <a:endParaRPr lang="zh-CN" altLang="en-US" dirty="0"/>
+          </a:p>
+        </p:txBody>
+      </p:sp>
+      <p:pic>
+        <p:nvPicPr>
+          <p:cNvPr id="4" name="图片 3">
+            <a:extLst>
+              <a:ext uri="{FF2B5EF4-FFF2-40B4-BE49-F238E27FC236}">
+                <a16:creationId xmlns:a16="http://schemas.microsoft.com/office/drawing/2014/main" id="{EA06BC2E-9A04-44B3-8F5C-9592C7345900}"/>
+              </a:ext>
+            </a:extLst>
+          </p:cNvPr>
+          <p:cNvPicPr>
+            <a:picLocks noChangeAspect="1"/>
+          </p:cNvPicPr>
+          <p:nvPr/>
+        </p:nvPicPr>
+        <p:blipFill>
+          <a:blip r:embed="rId2"/>
+          <a:stretch>
+            <a:fillRect/>
+          </a:stretch>
+        </p:blipFill>
+        <p:spPr>
+          <a:xfrm>
+            <a:off x="7311319" y="2151149"/>
+            <a:ext cx="3128883" cy="2189731"/>
+          </a:xfrm>
+          <a:prstGeom prst="rect">
+            <a:avLst/>
+          </a:prstGeom>
+        </p:spPr>
+      </p:pic>
+      <p:sp>
+        <p:nvSpPr>
+          <p:cNvPr id="6" name="文本框 5">
+            <a:extLst>
+              <a:ext uri="{FF2B5EF4-FFF2-40B4-BE49-F238E27FC236}">
+                <a16:creationId xmlns:a16="http://schemas.microsoft.com/office/drawing/2014/main" id="{474A78E1-B62B-4DB4-A071-83FFA2C4C378}"/>
+              </a:ext>
+            </a:extLst>
+          </p:cNvPr>
+          <p:cNvSpPr txBox="1"/>
+          <p:nvPr/>
+        </p:nvSpPr>
+        <p:spPr>
+          <a:xfrm>
+            <a:off x="218954" y="4835918"/>
+            <a:ext cx="10221248" cy="1401409"/>
+          </a:xfrm>
+          <a:prstGeom prst="rect">
+            <a:avLst/>
+          </a:prstGeom>
+          <a:solidFill>
+            <a:schemeClr val="accent1">
+              <a:lumMod val="50000"/>
+            </a:schemeClr>
+          </a:solidFill>
+        </p:spPr>
+        <p:txBody>
+          <a:bodyPr wrap="square">
+            <a:spAutoFit/>
+          </a:bodyPr>
+          <a:lstStyle/>
+          <a:p>
+            <a:pPr marL="0" marR="0" lvl="0" indent="0" algn="l" defTabSz="914400" rtl="0" eaLnBrk="1" fontAlgn="auto" latinLnBrk="0" hangingPunct="1">
+              <a:lnSpc>
+                <a:spcPct val="90000"/>
+              </a:lnSpc>
+              <a:spcBef>
+                <a:spcPts val="1000"/>
+              </a:spcBef>
+              <a:spcAft>
+                <a:spcPts val="0"/>
+              </a:spcAft>
+              <a:buClrTx/>
+              <a:buSzTx/>
+              <a:buFont typeface="Arial" panose="020B0604020202020204" pitchFamily="34" charset="0"/>
+              <a:buNone/>
+              <a:tabLst/>
+              <a:defRPr/>
             </a:pPr>
             <a:r>
-              <a:rPr lang="zh-CN" altLang="en-US" sz="2800" b="1" dirty="0">
+              <a:rPr kumimoji="0" lang="zh-CN" altLang="en-US" sz="2800" b="1" i="0" u="none" strike="noStrike" kern="1200" cap="none" spc="0" normalizeH="0" baseline="0" noProof="0" dirty="0">
+                <a:ln>
+                  <a:noFill/>
+                </a:ln>
                 <a:solidFill>
                   <a:srgbClr val="FFFF00"/>
                 </a:solidFill>
-                <a:highlight>
-                  <a:srgbClr val="000080"/>
-                </a:highlight>
+                <a:effectLst/>
+                <a:uLnTx/>
+                <a:uFillTx/>
+                <a:latin typeface="等线" panose="020F0502020204030204"/>
+                <a:ea typeface="等线" panose="02010600030101010101" pitchFamily="2" charset="-122"/>
+                <a:cs typeface="+mn-cs"/>
               </a:rPr>
               <a:t>字符编码</a:t>
             </a:r>
-            <a:endParaRPr lang="en-US" altLang="zh-CN" sz="2800" b="1" dirty="0">
+            <a:endParaRPr kumimoji="0" lang="en-US" altLang="zh-CN" sz="2800" b="1" i="0" u="none" strike="noStrike" kern="1200" cap="none" spc="0" normalizeH="0" baseline="0" noProof="0" dirty="0">
+              <a:ln>
+                <a:noFill/>
+              </a:ln>
               <a:solidFill>
                 <a:srgbClr val="FFFF00"/>
               </a:solidFill>
-              <a:highlight>
-                <a:srgbClr val="000080"/>
-              </a:highlight>
+              <a:effectLst/>
+              <a:uLnTx/>
+              <a:uFillTx/>
+              <a:latin typeface="等线" panose="020F0502020204030204"/>
+              <a:ea typeface="等线" panose="02010600030101010101" pitchFamily="2" charset="-122"/>
+              <a:cs typeface="+mn-cs"/>
             </a:endParaRPr>
           </a:p>
           <a:p>
-            <a:r>
-              <a:rPr lang="zh-CN" altLang="en-US" dirty="0"/>
+            <a:pPr marL="228600" marR="0" lvl="0" indent="-228600" algn="l" defTabSz="914400" rtl="0" eaLnBrk="1" fontAlgn="auto" latinLnBrk="0" hangingPunct="1">
+              <a:lnSpc>
+                <a:spcPct val="90000"/>
+              </a:lnSpc>
+              <a:spcBef>
+                <a:spcPts val="1000"/>
+              </a:spcBef>
+              <a:spcAft>
+                <a:spcPts val="0"/>
+              </a:spcAft>
+              <a:buClrTx/>
+              <a:buSzTx/>
+              <a:buFont typeface="Wingdings" panose="05000000000000000000" pitchFamily="2" charset="2"/>
+              <a:buChar char="Ø"/>
+              <a:tabLst/>
+              <a:defRPr/>
+            </a:pPr>
+            <a:r>
+              <a:rPr kumimoji="0" lang="zh-CN" altLang="en-US" sz="2400" b="0" i="0" u="none" strike="noStrike" kern="1200" cap="none" spc="0" normalizeH="0" baseline="0" noProof="0" dirty="0">
+                <a:ln>
+                  <a:noFill/>
+                </a:ln>
+                <a:solidFill>
+                  <a:prstClr val="white"/>
+                </a:solidFill>
+                <a:effectLst/>
+                <a:uLnTx/>
+                <a:uFillTx/>
+                <a:latin typeface="等线" panose="020F0502020204030204"/>
+                <a:ea typeface="等线" panose="02010600030101010101" pitchFamily="2" charset="-122"/>
+                <a:cs typeface="+mn-cs"/>
+              </a:rPr>
               <a:t>输入编码（外码）：输入字符时需要敲哪些键（输入法）</a:t>
             </a:r>
-            <a:endParaRPr lang="en-US" altLang="zh-CN" dirty="0"/>
-          </a:p>
-          <a:p>
-            <a:r>
-              <a:rPr lang="zh-CN" altLang="en-US" dirty="0"/>
-              <a:t>机内编码（内码）：计算机上用什么数字来表示和存储某个字符</a:t>
-            </a:r>
-            <a:endParaRPr lang="en-US" altLang="zh-CN" dirty="0"/>
-          </a:p>
-          <a:p>
-            <a:endParaRPr lang="zh-CN" altLang="en-US" dirty="0"/>
+            <a:endParaRPr kumimoji="0" lang="en-US" altLang="zh-CN" sz="2400" b="0" i="0" u="none" strike="noStrike" kern="1200" cap="none" spc="0" normalizeH="0" baseline="0" noProof="0" dirty="0">
+              <a:ln>
+                <a:noFill/>
+              </a:ln>
+              <a:solidFill>
+                <a:prstClr val="white"/>
+              </a:solidFill>
+              <a:effectLst/>
+              <a:uLnTx/>
+              <a:uFillTx/>
+              <a:latin typeface="等线" panose="020F0502020204030204"/>
+              <a:ea typeface="等线" panose="02010600030101010101" pitchFamily="2" charset="-122"/>
+              <a:cs typeface="+mn-cs"/>
+            </a:endParaRPr>
+          </a:p>
+          <a:p>
+            <a:pPr marL="228600" marR="0" lvl="0" indent="-228600" algn="l" defTabSz="914400" rtl="0" eaLnBrk="1" fontAlgn="auto" latinLnBrk="0" hangingPunct="1">
+              <a:lnSpc>
+                <a:spcPct val="90000"/>
+              </a:lnSpc>
+              <a:spcBef>
+                <a:spcPts val="1000"/>
+              </a:spcBef>
+              <a:spcAft>
+                <a:spcPts val="0"/>
+              </a:spcAft>
+              <a:buClrTx/>
+              <a:buSzTx/>
+              <a:buFont typeface="Wingdings" panose="05000000000000000000" pitchFamily="2" charset="2"/>
+              <a:buChar char="Ø"/>
+              <a:tabLst/>
+              <a:defRPr/>
+            </a:pPr>
+            <a:r>
+              <a:rPr kumimoji="0" lang="zh-CN" altLang="en-US" sz="2400" b="0" i="0" u="none" strike="noStrike" kern="1200" cap="none" spc="0" normalizeH="0" baseline="0" noProof="0" dirty="0">
+                <a:ln>
+                  <a:noFill/>
+                </a:ln>
+                <a:solidFill>
+                  <a:prstClr val="white"/>
+                </a:solidFill>
+                <a:effectLst/>
+                <a:uLnTx/>
+                <a:uFillTx/>
+                <a:latin typeface="等线" panose="020F0502020204030204"/>
+                <a:ea typeface="等线" panose="02010600030101010101" pitchFamily="2" charset="-122"/>
+                <a:cs typeface="+mn-cs"/>
+              </a:rPr>
+              <a:t>机内编码（内码）：用什么数字来表示和存储某个字符</a:t>
+            </a:r>
+            <a:endParaRPr kumimoji="0" lang="en-US" altLang="zh-CN" sz="2400" b="0" i="0" u="none" strike="noStrike" kern="1200" cap="none" spc="0" normalizeH="0" baseline="0" noProof="0" dirty="0">
+              <a:ln>
+                <a:noFill/>
+              </a:ln>
+              <a:solidFill>
+                <a:prstClr val="white"/>
+              </a:solidFill>
+              <a:effectLst/>
+              <a:uLnTx/>
+              <a:uFillTx/>
+              <a:latin typeface="等线" panose="020F0502020204030204"/>
+              <a:ea typeface="等线" panose="02010600030101010101" pitchFamily="2" charset="-122"/>
+              <a:cs typeface="+mn-cs"/>
+            </a:endParaRPr>
           </a:p>
         </p:txBody>
       </p:sp>
@@ -15293,6 +16009,516 @@
           <p:cNvPr id="2" name="标题 1">
             <a:extLst>
               <a:ext uri="{FF2B5EF4-FFF2-40B4-BE49-F238E27FC236}">
+                <a16:creationId xmlns:a16="http://schemas.microsoft.com/office/drawing/2014/main" id="{2BED6E52-467A-4E97-886A-31D032D23A4C}"/>
+              </a:ext>
+            </a:extLst>
+          </p:cNvPr>
+          <p:cNvSpPr>
+            <a:spLocks noGrp="1"/>
+          </p:cNvSpPr>
+          <p:nvPr>
+            <p:ph type="title"/>
+          </p:nvPr>
+        </p:nvSpPr>
+        <p:spPr/>
+        <p:txBody>
+          <a:bodyPr/>
+          <a:lstStyle/>
+          <a:p>
+            <a:r>
+              <a:rPr lang="en-US" altLang="zh-CN" dirty="0"/>
+              <a:t>3 </a:t>
+            </a:r>
+            <a:r>
+              <a:rPr lang="zh-CN" altLang="en-US" dirty="0"/>
+              <a:t>中文文本校对</a:t>
+            </a:r>
+          </a:p>
+        </p:txBody>
+      </p:sp>
+      <p:sp>
+        <p:nvSpPr>
+          <p:cNvPr id="3" name="内容占位符 2">
+            <a:extLst>
+              <a:ext uri="{FF2B5EF4-FFF2-40B4-BE49-F238E27FC236}">
+                <a16:creationId xmlns:a16="http://schemas.microsoft.com/office/drawing/2014/main" id="{07B95679-3822-4177-AAB8-2C2BA986C0F1}"/>
+              </a:ext>
+            </a:extLst>
+          </p:cNvPr>
+          <p:cNvSpPr>
+            <a:spLocks noGrp="1"/>
+          </p:cNvSpPr>
+          <p:nvPr>
+            <p:ph idx="1"/>
+          </p:nvPr>
+        </p:nvSpPr>
+        <p:spPr>
+          <a:xfrm>
+            <a:off x="680321" y="2991869"/>
+            <a:ext cx="9613861" cy="2150821"/>
+          </a:xfrm>
+          <a:solidFill>
+            <a:schemeClr val="accent1">
+              <a:lumMod val="50000"/>
+            </a:schemeClr>
+          </a:solidFill>
+        </p:spPr>
+        <p:txBody>
+          <a:bodyPr/>
+          <a:lstStyle/>
+          <a:p>
+            <a:pPr marL="0" indent="0">
+              <a:buNone/>
+            </a:pPr>
+            <a:r>
+              <a:rPr lang="zh-CN" altLang="en-US" dirty="0"/>
+              <a:t>检查文本中 语法、 词汇、 文字 方面的错误</a:t>
+            </a:r>
+            <a:endParaRPr lang="en-US" altLang="zh-CN" dirty="0"/>
+          </a:p>
+          <a:p>
+            <a:endParaRPr lang="en-US" altLang="zh-CN" dirty="0"/>
+          </a:p>
+          <a:p>
+            <a:pPr marL="0" indent="0">
+              <a:buNone/>
+            </a:pPr>
+            <a:r>
+              <a:rPr lang="zh-CN" altLang="en-US" dirty="0"/>
+              <a:t>使用正常语料中统计出来的字频数据是 正字 出现规律，</a:t>
+            </a:r>
+            <a:endParaRPr lang="en-US" altLang="zh-CN" dirty="0"/>
+          </a:p>
+          <a:p>
+            <a:pPr marL="0" indent="0">
+              <a:buNone/>
+            </a:pPr>
+            <a:r>
+              <a:rPr lang="zh-CN" altLang="en-US" dirty="0"/>
+              <a:t>可以用来帮助识别 别字</a:t>
+            </a:r>
+          </a:p>
+        </p:txBody>
+      </p:sp>
+    </p:spTree>
+    <p:extLst>
+      <p:ext uri="{BB962C8B-B14F-4D97-AF65-F5344CB8AC3E}">
+        <p14:creationId xmlns:p14="http://schemas.microsoft.com/office/powerpoint/2010/main" val="3129428099"/>
+      </p:ext>
+    </p:extLst>
+  </p:cSld>
+  <p:clrMapOvr>
+    <a:masterClrMapping/>
+  </p:clrMapOvr>
+</p:sld>
+</file>
+
+<file path=ppt/slides/slide31.xml><?xml version="1.0" encoding="utf-8"?>
+<p:sld xmlns:a="http://schemas.openxmlformats.org/drawingml/2006/main" xmlns:r="http://schemas.openxmlformats.org/officeDocument/2006/relationships" xmlns:p="http://schemas.openxmlformats.org/presentationml/2006/main">
+  <p:cSld>
+    <p:spTree>
+      <p:nvGrpSpPr>
+        <p:cNvPr id="1" name=""/>
+        <p:cNvGrpSpPr/>
+        <p:nvPr/>
+      </p:nvGrpSpPr>
+      <p:grpSpPr>
+        <a:xfrm>
+          <a:off x="0" y="0"/>
+          <a:ext cx="0" cy="0"/>
+          <a:chOff x="0" y="0"/>
+          <a:chExt cx="0" cy="0"/>
+        </a:xfrm>
+      </p:grpSpPr>
+      <p:sp>
+        <p:nvSpPr>
+          <p:cNvPr id="2" name="标题 1">
+            <a:extLst>
+              <a:ext uri="{FF2B5EF4-FFF2-40B4-BE49-F238E27FC236}">
+                <a16:creationId xmlns:a16="http://schemas.microsoft.com/office/drawing/2014/main" id="{A206D187-1370-4C27-A3CA-AAF45CB75F81}"/>
+              </a:ext>
+            </a:extLst>
+          </p:cNvPr>
+          <p:cNvSpPr>
+            <a:spLocks noGrp="1"/>
+          </p:cNvSpPr>
+          <p:nvPr>
+            <p:ph type="title"/>
+          </p:nvPr>
+        </p:nvSpPr>
+        <p:spPr/>
+        <p:txBody>
+          <a:bodyPr/>
+          <a:lstStyle/>
+          <a:p>
+            <a:r>
+              <a:rPr lang="en-US" altLang="zh-CN" sz="3600" dirty="0"/>
+              <a:t>4 </a:t>
+            </a:r>
+            <a:r>
+              <a:rPr lang="zh-CN" altLang="en-US" sz="3600" dirty="0"/>
+              <a:t>词汇获取</a:t>
+            </a:r>
+            <a:endParaRPr lang="zh-CN" altLang="en-US" dirty="0"/>
+          </a:p>
+        </p:txBody>
+      </p:sp>
+      <p:sp>
+        <p:nvSpPr>
+          <p:cNvPr id="3" name="内容占位符 2">
+            <a:extLst>
+              <a:ext uri="{FF2B5EF4-FFF2-40B4-BE49-F238E27FC236}">
+                <a16:creationId xmlns:a16="http://schemas.microsoft.com/office/drawing/2014/main" id="{F0350169-EA83-48AC-807C-FD7151093415}"/>
+              </a:ext>
+            </a:extLst>
+          </p:cNvPr>
+          <p:cNvSpPr>
+            <a:spLocks noGrp="1"/>
+          </p:cNvSpPr>
+          <p:nvPr>
+            <p:ph idx="1"/>
+          </p:nvPr>
+        </p:nvSpPr>
+        <p:spPr>
+          <a:solidFill>
+            <a:schemeClr val="accent1">
+              <a:lumMod val="50000"/>
+            </a:schemeClr>
+          </a:solidFill>
+        </p:spPr>
+        <p:txBody>
+          <a:bodyPr/>
+          <a:lstStyle/>
+          <a:p>
+            <a:pPr marL="0" indent="0">
+              <a:buNone/>
+            </a:pPr>
+            <a:r>
+              <a:rPr lang="zh-CN" altLang="en-US" dirty="0"/>
+              <a:t>未登录词</a:t>
+            </a:r>
+            <a:endParaRPr lang="en-US" altLang="zh-CN" dirty="0"/>
+          </a:p>
+          <a:p>
+            <a:endParaRPr lang="en-US" altLang="zh-CN" dirty="0"/>
+          </a:p>
+          <a:p>
+            <a:pPr marL="457200" indent="-457200">
+              <a:buFont typeface="+mj-lt"/>
+              <a:buAutoNum type="arabicPeriod"/>
+            </a:pPr>
+            <a:r>
+              <a:rPr lang="zh-CN" altLang="en-US" dirty="0"/>
+              <a:t>从大规模真实文本中统计双字、三字、四字</a:t>
+            </a:r>
+            <a:r>
+              <a:rPr lang="en-US" altLang="zh-CN" dirty="0"/>
+              <a:t>……</a:t>
+            </a:r>
+            <a:r>
+              <a:rPr lang="zh-CN" altLang="en-US" dirty="0"/>
+              <a:t>的连续同现频率</a:t>
+            </a:r>
+            <a:endParaRPr lang="en-US" altLang="zh-CN" dirty="0"/>
+          </a:p>
+          <a:p>
+            <a:pPr marL="457200" indent="-457200">
+              <a:buFont typeface="+mj-lt"/>
+              <a:buAutoNum type="arabicPeriod"/>
+            </a:pPr>
+            <a:r>
+              <a:rPr lang="zh-CN" altLang="en-US" dirty="0"/>
+              <a:t>然后计算某种统计量</a:t>
+            </a:r>
+            <a:endParaRPr lang="en-US" altLang="zh-CN" dirty="0"/>
+          </a:p>
+          <a:p>
+            <a:pPr marL="457200" indent="-457200">
+              <a:buFont typeface="+mj-lt"/>
+              <a:buAutoNum type="arabicPeriod"/>
+            </a:pPr>
+            <a:r>
+              <a:rPr lang="zh-CN" altLang="en-US" dirty="0"/>
+              <a:t>把统计量在某个阈值之上的双字、三字、四字</a:t>
+            </a:r>
+            <a:r>
+              <a:rPr lang="en-US" altLang="zh-CN" dirty="0"/>
+              <a:t>……</a:t>
+            </a:r>
+            <a:r>
+              <a:rPr lang="zh-CN" altLang="en-US" dirty="0"/>
+              <a:t>作为候选词</a:t>
+            </a:r>
+            <a:endParaRPr lang="en-US" altLang="zh-CN" dirty="0"/>
+          </a:p>
+          <a:p>
+            <a:pPr marL="457200" indent="-457200">
+              <a:buFont typeface="+mj-lt"/>
+              <a:buAutoNum type="arabicPeriod"/>
+            </a:pPr>
+            <a:r>
+              <a:rPr lang="zh-CN" altLang="en-US" dirty="0"/>
+              <a:t>再利用其他方法（如人工检查）对候选词进行甄别</a:t>
+            </a:r>
+          </a:p>
+        </p:txBody>
+      </p:sp>
+    </p:spTree>
+    <p:extLst>
+      <p:ext uri="{BB962C8B-B14F-4D97-AF65-F5344CB8AC3E}">
+        <p14:creationId xmlns:p14="http://schemas.microsoft.com/office/powerpoint/2010/main" val="1137331418"/>
+      </p:ext>
+    </p:extLst>
+  </p:cSld>
+  <p:clrMapOvr>
+    <a:masterClrMapping/>
+  </p:clrMapOvr>
+</p:sld>
+</file>
+
+<file path=ppt/slides/slide32.xml><?xml version="1.0" encoding="utf-8"?>
+<p:sld xmlns:a="http://schemas.openxmlformats.org/drawingml/2006/main" xmlns:r="http://schemas.openxmlformats.org/officeDocument/2006/relationships" xmlns:p="http://schemas.openxmlformats.org/presentationml/2006/main">
+  <p:cSld>
+    <p:spTree>
+      <p:nvGrpSpPr>
+        <p:cNvPr id="1" name=""/>
+        <p:cNvGrpSpPr/>
+        <p:nvPr/>
+      </p:nvGrpSpPr>
+      <p:grpSpPr>
+        <a:xfrm>
+          <a:off x="0" y="0"/>
+          <a:ext cx="0" cy="0"/>
+          <a:chOff x="0" y="0"/>
+          <a:chExt cx="0" cy="0"/>
+        </a:xfrm>
+      </p:grpSpPr>
+      <p:sp>
+        <p:nvSpPr>
+          <p:cNvPr id="2" name="标题 1">
+            <a:extLst>
+              <a:ext uri="{FF2B5EF4-FFF2-40B4-BE49-F238E27FC236}">
+                <a16:creationId xmlns:a16="http://schemas.microsoft.com/office/drawing/2014/main" id="{E74EE5F7-DA13-4FD1-AE22-21F1F4397B14}"/>
+              </a:ext>
+            </a:extLst>
+          </p:cNvPr>
+          <p:cNvSpPr>
+            <a:spLocks noGrp="1"/>
+          </p:cNvSpPr>
+          <p:nvPr>
+            <p:ph type="title"/>
+          </p:nvPr>
+        </p:nvSpPr>
+        <p:spPr/>
+        <p:txBody>
+          <a:bodyPr/>
+          <a:lstStyle/>
+          <a:p>
+            <a:r>
+              <a:rPr lang="en-US" altLang="zh-CN" dirty="0"/>
+              <a:t>6.4.2 </a:t>
+            </a:r>
+            <a:r>
+              <a:rPr lang="zh-CN" altLang="en-US" dirty="0"/>
+              <a:t>单字字频统计</a:t>
+            </a:r>
+          </a:p>
+        </p:txBody>
+      </p:sp>
+      <p:sp>
+        <p:nvSpPr>
+          <p:cNvPr id="3" name="内容占位符 2">
+            <a:extLst>
+              <a:ext uri="{FF2B5EF4-FFF2-40B4-BE49-F238E27FC236}">
+                <a16:creationId xmlns:a16="http://schemas.microsoft.com/office/drawing/2014/main" id="{C7DF250A-0F1D-48BB-8E0B-5FAFF1CEE82F}"/>
+              </a:ext>
+            </a:extLst>
+          </p:cNvPr>
+          <p:cNvSpPr>
+            <a:spLocks noGrp="1"/>
+          </p:cNvSpPr>
+          <p:nvPr>
+            <p:ph idx="1"/>
+          </p:nvPr>
+        </p:nvSpPr>
+        <p:spPr>
+          <a:xfrm>
+            <a:off x="628440" y="2804439"/>
+            <a:ext cx="3904649" cy="3599316"/>
+          </a:xfrm>
+          <a:solidFill>
+            <a:schemeClr val="accent1">
+              <a:lumMod val="50000"/>
+            </a:schemeClr>
+          </a:solidFill>
+        </p:spPr>
+        <p:txBody>
+          <a:bodyPr>
+            <a:normAutofit lnSpcReduction="10000"/>
+          </a:bodyPr>
+          <a:lstStyle/>
+          <a:p>
+            <a:pPr marL="0" indent="0">
+              <a:buNone/>
+            </a:pPr>
+            <a:r>
+              <a:rPr lang="zh-CN" altLang="en-US" b="1" dirty="0"/>
+              <a:t>输入：</a:t>
+            </a:r>
+            <a:endParaRPr lang="en-US" altLang="zh-CN" b="1" dirty="0"/>
+          </a:p>
+          <a:p>
+            <a:pPr marL="0" indent="0">
+              <a:buNone/>
+            </a:pPr>
+            <a:r>
+              <a:rPr lang="zh-CN" altLang="en-US" dirty="0"/>
+              <a:t>文本文件</a:t>
+            </a:r>
+            <a:endParaRPr lang="en-US" altLang="zh-CN" dirty="0"/>
+          </a:p>
+          <a:p>
+            <a:pPr marL="0" indent="0">
+              <a:buNone/>
+            </a:pPr>
+            <a:endParaRPr lang="en-US" altLang="zh-CN" dirty="0"/>
+          </a:p>
+          <a:p>
+            <a:pPr marL="0" indent="0">
+              <a:buNone/>
+            </a:pPr>
+            <a:r>
+              <a:rPr lang="zh-CN" altLang="en-US" b="1" dirty="0"/>
+              <a:t>输出：</a:t>
+            </a:r>
+            <a:endParaRPr lang="en-US" altLang="zh-CN" b="1" dirty="0"/>
+          </a:p>
+          <a:p>
+            <a:pPr marL="0" indent="0">
+              <a:buNone/>
+            </a:pPr>
+            <a:r>
+              <a:rPr lang="zh-CN" altLang="en-US" dirty="0"/>
+              <a:t>文件中不同</a:t>
+            </a:r>
+            <a:r>
+              <a:rPr lang="zh-CN" altLang="en-US" dirty="0">
+                <a:highlight>
+                  <a:srgbClr val="000080"/>
+                </a:highlight>
+              </a:rPr>
+              <a:t>汉字</a:t>
+            </a:r>
+            <a:r>
+              <a:rPr lang="zh-CN" altLang="en-US" dirty="0"/>
+              <a:t>的个数</a:t>
+            </a:r>
+            <a:endParaRPr lang="en-US" altLang="zh-CN" dirty="0"/>
+          </a:p>
+          <a:p>
+            <a:pPr marL="0" indent="0">
+              <a:buNone/>
+            </a:pPr>
+            <a:r>
+              <a:rPr lang="zh-CN" altLang="en-US" dirty="0"/>
+              <a:t>每个</a:t>
+            </a:r>
+            <a:r>
+              <a:rPr lang="zh-CN" altLang="en-US" dirty="0">
+                <a:highlight>
+                  <a:srgbClr val="000080"/>
+                </a:highlight>
+              </a:rPr>
+              <a:t>汉字</a:t>
+            </a:r>
+            <a:r>
+              <a:rPr lang="zh-CN" altLang="en-US" dirty="0"/>
+              <a:t>出现的次数</a:t>
+            </a:r>
+            <a:endParaRPr lang="en-US" altLang="zh-CN" dirty="0"/>
+          </a:p>
+          <a:p>
+            <a:pPr marL="0" indent="0">
+              <a:buNone/>
+            </a:pPr>
+            <a:endParaRPr lang="en-US" altLang="zh-CN" dirty="0"/>
+          </a:p>
+          <a:p>
+            <a:pPr marL="0" indent="0">
+              <a:buNone/>
+            </a:pPr>
+            <a:r>
+              <a:rPr lang="zh-CN" altLang="en-US" dirty="0"/>
+              <a:t>流程图、算法、编程实现</a:t>
+            </a:r>
+          </a:p>
+        </p:txBody>
+      </p:sp>
+      <p:pic>
+        <p:nvPicPr>
+          <p:cNvPr id="5" name="图片 4">
+            <a:extLst>
+              <a:ext uri="{FF2B5EF4-FFF2-40B4-BE49-F238E27FC236}">
+                <a16:creationId xmlns:a16="http://schemas.microsoft.com/office/drawing/2014/main" id="{C1206C49-DE67-4EC8-9463-3C230AFD6F58}"/>
+              </a:ext>
+            </a:extLst>
+          </p:cNvPr>
+          <p:cNvPicPr>
+            <a:picLocks noChangeAspect="1"/>
+          </p:cNvPicPr>
+          <p:nvPr/>
+        </p:nvPicPr>
+        <p:blipFill>
+          <a:blip r:embed="rId2"/>
+          <a:stretch>
+            <a:fillRect/>
+          </a:stretch>
+        </p:blipFill>
+        <p:spPr>
+          <a:xfrm>
+            <a:off x="5285362" y="619429"/>
+            <a:ext cx="6226317" cy="5784326"/>
+          </a:xfrm>
+          <a:prstGeom prst="rect">
+            <a:avLst/>
+          </a:prstGeom>
+        </p:spPr>
+      </p:pic>
+    </p:spTree>
+    <p:extLst>
+      <p:ext uri="{BB962C8B-B14F-4D97-AF65-F5344CB8AC3E}">
+        <p14:creationId xmlns:p14="http://schemas.microsoft.com/office/powerpoint/2010/main" val="1722028254"/>
+      </p:ext>
+    </p:extLst>
+  </p:cSld>
+  <p:clrMapOvr>
+    <a:masterClrMapping/>
+  </p:clrMapOvr>
+</p:sld>
+</file>
+
+<file path=ppt/slides/slide33.xml><?xml version="1.0" encoding="utf-8"?>
+<p:sld xmlns:a="http://schemas.openxmlformats.org/drawingml/2006/main" xmlns:r="http://schemas.openxmlformats.org/officeDocument/2006/relationships" xmlns:p="http://schemas.openxmlformats.org/presentationml/2006/main">
+  <p:cSld>
+    <p:spTree>
+      <p:nvGrpSpPr>
+        <p:cNvPr id="1" name=""/>
+        <p:cNvGrpSpPr/>
+        <p:nvPr/>
+      </p:nvGrpSpPr>
+      <p:grpSpPr>
+        <a:xfrm>
+          <a:off x="0" y="0"/>
+          <a:ext cx="0" cy="0"/>
+          <a:chOff x="0" y="0"/>
+          <a:chExt cx="0" cy="0"/>
+        </a:xfrm>
+      </p:grpSpPr>
+      <p:sp>
+        <p:nvSpPr>
+          <p:cNvPr id="2" name="标题 1">
+            <a:extLst>
+              <a:ext uri="{FF2B5EF4-FFF2-40B4-BE49-F238E27FC236}">
                 <a16:creationId xmlns:a16="http://schemas.microsoft.com/office/drawing/2014/main" id="{46012B8C-46A7-423F-B311-C55749FA4FE1}"/>
               </a:ext>
             </a:extLst>
@@ -15337,7 +16563,17 @@
             <p:ph idx="1"/>
           </p:nvPr>
         </p:nvSpPr>
-        <p:spPr/>
+        <p:spPr>
+          <a:xfrm>
+            <a:off x="446858" y="3026310"/>
+            <a:ext cx="3710096" cy="3599316"/>
+          </a:xfrm>
+          <a:solidFill>
+            <a:schemeClr val="accent1">
+              <a:lumMod val="50000"/>
+            </a:schemeClr>
+          </a:solidFill>
+        </p:spPr>
         <p:txBody>
           <a:bodyPr>
             <a:normAutofit lnSpcReduction="10000"/>
@@ -15486,7 +16722,7 @@
 </p:sld>
 </file>
 
-<file path=ppt/slides/slide31.xml><?xml version="1.0" encoding="utf-8"?>
+<file path=ppt/slides/slide34.xml><?xml version="1.0" encoding="utf-8"?>
 <p:sld xmlns:a="http://schemas.openxmlformats.org/drawingml/2006/main" xmlns:r="http://schemas.openxmlformats.org/officeDocument/2006/relationships" xmlns:p="http://schemas.openxmlformats.org/presentationml/2006/main">
   <p:cSld>
     <p:spTree>
@@ -15655,9 +16891,14 @@
         </p:nvSpPr>
         <p:spPr>
           <a:xfrm>
-            <a:off x="680321" y="2055779"/>
+            <a:off x="738687" y="2049294"/>
             <a:ext cx="9613861" cy="1524000"/>
           </a:xfrm>
+          <a:solidFill>
+            <a:schemeClr val="accent1">
+              <a:lumMod val="50000"/>
+            </a:schemeClr>
+          </a:solidFill>
         </p:spPr>
         <p:txBody>
           <a:bodyPr>
@@ -15673,9 +16914,6 @@
                 <a:solidFill>
                   <a:srgbClr val="FFFF00"/>
                 </a:solidFill>
-                <a:highlight>
-                  <a:srgbClr val="000080"/>
-                </a:highlight>
               </a:rPr>
               <a:t>ASCII </a:t>
             </a:r>
@@ -15684,9 +16922,6 @@
                 <a:solidFill>
                   <a:srgbClr val="FFFF00"/>
                 </a:solidFill>
-                <a:highlight>
-                  <a:srgbClr val="000080"/>
-                </a:highlight>
               </a:rPr>
               <a:t>码</a:t>
             </a:r>
@@ -15694,9 +16929,6 @@
               <a:solidFill>
                 <a:srgbClr val="FFFF00"/>
               </a:solidFill>
-              <a:highlight>
-                <a:srgbClr val="000080"/>
-              </a:highlight>
             </a:endParaRPr>
           </a:p>
           <a:p>
@@ -15770,8 +17002,8 @@
         </p:blipFill>
         <p:spPr>
           <a:xfrm>
-            <a:off x="1238657" y="3598760"/>
-            <a:ext cx="6595352" cy="2506012"/>
+            <a:off x="738687" y="3656137"/>
+            <a:ext cx="4989752" cy="1895938"/>
           </a:xfrm>
           <a:prstGeom prst="rect">
             <a:avLst/>
@@ -15792,8 +17024,8 @@
         </p:nvSpPr>
         <p:spPr>
           <a:xfrm>
-            <a:off x="1238657" y="6216134"/>
-            <a:ext cx="6096000" cy="369332"/>
+            <a:off x="680321" y="6242074"/>
+            <a:ext cx="5048118" cy="369332"/>
           </a:xfrm>
           <a:prstGeom prst="rect">
             <a:avLst/>
@@ -15814,6 +17046,36 @@
           </a:p>
         </p:txBody>
       </p:sp>
+      <p:pic>
+        <p:nvPicPr>
+          <p:cNvPr id="4" name="图片 3">
+            <a:extLst>
+              <a:ext uri="{FF2B5EF4-FFF2-40B4-BE49-F238E27FC236}">
+                <a16:creationId xmlns:a16="http://schemas.microsoft.com/office/drawing/2014/main" id="{8D62D432-1112-4611-9942-79B8D17E2A86}"/>
+              </a:ext>
+            </a:extLst>
+          </p:cNvPr>
+          <p:cNvPicPr>
+            <a:picLocks noChangeAspect="1"/>
+          </p:cNvPicPr>
+          <p:nvPr/>
+        </p:nvPicPr>
+        <p:blipFill>
+          <a:blip r:embed="rId3"/>
+          <a:stretch>
+            <a:fillRect/>
+          </a:stretch>
+        </p:blipFill>
+        <p:spPr>
+          <a:xfrm>
+            <a:off x="6113115" y="3656137"/>
+            <a:ext cx="4223526" cy="2985976"/>
+          </a:xfrm>
+          <a:prstGeom prst="rect">
+            <a:avLst/>
+          </a:prstGeom>
+        </p:spPr>
+      </p:pic>
     </p:spTree>
     <p:extLst>
       <p:ext uri="{BB962C8B-B14F-4D97-AF65-F5344CB8AC3E}">
@@ -15896,8 +17158,13 @@
         <p:spPr>
           <a:xfrm>
             <a:off x="680321" y="2336873"/>
-            <a:ext cx="9613861" cy="4115808"/>
-          </a:xfrm>
+            <a:ext cx="9613861" cy="3687791"/>
+          </a:xfrm>
+          <a:solidFill>
+            <a:schemeClr val="accent1">
+              <a:lumMod val="50000"/>
+            </a:schemeClr>
+          </a:solidFill>
         </p:spPr>
         <p:txBody>
           <a:bodyPr>
@@ -15992,9 +17259,6 @@
               <a:rPr lang="en-US" altLang="zh-CN" dirty="0"/>
               <a:t>6.2.5 GB 18030</a:t>
             </a:r>
-            <a:br>
-              <a:rPr lang="zh-CN" altLang="en-US" dirty="0"/>
-            </a:br>
             <a:endParaRPr lang="zh-CN" altLang="en-US" dirty="0"/>
           </a:p>
         </p:txBody>
@@ -16090,6 +17354,11 @@
             <a:off x="680321" y="2336873"/>
             <a:ext cx="10448122" cy="3707246"/>
           </a:xfrm>
+          <a:solidFill>
+            <a:schemeClr val="accent1">
+              <a:lumMod val="50000"/>
+            </a:schemeClr>
+          </a:solidFill>
         </p:spPr>
         <p:txBody>
           <a:bodyPr>
@@ -16101,7 +17370,7 @@
               <a:buNone/>
             </a:pPr>
             <a:r>
-              <a:rPr lang="en-US" altLang="zh-CN" sz="2800" dirty="0">
+              <a:rPr lang="en-US" altLang="zh-CN" sz="2800" b="1" dirty="0">
                 <a:solidFill>
                   <a:srgbClr val="FFFF00"/>
                 </a:solidFill>
@@ -16112,7 +17381,7 @@
               <a:t>GB2312</a:t>
             </a:r>
             <a:r>
-              <a:rPr lang="zh-CN" altLang="en-US" sz="2800" dirty="0">
+              <a:rPr lang="zh-CN" altLang="en-US" sz="2800" b="1" dirty="0">
                 <a:solidFill>
                   <a:srgbClr val="FFFF00"/>
                 </a:solidFill>
@@ -16123,7 +17392,7 @@
               <a:t>码</a:t>
             </a:r>
             <a:r>
-              <a:rPr lang="en-US" altLang="zh-CN" sz="2800" dirty="0">
+              <a:rPr lang="en-US" altLang="zh-CN" sz="2800" b="1" dirty="0">
                 <a:solidFill>
                   <a:srgbClr val="FFFF00"/>
                 </a:solidFill>
@@ -16131,10 +17400,10 @@
                   <a:srgbClr val="000080"/>
                 </a:highlight>
               </a:rPr>
-              <a:t>:1980</a:t>
-            </a:r>
-            <a:r>
-              <a:rPr lang="zh-CN" altLang="en-US" sz="2800" dirty="0">
+              <a:t>: 1980</a:t>
+            </a:r>
+            <a:r>
+              <a:rPr lang="zh-CN" altLang="en-US" sz="2800" b="1" dirty="0">
                 <a:solidFill>
                   <a:srgbClr val="FFFF00"/>
                 </a:solidFill>
@@ -16144,7 +17413,7 @@
               </a:rPr>
               <a:t>年国家标准总局发布国标码</a:t>
             </a:r>
-            <a:endParaRPr lang="en-US" altLang="zh-CN" sz="2800" dirty="0">
+            <a:endParaRPr lang="en-US" altLang="zh-CN" sz="2800" b="1" dirty="0">
               <a:solidFill>
                 <a:srgbClr val="FFFF00"/>
               </a:solidFill>
@@ -16167,6 +17436,10 @@
             </a:endParaRPr>
           </a:p>
           <a:p>
+            <a:pPr>
+              <a:buFont typeface="Wingdings" panose="05000000000000000000" pitchFamily="2" charset="2"/>
+              <a:buChar char="Ø"/>
+            </a:pPr>
             <a:r>
               <a:rPr lang="zh-CN" altLang="en-US" dirty="0"/>
               <a:t>全称</a:t>
@@ -16193,9 +17466,17 @@
             </a:r>
           </a:p>
           <a:p>
+            <a:pPr>
+              <a:buFont typeface="Wingdings" panose="05000000000000000000" pitchFamily="2" charset="2"/>
+              <a:buChar char="Ø"/>
+            </a:pPr>
             <a:endParaRPr lang="en-US" altLang="zh-CN" dirty="0"/>
           </a:p>
           <a:p>
+            <a:pPr>
+              <a:buFont typeface="Wingdings" panose="05000000000000000000" pitchFamily="2" charset="2"/>
+              <a:buChar char="Ø"/>
+            </a:pPr>
             <a:r>
               <a:rPr lang="zh-CN" altLang="en-US" dirty="0"/>
               <a:t>两个字节表示一个汉字，</a:t>
@@ -16217,7 +17498,11 @@
               <a:t>：</a:t>
             </a:r>
             <a:r>
-              <a:rPr lang="en-US" altLang="zh-CN" dirty="0"/>
+              <a:rPr lang="en-US" altLang="zh-CN" b="1" dirty="0">
+                <a:highlight>
+                  <a:srgbClr val="800000"/>
+                </a:highlight>
+              </a:rPr>
               <a:t>161(A1)-254(FF)</a:t>
             </a:r>
             <a:r>
@@ -16227,9 +17512,17 @@
             <a:endParaRPr lang="en-US" altLang="zh-CN" dirty="0"/>
           </a:p>
           <a:p>
+            <a:pPr>
+              <a:buFont typeface="Wingdings" panose="05000000000000000000" pitchFamily="2" charset="2"/>
+              <a:buChar char="Ø"/>
+            </a:pPr>
             <a:endParaRPr lang="en-US" altLang="zh-CN" dirty="0"/>
           </a:p>
           <a:p>
+            <a:pPr>
+              <a:buFont typeface="Wingdings" panose="05000000000000000000" pitchFamily="2" charset="2"/>
+              <a:buChar char="Ø"/>
+            </a:pPr>
             <a:r>
               <a:rPr lang="zh-CN" altLang="en-US" dirty="0"/>
               <a:t>编码空间共</a:t>
@@ -16345,8 +17638,12 @@
           <a:lstStyle/>
           <a:p>
             <a:r>
-              <a:rPr lang="zh-CN" altLang="en-US" dirty="0"/>
-              <a:t>编程：输出字符和该字符两个字节的</a:t>
+              <a:rPr lang="en-US" altLang="zh-CN" dirty="0"/>
+              <a:t>CODE</a:t>
+            </a:r>
+            <a:r>
+              <a:rPr lang="zh-CN" altLang="en-US" dirty="0"/>
+              <a:t>：输出字符和该字符两个字节的</a:t>
             </a:r>
             <a:r>
               <a:rPr lang="en-US" altLang="zh-CN" dirty="0"/>
@@ -16381,8 +17678,8 @@
         </p:blipFill>
         <p:spPr>
           <a:xfrm>
-            <a:off x="785197" y="2096228"/>
-            <a:ext cx="5642657" cy="4008544"/>
+            <a:off x="173195" y="2884777"/>
+            <a:ext cx="4548768" cy="3231445"/>
           </a:xfrm>
           <a:prstGeom prst="rect">
             <a:avLst/>
@@ -16403,7 +17700,7 @@
         </p:nvSpPr>
         <p:spPr>
           <a:xfrm>
-            <a:off x="2335445" y="6182168"/>
+            <a:off x="1254320" y="6281896"/>
             <a:ext cx="2386518" cy="369332"/>
           </a:xfrm>
           <a:prstGeom prst="rect">
@@ -16445,12 +17742,56 @@
           </a:p>
         </p:txBody>
       </p:sp>
+      <p:sp>
+        <p:nvSpPr>
+          <p:cNvPr id="10" name="文本框 9">
+            <a:extLst>
+              <a:ext uri="{FF2B5EF4-FFF2-40B4-BE49-F238E27FC236}">
+                <a16:creationId xmlns:a16="http://schemas.microsoft.com/office/drawing/2014/main" id="{FED104AE-E5A4-4525-872D-C2F3D7CAF772}"/>
+              </a:ext>
+            </a:extLst>
+          </p:cNvPr>
+          <p:cNvSpPr txBox="1"/>
+          <p:nvPr/>
+        </p:nvSpPr>
+        <p:spPr>
+          <a:xfrm>
+            <a:off x="7644063" y="6152293"/>
+            <a:ext cx="1936749" cy="369332"/>
+          </a:xfrm>
+          <a:prstGeom prst="rect">
+            <a:avLst/>
+          </a:prstGeom>
+          <a:noFill/>
+        </p:spPr>
+        <p:txBody>
+          <a:bodyPr wrap="none" rtlCol="0">
+            <a:spAutoFit/>
+          </a:bodyPr>
+          <a:lstStyle/>
+          <a:p>
+            <a:r>
+              <a:rPr lang="en-US" altLang="zh-CN" b="1" dirty="0" err="1"/>
+              <a:t>Jupyter</a:t>
+            </a:r>
+            <a:r>
+              <a:rPr lang="zh-CN" altLang="en-US" b="1" dirty="0"/>
+              <a:t>：</a:t>
+            </a:r>
+            <a:r>
+              <a:rPr lang="en-US" altLang="zh-CN" b="1" dirty="0"/>
+              <a:t>python</a:t>
+            </a:r>
+            <a:endParaRPr lang="zh-CN" altLang="en-US" b="1" dirty="0"/>
+          </a:p>
+        </p:txBody>
+      </p:sp>
       <p:pic>
         <p:nvPicPr>
-          <p:cNvPr id="9" name="图片 8">
+          <p:cNvPr id="4" name="图片 3">
             <a:extLst>
               <a:ext uri="{FF2B5EF4-FFF2-40B4-BE49-F238E27FC236}">
-                <a16:creationId xmlns:a16="http://schemas.microsoft.com/office/drawing/2014/main" id="{E5B5C690-B1B5-4602-84E5-7C1E2F1D750C}"/>
+                <a16:creationId xmlns:a16="http://schemas.microsoft.com/office/drawing/2014/main" id="{30435D0A-6D51-4437-A5DA-7F3DDD5433C4}"/>
               </a:ext>
             </a:extLst>
           </p:cNvPr>
@@ -16467,8 +17808,8 @@
         </p:blipFill>
         <p:spPr>
           <a:xfrm>
-            <a:off x="7251476" y="2096228"/>
-            <a:ext cx="3901778" cy="4008544"/>
+            <a:off x="4834161" y="2239569"/>
+            <a:ext cx="7260562" cy="3876653"/>
           </a:xfrm>
           <a:prstGeom prst="rect">
             <a:avLst/>
@@ -16477,10 +17818,10 @@
       </p:pic>
       <p:sp>
         <p:nvSpPr>
-          <p:cNvPr id="10" name="文本框 9">
+          <p:cNvPr id="12" name="文本框 11">
             <a:extLst>
               <a:ext uri="{FF2B5EF4-FFF2-40B4-BE49-F238E27FC236}">
-                <a16:creationId xmlns:a16="http://schemas.microsoft.com/office/drawing/2014/main" id="{FED104AE-E5A4-4525-872D-C2F3D7CAF772}"/>
+                <a16:creationId xmlns:a16="http://schemas.microsoft.com/office/drawing/2014/main" id="{23282D8E-E684-4611-BDBA-25D5A4A42C7B}"/>
               </a:ext>
             </a:extLst>
           </p:cNvPr>
@@ -16489,33 +17830,62 @@
         </p:nvSpPr>
         <p:spPr>
           <a:xfrm>
-            <a:off x="8286088" y="6182168"/>
-            <a:ext cx="1936749" cy="369332"/>
+            <a:off x="173195" y="2257438"/>
+            <a:ext cx="4548768" cy="461665"/>
           </a:xfrm>
           <a:prstGeom prst="rect">
             <a:avLst/>
           </a:prstGeom>
-          <a:noFill/>
-        </p:spPr>
-        <p:txBody>
-          <a:bodyPr wrap="none" rtlCol="0">
+          <a:solidFill>
+            <a:schemeClr val="accent1">
+              <a:lumMod val="50000"/>
+            </a:schemeClr>
+          </a:solidFill>
+        </p:spPr>
+        <p:txBody>
+          <a:bodyPr wrap="square">
             <a:spAutoFit/>
           </a:bodyPr>
           <a:lstStyle/>
           <a:p>
             <a:r>
-              <a:rPr lang="en-US" altLang="zh-CN" b="1" dirty="0" err="1"/>
-              <a:t>Jupyter</a:t>
-            </a:r>
-            <a:r>
-              <a:rPr lang="zh-CN" altLang="en-US" b="1" dirty="0"/>
-              <a:t>：</a:t>
-            </a:r>
-            <a:r>
-              <a:rPr lang="en-US" altLang="zh-CN" b="1" dirty="0"/>
-              <a:t>python</a:t>
-            </a:r>
-            <a:endParaRPr lang="zh-CN" altLang="en-US" b="1" dirty="0"/>
+              <a:rPr kumimoji="0" lang="en-US" altLang="zh-CN" sz="2400" b="1" i="0" u="none" strike="noStrike" kern="1200" cap="none" spc="0" normalizeH="0" baseline="0" noProof="0" dirty="0">
+                <a:ln>
+                  <a:noFill/>
+                </a:ln>
+                <a:solidFill>
+                  <a:prstClr val="white"/>
+                </a:solidFill>
+                <a:effectLst/>
+                <a:highlight>
+                  <a:srgbClr val="800000"/>
+                </a:highlight>
+                <a:uLnTx/>
+                <a:uFillTx/>
+                <a:latin typeface="等线" panose="020F0502020204030204"/>
+                <a:ea typeface="等线" panose="02010600030101010101" pitchFamily="2" charset="-122"/>
+                <a:cs typeface="+mn-cs"/>
+              </a:rPr>
+              <a:t>161(A1)-254(FF)</a:t>
+            </a:r>
+            <a:r>
+              <a:rPr kumimoji="0" lang="zh-CN" altLang="en-US" sz="2400" b="0" i="0" u="none" strike="noStrike" kern="1200" cap="none" spc="0" normalizeH="0" baseline="0" noProof="0" dirty="0">
+                <a:ln>
+                  <a:noFill/>
+                </a:ln>
+                <a:solidFill>
+                  <a:prstClr val="white"/>
+                </a:solidFill>
+                <a:effectLst/>
+                <a:uLnTx/>
+                <a:uFillTx/>
+                <a:latin typeface="等线" panose="020F0502020204030204"/>
+                <a:ea typeface="等线" panose="02010600030101010101" pitchFamily="2" charset="-122"/>
+                <a:cs typeface="+mn-cs"/>
+              </a:rPr>
+              <a:t>间的整数</a:t>
+            </a:r>
+            <a:endParaRPr lang="zh-CN" altLang="en-US" dirty="0"/>
           </a:p>
         </p:txBody>
       </p:sp>
@@ -16597,14 +17967,14 @@
             <p:ph idx="1"/>
             <p:extLst>
               <p:ext uri="{D42A27DB-BD31-4B8C-83A1-F6EECF244321}">
-                <p14:modId xmlns:p14="http://schemas.microsoft.com/office/powerpoint/2010/main" val="542413369"/>
+                <p14:modId xmlns:p14="http://schemas.microsoft.com/office/powerpoint/2010/main" val="796047832"/>
               </p:ext>
             </p:extLst>
           </p:nvPr>
         </p:nvGraphicFramePr>
         <p:xfrm>
-          <a:off x="363217" y="2057679"/>
-          <a:ext cx="5045311" cy="4704080"/>
+          <a:off x="363218" y="2057679"/>
+          <a:ext cx="5077786" cy="4663440"/>
         </p:xfrm>
         <a:graphic>
           <a:graphicData uri="http://schemas.openxmlformats.org/drawingml/2006/table">
@@ -16613,14 +17983,14 @@
                 <a:tableStyleId>{5C22544A-7EE6-4342-B048-85BDC9FD1C3A}</a:tableStyleId>
               </a:tblPr>
               <a:tblGrid>
-                <a:gridCol w="1783303">
+                <a:gridCol w="1794782">
                   <a:extLst>
                     <a:ext uri="{9D8B030D-6E8A-4147-A177-3AD203B41FA5}">
                       <a16:colId xmlns:a16="http://schemas.microsoft.com/office/drawing/2014/main" val="1796967122"/>
                     </a:ext>
                   </a:extLst>
                 </a:gridCol>
-                <a:gridCol w="3262008">
+                <a:gridCol w="3283004">
                   <a:extLst>
                     <a:ext uri="{9D8B030D-6E8A-4147-A177-3AD203B41FA5}">
                       <a16:colId xmlns:a16="http://schemas.microsoft.com/office/drawing/2014/main" val="1653627187"/>
@@ -16628,7 +17998,7 @@
                   </a:extLst>
                 </a:gridCol>
               </a:tblGrid>
-              <a:tr h="370840">
+              <a:tr h="338602">
                 <a:tc>
                   <a:txBody>
                     <a:bodyPr/>
@@ -16669,7 +18039,7 @@
                   </a:ext>
                 </a:extLst>
               </a:tr>
-              <a:tr h="370840">
+              <a:tr h="338602">
                 <a:tc>
                   <a:txBody>
                     <a:bodyPr/>
@@ -16738,7 +18108,7 @@
                   </a:ext>
                 </a:extLst>
               </a:tr>
-              <a:tr h="370840">
+              <a:tr h="338602">
                 <a:tc>
                   <a:txBody>
                     <a:bodyPr/>
@@ -16769,7 +18139,7 @@
                   </a:ext>
                 </a:extLst>
               </a:tr>
-              <a:tr h="370840">
+              <a:tr h="338602">
                 <a:tc>
                   <a:txBody>
                     <a:bodyPr/>
@@ -16800,7 +18170,7 @@
                   </a:ext>
                 </a:extLst>
               </a:tr>
-              <a:tr h="370840">
+              <a:tr h="338602">
                 <a:tc>
                   <a:txBody>
                     <a:bodyPr/>
@@ -16839,7 +18209,7 @@
                   </a:ext>
                 </a:extLst>
               </a:tr>
-              <a:tr h="370840">
+              <a:tr h="338602">
                 <a:tc>
                   <a:txBody>
                     <a:bodyPr/>
@@ -16870,7 +18240,7 @@
                   </a:ext>
                 </a:extLst>
               </a:tr>
-              <a:tr h="370840">
+              <a:tr h="338602">
                 <a:tc>
                   <a:txBody>
                     <a:bodyPr/>
@@ -16909,7 +18279,7 @@
                   </a:ext>
                 </a:extLst>
               </a:tr>
-              <a:tr h="370840">
+              <a:tr h="338602">
                 <a:tc>
                   <a:txBody>
                     <a:bodyPr/>
@@ -16948,7 +18318,7 @@
                   </a:ext>
                 </a:extLst>
               </a:tr>
-              <a:tr h="370840">
+              <a:tr h="536121">
                 <a:tc>
                   <a:txBody>
                     <a:bodyPr/>
@@ -16997,7 +18367,7 @@
                   </a:ext>
                 </a:extLst>
               </a:tr>
-              <a:tr h="370840">
+              <a:tr h="536121">
                 <a:tc>
                   <a:txBody>
                     <a:bodyPr/>
@@ -17030,6 +18400,9 @@
                           <a:solidFill>
                             <a:srgbClr val="C00000"/>
                           </a:solidFill>
+                          <a:highlight>
+                            <a:srgbClr val="FFFF00"/>
+                          </a:highlight>
                         </a:rPr>
                         <a:t>3755</a:t>
                       </a:r>
@@ -17037,7 +18410,19 @@
                     <a:p>
                       <a:r>
                         <a:rPr lang="zh-CN" altLang="en-US" sz="1600" dirty="0"/>
-                        <a:t>按汉语拼音顺序排序</a:t>
+                        <a:t>按</a:t>
+                      </a:r>
+                      <a:r>
+                        <a:rPr lang="zh-CN" altLang="en-US" sz="1600" dirty="0">
+                          <a:highlight>
+                            <a:srgbClr val="00FF00"/>
+                          </a:highlight>
+                        </a:rPr>
+                        <a:t>汉语拼音</a:t>
+                      </a:r>
+                      <a:r>
+                        <a:rPr lang="zh-CN" altLang="en-US" sz="1600" dirty="0"/>
+                        <a:t>排序</a:t>
                       </a:r>
                     </a:p>
                   </a:txBody>
@@ -17049,7 +18434,7 @@
                   </a:ext>
                 </a:extLst>
               </a:tr>
-              <a:tr h="370840">
+              <a:tr h="536121">
                 <a:tc>
                   <a:txBody>
                     <a:bodyPr/>
@@ -17082,6 +18467,9 @@
                           <a:solidFill>
                             <a:srgbClr val="C00000"/>
                           </a:solidFill>
+                          <a:highlight>
+                            <a:srgbClr val="FFFF00"/>
+                          </a:highlight>
                         </a:rPr>
                         <a:t>3008</a:t>
                       </a:r>
@@ -17089,7 +18477,19 @@
                     <a:p>
                       <a:r>
                         <a:rPr lang="zh-CN" altLang="en-US" sz="1600" dirty="0"/>
-                        <a:t>按照部首排序</a:t>
+                        <a:t>按</a:t>
+                      </a:r>
+                      <a:r>
+                        <a:rPr lang="zh-CN" altLang="en-US" sz="1600" dirty="0">
+                          <a:highlight>
+                            <a:srgbClr val="00FF00"/>
+                          </a:highlight>
+                        </a:rPr>
+                        <a:t>偏旁部首</a:t>
+                      </a:r>
+                      <a:r>
+                        <a:rPr lang="zh-CN" altLang="en-US" sz="1600" dirty="0"/>
+                        <a:t>排序</a:t>
                       </a:r>
                     </a:p>
                   </a:txBody>
@@ -17156,6 +18556,9 @@
                 <a:solidFill>
                   <a:schemeClr val="bg1"/>
                 </a:solidFill>
+                <a:highlight>
+                  <a:srgbClr val="FFFF00"/>
+                </a:highlight>
               </a:rPr>
               <a:t>通用规范汉字表</a:t>
             </a:r>
@@ -17192,7 +18595,7 @@
         </p:nvSpPr>
         <p:spPr>
           <a:xfrm>
-            <a:off x="8463063" y="6556152"/>
+            <a:off x="5667368" y="2466578"/>
             <a:ext cx="3521413" cy="246221"/>
           </a:xfrm>
           <a:prstGeom prst="rect">
@@ -17228,7 +18631,7 @@
         </p:nvSpPr>
         <p:spPr>
           <a:xfrm>
-            <a:off x="5736078" y="2575770"/>
+            <a:off x="5732782" y="2837380"/>
             <a:ext cx="6096000" cy="3877985"/>
           </a:xfrm>
           <a:prstGeom prst="rect">
@@ -17295,6 +18698,9 @@
                 <a:solidFill>
                   <a:srgbClr val="C00000"/>
                 </a:solidFill>
+                <a:highlight>
+                  <a:srgbClr val="FFFF00"/>
+                </a:highlight>
               </a:rPr>
               <a:t>3500</a:t>
             </a:r>
@@ -17382,6 +18788,9 @@
                 <a:solidFill>
                   <a:srgbClr val="C00000"/>
                 </a:solidFill>
+                <a:highlight>
+                  <a:srgbClr val="FFFF00"/>
+                </a:highlight>
               </a:rPr>
               <a:t>3000</a:t>
             </a:r>
@@ -17683,8 +19092,13 @@
           <a:p>
             <a:r>
               <a:rPr lang="zh-CN" altLang="en-US" dirty="0"/>
-              <a:t>区位码</a:t>
-            </a:r>
+              <a:t>区位码：</a:t>
+            </a:r>
+            <a:r>
+              <a:rPr lang="zh-CN" altLang="en-US" sz="3600" dirty="0"/>
+              <a:t>汉字在方阵中的坐标</a:t>
+            </a:r>
+            <a:endParaRPr lang="zh-CN" altLang="en-US" dirty="0"/>
           </a:p>
         </p:txBody>
       </p:sp>
@@ -17706,9 +19120,14 @@
         </p:nvSpPr>
         <p:spPr>
           <a:xfrm>
-            <a:off x="192460" y="2167148"/>
-            <a:ext cx="4454064" cy="2506997"/>
-          </a:xfrm>
+            <a:off x="477925" y="2142457"/>
+            <a:ext cx="3538671" cy="2053515"/>
+          </a:xfrm>
+          <a:solidFill>
+            <a:schemeClr val="accent1">
+              <a:lumMod val="50000"/>
+            </a:schemeClr>
+          </a:solidFill>
         </p:spPr>
         <p:txBody>
           <a:bodyPr>
@@ -17716,6 +19135,9 @@
           </a:bodyPr>
           <a:lstStyle/>
           <a:p>
+            <a:pPr marL="0" indent="0">
+              <a:buNone/>
+            </a:pPr>
             <a:r>
               <a:rPr lang="zh-CN" altLang="en-US" sz="2000" dirty="0"/>
               <a:t>区码：前两位</a:t>
@@ -17723,6 +19145,9 @@
             <a:endParaRPr lang="en-US" altLang="zh-CN" sz="2000" dirty="0"/>
           </a:p>
           <a:p>
+            <a:pPr marL="0" indent="0">
+              <a:buNone/>
+            </a:pPr>
             <a:r>
               <a:rPr lang="zh-CN" altLang="en-US" sz="2000" dirty="0"/>
               <a:t>位码：后两位</a:t>
@@ -17730,16 +19155,30 @@
             <a:endParaRPr lang="en-US" altLang="zh-CN" sz="2000" dirty="0"/>
           </a:p>
           <a:p>
-            <a:r>
-              <a:rPr lang="zh-CN" altLang="en-US" sz="2000" dirty="0"/>
+            <a:pPr marL="0" indent="0">
+              <a:buNone/>
+            </a:pPr>
+            <a:r>
+              <a:rPr lang="zh-CN" altLang="en-US" sz="2000" dirty="0">
+                <a:highlight>
+                  <a:srgbClr val="008000"/>
+                </a:highlight>
+              </a:rPr>
               <a:t>编码空间：</a:t>
             </a:r>
             <a:r>
-              <a:rPr lang="en-US" altLang="zh-CN" sz="2000" dirty="0"/>
+              <a:rPr lang="en-US" altLang="zh-CN" sz="2000" dirty="0">
+                <a:highlight>
+                  <a:srgbClr val="008000"/>
+                </a:highlight>
+              </a:rPr>
               <a:t>94 × 94</a:t>
             </a:r>
           </a:p>
           <a:p>
+            <a:pPr marL="0" indent="0">
+              <a:buNone/>
+            </a:pPr>
             <a:r>
               <a:rPr lang="zh-CN" altLang="en-US" sz="2000" dirty="0"/>
               <a:t>每一行叫一个“区”</a:t>
@@ -17747,6 +19186,9 @@
             <a:endParaRPr lang="en-US" altLang="zh-CN" sz="2000" dirty="0"/>
           </a:p>
           <a:p>
+            <a:pPr marL="0" indent="0">
+              <a:buNone/>
+            </a:pPr>
             <a:r>
               <a:rPr lang="zh-CN" altLang="en-US" sz="2000" dirty="0"/>
               <a:t>每个区有</a:t>
@@ -17761,20 +19203,50 @@
             </a:r>
             <a:endParaRPr lang="en-US" altLang="zh-CN" sz="2000" dirty="0"/>
           </a:p>
-          <a:p>
-            <a:r>
-              <a:rPr lang="zh-CN" altLang="en-US" sz="2000" dirty="0"/>
-              <a:t>汉字在方阵中的坐标称为“区位码”</a:t>
-            </a:r>
+        </p:txBody>
+      </p:sp>
+      <p:sp>
+        <p:nvSpPr>
+          <p:cNvPr id="13" name="文本框 12">
+            <a:extLst>
+              <a:ext uri="{FF2B5EF4-FFF2-40B4-BE49-F238E27FC236}">
+                <a16:creationId xmlns:a16="http://schemas.microsoft.com/office/drawing/2014/main" id="{08E73726-534A-4999-87BD-39F3C58816B9}"/>
+              </a:ext>
+            </a:extLst>
+          </p:cNvPr>
+          <p:cNvSpPr txBox="1"/>
+          <p:nvPr/>
+        </p:nvSpPr>
+        <p:spPr>
+          <a:xfrm>
+            <a:off x="8234945" y="6546391"/>
+            <a:ext cx="2624169" cy="230832"/>
+          </a:xfrm>
+          <a:prstGeom prst="rect">
+            <a:avLst/>
+          </a:prstGeom>
+          <a:noFill/>
+        </p:spPr>
+        <p:txBody>
+          <a:bodyPr wrap="square">
+            <a:spAutoFit/>
+          </a:bodyPr>
+          <a:lstStyle/>
+          <a:p>
+            <a:r>
+              <a:rPr lang="en-US" altLang="zh-CN" sz="900" dirty="0"/>
+              <a:t>https://zhuanlan.zhihu.com/p/27120673</a:t>
+            </a:r>
+            <a:endParaRPr lang="zh-CN" altLang="en-US" sz="900" dirty="0"/>
           </a:p>
         </p:txBody>
       </p:sp>
       <p:pic>
         <p:nvPicPr>
-          <p:cNvPr id="4" name="图片 3">
+          <p:cNvPr id="5" name="图片 4">
             <a:extLst>
               <a:ext uri="{FF2B5EF4-FFF2-40B4-BE49-F238E27FC236}">
-                <a16:creationId xmlns:a16="http://schemas.microsoft.com/office/drawing/2014/main" id="{956ADF22-4A19-4E78-BA29-B93E33712C8D}"/>
+                <a16:creationId xmlns:a16="http://schemas.microsoft.com/office/drawing/2014/main" id="{DA789803-2772-46FC-BFF4-D912B187A0B2}"/>
               </a:ext>
             </a:extLst>
           </p:cNvPr>
@@ -17791,8 +19263,8 @@
         </p:blipFill>
         <p:spPr>
           <a:xfrm>
-            <a:off x="283251" y="4856517"/>
-            <a:ext cx="3538671" cy="1753724"/>
+            <a:off x="464424" y="4286654"/>
+            <a:ext cx="3550636" cy="2375153"/>
           </a:xfrm>
           <a:prstGeom prst="rect">
             <a:avLst/>
@@ -17801,10 +19273,10 @@
       </p:pic>
       <p:sp>
         <p:nvSpPr>
-          <p:cNvPr id="6" name="文本框 5">
+          <p:cNvPr id="14" name="文本框 13">
             <a:extLst>
               <a:ext uri="{FF2B5EF4-FFF2-40B4-BE49-F238E27FC236}">
-                <a16:creationId xmlns:a16="http://schemas.microsoft.com/office/drawing/2014/main" id="{42AA62A4-9332-4B89-9D31-7E0C19D38A07}"/>
+                <a16:creationId xmlns:a16="http://schemas.microsoft.com/office/drawing/2014/main" id="{C2F110AD-6E00-4860-8D24-FAE026B64225}"/>
               </a:ext>
             </a:extLst>
           </p:cNvPr>
@@ -17813,8 +19285,8 @@
         </p:nvSpPr>
         <p:spPr>
           <a:xfrm>
-            <a:off x="192460" y="6546392"/>
-            <a:ext cx="4312596" cy="246221"/>
+            <a:off x="4239167" y="6546391"/>
+            <a:ext cx="3295574" cy="230832"/>
           </a:xfrm>
           <a:prstGeom prst="rect">
             <a:avLst/>
@@ -17828,19 +19300,153 @@
           <a:lstStyle/>
           <a:p>
             <a:r>
-              <a:rPr lang="en-US" altLang="zh-CN" sz="1000" dirty="0"/>
-              <a:t>https://zhuanlan.zhihu.com/p/27120673</a:t>
-            </a:r>
-            <a:endParaRPr lang="zh-CN" altLang="en-US" sz="1000" dirty="0"/>
+              <a:rPr lang="en-US" altLang="zh-CN" sz="900" dirty="0"/>
+              <a:t>https://www.cnblogs.com/wangmantou/p/13852024.html</a:t>
+            </a:r>
+            <a:endParaRPr lang="zh-CN" altLang="en-US" sz="900" dirty="0"/>
+          </a:p>
+        </p:txBody>
+      </p:sp>
+      <p:sp>
+        <p:nvSpPr>
+          <p:cNvPr id="16" name="文本框 15">
+            <a:extLst>
+              <a:ext uri="{FF2B5EF4-FFF2-40B4-BE49-F238E27FC236}">
+                <a16:creationId xmlns:a16="http://schemas.microsoft.com/office/drawing/2014/main" id="{4FE74314-438D-4E96-8ADA-91F3CE2C0F03}"/>
+              </a:ext>
+            </a:extLst>
+          </p:cNvPr>
+          <p:cNvSpPr txBox="1"/>
+          <p:nvPr/>
+        </p:nvSpPr>
+        <p:spPr>
+          <a:xfrm>
+            <a:off x="8234945" y="2142457"/>
+            <a:ext cx="3589331" cy="646331"/>
+          </a:xfrm>
+          <a:prstGeom prst="rect">
+            <a:avLst/>
+          </a:prstGeom>
+          <a:solidFill>
+            <a:schemeClr val="accent1">
+              <a:lumMod val="50000"/>
+            </a:schemeClr>
+          </a:solidFill>
+        </p:spPr>
+        <p:txBody>
+          <a:bodyPr wrap="square">
+            <a:spAutoFit/>
+          </a:bodyPr>
+          <a:lstStyle/>
+          <a:p>
+            <a:r>
+              <a:rPr lang="zh-CN" altLang="en-US" dirty="0"/>
+              <a:t>如“万”字在</a:t>
+            </a:r>
+            <a:r>
+              <a:rPr lang="en-US" altLang="zh-CN" dirty="0"/>
+              <a:t>45</a:t>
+            </a:r>
+            <a:r>
+              <a:rPr lang="zh-CN" altLang="en-US" dirty="0"/>
+              <a:t>区</a:t>
+            </a:r>
+            <a:r>
+              <a:rPr lang="en-US" altLang="zh-CN" dirty="0"/>
+              <a:t>82</a:t>
+            </a:r>
+            <a:r>
+              <a:rPr lang="zh-CN" altLang="en-US" dirty="0"/>
+              <a:t>位，</a:t>
+            </a:r>
+            <a:endParaRPr lang="en-US" altLang="zh-CN" dirty="0"/>
+          </a:p>
+          <a:p>
+            <a:r>
+              <a:rPr lang="zh-CN" altLang="en-US" dirty="0"/>
+              <a:t>所以“万”字的区位码是：</a:t>
+            </a:r>
+            <a:r>
+              <a:rPr lang="en-US" altLang="zh-CN" dirty="0"/>
+              <a:t>45 82</a:t>
+            </a:r>
+            <a:endParaRPr lang="zh-CN" altLang="en-US" dirty="0"/>
+          </a:p>
+        </p:txBody>
+      </p:sp>
+      <p:sp>
+        <p:nvSpPr>
+          <p:cNvPr id="17" name="文本框 16">
+            <a:extLst>
+              <a:ext uri="{FF2B5EF4-FFF2-40B4-BE49-F238E27FC236}">
+                <a16:creationId xmlns:a16="http://schemas.microsoft.com/office/drawing/2014/main" id="{40AB1F05-6DAD-4A89-AFF4-91A719FCD49C}"/>
+              </a:ext>
+            </a:extLst>
+          </p:cNvPr>
+          <p:cNvSpPr txBox="1"/>
+          <p:nvPr/>
+        </p:nvSpPr>
+        <p:spPr>
+          <a:xfrm>
+            <a:off x="4239167" y="2142457"/>
+            <a:ext cx="3538671" cy="646331"/>
+          </a:xfrm>
+          <a:prstGeom prst="rect">
+            <a:avLst/>
+          </a:prstGeom>
+          <a:solidFill>
+            <a:schemeClr val="accent1">
+              <a:lumMod val="50000"/>
+            </a:schemeClr>
+          </a:solidFill>
+        </p:spPr>
+        <p:txBody>
+          <a:bodyPr wrap="square">
+            <a:spAutoFit/>
+          </a:bodyPr>
+          <a:lstStyle/>
+          <a:p>
+            <a:r>
+              <a:rPr lang="zh-CN" altLang="en-US" dirty="0"/>
+              <a:t>如“爸”字在</a:t>
+            </a:r>
+            <a:r>
+              <a:rPr lang="en-US" altLang="zh-CN" dirty="0"/>
+              <a:t>16</a:t>
+            </a:r>
+            <a:r>
+              <a:rPr lang="zh-CN" altLang="en-US" dirty="0"/>
+              <a:t>区</a:t>
+            </a:r>
+            <a:r>
+              <a:rPr lang="en-US" altLang="zh-CN" dirty="0"/>
+              <a:t>54</a:t>
+            </a:r>
+            <a:r>
+              <a:rPr lang="zh-CN" altLang="en-US" dirty="0"/>
+              <a:t>位，</a:t>
+            </a:r>
+            <a:endParaRPr lang="en-US" altLang="zh-CN" dirty="0"/>
+          </a:p>
+          <a:p>
+            <a:r>
+              <a:rPr lang="zh-CN" altLang="en-US" dirty="0"/>
+              <a:t>所以“万”字的区位码是：</a:t>
+            </a:r>
+            <a:r>
+              <a:rPr lang="en-US" altLang="zh-CN" dirty="0"/>
+              <a:t>16 54</a:t>
+            </a:r>
+            <a:endParaRPr lang="zh-CN" altLang="en-US" dirty="0"/>
           </a:p>
         </p:txBody>
       </p:sp>
       <p:pic>
         <p:nvPicPr>
-          <p:cNvPr id="10" name="图片 9">
+          <p:cNvPr id="19" name="图片 18">
             <a:extLst>
               <a:ext uri="{FF2B5EF4-FFF2-40B4-BE49-F238E27FC236}">
-                <a16:creationId xmlns:a16="http://schemas.microsoft.com/office/drawing/2014/main" id="{7F695181-6DFD-48E3-8095-F83A981F314A}"/>
+                <a16:creationId xmlns:a16="http://schemas.microsoft.com/office/drawing/2014/main" id="{B6EAD768-F98F-45EF-BD9D-4AADBA838D6E}"/>
               </a:ext>
             </a:extLst>
           </p:cNvPr>
@@ -17857,8 +19463,8 @@
         </p:blipFill>
         <p:spPr>
           <a:xfrm>
-            <a:off x="4456486" y="645567"/>
-            <a:ext cx="1805315" cy="2543885"/>
+            <a:off x="4239167" y="2893822"/>
+            <a:ext cx="3550636" cy="3188019"/>
           </a:xfrm>
           <a:prstGeom prst="rect">
             <a:avLst/>
@@ -17867,10 +19473,10 @@
       </p:pic>
       <p:pic>
         <p:nvPicPr>
-          <p:cNvPr id="8" name="图片 7">
+          <p:cNvPr id="21" name="图片 20">
             <a:extLst>
               <a:ext uri="{FF2B5EF4-FFF2-40B4-BE49-F238E27FC236}">
-                <a16:creationId xmlns:a16="http://schemas.microsoft.com/office/drawing/2014/main" id="{6F55813F-93B6-4461-B519-25C74B55FAA6}"/>
+                <a16:creationId xmlns:a16="http://schemas.microsoft.com/office/drawing/2014/main" id="{7E32D537-B6B0-4D80-8D18-F22F91EC2BA7}"/>
               </a:ext>
             </a:extLst>
           </p:cNvPr>
@@ -17887,78 +19493,96 @@
         </p:blipFill>
         <p:spPr>
           <a:xfrm>
-            <a:off x="4456486" y="3224377"/>
-            <a:ext cx="7452263" cy="3385864"/>
+            <a:off x="8234945" y="2888784"/>
+            <a:ext cx="3589331" cy="3193057"/>
           </a:xfrm>
           <a:prstGeom prst="rect">
             <a:avLst/>
           </a:prstGeom>
         </p:spPr>
       </p:pic>
-      <p:pic>
-        <p:nvPicPr>
-          <p:cNvPr id="12" name="图片 11">
+      <p:sp>
+        <p:nvSpPr>
+          <p:cNvPr id="22" name="文本框 21">
             <a:extLst>
               <a:ext uri="{FF2B5EF4-FFF2-40B4-BE49-F238E27FC236}">
-                <a16:creationId xmlns:a16="http://schemas.microsoft.com/office/drawing/2014/main" id="{B90256E7-6593-49B2-913B-A7A7FD317877}"/>
+                <a16:creationId xmlns:a16="http://schemas.microsoft.com/office/drawing/2014/main" id="{9269F809-E9DA-4389-8B50-2C51DFE69E57}"/>
               </a:ext>
             </a:extLst>
           </p:cNvPr>
-          <p:cNvPicPr>
-            <a:picLocks noChangeAspect="1"/>
-          </p:cNvPicPr>
+          <p:cNvSpPr txBox="1"/>
           <p:nvPr/>
-        </p:nvPicPr>
-        <p:blipFill>
-          <a:blip r:embed="rId5"/>
-          <a:stretch>
-            <a:fillRect/>
-          </a:stretch>
-        </p:blipFill>
-        <p:spPr>
-          <a:xfrm>
-            <a:off x="9167831" y="642289"/>
-            <a:ext cx="2728671" cy="2547163"/>
+        </p:nvSpPr>
+        <p:spPr>
+          <a:xfrm>
+            <a:off x="5622587" y="6081841"/>
+            <a:ext cx="659155" cy="369332"/>
           </a:xfrm>
           <a:prstGeom prst="rect">
             <a:avLst/>
           </a:prstGeom>
-        </p:spPr>
-      </p:pic>
-      <p:pic>
-        <p:nvPicPr>
-          <p:cNvPr id="7" name="图片 6">
+          <a:noFill/>
+        </p:spPr>
+        <p:txBody>
+          <a:bodyPr wrap="none" rtlCol="0">
+            <a:spAutoFit/>
+          </a:bodyPr>
+          <a:lstStyle/>
+          <a:p>
+            <a:r>
+              <a:rPr lang="en-US" altLang="zh-CN" dirty="0"/>
+              <a:t>16</a:t>
+            </a:r>
+            <a:r>
+              <a:rPr lang="zh-CN" altLang="en-US" dirty="0"/>
+              <a:t>区</a:t>
+            </a:r>
+          </a:p>
+        </p:txBody>
+      </p:sp>
+      <p:sp>
+        <p:nvSpPr>
+          <p:cNvPr id="23" name="文本框 22">
             <a:extLst>
               <a:ext uri="{FF2B5EF4-FFF2-40B4-BE49-F238E27FC236}">
-                <a16:creationId xmlns:a16="http://schemas.microsoft.com/office/drawing/2014/main" id="{E50AC639-DEC5-4E62-8A3E-F2BCFD40C59C}"/>
+                <a16:creationId xmlns:a16="http://schemas.microsoft.com/office/drawing/2014/main" id="{28820FEC-DB7A-4C88-80D7-018B302F6A76}"/>
               </a:ext>
             </a:extLst>
           </p:cNvPr>
-          <p:cNvPicPr>
-            <a:picLocks noChangeAspect="1"/>
-          </p:cNvPicPr>
+          <p:cNvSpPr txBox="1"/>
           <p:nvPr/>
-        </p:nvPicPr>
-        <p:blipFill>
-          <a:blip r:embed="rId6"/>
-          <a:stretch>
-            <a:fillRect/>
-          </a:stretch>
-        </p:blipFill>
-        <p:spPr>
-          <a:xfrm>
-            <a:off x="6356966" y="645567"/>
-            <a:ext cx="2728671" cy="2543885"/>
+        </p:nvSpPr>
+        <p:spPr>
+          <a:xfrm>
+            <a:off x="9847981" y="6061643"/>
+            <a:ext cx="659155" cy="369332"/>
           </a:xfrm>
           <a:prstGeom prst="rect">
             <a:avLst/>
           </a:prstGeom>
-        </p:spPr>
-      </p:pic>
+          <a:noFill/>
+        </p:spPr>
+        <p:txBody>
+          <a:bodyPr wrap="none" rtlCol="0">
+            <a:spAutoFit/>
+          </a:bodyPr>
+          <a:lstStyle/>
+          <a:p>
+            <a:r>
+              <a:rPr lang="en-US" altLang="zh-CN" dirty="0"/>
+              <a:t>45</a:t>
+            </a:r>
+            <a:r>
+              <a:rPr lang="zh-CN" altLang="en-US" dirty="0"/>
+              <a:t>区</a:t>
+            </a:r>
+          </a:p>
+        </p:txBody>
+      </p:sp>
     </p:spTree>
     <p:extLst>
       <p:ext uri="{BB962C8B-B14F-4D97-AF65-F5344CB8AC3E}">
-        <p14:creationId xmlns:p14="http://schemas.microsoft.com/office/powerpoint/2010/main" val="2643247645"/>
+        <p14:creationId xmlns:p14="http://schemas.microsoft.com/office/powerpoint/2010/main" val="732800505"/>
       </p:ext>
     </p:extLst>
   </p:cSld>

--- a/PPT-2020/ch06 字符编码与字频统计.pptx
+++ b/PPT-2020/ch06 字符编码与字频统计.pptx
@@ -419,7 +419,7 @@
           <a:p>
             <a:fld id="{B161E7BD-2304-4CFF-AC2E-DAADCB15FF3C}" type="datetimeFigureOut">
               <a:rPr lang="zh-CN" altLang="en-US" smtClean="0"/>
-              <a:t>2020/11/22</a:t>
+              <a:t>2020/11/23</a:t>
             </a:fld>
             <a:endParaRPr lang="zh-CN" altLang="en-US"/>
           </a:p>
@@ -833,7 +833,7 @@
           <a:p>
             <a:fld id="{B161E7BD-2304-4CFF-AC2E-DAADCB15FF3C}" type="datetimeFigureOut">
               <a:rPr lang="zh-CN" altLang="en-US" smtClean="0"/>
-              <a:t>2020/11/22</a:t>
+              <a:t>2020/11/23</a:t>
             </a:fld>
             <a:endParaRPr lang="zh-CN" altLang="en-US"/>
           </a:p>
@@ -1169,7 +1169,7 @@
           <a:p>
             <a:fld id="{B161E7BD-2304-4CFF-AC2E-DAADCB15FF3C}" type="datetimeFigureOut">
               <a:rPr lang="zh-CN" altLang="en-US" smtClean="0"/>
-              <a:t>2020/11/22</a:t>
+              <a:t>2020/11/23</a:t>
             </a:fld>
             <a:endParaRPr lang="zh-CN" altLang="en-US"/>
           </a:p>
@@ -1574,7 +1574,7 @@
           <a:p>
             <a:fld id="{B161E7BD-2304-4CFF-AC2E-DAADCB15FF3C}" type="datetimeFigureOut">
               <a:rPr lang="zh-CN" altLang="en-US" smtClean="0"/>
-              <a:t>2020/11/22</a:t>
+              <a:t>2020/11/23</a:t>
             </a:fld>
             <a:endParaRPr lang="zh-CN" altLang="en-US"/>
           </a:p>
@@ -2142,7 +2142,7 @@
           <a:p>
             <a:fld id="{B161E7BD-2304-4CFF-AC2E-DAADCB15FF3C}" type="datetimeFigureOut">
               <a:rPr lang="zh-CN" altLang="en-US" smtClean="0"/>
-              <a:t>2020/11/22</a:t>
+              <a:t>2020/11/23</a:t>
             </a:fld>
             <a:endParaRPr lang="zh-CN" altLang="en-US"/>
           </a:p>
@@ -2823,7 +2823,7 @@
           <a:p>
             <a:fld id="{B161E7BD-2304-4CFF-AC2E-DAADCB15FF3C}" type="datetimeFigureOut">
               <a:rPr lang="zh-CN" altLang="en-US" smtClean="0"/>
-              <a:t>2020/11/22</a:t>
+              <a:t>2020/11/23</a:t>
             </a:fld>
             <a:endParaRPr lang="zh-CN" altLang="en-US"/>
           </a:p>
@@ -3736,7 +3736,7 @@
           <a:p>
             <a:fld id="{B161E7BD-2304-4CFF-AC2E-DAADCB15FF3C}" type="datetimeFigureOut">
               <a:rPr lang="zh-CN" altLang="en-US" smtClean="0"/>
-              <a:t>2020/11/22</a:t>
+              <a:t>2020/11/23</a:t>
             </a:fld>
             <a:endParaRPr lang="zh-CN" altLang="en-US"/>
           </a:p>
@@ -4049,7 +4049,7 @@
           <a:p>
             <a:fld id="{B161E7BD-2304-4CFF-AC2E-DAADCB15FF3C}" type="datetimeFigureOut">
               <a:rPr lang="zh-CN" altLang="en-US" smtClean="0"/>
-              <a:t>2020/11/22</a:t>
+              <a:t>2020/11/23</a:t>
             </a:fld>
             <a:endParaRPr lang="zh-CN" altLang="en-US"/>
           </a:p>
@@ -4313,7 +4313,7 @@
           <a:p>
             <a:fld id="{B161E7BD-2304-4CFF-AC2E-DAADCB15FF3C}" type="datetimeFigureOut">
               <a:rPr lang="zh-CN" altLang="en-US" smtClean="0"/>
-              <a:t>2020/11/22</a:t>
+              <a:t>2020/11/23</a:t>
             </a:fld>
             <a:endParaRPr lang="zh-CN" altLang="en-US"/>
           </a:p>
@@ -4636,7 +4636,7 @@
           <a:p>
             <a:fld id="{B161E7BD-2304-4CFF-AC2E-DAADCB15FF3C}" type="datetimeFigureOut">
               <a:rPr lang="zh-CN" altLang="en-US" smtClean="0"/>
-              <a:t>2020/11/22</a:t>
+              <a:t>2020/11/23</a:t>
             </a:fld>
             <a:endParaRPr lang="zh-CN" altLang="en-US"/>
           </a:p>
@@ -5025,7 +5025,7 @@
           <a:p>
             <a:fld id="{B161E7BD-2304-4CFF-AC2E-DAADCB15FF3C}" type="datetimeFigureOut">
               <a:rPr lang="zh-CN" altLang="en-US" smtClean="0"/>
-              <a:t>2020/11/22</a:t>
+              <a:t>2020/11/23</a:t>
             </a:fld>
             <a:endParaRPr lang="zh-CN" altLang="en-US"/>
           </a:p>
@@ -5401,7 +5401,7 @@
           <a:p>
             <a:fld id="{B161E7BD-2304-4CFF-AC2E-DAADCB15FF3C}" type="datetimeFigureOut">
               <a:rPr lang="zh-CN" altLang="en-US" smtClean="0"/>
-              <a:t>2020/11/22</a:t>
+              <a:t>2020/11/23</a:t>
             </a:fld>
             <a:endParaRPr lang="zh-CN" altLang="en-US"/>
           </a:p>
@@ -5907,7 +5907,7 @@
           <a:p>
             <a:fld id="{B161E7BD-2304-4CFF-AC2E-DAADCB15FF3C}" type="datetimeFigureOut">
               <a:rPr lang="zh-CN" altLang="en-US" smtClean="0"/>
-              <a:t>2020/11/22</a:t>
+              <a:t>2020/11/23</a:t>
             </a:fld>
             <a:endParaRPr lang="zh-CN" altLang="en-US"/>
           </a:p>
@@ -6164,7 +6164,7 @@
           <a:p>
             <a:fld id="{B161E7BD-2304-4CFF-AC2E-DAADCB15FF3C}" type="datetimeFigureOut">
               <a:rPr lang="zh-CN" altLang="en-US" smtClean="0"/>
-              <a:t>2020/11/22</a:t>
+              <a:t>2020/11/23</a:t>
             </a:fld>
             <a:endParaRPr lang="zh-CN" altLang="en-US"/>
           </a:p>
@@ -6327,7 +6327,7 @@
           <a:p>
             <a:fld id="{B161E7BD-2304-4CFF-AC2E-DAADCB15FF3C}" type="datetimeFigureOut">
               <a:rPr lang="zh-CN" altLang="en-US" smtClean="0"/>
-              <a:t>2020/11/22</a:t>
+              <a:t>2020/11/23</a:t>
             </a:fld>
             <a:endParaRPr lang="zh-CN" altLang="en-US"/>
           </a:p>
@@ -6717,7 +6717,7 @@
           <a:p>
             <a:fld id="{B161E7BD-2304-4CFF-AC2E-DAADCB15FF3C}" type="datetimeFigureOut">
               <a:rPr lang="zh-CN" altLang="en-US" smtClean="0"/>
-              <a:t>2020/11/22</a:t>
+              <a:t>2020/11/23</a:t>
             </a:fld>
             <a:endParaRPr lang="zh-CN" altLang="en-US"/>
           </a:p>
@@ -7126,7 +7126,7 @@
           <a:p>
             <a:fld id="{B161E7BD-2304-4CFF-AC2E-DAADCB15FF3C}" type="datetimeFigureOut">
               <a:rPr lang="zh-CN" altLang="en-US" smtClean="0"/>
-              <a:t>2020/11/22</a:t>
+              <a:t>2020/11/23</a:t>
             </a:fld>
             <a:endParaRPr lang="zh-CN" altLang="en-US"/>
           </a:p>
@@ -7370,7 +7370,7 @@
           <a:p>
             <a:fld id="{B161E7BD-2304-4CFF-AC2E-DAADCB15FF3C}" type="datetimeFigureOut">
               <a:rPr lang="zh-CN" altLang="en-US" smtClean="0"/>
-              <a:t>2020/11/22</a:t>
+              <a:t>2020/11/23</a:t>
             </a:fld>
             <a:endParaRPr lang="zh-CN" altLang="en-US"/>
           </a:p>
@@ -7984,8 +7984,8 @@
         </p:blipFill>
         <p:spPr>
           <a:xfrm>
-            <a:off x="5978770" y="566526"/>
-            <a:ext cx="4315412" cy="6080884"/>
+            <a:off x="5978770" y="871354"/>
+            <a:ext cx="4099085" cy="5776056"/>
           </a:xfrm>
           <a:prstGeom prst="rect">
             <a:avLst/>
@@ -8302,7 +8302,7 @@
           <a:p>
             <a:r>
               <a:rPr lang="zh-CN" altLang="en-US" sz="1200" dirty="0"/>
-              <a:t>五大厂：宏碁 </a:t>
+              <a:t>五大厂商：宏碁 </a:t>
             </a:r>
             <a:r>
               <a:rPr lang="en-US" altLang="zh-CN" sz="1200" dirty="0"/>
@@ -8445,11 +8445,29 @@
                   <a:srgbClr val="FF0000"/>
                 </a:solidFill>
               </a:rPr>
-              <a:t>Unicode Consortium</a:t>
-            </a:r>
-            <a:r>
-              <a:rPr lang="zh-CN" altLang="en-US" dirty="0"/>
-              <a:t>制定可容纳世界上所有文字和符号的字符编码方案。</a:t>
+              <a:t>Unicode </a:t>
+            </a:r>
+            <a:r>
+              <a:rPr lang="en-US" altLang="zh-CN" b="1" dirty="0"/>
+              <a:t>(</a:t>
+            </a:r>
+            <a:r>
+              <a:rPr lang="zh-CN" altLang="en-US" b="1" i="0" dirty="0">
+                <a:solidFill>
+                  <a:srgbClr val="FF0000"/>
+                </a:solidFill>
+                <a:effectLst/>
+                <a:latin typeface="arial" panose="020B0604020202020204" pitchFamily="34" charset="0"/>
+              </a:rPr>
+              <a:t>统一码</a:t>
+            </a:r>
+            <a:r>
+              <a:rPr lang="en-US" altLang="zh-CN" b="1" dirty="0"/>
+              <a:t>)</a:t>
+            </a:r>
+            <a:r>
+              <a:rPr lang="zh-CN" altLang="en-US" dirty="0"/>
+              <a:t>容纳世界上所有文字和符号的字符编码方案。</a:t>
             </a:r>
           </a:p>
           <a:p>
@@ -8494,31 +8512,59 @@
               <a:buChar char="Ø"/>
             </a:pPr>
             <a:r>
-              <a:rPr lang="en-US" altLang="zh-CN" sz="1800" dirty="0"/>
+              <a:rPr lang="en-US" altLang="zh-CN" sz="1800" dirty="0">
+                <a:highlight>
+                  <a:srgbClr val="008000"/>
+                </a:highlight>
+              </a:rPr>
               <a:t>1991</a:t>
             </a:r>
             <a:r>
-              <a:rPr lang="zh-CN" altLang="en-US" sz="1800" dirty="0"/>
+              <a:rPr lang="zh-CN" altLang="en-US" sz="1800" dirty="0">
+                <a:highlight>
+                  <a:srgbClr val="008000"/>
+                </a:highlight>
+              </a:rPr>
               <a:t>年，</a:t>
             </a:r>
             <a:r>
-              <a:rPr lang="zh-CN" altLang="en-US" sz="1800" b="1" dirty="0"/>
+              <a:rPr lang="zh-CN" altLang="en-US" sz="1800" b="1" dirty="0">
+                <a:highlight>
+                  <a:srgbClr val="008000"/>
+                </a:highlight>
+              </a:rPr>
               <a:t>两个项目合并</a:t>
             </a:r>
             <a:r>
-              <a:rPr lang="zh-CN" altLang="en-US" sz="1800" dirty="0"/>
+              <a:rPr lang="zh-CN" altLang="en-US" sz="1800" dirty="0">
+                <a:highlight>
+                  <a:srgbClr val="008000"/>
+                </a:highlight>
+              </a:rPr>
               <a:t>，同步发展 </a:t>
             </a:r>
             <a:r>
-              <a:rPr lang="en-US" altLang="zh-CN" sz="1800" dirty="0"/>
+              <a:rPr lang="en-US" altLang="zh-CN" sz="1800" dirty="0">
+                <a:highlight>
+                  <a:srgbClr val="008000"/>
+                </a:highlight>
+              </a:rPr>
               <a:t>Unicode </a:t>
             </a:r>
             <a:r>
-              <a:rPr lang="zh-CN" altLang="en-US" sz="1800" dirty="0"/>
+              <a:rPr lang="zh-CN" altLang="en-US" sz="1800" dirty="0">
+                <a:highlight>
+                  <a:srgbClr val="008000"/>
+                </a:highlight>
+              </a:rPr>
               <a:t>和 </a:t>
             </a:r>
             <a:r>
-              <a:rPr lang="en-US" altLang="zh-CN" sz="1800" dirty="0"/>
+              <a:rPr lang="en-US" altLang="zh-CN" sz="1800" dirty="0">
+                <a:highlight>
+                  <a:srgbClr val="008000"/>
+                </a:highlight>
+              </a:rPr>
               <a:t>ISO 10646 </a:t>
             </a:r>
             <a:r>
@@ -8610,7 +8656,7 @@
         <p:spPr>
           <a:xfrm>
             <a:off x="680321" y="6321724"/>
-            <a:ext cx="2996119" cy="369332"/>
+            <a:ext cx="2996119" cy="261610"/>
           </a:xfrm>
           <a:prstGeom prst="rect">
             <a:avLst/>
@@ -8624,10 +8670,10 @@
           <a:lstStyle/>
           <a:p>
             <a:r>
-              <a:rPr lang="en-US" altLang="zh-CN" dirty="0"/>
+              <a:rPr lang="en-US" altLang="zh-CN" sz="1100" dirty="0"/>
               <a:t>https://home.unicode.org/</a:t>
             </a:r>
-            <a:endParaRPr lang="zh-CN" altLang="en-US" dirty="0"/>
+            <a:endParaRPr lang="zh-CN" altLang="en-US" sz="1100" dirty="0"/>
           </a:p>
         </p:txBody>
       </p:sp>
@@ -8782,8 +8828,8 @@
         </p:nvSpPr>
         <p:spPr>
           <a:xfrm>
-            <a:off x="6395716" y="6322245"/>
-            <a:ext cx="4914310" cy="369332"/>
+            <a:off x="6707001" y="6375585"/>
+            <a:ext cx="3409765" cy="261610"/>
           </a:xfrm>
           <a:prstGeom prst="rect">
             <a:avLst/>
@@ -8797,18 +8843,18 @@
           <a:lstStyle/>
           <a:p>
             <a:r>
-              <a:rPr lang="en-US" altLang="zh-CN" dirty="0"/>
+              <a:rPr lang="en-US" altLang="zh-CN" sz="1100" dirty="0"/>
               <a:t>GB13000</a:t>
             </a:r>
             <a:r>
-              <a:rPr lang="zh-CN" altLang="en-US" dirty="0"/>
+              <a:rPr lang="zh-CN" altLang="en-US" sz="1100" dirty="0"/>
               <a:t>等同采用国际标准</a:t>
             </a:r>
             <a:r>
-              <a:rPr lang="en-US" altLang="zh-CN" dirty="0"/>
+              <a:rPr lang="en-US" altLang="zh-CN" sz="1100" dirty="0"/>
               <a:t>ISO/IEC 10646-2003</a:t>
             </a:r>
-            <a:endParaRPr lang="zh-CN" altLang="en-US" dirty="0"/>
+            <a:endParaRPr lang="zh-CN" altLang="en-US" sz="1100" dirty="0"/>
           </a:p>
         </p:txBody>
       </p:sp>
@@ -8912,8 +8958,19 @@
                 <a:solidFill>
                   <a:srgbClr val="FFFF00"/>
                 </a:solidFill>
+                <a:highlight>
+                  <a:srgbClr val="008000"/>
+                </a:highlight>
               </a:rPr>
-              <a:t>四维编码空间，采用十六进制全编码</a:t>
+              <a:t>四维编码空间</a:t>
+            </a:r>
+            <a:r>
+              <a:rPr lang="zh-CN" altLang="en-US" b="1" dirty="0">
+                <a:solidFill>
+                  <a:srgbClr val="FFFF00"/>
+                </a:solidFill>
+              </a:rPr>
+              <a:t>，采用十六进制全编码</a:t>
             </a:r>
             <a:endParaRPr lang="en-US" altLang="zh-CN" b="1" dirty="0">
               <a:solidFill>
@@ -9121,7 +9178,7 @@
         </p:nvSpPr>
         <p:spPr>
           <a:xfrm>
-            <a:off x="565055" y="6428017"/>
+            <a:off x="261100" y="6184108"/>
             <a:ext cx="6096000" cy="230832"/>
           </a:xfrm>
           <a:prstGeom prst="rect">
@@ -9261,7 +9318,11 @@
               <a:t>，亦称 </a:t>
             </a:r>
             <a:r>
-              <a:rPr lang="zh-CN" altLang="en-US" sz="1600" b="1" dirty="0"/>
+              <a:rPr lang="zh-CN" altLang="en-US" sz="1600" b="1" dirty="0">
+                <a:highlight>
+                  <a:srgbClr val="008000"/>
+                </a:highlight>
+              </a:rPr>
               <a:t>大字符集</a:t>
             </a:r>
             <a:r>
@@ -9316,6 +9377,9 @@
                 <a:solidFill>
                   <a:srgbClr val="FFFF00"/>
                 </a:solidFill>
+                <a:highlight>
+                  <a:srgbClr val="008000"/>
+                </a:highlight>
               </a:rPr>
               <a:t>四个八位序列</a:t>
             </a:r>
@@ -9473,7 +9537,7 @@
         </p:nvSpPr>
         <p:spPr>
           <a:xfrm>
-            <a:off x="565055" y="6606388"/>
+            <a:off x="261100" y="6393549"/>
             <a:ext cx="6096000" cy="230832"/>
           </a:xfrm>
           <a:prstGeom prst="rect">
@@ -10027,41 +10091,41 @@
           </a:p>
           <a:p>
             <a:r>
-              <a:rPr lang="zh-CN" altLang="en-US" dirty="0">
-                <a:highlight>
-                  <a:srgbClr val="008000"/>
-                </a:highlight>
+              <a:rPr lang="zh-CN" altLang="en-US" b="1" dirty="0">
+                <a:solidFill>
+                  <a:srgbClr val="FA8072"/>
+                </a:solidFill>
               </a:rPr>
               <a:t>浅红 </a:t>
             </a:r>
             <a:r>
-              <a:rPr lang="en-US" altLang="zh-CN" dirty="0">
-                <a:highlight>
-                  <a:srgbClr val="008000"/>
-                </a:highlight>
+              <a:rPr lang="en-US" altLang="zh-CN" b="1" dirty="0">
+                <a:solidFill>
+                  <a:srgbClr val="FA8072"/>
+                </a:solidFill>
               </a:rPr>
               <a:t>= </a:t>
             </a:r>
             <a:r>
-              <a:rPr lang="zh-CN" altLang="en-US" dirty="0">
-                <a:highlight>
-                  <a:srgbClr val="008000"/>
-                </a:highlight>
+              <a:rPr lang="zh-CN" altLang="en-US" b="1" dirty="0">
+                <a:solidFill>
+                  <a:srgbClr val="FA8072"/>
+                </a:solidFill>
               </a:rPr>
               <a:t>中日韩汉字 </a:t>
             </a:r>
             <a:r>
-              <a:rPr lang="en-US" altLang="zh-CN" dirty="0">
-                <a:highlight>
-                  <a:srgbClr val="008000"/>
-                </a:highlight>
+              <a:rPr lang="en-US" altLang="zh-CN" b="1" dirty="0">
+                <a:solidFill>
+                  <a:srgbClr val="FA8072"/>
+                </a:solidFill>
               </a:rPr>
               <a:t>CJK</a:t>
             </a:r>
-            <a:endParaRPr lang="zh-CN" altLang="en-US" dirty="0">
-              <a:highlight>
-                <a:srgbClr val="008000"/>
-              </a:highlight>
+            <a:endParaRPr lang="zh-CN" altLang="en-US" b="1" dirty="0">
+              <a:solidFill>
+                <a:srgbClr val="FA8072"/>
+              </a:solidFill>
             </a:endParaRPr>
           </a:p>
           <a:p>
@@ -10303,11 +10367,6 @@
             </a:pPr>
             <a:r>
               <a:rPr lang="en-US" altLang="zh-CN" b="1" dirty="0">
-                <a:solidFill>
-                  <a:schemeClr val="accent2">
-                    <a:lumMod val="75000"/>
-                  </a:schemeClr>
-                </a:solidFill>
                 <a:highlight>
                   <a:srgbClr val="008000"/>
                 </a:highlight>
@@ -10316,11 +10375,6 @@
             </a:r>
             <a:r>
               <a:rPr lang="zh-CN" altLang="en-US" b="1" dirty="0">
-                <a:solidFill>
-                  <a:schemeClr val="accent2">
-                    <a:lumMod val="75000"/>
-                  </a:schemeClr>
-                </a:solidFill>
                 <a:highlight>
                   <a:srgbClr val="008000"/>
                 </a:highlight>
@@ -10329,11 +10383,6 @@
             </a:r>
             <a:r>
               <a:rPr lang="en-US" altLang="zh-CN" b="1" dirty="0">
-                <a:solidFill>
-                  <a:schemeClr val="accent2">
-                    <a:lumMod val="75000"/>
-                  </a:schemeClr>
-                </a:solidFill>
                 <a:highlight>
                   <a:srgbClr val="008000"/>
                 </a:highlight>
@@ -10342,11 +10391,6 @@
             </a:r>
             <a:r>
               <a:rPr lang="zh-CN" altLang="en-US" b="1" dirty="0">
-                <a:solidFill>
-                  <a:schemeClr val="accent2">
-                    <a:lumMod val="75000"/>
-                  </a:schemeClr>
-                </a:solidFill>
                 <a:highlight>
                   <a:srgbClr val="008000"/>
                 </a:highlight>
@@ -10854,7 +10898,7 @@
         <p:spPr>
           <a:xfrm>
             <a:off x="511709" y="2259051"/>
-            <a:ext cx="8924122" cy="2047060"/>
+            <a:ext cx="9613860" cy="1625528"/>
           </a:xfrm>
           <a:solidFill>
             <a:schemeClr val="accent1">
@@ -10864,7 +10908,7 @@
         </p:spPr>
         <p:txBody>
           <a:bodyPr>
-            <a:normAutofit lnSpcReduction="10000"/>
+            <a:normAutofit/>
           </a:bodyPr>
           <a:lstStyle/>
           <a:p>
@@ -10872,15 +10916,15 @@
               <a:buNone/>
             </a:pPr>
             <a:r>
-              <a:rPr lang="en-US" altLang="zh-CN" dirty="0"/>
+              <a:rPr lang="en-US" altLang="zh-CN" sz="2800" dirty="0"/>
               <a:t>UTF-8</a:t>
             </a:r>
             <a:r>
-              <a:rPr lang="zh-CN" altLang="en-US" dirty="0"/>
+              <a:rPr lang="zh-CN" altLang="en-US" sz="2800" dirty="0"/>
               <a:t>的特点是对</a:t>
             </a:r>
             <a:r>
-              <a:rPr lang="zh-CN" altLang="en-US" b="1" dirty="0">
+              <a:rPr lang="zh-CN" altLang="en-US" sz="2800" b="1" dirty="0">
                 <a:solidFill>
                   <a:srgbClr val="FFFF00"/>
                 </a:solidFill>
@@ -10888,35 +10932,28 @@
               <a:t>不同范围的字符</a:t>
             </a:r>
             <a:r>
-              <a:rPr lang="zh-CN" altLang="en-US" dirty="0"/>
+              <a:rPr lang="zh-CN" altLang="en-US" sz="2800" dirty="0"/>
               <a:t>使用</a:t>
             </a:r>
             <a:r>
-              <a:rPr lang="zh-CN" altLang="en-US" b="1" dirty="0">
+              <a:rPr lang="zh-CN" altLang="en-US" sz="2800" b="1" dirty="0">
                 <a:solidFill>
                   <a:srgbClr val="FFFF00"/>
                 </a:solidFill>
               </a:rPr>
               <a:t>不同长度的编码</a:t>
             </a:r>
-            <a:endParaRPr lang="en-US" altLang="zh-CN" b="1" dirty="0">
-              <a:solidFill>
-                <a:srgbClr val="FFFF00"/>
-              </a:solidFill>
-            </a:endParaRPr>
-          </a:p>
-          <a:p>
-            <a:pPr marL="0" indent="0">
-              <a:buNone/>
-            </a:pPr>
-            <a:endParaRPr lang="en-US" altLang="zh-CN" b="1" dirty="0">
+            <a:endParaRPr lang="en-US" altLang="zh-CN" sz="2800" b="1" dirty="0">
               <a:solidFill>
                 <a:schemeClr val="bg1"/>
               </a:solidFill>
             </a:endParaRPr>
           </a:p>
           <a:p>
-            <a:pPr lvl="1"/>
+            <a:pPr lvl="1">
+              <a:buFont typeface="Wingdings" panose="05000000000000000000" pitchFamily="2" charset="2"/>
+              <a:buChar char="Ø"/>
+            </a:pPr>
             <a:r>
               <a:rPr lang="zh-CN" altLang="en-US" dirty="0"/>
               <a:t>对于</a:t>
@@ -10948,7 +10985,10 @@
             <a:endParaRPr lang="en-US" altLang="zh-CN" dirty="0"/>
           </a:p>
           <a:p>
-            <a:pPr lvl="1"/>
+            <a:pPr lvl="1">
+              <a:buFont typeface="Wingdings" panose="05000000000000000000" pitchFamily="2" charset="2"/>
+              <a:buChar char="Ø"/>
+            </a:pPr>
             <a:r>
               <a:rPr lang="en-US" altLang="zh-CN" dirty="0"/>
               <a:t>UTF-8</a:t>
@@ -10968,11 +11008,10 @@
             <a:endParaRPr lang="en-US" altLang="zh-CN" dirty="0"/>
           </a:p>
           <a:p>
-            <a:pPr lvl="1"/>
-            <a:r>
-              <a:rPr lang="zh-CN" altLang="en-US" dirty="0"/>
-              <a:t>从下表可以看出，</a:t>
-            </a:r>
+            <a:pPr lvl="1">
+              <a:buFont typeface="Wingdings" panose="05000000000000000000" pitchFamily="2" charset="2"/>
+              <a:buChar char="Ø"/>
+            </a:pPr>
             <a:r>
               <a:rPr lang="en-US" altLang="zh-CN" dirty="0"/>
               <a:t>4</a:t>
@@ -10995,7 +11034,7 @@
             </a:r>
             <a:r>
               <a:rPr lang="zh-CN" altLang="en-US" dirty="0"/>
-              <a:t>，即可以容纳</a:t>
+              <a:t>，即：可以容纳</a:t>
             </a:r>
             <a:r>
               <a:rPr lang="en-US" altLang="zh-CN" dirty="0"/>
@@ -11006,33 +11045,6 @@
               <a:t>位二进制数字。</a:t>
             </a:r>
             <a:endParaRPr lang="en-US" altLang="zh-CN" dirty="0"/>
-          </a:p>
-          <a:p>
-            <a:pPr lvl="1"/>
-            <a:r>
-              <a:rPr lang="en-US" altLang="zh-CN" dirty="0"/>
-              <a:t>Unicode</a:t>
-            </a:r>
-            <a:r>
-              <a:rPr lang="zh-CN" altLang="en-US" dirty="0"/>
-              <a:t>的最大码位</a:t>
-            </a:r>
-            <a:r>
-              <a:rPr lang="en-US" altLang="zh-CN" dirty="0"/>
-              <a:t>0x10FFFF</a:t>
-            </a:r>
-            <a:r>
-              <a:rPr lang="zh-CN" altLang="en-US" dirty="0"/>
-              <a:t>只有</a:t>
-            </a:r>
-            <a:r>
-              <a:rPr lang="en-US" altLang="zh-CN" dirty="0"/>
-              <a:t>21</a:t>
-            </a:r>
-            <a:r>
-              <a:rPr lang="zh-CN" altLang="en-US" dirty="0"/>
-              <a:t>位。</a:t>
-            </a:r>
           </a:p>
         </p:txBody>
       </p:sp>
@@ -11051,14 +11063,14 @@
           <p:nvPr>
             <p:extLst>
               <p:ext uri="{D42A27DB-BD31-4B8C-83A1-F6EECF244321}">
-                <p14:modId xmlns:p14="http://schemas.microsoft.com/office/powerpoint/2010/main" val="3019362725"/>
+                <p14:modId xmlns:p14="http://schemas.microsoft.com/office/powerpoint/2010/main" val="697140270"/>
               </p:ext>
             </p:extLst>
           </p:nvPr>
         </p:nvGraphicFramePr>
         <p:xfrm>
-          <a:off x="511708" y="4567207"/>
-          <a:ext cx="8924122" cy="1854200"/>
+          <a:off x="511707" y="4250572"/>
+          <a:ext cx="9613860" cy="1854200"/>
         </p:xfrm>
         <a:graphic>
           <a:graphicData uri="http://schemas.openxmlformats.org/drawingml/2006/table">
@@ -11067,14 +11079,14 @@
                 <a:tableStyleId>{5C22544A-7EE6-4342-B048-85BDC9FD1C3A}</a:tableStyleId>
               </a:tblPr>
               <a:tblGrid>
-                <a:gridCol w="4462061">
+                <a:gridCol w="3586880">
                   <a:extLst>
                     <a:ext uri="{9D8B030D-6E8A-4147-A177-3AD203B41FA5}">
                       <a16:colId xmlns:a16="http://schemas.microsoft.com/office/drawing/2014/main" val="1912257984"/>
                     </a:ext>
                   </a:extLst>
                 </a:gridCol>
-                <a:gridCol w="4462061">
+                <a:gridCol w="6026980">
                   <a:extLst>
                     <a:ext uri="{9D8B030D-6E8A-4147-A177-3AD203B41FA5}">
                       <a16:colId xmlns:a16="http://schemas.microsoft.com/office/drawing/2014/main" val="2279823891"/>
@@ -11089,7 +11101,11 @@
                     <a:lstStyle/>
                     <a:p>
                       <a:r>
-                        <a:rPr lang="en-US" altLang="zh-CN" dirty="0"/>
+                        <a:rPr lang="en-US" altLang="zh-CN" dirty="0">
+                          <a:highlight>
+                            <a:srgbClr val="FF0000"/>
+                          </a:highlight>
+                        </a:rPr>
                         <a:t>Unicode</a:t>
                       </a:r>
                       <a:r>
@@ -11139,8 +11155,16 @@
                         <a:defRPr/>
                       </a:pPr>
                       <a:r>
+                        <a:rPr lang="en-US" altLang="zh-CN" dirty="0">
+                          <a:highlight>
+                            <a:srgbClr val="008000"/>
+                          </a:highlight>
+                        </a:rPr>
+                        <a:t>UTF-8</a:t>
+                      </a:r>
+                      <a:r>
                         <a:rPr lang="en-US" altLang="zh-CN" dirty="0"/>
-                        <a:t>UTF-8 </a:t>
+                        <a:t> </a:t>
                       </a:r>
                       <a:r>
                         <a:rPr lang="zh-CN" altLang="en-US" dirty="0"/>
@@ -11403,7 +11427,7 @@
         <p:spPr>
           <a:xfrm>
             <a:off x="262340" y="2051529"/>
-            <a:ext cx="10178682" cy="2624233"/>
+            <a:ext cx="11203328" cy="1943297"/>
           </a:xfrm>
           <a:solidFill>
             <a:schemeClr val="accent1">
@@ -11455,12 +11479,6 @@
             <a:endParaRPr lang="en-US" altLang="zh-CN" dirty="0"/>
           </a:p>
           <a:p>
-            <a:pPr marL="0" indent="0">
-              <a:buNone/>
-            </a:pPr>
-            <a:endParaRPr lang="en-US" altLang="zh-CN" dirty="0"/>
-          </a:p>
-          <a:p>
             <a:pPr marL="457200" indent="-457200">
               <a:buFont typeface="+mj-ea"/>
               <a:buAutoNum type="circleNumDbPlain"/>
@@ -11529,7 +11547,7 @@
               <a:t>	</a:t>
             </a:r>
             <a:r>
-              <a:rPr lang="en-US" altLang="zh-CN" dirty="0">
+              <a:rPr lang="en-US" altLang="zh-CN" b="1" dirty="0">
                 <a:solidFill>
                   <a:srgbClr val="FF0000"/>
                 </a:solidFill>
@@ -11537,11 +11555,11 @@
               <a:t>0110</a:t>
             </a:r>
             <a:r>
-              <a:rPr lang="en-US" altLang="zh-CN" dirty="0"/>
+              <a:rPr lang="en-US" altLang="zh-CN" b="1" dirty="0"/>
               <a:t>  </a:t>
             </a:r>
             <a:r>
-              <a:rPr lang="en-US" altLang="zh-CN" dirty="0">
+              <a:rPr lang="en-US" altLang="zh-CN" b="1" dirty="0">
                 <a:solidFill>
                   <a:srgbClr val="FFFF00"/>
                 </a:solidFill>
@@ -11549,11 +11567,11 @@
               <a:t>1100</a:t>
             </a:r>
             <a:r>
-              <a:rPr lang="en-US" altLang="zh-CN" dirty="0"/>
+              <a:rPr lang="en-US" altLang="zh-CN" b="1" dirty="0"/>
               <a:t>  </a:t>
             </a:r>
             <a:r>
-              <a:rPr lang="en-US" altLang="zh-CN" dirty="0">
+              <a:rPr lang="en-US" altLang="zh-CN" b="1" dirty="0">
                 <a:solidFill>
                   <a:srgbClr val="FFFF00"/>
                 </a:solidFill>
@@ -11561,7 +11579,7 @@
               <a:t>01</a:t>
             </a:r>
             <a:r>
-              <a:rPr lang="en-US" altLang="zh-CN" dirty="0">
+              <a:rPr lang="en-US" altLang="zh-CN" b="1" dirty="0">
                 <a:solidFill>
                   <a:srgbClr val="00B050"/>
                 </a:solidFill>
@@ -11569,11 +11587,11 @@
               <a:t>00</a:t>
             </a:r>
             <a:r>
-              <a:rPr lang="en-US" altLang="zh-CN" dirty="0"/>
+              <a:rPr lang="en-US" altLang="zh-CN" b="1" dirty="0"/>
               <a:t>  </a:t>
             </a:r>
             <a:r>
-              <a:rPr lang="en-US" altLang="zh-CN" dirty="0">
+              <a:rPr lang="en-US" altLang="zh-CN" b="1" dirty="0">
                 <a:solidFill>
                   <a:srgbClr val="00B050"/>
                 </a:solidFill>
@@ -11581,10 +11599,10 @@
               <a:t>1001</a:t>
             </a:r>
             <a:r>
-              <a:rPr lang="zh-CN" altLang="en-US" dirty="0"/>
+              <a:rPr lang="zh-CN" altLang="en-US" b="1" dirty="0"/>
               <a:t> </a:t>
             </a:r>
-            <a:endParaRPr lang="en-US" altLang="zh-CN" dirty="0"/>
+            <a:endParaRPr lang="en-US" altLang="zh-CN" b="1" dirty="0"/>
           </a:p>
           <a:p>
             <a:pPr marL="457200" indent="-457200">
@@ -11608,7 +11626,7 @@
               <a:t>	</a:t>
             </a:r>
             <a:r>
-              <a:rPr lang="en-US" altLang="zh-CN" dirty="0">
+              <a:rPr lang="en-US" altLang="zh-CN" b="1" dirty="0">
                 <a:solidFill>
                   <a:schemeClr val="bg1"/>
                 </a:solidFill>
@@ -11616,7 +11634,7 @@
               <a:t>1110</a:t>
             </a:r>
             <a:r>
-              <a:rPr lang="en-US" altLang="zh-CN" dirty="0">
+              <a:rPr lang="en-US" altLang="zh-CN" b="1" dirty="0">
                 <a:solidFill>
                   <a:srgbClr val="FF0000"/>
                 </a:solidFill>
@@ -11624,11 +11642,11 @@
               <a:t>0110</a:t>
             </a:r>
             <a:r>
-              <a:rPr lang="en-US" altLang="zh-CN" dirty="0"/>
+              <a:rPr lang="en-US" altLang="zh-CN" b="1" dirty="0"/>
               <a:t>  </a:t>
             </a:r>
             <a:r>
-              <a:rPr lang="en-US" altLang="zh-CN" dirty="0">
+              <a:rPr lang="en-US" altLang="zh-CN" b="1" dirty="0">
                 <a:solidFill>
                   <a:schemeClr val="bg1"/>
                 </a:solidFill>
@@ -11636,7 +11654,7 @@
               <a:t>10</a:t>
             </a:r>
             <a:r>
-              <a:rPr lang="en-US" altLang="zh-CN" dirty="0">
+              <a:rPr lang="en-US" altLang="zh-CN" b="1" dirty="0">
                 <a:solidFill>
                   <a:srgbClr val="FFFF00"/>
                 </a:solidFill>
@@ -11644,11 +11662,11 @@
               <a:t>110001</a:t>
             </a:r>
             <a:r>
-              <a:rPr lang="en-US" altLang="zh-CN" dirty="0"/>
+              <a:rPr lang="en-US" altLang="zh-CN" b="1" dirty="0"/>
               <a:t>  </a:t>
             </a:r>
             <a:r>
-              <a:rPr lang="en-US" altLang="zh-CN" dirty="0">
+              <a:rPr lang="en-US" altLang="zh-CN" b="1" dirty="0">
                 <a:solidFill>
                   <a:schemeClr val="bg1"/>
                 </a:solidFill>
@@ -11656,7 +11674,7 @@
               <a:t>10</a:t>
             </a:r>
             <a:r>
-              <a:rPr lang="en-US" altLang="zh-CN" dirty="0">
+              <a:rPr lang="en-US" altLang="zh-CN" b="1" dirty="0">
                 <a:solidFill>
                   <a:srgbClr val="00B050"/>
                 </a:solidFill>
@@ -11688,8 +11706,8 @@
         </p:nvSpPr>
         <p:spPr>
           <a:xfrm>
-            <a:off x="262340" y="6438896"/>
-            <a:ext cx="6096000" cy="369332"/>
+            <a:off x="210459" y="6510232"/>
+            <a:ext cx="6096000" cy="246221"/>
           </a:xfrm>
           <a:prstGeom prst="rect">
             <a:avLst/>
@@ -11703,10 +11721,10 @@
           <a:lstStyle/>
           <a:p>
             <a:r>
-              <a:rPr lang="en-US" altLang="zh-CN" dirty="0"/>
+              <a:rPr lang="en-US" altLang="zh-CN" sz="1000" dirty="0"/>
               <a:t>http://blog.chinaunix.net/uid-22805258-id-1768945.html</a:t>
             </a:r>
-            <a:endParaRPr lang="zh-CN" altLang="en-US" dirty="0"/>
+            <a:endParaRPr lang="zh-CN" altLang="en-US" sz="1000" dirty="0"/>
           </a:p>
         </p:txBody>
       </p:sp>
@@ -11725,14 +11743,14 @@
           <p:nvPr>
             <p:extLst>
               <p:ext uri="{D42A27DB-BD31-4B8C-83A1-F6EECF244321}">
-                <p14:modId xmlns:p14="http://schemas.microsoft.com/office/powerpoint/2010/main" val="2642895520"/>
+                <p14:modId xmlns:p14="http://schemas.microsoft.com/office/powerpoint/2010/main" val="2381430720"/>
               </p:ext>
             </p:extLst>
           </p:nvPr>
         </p:nvGraphicFramePr>
         <p:xfrm>
-          <a:off x="262340" y="4871529"/>
-          <a:ext cx="5674467" cy="1371600"/>
+          <a:off x="262339" y="4212189"/>
+          <a:ext cx="11203328" cy="2298045"/>
         </p:xfrm>
         <a:graphic>
           <a:graphicData uri="http://schemas.openxmlformats.org/drawingml/2006/table">
@@ -11741,14 +11759,14 @@
                 <a:tableStyleId>{5C22544A-7EE6-4342-B048-85BDC9FD1C3A}</a:tableStyleId>
               </a:tblPr>
               <a:tblGrid>
-                <a:gridCol w="2830923">
+                <a:gridCol w="3622240">
                   <a:extLst>
                     <a:ext uri="{9D8B030D-6E8A-4147-A177-3AD203B41FA5}">
                       <a16:colId xmlns:a16="http://schemas.microsoft.com/office/drawing/2014/main" val="1912257984"/>
                     </a:ext>
                   </a:extLst>
                 </a:gridCol>
-                <a:gridCol w="2843544">
+                <a:gridCol w="7581088">
                   <a:extLst>
                     <a:ext uri="{9D8B030D-6E8A-4147-A177-3AD203B41FA5}">
                       <a16:colId xmlns:a16="http://schemas.microsoft.com/office/drawing/2014/main" val="2279823891"/>
@@ -11756,34 +11774,34 @@
                   </a:extLst>
                 </a:gridCol>
               </a:tblGrid>
-              <a:tr h="208657">
+              <a:tr h="459609">
                 <a:tc>
                   <a:txBody>
                     <a:bodyPr/>
                     <a:lstStyle/>
                     <a:p>
                       <a:r>
-                        <a:rPr lang="en-US" altLang="zh-CN" sz="1200" dirty="0"/>
+                        <a:rPr lang="en-US" altLang="zh-CN" sz="2400" dirty="0"/>
                         <a:t>Unicode</a:t>
                       </a:r>
                       <a:r>
-                        <a:rPr lang="zh-CN" altLang="en-US" sz="1200" dirty="0"/>
+                        <a:rPr lang="zh-CN" altLang="en-US" sz="2400" dirty="0"/>
                         <a:t>编码</a:t>
                       </a:r>
                       <a:r>
-                        <a:rPr lang="en-US" altLang="zh-CN" sz="1200" dirty="0"/>
+                        <a:rPr lang="en-US" altLang="zh-CN" sz="2400" dirty="0"/>
                         <a:t>(16</a:t>
                       </a:r>
                       <a:r>
-                        <a:rPr lang="zh-CN" altLang="en-US" sz="1200" dirty="0"/>
+                        <a:rPr lang="zh-CN" altLang="en-US" sz="2400" dirty="0"/>
                         <a:t>进制</a:t>
                       </a:r>
                       <a:r>
-                        <a:rPr lang="en-US" altLang="zh-CN" sz="1200" dirty="0"/>
+                        <a:rPr lang="en-US" altLang="zh-CN" sz="2400" dirty="0"/>
                         <a:t>)</a:t>
                       </a:r>
                       <a:r>
-                        <a:rPr lang="zh-CN" altLang="en-US" sz="1200" dirty="0"/>
+                        <a:rPr lang="zh-CN" altLang="en-US" sz="2400" dirty="0"/>
                         <a:t>　</a:t>
                       </a:r>
                     </a:p>
@@ -11813,26 +11831,26 @@
                         <a:defRPr/>
                       </a:pPr>
                       <a:r>
-                        <a:rPr lang="en-US" altLang="zh-CN" sz="1200" dirty="0"/>
+                        <a:rPr lang="en-US" altLang="zh-CN" sz="2400" dirty="0"/>
                         <a:t>UTF-8 </a:t>
                       </a:r>
                       <a:r>
-                        <a:rPr lang="zh-CN" altLang="en-US" sz="1200" dirty="0"/>
+                        <a:rPr lang="zh-CN" altLang="en-US" sz="2400" dirty="0"/>
                         <a:t>字节流</a:t>
                       </a:r>
                       <a:r>
-                        <a:rPr lang="en-US" altLang="zh-CN" sz="1200" dirty="0"/>
+                        <a:rPr lang="en-US" altLang="zh-CN" sz="2400" dirty="0"/>
                         <a:t>(</a:t>
                       </a:r>
                       <a:r>
-                        <a:rPr lang="zh-CN" altLang="en-US" sz="1200" dirty="0"/>
+                        <a:rPr lang="zh-CN" altLang="en-US" sz="2400" dirty="0"/>
                         <a:t>二进制</a:t>
                       </a:r>
                       <a:r>
-                        <a:rPr lang="en-US" altLang="zh-CN" sz="1200" dirty="0"/>
+                        <a:rPr lang="en-US" altLang="zh-CN" sz="2400" dirty="0"/>
                         <a:t>)</a:t>
                       </a:r>
-                      <a:endParaRPr lang="zh-CN" altLang="en-US" sz="1200" dirty="0"/>
+                      <a:endParaRPr lang="zh-CN" altLang="en-US" sz="2400" dirty="0"/>
                     </a:p>
                   </a:txBody>
                   <a:tcPr/>
@@ -11843,18 +11861,18 @@
                   </a:ext>
                 </a:extLst>
               </a:tr>
-              <a:tr h="208657">
+              <a:tr h="459609">
                 <a:tc>
                   <a:txBody>
                     <a:bodyPr/>
                     <a:lstStyle/>
                     <a:p>
                       <a:r>
-                        <a:rPr lang="en-US" altLang="zh-CN" sz="1200" dirty="0"/>
+                        <a:rPr lang="en-US" altLang="zh-CN" sz="2400" dirty="0"/>
                         <a:t>000000 - 00007F</a:t>
                       </a:r>
                       <a:r>
-                        <a:rPr lang="zh-CN" altLang="en-US" sz="1200" dirty="0"/>
+                        <a:rPr lang="zh-CN" altLang="en-US" sz="2400" dirty="0"/>
                         <a:t>　</a:t>
                       </a:r>
                     </a:p>
@@ -11867,10 +11885,10 @@
                     <a:lstStyle/>
                     <a:p>
                       <a:r>
-                        <a:rPr lang="en-US" altLang="zh-CN" sz="1200" dirty="0"/>
+                        <a:rPr lang="en-US" altLang="zh-CN" sz="2400" dirty="0"/>
                         <a:t>0xxxxxxx</a:t>
                       </a:r>
-                      <a:endParaRPr lang="zh-CN" altLang="en-US" sz="1200" dirty="0"/>
+                      <a:endParaRPr lang="zh-CN" altLang="en-US" sz="2400" dirty="0"/>
                     </a:p>
                   </a:txBody>
                   <a:tcPr/>
@@ -11881,18 +11899,18 @@
                   </a:ext>
                 </a:extLst>
               </a:tr>
-              <a:tr h="208657">
+              <a:tr h="459609">
                 <a:tc>
                   <a:txBody>
                     <a:bodyPr/>
                     <a:lstStyle/>
                     <a:p>
                       <a:r>
-                        <a:rPr lang="en-US" altLang="zh-CN" sz="1200" dirty="0"/>
+                        <a:rPr lang="en-US" altLang="zh-CN" sz="2400" dirty="0"/>
                         <a:t>000080 - 0007FF</a:t>
                       </a:r>
                       <a:r>
-                        <a:rPr lang="zh-CN" altLang="en-US" sz="1200" dirty="0"/>
+                        <a:rPr lang="zh-CN" altLang="en-US" sz="2400" dirty="0"/>
                         <a:t>　</a:t>
                       </a:r>
                     </a:p>
@@ -11905,10 +11923,10 @@
                     <a:lstStyle/>
                     <a:p>
                       <a:r>
-                        <a:rPr lang="en-US" altLang="zh-CN" sz="1200" dirty="0"/>
+                        <a:rPr lang="en-US" altLang="zh-CN" sz="2400" dirty="0"/>
                         <a:t>110xxxxx 10xxxxxx</a:t>
                       </a:r>
-                      <a:endParaRPr lang="zh-CN" altLang="en-US" sz="1200" dirty="0"/>
+                      <a:endParaRPr lang="zh-CN" altLang="en-US" sz="2400" dirty="0"/>
                     </a:p>
                   </a:txBody>
                   <a:tcPr/>
@@ -11919,18 +11937,112 @@
                   </a:ext>
                 </a:extLst>
               </a:tr>
-              <a:tr h="208657">
+              <a:tr h="459609">
                 <a:tc>
                   <a:txBody>
                     <a:bodyPr/>
                     <a:lstStyle/>
                     <a:p>
                       <a:r>
-                        <a:rPr lang="en-US" altLang="zh-CN" sz="1200" dirty="0"/>
+                        <a:rPr lang="en-US" altLang="zh-CN" sz="2400" dirty="0">
+                          <a:solidFill>
+                            <a:schemeClr val="tx1"/>
+                          </a:solidFill>
+                        </a:rPr>
                         <a:t>000800 - 00FFFF</a:t>
                       </a:r>
                       <a:r>
-                        <a:rPr lang="zh-CN" altLang="en-US" sz="1200" dirty="0"/>
+                        <a:rPr lang="zh-CN" altLang="en-US" sz="2400" dirty="0">
+                          <a:solidFill>
+                            <a:schemeClr val="tx1"/>
+                          </a:solidFill>
+                        </a:rPr>
+                        <a:t>　</a:t>
+                      </a:r>
+                    </a:p>
+                  </a:txBody>
+                  <a:tcPr>
+                    <a:solidFill>
+                      <a:schemeClr val="accent1">
+                        <a:lumMod val="50000"/>
+                      </a:schemeClr>
+                    </a:solidFill>
+                  </a:tcPr>
+                </a:tc>
+                <a:tc>
+                  <a:txBody>
+                    <a:bodyPr/>
+                    <a:lstStyle/>
+                    <a:p>
+                      <a:r>
+                        <a:rPr lang="en-US" altLang="zh-CN" sz="2400" dirty="0"/>
+                        <a:t>1110</a:t>
+                      </a:r>
+                      <a:r>
+                        <a:rPr lang="en-US" altLang="zh-CN" sz="2400" b="1" dirty="0">
+                          <a:solidFill>
+                            <a:srgbClr val="FF0000"/>
+                          </a:solidFill>
+                        </a:rPr>
+                        <a:t>xxxx</a:t>
+                      </a:r>
+                      <a:r>
+                        <a:rPr lang="en-US" altLang="zh-CN" sz="2400" dirty="0"/>
+                        <a:t> 10</a:t>
+                      </a:r>
+                      <a:r>
+                        <a:rPr lang="en-US" altLang="zh-CN" sz="2400" b="1" dirty="0">
+                          <a:solidFill>
+                            <a:srgbClr val="FFFF00"/>
+                          </a:solidFill>
+                        </a:rPr>
+                        <a:t>xxxxxx</a:t>
+                      </a:r>
+                      <a:r>
+                        <a:rPr lang="en-US" altLang="zh-CN" sz="2400" dirty="0"/>
+                        <a:t> 10</a:t>
+                      </a:r>
+                      <a:r>
+                        <a:rPr lang="en-US" altLang="zh-CN" sz="2400" b="1" dirty="0">
+                          <a:solidFill>
+                            <a:srgbClr val="00B050"/>
+                          </a:solidFill>
+                        </a:rPr>
+                        <a:t>xxxxxx</a:t>
+                      </a:r>
+                      <a:endParaRPr lang="zh-CN" altLang="en-US" sz="2400" b="1" dirty="0">
+                        <a:solidFill>
+                          <a:srgbClr val="00B050"/>
+                        </a:solidFill>
+                      </a:endParaRPr>
+                    </a:p>
+                  </a:txBody>
+                  <a:tcPr>
+                    <a:solidFill>
+                      <a:schemeClr val="accent1">
+                        <a:lumMod val="50000"/>
+                      </a:schemeClr>
+                    </a:solidFill>
+                  </a:tcPr>
+                </a:tc>
+                <a:extLst>
+                  <a:ext uri="{0D108BD9-81ED-4DB2-BD59-A6C34878D82A}">
+                    <a16:rowId xmlns:a16="http://schemas.microsoft.com/office/drawing/2014/main" val="1953414862"/>
+                  </a:ext>
+                </a:extLst>
+              </a:tr>
+              <a:tr h="459609">
+                <a:tc>
+                  <a:txBody>
+                    <a:bodyPr/>
+                    <a:lstStyle/>
+                    <a:p>
+                      <a:r>
+                        <a:rPr lang="en-US" altLang="zh-CN" sz="2400" dirty="0"/>
+                        <a:t>010000 - 10FFFF</a:t>
+                      </a:r>
+                      <a:r>
+                        <a:rPr lang="zh-CN" altLang="en-US" sz="2400" dirty="0"/>
                         <a:t>　</a:t>
                       </a:r>
                     </a:p>
@@ -11943,48 +12055,10 @@
                     <a:lstStyle/>
                     <a:p>
                       <a:r>
-                        <a:rPr lang="en-US" altLang="zh-CN" sz="1200" dirty="0"/>
-                        <a:t>1110xxxx 10xxxxxx 10xxxxxx</a:t>
-                      </a:r>
-                      <a:endParaRPr lang="zh-CN" altLang="en-US" sz="1200" dirty="0"/>
-                    </a:p>
-                  </a:txBody>
-                  <a:tcPr/>
-                </a:tc>
-                <a:extLst>
-                  <a:ext uri="{0D108BD9-81ED-4DB2-BD59-A6C34878D82A}">
-                    <a16:rowId xmlns:a16="http://schemas.microsoft.com/office/drawing/2014/main" val="1953414862"/>
-                  </a:ext>
-                </a:extLst>
-              </a:tr>
-              <a:tr h="208657">
-                <a:tc>
-                  <a:txBody>
-                    <a:bodyPr/>
-                    <a:lstStyle/>
-                    <a:p>
-                      <a:r>
-                        <a:rPr lang="en-US" altLang="zh-CN" sz="1200" dirty="0"/>
-                        <a:t>010000 - 10FFFF</a:t>
-                      </a:r>
-                      <a:r>
-                        <a:rPr lang="zh-CN" altLang="en-US" sz="1200" dirty="0"/>
-                        <a:t>　</a:t>
-                      </a:r>
-                    </a:p>
-                  </a:txBody>
-                  <a:tcPr/>
-                </a:tc>
-                <a:tc>
-                  <a:txBody>
-                    <a:bodyPr/>
-                    <a:lstStyle/>
-                    <a:p>
-                      <a:r>
-                        <a:rPr lang="en-US" altLang="zh-CN" sz="1200" dirty="0"/>
+                        <a:rPr lang="en-US" altLang="zh-CN" sz="2400" dirty="0"/>
                         <a:t>11110xxx 10xxxxxx 10xxxxxx 10xxxxxx</a:t>
                       </a:r>
-                      <a:endParaRPr lang="zh-CN" altLang="en-US" sz="1200" dirty="0"/>
+                      <a:endParaRPr lang="zh-CN" altLang="en-US" sz="2400" dirty="0"/>
                     </a:p>
                   </a:txBody>
                   <a:tcPr/>
@@ -12234,18 +12308,38 @@
             </a:r>
             <a:r>
               <a:rPr lang="zh-CN" altLang="en-US" sz="1000" dirty="0"/>
-              <a:t>（不足</a:t>
-            </a:r>
-            <a:r>
-              <a:rPr lang="en-US" altLang="zh-CN" sz="1000" dirty="0"/>
+              <a:t>（</a:t>
+            </a:r>
+            <a:r>
+              <a:rPr lang="zh-CN" altLang="en-US" sz="1000" b="1" dirty="0">
+                <a:highlight>
+                  <a:srgbClr val="008000"/>
+                </a:highlight>
+              </a:rPr>
+              <a:t>不足</a:t>
+            </a:r>
+            <a:r>
+              <a:rPr lang="en-US" altLang="zh-CN" sz="1000" b="1" dirty="0">
+                <a:highlight>
+                  <a:srgbClr val="008000"/>
+                </a:highlight>
+              </a:rPr>
               <a:t>21</a:t>
             </a:r>
             <a:r>
-              <a:rPr lang="zh-CN" altLang="en-US" sz="1000" dirty="0"/>
+              <a:rPr lang="zh-CN" altLang="en-US" sz="1000" b="1" dirty="0">
+                <a:highlight>
+                  <a:srgbClr val="008000"/>
+                </a:highlight>
+              </a:rPr>
               <a:t>位就在前面补</a:t>
             </a:r>
             <a:r>
-              <a:rPr lang="en-US" altLang="zh-CN" sz="1000" dirty="0"/>
+              <a:rPr lang="en-US" altLang="zh-CN" sz="1000" b="1" dirty="0">
+                <a:highlight>
+                  <a:srgbClr val="008000"/>
+                </a:highlight>
+              </a:rPr>
               <a:t>0</a:t>
             </a:r>
             <a:r>
@@ -12257,7 +12351,7 @@
               <a:t>：</a:t>
             </a:r>
             <a:r>
-              <a:rPr lang="en-US" altLang="zh-CN" dirty="0">
+              <a:rPr lang="en-US" altLang="zh-CN" b="1" dirty="0">
                 <a:solidFill>
                   <a:srgbClr val="FF0000"/>
                 </a:solidFill>
@@ -12265,11 +12359,11 @@
               <a:t>0</a:t>
             </a:r>
             <a:r>
-              <a:rPr lang="en-US" altLang="zh-CN" dirty="0"/>
+              <a:rPr lang="en-US" altLang="zh-CN" b="1" dirty="0"/>
               <a:t>  </a:t>
             </a:r>
             <a:r>
-              <a:rPr lang="en-US" altLang="zh-CN" dirty="0">
+              <a:rPr lang="en-US" altLang="zh-CN" b="1" dirty="0">
                 <a:solidFill>
                   <a:srgbClr val="FF0000"/>
                 </a:solidFill>
@@ -12277,7 +12371,7 @@
               <a:t>00</a:t>
             </a:r>
             <a:r>
-              <a:rPr lang="en-US" altLang="zh-CN" dirty="0">
+              <a:rPr lang="en-US" altLang="zh-CN" b="1" dirty="0">
                 <a:solidFill>
                   <a:srgbClr val="FFFF00"/>
                 </a:solidFill>
@@ -12285,11 +12379,11 @@
               <a:t>10</a:t>
             </a:r>
             <a:r>
-              <a:rPr lang="en-US" altLang="zh-CN" dirty="0"/>
+              <a:rPr lang="en-US" altLang="zh-CN" b="1" dirty="0"/>
               <a:t>  </a:t>
             </a:r>
             <a:r>
-              <a:rPr lang="en-US" altLang="zh-CN" dirty="0">
+              <a:rPr lang="en-US" altLang="zh-CN" b="1" dirty="0">
                 <a:solidFill>
                   <a:srgbClr val="FFFF00"/>
                 </a:solidFill>
@@ -12297,11 +12391,11 @@
               <a:t>0000</a:t>
             </a:r>
             <a:r>
-              <a:rPr lang="en-US" altLang="zh-CN" dirty="0"/>
+              <a:rPr lang="en-US" altLang="zh-CN" b="1" dirty="0"/>
               <a:t>  </a:t>
             </a:r>
             <a:r>
-              <a:rPr lang="en-US" altLang="zh-CN" dirty="0">
+              <a:rPr lang="en-US" altLang="zh-CN" b="1" dirty="0">
                 <a:solidFill>
                   <a:srgbClr val="92D050"/>
                 </a:solidFill>
@@ -12309,11 +12403,11 @@
               <a:t>1100</a:t>
             </a:r>
             <a:r>
-              <a:rPr lang="en-US" altLang="zh-CN" dirty="0"/>
+              <a:rPr lang="en-US" altLang="zh-CN" b="1" dirty="0"/>
               <a:t>  </a:t>
             </a:r>
             <a:r>
-              <a:rPr lang="en-US" altLang="zh-CN" dirty="0">
+              <a:rPr lang="en-US" altLang="zh-CN" b="1" dirty="0">
                 <a:solidFill>
                   <a:srgbClr val="92D050"/>
                 </a:solidFill>
@@ -12321,7 +12415,7 @@
               <a:t>00</a:t>
             </a:r>
             <a:r>
-              <a:rPr lang="en-US" altLang="zh-CN" dirty="0">
+              <a:rPr lang="en-US" altLang="zh-CN" b="1" dirty="0">
                 <a:solidFill>
                   <a:srgbClr val="00B0F0"/>
                 </a:solidFill>
@@ -12329,11 +12423,11 @@
               <a:t>11</a:t>
             </a:r>
             <a:r>
-              <a:rPr lang="en-US" altLang="zh-CN" dirty="0"/>
+              <a:rPr lang="en-US" altLang="zh-CN" b="1" dirty="0"/>
               <a:t>  </a:t>
             </a:r>
             <a:r>
-              <a:rPr lang="en-US" altLang="zh-CN" dirty="0">
+              <a:rPr lang="en-US" altLang="zh-CN" b="1" dirty="0">
                 <a:solidFill>
                   <a:srgbClr val="00B0F0"/>
                 </a:solidFill>
@@ -12370,10 +12464,18 @@
                   <a:schemeClr val="bg1"/>
                 </a:solidFill>
               </a:rPr>
-              <a:t>      11110</a:t>
-            </a:r>
-            <a:r>
-              <a:rPr lang="en-US" altLang="zh-CN" dirty="0">
+              <a:t>      </a:t>
+            </a:r>
+            <a:r>
+              <a:rPr lang="en-US" altLang="zh-CN" b="1" dirty="0">
+                <a:solidFill>
+                  <a:schemeClr val="bg1"/>
+                </a:solidFill>
+              </a:rPr>
+              <a:t>11110</a:t>
+            </a:r>
+            <a:r>
+              <a:rPr lang="en-US" altLang="zh-CN" b="1" dirty="0">
                 <a:solidFill>
                   <a:srgbClr val="FF0000"/>
                 </a:solidFill>
@@ -12381,11 +12483,11 @@
               <a:t>000</a:t>
             </a:r>
             <a:r>
-              <a:rPr lang="en-US" altLang="zh-CN" dirty="0"/>
+              <a:rPr lang="en-US" altLang="zh-CN" b="1" dirty="0"/>
               <a:t> </a:t>
             </a:r>
             <a:r>
-              <a:rPr lang="en-US" altLang="zh-CN" dirty="0">
+              <a:rPr lang="en-US" altLang="zh-CN" b="1" dirty="0">
                 <a:solidFill>
                   <a:schemeClr val="bg1"/>
                 </a:solidFill>
@@ -12393,7 +12495,7 @@
               <a:t>10</a:t>
             </a:r>
             <a:r>
-              <a:rPr lang="en-US" altLang="zh-CN" dirty="0">
+              <a:rPr lang="en-US" altLang="zh-CN" b="1" dirty="0">
                 <a:solidFill>
                   <a:srgbClr val="FFFF00"/>
                 </a:solidFill>
@@ -12401,11 +12503,11 @@
               <a:t>100000</a:t>
             </a:r>
             <a:r>
-              <a:rPr lang="en-US" altLang="zh-CN" dirty="0"/>
+              <a:rPr lang="en-US" altLang="zh-CN" b="1" dirty="0"/>
               <a:t> </a:t>
             </a:r>
             <a:r>
-              <a:rPr lang="en-US" altLang="zh-CN" dirty="0">
+              <a:rPr lang="en-US" altLang="zh-CN" b="1" dirty="0">
                 <a:solidFill>
                   <a:schemeClr val="bg1"/>
                 </a:solidFill>
@@ -12413,7 +12515,7 @@
               <a:t>10</a:t>
             </a:r>
             <a:r>
-              <a:rPr lang="en-US" altLang="zh-CN" dirty="0">
+              <a:rPr lang="en-US" altLang="zh-CN" b="1" dirty="0">
                 <a:solidFill>
                   <a:srgbClr val="92D050"/>
                 </a:solidFill>
@@ -12421,11 +12523,11 @@
               <a:t>110000</a:t>
             </a:r>
             <a:r>
-              <a:rPr lang="en-US" altLang="zh-CN" dirty="0"/>
+              <a:rPr lang="en-US" altLang="zh-CN" b="1" dirty="0"/>
               <a:t> </a:t>
             </a:r>
             <a:r>
-              <a:rPr lang="en-US" altLang="zh-CN" dirty="0">
+              <a:rPr lang="en-US" altLang="zh-CN" b="1" dirty="0">
                 <a:solidFill>
                   <a:schemeClr val="bg1"/>
                 </a:solidFill>
@@ -12433,7 +12535,7 @@
               <a:t>10</a:t>
             </a:r>
             <a:r>
-              <a:rPr lang="en-US" altLang="zh-CN" dirty="0">
+              <a:rPr lang="en-US" altLang="zh-CN" b="1" dirty="0">
                 <a:solidFill>
                   <a:srgbClr val="00B0F0"/>
                 </a:solidFill>
@@ -12506,7 +12608,7 @@
           <p:nvPr>
             <p:extLst>
               <p:ext uri="{D42A27DB-BD31-4B8C-83A1-F6EECF244321}">
-                <p14:modId xmlns:p14="http://schemas.microsoft.com/office/powerpoint/2010/main" val="324515351"/>
+                <p14:modId xmlns:p14="http://schemas.microsoft.com/office/powerpoint/2010/main" val="2737496880"/>
               </p:ext>
             </p:extLst>
           </p:nvPr>
@@ -12745,16 +12847,30 @@
                     <a:lstStyle/>
                     <a:p>
                       <a:r>
-                        <a:rPr lang="en-US" altLang="zh-CN" sz="1200" dirty="0"/>
+                        <a:rPr lang="en-US" altLang="zh-CN" sz="1200" dirty="0">
+                          <a:solidFill>
+                            <a:schemeClr val="tx1"/>
+                          </a:solidFill>
+                        </a:rPr>
                         <a:t>010000 - 10FFFF</a:t>
                       </a:r>
                       <a:r>
-                        <a:rPr lang="zh-CN" altLang="en-US" sz="1200" dirty="0"/>
+                        <a:rPr lang="zh-CN" altLang="en-US" sz="1200" dirty="0">
+                          <a:solidFill>
+                            <a:schemeClr val="tx1"/>
+                          </a:solidFill>
+                        </a:rPr>
                         <a:t>　</a:t>
                       </a:r>
                     </a:p>
                   </a:txBody>
-                  <a:tcPr/>
+                  <a:tcPr>
+                    <a:solidFill>
+                      <a:schemeClr val="accent1">
+                        <a:lumMod val="50000"/>
+                      </a:schemeClr>
+                    </a:solidFill>
+                  </a:tcPr>
                 </a:tc>
                 <a:tc>
                   <a:txBody>
@@ -12762,13 +12878,27 @@
                     <a:lstStyle/>
                     <a:p>
                       <a:r>
-                        <a:rPr lang="en-US" altLang="zh-CN" sz="1200" dirty="0"/>
+                        <a:rPr lang="en-US" altLang="zh-CN" sz="1200" dirty="0">
+                          <a:solidFill>
+                            <a:schemeClr val="tx1"/>
+                          </a:solidFill>
+                        </a:rPr>
                         <a:t>11110xxx 10xxxxxx 10xxxxxx 10xxxxxx</a:t>
                       </a:r>
-                      <a:endParaRPr lang="zh-CN" altLang="en-US" sz="1200" dirty="0"/>
+                      <a:endParaRPr lang="zh-CN" altLang="en-US" sz="1200" dirty="0">
+                        <a:solidFill>
+                          <a:schemeClr val="tx1"/>
+                        </a:solidFill>
+                      </a:endParaRPr>
                     </a:p>
                   </a:txBody>
-                  <a:tcPr/>
+                  <a:tcPr>
+                    <a:solidFill>
+                      <a:schemeClr val="accent1">
+                        <a:lumMod val="50000"/>
+                      </a:schemeClr>
+                    </a:solidFill>
+                  </a:tcPr>
                 </a:tc>
                 <a:extLst>
                   <a:ext uri="{0D108BD9-81ED-4DB2-BD59-A6C34878D82A}">
@@ -13191,8 +13321,8 @@
         </p:blipFill>
         <p:spPr>
           <a:xfrm>
-            <a:off x="6551474" y="2342724"/>
-            <a:ext cx="4633362" cy="4221846"/>
+            <a:off x="6968840" y="2342724"/>
+            <a:ext cx="3872286" cy="3528366"/>
           </a:xfrm>
           <a:prstGeom prst="rect">
             <a:avLst/>
@@ -13283,6 +13413,10 @@
           </p:nvPr>
         </p:nvSpPr>
         <p:spPr>
+          <a:xfrm>
+            <a:off x="680321" y="2875137"/>
+            <a:ext cx="9613861" cy="2686962"/>
+          </a:xfrm>
           <a:solidFill>
             <a:schemeClr val="accent1">
               <a:lumMod val="50000"/>
@@ -15577,7 +15711,7 @@
               <a:buNone/>
             </a:pPr>
             <a:r>
-              <a:rPr lang="zh-CN" altLang="en-US" dirty="0">
+              <a:rPr lang="zh-CN" altLang="en-US" b="1" dirty="0">
                 <a:solidFill>
                   <a:srgbClr val="FF0000"/>
                 </a:solidFill>
@@ -15589,7 +15723,19 @@
             </a:r>
             <a:r>
               <a:rPr lang="zh-CN" altLang="en-US" dirty="0"/>
-              <a:t>指的是词汇共同出现的倾向性。</a:t>
+              <a:t>指的是</a:t>
+            </a:r>
+            <a:r>
+              <a:rPr lang="zh-CN" altLang="en-US" dirty="0">
+                <a:highlight>
+                  <a:srgbClr val="008000"/>
+                </a:highlight>
+              </a:rPr>
+              <a:t>词汇共同出现的倾向性</a:t>
+            </a:r>
+            <a:r>
+              <a:rPr lang="zh-CN" altLang="en-US" dirty="0"/>
+              <a:t>。</a:t>
             </a:r>
             <a:endParaRPr lang="en-US" altLang="zh-CN" dirty="0"/>
           </a:p>
@@ -16343,7 +16489,7 @@
         </p:nvSpPr>
         <p:spPr>
           <a:xfrm>
-            <a:off x="628440" y="2804439"/>
+            <a:off x="680321" y="2382907"/>
             <a:ext cx="3904649" cy="3599316"/>
           </a:xfrm>
           <a:solidFill>
@@ -16476,8 +16622,8 @@
         </p:blipFill>
         <p:spPr>
           <a:xfrm>
-            <a:off x="5285362" y="619429"/>
-            <a:ext cx="6226317" cy="5784326"/>
+            <a:off x="5363800" y="2382907"/>
+            <a:ext cx="3874346" cy="3599316"/>
           </a:xfrm>
           <a:prstGeom prst="rect">
             <a:avLst/>
@@ -16565,7 +16711,7 @@
         </p:nvSpPr>
         <p:spPr>
           <a:xfrm>
-            <a:off x="446858" y="3026310"/>
+            <a:off x="544135" y="2325919"/>
             <a:ext cx="3710096" cy="3599316"/>
           </a:xfrm>
           <a:solidFill>
@@ -16701,8 +16847,8 @@
         </p:blipFill>
         <p:spPr>
           <a:xfrm>
-            <a:off x="4746618" y="921811"/>
-            <a:ext cx="7348105" cy="5703815"/>
+            <a:off x="4817955" y="2325919"/>
+            <a:ext cx="4636923" cy="3599316"/>
           </a:xfrm>
           <a:prstGeom prst="rect">
             <a:avLst/>
@@ -17442,7 +17588,7 @@
             </a:pPr>
             <a:r>
               <a:rPr lang="zh-CN" altLang="en-US" dirty="0"/>
-              <a:t>全称</a:t>
+              <a:t>全称：</a:t>
             </a:r>
             <a:r>
               <a:rPr lang="en-US" altLang="zh-CN" dirty="0"/>
@@ -17830,7 +17976,7 @@
         </p:nvSpPr>
         <p:spPr>
           <a:xfrm>
-            <a:off x="173195" y="2257438"/>
+            <a:off x="173195" y="2239569"/>
             <a:ext cx="4548768" cy="461665"/>
           </a:xfrm>
           <a:prstGeom prst="rect">
@@ -18526,7 +18672,9 @@
             <a:avLst/>
           </a:prstGeom>
           <a:solidFill>
-            <a:srgbClr val="E9EBF5"/>
+            <a:schemeClr val="accent1">
+              <a:lumMod val="50000"/>
+            </a:schemeClr>
           </a:solidFill>
         </p:spPr>
         <p:txBody>
@@ -18536,46 +18684,27 @@
           <a:lstStyle/>
           <a:p>
             <a:r>
+              <a:rPr lang="zh-CN" altLang="en-US" sz="2000" b="1" dirty="0"/>
+              <a:t>国务院关于公布</a:t>
+            </a:r>
+            <a:r>
+              <a:rPr lang="en-US" altLang="zh-CN" sz="2000" b="1" dirty="0"/>
+              <a:t>《</a:t>
+            </a:r>
+            <a:r>
               <a:rPr lang="zh-CN" altLang="en-US" sz="2000" b="1" dirty="0">
-                <a:solidFill>
-                  <a:schemeClr val="bg1"/>
-                </a:solidFill>
-              </a:rPr>
-              <a:t>国务院关于公布</a:t>
-            </a:r>
-            <a:r>
-              <a:rPr lang="en-US" altLang="zh-CN" sz="2000" b="1" dirty="0">
-                <a:solidFill>
-                  <a:schemeClr val="bg1"/>
-                </a:solidFill>
-              </a:rPr>
-              <a:t>《</a:t>
-            </a:r>
-            <a:r>
-              <a:rPr lang="zh-CN" altLang="en-US" sz="2000" b="1" dirty="0">
-                <a:solidFill>
-                  <a:schemeClr val="bg1"/>
-                </a:solidFill>
                 <a:highlight>
-                  <a:srgbClr val="FFFF00"/>
+                  <a:srgbClr val="008000"/>
                 </a:highlight>
               </a:rPr>
               <a:t>通用规范汉字表</a:t>
             </a:r>
             <a:r>
-              <a:rPr lang="en-US" altLang="zh-CN" sz="2000" b="1" dirty="0">
-                <a:solidFill>
-                  <a:schemeClr val="bg1"/>
-                </a:solidFill>
-              </a:rPr>
+              <a:rPr lang="en-US" altLang="zh-CN" sz="2000" b="1" dirty="0"/>
               <a:t>》</a:t>
             </a:r>
             <a:r>
-              <a:rPr lang="zh-CN" altLang="en-US" sz="2000" b="1" dirty="0">
-                <a:solidFill>
-                  <a:schemeClr val="bg1"/>
-                </a:solidFill>
-              </a:rPr>
+              <a:rPr lang="zh-CN" altLang="en-US" sz="2000" b="1" dirty="0"/>
               <a:t>的通知</a:t>
             </a:r>
           </a:p>
@@ -18638,7 +18767,9 @@
             <a:avLst/>
           </a:prstGeom>
           <a:solidFill>
-            <a:srgbClr val="E9EBF5"/>
+            <a:schemeClr val="accent1">
+              <a:lumMod val="50000"/>
+            </a:schemeClr>
           </a:solidFill>
         </p:spPr>
         <p:txBody>
@@ -18648,34 +18779,18 @@
           <a:lstStyle/>
           <a:p>
             <a:r>
-              <a:rPr lang="zh-CN" altLang="en-US" dirty="0">
-                <a:solidFill>
-                  <a:schemeClr val="bg1"/>
-                </a:solidFill>
-              </a:rPr>
+              <a:rPr lang="zh-CN" altLang="en-US" dirty="0"/>
               <a:t>共收字</a:t>
             </a:r>
             <a:r>
-              <a:rPr lang="en-US" altLang="zh-CN" dirty="0">
-                <a:solidFill>
-                  <a:schemeClr val="bg1"/>
-                </a:solidFill>
-              </a:rPr>
+              <a:rPr lang="en-US" altLang="zh-CN" dirty="0"/>
               <a:t>8105</a:t>
             </a:r>
             <a:r>
-              <a:rPr lang="zh-CN" altLang="en-US" dirty="0">
-                <a:solidFill>
-                  <a:schemeClr val="bg1"/>
-                </a:solidFill>
-              </a:rPr>
+              <a:rPr lang="zh-CN" altLang="en-US" dirty="0"/>
               <a:t>个，分为三级。</a:t>
             </a:r>
-            <a:endParaRPr lang="en-US" altLang="zh-CN" dirty="0">
-              <a:solidFill>
-                <a:schemeClr val="bg1"/>
-              </a:solidFill>
-            </a:endParaRPr>
+            <a:endParaRPr lang="en-US" altLang="zh-CN" dirty="0"/>
           </a:p>
           <a:p>
             <a:endParaRPr lang="zh-CN" altLang="en-US" dirty="0">
@@ -18735,18 +18850,10 @@
               <a:buChar char="•"/>
             </a:pPr>
             <a:r>
-              <a:rPr lang="zh-CN" altLang="en-US" sz="1200" dirty="0">
-                <a:solidFill>
-                  <a:schemeClr val="bg1"/>
-                </a:solidFill>
-              </a:rPr>
+              <a:rPr lang="zh-CN" altLang="en-US" sz="1200" dirty="0"/>
               <a:t>常用字集</a:t>
             </a:r>
-            <a:endParaRPr lang="en-US" altLang="zh-CN" sz="1200" dirty="0">
-              <a:solidFill>
-                <a:schemeClr val="bg1"/>
-              </a:solidFill>
-            </a:endParaRPr>
+            <a:endParaRPr lang="en-US" altLang="zh-CN" sz="1200" dirty="0"/>
           </a:p>
           <a:p>
             <a:pPr marL="171450" indent="-171450">
@@ -18754,18 +18861,10 @@
               <a:buChar char="•"/>
             </a:pPr>
             <a:r>
-              <a:rPr lang="zh-CN" altLang="en-US" sz="1200" dirty="0">
-                <a:solidFill>
-                  <a:schemeClr val="bg1"/>
-                </a:solidFill>
-              </a:rPr>
+              <a:rPr lang="zh-CN" altLang="en-US" sz="1200" dirty="0"/>
               <a:t>主要满足基础教育和文化普及的基本用字需要</a:t>
             </a:r>
-            <a:endParaRPr lang="en-US" altLang="zh-CN" sz="1200" dirty="0">
-              <a:solidFill>
-                <a:schemeClr val="bg1"/>
-              </a:solidFill>
-            </a:endParaRPr>
+            <a:endParaRPr lang="en-US" altLang="zh-CN" sz="1200" dirty="0"/>
           </a:p>
           <a:p>
             <a:endParaRPr lang="en-US" altLang="zh-CN" dirty="0">
@@ -18825,18 +18924,10 @@
               <a:buChar char="•"/>
             </a:pPr>
             <a:r>
-              <a:rPr lang="zh-CN" altLang="en-US" sz="1200" dirty="0">
-                <a:solidFill>
-                  <a:schemeClr val="bg1"/>
-                </a:solidFill>
-              </a:rPr>
+              <a:rPr lang="zh-CN" altLang="en-US" sz="1200" dirty="0"/>
               <a:t>使用度仅次于一级字</a:t>
             </a:r>
-            <a:endParaRPr lang="en-US" altLang="zh-CN" sz="1200" dirty="0">
-              <a:solidFill>
-                <a:schemeClr val="bg1"/>
-              </a:solidFill>
-            </a:endParaRPr>
+            <a:endParaRPr lang="en-US" altLang="zh-CN" sz="1200" dirty="0"/>
           </a:p>
           <a:p>
             <a:pPr marL="171450" indent="-171450">
@@ -18844,25 +18935,13 @@
               <a:buChar char="•"/>
             </a:pPr>
             <a:r>
-              <a:rPr lang="zh-CN" altLang="en-US" sz="1200" dirty="0">
-                <a:solidFill>
-                  <a:schemeClr val="bg1"/>
-                </a:solidFill>
-              </a:rPr>
+              <a:rPr lang="zh-CN" altLang="en-US" sz="1200" dirty="0"/>
               <a:t>一、二级字表主要满足出版印刷、辞书编纂和信息处理等方面的一般用字需要</a:t>
             </a:r>
-            <a:endParaRPr lang="en-US" altLang="zh-CN" sz="1200" dirty="0">
-              <a:solidFill>
-                <a:schemeClr val="bg1"/>
-              </a:solidFill>
-            </a:endParaRPr>
-          </a:p>
-          <a:p>
-            <a:endParaRPr lang="zh-CN" altLang="en-US" dirty="0">
-              <a:solidFill>
-                <a:schemeClr val="bg1"/>
-              </a:solidFill>
-            </a:endParaRPr>
+            <a:endParaRPr lang="en-US" altLang="zh-CN" sz="1200" dirty="0"/>
+          </a:p>
+          <a:p>
+            <a:endParaRPr lang="zh-CN" altLang="en-US" dirty="0"/>
           </a:p>
           <a:p>
             <a:r>
@@ -18912,18 +18991,10 @@
               <a:buChar char="•"/>
             </a:pPr>
             <a:r>
-              <a:rPr lang="zh-CN" altLang="en-US" sz="1200" dirty="0">
-                <a:solidFill>
-                  <a:schemeClr val="bg1"/>
-                </a:solidFill>
-              </a:rPr>
+              <a:rPr lang="zh-CN" altLang="en-US" sz="1200" dirty="0"/>
               <a:t>姓氏人名、地名、科学技术术语</a:t>
             </a:r>
-            <a:endParaRPr lang="en-US" altLang="zh-CN" sz="1200" dirty="0">
-              <a:solidFill>
-                <a:schemeClr val="bg1"/>
-              </a:solidFill>
-            </a:endParaRPr>
+            <a:endParaRPr lang="en-US" altLang="zh-CN" sz="1200" dirty="0"/>
           </a:p>
           <a:p>
             <a:pPr marL="171450" indent="-171450">
@@ -18931,18 +19002,10 @@
               <a:buChar char="•"/>
             </a:pPr>
             <a:r>
-              <a:rPr lang="zh-CN" altLang="en-US" sz="1200" dirty="0">
-                <a:solidFill>
-                  <a:schemeClr val="bg1"/>
-                </a:solidFill>
-              </a:rPr>
+              <a:rPr lang="zh-CN" altLang="en-US" sz="1200" dirty="0"/>
               <a:t>中小学语文教材文言文用字中未进入一、二级字表的较通用的字</a:t>
             </a:r>
-            <a:endParaRPr lang="en-US" altLang="zh-CN" sz="1200" dirty="0">
-              <a:solidFill>
-                <a:schemeClr val="bg1"/>
-              </a:solidFill>
-            </a:endParaRPr>
+            <a:endParaRPr lang="en-US" altLang="zh-CN" sz="1200" dirty="0"/>
           </a:p>
           <a:p>
             <a:pPr marL="171450" indent="-171450">
@@ -18950,11 +19013,7 @@
               <a:buChar char="•"/>
             </a:pPr>
             <a:r>
-              <a:rPr lang="zh-CN" altLang="en-US" sz="1200" dirty="0">
-                <a:solidFill>
-                  <a:schemeClr val="bg1"/>
-                </a:solidFill>
-              </a:rPr>
+              <a:rPr lang="zh-CN" altLang="en-US" sz="1200" dirty="0"/>
               <a:t>主要满足信息化时代与大众生活密切相关的专门领域的用字需要</a:t>
             </a:r>
           </a:p>
@@ -18989,51 +19048,27 @@
           <a:lstStyle/>
           <a:p>
             <a:r>
-              <a:rPr lang="en-US" altLang="zh-CN" sz="1100" dirty="0">
-                <a:solidFill>
-                  <a:schemeClr val="bg1"/>
-                </a:solidFill>
-              </a:rPr>
+              <a:rPr lang="en-US" altLang="zh-CN" sz="1100" dirty="0"/>
               <a:t>2013</a:t>
             </a:r>
             <a:r>
-              <a:rPr lang="zh-CN" altLang="en-US" sz="1100" dirty="0">
-                <a:solidFill>
-                  <a:schemeClr val="bg1"/>
-                </a:solidFill>
-              </a:rPr>
+              <a:rPr lang="zh-CN" altLang="en-US" sz="1100" dirty="0"/>
               <a:t>年</a:t>
             </a:r>
             <a:r>
-              <a:rPr lang="en-US" altLang="zh-CN" sz="1100" dirty="0">
-                <a:solidFill>
-                  <a:schemeClr val="bg1"/>
-                </a:solidFill>
-              </a:rPr>
+              <a:rPr lang="en-US" altLang="zh-CN" sz="1100" dirty="0"/>
               <a:t>6</a:t>
             </a:r>
             <a:r>
-              <a:rPr lang="zh-CN" altLang="en-US" sz="1100" dirty="0">
-                <a:solidFill>
-                  <a:schemeClr val="bg1"/>
-                </a:solidFill>
-              </a:rPr>
+              <a:rPr lang="zh-CN" altLang="en-US" sz="1100" dirty="0"/>
               <a:t>月</a:t>
             </a:r>
             <a:r>
-              <a:rPr lang="en-US" altLang="zh-CN" sz="1100" dirty="0">
-                <a:solidFill>
-                  <a:schemeClr val="bg1"/>
-                </a:solidFill>
-              </a:rPr>
+              <a:rPr lang="en-US" altLang="zh-CN" sz="1100" dirty="0"/>
               <a:t>5</a:t>
             </a:r>
             <a:r>
-              <a:rPr lang="zh-CN" altLang="en-US" sz="1100" dirty="0">
-                <a:solidFill>
-                  <a:schemeClr val="bg1"/>
-                </a:solidFill>
-              </a:rPr>
+              <a:rPr lang="zh-CN" altLang="en-US" sz="1100" dirty="0"/>
               <a:t>日</a:t>
             </a:r>
           </a:p>
@@ -19139,20 +19174,18 @@
               <a:buNone/>
             </a:pPr>
             <a:r>
-              <a:rPr lang="zh-CN" altLang="en-US" sz="2000" dirty="0"/>
+              <a:rPr lang="zh-CN" altLang="en-US" sz="2000" dirty="0">
+                <a:highlight>
+                  <a:srgbClr val="FF0000"/>
+                </a:highlight>
+              </a:rPr>
               <a:t>区码：前两位</a:t>
             </a:r>
-            <a:endParaRPr lang="en-US" altLang="zh-CN" sz="2000" dirty="0"/>
-          </a:p>
-          <a:p>
-            <a:pPr marL="0" indent="0">
-              <a:buNone/>
-            </a:pPr>
-            <a:r>
-              <a:rPr lang="zh-CN" altLang="en-US" sz="2000" dirty="0"/>
-              <a:t>位码：后两位</a:t>
-            </a:r>
-            <a:endParaRPr lang="en-US" altLang="zh-CN" sz="2000" dirty="0"/>
+            <a:endParaRPr lang="en-US" altLang="zh-CN" sz="2000" dirty="0">
+              <a:highlight>
+                <a:srgbClr val="FF0000"/>
+              </a:highlight>
+            </a:endParaRPr>
           </a:p>
           <a:p>
             <a:pPr marL="0" indent="0">
@@ -19164,14 +19197,24 @@
                   <a:srgbClr val="008000"/>
                 </a:highlight>
               </a:rPr>
+              <a:t>位码：后两位</a:t>
+            </a:r>
+            <a:endParaRPr lang="en-US" altLang="zh-CN" sz="2000" dirty="0">
+              <a:highlight>
+                <a:srgbClr val="008000"/>
+              </a:highlight>
+            </a:endParaRPr>
+          </a:p>
+          <a:p>
+            <a:pPr marL="0" indent="0">
+              <a:buNone/>
+            </a:pPr>
+            <a:r>
+              <a:rPr lang="zh-CN" altLang="en-US" sz="2000" dirty="0"/>
               <a:t>编码空间：</a:t>
             </a:r>
             <a:r>
-              <a:rPr lang="en-US" altLang="zh-CN" sz="2000" dirty="0">
-                <a:highlight>
-                  <a:srgbClr val="008000"/>
-                </a:highlight>
-              </a:rPr>
+              <a:rPr lang="en-US" altLang="zh-CN" sz="2000" dirty="0"/>
               <a:t>94 × 94</a:t>
             </a:r>
           </a:p>
@@ -19341,23 +19384,43 @@
           <a:p>
             <a:r>
               <a:rPr lang="zh-CN" altLang="en-US" dirty="0"/>
-              <a:t>如“万”字在</a:t>
-            </a:r>
-            <a:r>
-              <a:rPr lang="en-US" altLang="zh-CN" dirty="0"/>
+              <a:t>“万”字在</a:t>
+            </a:r>
+            <a:r>
+              <a:rPr lang="en-US" altLang="zh-CN" dirty="0">
+                <a:highlight>
+                  <a:srgbClr val="FF0000"/>
+                </a:highlight>
+              </a:rPr>
               <a:t>45</a:t>
             </a:r>
             <a:r>
-              <a:rPr lang="zh-CN" altLang="en-US" dirty="0"/>
+              <a:rPr lang="zh-CN" altLang="en-US" dirty="0">
+                <a:highlight>
+                  <a:srgbClr val="FF0000"/>
+                </a:highlight>
+              </a:rPr>
               <a:t>区</a:t>
             </a:r>
             <a:r>
-              <a:rPr lang="en-US" altLang="zh-CN" dirty="0"/>
+              <a:rPr lang="en-US" altLang="zh-CN" dirty="0">
+                <a:highlight>
+                  <a:srgbClr val="008000"/>
+                </a:highlight>
+              </a:rPr>
               <a:t>82</a:t>
             </a:r>
             <a:r>
-              <a:rPr lang="zh-CN" altLang="en-US" dirty="0"/>
-              <a:t>位，</a:t>
+              <a:rPr lang="zh-CN" altLang="en-US" dirty="0">
+                <a:highlight>
+                  <a:srgbClr val="008000"/>
+                </a:highlight>
+              </a:rPr>
+              <a:t>位</a:t>
+            </a:r>
+            <a:r>
+              <a:rPr lang="zh-CN" altLang="en-US" dirty="0"/>
+              <a:t>，</a:t>
             </a:r>
             <a:endParaRPr lang="en-US" altLang="zh-CN" dirty="0"/>
           </a:p>
@@ -19367,10 +19430,26 @@
               <a:t>所以“万”字的区位码是：</a:t>
             </a:r>
             <a:r>
-              <a:rPr lang="en-US" altLang="zh-CN" dirty="0"/>
-              <a:t>45 82</a:t>
-            </a:r>
-            <a:endParaRPr lang="zh-CN" altLang="en-US" dirty="0"/>
+              <a:rPr lang="en-US" altLang="zh-CN" dirty="0">
+                <a:highlight>
+                  <a:srgbClr val="FF0000"/>
+                </a:highlight>
+              </a:rPr>
+              <a:t>45 </a:t>
+            </a:r>
+            <a:r>
+              <a:rPr lang="en-US" altLang="zh-CN" dirty="0">
+                <a:highlight>
+                  <a:srgbClr val="008000"/>
+                </a:highlight>
+              </a:rPr>
+              <a:t>82</a:t>
+            </a:r>
+            <a:endParaRPr lang="zh-CN" altLang="en-US" dirty="0">
+              <a:highlight>
+                <a:srgbClr val="008000"/>
+              </a:highlight>
+            </a:endParaRPr>
           </a:p>
         </p:txBody>
       </p:sp>
@@ -19408,23 +19487,43 @@
           <a:p>
             <a:r>
               <a:rPr lang="zh-CN" altLang="en-US" dirty="0"/>
-              <a:t>如“爸”字在</a:t>
-            </a:r>
-            <a:r>
-              <a:rPr lang="en-US" altLang="zh-CN" dirty="0"/>
+              <a:t>“爸”字在</a:t>
+            </a:r>
+            <a:r>
+              <a:rPr lang="en-US" altLang="zh-CN" dirty="0">
+                <a:highlight>
+                  <a:srgbClr val="FF0000"/>
+                </a:highlight>
+              </a:rPr>
               <a:t>16</a:t>
             </a:r>
             <a:r>
-              <a:rPr lang="zh-CN" altLang="en-US" dirty="0"/>
+              <a:rPr lang="zh-CN" altLang="en-US" dirty="0">
+                <a:highlight>
+                  <a:srgbClr val="FF0000"/>
+                </a:highlight>
+              </a:rPr>
               <a:t>区</a:t>
             </a:r>
             <a:r>
-              <a:rPr lang="en-US" altLang="zh-CN" dirty="0"/>
+              <a:rPr lang="en-US" altLang="zh-CN" dirty="0">
+                <a:highlight>
+                  <a:srgbClr val="008000"/>
+                </a:highlight>
+              </a:rPr>
               <a:t>54</a:t>
             </a:r>
             <a:r>
-              <a:rPr lang="zh-CN" altLang="en-US" dirty="0"/>
-              <a:t>位，</a:t>
+              <a:rPr lang="zh-CN" altLang="en-US" dirty="0">
+                <a:highlight>
+                  <a:srgbClr val="008000"/>
+                </a:highlight>
+              </a:rPr>
+              <a:t>位</a:t>
+            </a:r>
+            <a:r>
+              <a:rPr lang="zh-CN" altLang="en-US" dirty="0"/>
+              <a:t>，</a:t>
             </a:r>
             <a:endParaRPr lang="en-US" altLang="zh-CN" dirty="0"/>
           </a:p>
@@ -19434,10 +19533,26 @@
               <a:t>所以“万”字的区位码是：</a:t>
             </a:r>
             <a:r>
-              <a:rPr lang="en-US" altLang="zh-CN" dirty="0"/>
-              <a:t>16 54</a:t>
-            </a:r>
-            <a:endParaRPr lang="zh-CN" altLang="en-US" dirty="0"/>
+              <a:rPr lang="en-US" altLang="zh-CN" dirty="0">
+                <a:highlight>
+                  <a:srgbClr val="FF0000"/>
+                </a:highlight>
+              </a:rPr>
+              <a:t>16 </a:t>
+            </a:r>
+            <a:r>
+              <a:rPr lang="en-US" altLang="zh-CN" dirty="0">
+                <a:highlight>
+                  <a:srgbClr val="008000"/>
+                </a:highlight>
+              </a:rPr>
+              <a:t>54</a:t>
+            </a:r>
+            <a:endParaRPr lang="zh-CN" altLang="en-US" dirty="0">
+              <a:highlight>
+                <a:srgbClr val="008000"/>
+              </a:highlight>
+            </a:endParaRPr>
           </a:p>
         </p:txBody>
       </p:sp>

--- a/PPT-2020/ch06 字符编码与字频统计.pptx
+++ b/PPT-2020/ch06 字符编码与字频统计.pptx
@@ -419,7 +419,7 @@
           <a:p>
             <a:fld id="{B161E7BD-2304-4CFF-AC2E-DAADCB15FF3C}" type="datetimeFigureOut">
               <a:rPr lang="zh-CN" altLang="en-US" smtClean="0"/>
-              <a:t>2020/11/23</a:t>
+              <a:t>2020/11/25</a:t>
             </a:fld>
             <a:endParaRPr lang="zh-CN" altLang="en-US"/>
           </a:p>
@@ -833,7 +833,7 @@
           <a:p>
             <a:fld id="{B161E7BD-2304-4CFF-AC2E-DAADCB15FF3C}" type="datetimeFigureOut">
               <a:rPr lang="zh-CN" altLang="en-US" smtClean="0"/>
-              <a:t>2020/11/23</a:t>
+              <a:t>2020/11/25</a:t>
             </a:fld>
             <a:endParaRPr lang="zh-CN" altLang="en-US"/>
           </a:p>
@@ -1169,7 +1169,7 @@
           <a:p>
             <a:fld id="{B161E7BD-2304-4CFF-AC2E-DAADCB15FF3C}" type="datetimeFigureOut">
               <a:rPr lang="zh-CN" altLang="en-US" smtClean="0"/>
-              <a:t>2020/11/23</a:t>
+              <a:t>2020/11/25</a:t>
             </a:fld>
             <a:endParaRPr lang="zh-CN" altLang="en-US"/>
           </a:p>
@@ -1574,7 +1574,7 @@
           <a:p>
             <a:fld id="{B161E7BD-2304-4CFF-AC2E-DAADCB15FF3C}" type="datetimeFigureOut">
               <a:rPr lang="zh-CN" altLang="en-US" smtClean="0"/>
-              <a:t>2020/11/23</a:t>
+              <a:t>2020/11/25</a:t>
             </a:fld>
             <a:endParaRPr lang="zh-CN" altLang="en-US"/>
           </a:p>
@@ -2142,7 +2142,7 @@
           <a:p>
             <a:fld id="{B161E7BD-2304-4CFF-AC2E-DAADCB15FF3C}" type="datetimeFigureOut">
               <a:rPr lang="zh-CN" altLang="en-US" smtClean="0"/>
-              <a:t>2020/11/23</a:t>
+              <a:t>2020/11/25</a:t>
             </a:fld>
             <a:endParaRPr lang="zh-CN" altLang="en-US"/>
           </a:p>
@@ -2823,7 +2823,7 @@
           <a:p>
             <a:fld id="{B161E7BD-2304-4CFF-AC2E-DAADCB15FF3C}" type="datetimeFigureOut">
               <a:rPr lang="zh-CN" altLang="en-US" smtClean="0"/>
-              <a:t>2020/11/23</a:t>
+              <a:t>2020/11/25</a:t>
             </a:fld>
             <a:endParaRPr lang="zh-CN" altLang="en-US"/>
           </a:p>
@@ -3736,7 +3736,7 @@
           <a:p>
             <a:fld id="{B161E7BD-2304-4CFF-AC2E-DAADCB15FF3C}" type="datetimeFigureOut">
               <a:rPr lang="zh-CN" altLang="en-US" smtClean="0"/>
-              <a:t>2020/11/23</a:t>
+              <a:t>2020/11/25</a:t>
             </a:fld>
             <a:endParaRPr lang="zh-CN" altLang="en-US"/>
           </a:p>
@@ -4049,7 +4049,7 @@
           <a:p>
             <a:fld id="{B161E7BD-2304-4CFF-AC2E-DAADCB15FF3C}" type="datetimeFigureOut">
               <a:rPr lang="zh-CN" altLang="en-US" smtClean="0"/>
-              <a:t>2020/11/23</a:t>
+              <a:t>2020/11/25</a:t>
             </a:fld>
             <a:endParaRPr lang="zh-CN" altLang="en-US"/>
           </a:p>
@@ -4313,7 +4313,7 @@
           <a:p>
             <a:fld id="{B161E7BD-2304-4CFF-AC2E-DAADCB15FF3C}" type="datetimeFigureOut">
               <a:rPr lang="zh-CN" altLang="en-US" smtClean="0"/>
-              <a:t>2020/11/23</a:t>
+              <a:t>2020/11/25</a:t>
             </a:fld>
             <a:endParaRPr lang="zh-CN" altLang="en-US"/>
           </a:p>
@@ -4636,7 +4636,7 @@
           <a:p>
             <a:fld id="{B161E7BD-2304-4CFF-AC2E-DAADCB15FF3C}" type="datetimeFigureOut">
               <a:rPr lang="zh-CN" altLang="en-US" smtClean="0"/>
-              <a:t>2020/11/23</a:t>
+              <a:t>2020/11/25</a:t>
             </a:fld>
             <a:endParaRPr lang="zh-CN" altLang="en-US"/>
           </a:p>
@@ -5025,7 +5025,7 @@
           <a:p>
             <a:fld id="{B161E7BD-2304-4CFF-AC2E-DAADCB15FF3C}" type="datetimeFigureOut">
               <a:rPr lang="zh-CN" altLang="en-US" smtClean="0"/>
-              <a:t>2020/11/23</a:t>
+              <a:t>2020/11/25</a:t>
             </a:fld>
             <a:endParaRPr lang="zh-CN" altLang="en-US"/>
           </a:p>
@@ -5401,7 +5401,7 @@
           <a:p>
             <a:fld id="{B161E7BD-2304-4CFF-AC2E-DAADCB15FF3C}" type="datetimeFigureOut">
               <a:rPr lang="zh-CN" altLang="en-US" smtClean="0"/>
-              <a:t>2020/11/23</a:t>
+              <a:t>2020/11/25</a:t>
             </a:fld>
             <a:endParaRPr lang="zh-CN" altLang="en-US"/>
           </a:p>
@@ -5907,7 +5907,7 @@
           <a:p>
             <a:fld id="{B161E7BD-2304-4CFF-AC2E-DAADCB15FF3C}" type="datetimeFigureOut">
               <a:rPr lang="zh-CN" altLang="en-US" smtClean="0"/>
-              <a:t>2020/11/23</a:t>
+              <a:t>2020/11/25</a:t>
             </a:fld>
             <a:endParaRPr lang="zh-CN" altLang="en-US"/>
           </a:p>
@@ -6164,7 +6164,7 @@
           <a:p>
             <a:fld id="{B161E7BD-2304-4CFF-AC2E-DAADCB15FF3C}" type="datetimeFigureOut">
               <a:rPr lang="zh-CN" altLang="en-US" smtClean="0"/>
-              <a:t>2020/11/23</a:t>
+              <a:t>2020/11/25</a:t>
             </a:fld>
             <a:endParaRPr lang="zh-CN" altLang="en-US"/>
           </a:p>
@@ -6327,7 +6327,7 @@
           <a:p>
             <a:fld id="{B161E7BD-2304-4CFF-AC2E-DAADCB15FF3C}" type="datetimeFigureOut">
               <a:rPr lang="zh-CN" altLang="en-US" smtClean="0"/>
-              <a:t>2020/11/23</a:t>
+              <a:t>2020/11/25</a:t>
             </a:fld>
             <a:endParaRPr lang="zh-CN" altLang="en-US"/>
           </a:p>
@@ -6717,7 +6717,7 @@
           <a:p>
             <a:fld id="{B161E7BD-2304-4CFF-AC2E-DAADCB15FF3C}" type="datetimeFigureOut">
               <a:rPr lang="zh-CN" altLang="en-US" smtClean="0"/>
-              <a:t>2020/11/23</a:t>
+              <a:t>2020/11/25</a:t>
             </a:fld>
             <a:endParaRPr lang="zh-CN" altLang="en-US"/>
           </a:p>
@@ -7126,7 +7126,7 @@
           <a:p>
             <a:fld id="{B161E7BD-2304-4CFF-AC2E-DAADCB15FF3C}" type="datetimeFigureOut">
               <a:rPr lang="zh-CN" altLang="en-US" smtClean="0"/>
-              <a:t>2020/11/23</a:t>
+              <a:t>2020/11/25</a:t>
             </a:fld>
             <a:endParaRPr lang="zh-CN" altLang="en-US"/>
           </a:p>
@@ -7370,7 +7370,7 @@
           <a:p>
             <a:fld id="{B161E7BD-2304-4CFF-AC2E-DAADCB15FF3C}" type="datetimeFigureOut">
               <a:rPr lang="zh-CN" altLang="en-US" smtClean="0"/>
-              <a:t>2020/11/23</a:t>
+              <a:t>2020/11/25</a:t>
             </a:fld>
             <a:endParaRPr lang="zh-CN" altLang="en-US"/>
           </a:p>

--- a/PPT-2020/ch06 字符编码与字频统计.pptx
+++ b/PPT-2020/ch06 字符编码与字频统计.pptx
@@ -419,7 +419,7 @@
           <a:p>
             <a:fld id="{B161E7BD-2304-4CFF-AC2E-DAADCB15FF3C}" type="datetimeFigureOut">
               <a:rPr lang="zh-CN" altLang="en-US" smtClean="0"/>
-              <a:t>2020/11/25</a:t>
+              <a:t>2020/11/30</a:t>
             </a:fld>
             <a:endParaRPr lang="zh-CN" altLang="en-US"/>
           </a:p>
@@ -833,7 +833,7 @@
           <a:p>
             <a:fld id="{B161E7BD-2304-4CFF-AC2E-DAADCB15FF3C}" type="datetimeFigureOut">
               <a:rPr lang="zh-CN" altLang="en-US" smtClean="0"/>
-              <a:t>2020/11/25</a:t>
+              <a:t>2020/11/30</a:t>
             </a:fld>
             <a:endParaRPr lang="zh-CN" altLang="en-US"/>
           </a:p>
@@ -1169,7 +1169,7 @@
           <a:p>
             <a:fld id="{B161E7BD-2304-4CFF-AC2E-DAADCB15FF3C}" type="datetimeFigureOut">
               <a:rPr lang="zh-CN" altLang="en-US" smtClean="0"/>
-              <a:t>2020/11/25</a:t>
+              <a:t>2020/11/30</a:t>
             </a:fld>
             <a:endParaRPr lang="zh-CN" altLang="en-US"/>
           </a:p>
@@ -1574,7 +1574,7 @@
           <a:p>
             <a:fld id="{B161E7BD-2304-4CFF-AC2E-DAADCB15FF3C}" type="datetimeFigureOut">
               <a:rPr lang="zh-CN" altLang="en-US" smtClean="0"/>
-              <a:t>2020/11/25</a:t>
+              <a:t>2020/11/30</a:t>
             </a:fld>
             <a:endParaRPr lang="zh-CN" altLang="en-US"/>
           </a:p>
@@ -2142,7 +2142,7 @@
           <a:p>
             <a:fld id="{B161E7BD-2304-4CFF-AC2E-DAADCB15FF3C}" type="datetimeFigureOut">
               <a:rPr lang="zh-CN" altLang="en-US" smtClean="0"/>
-              <a:t>2020/11/25</a:t>
+              <a:t>2020/11/30</a:t>
             </a:fld>
             <a:endParaRPr lang="zh-CN" altLang="en-US"/>
           </a:p>
@@ -2823,7 +2823,7 @@
           <a:p>
             <a:fld id="{B161E7BD-2304-4CFF-AC2E-DAADCB15FF3C}" type="datetimeFigureOut">
               <a:rPr lang="zh-CN" altLang="en-US" smtClean="0"/>
-              <a:t>2020/11/25</a:t>
+              <a:t>2020/11/30</a:t>
             </a:fld>
             <a:endParaRPr lang="zh-CN" altLang="en-US"/>
           </a:p>
@@ -3736,7 +3736,7 @@
           <a:p>
             <a:fld id="{B161E7BD-2304-4CFF-AC2E-DAADCB15FF3C}" type="datetimeFigureOut">
               <a:rPr lang="zh-CN" altLang="en-US" smtClean="0"/>
-              <a:t>2020/11/25</a:t>
+              <a:t>2020/11/30</a:t>
             </a:fld>
             <a:endParaRPr lang="zh-CN" altLang="en-US"/>
           </a:p>
@@ -4049,7 +4049,7 @@
           <a:p>
             <a:fld id="{B161E7BD-2304-4CFF-AC2E-DAADCB15FF3C}" type="datetimeFigureOut">
               <a:rPr lang="zh-CN" altLang="en-US" smtClean="0"/>
-              <a:t>2020/11/25</a:t>
+              <a:t>2020/11/30</a:t>
             </a:fld>
             <a:endParaRPr lang="zh-CN" altLang="en-US"/>
           </a:p>
@@ -4313,7 +4313,7 @@
           <a:p>
             <a:fld id="{B161E7BD-2304-4CFF-AC2E-DAADCB15FF3C}" type="datetimeFigureOut">
               <a:rPr lang="zh-CN" altLang="en-US" smtClean="0"/>
-              <a:t>2020/11/25</a:t>
+              <a:t>2020/11/30</a:t>
             </a:fld>
             <a:endParaRPr lang="zh-CN" altLang="en-US"/>
           </a:p>
@@ -4636,7 +4636,7 @@
           <a:p>
             <a:fld id="{B161E7BD-2304-4CFF-AC2E-DAADCB15FF3C}" type="datetimeFigureOut">
               <a:rPr lang="zh-CN" altLang="en-US" smtClean="0"/>
-              <a:t>2020/11/25</a:t>
+              <a:t>2020/11/30</a:t>
             </a:fld>
             <a:endParaRPr lang="zh-CN" altLang="en-US"/>
           </a:p>
@@ -5025,7 +5025,7 @@
           <a:p>
             <a:fld id="{B161E7BD-2304-4CFF-AC2E-DAADCB15FF3C}" type="datetimeFigureOut">
               <a:rPr lang="zh-CN" altLang="en-US" smtClean="0"/>
-              <a:t>2020/11/25</a:t>
+              <a:t>2020/11/30</a:t>
             </a:fld>
             <a:endParaRPr lang="zh-CN" altLang="en-US"/>
           </a:p>
@@ -5401,7 +5401,7 @@
           <a:p>
             <a:fld id="{B161E7BD-2304-4CFF-AC2E-DAADCB15FF3C}" type="datetimeFigureOut">
               <a:rPr lang="zh-CN" altLang="en-US" smtClean="0"/>
-              <a:t>2020/11/25</a:t>
+              <a:t>2020/11/30</a:t>
             </a:fld>
             <a:endParaRPr lang="zh-CN" altLang="en-US"/>
           </a:p>
@@ -5907,7 +5907,7 @@
           <a:p>
             <a:fld id="{B161E7BD-2304-4CFF-AC2E-DAADCB15FF3C}" type="datetimeFigureOut">
               <a:rPr lang="zh-CN" altLang="en-US" smtClean="0"/>
-              <a:t>2020/11/25</a:t>
+              <a:t>2020/11/30</a:t>
             </a:fld>
             <a:endParaRPr lang="zh-CN" altLang="en-US"/>
           </a:p>
@@ -6164,7 +6164,7 @@
           <a:p>
             <a:fld id="{B161E7BD-2304-4CFF-AC2E-DAADCB15FF3C}" type="datetimeFigureOut">
               <a:rPr lang="zh-CN" altLang="en-US" smtClean="0"/>
-              <a:t>2020/11/25</a:t>
+              <a:t>2020/11/30</a:t>
             </a:fld>
             <a:endParaRPr lang="zh-CN" altLang="en-US"/>
           </a:p>
@@ -6327,7 +6327,7 @@
           <a:p>
             <a:fld id="{B161E7BD-2304-4CFF-AC2E-DAADCB15FF3C}" type="datetimeFigureOut">
               <a:rPr lang="zh-CN" altLang="en-US" smtClean="0"/>
-              <a:t>2020/11/25</a:t>
+              <a:t>2020/11/30</a:t>
             </a:fld>
             <a:endParaRPr lang="zh-CN" altLang="en-US"/>
           </a:p>
@@ -6717,7 +6717,7 @@
           <a:p>
             <a:fld id="{B161E7BD-2304-4CFF-AC2E-DAADCB15FF3C}" type="datetimeFigureOut">
               <a:rPr lang="zh-CN" altLang="en-US" smtClean="0"/>
-              <a:t>2020/11/25</a:t>
+              <a:t>2020/11/30</a:t>
             </a:fld>
             <a:endParaRPr lang="zh-CN" altLang="en-US"/>
           </a:p>
@@ -7126,7 +7126,7 @@
           <a:p>
             <a:fld id="{B161E7BD-2304-4CFF-AC2E-DAADCB15FF3C}" type="datetimeFigureOut">
               <a:rPr lang="zh-CN" altLang="en-US" smtClean="0"/>
-              <a:t>2020/11/25</a:t>
+              <a:t>2020/11/30</a:t>
             </a:fld>
             <a:endParaRPr lang="zh-CN" altLang="en-US"/>
           </a:p>
@@ -7370,7 +7370,7 @@
           <a:p>
             <a:fld id="{B161E7BD-2304-4CFF-AC2E-DAADCB15FF3C}" type="datetimeFigureOut">
               <a:rPr lang="zh-CN" altLang="en-US" smtClean="0"/>
-              <a:t>2020/11/25</a:t>
+              <a:t>2020/11/30</a:t>
             </a:fld>
             <a:endParaRPr lang="zh-CN" altLang="en-US"/>
           </a:p>
@@ -15745,7 +15745,7 @@
             </a:pPr>
             <a:r>
               <a:rPr lang="zh-CN" altLang="en-US" sz="2000" dirty="0"/>
-              <a:t>在语篇中，围绕一定的话题，一定的词往往会同时出回现，而答其他一些词汇就不大可能出现或根本不会出现。这种词的同现关系与语篇范围关系非常密切。</a:t>
+              <a:t>在语篇中，围绕一定的话题，一定的词往往会同时出回现，其他一些词汇就不大可能出现或根本不会出现。这种词的同现关系与语篇范围关系非常密切。</a:t>
             </a:r>
           </a:p>
         </p:txBody>
@@ -16231,7 +16231,7 @@
             </a:pPr>
             <a:r>
               <a:rPr lang="zh-CN" altLang="en-US" dirty="0"/>
-              <a:t>使用正常语料中统计出来的字频数据是 正字 出现规律，</a:t>
+              <a:t>使用正常语料中统计出来的字频数据是“正字”出现规律，</a:t>
             </a:r>
             <a:endParaRPr lang="en-US" altLang="zh-CN" dirty="0"/>
           </a:p>
@@ -16241,7 +16241,7 @@
             </a:pPr>
             <a:r>
               <a:rPr lang="zh-CN" altLang="en-US" dirty="0"/>
-              <a:t>可以用来帮助识别 别字</a:t>
+              <a:t>可以用来帮助识别“别字”</a:t>
             </a:r>
           </a:p>
         </p:txBody>

--- a/PPT-2020/ch06 字符编码与字频统计.pptx
+++ b/PPT-2020/ch06 字符编码与字频统计.pptx
@@ -15555,10 +15555,10 @@
               <a:buNone/>
             </a:pPr>
             <a:r>
-              <a:rPr lang="zh-CN" altLang="en-US" dirty="0"/>
+              <a:rPr lang="zh-CN" altLang="en-US" sz="3200" dirty="0"/>
               <a:t>中文输入法：汉字输入系统</a:t>
             </a:r>
-            <a:endParaRPr lang="en-US" altLang="zh-CN" dirty="0"/>
+            <a:endParaRPr lang="en-US" altLang="zh-CN" sz="3200" dirty="0"/>
           </a:p>
           <a:p>
             <a:pPr marL="0" indent="0">
@@ -15569,7 +15569,7 @@
           <a:p>
             <a:r>
               <a:rPr lang="zh-CN" altLang="en-US" dirty="0"/>
-              <a:t>高字频，减少输入长度</a:t>
+              <a:t>高字频，减少输入长度（短输入码）</a:t>
             </a:r>
             <a:endParaRPr lang="en-US" altLang="zh-CN" dirty="0"/>
           </a:p>
@@ -15661,6 +15661,10 @@
           </p:nvPr>
         </p:nvSpPr>
         <p:spPr>
+          <a:xfrm>
+            <a:off x="615470" y="2181230"/>
+            <a:ext cx="9613861" cy="1995179"/>
+          </a:xfrm>
           <a:solidFill>
             <a:schemeClr val="accent1">
               <a:lumMod val="50000"/>
@@ -15675,9 +15679,22 @@
               <a:buNone/>
             </a:pPr>
             <a:r>
-              <a:rPr lang="zh-CN" altLang="en-US" dirty="0"/>
+              <a:rPr lang="zh-CN" altLang="en-US" sz="2800" dirty="0"/>
               <a:t>印刷汉字识别 </a:t>
             </a:r>
+            <a:endParaRPr lang="en-US" altLang="zh-CN" sz="2800" dirty="0"/>
+          </a:p>
+          <a:p>
+            <a:pPr marL="0" indent="0">
+              <a:buNone/>
+            </a:pPr>
+            <a:r>
+              <a:rPr lang="zh-CN" altLang="en-US" sz="2800" dirty="0"/>
+              <a:t>手写汉字识别</a:t>
+            </a:r>
+            <a:endParaRPr lang="en-US" altLang="zh-CN" sz="2800" dirty="0"/>
+          </a:p>
+          <a:p>
             <a:endParaRPr lang="en-US" altLang="zh-CN" dirty="0"/>
           </a:p>
           <a:p>
@@ -15686,26 +15703,42 @@
             </a:pPr>
             <a:r>
               <a:rPr lang="zh-CN" altLang="en-US" dirty="0"/>
-              <a:t>手写汉字识别</a:t>
+              <a:t>字与字的同现关系，能提高汉字识别的正确率</a:t>
             </a:r>
             <a:endParaRPr lang="en-US" altLang="zh-CN" dirty="0"/>
           </a:p>
           <a:p>
             <a:endParaRPr lang="en-US" altLang="zh-CN" dirty="0"/>
           </a:p>
-          <a:p>
-            <a:pPr marL="0" indent="0">
-              <a:buNone/>
-            </a:pPr>
-            <a:r>
-              <a:rPr lang="zh-CN" altLang="en-US" dirty="0"/>
-              <a:t>字与字的同现关系，能提高汉字识别的正确率</a:t>
-            </a:r>
-            <a:endParaRPr lang="en-US" altLang="zh-CN" dirty="0"/>
-          </a:p>
-          <a:p>
-            <a:endParaRPr lang="en-US" altLang="zh-CN" dirty="0"/>
-          </a:p>
+        </p:txBody>
+      </p:sp>
+      <p:sp>
+        <p:nvSpPr>
+          <p:cNvPr id="5" name="文本框 4">
+            <a:extLst>
+              <a:ext uri="{FF2B5EF4-FFF2-40B4-BE49-F238E27FC236}">
+                <a16:creationId xmlns:a16="http://schemas.microsoft.com/office/drawing/2014/main" id="{532B21E2-0CEB-40A4-8DAF-5ABCFCF9FD4D}"/>
+              </a:ext>
+            </a:extLst>
+          </p:cNvPr>
+          <p:cNvSpPr txBox="1"/>
+          <p:nvPr/>
+        </p:nvSpPr>
+        <p:spPr>
+          <a:xfrm>
+            <a:off x="615470" y="4402165"/>
+            <a:ext cx="9613860" cy="1477328"/>
+          </a:xfrm>
+          <a:prstGeom prst="rect">
+            <a:avLst/>
+          </a:prstGeom>
+          <a:noFill/>
+        </p:spPr>
+        <p:txBody>
+          <a:bodyPr wrap="square">
+            <a:spAutoFit/>
+          </a:bodyPr>
+          <a:lstStyle/>
           <a:p>
             <a:pPr marL="0" indent="0">
               <a:buNone/>
@@ -15744,8 +15777,24 @@
               <a:buNone/>
             </a:pPr>
             <a:r>
-              <a:rPr lang="zh-CN" altLang="en-US" sz="2000" dirty="0"/>
-              <a:t>在语篇中，围绕一定的话题，一定的词往往会同时出回现，其他一些词汇就不大可能出现或根本不会出现。这种词的同现关系与语篇范围关系非常密切。</a:t>
+              <a:rPr lang="zh-CN" altLang="en-US" sz="1800" dirty="0"/>
+              <a:t>在语篇中，围绕一定的话题，一定的词往往会同时出现，其他词汇不大可能或根本不会出现。</a:t>
+            </a:r>
+          </a:p>
+          <a:p>
+            <a:endParaRPr lang="en-US" altLang="zh-CN" dirty="0"/>
+          </a:p>
+          <a:p>
+            <a:r>
+              <a:rPr lang="zh-CN" altLang="en-US" dirty="0"/>
+              <a:t>谈到上课时，有关教室、上课的词语经常同现；</a:t>
+            </a:r>
+            <a:endParaRPr lang="en-US" altLang="zh-CN" dirty="0"/>
+          </a:p>
+          <a:p>
+            <a:r>
+              <a:rPr lang="zh-CN" altLang="en-US" dirty="0"/>
+              <a:t>谈到游览时，有关山水、风景的词语经常同现。</a:t>
             </a:r>
           </a:p>
         </p:txBody>
@@ -16217,12 +16266,53 @@
               <a:buNone/>
             </a:pPr>
             <a:r>
-              <a:rPr lang="zh-CN" altLang="en-US" dirty="0"/>
+              <a:rPr lang="zh-CN" altLang="en-US" sz="2800" dirty="0"/>
               <a:t>检查文本中 语法、 词汇、 文字 方面的错误</a:t>
             </a:r>
+            <a:endParaRPr lang="en-US" altLang="zh-CN" sz="2800" dirty="0"/>
+          </a:p>
+          <a:p>
             <a:endParaRPr lang="en-US" altLang="zh-CN" dirty="0"/>
           </a:p>
           <a:p>
+            <a:pPr marL="0" indent="0">
+              <a:buNone/>
+            </a:pPr>
+            <a:r>
+              <a:rPr lang="zh-CN" altLang="en-US" dirty="0"/>
+              <a:t>使用正常语料中统计出来的字频数据是</a:t>
+            </a:r>
+            <a:r>
+              <a:rPr lang="zh-CN" altLang="en-US" dirty="0">
+                <a:solidFill>
+                  <a:srgbClr val="FF0000"/>
+                </a:solidFill>
+              </a:rPr>
+              <a:t>“</a:t>
+            </a:r>
+            <a:r>
+              <a:rPr lang="zh-CN" altLang="en-US" dirty="0">
+                <a:solidFill>
+                  <a:srgbClr val="FF0000"/>
+                </a:solidFill>
+                <a:highlight>
+                  <a:srgbClr val="FFFF00"/>
+                </a:highlight>
+              </a:rPr>
+              <a:t>正字</a:t>
+            </a:r>
+            <a:r>
+              <a:rPr lang="zh-CN" altLang="en-US" dirty="0">
+                <a:solidFill>
+                  <a:srgbClr val="FF0000"/>
+                </a:solidFill>
+              </a:rPr>
+              <a:t>”</a:t>
+            </a:r>
+            <a:r>
+              <a:rPr lang="zh-CN" altLang="en-US" dirty="0"/>
+              <a:t>出现规律，</a:t>
+            </a:r>
             <a:endParaRPr lang="en-US" altLang="zh-CN" dirty="0"/>
           </a:p>
           <a:p>
@@ -16231,17 +16321,34 @@
             </a:pPr>
             <a:r>
               <a:rPr lang="zh-CN" altLang="en-US" dirty="0"/>
-              <a:t>使用正常语料中统计出来的字频数据是“正字”出现规律，</a:t>
-            </a:r>
-            <a:endParaRPr lang="en-US" altLang="zh-CN" dirty="0"/>
-          </a:p>
-          <a:p>
-            <a:pPr marL="0" indent="0">
-              <a:buNone/>
-            </a:pPr>
-            <a:r>
-              <a:rPr lang="zh-CN" altLang="en-US" dirty="0"/>
-              <a:t>可以用来帮助识别“别字”</a:t>
+              <a:t>可以用来帮助识别</a:t>
+            </a:r>
+            <a:r>
+              <a:rPr lang="zh-CN" altLang="en-US" dirty="0">
+                <a:solidFill>
+                  <a:srgbClr val="FF0000"/>
+                </a:solidFill>
+              </a:rPr>
+              <a:t>“</a:t>
+            </a:r>
+            <a:r>
+              <a:rPr lang="zh-CN" altLang="en-US" dirty="0">
+                <a:solidFill>
+                  <a:srgbClr val="FF0000"/>
+                </a:solidFill>
+                <a:highlight>
+                  <a:srgbClr val="FFFF00"/>
+                </a:highlight>
+              </a:rPr>
+              <a:t>别字</a:t>
+            </a:r>
+            <a:r>
+              <a:rPr lang="zh-CN" altLang="en-US" dirty="0">
+                <a:solidFill>
+                  <a:srgbClr val="FF0000"/>
+                </a:solidFill>
+              </a:rPr>
+              <a:t>”</a:t>
             </a:r>
           </a:p>
         </p:txBody>
@@ -16340,10 +16447,10 @@
               <a:buNone/>
             </a:pPr>
             <a:r>
-              <a:rPr lang="zh-CN" altLang="en-US" dirty="0"/>
-              <a:t>未登录词</a:t>
-            </a:r>
-            <a:endParaRPr lang="en-US" altLang="zh-CN" dirty="0"/>
+              <a:rPr lang="zh-CN" altLang="en-US" sz="2800" dirty="0"/>
+              <a:t>未登录词（词表中未统计的词）</a:t>
+            </a:r>
+            <a:endParaRPr lang="en-US" altLang="zh-CN" sz="2800" dirty="0"/>
           </a:p>
           <a:p>
             <a:endParaRPr lang="en-US" altLang="zh-CN" dirty="0"/>
@@ -16489,7 +16596,7 @@
         </p:nvSpPr>
         <p:spPr>
           <a:xfrm>
-            <a:off x="680321" y="2382907"/>
+            <a:off x="1582602" y="2382907"/>
             <a:ext cx="3904649" cy="3599316"/>
           </a:xfrm>
           <a:solidFill>
@@ -16622,7 +16729,7 @@
         </p:blipFill>
         <p:spPr>
           <a:xfrm>
-            <a:off x="5363800" y="2382907"/>
+            <a:off x="6232804" y="2382907"/>
             <a:ext cx="3874346" cy="3599316"/>
           </a:xfrm>
           <a:prstGeom prst="rect">
@@ -16711,7 +16818,7 @@
         </p:nvSpPr>
         <p:spPr>
           <a:xfrm>
-            <a:off x="544135" y="2325919"/>
+            <a:off x="1406654" y="2330170"/>
             <a:ext cx="3710096" cy="3599316"/>
           </a:xfrm>
           <a:solidFill>
@@ -16847,7 +16954,7 @@
         </p:blipFill>
         <p:spPr>
           <a:xfrm>
-            <a:off x="4817955" y="2325919"/>
+            <a:off x="5657259" y="2325919"/>
             <a:ext cx="4636923" cy="3599316"/>
           </a:xfrm>
           <a:prstGeom prst="rect">
